--- a/SDJ2 Assignment Group 4 - VIA Engineering/SDJ Assignment 1 Presentation.pptx
+++ b/SDJ2 Assignment Group 4 - VIA Engineering/SDJ Assignment 1 Presentation.pptx
@@ -131,6 +131,66 @@
     </p:ext>
   </p:extLst>
 </p:presentation>
+</file>
+
+<file path=ppt/revisionInfo.xml><?xml version="1.0" encoding="utf-8"?>
+<p1510:revInfo xmlns:a="http://schemas.openxmlformats.org/drawingml/2006/main" xmlns:r="http://schemas.openxmlformats.org/officeDocument/2006/relationships" xmlns:p1510="http://schemas.microsoft.com/office/powerpoint/2015/10/main">
+  <p1510:revLst>
+    <p1510:client id="{31317F16-1884-4CDF-84BE-C66F1E0D4426}" v="120" dt="2018-05-08T19:11:01.184"/>
+  </p1510:revLst>
+</p1510:revInfo>
+</file>
+
+<file path=ppt/changesInfos/changesInfo1.xml><?xml version="1.0" encoding="utf-8"?>
+<pc:chgInfo xmlns:a="http://schemas.openxmlformats.org/drawingml/2006/main" xmlns:r="http://schemas.openxmlformats.org/officeDocument/2006/relationships" xmlns:ac="http://schemas.microsoft.com/office/drawing/2013/main/command" xmlns:pc="http://schemas.microsoft.com/office/powerpoint/2013/main/command">
+  <pc:docChgLst>
+    <pc:chgData userId="4d5dd17376eeeab1" providerId="LiveId" clId="{31317F16-1884-4CDF-84BE-C66F1E0D4426}"/>
+    <pc:docChg chg="custSel modSld">
+      <pc:chgData name="" userId="4d5dd17376eeeab1" providerId="LiveId" clId="{31317F16-1884-4CDF-84BE-C66F1E0D4426}" dt="2018-05-08T19:11:01.184" v="119" actId="20577"/>
+      <pc:docMkLst>
+        <pc:docMk/>
+      </pc:docMkLst>
+      <pc:sldChg chg="modSp">
+        <pc:chgData name="" userId="4d5dd17376eeeab1" providerId="LiveId" clId="{31317F16-1884-4CDF-84BE-C66F1E0D4426}" dt="2018-05-08T18:53:25.712" v="4" actId="20577"/>
+        <pc:sldMkLst>
+          <pc:docMk/>
+          <pc:sldMk cId="396498422" sldId="270"/>
+        </pc:sldMkLst>
+        <pc:graphicFrameChg chg="mod">
+          <ac:chgData name="" userId="4d5dd17376eeeab1" providerId="LiveId" clId="{31317F16-1884-4CDF-84BE-C66F1E0D4426}" dt="2018-05-08T18:53:25.712" v="4" actId="20577"/>
+          <ac:graphicFrameMkLst>
+            <pc:docMk/>
+            <pc:sldMk cId="396498422" sldId="270"/>
+            <ac:graphicFrameMk id="16" creationId="{5972ACF1-CD72-42ED-BC76-2B4931F9D0AE}"/>
+          </ac:graphicFrameMkLst>
+        </pc:graphicFrameChg>
+      </pc:sldChg>
+      <pc:sldChg chg="modSp">
+        <pc:chgData name="" userId="4d5dd17376eeeab1" providerId="LiveId" clId="{31317F16-1884-4CDF-84BE-C66F1E0D4426}" dt="2018-05-08T19:11:01.184" v="119" actId="20577"/>
+        <pc:sldMkLst>
+          <pc:docMk/>
+          <pc:sldMk cId="77997102" sldId="272"/>
+        </pc:sldMkLst>
+        <pc:spChg chg="mod">
+          <ac:chgData name="" userId="4d5dd17376eeeab1" providerId="LiveId" clId="{31317F16-1884-4CDF-84BE-C66F1E0D4426}" dt="2018-05-08T19:10:34.734" v="112" actId="1076"/>
+          <ac:spMkLst>
+            <pc:docMk/>
+            <pc:sldMk cId="77997102" sldId="272"/>
+            <ac:spMk id="2" creationId="{4A15D405-F8A9-44D8-87AC-A292C5E6FFA8}"/>
+          </ac:spMkLst>
+        </pc:spChg>
+        <pc:spChg chg="mod">
+          <ac:chgData name="" userId="4d5dd17376eeeab1" providerId="LiveId" clId="{31317F16-1884-4CDF-84BE-C66F1E0D4426}" dt="2018-05-08T19:11:01.184" v="119" actId="20577"/>
+          <ac:spMkLst>
+            <pc:docMk/>
+            <pc:sldMk cId="77997102" sldId="272"/>
+            <ac:spMk id="3" creationId="{05EE5194-8808-4DC1-AC4E-0621057C120D}"/>
+          </ac:spMkLst>
+        </pc:spChg>
+      </pc:sldChg>
+    </pc:docChg>
+  </pc:docChgLst>
+</pc:chgInfo>
 </file>
 
 <file path=ppt/diagrams/colors1.xml><?xml version="1.0" encoding="utf-8"?>
@@ -3042,7 +3102,7 @@
 <dgm:dataModel xmlns:dgm="http://schemas.openxmlformats.org/drawingml/2006/diagram" xmlns:a="http://schemas.openxmlformats.org/drawingml/2006/main">
   <dgm:ptLst>
     <dgm:pt modelId="{9A6C8434-6B56-416B-86EA-3E41AEFB6467}" type="doc">
-      <dgm:prSet loTypeId="urn:microsoft.com/office/officeart/2005/8/layout/hierarchy1" loCatId="hierarchy" qsTypeId="urn:microsoft.com/office/officeart/2005/8/quickstyle/simple3" qsCatId="simple" csTypeId="urn:microsoft.com/office/officeart/2005/8/colors/accent1_1" csCatId="accent1"/>
+      <dgm:prSet loTypeId="urn:microsoft.com/office/officeart/2005/8/layout/hierarchy1" loCatId="hierarchy" qsTypeId="urn:microsoft.com/office/officeart/2005/8/quickstyle/simple3" qsCatId="simple" csTypeId="urn:microsoft.com/office/officeart/2005/8/colors/accent1_1" csCatId="accent1" phldr="1"/>
       <dgm:spPr/>
       <dgm:t>
         <a:bodyPr/>
@@ -3060,8 +3120,8 @@
         <a:lstStyle/>
         <a:p>
           <a:r>
-            <a:rPr lang="en-US"/>
-            <a:t>RMI is used for data communication among objects.</a:t>
+            <a:rPr lang="en-US" dirty="0"/>
+            <a:t>RMI is used for communication among objects.</a:t>
           </a:r>
         </a:p>
       </dgm:t>
@@ -3096,7 +3156,7 @@
         <a:lstStyle/>
         <a:p>
           <a:r>
-            <a:rPr lang="en-US"/>
+            <a:rPr lang="en-US" dirty="0"/>
             <a:t>It also invoke methods from remote object. </a:t>
           </a:r>
         </a:p>
@@ -4375,8 +4435,8 @@
             <a:buNone/>
           </a:pPr>
           <a:r>
-            <a:rPr lang="en-US" sz="2500" kern="1200"/>
-            <a:t>RMI is used for data communication among objects.</a:t>
+            <a:rPr lang="en-US" sz="2500" kern="1200" dirty="0"/>
+            <a:t>RMI is used for communication among objects.</a:t>
           </a:r>
         </a:p>
       </dsp:txBody>
@@ -4537,7 +4597,7 @@
             <a:buNone/>
           </a:pPr>
           <a:r>
-            <a:rPr lang="en-US" sz="2500" kern="1200"/>
+            <a:rPr lang="en-US" sz="2500" kern="1200" dirty="0"/>
             <a:t>It also invoke methods from remote object. </a:t>
           </a:r>
         </a:p>
@@ -9638,7 +9698,7 @@
           <a:p>
             <a:fld id="{97620C65-498F-4DEE-94AA-5E3B7423FAA0}" type="datetimeFigureOut">
               <a:rPr lang="en-DK" smtClean="0"/>
-              <a:t>05/07/2018</a:t>
+              <a:t>05/08/2018</a:t>
             </a:fld>
             <a:endParaRPr lang="en-DK"/>
           </a:p>
@@ -10405,7 +10465,7 @@
           <a:p>
             <a:fld id="{1DAA98A6-9CDE-4C4B-96AD-64651D9891DB}" type="datetimeFigureOut">
               <a:rPr lang="en-DK" smtClean="0"/>
-              <a:t>05/07/2018</a:t>
+              <a:t>05/08/2018</a:t>
             </a:fld>
             <a:endParaRPr lang="en-DK"/>
           </a:p>
@@ -10729,7 +10789,7 @@
           <a:p>
             <a:fld id="{1DAA98A6-9CDE-4C4B-96AD-64651D9891DB}" type="datetimeFigureOut">
               <a:rPr lang="en-DK" smtClean="0"/>
-              <a:t>05/07/2018</a:t>
+              <a:t>05/08/2018</a:t>
             </a:fld>
             <a:endParaRPr lang="en-DK"/>
           </a:p>
@@ -10977,7 +11037,7 @@
           <a:p>
             <a:fld id="{1DAA98A6-9CDE-4C4B-96AD-64651D9891DB}" type="datetimeFigureOut">
               <a:rPr lang="en-DK" smtClean="0"/>
-              <a:t>05/07/2018</a:t>
+              <a:t>05/08/2018</a:t>
             </a:fld>
             <a:endParaRPr lang="en-DK"/>
           </a:p>
@@ -11316,7 +11376,7 @@
           <a:p>
             <a:fld id="{1DAA98A6-9CDE-4C4B-96AD-64651D9891DB}" type="datetimeFigureOut">
               <a:rPr lang="en-DK" smtClean="0"/>
-              <a:t>05/07/2018</a:t>
+              <a:t>05/08/2018</a:t>
             </a:fld>
             <a:endParaRPr lang="en-DK"/>
           </a:p>
@@ -11663,7 +11723,7 @@
           <a:p>
             <a:fld id="{1DAA98A6-9CDE-4C4B-96AD-64651D9891DB}" type="datetimeFigureOut">
               <a:rPr lang="en-DK" smtClean="0"/>
-              <a:t>05/07/2018</a:t>
+              <a:t>05/08/2018</a:t>
             </a:fld>
             <a:endParaRPr lang="en-DK"/>
           </a:p>
@@ -12037,7 +12097,7 @@
           <a:p>
             <a:fld id="{1DAA98A6-9CDE-4C4B-96AD-64651D9891DB}" type="datetimeFigureOut">
               <a:rPr lang="en-DK" smtClean="0"/>
-              <a:t>05/07/2018</a:t>
+              <a:t>05/08/2018</a:t>
             </a:fld>
             <a:endParaRPr lang="en-DK"/>
           </a:p>
@@ -12507,7 +12567,7 @@
           <a:p>
             <a:fld id="{1DAA98A6-9CDE-4C4B-96AD-64651D9891DB}" type="datetimeFigureOut">
               <a:rPr lang="en-DK" smtClean="0"/>
-              <a:t>05/07/2018</a:t>
+              <a:t>05/08/2018</a:t>
             </a:fld>
             <a:endParaRPr lang="en-DK"/>
           </a:p>
@@ -12712,7 +12772,7 @@
           <a:p>
             <a:fld id="{1DAA98A6-9CDE-4C4B-96AD-64651D9891DB}" type="datetimeFigureOut">
               <a:rPr lang="en-DK" smtClean="0"/>
-              <a:t>05/07/2018</a:t>
+              <a:t>05/08/2018</a:t>
             </a:fld>
             <a:endParaRPr lang="en-DK"/>
           </a:p>
@@ -12923,7 +12983,7 @@
           <a:p>
             <a:fld id="{1DAA98A6-9CDE-4C4B-96AD-64651D9891DB}" type="datetimeFigureOut">
               <a:rPr lang="en-DK" smtClean="0"/>
-              <a:t>05/07/2018</a:t>
+              <a:t>05/08/2018</a:t>
             </a:fld>
             <a:endParaRPr lang="en-DK"/>
           </a:p>
@@ -13155,7 +13215,7 @@
           <a:p>
             <a:fld id="{1DAA98A6-9CDE-4C4B-96AD-64651D9891DB}" type="datetimeFigureOut">
               <a:rPr lang="en-DK" smtClean="0"/>
-              <a:t>05/07/2018</a:t>
+              <a:t>05/08/2018</a:t>
             </a:fld>
             <a:endParaRPr lang="en-DK"/>
           </a:p>
@@ -13403,7 +13463,7 @@
           <a:p>
             <a:fld id="{1DAA98A6-9CDE-4C4B-96AD-64651D9891DB}" type="datetimeFigureOut">
               <a:rPr lang="en-DK" smtClean="0"/>
-              <a:t>05/07/2018</a:t>
+              <a:t>05/08/2018</a:t>
             </a:fld>
             <a:endParaRPr lang="en-DK"/>
           </a:p>
@@ -13701,7 +13761,7 @@
           <a:p>
             <a:fld id="{1DAA98A6-9CDE-4C4B-96AD-64651D9891DB}" type="datetimeFigureOut">
               <a:rPr lang="en-DK" smtClean="0"/>
-              <a:t>05/07/2018</a:t>
+              <a:t>05/08/2018</a:t>
             </a:fld>
             <a:endParaRPr lang="en-DK"/>
           </a:p>
@@ -14095,7 +14155,7 @@
           <a:p>
             <a:fld id="{1DAA98A6-9CDE-4C4B-96AD-64651D9891DB}" type="datetimeFigureOut">
               <a:rPr lang="en-DK" smtClean="0"/>
-              <a:t>05/07/2018</a:t>
+              <a:t>05/08/2018</a:t>
             </a:fld>
             <a:endParaRPr lang="en-DK"/>
           </a:p>
@@ -14244,7 +14304,7 @@
           <a:p>
             <a:fld id="{1DAA98A6-9CDE-4C4B-96AD-64651D9891DB}" type="datetimeFigureOut">
               <a:rPr lang="en-DK" smtClean="0"/>
-              <a:t>05/07/2018</a:t>
+              <a:t>05/08/2018</a:t>
             </a:fld>
             <a:endParaRPr lang="en-DK"/>
           </a:p>
@@ -14370,7 +14430,7 @@
           <a:p>
             <a:fld id="{1DAA98A6-9CDE-4C4B-96AD-64651D9891DB}" type="datetimeFigureOut">
               <a:rPr lang="en-DK" smtClean="0"/>
-              <a:t>05/07/2018</a:t>
+              <a:t>05/08/2018</a:t>
             </a:fld>
             <a:endParaRPr lang="en-DK"/>
           </a:p>
@@ -14625,7 +14685,7 @@
           <a:p>
             <a:fld id="{1DAA98A6-9CDE-4C4B-96AD-64651D9891DB}" type="datetimeFigureOut">
               <a:rPr lang="en-DK" smtClean="0"/>
-              <a:t>05/07/2018</a:t>
+              <a:t>05/08/2018</a:t>
             </a:fld>
             <a:endParaRPr lang="en-DK"/>
           </a:p>
@@ -14940,7 +15000,7 @@
           <a:p>
             <a:fld id="{1DAA98A6-9CDE-4C4B-96AD-64651D9891DB}" type="datetimeFigureOut">
               <a:rPr lang="en-DK" smtClean="0"/>
-              <a:t>05/07/2018</a:t>
+              <a:t>05/08/2018</a:t>
             </a:fld>
             <a:endParaRPr lang="en-DK"/>
           </a:p>
@@ -15291,7 +15351,7 @@
           <a:p>
             <a:fld id="{1DAA98A6-9CDE-4C4B-96AD-64651D9891DB}" type="datetimeFigureOut">
               <a:rPr lang="en-DK" smtClean="0"/>
-              <a:t>05/07/2018</a:t>
+              <a:t>05/08/2018</a:t>
             </a:fld>
             <a:endParaRPr lang="en-DK"/>
           </a:p>
@@ -19472,7 +19532,7 @@
             <p:ph idx="1"/>
             <p:extLst>
               <p:ext uri="{D42A27DB-BD31-4B8C-83A1-F6EECF244321}">
-                <p14:modId xmlns:p14="http://schemas.microsoft.com/office/powerpoint/2010/main" val="3840313226"/>
+                <p14:modId xmlns:p14="http://schemas.microsoft.com/office/powerpoint/2010/main" val="1820598946"/>
               </p:ext>
             </p:extLst>
           </p:nvPr>
@@ -20053,7 +20113,12 @@
             <p:ph type="title"/>
           </p:nvPr>
         </p:nvSpPr>
-        <p:spPr/>
+        <p:spPr>
+          <a:xfrm>
+            <a:off x="1295401" y="793289"/>
+            <a:ext cx="9601196" cy="1303867"/>
+          </a:xfrm>
+        </p:spPr>
         <p:txBody>
           <a:bodyPr/>
           <a:lstStyle/>
@@ -20082,21 +20147,67 @@
             <p:ph idx="1"/>
           </p:nvPr>
         </p:nvSpPr>
-        <p:spPr/>
+        <p:spPr>
+          <a:xfrm>
+            <a:off x="1295401" y="2745775"/>
+            <a:ext cx="9601196" cy="3318936"/>
+          </a:xfrm>
+        </p:spPr>
         <p:txBody>
-          <a:bodyPr/>
+          <a:bodyPr>
+            <a:normAutofit lnSpcReduction="10000"/>
+          </a:bodyPr>
           <a:lstStyle/>
           <a:p>
             <a:r>
               <a:rPr lang="en-US" dirty="0"/>
-              <a:t>Testing is the documentation of the result to make sure it fulfils all the requirements.</a:t>
+              <a:t>Testing is the documentation of the result to make sure it fulfils all the requirements. </a:t>
             </a:r>
+          </a:p>
+          <a:p>
+            <a:endParaRPr lang="en-US" dirty="0"/>
           </a:p>
           <a:p>
             <a:r>
               <a:rPr lang="en-US" dirty="0"/>
-              <a:t>Member and MemberListGet. </a:t>
+              <a:t>To test the functionality we have tested each and every </a:t>
             </a:r>
+            <a:r>
+              <a:rPr lang="en-US"/>
+              <a:t>method in</a:t>
+            </a:r>
+            <a:endParaRPr lang="en-US" dirty="0"/>
+          </a:p>
+          <a:p>
+            <a:pPr marL="0" indent="0">
+              <a:buNone/>
+            </a:pPr>
+            <a:r>
+              <a:rPr lang="en-US" dirty="0"/>
+              <a:t>	Member, </a:t>
+            </a:r>
+            <a:r>
+              <a:rPr lang="en-US" dirty="0" err="1"/>
+              <a:t>MemberList</a:t>
+            </a:r>
+            <a:r>
+              <a:rPr lang="en-US" dirty="0"/>
+              <a:t> and </a:t>
+            </a:r>
+            <a:r>
+              <a:rPr lang="en-US" dirty="0" err="1"/>
+              <a:t>MemberModelManager</a:t>
+            </a:r>
+            <a:r>
+              <a:rPr lang="en-US" dirty="0"/>
+              <a:t>. </a:t>
+            </a:r>
+          </a:p>
+          <a:p>
+            <a:pPr marL="0" indent="0">
+              <a:buNone/>
+            </a:pPr>
+            <a:endParaRPr lang="en-US" dirty="0"/>
           </a:p>
           <a:p>
             <a:r>

--- a/SDJ2 Assignment Group 4 - VIA Engineering/SDJ Assignment 1 Presentation.pptx
+++ b/SDJ2 Assignment Group 4 - VIA Engineering/SDJ Assignment 1 Presentation.pptx
@@ -2713,6 +2713,13 @@
         </dgm:presLayoutVars>
       </dgm:prSet>
       <dgm:spPr/>
+      <dgm:t>
+        <a:bodyPr/>
+        <a:lstStyle/>
+        <a:p>
+          <a:endParaRPr lang="lv-LV"/>
+        </a:p>
+      </dgm:t>
     </dgm:pt>
     <dgm:pt modelId="{52EB2B18-E1BE-425C-BC77-7AA61B0218DD}" type="pres">
       <dgm:prSet presAssocID="{B45DA5BF-6D57-40C0-B0F6-E7718F241DFE}" presName="hierRoot1" presStyleCnt="0"/>
@@ -2733,6 +2740,13 @@
         </dgm:presLayoutVars>
       </dgm:prSet>
       <dgm:spPr/>
+      <dgm:t>
+        <a:bodyPr/>
+        <a:lstStyle/>
+        <a:p>
+          <a:endParaRPr lang="lv-LV"/>
+        </a:p>
+      </dgm:t>
     </dgm:pt>
     <dgm:pt modelId="{7BB14DC1-3CB2-4D77-9F88-5DDA625F8537}" type="pres">
       <dgm:prSet presAssocID="{B45DA5BF-6D57-40C0-B0F6-E7718F241DFE}" presName="hierChild2" presStyleCnt="0"/>
@@ -2757,6 +2771,13 @@
         </dgm:presLayoutVars>
       </dgm:prSet>
       <dgm:spPr/>
+      <dgm:t>
+        <a:bodyPr/>
+        <a:lstStyle/>
+        <a:p>
+          <a:endParaRPr lang="lv-LV"/>
+        </a:p>
+      </dgm:t>
     </dgm:pt>
     <dgm:pt modelId="{0CDF4495-8122-41AA-AB37-39A045864311}" type="pres">
       <dgm:prSet presAssocID="{570591AB-4484-4F31-93BF-914801E54FBC}" presName="hierChild2" presStyleCnt="0"/>
@@ -2764,11 +2785,11 @@
     </dgm:pt>
   </dgm:ptLst>
   <dgm:cxnLst>
+    <dgm:cxn modelId="{A1A28FD2-E362-4DC6-BA7B-C1DC13615A7F}" srcId="{AB620D97-0A32-47DC-8C14-E7ABACA41B8F}" destId="{570591AB-4484-4F31-93BF-914801E54FBC}" srcOrd="1" destOrd="0" parTransId="{9D577594-5610-45A9-9512-2721F651BEDE}" sibTransId="{0E768D5F-ADF5-4F61-AB73-ABB5CECD86DD}"/>
+    <dgm:cxn modelId="{BEEAAFC3-0D6D-4693-A326-51C55690ED93}" type="presOf" srcId="{B45DA5BF-6D57-40C0-B0F6-E7718F241DFE}" destId="{434E580B-1CC4-488B-BCB7-F7E375D9488E}" srcOrd="0" destOrd="0" presId="urn:microsoft.com/office/officeart/2005/8/layout/hierarchy1"/>
+    <dgm:cxn modelId="{B61B67F1-F9EC-4160-9D6B-5B648B9EF5AA}" type="presOf" srcId="{AB620D97-0A32-47DC-8C14-E7ABACA41B8F}" destId="{9BF099DF-54F2-4BC4-9657-D77D83C90C3C}" srcOrd="0" destOrd="0" presId="urn:microsoft.com/office/officeart/2005/8/layout/hierarchy1"/>
+    <dgm:cxn modelId="{C9E943A2-BDBB-4751-B6A3-9BFB0A6AC30A}" type="presOf" srcId="{570591AB-4484-4F31-93BF-914801E54FBC}" destId="{7E526ACF-5A81-47C6-97C5-68CF2C48C3A5}" srcOrd="0" destOrd="0" presId="urn:microsoft.com/office/officeart/2005/8/layout/hierarchy1"/>
     <dgm:cxn modelId="{D2102B10-AE56-4543-BFCE-CBA359AAAA16}" srcId="{AB620D97-0A32-47DC-8C14-E7ABACA41B8F}" destId="{B45DA5BF-6D57-40C0-B0F6-E7718F241DFE}" srcOrd="0" destOrd="0" parTransId="{5E942A90-4915-40FC-A40E-98D4AFE36D66}" sibTransId="{869DFA8A-A01C-4DF8-8B92-A5DEE6D85254}"/>
-    <dgm:cxn modelId="{C9E943A2-BDBB-4751-B6A3-9BFB0A6AC30A}" type="presOf" srcId="{570591AB-4484-4F31-93BF-914801E54FBC}" destId="{7E526ACF-5A81-47C6-97C5-68CF2C48C3A5}" srcOrd="0" destOrd="0" presId="urn:microsoft.com/office/officeart/2005/8/layout/hierarchy1"/>
-    <dgm:cxn modelId="{BEEAAFC3-0D6D-4693-A326-51C55690ED93}" type="presOf" srcId="{B45DA5BF-6D57-40C0-B0F6-E7718F241DFE}" destId="{434E580B-1CC4-488B-BCB7-F7E375D9488E}" srcOrd="0" destOrd="0" presId="urn:microsoft.com/office/officeart/2005/8/layout/hierarchy1"/>
-    <dgm:cxn modelId="{A1A28FD2-E362-4DC6-BA7B-C1DC13615A7F}" srcId="{AB620D97-0A32-47DC-8C14-E7ABACA41B8F}" destId="{570591AB-4484-4F31-93BF-914801E54FBC}" srcOrd="1" destOrd="0" parTransId="{9D577594-5610-45A9-9512-2721F651BEDE}" sibTransId="{0E768D5F-ADF5-4F61-AB73-ABB5CECD86DD}"/>
-    <dgm:cxn modelId="{B61B67F1-F9EC-4160-9D6B-5B648B9EF5AA}" type="presOf" srcId="{AB620D97-0A32-47DC-8C14-E7ABACA41B8F}" destId="{9BF099DF-54F2-4BC4-9657-D77D83C90C3C}" srcOrd="0" destOrd="0" presId="urn:microsoft.com/office/officeart/2005/8/layout/hierarchy1"/>
     <dgm:cxn modelId="{D32BD609-597B-407C-9EE3-950E1DF9B851}" type="presParOf" srcId="{9BF099DF-54F2-4BC4-9657-D77D83C90C3C}" destId="{52EB2B18-E1BE-425C-BC77-7AA61B0218DD}" srcOrd="0" destOrd="0" presId="urn:microsoft.com/office/officeart/2005/8/layout/hierarchy1"/>
     <dgm:cxn modelId="{4C00D245-D077-4334-AA48-E719B0887489}" type="presParOf" srcId="{52EB2B18-E1BE-425C-BC77-7AA61B0218DD}" destId="{690929C6-C7E6-4E80-8CBA-3818D93EA7DF}" srcOrd="0" destOrd="0" presId="urn:microsoft.com/office/officeart/2005/8/layout/hierarchy1"/>
     <dgm:cxn modelId="{4EA26ED5-C3D3-4499-B2F7-9E0989B1A845}" type="presParOf" srcId="{690929C6-C7E6-4E80-8CBA-3818D93EA7DF}" destId="{01C8BFB5-EFF6-42F6-9084-2BA507AE7D34}" srcOrd="0" destOrd="0" presId="urn:microsoft.com/office/officeart/2005/8/layout/hierarchy1"/>
@@ -2959,6 +2980,13 @@
         </dgm:presLayoutVars>
       </dgm:prSet>
       <dgm:spPr/>
+      <dgm:t>
+        <a:bodyPr/>
+        <a:lstStyle/>
+        <a:p>
+          <a:endParaRPr lang="lv-LV"/>
+        </a:p>
+      </dgm:t>
     </dgm:pt>
     <dgm:pt modelId="{8D15A044-4F57-4FB2-888B-40C3B2D85A09}" type="pres">
       <dgm:prSet presAssocID="{4E313065-2165-4D79-9B15-93A82CD445EC}" presName="hierRoot1" presStyleCnt="0"/>
@@ -2979,6 +3007,13 @@
         </dgm:presLayoutVars>
       </dgm:prSet>
       <dgm:spPr/>
+      <dgm:t>
+        <a:bodyPr/>
+        <a:lstStyle/>
+        <a:p>
+          <a:endParaRPr lang="lv-LV"/>
+        </a:p>
+      </dgm:t>
     </dgm:pt>
     <dgm:pt modelId="{FD32F034-DEA8-4F08-B483-6E00C4149949}" type="pres">
       <dgm:prSet presAssocID="{4E313065-2165-4D79-9B15-93A82CD445EC}" presName="hierChild2" presStyleCnt="0"/>
@@ -3003,6 +3038,13 @@
         </dgm:presLayoutVars>
       </dgm:prSet>
       <dgm:spPr/>
+      <dgm:t>
+        <a:bodyPr/>
+        <a:lstStyle/>
+        <a:p>
+          <a:endParaRPr lang="lv-LV"/>
+        </a:p>
+      </dgm:t>
     </dgm:pt>
     <dgm:pt modelId="{99092237-04AA-4DD0-B5A8-F51857DF86DB}" type="pres">
       <dgm:prSet presAssocID="{D47B9D5D-1FB0-4263-B1DA-ED45B0891C34}" presName="hierChild2" presStyleCnt="0"/>
@@ -3027,6 +3069,13 @@
         </dgm:presLayoutVars>
       </dgm:prSet>
       <dgm:spPr/>
+      <dgm:t>
+        <a:bodyPr/>
+        <a:lstStyle/>
+        <a:p>
+          <a:endParaRPr lang="lv-LV"/>
+        </a:p>
+      </dgm:t>
     </dgm:pt>
     <dgm:pt modelId="{4F3133AA-3B6E-41F2-886B-8E345843942D}" type="pres">
       <dgm:prSet presAssocID="{E97B6522-D518-46EB-A056-08907A49608A}" presName="hierChild2" presStyleCnt="0"/>
@@ -3051,6 +3100,13 @@
         </dgm:presLayoutVars>
       </dgm:prSet>
       <dgm:spPr/>
+      <dgm:t>
+        <a:bodyPr/>
+        <a:lstStyle/>
+        <a:p>
+          <a:endParaRPr lang="lv-LV"/>
+        </a:p>
+      </dgm:t>
     </dgm:pt>
     <dgm:pt modelId="{F9F77817-26B8-451F-B320-E8B99994EA4F}" type="pres">
       <dgm:prSet presAssocID="{9C55D1B9-4136-4620-B912-1B4C66071DA9}" presName="hierChild2" presStyleCnt="0"/>
@@ -3058,15 +3114,15 @@
     </dgm:pt>
   </dgm:ptLst>
   <dgm:cxnLst>
+    <dgm:cxn modelId="{E9EE2933-6D17-4B4D-B8FA-C4DBF0DA5D15}" type="presOf" srcId="{A4901A9B-7513-4390-8A3C-20DA59AB53DC}" destId="{0E2DB7B7-1F19-4207-B0F8-3CD7FEDF35E5}" srcOrd="0" destOrd="0" presId="urn:microsoft.com/office/officeart/2005/8/layout/hierarchy1"/>
+    <dgm:cxn modelId="{30438052-B557-4F23-B50C-9E73B487EF58}" type="presOf" srcId="{D47B9D5D-1FB0-4263-B1DA-ED45B0891C34}" destId="{DFFAA713-68DE-4B98-B568-1C855A762C1C}" srcOrd="0" destOrd="0" presId="urn:microsoft.com/office/officeart/2005/8/layout/hierarchy1"/>
+    <dgm:cxn modelId="{C7C566A1-64C8-4420-93BE-17EAA488DD57}" srcId="{A4901A9B-7513-4390-8A3C-20DA59AB53DC}" destId="{4E313065-2165-4D79-9B15-93A82CD445EC}" srcOrd="0" destOrd="0" parTransId="{8B5536BE-6015-40EF-B633-7253E12A7AFA}" sibTransId="{14EDDB16-2243-4E89-BCE7-407B57B63E44}"/>
+    <dgm:cxn modelId="{0F2AEFB9-C42D-43A0-8152-F23A16F62459}" type="presOf" srcId="{E97B6522-D518-46EB-A056-08907A49608A}" destId="{589A7265-47A2-43B9-83FE-DA343E08CBFE}" srcOrd="0" destOrd="0" presId="urn:microsoft.com/office/officeart/2005/8/layout/hierarchy1"/>
+    <dgm:cxn modelId="{454047EF-80BF-4CE0-A4D1-9D188EE2CD45}" srcId="{A4901A9B-7513-4390-8A3C-20DA59AB53DC}" destId="{9C55D1B9-4136-4620-B912-1B4C66071DA9}" srcOrd="3" destOrd="0" parTransId="{82475E0E-A82E-476F-93BE-77D71D31B3EC}" sibTransId="{4B61F0D1-9AB5-4B90-AE81-506C9E6F84C6}"/>
+    <dgm:cxn modelId="{213A5DC8-DAD6-4830-B663-6080808F483D}" type="presOf" srcId="{4E313065-2165-4D79-9B15-93A82CD445EC}" destId="{6AB32091-AE2F-4912-B521-43D5FCDD10AB}" srcOrd="0" destOrd="0" presId="urn:microsoft.com/office/officeart/2005/8/layout/hierarchy1"/>
+    <dgm:cxn modelId="{DBE7147E-740C-4C75-B9A2-D56654CA85DE}" srcId="{A4901A9B-7513-4390-8A3C-20DA59AB53DC}" destId="{E97B6522-D518-46EB-A056-08907A49608A}" srcOrd="2" destOrd="0" parTransId="{4EBB09EB-0838-41EC-9714-0E7AB0DCC4D0}" sibTransId="{398B14C9-B8CD-4ACF-A02E-B06C459466DC}"/>
     <dgm:cxn modelId="{9D298918-A6A9-44C5-A8F0-7F00DB52E79A}" srcId="{A4901A9B-7513-4390-8A3C-20DA59AB53DC}" destId="{D47B9D5D-1FB0-4263-B1DA-ED45B0891C34}" srcOrd="1" destOrd="0" parTransId="{FA18C074-8769-46BB-911A-B238656E1669}" sibTransId="{E04D26ED-1F10-4635-9B1A-23B8B089A1F5}"/>
     <dgm:cxn modelId="{FEC1272F-F447-484D-BBD6-DDA34A90D0D2}" type="presOf" srcId="{9C55D1B9-4136-4620-B912-1B4C66071DA9}" destId="{4160059F-26D2-484E-9CDB-A053058D949A}" srcOrd="0" destOrd="0" presId="urn:microsoft.com/office/officeart/2005/8/layout/hierarchy1"/>
-    <dgm:cxn modelId="{E9EE2933-6D17-4B4D-B8FA-C4DBF0DA5D15}" type="presOf" srcId="{A4901A9B-7513-4390-8A3C-20DA59AB53DC}" destId="{0E2DB7B7-1F19-4207-B0F8-3CD7FEDF35E5}" srcOrd="0" destOrd="0" presId="urn:microsoft.com/office/officeart/2005/8/layout/hierarchy1"/>
-    <dgm:cxn modelId="{30438052-B557-4F23-B50C-9E73B487EF58}" type="presOf" srcId="{D47B9D5D-1FB0-4263-B1DA-ED45B0891C34}" destId="{DFFAA713-68DE-4B98-B568-1C855A762C1C}" srcOrd="0" destOrd="0" presId="urn:microsoft.com/office/officeart/2005/8/layout/hierarchy1"/>
-    <dgm:cxn modelId="{DBE7147E-740C-4C75-B9A2-D56654CA85DE}" srcId="{A4901A9B-7513-4390-8A3C-20DA59AB53DC}" destId="{E97B6522-D518-46EB-A056-08907A49608A}" srcOrd="2" destOrd="0" parTransId="{4EBB09EB-0838-41EC-9714-0E7AB0DCC4D0}" sibTransId="{398B14C9-B8CD-4ACF-A02E-B06C459466DC}"/>
-    <dgm:cxn modelId="{C7C566A1-64C8-4420-93BE-17EAA488DD57}" srcId="{A4901A9B-7513-4390-8A3C-20DA59AB53DC}" destId="{4E313065-2165-4D79-9B15-93A82CD445EC}" srcOrd="0" destOrd="0" parTransId="{8B5536BE-6015-40EF-B633-7253E12A7AFA}" sibTransId="{14EDDB16-2243-4E89-BCE7-407B57B63E44}"/>
-    <dgm:cxn modelId="{0F2AEFB9-C42D-43A0-8152-F23A16F62459}" type="presOf" srcId="{E97B6522-D518-46EB-A056-08907A49608A}" destId="{589A7265-47A2-43B9-83FE-DA343E08CBFE}" srcOrd="0" destOrd="0" presId="urn:microsoft.com/office/officeart/2005/8/layout/hierarchy1"/>
-    <dgm:cxn modelId="{213A5DC8-DAD6-4830-B663-6080808F483D}" type="presOf" srcId="{4E313065-2165-4D79-9B15-93A82CD445EC}" destId="{6AB32091-AE2F-4912-B521-43D5FCDD10AB}" srcOrd="0" destOrd="0" presId="urn:microsoft.com/office/officeart/2005/8/layout/hierarchy1"/>
-    <dgm:cxn modelId="{454047EF-80BF-4CE0-A4D1-9D188EE2CD45}" srcId="{A4901A9B-7513-4390-8A3C-20DA59AB53DC}" destId="{9C55D1B9-4136-4620-B912-1B4C66071DA9}" srcOrd="3" destOrd="0" parTransId="{82475E0E-A82E-476F-93BE-77D71D31B3EC}" sibTransId="{4B61F0D1-9AB5-4B90-AE81-506C9E6F84C6}"/>
     <dgm:cxn modelId="{B471B093-F794-4AA1-874A-51AF2DD41022}" type="presParOf" srcId="{0E2DB7B7-1F19-4207-B0F8-3CD7FEDF35E5}" destId="{8D15A044-4F57-4FB2-888B-40C3B2D85A09}" srcOrd="0" destOrd="0" presId="urn:microsoft.com/office/officeart/2005/8/layout/hierarchy1"/>
     <dgm:cxn modelId="{1ED9B299-AD1D-4C3F-BC29-05179B12EC28}" type="presParOf" srcId="{8D15A044-4F57-4FB2-888B-40C3B2D85A09}" destId="{8DC8E081-23B1-409D-8D6E-449E5945CC18}" srcOrd="0" destOrd="0" presId="urn:microsoft.com/office/officeart/2005/8/layout/hierarchy1"/>
     <dgm:cxn modelId="{9ED2A6CB-4D0D-4EF8-9BCC-86B9213965F6}" type="presParOf" srcId="{8DC8E081-23B1-409D-8D6E-449E5945CC18}" destId="{B8611316-8E76-4202-AADD-7CDF3D09C556}" srcOrd="0" destOrd="0" presId="urn:microsoft.com/office/officeart/2005/8/layout/hierarchy1"/>
@@ -3231,6 +3287,13 @@
         </dgm:presLayoutVars>
       </dgm:prSet>
       <dgm:spPr/>
+      <dgm:t>
+        <a:bodyPr/>
+        <a:lstStyle/>
+        <a:p>
+          <a:endParaRPr lang="lv-LV"/>
+        </a:p>
+      </dgm:t>
     </dgm:pt>
     <dgm:pt modelId="{287DF3D5-E626-4663-BBE1-5993873B533D}" type="pres">
       <dgm:prSet presAssocID="{54FA8FEC-0DE1-4585-A92F-1744C961762F}" presName="hierRoot1" presStyleCnt="0"/>
@@ -3251,6 +3314,13 @@
         </dgm:presLayoutVars>
       </dgm:prSet>
       <dgm:spPr/>
+      <dgm:t>
+        <a:bodyPr/>
+        <a:lstStyle/>
+        <a:p>
+          <a:endParaRPr lang="lv-LV"/>
+        </a:p>
+      </dgm:t>
     </dgm:pt>
     <dgm:pt modelId="{5AB13D46-1AB0-45A9-914C-07335A21D0CC}" type="pres">
       <dgm:prSet presAssocID="{54FA8FEC-0DE1-4585-A92F-1744C961762F}" presName="hierChild2" presStyleCnt="0"/>
@@ -3275,6 +3345,13 @@
         </dgm:presLayoutVars>
       </dgm:prSet>
       <dgm:spPr/>
+      <dgm:t>
+        <a:bodyPr/>
+        <a:lstStyle/>
+        <a:p>
+          <a:endParaRPr lang="lv-LV"/>
+        </a:p>
+      </dgm:t>
     </dgm:pt>
     <dgm:pt modelId="{5D395023-2D6F-40D7-A76E-B7675C7FC072}" type="pres">
       <dgm:prSet presAssocID="{5CAFDC2F-FCC8-4334-80AF-79931E2DAE17}" presName="hierChild2" presStyleCnt="0"/>
@@ -3299,6 +3376,13 @@
         </dgm:presLayoutVars>
       </dgm:prSet>
       <dgm:spPr/>
+      <dgm:t>
+        <a:bodyPr/>
+        <a:lstStyle/>
+        <a:p>
+          <a:endParaRPr lang="lv-LV"/>
+        </a:p>
+      </dgm:t>
     </dgm:pt>
     <dgm:pt modelId="{5C25C9AD-89CD-4EF5-9BA5-89D86CCDD53B}" type="pres">
       <dgm:prSet presAssocID="{51AA65F2-6F91-466A-AB41-338111FAD5E3}" presName="hierChild2" presStyleCnt="0"/>
@@ -3306,13 +3390,13 @@
     </dgm:pt>
   </dgm:ptLst>
   <dgm:cxnLst>
+    <dgm:cxn modelId="{227F814A-7C2E-493D-8AFA-3205BC1D651A}" type="presOf" srcId="{54FA8FEC-0DE1-4585-A92F-1744C961762F}" destId="{23E2A85B-9FB0-4E76-B412-7C0A5BA0C8E6}" srcOrd="0" destOrd="0" presId="urn:microsoft.com/office/officeart/2005/8/layout/hierarchy1"/>
+    <dgm:cxn modelId="{5F794458-2874-484E-ACA2-F3E88B6BF4EF}" type="presOf" srcId="{9A6C8434-6B56-416B-86EA-3E41AEFB6467}" destId="{8E0E1AEC-8366-4255-8B2F-78E4A6A9D1EB}" srcOrd="0" destOrd="0" presId="urn:microsoft.com/office/officeart/2005/8/layout/hierarchy1"/>
     <dgm:cxn modelId="{35CF063B-E835-4A1C-A0E1-98BAB5512A9E}" srcId="{9A6C8434-6B56-416B-86EA-3E41AEFB6467}" destId="{51AA65F2-6F91-466A-AB41-338111FAD5E3}" srcOrd="2" destOrd="0" parTransId="{57646373-35C9-4366-BE82-464F2D3ADF9D}" sibTransId="{5379A412-0ED8-4547-B3E2-A5F991BFB8EF}"/>
-    <dgm:cxn modelId="{227F814A-7C2E-493D-8AFA-3205BC1D651A}" type="presOf" srcId="{54FA8FEC-0DE1-4585-A92F-1744C961762F}" destId="{23E2A85B-9FB0-4E76-B412-7C0A5BA0C8E6}" srcOrd="0" destOrd="0" presId="urn:microsoft.com/office/officeart/2005/8/layout/hierarchy1"/>
-    <dgm:cxn modelId="{EDDF3272-DB4A-423B-9A5A-BE93EFC03F45}" type="presOf" srcId="{5CAFDC2F-FCC8-4334-80AF-79931E2DAE17}" destId="{60CF4EA7-2D2F-4606-91C4-01D1DE130B30}" srcOrd="0" destOrd="0" presId="urn:microsoft.com/office/officeart/2005/8/layout/hierarchy1"/>
-    <dgm:cxn modelId="{5F794458-2874-484E-ACA2-F3E88B6BF4EF}" type="presOf" srcId="{9A6C8434-6B56-416B-86EA-3E41AEFB6467}" destId="{8E0E1AEC-8366-4255-8B2F-78E4A6A9D1EB}" srcOrd="0" destOrd="0" presId="urn:microsoft.com/office/officeart/2005/8/layout/hierarchy1"/>
+    <dgm:cxn modelId="{7DC84DCE-A0E8-4527-8F99-7BC92467CB1C}" srcId="{9A6C8434-6B56-416B-86EA-3E41AEFB6467}" destId="{5CAFDC2F-FCC8-4334-80AF-79931E2DAE17}" srcOrd="1" destOrd="0" parTransId="{6BE80BC5-4EBC-4EB7-8AFF-9B22233FE698}" sibTransId="{F9C415E2-9D19-4A08-9F4D-A35359954523}"/>
     <dgm:cxn modelId="{801BF2B1-2712-4958-A51C-CD057A099EF7}" srcId="{9A6C8434-6B56-416B-86EA-3E41AEFB6467}" destId="{54FA8FEC-0DE1-4585-A92F-1744C961762F}" srcOrd="0" destOrd="0" parTransId="{AA36DA65-8196-46D8-9567-E0A3448D00B8}" sibTransId="{6CFB7E11-0B1A-4B7B-9932-FBBAA9B72400}"/>
     <dgm:cxn modelId="{74459CBA-4D3E-42F7-A6BC-06834B9FB358}" type="presOf" srcId="{51AA65F2-6F91-466A-AB41-338111FAD5E3}" destId="{2A37B8E4-78A8-4563-881A-59D572FB6885}" srcOrd="0" destOrd="0" presId="urn:microsoft.com/office/officeart/2005/8/layout/hierarchy1"/>
-    <dgm:cxn modelId="{7DC84DCE-A0E8-4527-8F99-7BC92467CB1C}" srcId="{9A6C8434-6B56-416B-86EA-3E41AEFB6467}" destId="{5CAFDC2F-FCC8-4334-80AF-79931E2DAE17}" srcOrd="1" destOrd="0" parTransId="{6BE80BC5-4EBC-4EB7-8AFF-9B22233FE698}" sibTransId="{F9C415E2-9D19-4A08-9F4D-A35359954523}"/>
+    <dgm:cxn modelId="{EDDF3272-DB4A-423B-9A5A-BE93EFC03F45}" type="presOf" srcId="{5CAFDC2F-FCC8-4334-80AF-79931E2DAE17}" destId="{60CF4EA7-2D2F-4606-91C4-01D1DE130B30}" srcOrd="0" destOrd="0" presId="urn:microsoft.com/office/officeart/2005/8/layout/hierarchy1"/>
     <dgm:cxn modelId="{B7D2DB4B-7054-4B30-99AC-83C2D0AB6A7C}" type="presParOf" srcId="{8E0E1AEC-8366-4255-8B2F-78E4A6A9D1EB}" destId="{287DF3D5-E626-4663-BBE1-5993873B533D}" srcOrd="0" destOrd="0" presId="urn:microsoft.com/office/officeart/2005/8/layout/hierarchy1"/>
     <dgm:cxn modelId="{C4E5F91F-BDF6-4478-996B-ABF4F05D4A71}" type="presParOf" srcId="{287DF3D5-E626-4663-BBE1-5993873B533D}" destId="{05D6ADC7-4938-4972-84B6-31F7A1D11DED}" srcOrd="0" destOrd="0" presId="urn:microsoft.com/office/officeart/2005/8/layout/hierarchy1"/>
     <dgm:cxn modelId="{4D3B89FA-301C-406E-9185-E6D3A6A8F327}" type="presParOf" srcId="{05D6ADC7-4938-4972-84B6-31F7A1D11DED}" destId="{43F8BF1D-D46C-4284-A210-D502976B6AE0}" srcOrd="0" destOrd="0" presId="urn:microsoft.com/office/officeart/2005/8/layout/hierarchy1"/>
@@ -3455,7 +3539,7 @@
         </a:bodyPr>
         <a:lstStyle/>
         <a:p>
-          <a:pPr marL="0" lvl="0" indent="0" algn="ctr" defTabSz="2667000">
+          <a:pPr lvl="0" algn="ctr" defTabSz="2667000">
             <a:lnSpc>
               <a:spcPct val="90000"/>
             </a:lnSpc>
@@ -3465,7 +3549,6 @@
             <a:spcAft>
               <a:spcPct val="35000"/>
             </a:spcAft>
-            <a:buNone/>
           </a:pPr>
           <a:r>
             <a:rPr lang="da-DK" sz="6000" kern="1200"/>
@@ -3587,7 +3670,7 @@
         </a:bodyPr>
         <a:lstStyle/>
         <a:p>
-          <a:pPr marL="0" lvl="0" indent="0" algn="ctr" defTabSz="2667000">
+          <a:pPr lvl="0" algn="ctr" defTabSz="2667000">
             <a:lnSpc>
               <a:spcPct val="90000"/>
             </a:lnSpc>
@@ -3597,7 +3680,6 @@
             <a:spcAft>
               <a:spcPct val="35000"/>
             </a:spcAft>
-            <a:buNone/>
           </a:pPr>
           <a:r>
             <a:rPr lang="da-DK" sz="6000" kern="1200"/>
@@ -3623,654 +3705,6 @@
       <dsp:cNvGrpSpPr/>
     </dsp:nvGrpSpPr>
     <dsp:grpSpPr/>
-    <dsp:sp modelId="{B8611316-8E76-4202-AADD-7CDF3D09C556}">
-      <dsp:nvSpPr>
-        <dsp:cNvPr id="0" name=""/>
-        <dsp:cNvSpPr/>
-      </dsp:nvSpPr>
-      <dsp:spPr>
-        <a:xfrm>
-          <a:off x="2812" y="693784"/>
-          <a:ext cx="2008375" cy="1275318"/>
-        </a:xfrm>
-        <a:prstGeom prst="roundRect">
-          <a:avLst>
-            <a:gd name="adj" fmla="val 10000"/>
-          </a:avLst>
-        </a:prstGeom>
-        <a:gradFill rotWithShape="0">
-          <a:gsLst>
-            <a:gs pos="0">
-              <a:schemeClr val="lt1">
-                <a:hueOff val="0"/>
-                <a:satOff val="0"/>
-                <a:lumOff val="0"/>
-                <a:alphaOff val="0"/>
-                <a:tint val="50000"/>
-                <a:satMod val="300000"/>
-              </a:schemeClr>
-            </a:gs>
-            <a:gs pos="35000">
-              <a:schemeClr val="lt1">
-                <a:hueOff val="0"/>
-                <a:satOff val="0"/>
-                <a:lumOff val="0"/>
-                <a:alphaOff val="0"/>
-                <a:tint val="37000"/>
-                <a:satMod val="300000"/>
-              </a:schemeClr>
-            </a:gs>
-            <a:gs pos="100000">
-              <a:schemeClr val="lt1">
-                <a:hueOff val="0"/>
-                <a:satOff val="0"/>
-                <a:lumOff val="0"/>
-                <a:alphaOff val="0"/>
-                <a:tint val="15000"/>
-                <a:satMod val="350000"/>
-              </a:schemeClr>
-            </a:gs>
-          </a:gsLst>
-          <a:lin ang="16200000" scaled="1"/>
-        </a:gradFill>
-        <a:ln>
-          <a:noFill/>
-        </a:ln>
-        <a:effectLst>
-          <a:outerShdw blurRad="40000" dist="20000" dir="5400000" rotWithShape="0">
-            <a:srgbClr val="000000">
-              <a:alpha val="38000"/>
-            </a:srgbClr>
-          </a:outerShdw>
-        </a:effectLst>
-        <a:scene3d>
-          <a:camera prst="orthographicFront"/>
-          <a:lightRig rig="flat" dir="t"/>
-        </a:scene3d>
-        <a:sp3d prstMaterial="dkEdge">
-          <a:bevelT w="8200" h="38100"/>
-        </a:sp3d>
-      </dsp:spPr>
-      <dsp:style>
-        <a:lnRef idx="0">
-          <a:scrgbClr r="0" g="0" b="0"/>
-        </a:lnRef>
-        <a:fillRef idx="2">
-          <a:scrgbClr r="0" g="0" b="0"/>
-        </a:fillRef>
-        <a:effectRef idx="1">
-          <a:scrgbClr r="0" g="0" b="0"/>
-        </a:effectRef>
-        <a:fontRef idx="minor">
-          <a:schemeClr val="dk1"/>
-        </a:fontRef>
-      </dsp:style>
-    </dsp:sp>
-    <dsp:sp modelId="{6AB32091-AE2F-4912-B521-43D5FCDD10AB}">
-      <dsp:nvSpPr>
-        <dsp:cNvPr id="0" name=""/>
-        <dsp:cNvSpPr/>
-      </dsp:nvSpPr>
-      <dsp:spPr>
-        <a:xfrm>
-          <a:off x="225965" y="905779"/>
-          <a:ext cx="2008375" cy="1275318"/>
-        </a:xfrm>
-        <a:prstGeom prst="roundRect">
-          <a:avLst>
-            <a:gd name="adj" fmla="val 10000"/>
-          </a:avLst>
-        </a:prstGeom>
-        <a:solidFill>
-          <a:schemeClr val="accent5">
-            <a:alpha val="90000"/>
-            <a:tint val="40000"/>
-            <a:hueOff val="0"/>
-            <a:satOff val="0"/>
-            <a:lumOff val="0"/>
-            <a:alphaOff val="0"/>
-          </a:schemeClr>
-        </a:solidFill>
-        <a:ln w="9525" cap="flat" cmpd="sng" algn="ctr">
-          <a:solidFill>
-            <a:schemeClr val="accent5">
-              <a:hueOff val="0"/>
-              <a:satOff val="0"/>
-              <a:lumOff val="0"/>
-              <a:alphaOff val="0"/>
-            </a:schemeClr>
-          </a:solidFill>
-          <a:prstDash val="solid"/>
-        </a:ln>
-        <a:effectLst/>
-      </dsp:spPr>
-      <dsp:style>
-        <a:lnRef idx="1">
-          <a:scrgbClr r="0" g="0" b="0"/>
-        </a:lnRef>
-        <a:fillRef idx="1">
-          <a:scrgbClr r="0" g="0" b="0"/>
-        </a:fillRef>
-        <a:effectRef idx="0">
-          <a:scrgbClr r="0" g="0" b="0"/>
-        </a:effectRef>
-        <a:fontRef idx="minor"/>
-      </dsp:style>
-      <dsp:txBody>
-        <a:bodyPr spcFirstLastPara="0" vert="horz" wrap="square" lIns="129540" tIns="129540" rIns="129540" bIns="129540" numCol="1" spcCol="1270" anchor="ctr" anchorCtr="0">
-          <a:noAutofit/>
-        </a:bodyPr>
-        <a:lstStyle/>
-        <a:p>
-          <a:pPr marL="0" lvl="0" indent="0" algn="ctr" defTabSz="1511300">
-            <a:lnSpc>
-              <a:spcPct val="90000"/>
-            </a:lnSpc>
-            <a:spcBef>
-              <a:spcPct val="0"/>
-            </a:spcBef>
-            <a:spcAft>
-              <a:spcPct val="35000"/>
-            </a:spcAft>
-            <a:buNone/>
-          </a:pPr>
-          <a:r>
-            <a:rPr lang="en-US" sz="3400" kern="1200"/>
-            <a:t>MVC</a:t>
-          </a:r>
-        </a:p>
-      </dsp:txBody>
-      <dsp:txXfrm>
-        <a:off x="263318" y="943132"/>
-        <a:ext cx="1933669" cy="1200612"/>
-      </dsp:txXfrm>
-    </dsp:sp>
-    <dsp:sp modelId="{82D2DD21-3B57-47F2-84AE-B572B7989FDB}">
-      <dsp:nvSpPr>
-        <dsp:cNvPr id="0" name=""/>
-        <dsp:cNvSpPr/>
-      </dsp:nvSpPr>
-      <dsp:spPr>
-        <a:xfrm>
-          <a:off x="2457493" y="693784"/>
-          <a:ext cx="2008375" cy="1275318"/>
-        </a:xfrm>
-        <a:prstGeom prst="roundRect">
-          <a:avLst>
-            <a:gd name="adj" fmla="val 10000"/>
-          </a:avLst>
-        </a:prstGeom>
-        <a:gradFill rotWithShape="0">
-          <a:gsLst>
-            <a:gs pos="0">
-              <a:schemeClr val="lt1">
-                <a:hueOff val="0"/>
-                <a:satOff val="0"/>
-                <a:lumOff val="0"/>
-                <a:alphaOff val="0"/>
-                <a:tint val="50000"/>
-                <a:satMod val="300000"/>
-              </a:schemeClr>
-            </a:gs>
-            <a:gs pos="35000">
-              <a:schemeClr val="lt1">
-                <a:hueOff val="0"/>
-                <a:satOff val="0"/>
-                <a:lumOff val="0"/>
-                <a:alphaOff val="0"/>
-                <a:tint val="37000"/>
-                <a:satMod val="300000"/>
-              </a:schemeClr>
-            </a:gs>
-            <a:gs pos="100000">
-              <a:schemeClr val="lt1">
-                <a:hueOff val="0"/>
-                <a:satOff val="0"/>
-                <a:lumOff val="0"/>
-                <a:alphaOff val="0"/>
-                <a:tint val="15000"/>
-                <a:satMod val="350000"/>
-              </a:schemeClr>
-            </a:gs>
-          </a:gsLst>
-          <a:lin ang="16200000" scaled="1"/>
-        </a:gradFill>
-        <a:ln>
-          <a:noFill/>
-        </a:ln>
-        <a:effectLst>
-          <a:outerShdw blurRad="40000" dist="20000" dir="5400000" rotWithShape="0">
-            <a:srgbClr val="000000">
-              <a:alpha val="38000"/>
-            </a:srgbClr>
-          </a:outerShdw>
-        </a:effectLst>
-        <a:scene3d>
-          <a:camera prst="orthographicFront"/>
-          <a:lightRig rig="flat" dir="t"/>
-        </a:scene3d>
-        <a:sp3d prstMaterial="dkEdge">
-          <a:bevelT w="8200" h="38100"/>
-        </a:sp3d>
-      </dsp:spPr>
-      <dsp:style>
-        <a:lnRef idx="0">
-          <a:scrgbClr r="0" g="0" b="0"/>
-        </a:lnRef>
-        <a:fillRef idx="2">
-          <a:scrgbClr r="0" g="0" b="0"/>
-        </a:fillRef>
-        <a:effectRef idx="1">
-          <a:scrgbClr r="0" g="0" b="0"/>
-        </a:effectRef>
-        <a:fontRef idx="minor">
-          <a:schemeClr val="dk1"/>
-        </a:fontRef>
-      </dsp:style>
-    </dsp:sp>
-    <dsp:sp modelId="{DFFAA713-68DE-4B98-B568-1C855A762C1C}">
-      <dsp:nvSpPr>
-        <dsp:cNvPr id="0" name=""/>
-        <dsp:cNvSpPr/>
-      </dsp:nvSpPr>
-      <dsp:spPr>
-        <a:xfrm>
-          <a:off x="2680646" y="905779"/>
-          <a:ext cx="2008375" cy="1275318"/>
-        </a:xfrm>
-        <a:prstGeom prst="roundRect">
-          <a:avLst>
-            <a:gd name="adj" fmla="val 10000"/>
-          </a:avLst>
-        </a:prstGeom>
-        <a:solidFill>
-          <a:schemeClr val="accent5">
-            <a:alpha val="90000"/>
-            <a:tint val="40000"/>
-            <a:hueOff val="0"/>
-            <a:satOff val="0"/>
-            <a:lumOff val="0"/>
-            <a:alphaOff val="0"/>
-          </a:schemeClr>
-        </a:solidFill>
-        <a:ln w="9525" cap="flat" cmpd="sng" algn="ctr">
-          <a:solidFill>
-            <a:schemeClr val="accent5">
-              <a:hueOff val="0"/>
-              <a:satOff val="0"/>
-              <a:lumOff val="0"/>
-              <a:alphaOff val="0"/>
-            </a:schemeClr>
-          </a:solidFill>
-          <a:prstDash val="solid"/>
-        </a:ln>
-        <a:effectLst/>
-      </dsp:spPr>
-      <dsp:style>
-        <a:lnRef idx="1">
-          <a:scrgbClr r="0" g="0" b="0"/>
-        </a:lnRef>
-        <a:fillRef idx="1">
-          <a:scrgbClr r="0" g="0" b="0"/>
-        </a:fillRef>
-        <a:effectRef idx="0">
-          <a:scrgbClr r="0" g="0" b="0"/>
-        </a:effectRef>
-        <a:fontRef idx="minor"/>
-      </dsp:style>
-      <dsp:txBody>
-        <a:bodyPr spcFirstLastPara="0" vert="horz" wrap="square" lIns="129540" tIns="129540" rIns="129540" bIns="129540" numCol="1" spcCol="1270" anchor="ctr" anchorCtr="0">
-          <a:noAutofit/>
-        </a:bodyPr>
-        <a:lstStyle/>
-        <a:p>
-          <a:pPr marL="0" lvl="0" indent="0" algn="ctr" defTabSz="1511300">
-            <a:lnSpc>
-              <a:spcPct val="90000"/>
-            </a:lnSpc>
-            <a:spcBef>
-              <a:spcPct val="0"/>
-            </a:spcBef>
-            <a:spcAft>
-              <a:spcPct val="35000"/>
-            </a:spcAft>
-            <a:buNone/>
-          </a:pPr>
-          <a:r>
-            <a:rPr lang="en-US" sz="3400" kern="1200"/>
-            <a:t>Singleton</a:t>
-          </a:r>
-        </a:p>
-      </dsp:txBody>
-      <dsp:txXfrm>
-        <a:off x="2717999" y="943132"/>
-        <a:ext cx="1933669" cy="1200612"/>
-      </dsp:txXfrm>
-    </dsp:sp>
-    <dsp:sp modelId="{03D81148-48ED-4A45-8F50-90F24242640B}">
-      <dsp:nvSpPr>
-        <dsp:cNvPr id="0" name=""/>
-        <dsp:cNvSpPr/>
-      </dsp:nvSpPr>
-      <dsp:spPr>
-        <a:xfrm>
-          <a:off x="4912174" y="693784"/>
-          <a:ext cx="2008375" cy="1275318"/>
-        </a:xfrm>
-        <a:prstGeom prst="roundRect">
-          <a:avLst>
-            <a:gd name="adj" fmla="val 10000"/>
-          </a:avLst>
-        </a:prstGeom>
-        <a:gradFill rotWithShape="0">
-          <a:gsLst>
-            <a:gs pos="0">
-              <a:schemeClr val="lt1">
-                <a:hueOff val="0"/>
-                <a:satOff val="0"/>
-                <a:lumOff val="0"/>
-                <a:alphaOff val="0"/>
-                <a:tint val="50000"/>
-                <a:satMod val="300000"/>
-              </a:schemeClr>
-            </a:gs>
-            <a:gs pos="35000">
-              <a:schemeClr val="lt1">
-                <a:hueOff val="0"/>
-                <a:satOff val="0"/>
-                <a:lumOff val="0"/>
-                <a:alphaOff val="0"/>
-                <a:tint val="37000"/>
-                <a:satMod val="300000"/>
-              </a:schemeClr>
-            </a:gs>
-            <a:gs pos="100000">
-              <a:schemeClr val="lt1">
-                <a:hueOff val="0"/>
-                <a:satOff val="0"/>
-                <a:lumOff val="0"/>
-                <a:alphaOff val="0"/>
-                <a:tint val="15000"/>
-                <a:satMod val="350000"/>
-              </a:schemeClr>
-            </a:gs>
-          </a:gsLst>
-          <a:lin ang="16200000" scaled="1"/>
-        </a:gradFill>
-        <a:ln>
-          <a:noFill/>
-        </a:ln>
-        <a:effectLst>
-          <a:outerShdw blurRad="40000" dist="20000" dir="5400000" rotWithShape="0">
-            <a:srgbClr val="000000">
-              <a:alpha val="38000"/>
-            </a:srgbClr>
-          </a:outerShdw>
-        </a:effectLst>
-        <a:scene3d>
-          <a:camera prst="orthographicFront"/>
-          <a:lightRig rig="flat" dir="t"/>
-        </a:scene3d>
-        <a:sp3d prstMaterial="dkEdge">
-          <a:bevelT w="8200" h="38100"/>
-        </a:sp3d>
-      </dsp:spPr>
-      <dsp:style>
-        <a:lnRef idx="0">
-          <a:scrgbClr r="0" g="0" b="0"/>
-        </a:lnRef>
-        <a:fillRef idx="2">
-          <a:scrgbClr r="0" g="0" b="0"/>
-        </a:fillRef>
-        <a:effectRef idx="1">
-          <a:scrgbClr r="0" g="0" b="0"/>
-        </a:effectRef>
-        <a:fontRef idx="minor">
-          <a:schemeClr val="dk1"/>
-        </a:fontRef>
-      </dsp:style>
-    </dsp:sp>
-    <dsp:sp modelId="{589A7265-47A2-43B9-83FE-DA343E08CBFE}">
-      <dsp:nvSpPr>
-        <dsp:cNvPr id="0" name=""/>
-        <dsp:cNvSpPr/>
-      </dsp:nvSpPr>
-      <dsp:spPr>
-        <a:xfrm>
-          <a:off x="5135327" y="905779"/>
-          <a:ext cx="2008375" cy="1275318"/>
-        </a:xfrm>
-        <a:prstGeom prst="roundRect">
-          <a:avLst>
-            <a:gd name="adj" fmla="val 10000"/>
-          </a:avLst>
-        </a:prstGeom>
-        <a:solidFill>
-          <a:schemeClr val="accent5">
-            <a:alpha val="90000"/>
-            <a:tint val="40000"/>
-            <a:hueOff val="0"/>
-            <a:satOff val="0"/>
-            <a:lumOff val="0"/>
-            <a:alphaOff val="0"/>
-          </a:schemeClr>
-        </a:solidFill>
-        <a:ln w="9525" cap="flat" cmpd="sng" algn="ctr">
-          <a:solidFill>
-            <a:schemeClr val="accent5">
-              <a:hueOff val="0"/>
-              <a:satOff val="0"/>
-              <a:lumOff val="0"/>
-              <a:alphaOff val="0"/>
-            </a:schemeClr>
-          </a:solidFill>
-          <a:prstDash val="solid"/>
-        </a:ln>
-        <a:effectLst/>
-      </dsp:spPr>
-      <dsp:style>
-        <a:lnRef idx="1">
-          <a:scrgbClr r="0" g="0" b="0"/>
-        </a:lnRef>
-        <a:fillRef idx="1">
-          <a:scrgbClr r="0" g="0" b="0"/>
-        </a:fillRef>
-        <a:effectRef idx="0">
-          <a:scrgbClr r="0" g="0" b="0"/>
-        </a:effectRef>
-        <a:fontRef idx="minor"/>
-      </dsp:style>
-      <dsp:txBody>
-        <a:bodyPr spcFirstLastPara="0" vert="horz" wrap="square" lIns="129540" tIns="129540" rIns="129540" bIns="129540" numCol="1" spcCol="1270" anchor="ctr" anchorCtr="0">
-          <a:noAutofit/>
-        </a:bodyPr>
-        <a:lstStyle/>
-        <a:p>
-          <a:pPr marL="0" lvl="0" indent="0" algn="ctr" defTabSz="1511300">
-            <a:lnSpc>
-              <a:spcPct val="90000"/>
-            </a:lnSpc>
-            <a:spcBef>
-              <a:spcPct val="0"/>
-            </a:spcBef>
-            <a:spcAft>
-              <a:spcPct val="35000"/>
-            </a:spcAft>
-            <a:buNone/>
-          </a:pPr>
-          <a:r>
-            <a:rPr lang="en-US" sz="3400" kern="1200"/>
-            <a:t>Façade</a:t>
-          </a:r>
-        </a:p>
-      </dsp:txBody>
-      <dsp:txXfrm>
-        <a:off x="5172680" y="943132"/>
-        <a:ext cx="1933669" cy="1200612"/>
-      </dsp:txXfrm>
-    </dsp:sp>
-    <dsp:sp modelId="{2310A852-B36E-4175-9964-F50D62C2F966}">
-      <dsp:nvSpPr>
-        <dsp:cNvPr id="0" name=""/>
-        <dsp:cNvSpPr/>
-      </dsp:nvSpPr>
-      <dsp:spPr>
-        <a:xfrm>
-          <a:off x="7366855" y="693784"/>
-          <a:ext cx="2008375" cy="1275318"/>
-        </a:xfrm>
-        <a:prstGeom prst="roundRect">
-          <a:avLst>
-            <a:gd name="adj" fmla="val 10000"/>
-          </a:avLst>
-        </a:prstGeom>
-        <a:gradFill rotWithShape="0">
-          <a:gsLst>
-            <a:gs pos="0">
-              <a:schemeClr val="lt1">
-                <a:hueOff val="0"/>
-                <a:satOff val="0"/>
-                <a:lumOff val="0"/>
-                <a:alphaOff val="0"/>
-                <a:tint val="50000"/>
-                <a:satMod val="300000"/>
-              </a:schemeClr>
-            </a:gs>
-            <a:gs pos="35000">
-              <a:schemeClr val="lt1">
-                <a:hueOff val="0"/>
-                <a:satOff val="0"/>
-                <a:lumOff val="0"/>
-                <a:alphaOff val="0"/>
-                <a:tint val="37000"/>
-                <a:satMod val="300000"/>
-              </a:schemeClr>
-            </a:gs>
-            <a:gs pos="100000">
-              <a:schemeClr val="lt1">
-                <a:hueOff val="0"/>
-                <a:satOff val="0"/>
-                <a:lumOff val="0"/>
-                <a:alphaOff val="0"/>
-                <a:tint val="15000"/>
-                <a:satMod val="350000"/>
-              </a:schemeClr>
-            </a:gs>
-          </a:gsLst>
-          <a:lin ang="16200000" scaled="1"/>
-        </a:gradFill>
-        <a:ln>
-          <a:noFill/>
-        </a:ln>
-        <a:effectLst>
-          <a:outerShdw blurRad="40000" dist="20000" dir="5400000" rotWithShape="0">
-            <a:srgbClr val="000000">
-              <a:alpha val="38000"/>
-            </a:srgbClr>
-          </a:outerShdw>
-        </a:effectLst>
-        <a:scene3d>
-          <a:camera prst="orthographicFront"/>
-          <a:lightRig rig="flat" dir="t"/>
-        </a:scene3d>
-        <a:sp3d prstMaterial="dkEdge">
-          <a:bevelT w="8200" h="38100"/>
-        </a:sp3d>
-      </dsp:spPr>
-      <dsp:style>
-        <a:lnRef idx="0">
-          <a:scrgbClr r="0" g="0" b="0"/>
-        </a:lnRef>
-        <a:fillRef idx="2">
-          <a:scrgbClr r="0" g="0" b="0"/>
-        </a:fillRef>
-        <a:effectRef idx="1">
-          <a:scrgbClr r="0" g="0" b="0"/>
-        </a:effectRef>
-        <a:fontRef idx="minor">
-          <a:schemeClr val="dk1"/>
-        </a:fontRef>
-      </dsp:style>
-    </dsp:sp>
-    <dsp:sp modelId="{4160059F-26D2-484E-9CDB-A053058D949A}">
-      <dsp:nvSpPr>
-        <dsp:cNvPr id="0" name=""/>
-        <dsp:cNvSpPr/>
-      </dsp:nvSpPr>
-      <dsp:spPr>
-        <a:xfrm>
-          <a:off x="7590008" y="905779"/>
-          <a:ext cx="2008375" cy="1275318"/>
-        </a:xfrm>
-        <a:prstGeom prst="roundRect">
-          <a:avLst>
-            <a:gd name="adj" fmla="val 10000"/>
-          </a:avLst>
-        </a:prstGeom>
-        <a:solidFill>
-          <a:schemeClr val="accent5">
-            <a:alpha val="90000"/>
-            <a:tint val="40000"/>
-            <a:hueOff val="0"/>
-            <a:satOff val="0"/>
-            <a:lumOff val="0"/>
-            <a:alphaOff val="0"/>
-          </a:schemeClr>
-        </a:solidFill>
-        <a:ln w="9525" cap="flat" cmpd="sng" algn="ctr">
-          <a:solidFill>
-            <a:schemeClr val="accent5">
-              <a:hueOff val="0"/>
-              <a:satOff val="0"/>
-              <a:lumOff val="0"/>
-              <a:alphaOff val="0"/>
-            </a:schemeClr>
-          </a:solidFill>
-          <a:prstDash val="solid"/>
-        </a:ln>
-        <a:effectLst/>
-      </dsp:spPr>
-      <dsp:style>
-        <a:lnRef idx="1">
-          <a:scrgbClr r="0" g="0" b="0"/>
-        </a:lnRef>
-        <a:fillRef idx="1">
-          <a:scrgbClr r="0" g="0" b="0"/>
-        </a:fillRef>
-        <a:effectRef idx="0">
-          <a:scrgbClr r="0" g="0" b="0"/>
-        </a:effectRef>
-        <a:fontRef idx="minor"/>
-      </dsp:style>
-      <dsp:txBody>
-        <a:bodyPr spcFirstLastPara="0" vert="horz" wrap="square" lIns="129540" tIns="129540" rIns="129540" bIns="129540" numCol="1" spcCol="1270" anchor="ctr" anchorCtr="0">
-          <a:noAutofit/>
-        </a:bodyPr>
-        <a:lstStyle/>
-        <a:p>
-          <a:pPr marL="0" lvl="0" indent="0" algn="ctr" defTabSz="1511300">
-            <a:lnSpc>
-              <a:spcPct val="90000"/>
-            </a:lnSpc>
-            <a:spcBef>
-              <a:spcPct val="0"/>
-            </a:spcBef>
-            <a:spcAft>
-              <a:spcPct val="35000"/>
-            </a:spcAft>
-            <a:buNone/>
-          </a:pPr>
-          <a:r>
-            <a:rPr lang="en-US" sz="3400" kern="1200"/>
-            <a:t>Adapter</a:t>
-          </a:r>
-        </a:p>
-      </dsp:txBody>
-      <dsp:txXfrm>
-        <a:off x="7627361" y="943132"/>
-        <a:ext cx="1933669" cy="1200612"/>
-      </dsp:txXfrm>
-    </dsp:sp>
   </dsp:spTree>
 </dsp:drawing>
 </file>
@@ -4283,492 +3717,6 @@
       <dsp:cNvGrpSpPr/>
     </dsp:nvGrpSpPr>
     <dsp:grpSpPr/>
-    <dsp:sp modelId="{43F8BF1D-D46C-4284-A210-D502976B6AE0}">
-      <dsp:nvSpPr>
-        <dsp:cNvPr id="0" name=""/>
-        <dsp:cNvSpPr/>
-      </dsp:nvSpPr>
-      <dsp:spPr>
-        <a:xfrm>
-          <a:off x="0" y="437566"/>
-          <a:ext cx="2700336" cy="1714713"/>
-        </a:xfrm>
-        <a:prstGeom prst="roundRect">
-          <a:avLst>
-            <a:gd name="adj" fmla="val 10000"/>
-          </a:avLst>
-        </a:prstGeom>
-        <a:gradFill rotWithShape="0">
-          <a:gsLst>
-            <a:gs pos="0">
-              <a:schemeClr val="lt1">
-                <a:hueOff val="0"/>
-                <a:satOff val="0"/>
-                <a:lumOff val="0"/>
-                <a:alphaOff val="0"/>
-                <a:tint val="50000"/>
-                <a:satMod val="300000"/>
-              </a:schemeClr>
-            </a:gs>
-            <a:gs pos="35000">
-              <a:schemeClr val="lt1">
-                <a:hueOff val="0"/>
-                <a:satOff val="0"/>
-                <a:lumOff val="0"/>
-                <a:alphaOff val="0"/>
-                <a:tint val="37000"/>
-                <a:satMod val="300000"/>
-              </a:schemeClr>
-            </a:gs>
-            <a:gs pos="100000">
-              <a:schemeClr val="lt1">
-                <a:hueOff val="0"/>
-                <a:satOff val="0"/>
-                <a:lumOff val="0"/>
-                <a:alphaOff val="0"/>
-                <a:tint val="15000"/>
-                <a:satMod val="350000"/>
-              </a:schemeClr>
-            </a:gs>
-          </a:gsLst>
-          <a:lin ang="16200000" scaled="1"/>
-        </a:gradFill>
-        <a:ln>
-          <a:noFill/>
-        </a:ln>
-        <a:effectLst>
-          <a:outerShdw blurRad="40000" dist="20000" dir="5400000" rotWithShape="0">
-            <a:srgbClr val="000000">
-              <a:alpha val="38000"/>
-            </a:srgbClr>
-          </a:outerShdw>
-        </a:effectLst>
-        <a:scene3d>
-          <a:camera prst="orthographicFront"/>
-          <a:lightRig rig="flat" dir="t"/>
-        </a:scene3d>
-        <a:sp3d prstMaterial="dkEdge">
-          <a:bevelT w="8200" h="38100"/>
-        </a:sp3d>
-      </dsp:spPr>
-      <dsp:style>
-        <a:lnRef idx="0">
-          <a:scrgbClr r="0" g="0" b="0"/>
-        </a:lnRef>
-        <a:fillRef idx="2">
-          <a:scrgbClr r="0" g="0" b="0"/>
-        </a:fillRef>
-        <a:effectRef idx="1">
-          <a:scrgbClr r="0" g="0" b="0"/>
-        </a:effectRef>
-        <a:fontRef idx="minor">
-          <a:schemeClr val="dk1"/>
-        </a:fontRef>
-      </dsp:style>
-    </dsp:sp>
-    <dsp:sp modelId="{23E2A85B-9FB0-4E76-B412-7C0A5BA0C8E6}">
-      <dsp:nvSpPr>
-        <dsp:cNvPr id="0" name=""/>
-        <dsp:cNvSpPr/>
-      </dsp:nvSpPr>
-      <dsp:spPr>
-        <a:xfrm>
-          <a:off x="300037" y="722602"/>
-          <a:ext cx="2700336" cy="1714713"/>
-        </a:xfrm>
-        <a:prstGeom prst="roundRect">
-          <a:avLst>
-            <a:gd name="adj" fmla="val 10000"/>
-          </a:avLst>
-        </a:prstGeom>
-        <a:solidFill>
-          <a:schemeClr val="accent1">
-            <a:alpha val="90000"/>
-            <a:tint val="40000"/>
-            <a:hueOff val="0"/>
-            <a:satOff val="0"/>
-            <a:lumOff val="0"/>
-            <a:alphaOff val="0"/>
-          </a:schemeClr>
-        </a:solidFill>
-        <a:ln w="9525" cap="flat" cmpd="sng" algn="ctr">
-          <a:solidFill>
-            <a:schemeClr val="accent1">
-              <a:hueOff val="0"/>
-              <a:satOff val="0"/>
-              <a:lumOff val="0"/>
-              <a:alphaOff val="0"/>
-            </a:schemeClr>
-          </a:solidFill>
-          <a:prstDash val="solid"/>
-        </a:ln>
-        <a:effectLst/>
-      </dsp:spPr>
-      <dsp:style>
-        <a:lnRef idx="1">
-          <a:scrgbClr r="0" g="0" b="0"/>
-        </a:lnRef>
-        <a:fillRef idx="1">
-          <a:scrgbClr r="0" g="0" b="0"/>
-        </a:fillRef>
-        <a:effectRef idx="0">
-          <a:scrgbClr r="0" g="0" b="0"/>
-        </a:effectRef>
-        <a:fontRef idx="minor"/>
-      </dsp:style>
-      <dsp:txBody>
-        <a:bodyPr spcFirstLastPara="0" vert="horz" wrap="square" lIns="95250" tIns="95250" rIns="95250" bIns="95250" numCol="1" spcCol="1270" anchor="ctr" anchorCtr="0">
-          <a:noAutofit/>
-        </a:bodyPr>
-        <a:lstStyle/>
-        <a:p>
-          <a:pPr marL="0" lvl="0" indent="0" algn="ctr" defTabSz="1111250">
-            <a:lnSpc>
-              <a:spcPct val="90000"/>
-            </a:lnSpc>
-            <a:spcBef>
-              <a:spcPct val="0"/>
-            </a:spcBef>
-            <a:spcAft>
-              <a:spcPct val="35000"/>
-            </a:spcAft>
-            <a:buNone/>
-          </a:pPr>
-          <a:r>
-            <a:rPr lang="en-US" sz="2500" kern="1200" dirty="0"/>
-            <a:t>RMI is used for communication among objects.</a:t>
-          </a:r>
-        </a:p>
-      </dsp:txBody>
-      <dsp:txXfrm>
-        <a:off x="350259" y="772824"/>
-        <a:ext cx="2599892" cy="1614269"/>
-      </dsp:txXfrm>
-    </dsp:sp>
-    <dsp:sp modelId="{B4F6F5EA-E5B7-4010-8574-059415EF58C8}">
-      <dsp:nvSpPr>
-        <dsp:cNvPr id="0" name=""/>
-        <dsp:cNvSpPr/>
-      </dsp:nvSpPr>
-      <dsp:spPr>
-        <a:xfrm>
-          <a:off x="3300411" y="437566"/>
-          <a:ext cx="2700336" cy="1714713"/>
-        </a:xfrm>
-        <a:prstGeom prst="roundRect">
-          <a:avLst>
-            <a:gd name="adj" fmla="val 10000"/>
-          </a:avLst>
-        </a:prstGeom>
-        <a:gradFill rotWithShape="0">
-          <a:gsLst>
-            <a:gs pos="0">
-              <a:schemeClr val="lt1">
-                <a:hueOff val="0"/>
-                <a:satOff val="0"/>
-                <a:lumOff val="0"/>
-                <a:alphaOff val="0"/>
-                <a:tint val="50000"/>
-                <a:satMod val="300000"/>
-              </a:schemeClr>
-            </a:gs>
-            <a:gs pos="35000">
-              <a:schemeClr val="lt1">
-                <a:hueOff val="0"/>
-                <a:satOff val="0"/>
-                <a:lumOff val="0"/>
-                <a:alphaOff val="0"/>
-                <a:tint val="37000"/>
-                <a:satMod val="300000"/>
-              </a:schemeClr>
-            </a:gs>
-            <a:gs pos="100000">
-              <a:schemeClr val="lt1">
-                <a:hueOff val="0"/>
-                <a:satOff val="0"/>
-                <a:lumOff val="0"/>
-                <a:alphaOff val="0"/>
-                <a:tint val="15000"/>
-                <a:satMod val="350000"/>
-              </a:schemeClr>
-            </a:gs>
-          </a:gsLst>
-          <a:lin ang="16200000" scaled="1"/>
-        </a:gradFill>
-        <a:ln>
-          <a:noFill/>
-        </a:ln>
-        <a:effectLst>
-          <a:outerShdw blurRad="40000" dist="20000" dir="5400000" rotWithShape="0">
-            <a:srgbClr val="000000">
-              <a:alpha val="38000"/>
-            </a:srgbClr>
-          </a:outerShdw>
-        </a:effectLst>
-        <a:scene3d>
-          <a:camera prst="orthographicFront"/>
-          <a:lightRig rig="flat" dir="t"/>
-        </a:scene3d>
-        <a:sp3d prstMaterial="dkEdge">
-          <a:bevelT w="8200" h="38100"/>
-        </a:sp3d>
-      </dsp:spPr>
-      <dsp:style>
-        <a:lnRef idx="0">
-          <a:scrgbClr r="0" g="0" b="0"/>
-        </a:lnRef>
-        <a:fillRef idx="2">
-          <a:scrgbClr r="0" g="0" b="0"/>
-        </a:fillRef>
-        <a:effectRef idx="1">
-          <a:scrgbClr r="0" g="0" b="0"/>
-        </a:effectRef>
-        <a:fontRef idx="minor">
-          <a:schemeClr val="dk1"/>
-        </a:fontRef>
-      </dsp:style>
-    </dsp:sp>
-    <dsp:sp modelId="{60CF4EA7-2D2F-4606-91C4-01D1DE130B30}">
-      <dsp:nvSpPr>
-        <dsp:cNvPr id="0" name=""/>
-        <dsp:cNvSpPr/>
-      </dsp:nvSpPr>
-      <dsp:spPr>
-        <a:xfrm>
-          <a:off x="3600448" y="722602"/>
-          <a:ext cx="2700336" cy="1714713"/>
-        </a:xfrm>
-        <a:prstGeom prst="roundRect">
-          <a:avLst>
-            <a:gd name="adj" fmla="val 10000"/>
-          </a:avLst>
-        </a:prstGeom>
-        <a:solidFill>
-          <a:schemeClr val="accent1">
-            <a:alpha val="90000"/>
-            <a:tint val="40000"/>
-            <a:hueOff val="0"/>
-            <a:satOff val="0"/>
-            <a:lumOff val="0"/>
-            <a:alphaOff val="0"/>
-          </a:schemeClr>
-        </a:solidFill>
-        <a:ln w="9525" cap="flat" cmpd="sng" algn="ctr">
-          <a:solidFill>
-            <a:schemeClr val="accent1">
-              <a:hueOff val="0"/>
-              <a:satOff val="0"/>
-              <a:lumOff val="0"/>
-              <a:alphaOff val="0"/>
-            </a:schemeClr>
-          </a:solidFill>
-          <a:prstDash val="solid"/>
-        </a:ln>
-        <a:effectLst/>
-      </dsp:spPr>
-      <dsp:style>
-        <a:lnRef idx="1">
-          <a:scrgbClr r="0" g="0" b="0"/>
-        </a:lnRef>
-        <a:fillRef idx="1">
-          <a:scrgbClr r="0" g="0" b="0"/>
-        </a:fillRef>
-        <a:effectRef idx="0">
-          <a:scrgbClr r="0" g="0" b="0"/>
-        </a:effectRef>
-        <a:fontRef idx="minor"/>
-      </dsp:style>
-      <dsp:txBody>
-        <a:bodyPr spcFirstLastPara="0" vert="horz" wrap="square" lIns="95250" tIns="95250" rIns="95250" bIns="95250" numCol="1" spcCol="1270" anchor="ctr" anchorCtr="0">
-          <a:noAutofit/>
-        </a:bodyPr>
-        <a:lstStyle/>
-        <a:p>
-          <a:pPr marL="0" lvl="0" indent="0" algn="ctr" defTabSz="1111250">
-            <a:lnSpc>
-              <a:spcPct val="90000"/>
-            </a:lnSpc>
-            <a:spcBef>
-              <a:spcPct val="0"/>
-            </a:spcBef>
-            <a:spcAft>
-              <a:spcPct val="35000"/>
-            </a:spcAft>
-            <a:buNone/>
-          </a:pPr>
-          <a:r>
-            <a:rPr lang="en-US" sz="2500" kern="1200" dirty="0"/>
-            <a:t>It also invoke methods from remote object. </a:t>
-          </a:r>
-        </a:p>
-      </dsp:txBody>
-      <dsp:txXfrm>
-        <a:off x="3650670" y="772824"/>
-        <a:ext cx="2599892" cy="1614269"/>
-      </dsp:txXfrm>
-    </dsp:sp>
-    <dsp:sp modelId="{79EBA963-5814-44CB-B7D8-E586BD148BF3}">
-      <dsp:nvSpPr>
-        <dsp:cNvPr id="0" name=""/>
-        <dsp:cNvSpPr/>
-      </dsp:nvSpPr>
-      <dsp:spPr>
-        <a:xfrm>
-          <a:off x="6600822" y="437566"/>
-          <a:ext cx="2700336" cy="1714713"/>
-        </a:xfrm>
-        <a:prstGeom prst="roundRect">
-          <a:avLst>
-            <a:gd name="adj" fmla="val 10000"/>
-          </a:avLst>
-        </a:prstGeom>
-        <a:gradFill rotWithShape="0">
-          <a:gsLst>
-            <a:gs pos="0">
-              <a:schemeClr val="lt1">
-                <a:hueOff val="0"/>
-                <a:satOff val="0"/>
-                <a:lumOff val="0"/>
-                <a:alphaOff val="0"/>
-                <a:tint val="50000"/>
-                <a:satMod val="300000"/>
-              </a:schemeClr>
-            </a:gs>
-            <a:gs pos="35000">
-              <a:schemeClr val="lt1">
-                <a:hueOff val="0"/>
-                <a:satOff val="0"/>
-                <a:lumOff val="0"/>
-                <a:alphaOff val="0"/>
-                <a:tint val="37000"/>
-                <a:satMod val="300000"/>
-              </a:schemeClr>
-            </a:gs>
-            <a:gs pos="100000">
-              <a:schemeClr val="lt1">
-                <a:hueOff val="0"/>
-                <a:satOff val="0"/>
-                <a:lumOff val="0"/>
-                <a:alphaOff val="0"/>
-                <a:tint val="15000"/>
-                <a:satMod val="350000"/>
-              </a:schemeClr>
-            </a:gs>
-          </a:gsLst>
-          <a:lin ang="16200000" scaled="1"/>
-        </a:gradFill>
-        <a:ln>
-          <a:noFill/>
-        </a:ln>
-        <a:effectLst>
-          <a:outerShdw blurRad="40000" dist="20000" dir="5400000" rotWithShape="0">
-            <a:srgbClr val="000000">
-              <a:alpha val="38000"/>
-            </a:srgbClr>
-          </a:outerShdw>
-        </a:effectLst>
-        <a:scene3d>
-          <a:camera prst="orthographicFront"/>
-          <a:lightRig rig="flat" dir="t"/>
-        </a:scene3d>
-        <a:sp3d prstMaterial="dkEdge">
-          <a:bevelT w="8200" h="38100"/>
-        </a:sp3d>
-      </dsp:spPr>
-      <dsp:style>
-        <a:lnRef idx="0">
-          <a:scrgbClr r="0" g="0" b="0"/>
-        </a:lnRef>
-        <a:fillRef idx="2">
-          <a:scrgbClr r="0" g="0" b="0"/>
-        </a:fillRef>
-        <a:effectRef idx="1">
-          <a:scrgbClr r="0" g="0" b="0"/>
-        </a:effectRef>
-        <a:fontRef idx="minor">
-          <a:schemeClr val="dk1"/>
-        </a:fontRef>
-      </dsp:style>
-    </dsp:sp>
-    <dsp:sp modelId="{2A37B8E4-78A8-4563-881A-59D572FB6885}">
-      <dsp:nvSpPr>
-        <dsp:cNvPr id="0" name=""/>
-        <dsp:cNvSpPr/>
-      </dsp:nvSpPr>
-      <dsp:spPr>
-        <a:xfrm>
-          <a:off x="6900860" y="722602"/>
-          <a:ext cx="2700336" cy="1714713"/>
-        </a:xfrm>
-        <a:prstGeom prst="roundRect">
-          <a:avLst>
-            <a:gd name="adj" fmla="val 10000"/>
-          </a:avLst>
-        </a:prstGeom>
-        <a:solidFill>
-          <a:schemeClr val="accent1">
-            <a:alpha val="90000"/>
-            <a:tint val="40000"/>
-            <a:hueOff val="0"/>
-            <a:satOff val="0"/>
-            <a:lumOff val="0"/>
-            <a:alphaOff val="0"/>
-          </a:schemeClr>
-        </a:solidFill>
-        <a:ln w="9525" cap="flat" cmpd="sng" algn="ctr">
-          <a:solidFill>
-            <a:schemeClr val="accent1">
-              <a:hueOff val="0"/>
-              <a:satOff val="0"/>
-              <a:lumOff val="0"/>
-              <a:alphaOff val="0"/>
-            </a:schemeClr>
-          </a:solidFill>
-          <a:prstDash val="solid"/>
-        </a:ln>
-        <a:effectLst/>
-      </dsp:spPr>
-      <dsp:style>
-        <a:lnRef idx="1">
-          <a:scrgbClr r="0" g="0" b="0"/>
-        </a:lnRef>
-        <a:fillRef idx="1">
-          <a:scrgbClr r="0" g="0" b="0"/>
-        </a:fillRef>
-        <a:effectRef idx="0">
-          <a:scrgbClr r="0" g="0" b="0"/>
-        </a:effectRef>
-        <a:fontRef idx="minor"/>
-      </dsp:style>
-      <dsp:txBody>
-        <a:bodyPr spcFirstLastPara="0" vert="horz" wrap="square" lIns="95250" tIns="95250" rIns="95250" bIns="95250" numCol="1" spcCol="1270" anchor="ctr" anchorCtr="0">
-          <a:noAutofit/>
-        </a:bodyPr>
-        <a:lstStyle/>
-        <a:p>
-          <a:pPr marL="0" lvl="0" indent="0" algn="ctr" defTabSz="1111250">
-            <a:lnSpc>
-              <a:spcPct val="90000"/>
-            </a:lnSpc>
-            <a:spcBef>
-              <a:spcPct val="0"/>
-            </a:spcBef>
-            <a:spcAft>
-              <a:spcPct val="35000"/>
-            </a:spcAft>
-            <a:buNone/>
-          </a:pPr>
-          <a:r>
-            <a:rPr lang="en-US" sz="2500" kern="1200"/>
-            <a:t>MemberClient communicate with MemberServer</a:t>
-          </a:r>
-        </a:p>
-      </dsp:txBody>
-      <dsp:txXfrm>
-        <a:off x="6951082" y="772824"/>
-        <a:ext cx="2599892" cy="1614269"/>
-      </dsp:txXfrm>
-    </dsp:sp>
   </dsp:spTree>
 </dsp:drawing>
 </file>
@@ -9665,7 +8613,7 @@
             </a:lvl1pPr>
           </a:lstStyle>
           <a:p>
-            <a:endParaRPr lang="en-DK"/>
+            <a:endParaRPr lang="aa-ET"/>
           </a:p>
         </p:txBody>
       </p:sp>
@@ -9697,10 +8645,10 @@
           </a:lstStyle>
           <a:p>
             <a:fld id="{97620C65-498F-4DEE-94AA-5E3B7423FAA0}" type="datetimeFigureOut">
-              <a:rPr lang="en-DK" smtClean="0"/>
-              <a:t>05/08/2018</a:t>
+              <a:rPr lang="aa-ET" smtClean="0"/>
+              <a:t>09/05/2018</a:t>
             </a:fld>
-            <a:endParaRPr lang="en-DK"/>
+            <a:endParaRPr lang="aa-ET"/>
           </a:p>
         </p:txBody>
       </p:sp>
@@ -9733,7 +8681,7 @@
           <a:bodyPr vert="horz" lIns="91440" tIns="45720" rIns="91440" bIns="45720" rtlCol="0" anchor="ctr"/>
           <a:lstStyle/>
           <a:p>
-            <a:endParaRPr lang="en-DK"/>
+            <a:endParaRPr lang="aa-ET"/>
           </a:p>
         </p:txBody>
       </p:sp>
@@ -9793,7 +8741,7 @@
               <a:rPr lang="en-US"/>
               <a:t>Fifth level</a:t>
             </a:r>
-            <a:endParaRPr lang="en-DK"/>
+            <a:endParaRPr lang="aa-ET"/>
           </a:p>
         </p:txBody>
       </p:sp>
@@ -9824,7 +8772,7 @@
             </a:lvl1pPr>
           </a:lstStyle>
           <a:p>
-            <a:endParaRPr lang="en-DK"/>
+            <a:endParaRPr lang="aa-ET"/>
           </a:p>
         </p:txBody>
       </p:sp>
@@ -9856,10 +8804,10 @@
           </a:lstStyle>
           <a:p>
             <a:fld id="{B6262096-A332-4542-8F23-8598EC47EEF0}" type="slidenum">
-              <a:rPr lang="en-DK" smtClean="0"/>
-              <a:t>‹nr.›</a:t>
+              <a:rPr lang="aa-ET" smtClean="0"/>
+              <a:t>‹#›</a:t>
             </a:fld>
-            <a:endParaRPr lang="en-DK"/>
+            <a:endParaRPr lang="aa-ET"/>
           </a:p>
         </p:txBody>
       </p:sp>
@@ -10010,7 +8958,7 @@
           <a:bodyPr/>
           <a:lstStyle/>
           <a:p>
-            <a:endParaRPr lang="en-DK" dirty="0"/>
+            <a:endParaRPr lang="aa-ET" dirty="0"/>
           </a:p>
         </p:txBody>
       </p:sp>
@@ -10030,10 +8978,10 @@
           <a:lstStyle/>
           <a:p>
             <a:fld id="{B6262096-A332-4542-8F23-8598EC47EEF0}" type="slidenum">
-              <a:rPr lang="en-DK" smtClean="0"/>
+              <a:rPr lang="aa-ET" smtClean="0"/>
               <a:t>2</a:t>
             </a:fld>
-            <a:endParaRPr lang="en-DK"/>
+            <a:endParaRPr lang="aa-ET"/>
           </a:p>
         </p:txBody>
       </p:sp>
@@ -10094,7 +9042,7 @@
           <a:bodyPr/>
           <a:lstStyle/>
           <a:p>
-            <a:endParaRPr lang="en-DK" dirty="0"/>
+            <a:endParaRPr lang="aa-ET" dirty="0"/>
           </a:p>
         </p:txBody>
       </p:sp>
@@ -10114,10 +9062,10 @@
           <a:lstStyle/>
           <a:p>
             <a:fld id="{B6262096-A332-4542-8F23-8598EC47EEF0}" type="slidenum">
-              <a:rPr lang="en-DK" smtClean="0"/>
+              <a:rPr lang="aa-ET" smtClean="0"/>
               <a:t>16</a:t>
             </a:fld>
-            <a:endParaRPr lang="en-DK"/>
+            <a:endParaRPr lang="aa-ET"/>
           </a:p>
         </p:txBody>
       </p:sp>
@@ -10464,10 +9412,10 @@
           <a:lstStyle/>
           <a:p>
             <a:fld id="{1DAA98A6-9CDE-4C4B-96AD-64651D9891DB}" type="datetimeFigureOut">
-              <a:rPr lang="en-DK" smtClean="0"/>
-              <a:t>05/08/2018</a:t>
+              <a:rPr lang="aa-ET" smtClean="0"/>
+              <a:t>09/05/2018</a:t>
             </a:fld>
-            <a:endParaRPr lang="en-DK"/>
+            <a:endParaRPr lang="aa-ET"/>
           </a:p>
         </p:txBody>
       </p:sp>
@@ -10491,7 +9439,7 @@
           <a:bodyPr/>
           <a:lstStyle/>
           <a:p>
-            <a:endParaRPr lang="en-DK"/>
+            <a:endParaRPr lang="aa-ET"/>
           </a:p>
         </p:txBody>
       </p:sp>
@@ -10516,10 +9464,10 @@
           <a:lstStyle/>
           <a:p>
             <a:fld id="{BB4E0C7B-466A-4CBA-8DAA-31FBE5C17616}" type="slidenum">
-              <a:rPr lang="en-DK" smtClean="0"/>
-              <a:t>‹nr.›</a:t>
+              <a:rPr lang="aa-ET" smtClean="0"/>
+              <a:t>‹#›</a:t>
             </a:fld>
-            <a:endParaRPr lang="en-DK"/>
+            <a:endParaRPr lang="aa-ET"/>
           </a:p>
         </p:txBody>
       </p:sp>
@@ -10788,10 +9736,10 @@
           <a:lstStyle/>
           <a:p>
             <a:fld id="{1DAA98A6-9CDE-4C4B-96AD-64651D9891DB}" type="datetimeFigureOut">
-              <a:rPr lang="en-DK" smtClean="0"/>
-              <a:t>05/08/2018</a:t>
+              <a:rPr lang="aa-ET" smtClean="0"/>
+              <a:t>09/05/2018</a:t>
             </a:fld>
-            <a:endParaRPr lang="en-DK"/>
+            <a:endParaRPr lang="aa-ET"/>
           </a:p>
         </p:txBody>
       </p:sp>
@@ -10810,7 +9758,7 @@
           <a:bodyPr/>
           <a:lstStyle/>
           <a:p>
-            <a:endParaRPr lang="en-DK"/>
+            <a:endParaRPr lang="aa-ET"/>
           </a:p>
         </p:txBody>
       </p:sp>
@@ -10830,10 +9778,10 @@
           <a:lstStyle/>
           <a:p>
             <a:fld id="{BB4E0C7B-466A-4CBA-8DAA-31FBE5C17616}" type="slidenum">
-              <a:rPr lang="en-DK" smtClean="0"/>
-              <a:t>‹nr.›</a:t>
+              <a:rPr lang="aa-ET" smtClean="0"/>
+              <a:t>‹#›</a:t>
             </a:fld>
-            <a:endParaRPr lang="en-DK"/>
+            <a:endParaRPr lang="aa-ET"/>
           </a:p>
         </p:txBody>
       </p:sp>
@@ -11036,10 +9984,10 @@
           <a:lstStyle/>
           <a:p>
             <a:fld id="{1DAA98A6-9CDE-4C4B-96AD-64651D9891DB}" type="datetimeFigureOut">
-              <a:rPr lang="en-DK" smtClean="0"/>
-              <a:t>05/08/2018</a:t>
+              <a:rPr lang="aa-ET" smtClean="0"/>
+              <a:t>09/05/2018</a:t>
             </a:fld>
-            <a:endParaRPr lang="en-DK"/>
+            <a:endParaRPr lang="aa-ET"/>
           </a:p>
         </p:txBody>
       </p:sp>
@@ -11058,7 +10006,7 @@
           <a:bodyPr/>
           <a:lstStyle/>
           <a:p>
-            <a:endParaRPr lang="en-DK"/>
+            <a:endParaRPr lang="aa-ET"/>
           </a:p>
         </p:txBody>
       </p:sp>
@@ -11078,10 +10026,10 @@
           <a:lstStyle/>
           <a:p>
             <a:fld id="{BB4E0C7B-466A-4CBA-8DAA-31FBE5C17616}" type="slidenum">
-              <a:rPr lang="en-DK" smtClean="0"/>
-              <a:t>‹nr.›</a:t>
+              <a:rPr lang="aa-ET" smtClean="0"/>
+              <a:t>‹#›</a:t>
             </a:fld>
-            <a:endParaRPr lang="en-DK"/>
+            <a:endParaRPr lang="aa-ET"/>
           </a:p>
         </p:txBody>
       </p:sp>
@@ -11375,10 +10323,10 @@
           <a:lstStyle/>
           <a:p>
             <a:fld id="{1DAA98A6-9CDE-4C4B-96AD-64651D9891DB}" type="datetimeFigureOut">
-              <a:rPr lang="en-DK" smtClean="0"/>
-              <a:t>05/08/2018</a:t>
+              <a:rPr lang="aa-ET" smtClean="0"/>
+              <a:t>09/05/2018</a:t>
             </a:fld>
-            <a:endParaRPr lang="en-DK"/>
+            <a:endParaRPr lang="aa-ET"/>
           </a:p>
         </p:txBody>
       </p:sp>
@@ -11397,7 +10345,7 @@
           <a:bodyPr/>
           <a:lstStyle/>
           <a:p>
-            <a:endParaRPr lang="en-DK"/>
+            <a:endParaRPr lang="aa-ET"/>
           </a:p>
         </p:txBody>
       </p:sp>
@@ -11417,10 +10365,10 @@
           <a:lstStyle/>
           <a:p>
             <a:fld id="{BB4E0C7B-466A-4CBA-8DAA-31FBE5C17616}" type="slidenum">
-              <a:rPr lang="en-DK" smtClean="0"/>
-              <a:t>‹nr.›</a:t>
+              <a:rPr lang="aa-ET" smtClean="0"/>
+              <a:t>‹#›</a:t>
             </a:fld>
-            <a:endParaRPr lang="en-DK"/>
+            <a:endParaRPr lang="aa-ET"/>
           </a:p>
         </p:txBody>
       </p:sp>
@@ -11722,10 +10670,10 @@
           <a:lstStyle/>
           <a:p>
             <a:fld id="{1DAA98A6-9CDE-4C4B-96AD-64651D9891DB}" type="datetimeFigureOut">
-              <a:rPr lang="en-DK" smtClean="0"/>
-              <a:t>05/08/2018</a:t>
+              <a:rPr lang="aa-ET" smtClean="0"/>
+              <a:t>09/05/2018</a:t>
             </a:fld>
-            <a:endParaRPr lang="en-DK"/>
+            <a:endParaRPr lang="aa-ET"/>
           </a:p>
         </p:txBody>
       </p:sp>
@@ -11744,7 +10692,7 @@
           <a:bodyPr/>
           <a:lstStyle/>
           <a:p>
-            <a:endParaRPr lang="en-DK"/>
+            <a:endParaRPr lang="aa-ET"/>
           </a:p>
         </p:txBody>
       </p:sp>
@@ -11764,10 +10712,10 @@
           <a:lstStyle/>
           <a:p>
             <a:fld id="{BB4E0C7B-466A-4CBA-8DAA-31FBE5C17616}" type="slidenum">
-              <a:rPr lang="en-DK" smtClean="0"/>
-              <a:t>‹nr.›</a:t>
+              <a:rPr lang="aa-ET" smtClean="0"/>
+              <a:t>‹#›</a:t>
             </a:fld>
-            <a:endParaRPr lang="en-DK"/>
+            <a:endParaRPr lang="aa-ET"/>
           </a:p>
         </p:txBody>
       </p:sp>
@@ -12096,10 +11044,10 @@
           <a:lstStyle/>
           <a:p>
             <a:fld id="{1DAA98A6-9CDE-4C4B-96AD-64651D9891DB}" type="datetimeFigureOut">
-              <a:rPr lang="en-DK" smtClean="0"/>
-              <a:t>05/08/2018</a:t>
+              <a:rPr lang="aa-ET" smtClean="0"/>
+              <a:t>09/05/2018</a:t>
             </a:fld>
-            <a:endParaRPr lang="en-DK"/>
+            <a:endParaRPr lang="aa-ET"/>
           </a:p>
         </p:txBody>
       </p:sp>
@@ -12118,7 +11066,7 @@
           <a:bodyPr/>
           <a:lstStyle/>
           <a:p>
-            <a:endParaRPr lang="en-DK"/>
+            <a:endParaRPr lang="aa-ET"/>
           </a:p>
         </p:txBody>
       </p:sp>
@@ -12138,10 +11086,10 @@
           <a:lstStyle/>
           <a:p>
             <a:fld id="{BB4E0C7B-466A-4CBA-8DAA-31FBE5C17616}" type="slidenum">
-              <a:rPr lang="en-DK" smtClean="0"/>
-              <a:t>‹nr.›</a:t>
+              <a:rPr lang="aa-ET" smtClean="0"/>
+              <a:t>‹#›</a:t>
             </a:fld>
-            <a:endParaRPr lang="en-DK"/>
+            <a:endParaRPr lang="aa-ET"/>
           </a:p>
         </p:txBody>
       </p:sp>
@@ -12566,10 +11514,10 @@
           <a:lstStyle/>
           <a:p>
             <a:fld id="{1DAA98A6-9CDE-4C4B-96AD-64651D9891DB}" type="datetimeFigureOut">
-              <a:rPr lang="en-DK" smtClean="0"/>
-              <a:t>05/08/2018</a:t>
+              <a:rPr lang="aa-ET" smtClean="0"/>
+              <a:t>09/05/2018</a:t>
             </a:fld>
-            <a:endParaRPr lang="en-DK"/>
+            <a:endParaRPr lang="aa-ET"/>
           </a:p>
         </p:txBody>
       </p:sp>
@@ -12588,7 +11536,7 @@
           <a:bodyPr/>
           <a:lstStyle/>
           <a:p>
-            <a:endParaRPr lang="en-DK"/>
+            <a:endParaRPr lang="aa-ET"/>
           </a:p>
         </p:txBody>
       </p:sp>
@@ -12608,10 +11556,10 @@
           <a:lstStyle/>
           <a:p>
             <a:fld id="{BB4E0C7B-466A-4CBA-8DAA-31FBE5C17616}" type="slidenum">
-              <a:rPr lang="en-DK" smtClean="0"/>
-              <a:t>‹nr.›</a:t>
+              <a:rPr lang="aa-ET" smtClean="0"/>
+              <a:t>‹#›</a:t>
             </a:fld>
-            <a:endParaRPr lang="en-DK"/>
+            <a:endParaRPr lang="aa-ET"/>
           </a:p>
         </p:txBody>
       </p:sp>
@@ -12771,10 +11719,10 @@
           <a:lstStyle/>
           <a:p>
             <a:fld id="{1DAA98A6-9CDE-4C4B-96AD-64651D9891DB}" type="datetimeFigureOut">
-              <a:rPr lang="en-DK" smtClean="0"/>
-              <a:t>05/08/2018</a:t>
+              <a:rPr lang="aa-ET" smtClean="0"/>
+              <a:t>09/05/2018</a:t>
             </a:fld>
-            <a:endParaRPr lang="en-DK"/>
+            <a:endParaRPr lang="aa-ET"/>
           </a:p>
         </p:txBody>
       </p:sp>
@@ -12793,7 +11741,7 @@
           <a:bodyPr/>
           <a:lstStyle/>
           <a:p>
-            <a:endParaRPr lang="en-DK"/>
+            <a:endParaRPr lang="aa-ET"/>
           </a:p>
         </p:txBody>
       </p:sp>
@@ -12813,10 +11761,10 @@
           <a:lstStyle/>
           <a:p>
             <a:fld id="{BB4E0C7B-466A-4CBA-8DAA-31FBE5C17616}" type="slidenum">
-              <a:rPr lang="en-DK" smtClean="0"/>
-              <a:t>‹nr.›</a:t>
+              <a:rPr lang="aa-ET" smtClean="0"/>
+              <a:t>‹#›</a:t>
             </a:fld>
-            <a:endParaRPr lang="en-DK"/>
+            <a:endParaRPr lang="aa-ET"/>
           </a:p>
         </p:txBody>
       </p:sp>
@@ -12982,10 +11930,10 @@
           <a:lstStyle/>
           <a:p>
             <a:fld id="{1DAA98A6-9CDE-4C4B-96AD-64651D9891DB}" type="datetimeFigureOut">
-              <a:rPr lang="en-DK" smtClean="0"/>
-              <a:t>05/08/2018</a:t>
+              <a:rPr lang="aa-ET" smtClean="0"/>
+              <a:t>09/05/2018</a:t>
             </a:fld>
-            <a:endParaRPr lang="en-DK"/>
+            <a:endParaRPr lang="aa-ET"/>
           </a:p>
         </p:txBody>
       </p:sp>
@@ -13004,7 +11952,7 @@
           <a:bodyPr/>
           <a:lstStyle/>
           <a:p>
-            <a:endParaRPr lang="en-DK"/>
+            <a:endParaRPr lang="aa-ET"/>
           </a:p>
         </p:txBody>
       </p:sp>
@@ -13024,10 +11972,10 @@
           <a:lstStyle/>
           <a:p>
             <a:fld id="{BB4E0C7B-466A-4CBA-8DAA-31FBE5C17616}" type="slidenum">
-              <a:rPr lang="en-DK" smtClean="0"/>
-              <a:t>‹nr.›</a:t>
+              <a:rPr lang="aa-ET" smtClean="0"/>
+              <a:t>‹#›</a:t>
             </a:fld>
-            <a:endParaRPr lang="en-DK"/>
+            <a:endParaRPr lang="aa-ET"/>
           </a:p>
         </p:txBody>
       </p:sp>
@@ -13214,10 +12162,10 @@
           <a:lstStyle/>
           <a:p>
             <a:fld id="{1DAA98A6-9CDE-4C4B-96AD-64651D9891DB}" type="datetimeFigureOut">
-              <a:rPr lang="en-DK" smtClean="0"/>
-              <a:t>05/08/2018</a:t>
+              <a:rPr lang="aa-ET" smtClean="0"/>
+              <a:t>09/05/2018</a:t>
             </a:fld>
-            <a:endParaRPr lang="en-DK"/>
+            <a:endParaRPr lang="aa-ET"/>
           </a:p>
         </p:txBody>
       </p:sp>
@@ -13236,7 +12184,7 @@
           <a:bodyPr/>
           <a:lstStyle/>
           <a:p>
-            <a:endParaRPr lang="en-DK"/>
+            <a:endParaRPr lang="aa-ET"/>
           </a:p>
         </p:txBody>
       </p:sp>
@@ -13256,10 +12204,10 @@
           <a:lstStyle/>
           <a:p>
             <a:fld id="{BB4E0C7B-466A-4CBA-8DAA-31FBE5C17616}" type="slidenum">
-              <a:rPr lang="en-DK" smtClean="0"/>
-              <a:t>‹nr.›</a:t>
+              <a:rPr lang="aa-ET" smtClean="0"/>
+              <a:t>‹#›</a:t>
             </a:fld>
-            <a:endParaRPr lang="en-DK"/>
+            <a:endParaRPr lang="aa-ET"/>
           </a:p>
         </p:txBody>
       </p:sp>
@@ -13462,10 +12410,10 @@
           <a:lstStyle/>
           <a:p>
             <a:fld id="{1DAA98A6-9CDE-4C4B-96AD-64651D9891DB}" type="datetimeFigureOut">
-              <a:rPr lang="en-DK" smtClean="0"/>
-              <a:t>05/08/2018</a:t>
+              <a:rPr lang="aa-ET" smtClean="0"/>
+              <a:t>09/05/2018</a:t>
             </a:fld>
-            <a:endParaRPr lang="en-DK"/>
+            <a:endParaRPr lang="aa-ET"/>
           </a:p>
         </p:txBody>
       </p:sp>
@@ -13484,7 +12432,7 @@
           <a:bodyPr/>
           <a:lstStyle/>
           <a:p>
-            <a:endParaRPr lang="en-DK"/>
+            <a:endParaRPr lang="aa-ET"/>
           </a:p>
         </p:txBody>
       </p:sp>
@@ -13504,10 +12452,10 @@
           <a:lstStyle/>
           <a:p>
             <a:fld id="{BB4E0C7B-466A-4CBA-8DAA-31FBE5C17616}" type="slidenum">
-              <a:rPr lang="en-DK" smtClean="0"/>
-              <a:t>‹nr.›</a:t>
+              <a:rPr lang="aa-ET" smtClean="0"/>
+              <a:t>‹#›</a:t>
             </a:fld>
-            <a:endParaRPr lang="en-DK"/>
+            <a:endParaRPr lang="aa-ET"/>
           </a:p>
         </p:txBody>
       </p:sp>
@@ -13760,10 +12708,10 @@
           <a:lstStyle/>
           <a:p>
             <a:fld id="{1DAA98A6-9CDE-4C4B-96AD-64651D9891DB}" type="datetimeFigureOut">
-              <a:rPr lang="en-DK" smtClean="0"/>
-              <a:t>05/08/2018</a:t>
+              <a:rPr lang="aa-ET" smtClean="0"/>
+              <a:t>09/05/2018</a:t>
             </a:fld>
-            <a:endParaRPr lang="en-DK"/>
+            <a:endParaRPr lang="aa-ET"/>
           </a:p>
         </p:txBody>
       </p:sp>
@@ -13782,7 +12730,7 @@
           <a:bodyPr/>
           <a:lstStyle/>
           <a:p>
-            <a:endParaRPr lang="en-DK"/>
+            <a:endParaRPr lang="aa-ET"/>
           </a:p>
         </p:txBody>
       </p:sp>
@@ -13802,10 +12750,10 @@
           <a:lstStyle/>
           <a:p>
             <a:fld id="{BB4E0C7B-466A-4CBA-8DAA-31FBE5C17616}" type="slidenum">
-              <a:rPr lang="en-DK" smtClean="0"/>
-              <a:t>‹nr.›</a:t>
+              <a:rPr lang="aa-ET" smtClean="0"/>
+              <a:t>‹#›</a:t>
             </a:fld>
-            <a:endParaRPr lang="en-DK"/>
+            <a:endParaRPr lang="aa-ET"/>
           </a:p>
         </p:txBody>
       </p:sp>
@@ -14154,10 +13102,10 @@
           <a:lstStyle/>
           <a:p>
             <a:fld id="{1DAA98A6-9CDE-4C4B-96AD-64651D9891DB}" type="datetimeFigureOut">
-              <a:rPr lang="en-DK" smtClean="0"/>
-              <a:t>05/08/2018</a:t>
+              <a:rPr lang="aa-ET" smtClean="0"/>
+              <a:t>09/05/2018</a:t>
             </a:fld>
-            <a:endParaRPr lang="en-DK"/>
+            <a:endParaRPr lang="aa-ET"/>
           </a:p>
         </p:txBody>
       </p:sp>
@@ -14176,7 +13124,7 @@
           <a:bodyPr/>
           <a:lstStyle/>
           <a:p>
-            <a:endParaRPr lang="en-DK"/>
+            <a:endParaRPr lang="aa-ET"/>
           </a:p>
         </p:txBody>
       </p:sp>
@@ -14196,10 +13144,10 @@
           <a:lstStyle/>
           <a:p>
             <a:fld id="{BB4E0C7B-466A-4CBA-8DAA-31FBE5C17616}" type="slidenum">
-              <a:rPr lang="en-DK" smtClean="0"/>
-              <a:t>‹nr.›</a:t>
+              <a:rPr lang="aa-ET" smtClean="0"/>
+              <a:t>‹#›</a:t>
             </a:fld>
-            <a:endParaRPr lang="en-DK"/>
+            <a:endParaRPr lang="aa-ET"/>
           </a:p>
         </p:txBody>
       </p:sp>
@@ -14303,10 +13251,10 @@
           <a:lstStyle/>
           <a:p>
             <a:fld id="{1DAA98A6-9CDE-4C4B-96AD-64651D9891DB}" type="datetimeFigureOut">
-              <a:rPr lang="en-DK" smtClean="0"/>
-              <a:t>05/08/2018</a:t>
+              <a:rPr lang="aa-ET" smtClean="0"/>
+              <a:t>09/05/2018</a:t>
             </a:fld>
-            <a:endParaRPr lang="en-DK"/>
+            <a:endParaRPr lang="aa-ET"/>
           </a:p>
         </p:txBody>
       </p:sp>
@@ -14325,7 +13273,7 @@
           <a:bodyPr/>
           <a:lstStyle/>
           <a:p>
-            <a:endParaRPr lang="en-DK"/>
+            <a:endParaRPr lang="aa-ET"/>
           </a:p>
         </p:txBody>
       </p:sp>
@@ -14345,10 +13293,10 @@
           <a:lstStyle/>
           <a:p>
             <a:fld id="{BB4E0C7B-466A-4CBA-8DAA-31FBE5C17616}" type="slidenum">
-              <a:rPr lang="en-DK" smtClean="0"/>
-              <a:t>‹nr.›</a:t>
+              <a:rPr lang="aa-ET" smtClean="0"/>
+              <a:t>‹#›</a:t>
             </a:fld>
-            <a:endParaRPr lang="en-DK"/>
+            <a:endParaRPr lang="aa-ET"/>
           </a:p>
         </p:txBody>
       </p:sp>
@@ -14429,10 +13377,10 @@
           <a:lstStyle/>
           <a:p>
             <a:fld id="{1DAA98A6-9CDE-4C4B-96AD-64651D9891DB}" type="datetimeFigureOut">
-              <a:rPr lang="en-DK" smtClean="0"/>
-              <a:t>05/08/2018</a:t>
+              <a:rPr lang="aa-ET" smtClean="0"/>
+              <a:t>09/05/2018</a:t>
             </a:fld>
-            <a:endParaRPr lang="en-DK"/>
+            <a:endParaRPr lang="aa-ET"/>
           </a:p>
         </p:txBody>
       </p:sp>
@@ -14451,7 +13399,7 @@
           <a:bodyPr/>
           <a:lstStyle/>
           <a:p>
-            <a:endParaRPr lang="en-DK"/>
+            <a:endParaRPr lang="aa-ET"/>
           </a:p>
         </p:txBody>
       </p:sp>
@@ -14471,10 +13419,10 @@
           <a:lstStyle/>
           <a:p>
             <a:fld id="{BB4E0C7B-466A-4CBA-8DAA-31FBE5C17616}" type="slidenum">
-              <a:rPr lang="en-DK" smtClean="0"/>
-              <a:t>‹nr.›</a:t>
+              <a:rPr lang="aa-ET" smtClean="0"/>
+              <a:t>‹#›</a:t>
             </a:fld>
-            <a:endParaRPr lang="en-DK"/>
+            <a:endParaRPr lang="aa-ET"/>
           </a:p>
         </p:txBody>
       </p:sp>
@@ -14684,10 +13632,10 @@
           <a:lstStyle/>
           <a:p>
             <a:fld id="{1DAA98A6-9CDE-4C4B-96AD-64651D9891DB}" type="datetimeFigureOut">
-              <a:rPr lang="en-DK" smtClean="0"/>
-              <a:t>05/08/2018</a:t>
+              <a:rPr lang="aa-ET" smtClean="0"/>
+              <a:t>09/05/2018</a:t>
             </a:fld>
-            <a:endParaRPr lang="en-DK"/>
+            <a:endParaRPr lang="aa-ET"/>
           </a:p>
         </p:txBody>
       </p:sp>
@@ -14706,7 +13654,7 @@
           <a:bodyPr/>
           <a:lstStyle/>
           <a:p>
-            <a:endParaRPr lang="en-DK"/>
+            <a:endParaRPr lang="aa-ET"/>
           </a:p>
         </p:txBody>
       </p:sp>
@@ -14726,10 +13674,10 @@
           <a:lstStyle/>
           <a:p>
             <a:fld id="{BB4E0C7B-466A-4CBA-8DAA-31FBE5C17616}" type="slidenum">
-              <a:rPr lang="en-DK" smtClean="0"/>
-              <a:t>‹nr.›</a:t>
+              <a:rPr lang="aa-ET" smtClean="0"/>
+              <a:t>‹#›</a:t>
             </a:fld>
-            <a:endParaRPr lang="en-DK"/>
+            <a:endParaRPr lang="aa-ET"/>
           </a:p>
         </p:txBody>
       </p:sp>
@@ -14999,10 +13947,10 @@
           <a:lstStyle/>
           <a:p>
             <a:fld id="{1DAA98A6-9CDE-4C4B-96AD-64651D9891DB}" type="datetimeFigureOut">
-              <a:rPr lang="en-DK" smtClean="0"/>
-              <a:t>05/08/2018</a:t>
+              <a:rPr lang="aa-ET" smtClean="0"/>
+              <a:t>09/05/2018</a:t>
             </a:fld>
-            <a:endParaRPr lang="en-DK"/>
+            <a:endParaRPr lang="aa-ET"/>
           </a:p>
         </p:txBody>
       </p:sp>
@@ -15021,7 +13969,7 @@
           <a:bodyPr/>
           <a:lstStyle/>
           <a:p>
-            <a:endParaRPr lang="en-DK"/>
+            <a:endParaRPr lang="aa-ET"/>
           </a:p>
         </p:txBody>
       </p:sp>
@@ -15041,10 +13989,10 @@
           <a:lstStyle/>
           <a:p>
             <a:fld id="{BB4E0C7B-466A-4CBA-8DAA-31FBE5C17616}" type="slidenum">
-              <a:rPr lang="en-DK" smtClean="0"/>
-              <a:t>‹nr.›</a:t>
+              <a:rPr lang="aa-ET" smtClean="0"/>
+              <a:t>‹#›</a:t>
             </a:fld>
-            <a:endParaRPr lang="en-DK"/>
+            <a:endParaRPr lang="aa-ET"/>
           </a:p>
         </p:txBody>
       </p:sp>
@@ -15350,10 +14298,10 @@
           </a:lstStyle>
           <a:p>
             <a:fld id="{1DAA98A6-9CDE-4C4B-96AD-64651D9891DB}" type="datetimeFigureOut">
-              <a:rPr lang="en-DK" smtClean="0"/>
-              <a:t>05/08/2018</a:t>
+              <a:rPr lang="aa-ET" smtClean="0"/>
+              <a:t>09/05/2018</a:t>
             </a:fld>
-            <a:endParaRPr lang="en-DK"/>
+            <a:endParaRPr lang="aa-ET"/>
           </a:p>
         </p:txBody>
       </p:sp>
@@ -15390,7 +14338,7 @@
             </a:lvl1pPr>
           </a:lstStyle>
           <a:p>
-            <a:endParaRPr lang="en-DK"/>
+            <a:endParaRPr lang="aa-ET"/>
           </a:p>
         </p:txBody>
       </p:sp>
@@ -15428,10 +14376,10 @@
           </a:lstStyle>
           <a:p>
             <a:fld id="{BB4E0C7B-466A-4CBA-8DAA-31FBE5C17616}" type="slidenum">
-              <a:rPr lang="en-DK" smtClean="0"/>
-              <a:t>‹nr.›</a:t>
+              <a:rPr lang="aa-ET" smtClean="0"/>
+              <a:t>‹#›</a:t>
             </a:fld>
-            <a:endParaRPr lang="en-DK"/>
+            <a:endParaRPr lang="aa-ET"/>
           </a:p>
         </p:txBody>
       </p:sp>
@@ -15910,7 +14858,7 @@
           <p:cNvPr id="31" name="Rectangle 30">
             <a:extLst>
               <a:ext uri="{FF2B5EF4-FFF2-40B4-BE49-F238E27FC236}">
-                <a16:creationId xmlns:a16="http://schemas.microsoft.com/office/drawing/2014/main" id="{28FA177F-145C-478A-A7ED-8D021CE76B3B}"/>
+                <a16:creationId xmlns:a16="http://schemas.microsoft.com/office/drawing/2014/main" xmlns="" id="{28FA177F-145C-478A-A7ED-8D021CE76B3B}"/>
               </a:ext>
             </a:extLst>
           </p:cNvPr>
@@ -15920,7 +14868,7 @@
           <p:nvPr>
             <p:extLst>
               <p:ext uri="{386F3935-93C4-4BCD-93E2-E3B085C9AB24}">
-                <p16:designElem xmlns:p16="http://schemas.microsoft.com/office/powerpoint/2015/main" val="1"/>
+                <p16:designElem xmlns:p16="http://schemas.microsoft.com/office/powerpoint/2015/main" xmlns="" val="1"/>
               </p:ext>
             </p:extLst>
           </p:nvPr>
@@ -15967,7 +14915,7 @@
           <p:cNvPr id="33" name="Group 32">
             <a:extLst>
               <a:ext uri="{FF2B5EF4-FFF2-40B4-BE49-F238E27FC236}">
-                <a16:creationId xmlns:a16="http://schemas.microsoft.com/office/drawing/2014/main" id="{1A96A522-1258-462E-AFC5-F5E3F14110E3}"/>
+                <a16:creationId xmlns:a16="http://schemas.microsoft.com/office/drawing/2014/main" xmlns="" id="{1A96A522-1258-462E-AFC5-F5E3F14110E3}"/>
               </a:ext>
             </a:extLst>
           </p:cNvPr>
@@ -15977,7 +14925,7 @@
           <p:nvPr>
             <p:extLst>
               <p:ext uri="{386F3935-93C4-4BCD-93E2-E3B085C9AB24}">
-                <p16:designElem xmlns:p16="http://schemas.microsoft.com/office/powerpoint/2015/main" val="1"/>
+                <p16:designElem xmlns:p16="http://schemas.microsoft.com/office/powerpoint/2015/main" xmlns="" val="1"/>
               </p:ext>
             </p:extLst>
           </p:nvPr>
@@ -15995,7 +14943,7 @@
             <p:cNvPr id="34" name="Picture 33">
               <a:extLst>
                 <a:ext uri="{FF2B5EF4-FFF2-40B4-BE49-F238E27FC236}">
-                  <a16:creationId xmlns:a16="http://schemas.microsoft.com/office/drawing/2014/main" id="{ECD43597-59D1-4246-A90D-26FE2B6081B0}"/>
+                  <a16:creationId xmlns:a16="http://schemas.microsoft.com/office/drawing/2014/main" xmlns="" id="{ECD43597-59D1-4246-A90D-26FE2B6081B0}"/>
                 </a:ext>
               </a:extLst>
             </p:cNvPr>
@@ -16005,7 +14953,7 @@
             <p:nvPr>
               <p:extLst>
                 <p:ext uri="{386F3935-93C4-4BCD-93E2-E3B085C9AB24}">
-                  <p16:designElem xmlns:p16="http://schemas.microsoft.com/office/powerpoint/2015/main" val="1"/>
+                  <p16:designElem xmlns:p16="http://schemas.microsoft.com/office/powerpoint/2015/main" xmlns="" val="1"/>
                 </p:ext>
               </p:extLst>
             </p:nvPr>
@@ -16037,7 +14985,7 @@
             <p:cNvPr id="35" name="Rectangle 34">
               <a:extLst>
                 <a:ext uri="{FF2B5EF4-FFF2-40B4-BE49-F238E27FC236}">
-                  <a16:creationId xmlns:a16="http://schemas.microsoft.com/office/drawing/2014/main" id="{2ED48CD8-BE7A-4992-8570-58DEE9826AAB}"/>
+                  <a16:creationId xmlns:a16="http://schemas.microsoft.com/office/drawing/2014/main" xmlns="" id="{2ED48CD8-BE7A-4992-8570-58DEE9826AAB}"/>
                 </a:ext>
               </a:extLst>
             </p:cNvPr>
@@ -16045,7 +14993,7 @@
             <p:nvPr>
               <p:extLst>
                 <p:ext uri="{386F3935-93C4-4BCD-93E2-E3B085C9AB24}">
-                  <p16:designElem xmlns:p16="http://schemas.microsoft.com/office/powerpoint/2015/main" val="1"/>
+                  <p16:designElem xmlns:p16="http://schemas.microsoft.com/office/powerpoint/2015/main" xmlns="" val="1"/>
                 </p:ext>
               </p:extLst>
             </p:nvPr>
@@ -16083,7 +15031,7 @@
             <p:cNvPr id="36" name="Picture 35">
               <a:extLst>
                 <a:ext uri="{FF2B5EF4-FFF2-40B4-BE49-F238E27FC236}">
-                  <a16:creationId xmlns:a16="http://schemas.microsoft.com/office/drawing/2014/main" id="{9A68BD7C-72FC-4E92-88BB-3401D485D2B7}"/>
+                  <a16:creationId xmlns:a16="http://schemas.microsoft.com/office/drawing/2014/main" xmlns="" id="{9A68BD7C-72FC-4E92-88BB-3401D485D2B7}"/>
                 </a:ext>
               </a:extLst>
             </p:cNvPr>
@@ -16093,7 +15041,7 @@
             <p:nvPr>
               <p:extLst>
                 <p:ext uri="{386F3935-93C4-4BCD-93E2-E3B085C9AB24}">
-                  <p16:designElem xmlns:p16="http://schemas.microsoft.com/office/powerpoint/2015/main" val="1"/>
+                  <p16:designElem xmlns:p16="http://schemas.microsoft.com/office/powerpoint/2015/main" xmlns="" val="1"/>
                 </p:ext>
               </p:extLst>
             </p:nvPr>
@@ -16124,7 +15072,7 @@
             <p:cNvPr id="37" name="Picture 36">
               <a:extLst>
                 <a:ext uri="{FF2B5EF4-FFF2-40B4-BE49-F238E27FC236}">
-                  <a16:creationId xmlns:a16="http://schemas.microsoft.com/office/drawing/2014/main" id="{C8B73423-E00D-4FC9-9873-0C259A14BC19}"/>
+                  <a16:creationId xmlns:a16="http://schemas.microsoft.com/office/drawing/2014/main" xmlns="" id="{C8B73423-E00D-4FC9-9873-0C259A14BC19}"/>
                 </a:ext>
               </a:extLst>
             </p:cNvPr>
@@ -16134,7 +15082,7 @@
             <p:nvPr>
               <p:extLst>
                 <p:ext uri="{386F3935-93C4-4BCD-93E2-E3B085C9AB24}">
-                  <p16:designElem xmlns:p16="http://schemas.microsoft.com/office/powerpoint/2015/main" val="1"/>
+                  <p16:designElem xmlns:p16="http://schemas.microsoft.com/office/powerpoint/2015/main" xmlns="" val="1"/>
                 </p:ext>
               </p:extLst>
             </p:nvPr>
@@ -16166,7 +15114,7 @@
           <p:cNvPr id="77" name="Rectangle 38">
             <a:extLst>
               <a:ext uri="{FF2B5EF4-FFF2-40B4-BE49-F238E27FC236}">
-                <a16:creationId xmlns:a16="http://schemas.microsoft.com/office/drawing/2014/main" id="{22EEABFB-D1AB-4BFF-84FC-449548E93E09}"/>
+                <a16:creationId xmlns:a16="http://schemas.microsoft.com/office/drawing/2014/main" xmlns="" id="{22EEABFB-D1AB-4BFF-84FC-449548E93E09}"/>
               </a:ext>
             </a:extLst>
           </p:cNvPr>
@@ -16176,7 +15124,7 @@
           <p:nvPr>
             <p:extLst>
               <p:ext uri="{386F3935-93C4-4BCD-93E2-E3B085C9AB24}">
-                <p16:designElem xmlns:p16="http://schemas.microsoft.com/office/powerpoint/2015/main" val="1"/>
+                <p16:designElem xmlns:p16="http://schemas.microsoft.com/office/powerpoint/2015/main" xmlns="" val="1"/>
               </p:ext>
             </p:extLst>
           </p:nvPr>
@@ -16232,7 +15180,7 @@
           <p:cNvPr id="26" name="Graphic 6">
             <a:extLst>
               <a:ext uri="{FF2B5EF4-FFF2-40B4-BE49-F238E27FC236}">
-                <a16:creationId xmlns:a16="http://schemas.microsoft.com/office/drawing/2014/main" id="{E082B1A2-6853-4B96-83B0-28D71C87FB9D}"/>
+                <a16:creationId xmlns:a16="http://schemas.microsoft.com/office/drawing/2014/main" xmlns="" id="{E082B1A2-6853-4B96-83B0-28D71C87FB9D}"/>
               </a:ext>
             </a:extLst>
           </p:cNvPr>
@@ -16248,7 +15196,7 @@
                 <a14:useLocalDpi xmlns:a14="http://schemas.microsoft.com/office/drawing/2010/main" val="0"/>
               </a:ext>
               <a:ext uri="{96DAC541-7B7A-43D3-8B79-37D633B846F1}">
-                <asvg:svgBlip xmlns:asvg="http://schemas.microsoft.com/office/drawing/2016/SVG/main" r:embed="rId6"/>
+                <asvg:svgBlip xmlns:asvg="http://schemas.microsoft.com/office/drawing/2016/SVG/main" xmlns="" r:embed="rId6"/>
               </a:ext>
             </a:extLst>
           </a:blip>
@@ -16271,7 +15219,7 @@
           <p:cNvPr id="78" name="Straight Connector 40">
             <a:extLst>
               <a:ext uri="{FF2B5EF4-FFF2-40B4-BE49-F238E27FC236}">
-                <a16:creationId xmlns:a16="http://schemas.microsoft.com/office/drawing/2014/main" id="{4231BC86-8965-4F95-9FD9-76313A7D601B}"/>
+                <a16:creationId xmlns:a16="http://schemas.microsoft.com/office/drawing/2014/main" xmlns="" id="{4231BC86-8965-4F95-9FD9-76313A7D601B}"/>
               </a:ext>
             </a:extLst>
           </p:cNvPr>
@@ -16281,7 +15229,7 @@
           <p:nvPr>
             <p:extLst>
               <p:ext uri="{386F3935-93C4-4BCD-93E2-E3B085C9AB24}">
-                <p16:designElem xmlns:p16="http://schemas.microsoft.com/office/powerpoint/2015/main" val="1"/>
+                <p16:designElem xmlns:p16="http://schemas.microsoft.com/office/powerpoint/2015/main" xmlns="" val="1"/>
               </p:ext>
             </p:extLst>
           </p:nvPr>
@@ -16315,7 +15263,7 @@
           <p:cNvPr id="2" name="Title 1">
             <a:extLst>
               <a:ext uri="{FF2B5EF4-FFF2-40B4-BE49-F238E27FC236}">
-                <a16:creationId xmlns:a16="http://schemas.microsoft.com/office/drawing/2014/main" id="{3F7E20A1-BE45-4D63-B18E-679A0D1F1557}"/>
+                <a16:creationId xmlns:a16="http://schemas.microsoft.com/office/drawing/2014/main" xmlns="" id="{3F7E20A1-BE45-4D63-B18E-679A0D1F1557}"/>
               </a:ext>
             </a:extLst>
           </p:cNvPr>
@@ -16351,7 +15299,7 @@
               </a:rPr>
               <a:t>CLIENT SERVER SYSTEM</a:t>
             </a:r>
-            <a:endParaRPr lang="en-DK">
+            <a:endParaRPr lang="aa-ET">
               <a:solidFill>
                 <a:srgbClr val="262626"/>
               </a:solidFill>
@@ -16364,7 +15312,7 @@
           <p:cNvPr id="3" name="Subtitle 2">
             <a:extLst>
               <a:ext uri="{FF2B5EF4-FFF2-40B4-BE49-F238E27FC236}">
-                <a16:creationId xmlns:a16="http://schemas.microsoft.com/office/drawing/2014/main" id="{ACA2DBAC-A617-4F8F-8CC3-994D2DDF9AD6}"/>
+                <a16:creationId xmlns:a16="http://schemas.microsoft.com/office/drawing/2014/main" xmlns="" id="{ACA2DBAC-A617-4F8F-8CC3-994D2DDF9AD6}"/>
               </a:ext>
             </a:extLst>
           </p:cNvPr>
@@ -16395,7 +15343,7 @@
               </a:rPr>
               <a:t>GROUP 4</a:t>
             </a:r>
-            <a:endParaRPr lang="en-DK">
+            <a:endParaRPr lang="aa-ET">
               <a:solidFill>
                 <a:srgbClr val="000000"/>
               </a:solidFill>
@@ -16452,7 +15400,7 @@
           <p:cNvPr id="2" name="Title 1">
             <a:extLst>
               <a:ext uri="{FF2B5EF4-FFF2-40B4-BE49-F238E27FC236}">
-                <a16:creationId xmlns:a16="http://schemas.microsoft.com/office/drawing/2014/main" id="{22A36C66-AD4A-4030-89DF-D474261AA25C}"/>
+                <a16:creationId xmlns:a16="http://schemas.microsoft.com/office/drawing/2014/main" xmlns="" id="{22A36C66-AD4A-4030-89DF-D474261AA25C}"/>
               </a:ext>
             </a:extLst>
           </p:cNvPr>
@@ -16483,7 +15431,7 @@
               </a:rPr>
               <a:t>Design patterns</a:t>
             </a:r>
-            <a:endParaRPr lang="en-DK" b="1">
+            <a:endParaRPr lang="aa-ET" b="1">
               <a:solidFill>
                 <a:srgbClr val="262626"/>
               </a:solidFill>
@@ -16496,7 +15444,7 @@
           <p:cNvPr id="5" name="Content Placeholder 2">
             <a:extLst>
               <a:ext uri="{FF2B5EF4-FFF2-40B4-BE49-F238E27FC236}">
-                <a16:creationId xmlns:a16="http://schemas.microsoft.com/office/drawing/2014/main" id="{00725E55-E8C3-4336-82C1-ED7B2117D8CE}"/>
+                <a16:creationId xmlns:a16="http://schemas.microsoft.com/office/drawing/2014/main" xmlns="" id="{00725E55-E8C3-4336-82C1-ED7B2117D8CE}"/>
               </a:ext>
             </a:extLst>
           </p:cNvPr>
@@ -16571,7 +15519,7 @@
           <p:cNvPr id="10" name="Group 9">
             <a:extLst>
               <a:ext uri="{FF2B5EF4-FFF2-40B4-BE49-F238E27FC236}">
-                <a16:creationId xmlns:a16="http://schemas.microsoft.com/office/drawing/2014/main" id="{749C117F-F390-437B-ADB0-57E87EFF34F5}"/>
+                <a16:creationId xmlns:a16="http://schemas.microsoft.com/office/drawing/2014/main" xmlns="" id="{749C117F-F390-437B-ADB0-57E87EFF34F5}"/>
               </a:ext>
             </a:extLst>
           </p:cNvPr>
@@ -16581,7 +15529,7 @@
           <p:nvPr>
             <p:extLst>
               <p:ext uri="{386F3935-93C4-4BCD-93E2-E3B085C9AB24}">
-                <p16:designElem xmlns:p16="http://schemas.microsoft.com/office/powerpoint/2015/main" val="1"/>
+                <p16:designElem xmlns:p16="http://schemas.microsoft.com/office/powerpoint/2015/main" xmlns="" val="1"/>
               </p:ext>
             </p:extLst>
           </p:nvPr>
@@ -16599,7 +15547,7 @@
             <p:cNvPr id="11" name="Picture 10">
               <a:extLst>
                 <a:ext uri="{FF2B5EF4-FFF2-40B4-BE49-F238E27FC236}">
-                  <a16:creationId xmlns:a16="http://schemas.microsoft.com/office/drawing/2014/main" id="{A7EF42F8-2417-49A6-95CE-DE9503B0AA66}"/>
+                  <a16:creationId xmlns:a16="http://schemas.microsoft.com/office/drawing/2014/main" xmlns="" id="{A7EF42F8-2417-49A6-95CE-DE9503B0AA66}"/>
                 </a:ext>
               </a:extLst>
             </p:cNvPr>
@@ -16609,7 +15557,7 @@
             <p:nvPr>
               <p:extLst>
                 <p:ext uri="{386F3935-93C4-4BCD-93E2-E3B085C9AB24}">
-                  <p16:designElem xmlns:p16="http://schemas.microsoft.com/office/powerpoint/2015/main" val="1"/>
+                  <p16:designElem xmlns:p16="http://schemas.microsoft.com/office/powerpoint/2015/main" xmlns="" val="1"/>
                 </p:ext>
               </p:extLst>
             </p:nvPr>
@@ -16641,7 +15589,7 @@
             <p:cNvPr id="12" name="Rectangle 11">
               <a:extLst>
                 <a:ext uri="{FF2B5EF4-FFF2-40B4-BE49-F238E27FC236}">
-                  <a16:creationId xmlns:a16="http://schemas.microsoft.com/office/drawing/2014/main" id="{AC6F623B-2003-4AED-B02F-541A150EC143}"/>
+                  <a16:creationId xmlns:a16="http://schemas.microsoft.com/office/drawing/2014/main" xmlns="" id="{AC6F623B-2003-4AED-B02F-541A150EC143}"/>
                 </a:ext>
               </a:extLst>
             </p:cNvPr>
@@ -16649,7 +15597,7 @@
             <p:nvPr>
               <p:extLst>
                 <p:ext uri="{386F3935-93C4-4BCD-93E2-E3B085C9AB24}">
-                  <p16:designElem xmlns:p16="http://schemas.microsoft.com/office/powerpoint/2015/main" val="1"/>
+                  <p16:designElem xmlns:p16="http://schemas.microsoft.com/office/powerpoint/2015/main" xmlns="" val="1"/>
                 </p:ext>
               </p:extLst>
             </p:nvPr>
@@ -16687,7 +15635,7 @@
             <p:cNvPr id="13" name="Picture 12">
               <a:extLst>
                 <a:ext uri="{FF2B5EF4-FFF2-40B4-BE49-F238E27FC236}">
-                  <a16:creationId xmlns:a16="http://schemas.microsoft.com/office/drawing/2014/main" id="{CD11837A-4F3D-419F-ACE2-E80B1EA2846F}"/>
+                  <a16:creationId xmlns:a16="http://schemas.microsoft.com/office/drawing/2014/main" xmlns="" id="{CD11837A-4F3D-419F-ACE2-E80B1EA2846F}"/>
                 </a:ext>
               </a:extLst>
             </p:cNvPr>
@@ -16697,7 +15645,7 @@
             <p:nvPr>
               <p:extLst>
                 <p:ext uri="{386F3935-93C4-4BCD-93E2-E3B085C9AB24}">
-                  <p16:designElem xmlns:p16="http://schemas.microsoft.com/office/powerpoint/2015/main" val="1"/>
+                  <p16:designElem xmlns:p16="http://schemas.microsoft.com/office/powerpoint/2015/main" xmlns="" val="1"/>
                 </p:ext>
               </p:extLst>
             </p:nvPr>
@@ -16728,7 +15676,7 @@
             <p:cNvPr id="14" name="Picture 13">
               <a:extLst>
                 <a:ext uri="{FF2B5EF4-FFF2-40B4-BE49-F238E27FC236}">
-                  <a16:creationId xmlns:a16="http://schemas.microsoft.com/office/drawing/2014/main" id="{B9411D1A-7E2C-4A36-BE32-BF7A8E130723}"/>
+                  <a16:creationId xmlns:a16="http://schemas.microsoft.com/office/drawing/2014/main" xmlns="" id="{B9411D1A-7E2C-4A36-BE32-BF7A8E130723}"/>
                 </a:ext>
               </a:extLst>
             </p:cNvPr>
@@ -16738,7 +15686,7 @@
             <p:nvPr>
               <p:extLst>
                 <p:ext uri="{386F3935-93C4-4BCD-93E2-E3B085C9AB24}">
-                  <p16:designElem xmlns:p16="http://schemas.microsoft.com/office/powerpoint/2015/main" val="1"/>
+                  <p16:designElem xmlns:p16="http://schemas.microsoft.com/office/powerpoint/2015/main" xmlns="" val="1"/>
                 </p:ext>
               </p:extLst>
             </p:nvPr>
@@ -16770,7 +15718,7 @@
           <p:cNvPr id="16" name="Straight Connector 15">
             <a:extLst>
               <a:ext uri="{FF2B5EF4-FFF2-40B4-BE49-F238E27FC236}">
-                <a16:creationId xmlns:a16="http://schemas.microsoft.com/office/drawing/2014/main" id="{20742BC3-654B-4E41-9A6A-73A42E477639}"/>
+                <a16:creationId xmlns:a16="http://schemas.microsoft.com/office/drawing/2014/main" xmlns="" id="{20742BC3-654B-4E41-9A6A-73A42E477639}"/>
               </a:ext>
             </a:extLst>
           </p:cNvPr>
@@ -16780,7 +15728,7 @@
           <p:nvPr>
             <p:extLst>
               <p:ext uri="{386F3935-93C4-4BCD-93E2-E3B085C9AB24}">
-                <p16:designElem xmlns:p16="http://schemas.microsoft.com/office/powerpoint/2015/main" val="1"/>
+                <p16:designElem xmlns:p16="http://schemas.microsoft.com/office/powerpoint/2015/main" xmlns="" val="1"/>
               </p:ext>
             </p:extLst>
           </p:nvPr>
@@ -16814,7 +15762,7 @@
           <p:cNvPr id="18" name="Rectangle 17">
             <a:extLst>
               <a:ext uri="{FF2B5EF4-FFF2-40B4-BE49-F238E27FC236}">
-                <a16:creationId xmlns:a16="http://schemas.microsoft.com/office/drawing/2014/main" id="{575E71FA-50BD-43F8-8C98-04339283A93D}"/>
+                <a16:creationId xmlns:a16="http://schemas.microsoft.com/office/drawing/2014/main" xmlns="" id="{575E71FA-50BD-43F8-8C98-04339283A93D}"/>
               </a:ext>
             </a:extLst>
           </p:cNvPr>
@@ -16824,7 +15772,7 @@
           <p:nvPr>
             <p:extLst>
               <p:ext uri="{386F3935-93C4-4BCD-93E2-E3B085C9AB24}">
-                <p16:designElem xmlns:p16="http://schemas.microsoft.com/office/powerpoint/2015/main" val="1"/>
+                <p16:designElem xmlns:p16="http://schemas.microsoft.com/office/powerpoint/2015/main" xmlns="" val="1"/>
               </p:ext>
             </p:extLst>
           </p:nvPr>
@@ -16871,7 +15819,7 @@
           <p:cNvPr id="20" name="Group 19">
             <a:extLst>
               <a:ext uri="{FF2B5EF4-FFF2-40B4-BE49-F238E27FC236}">
-                <a16:creationId xmlns:a16="http://schemas.microsoft.com/office/drawing/2014/main" id="{CF1AA7F6-A589-4BC8-BC72-2CA6DC908398}"/>
+                <a16:creationId xmlns:a16="http://schemas.microsoft.com/office/drawing/2014/main" xmlns="" id="{CF1AA7F6-A589-4BC8-BC72-2CA6DC908398}"/>
               </a:ext>
             </a:extLst>
           </p:cNvPr>
@@ -16881,7 +15829,7 @@
           <p:nvPr>
             <p:extLst>
               <p:ext uri="{386F3935-93C4-4BCD-93E2-E3B085C9AB24}">
-                <p16:designElem xmlns:p16="http://schemas.microsoft.com/office/powerpoint/2015/main" val="1"/>
+                <p16:designElem xmlns:p16="http://schemas.microsoft.com/office/powerpoint/2015/main" xmlns="" val="1"/>
               </p:ext>
             </p:extLst>
           </p:nvPr>
@@ -16899,7 +15847,7 @@
             <p:cNvPr id="21" name="Picture 20">
               <a:extLst>
                 <a:ext uri="{FF2B5EF4-FFF2-40B4-BE49-F238E27FC236}">
-                  <a16:creationId xmlns:a16="http://schemas.microsoft.com/office/drawing/2014/main" id="{53F5243F-7E41-439E-8991-C4F246D88F68}"/>
+                  <a16:creationId xmlns:a16="http://schemas.microsoft.com/office/drawing/2014/main" xmlns="" id="{53F5243F-7E41-439E-8991-C4F246D88F68}"/>
                 </a:ext>
               </a:extLst>
             </p:cNvPr>
@@ -16909,7 +15857,7 @@
             <p:nvPr>
               <p:extLst>
                 <p:ext uri="{386F3935-93C4-4BCD-93E2-E3B085C9AB24}">
-                  <p16:designElem xmlns:p16="http://schemas.microsoft.com/office/powerpoint/2015/main" val="1"/>
+                  <p16:designElem xmlns:p16="http://schemas.microsoft.com/office/powerpoint/2015/main" xmlns="" val="1"/>
                 </p:ext>
               </p:extLst>
             </p:nvPr>
@@ -16941,7 +15889,7 @@
             <p:cNvPr id="22" name="Rectangle 21">
               <a:extLst>
                 <a:ext uri="{FF2B5EF4-FFF2-40B4-BE49-F238E27FC236}">
-                  <a16:creationId xmlns:a16="http://schemas.microsoft.com/office/drawing/2014/main" id="{401A6B5F-1CF1-43AD-9E85-94E187210CFC}"/>
+                  <a16:creationId xmlns:a16="http://schemas.microsoft.com/office/drawing/2014/main" xmlns="" id="{401A6B5F-1CF1-43AD-9E85-94E187210CFC}"/>
                 </a:ext>
               </a:extLst>
             </p:cNvPr>
@@ -16949,7 +15897,7 @@
             <p:nvPr>
               <p:extLst>
                 <p:ext uri="{386F3935-93C4-4BCD-93E2-E3B085C9AB24}">
-                  <p16:designElem xmlns:p16="http://schemas.microsoft.com/office/powerpoint/2015/main" val="1"/>
+                  <p16:designElem xmlns:p16="http://schemas.microsoft.com/office/powerpoint/2015/main" xmlns="" val="1"/>
                 </p:ext>
               </p:extLst>
             </p:nvPr>
@@ -16987,7 +15935,7 @@
             <p:cNvPr id="23" name="Picture 22">
               <a:extLst>
                 <a:ext uri="{FF2B5EF4-FFF2-40B4-BE49-F238E27FC236}">
-                  <a16:creationId xmlns:a16="http://schemas.microsoft.com/office/drawing/2014/main" id="{2F682A59-7E20-407C-A7F8-582295AC687C}"/>
+                  <a16:creationId xmlns:a16="http://schemas.microsoft.com/office/drawing/2014/main" xmlns="" id="{2F682A59-7E20-407C-A7F8-582295AC687C}"/>
                 </a:ext>
               </a:extLst>
             </p:cNvPr>
@@ -16997,7 +15945,7 @@
             <p:nvPr>
               <p:extLst>
                 <p:ext uri="{386F3935-93C4-4BCD-93E2-E3B085C9AB24}">
-                  <p16:designElem xmlns:p16="http://schemas.microsoft.com/office/powerpoint/2015/main" val="1"/>
+                  <p16:designElem xmlns:p16="http://schemas.microsoft.com/office/powerpoint/2015/main" xmlns="" val="1"/>
                 </p:ext>
               </p:extLst>
             </p:nvPr>
@@ -17028,7 +15976,7 @@
             <p:cNvPr id="24" name="Picture 23">
               <a:extLst>
                 <a:ext uri="{FF2B5EF4-FFF2-40B4-BE49-F238E27FC236}">
-                  <a16:creationId xmlns:a16="http://schemas.microsoft.com/office/drawing/2014/main" id="{5E4AC24E-0670-406E-822F-AAA6DA2010D3}"/>
+                  <a16:creationId xmlns:a16="http://schemas.microsoft.com/office/drawing/2014/main" xmlns="" id="{5E4AC24E-0670-406E-822F-AAA6DA2010D3}"/>
                 </a:ext>
               </a:extLst>
             </p:cNvPr>
@@ -17038,7 +15986,7 @@
             <p:nvPr>
               <p:extLst>
                 <p:ext uri="{386F3935-93C4-4BCD-93E2-E3B085C9AB24}">
-                  <p16:designElem xmlns:p16="http://schemas.microsoft.com/office/powerpoint/2015/main" val="1"/>
+                  <p16:designElem xmlns:p16="http://schemas.microsoft.com/office/powerpoint/2015/main" xmlns="" val="1"/>
                 </p:ext>
               </p:extLst>
             </p:nvPr>
@@ -17070,7 +16018,7 @@
           <p:cNvPr id="35" name="Rectangle 25">
             <a:extLst>
               <a:ext uri="{FF2B5EF4-FFF2-40B4-BE49-F238E27FC236}">
-                <a16:creationId xmlns:a16="http://schemas.microsoft.com/office/drawing/2014/main" id="{E89B1776-F953-4C0F-8E85-E9C66B1EF003}"/>
+                <a16:creationId xmlns:a16="http://schemas.microsoft.com/office/drawing/2014/main" xmlns="" id="{E89B1776-F953-4C0F-8E85-E9C66B1EF003}"/>
               </a:ext>
             </a:extLst>
           </p:cNvPr>
@@ -17080,7 +16028,7 @@
           <p:nvPr>
             <p:extLst>
               <p:ext uri="{386F3935-93C4-4BCD-93E2-E3B085C9AB24}">
-                <p16:designElem xmlns:p16="http://schemas.microsoft.com/office/powerpoint/2015/main" val="1"/>
+                <p16:designElem xmlns:p16="http://schemas.microsoft.com/office/powerpoint/2015/main" xmlns="" val="1"/>
               </p:ext>
             </p:extLst>
           </p:nvPr>
@@ -17136,7 +16084,7 @@
           <p:cNvPr id="5" name="Picture 4">
             <a:extLst>
               <a:ext uri="{FF2B5EF4-FFF2-40B4-BE49-F238E27FC236}">
-                <a16:creationId xmlns:a16="http://schemas.microsoft.com/office/drawing/2014/main" id="{692FC4EF-4715-4893-A80D-153A38D508EF}"/>
+                <a16:creationId xmlns:a16="http://schemas.microsoft.com/office/drawing/2014/main" xmlns="" id="{692FC4EF-4715-4893-A80D-153A38D508EF}"/>
               </a:ext>
             </a:extLst>
           </p:cNvPr>
@@ -17146,7 +16094,7 @@
           <p:nvPr/>
         </p:nvPicPr>
         <p:blipFill>
-          <a:blip r:embed="rId7">
+          <a:blip r:embed="rId7" cstate="print">
             <a:extLst>
               <a:ext uri="{28A0092B-C50C-407E-A947-70E740481C1C}">
                 <a14:useLocalDpi xmlns:a14="http://schemas.microsoft.com/office/drawing/2010/main" val="0"/>
@@ -17172,7 +16120,7 @@
           <p:cNvPr id="36" name="Straight Connector 27">
             <a:extLst>
               <a:ext uri="{FF2B5EF4-FFF2-40B4-BE49-F238E27FC236}">
-                <a16:creationId xmlns:a16="http://schemas.microsoft.com/office/drawing/2014/main" id="{997356D0-D934-42B9-8291-DF34A3AC0CFE}"/>
+                <a16:creationId xmlns:a16="http://schemas.microsoft.com/office/drawing/2014/main" xmlns="" id="{997356D0-D934-42B9-8291-DF34A3AC0CFE}"/>
               </a:ext>
             </a:extLst>
           </p:cNvPr>
@@ -17182,7 +16130,7 @@
           <p:nvPr>
             <p:extLst>
               <p:ext uri="{386F3935-93C4-4BCD-93E2-E3B085C9AB24}">
-                <p16:designElem xmlns:p16="http://schemas.microsoft.com/office/powerpoint/2015/main" val="1"/>
+                <p16:designElem xmlns:p16="http://schemas.microsoft.com/office/powerpoint/2015/main" xmlns="" val="1"/>
               </p:ext>
             </p:extLst>
           </p:nvPr>
@@ -17216,7 +16164,7 @@
           <p:cNvPr id="2" name="Title 1">
             <a:extLst>
               <a:ext uri="{FF2B5EF4-FFF2-40B4-BE49-F238E27FC236}">
-                <a16:creationId xmlns:a16="http://schemas.microsoft.com/office/drawing/2014/main" id="{1FA443E8-3581-46DF-AF13-4051253B4841}"/>
+                <a16:creationId xmlns:a16="http://schemas.microsoft.com/office/drawing/2014/main" xmlns="" id="{1FA443E8-3581-46DF-AF13-4051253B4841}"/>
               </a:ext>
             </a:extLst>
           </p:cNvPr>
@@ -17299,7 +16247,7 @@
           <p:cNvPr id="29" name="Group 8">
             <a:extLst>
               <a:ext uri="{FF2B5EF4-FFF2-40B4-BE49-F238E27FC236}">
-                <a16:creationId xmlns:a16="http://schemas.microsoft.com/office/drawing/2014/main" id="{749C117F-F390-437B-ADB0-57E87EFF34F5}"/>
+                <a16:creationId xmlns:a16="http://schemas.microsoft.com/office/drawing/2014/main" xmlns="" id="{749C117F-F390-437B-ADB0-57E87EFF34F5}"/>
               </a:ext>
             </a:extLst>
           </p:cNvPr>
@@ -17309,7 +16257,7 @@
           <p:nvPr>
             <p:extLst>
               <p:ext uri="{386F3935-93C4-4BCD-93E2-E3B085C9AB24}">
-                <p16:designElem xmlns:p16="http://schemas.microsoft.com/office/powerpoint/2015/main" val="1"/>
+                <p16:designElem xmlns:p16="http://schemas.microsoft.com/office/powerpoint/2015/main" xmlns="" val="1"/>
               </p:ext>
             </p:extLst>
           </p:nvPr>
@@ -17327,7 +16275,7 @@
             <p:cNvPr id="10" name="Picture 9">
               <a:extLst>
                 <a:ext uri="{FF2B5EF4-FFF2-40B4-BE49-F238E27FC236}">
-                  <a16:creationId xmlns:a16="http://schemas.microsoft.com/office/drawing/2014/main" id="{A7EF42F8-2417-49A6-95CE-DE9503B0AA66}"/>
+                  <a16:creationId xmlns:a16="http://schemas.microsoft.com/office/drawing/2014/main" xmlns="" id="{A7EF42F8-2417-49A6-95CE-DE9503B0AA66}"/>
                 </a:ext>
               </a:extLst>
             </p:cNvPr>
@@ -17337,7 +16285,7 @@
             <p:nvPr>
               <p:extLst>
                 <p:ext uri="{386F3935-93C4-4BCD-93E2-E3B085C9AB24}">
-                  <p16:designElem xmlns:p16="http://schemas.microsoft.com/office/powerpoint/2015/main" val="1"/>
+                  <p16:designElem xmlns:p16="http://schemas.microsoft.com/office/powerpoint/2015/main" xmlns="" val="1"/>
                 </p:ext>
               </p:extLst>
             </p:nvPr>
@@ -17369,7 +16317,7 @@
             <p:cNvPr id="11" name="Rectangle 10">
               <a:extLst>
                 <a:ext uri="{FF2B5EF4-FFF2-40B4-BE49-F238E27FC236}">
-                  <a16:creationId xmlns:a16="http://schemas.microsoft.com/office/drawing/2014/main" id="{AC6F623B-2003-4AED-B02F-541A150EC143}"/>
+                  <a16:creationId xmlns:a16="http://schemas.microsoft.com/office/drawing/2014/main" xmlns="" id="{AC6F623B-2003-4AED-B02F-541A150EC143}"/>
                 </a:ext>
               </a:extLst>
             </p:cNvPr>
@@ -17377,7 +16325,7 @@
             <p:nvPr>
               <p:extLst>
                 <p:ext uri="{386F3935-93C4-4BCD-93E2-E3B085C9AB24}">
-                  <p16:designElem xmlns:p16="http://schemas.microsoft.com/office/powerpoint/2015/main" val="1"/>
+                  <p16:designElem xmlns:p16="http://schemas.microsoft.com/office/powerpoint/2015/main" xmlns="" val="1"/>
                 </p:ext>
               </p:extLst>
             </p:nvPr>
@@ -17415,7 +16363,7 @@
             <p:cNvPr id="12" name="Picture 11">
               <a:extLst>
                 <a:ext uri="{FF2B5EF4-FFF2-40B4-BE49-F238E27FC236}">
-                  <a16:creationId xmlns:a16="http://schemas.microsoft.com/office/drawing/2014/main" id="{CD11837A-4F3D-419F-ACE2-E80B1EA2846F}"/>
+                  <a16:creationId xmlns:a16="http://schemas.microsoft.com/office/drawing/2014/main" xmlns="" id="{CD11837A-4F3D-419F-ACE2-E80B1EA2846F}"/>
                 </a:ext>
               </a:extLst>
             </p:cNvPr>
@@ -17425,7 +16373,7 @@
             <p:nvPr>
               <p:extLst>
                 <p:ext uri="{386F3935-93C4-4BCD-93E2-E3B085C9AB24}">
-                  <p16:designElem xmlns:p16="http://schemas.microsoft.com/office/powerpoint/2015/main" val="1"/>
+                  <p16:designElem xmlns:p16="http://schemas.microsoft.com/office/powerpoint/2015/main" xmlns="" val="1"/>
                 </p:ext>
               </p:extLst>
             </p:nvPr>
@@ -17456,7 +16404,7 @@
             <p:cNvPr id="13" name="Picture 12">
               <a:extLst>
                 <a:ext uri="{FF2B5EF4-FFF2-40B4-BE49-F238E27FC236}">
-                  <a16:creationId xmlns:a16="http://schemas.microsoft.com/office/drawing/2014/main" id="{B9411D1A-7E2C-4A36-BE32-BF7A8E130723}"/>
+                  <a16:creationId xmlns:a16="http://schemas.microsoft.com/office/drawing/2014/main" xmlns="" id="{B9411D1A-7E2C-4A36-BE32-BF7A8E130723}"/>
                 </a:ext>
               </a:extLst>
             </p:cNvPr>
@@ -17466,7 +16414,7 @@
             <p:nvPr>
               <p:extLst>
                 <p:ext uri="{386F3935-93C4-4BCD-93E2-E3B085C9AB24}">
-                  <p16:designElem xmlns:p16="http://schemas.microsoft.com/office/powerpoint/2015/main" val="1"/>
+                  <p16:designElem xmlns:p16="http://schemas.microsoft.com/office/powerpoint/2015/main" xmlns="" val="1"/>
                 </p:ext>
               </p:extLst>
             </p:nvPr>
@@ -17498,7 +16446,7 @@
           <p:cNvPr id="30" name="Straight Connector 14">
             <a:extLst>
               <a:ext uri="{FF2B5EF4-FFF2-40B4-BE49-F238E27FC236}">
-                <a16:creationId xmlns:a16="http://schemas.microsoft.com/office/drawing/2014/main" id="{20742BC3-654B-4E41-9A6A-73A42E477639}"/>
+                <a16:creationId xmlns:a16="http://schemas.microsoft.com/office/drawing/2014/main" xmlns="" id="{20742BC3-654B-4E41-9A6A-73A42E477639}"/>
               </a:ext>
             </a:extLst>
           </p:cNvPr>
@@ -17508,7 +16456,7 @@
           <p:nvPr>
             <p:extLst>
               <p:ext uri="{386F3935-93C4-4BCD-93E2-E3B085C9AB24}">
-                <p16:designElem xmlns:p16="http://schemas.microsoft.com/office/powerpoint/2015/main" val="1"/>
+                <p16:designElem xmlns:p16="http://schemas.microsoft.com/office/powerpoint/2015/main" xmlns="" val="1"/>
               </p:ext>
             </p:extLst>
           </p:nvPr>
@@ -17542,7 +16490,7 @@
           <p:cNvPr id="31" name="Rectangle 16">
             <a:extLst>
               <a:ext uri="{FF2B5EF4-FFF2-40B4-BE49-F238E27FC236}">
-                <a16:creationId xmlns:a16="http://schemas.microsoft.com/office/drawing/2014/main" id="{28FA177F-145C-478A-A7ED-8D021CE76B3B}"/>
+                <a16:creationId xmlns:a16="http://schemas.microsoft.com/office/drawing/2014/main" xmlns="" id="{28FA177F-145C-478A-A7ED-8D021CE76B3B}"/>
               </a:ext>
             </a:extLst>
           </p:cNvPr>
@@ -17552,7 +16500,7 @@
           <p:nvPr>
             <p:extLst>
               <p:ext uri="{386F3935-93C4-4BCD-93E2-E3B085C9AB24}">
-                <p16:designElem xmlns:p16="http://schemas.microsoft.com/office/powerpoint/2015/main" val="1"/>
+                <p16:designElem xmlns:p16="http://schemas.microsoft.com/office/powerpoint/2015/main" xmlns="" val="1"/>
               </p:ext>
             </p:extLst>
           </p:nvPr>
@@ -17599,7 +16547,7 @@
           <p:cNvPr id="32" name="Group 18">
             <a:extLst>
               <a:ext uri="{FF2B5EF4-FFF2-40B4-BE49-F238E27FC236}">
-                <a16:creationId xmlns:a16="http://schemas.microsoft.com/office/drawing/2014/main" id="{1A96A522-1258-462E-AFC5-F5E3F14110E3}"/>
+                <a16:creationId xmlns:a16="http://schemas.microsoft.com/office/drawing/2014/main" xmlns="" id="{1A96A522-1258-462E-AFC5-F5E3F14110E3}"/>
               </a:ext>
             </a:extLst>
           </p:cNvPr>
@@ -17609,7 +16557,7 @@
           <p:nvPr>
             <p:extLst>
               <p:ext uri="{386F3935-93C4-4BCD-93E2-E3B085C9AB24}">
-                <p16:designElem xmlns:p16="http://schemas.microsoft.com/office/powerpoint/2015/main" val="1"/>
+                <p16:designElem xmlns:p16="http://schemas.microsoft.com/office/powerpoint/2015/main" xmlns="" val="1"/>
               </p:ext>
             </p:extLst>
           </p:nvPr>
@@ -17627,7 +16575,7 @@
             <p:cNvPr id="20" name="Picture 19">
               <a:extLst>
                 <a:ext uri="{FF2B5EF4-FFF2-40B4-BE49-F238E27FC236}">
-                  <a16:creationId xmlns:a16="http://schemas.microsoft.com/office/drawing/2014/main" id="{ECD43597-59D1-4246-A90D-26FE2B6081B0}"/>
+                  <a16:creationId xmlns:a16="http://schemas.microsoft.com/office/drawing/2014/main" xmlns="" id="{ECD43597-59D1-4246-A90D-26FE2B6081B0}"/>
                 </a:ext>
               </a:extLst>
             </p:cNvPr>
@@ -17637,7 +16585,7 @@
             <p:nvPr>
               <p:extLst>
                 <p:ext uri="{386F3935-93C4-4BCD-93E2-E3B085C9AB24}">
-                  <p16:designElem xmlns:p16="http://schemas.microsoft.com/office/powerpoint/2015/main" val="1"/>
+                  <p16:designElem xmlns:p16="http://schemas.microsoft.com/office/powerpoint/2015/main" xmlns="" val="1"/>
                 </p:ext>
               </p:extLst>
             </p:nvPr>
@@ -17669,7 +16617,7 @@
             <p:cNvPr id="21" name="Rectangle 20">
               <a:extLst>
                 <a:ext uri="{FF2B5EF4-FFF2-40B4-BE49-F238E27FC236}">
-                  <a16:creationId xmlns:a16="http://schemas.microsoft.com/office/drawing/2014/main" id="{2ED48CD8-BE7A-4992-8570-58DEE9826AAB}"/>
+                  <a16:creationId xmlns:a16="http://schemas.microsoft.com/office/drawing/2014/main" xmlns="" id="{2ED48CD8-BE7A-4992-8570-58DEE9826AAB}"/>
                 </a:ext>
               </a:extLst>
             </p:cNvPr>
@@ -17677,7 +16625,7 @@
             <p:nvPr>
               <p:extLst>
                 <p:ext uri="{386F3935-93C4-4BCD-93E2-E3B085C9AB24}">
-                  <p16:designElem xmlns:p16="http://schemas.microsoft.com/office/powerpoint/2015/main" val="1"/>
+                  <p16:designElem xmlns:p16="http://schemas.microsoft.com/office/powerpoint/2015/main" xmlns="" val="1"/>
                 </p:ext>
               </p:extLst>
             </p:nvPr>
@@ -17715,7 +16663,7 @@
             <p:cNvPr id="22" name="Picture 21">
               <a:extLst>
                 <a:ext uri="{FF2B5EF4-FFF2-40B4-BE49-F238E27FC236}">
-                  <a16:creationId xmlns:a16="http://schemas.microsoft.com/office/drawing/2014/main" id="{9A68BD7C-72FC-4E92-88BB-3401D485D2B7}"/>
+                  <a16:creationId xmlns:a16="http://schemas.microsoft.com/office/drawing/2014/main" xmlns="" id="{9A68BD7C-72FC-4E92-88BB-3401D485D2B7}"/>
                 </a:ext>
               </a:extLst>
             </p:cNvPr>
@@ -17725,7 +16673,7 @@
             <p:nvPr>
               <p:extLst>
                 <p:ext uri="{386F3935-93C4-4BCD-93E2-E3B085C9AB24}">
-                  <p16:designElem xmlns:p16="http://schemas.microsoft.com/office/powerpoint/2015/main" val="1"/>
+                  <p16:designElem xmlns:p16="http://schemas.microsoft.com/office/powerpoint/2015/main" xmlns="" val="1"/>
                 </p:ext>
               </p:extLst>
             </p:nvPr>
@@ -17756,7 +16704,7 @@
             <p:cNvPr id="23" name="Picture 22">
               <a:extLst>
                 <a:ext uri="{FF2B5EF4-FFF2-40B4-BE49-F238E27FC236}">
-                  <a16:creationId xmlns:a16="http://schemas.microsoft.com/office/drawing/2014/main" id="{C8B73423-E00D-4FC9-9873-0C259A14BC19}"/>
+                  <a16:creationId xmlns:a16="http://schemas.microsoft.com/office/drawing/2014/main" xmlns="" id="{C8B73423-E00D-4FC9-9873-0C259A14BC19}"/>
                 </a:ext>
               </a:extLst>
             </p:cNvPr>
@@ -17766,7 +16714,7 @@
             <p:nvPr>
               <p:extLst>
                 <p:ext uri="{386F3935-93C4-4BCD-93E2-E3B085C9AB24}">
-                  <p16:designElem xmlns:p16="http://schemas.microsoft.com/office/powerpoint/2015/main" val="1"/>
+                  <p16:designElem xmlns:p16="http://schemas.microsoft.com/office/powerpoint/2015/main" xmlns="" val="1"/>
                 </p:ext>
               </p:extLst>
             </p:nvPr>
@@ -17798,7 +16746,7 @@
           <p:cNvPr id="33" name="Rectangle 24">
             <a:extLst>
               <a:ext uri="{FF2B5EF4-FFF2-40B4-BE49-F238E27FC236}">
-                <a16:creationId xmlns:a16="http://schemas.microsoft.com/office/drawing/2014/main" id="{22EEABFB-D1AB-4BFF-84FC-449548E93E09}"/>
+                <a16:creationId xmlns:a16="http://schemas.microsoft.com/office/drawing/2014/main" xmlns="" id="{22EEABFB-D1AB-4BFF-84FC-449548E93E09}"/>
               </a:ext>
             </a:extLst>
           </p:cNvPr>
@@ -17808,7 +16756,7 @@
           <p:nvPr>
             <p:extLst>
               <p:ext uri="{386F3935-93C4-4BCD-93E2-E3B085C9AB24}">
-                <p16:designElem xmlns:p16="http://schemas.microsoft.com/office/powerpoint/2015/main" val="1"/>
+                <p16:designElem xmlns:p16="http://schemas.microsoft.com/office/powerpoint/2015/main" xmlns="" val="1"/>
               </p:ext>
             </p:extLst>
           </p:nvPr>
@@ -17864,7 +16812,7 @@
           <p:cNvPr id="4" name="Picture 3">
             <a:extLst>
               <a:ext uri="{FF2B5EF4-FFF2-40B4-BE49-F238E27FC236}">
-                <a16:creationId xmlns:a16="http://schemas.microsoft.com/office/drawing/2014/main" id="{29688EDD-86B9-4893-BEEC-D48A2715C0EF}"/>
+                <a16:creationId xmlns:a16="http://schemas.microsoft.com/office/drawing/2014/main" xmlns="" id="{29688EDD-86B9-4893-BEEC-D48A2715C0EF}"/>
               </a:ext>
             </a:extLst>
           </p:cNvPr>
@@ -17898,7 +16846,7 @@
           <p:cNvPr id="34" name="Straight Connector 26">
             <a:extLst>
               <a:ext uri="{FF2B5EF4-FFF2-40B4-BE49-F238E27FC236}">
-                <a16:creationId xmlns:a16="http://schemas.microsoft.com/office/drawing/2014/main" id="{4231BC86-8965-4F95-9FD9-76313A7D601B}"/>
+                <a16:creationId xmlns:a16="http://schemas.microsoft.com/office/drawing/2014/main" xmlns="" id="{4231BC86-8965-4F95-9FD9-76313A7D601B}"/>
               </a:ext>
             </a:extLst>
           </p:cNvPr>
@@ -17908,7 +16856,7 @@
           <p:nvPr>
             <p:extLst>
               <p:ext uri="{386F3935-93C4-4BCD-93E2-E3B085C9AB24}">
-                <p16:designElem xmlns:p16="http://schemas.microsoft.com/office/powerpoint/2015/main" val="1"/>
+                <p16:designElem xmlns:p16="http://schemas.microsoft.com/office/powerpoint/2015/main" xmlns="" val="1"/>
               </p:ext>
             </p:extLst>
           </p:nvPr>
@@ -17942,7 +16890,7 @@
           <p:cNvPr id="2" name="Title 1">
             <a:extLst>
               <a:ext uri="{FF2B5EF4-FFF2-40B4-BE49-F238E27FC236}">
-                <a16:creationId xmlns:a16="http://schemas.microsoft.com/office/drawing/2014/main" id="{562308BA-7D7D-40A4-BB40-4B95E4FD1A21}"/>
+                <a16:creationId xmlns:a16="http://schemas.microsoft.com/office/drawing/2014/main" xmlns="" id="{562308BA-7D7D-40A4-BB40-4B95E4FD1A21}"/>
               </a:ext>
             </a:extLst>
           </p:cNvPr>
@@ -18025,7 +16973,7 @@
           <p:cNvPr id="9" name="Group 8">
             <a:extLst>
               <a:ext uri="{FF2B5EF4-FFF2-40B4-BE49-F238E27FC236}">
-                <a16:creationId xmlns:a16="http://schemas.microsoft.com/office/drawing/2014/main" id="{749C117F-F390-437B-ADB0-57E87EFF34F5}"/>
+                <a16:creationId xmlns:a16="http://schemas.microsoft.com/office/drawing/2014/main" xmlns="" id="{749C117F-F390-437B-ADB0-57E87EFF34F5}"/>
               </a:ext>
             </a:extLst>
           </p:cNvPr>
@@ -18035,7 +16983,7 @@
           <p:nvPr>
             <p:extLst>
               <p:ext uri="{386F3935-93C4-4BCD-93E2-E3B085C9AB24}">
-                <p16:designElem xmlns:p16="http://schemas.microsoft.com/office/powerpoint/2015/main" val="1"/>
+                <p16:designElem xmlns:p16="http://schemas.microsoft.com/office/powerpoint/2015/main" xmlns="" val="1"/>
               </p:ext>
             </p:extLst>
           </p:nvPr>
@@ -18053,7 +17001,7 @@
             <p:cNvPr id="10" name="Picture 9">
               <a:extLst>
                 <a:ext uri="{FF2B5EF4-FFF2-40B4-BE49-F238E27FC236}">
-                  <a16:creationId xmlns:a16="http://schemas.microsoft.com/office/drawing/2014/main" id="{A7EF42F8-2417-49A6-95CE-DE9503B0AA66}"/>
+                  <a16:creationId xmlns:a16="http://schemas.microsoft.com/office/drawing/2014/main" xmlns="" id="{A7EF42F8-2417-49A6-95CE-DE9503B0AA66}"/>
                 </a:ext>
               </a:extLst>
             </p:cNvPr>
@@ -18063,7 +17011,7 @@
             <p:nvPr>
               <p:extLst>
                 <p:ext uri="{386F3935-93C4-4BCD-93E2-E3B085C9AB24}">
-                  <p16:designElem xmlns:p16="http://schemas.microsoft.com/office/powerpoint/2015/main" val="1"/>
+                  <p16:designElem xmlns:p16="http://schemas.microsoft.com/office/powerpoint/2015/main" xmlns="" val="1"/>
                 </p:ext>
               </p:extLst>
             </p:nvPr>
@@ -18095,7 +17043,7 @@
             <p:cNvPr id="11" name="Rectangle 10">
               <a:extLst>
                 <a:ext uri="{FF2B5EF4-FFF2-40B4-BE49-F238E27FC236}">
-                  <a16:creationId xmlns:a16="http://schemas.microsoft.com/office/drawing/2014/main" id="{AC6F623B-2003-4AED-B02F-541A150EC143}"/>
+                  <a16:creationId xmlns:a16="http://schemas.microsoft.com/office/drawing/2014/main" xmlns="" id="{AC6F623B-2003-4AED-B02F-541A150EC143}"/>
                 </a:ext>
               </a:extLst>
             </p:cNvPr>
@@ -18103,7 +17051,7 @@
             <p:nvPr>
               <p:extLst>
                 <p:ext uri="{386F3935-93C4-4BCD-93E2-E3B085C9AB24}">
-                  <p16:designElem xmlns:p16="http://schemas.microsoft.com/office/powerpoint/2015/main" val="1"/>
+                  <p16:designElem xmlns:p16="http://schemas.microsoft.com/office/powerpoint/2015/main" xmlns="" val="1"/>
                 </p:ext>
               </p:extLst>
             </p:nvPr>
@@ -18141,7 +17089,7 @@
             <p:cNvPr id="12" name="Picture 11">
               <a:extLst>
                 <a:ext uri="{FF2B5EF4-FFF2-40B4-BE49-F238E27FC236}">
-                  <a16:creationId xmlns:a16="http://schemas.microsoft.com/office/drawing/2014/main" id="{CD11837A-4F3D-419F-ACE2-E80B1EA2846F}"/>
+                  <a16:creationId xmlns:a16="http://schemas.microsoft.com/office/drawing/2014/main" xmlns="" id="{CD11837A-4F3D-419F-ACE2-E80B1EA2846F}"/>
                 </a:ext>
               </a:extLst>
             </p:cNvPr>
@@ -18151,7 +17099,7 @@
             <p:nvPr>
               <p:extLst>
                 <p:ext uri="{386F3935-93C4-4BCD-93E2-E3B085C9AB24}">
-                  <p16:designElem xmlns:p16="http://schemas.microsoft.com/office/powerpoint/2015/main" val="1"/>
+                  <p16:designElem xmlns:p16="http://schemas.microsoft.com/office/powerpoint/2015/main" xmlns="" val="1"/>
                 </p:ext>
               </p:extLst>
             </p:nvPr>
@@ -18182,7 +17130,7 @@
             <p:cNvPr id="13" name="Picture 12">
               <a:extLst>
                 <a:ext uri="{FF2B5EF4-FFF2-40B4-BE49-F238E27FC236}">
-                  <a16:creationId xmlns:a16="http://schemas.microsoft.com/office/drawing/2014/main" id="{B9411D1A-7E2C-4A36-BE32-BF7A8E130723}"/>
+                  <a16:creationId xmlns:a16="http://schemas.microsoft.com/office/drawing/2014/main" xmlns="" id="{B9411D1A-7E2C-4A36-BE32-BF7A8E130723}"/>
                 </a:ext>
               </a:extLst>
             </p:cNvPr>
@@ -18192,7 +17140,7 @@
             <p:nvPr>
               <p:extLst>
                 <p:ext uri="{386F3935-93C4-4BCD-93E2-E3B085C9AB24}">
-                  <p16:designElem xmlns:p16="http://schemas.microsoft.com/office/powerpoint/2015/main" val="1"/>
+                  <p16:designElem xmlns:p16="http://schemas.microsoft.com/office/powerpoint/2015/main" xmlns="" val="1"/>
                 </p:ext>
               </p:extLst>
             </p:nvPr>
@@ -18224,7 +17172,7 @@
           <p:cNvPr id="15" name="Straight Connector 14">
             <a:extLst>
               <a:ext uri="{FF2B5EF4-FFF2-40B4-BE49-F238E27FC236}">
-                <a16:creationId xmlns:a16="http://schemas.microsoft.com/office/drawing/2014/main" id="{20742BC3-654B-4E41-9A6A-73A42E477639}"/>
+                <a16:creationId xmlns:a16="http://schemas.microsoft.com/office/drawing/2014/main" xmlns="" id="{20742BC3-654B-4E41-9A6A-73A42E477639}"/>
               </a:ext>
             </a:extLst>
           </p:cNvPr>
@@ -18234,7 +17182,7 @@
           <p:nvPr>
             <p:extLst>
               <p:ext uri="{386F3935-93C4-4BCD-93E2-E3B085C9AB24}">
-                <p16:designElem xmlns:p16="http://schemas.microsoft.com/office/powerpoint/2015/main" val="1"/>
+                <p16:designElem xmlns:p16="http://schemas.microsoft.com/office/powerpoint/2015/main" xmlns="" val="1"/>
               </p:ext>
             </p:extLst>
           </p:nvPr>
@@ -18268,7 +17216,7 @@
           <p:cNvPr id="17" name="Rectangle 16">
             <a:extLst>
               <a:ext uri="{FF2B5EF4-FFF2-40B4-BE49-F238E27FC236}">
-                <a16:creationId xmlns:a16="http://schemas.microsoft.com/office/drawing/2014/main" id="{28FA177F-145C-478A-A7ED-8D021CE76B3B}"/>
+                <a16:creationId xmlns:a16="http://schemas.microsoft.com/office/drawing/2014/main" xmlns="" id="{28FA177F-145C-478A-A7ED-8D021CE76B3B}"/>
               </a:ext>
             </a:extLst>
           </p:cNvPr>
@@ -18278,7 +17226,7 @@
           <p:nvPr>
             <p:extLst>
               <p:ext uri="{386F3935-93C4-4BCD-93E2-E3B085C9AB24}">
-                <p16:designElem xmlns:p16="http://schemas.microsoft.com/office/powerpoint/2015/main" val="1"/>
+                <p16:designElem xmlns:p16="http://schemas.microsoft.com/office/powerpoint/2015/main" xmlns="" val="1"/>
               </p:ext>
             </p:extLst>
           </p:nvPr>
@@ -18325,7 +17273,7 @@
           <p:cNvPr id="19" name="Group 18">
             <a:extLst>
               <a:ext uri="{FF2B5EF4-FFF2-40B4-BE49-F238E27FC236}">
-                <a16:creationId xmlns:a16="http://schemas.microsoft.com/office/drawing/2014/main" id="{1A96A522-1258-462E-AFC5-F5E3F14110E3}"/>
+                <a16:creationId xmlns:a16="http://schemas.microsoft.com/office/drawing/2014/main" xmlns="" id="{1A96A522-1258-462E-AFC5-F5E3F14110E3}"/>
               </a:ext>
             </a:extLst>
           </p:cNvPr>
@@ -18335,7 +17283,7 @@
           <p:nvPr>
             <p:extLst>
               <p:ext uri="{386F3935-93C4-4BCD-93E2-E3B085C9AB24}">
-                <p16:designElem xmlns:p16="http://schemas.microsoft.com/office/powerpoint/2015/main" val="1"/>
+                <p16:designElem xmlns:p16="http://schemas.microsoft.com/office/powerpoint/2015/main" xmlns="" val="1"/>
               </p:ext>
             </p:extLst>
           </p:nvPr>
@@ -18353,7 +17301,7 @@
             <p:cNvPr id="20" name="Picture 19">
               <a:extLst>
                 <a:ext uri="{FF2B5EF4-FFF2-40B4-BE49-F238E27FC236}">
-                  <a16:creationId xmlns:a16="http://schemas.microsoft.com/office/drawing/2014/main" id="{ECD43597-59D1-4246-A90D-26FE2B6081B0}"/>
+                  <a16:creationId xmlns:a16="http://schemas.microsoft.com/office/drawing/2014/main" xmlns="" id="{ECD43597-59D1-4246-A90D-26FE2B6081B0}"/>
                 </a:ext>
               </a:extLst>
             </p:cNvPr>
@@ -18363,7 +17311,7 @@
             <p:nvPr>
               <p:extLst>
                 <p:ext uri="{386F3935-93C4-4BCD-93E2-E3B085C9AB24}">
-                  <p16:designElem xmlns:p16="http://schemas.microsoft.com/office/powerpoint/2015/main" val="1"/>
+                  <p16:designElem xmlns:p16="http://schemas.microsoft.com/office/powerpoint/2015/main" xmlns="" val="1"/>
                 </p:ext>
               </p:extLst>
             </p:nvPr>
@@ -18395,7 +17343,7 @@
             <p:cNvPr id="21" name="Rectangle 20">
               <a:extLst>
                 <a:ext uri="{FF2B5EF4-FFF2-40B4-BE49-F238E27FC236}">
-                  <a16:creationId xmlns:a16="http://schemas.microsoft.com/office/drawing/2014/main" id="{2ED48CD8-BE7A-4992-8570-58DEE9826AAB}"/>
+                  <a16:creationId xmlns:a16="http://schemas.microsoft.com/office/drawing/2014/main" xmlns="" id="{2ED48CD8-BE7A-4992-8570-58DEE9826AAB}"/>
                 </a:ext>
               </a:extLst>
             </p:cNvPr>
@@ -18403,7 +17351,7 @@
             <p:nvPr>
               <p:extLst>
                 <p:ext uri="{386F3935-93C4-4BCD-93E2-E3B085C9AB24}">
-                  <p16:designElem xmlns:p16="http://schemas.microsoft.com/office/powerpoint/2015/main" val="1"/>
+                  <p16:designElem xmlns:p16="http://schemas.microsoft.com/office/powerpoint/2015/main" xmlns="" val="1"/>
                 </p:ext>
               </p:extLst>
             </p:nvPr>
@@ -18441,7 +17389,7 @@
             <p:cNvPr id="22" name="Picture 21">
               <a:extLst>
                 <a:ext uri="{FF2B5EF4-FFF2-40B4-BE49-F238E27FC236}">
-                  <a16:creationId xmlns:a16="http://schemas.microsoft.com/office/drawing/2014/main" id="{9A68BD7C-72FC-4E92-88BB-3401D485D2B7}"/>
+                  <a16:creationId xmlns:a16="http://schemas.microsoft.com/office/drawing/2014/main" xmlns="" id="{9A68BD7C-72FC-4E92-88BB-3401D485D2B7}"/>
                 </a:ext>
               </a:extLst>
             </p:cNvPr>
@@ -18451,7 +17399,7 @@
             <p:nvPr>
               <p:extLst>
                 <p:ext uri="{386F3935-93C4-4BCD-93E2-E3B085C9AB24}">
-                  <p16:designElem xmlns:p16="http://schemas.microsoft.com/office/powerpoint/2015/main" val="1"/>
+                  <p16:designElem xmlns:p16="http://schemas.microsoft.com/office/powerpoint/2015/main" xmlns="" val="1"/>
                 </p:ext>
               </p:extLst>
             </p:nvPr>
@@ -18482,7 +17430,7 @@
             <p:cNvPr id="23" name="Picture 22">
               <a:extLst>
                 <a:ext uri="{FF2B5EF4-FFF2-40B4-BE49-F238E27FC236}">
-                  <a16:creationId xmlns:a16="http://schemas.microsoft.com/office/drawing/2014/main" id="{C8B73423-E00D-4FC9-9873-0C259A14BC19}"/>
+                  <a16:creationId xmlns:a16="http://schemas.microsoft.com/office/drawing/2014/main" xmlns="" id="{C8B73423-E00D-4FC9-9873-0C259A14BC19}"/>
                 </a:ext>
               </a:extLst>
             </p:cNvPr>
@@ -18492,7 +17440,7 @@
             <p:nvPr>
               <p:extLst>
                 <p:ext uri="{386F3935-93C4-4BCD-93E2-E3B085C9AB24}">
-                  <p16:designElem xmlns:p16="http://schemas.microsoft.com/office/powerpoint/2015/main" val="1"/>
+                  <p16:designElem xmlns:p16="http://schemas.microsoft.com/office/powerpoint/2015/main" xmlns="" val="1"/>
                 </p:ext>
               </p:extLst>
             </p:nvPr>
@@ -18524,7 +17472,7 @@
           <p:cNvPr id="25" name="Rectangle 24">
             <a:extLst>
               <a:ext uri="{FF2B5EF4-FFF2-40B4-BE49-F238E27FC236}">
-                <a16:creationId xmlns:a16="http://schemas.microsoft.com/office/drawing/2014/main" id="{22EEABFB-D1AB-4BFF-84FC-449548E93E09}"/>
+                <a16:creationId xmlns:a16="http://schemas.microsoft.com/office/drawing/2014/main" xmlns="" id="{22EEABFB-D1AB-4BFF-84FC-449548E93E09}"/>
               </a:ext>
             </a:extLst>
           </p:cNvPr>
@@ -18534,7 +17482,7 @@
           <p:nvPr>
             <p:extLst>
               <p:ext uri="{386F3935-93C4-4BCD-93E2-E3B085C9AB24}">
-                <p16:designElem xmlns:p16="http://schemas.microsoft.com/office/powerpoint/2015/main" val="1"/>
+                <p16:designElem xmlns:p16="http://schemas.microsoft.com/office/powerpoint/2015/main" xmlns="" val="1"/>
               </p:ext>
             </p:extLst>
           </p:nvPr>
@@ -18590,7 +17538,7 @@
           <p:cNvPr id="4" name="Billede 12">
             <a:extLst>
               <a:ext uri="{FF2B5EF4-FFF2-40B4-BE49-F238E27FC236}">
-                <a16:creationId xmlns:a16="http://schemas.microsoft.com/office/drawing/2014/main" id="{4F75A8F3-E8EB-41A2-A51A-B4F6D4DE7ECA}"/>
+                <a16:creationId xmlns:a16="http://schemas.microsoft.com/office/drawing/2014/main" xmlns="" id="{4F75A8F3-E8EB-41A2-A51A-B4F6D4DE7ECA}"/>
               </a:ext>
             </a:extLst>
           </p:cNvPr>
@@ -18624,7 +17572,7 @@
           <p:cNvPr id="27" name="Straight Connector 26">
             <a:extLst>
               <a:ext uri="{FF2B5EF4-FFF2-40B4-BE49-F238E27FC236}">
-                <a16:creationId xmlns:a16="http://schemas.microsoft.com/office/drawing/2014/main" id="{4231BC86-8965-4F95-9FD9-76313A7D601B}"/>
+                <a16:creationId xmlns:a16="http://schemas.microsoft.com/office/drawing/2014/main" xmlns="" id="{4231BC86-8965-4F95-9FD9-76313A7D601B}"/>
               </a:ext>
             </a:extLst>
           </p:cNvPr>
@@ -18634,7 +17582,7 @@
           <p:nvPr>
             <p:extLst>
               <p:ext uri="{386F3935-93C4-4BCD-93E2-E3B085C9AB24}">
-                <p16:designElem xmlns:p16="http://schemas.microsoft.com/office/powerpoint/2015/main" val="1"/>
+                <p16:designElem xmlns:p16="http://schemas.microsoft.com/office/powerpoint/2015/main" xmlns="" val="1"/>
               </p:ext>
             </p:extLst>
           </p:nvPr>
@@ -18668,7 +17616,7 @@
           <p:cNvPr id="2" name="Title 1">
             <a:extLst>
               <a:ext uri="{FF2B5EF4-FFF2-40B4-BE49-F238E27FC236}">
-                <a16:creationId xmlns:a16="http://schemas.microsoft.com/office/drawing/2014/main" id="{13438430-C715-4EE2-BFA8-D9B41F760649}"/>
+                <a16:creationId xmlns:a16="http://schemas.microsoft.com/office/drawing/2014/main" xmlns="" id="{13438430-C715-4EE2-BFA8-D9B41F760649}"/>
               </a:ext>
             </a:extLst>
           </p:cNvPr>
@@ -18751,7 +17699,7 @@
           <p:cNvPr id="9" name="Group 8">
             <a:extLst>
               <a:ext uri="{FF2B5EF4-FFF2-40B4-BE49-F238E27FC236}">
-                <a16:creationId xmlns:a16="http://schemas.microsoft.com/office/drawing/2014/main" id="{749C117F-F390-437B-ADB0-57E87EFF34F5}"/>
+                <a16:creationId xmlns:a16="http://schemas.microsoft.com/office/drawing/2014/main" xmlns="" id="{749C117F-F390-437B-ADB0-57E87EFF34F5}"/>
               </a:ext>
             </a:extLst>
           </p:cNvPr>
@@ -18761,7 +17709,7 @@
           <p:nvPr>
             <p:extLst>
               <p:ext uri="{386F3935-93C4-4BCD-93E2-E3B085C9AB24}">
-                <p16:designElem xmlns:p16="http://schemas.microsoft.com/office/powerpoint/2015/main" val="1"/>
+                <p16:designElem xmlns:p16="http://schemas.microsoft.com/office/powerpoint/2015/main" xmlns="" val="1"/>
               </p:ext>
             </p:extLst>
           </p:nvPr>
@@ -18779,7 +17727,7 @@
             <p:cNvPr id="10" name="Picture 9">
               <a:extLst>
                 <a:ext uri="{FF2B5EF4-FFF2-40B4-BE49-F238E27FC236}">
-                  <a16:creationId xmlns:a16="http://schemas.microsoft.com/office/drawing/2014/main" id="{A7EF42F8-2417-49A6-95CE-DE9503B0AA66}"/>
+                  <a16:creationId xmlns:a16="http://schemas.microsoft.com/office/drawing/2014/main" xmlns="" id="{A7EF42F8-2417-49A6-95CE-DE9503B0AA66}"/>
                 </a:ext>
               </a:extLst>
             </p:cNvPr>
@@ -18789,7 +17737,7 @@
             <p:nvPr>
               <p:extLst>
                 <p:ext uri="{386F3935-93C4-4BCD-93E2-E3B085C9AB24}">
-                  <p16:designElem xmlns:p16="http://schemas.microsoft.com/office/powerpoint/2015/main" val="1"/>
+                  <p16:designElem xmlns:p16="http://schemas.microsoft.com/office/powerpoint/2015/main" xmlns="" val="1"/>
                 </p:ext>
               </p:extLst>
             </p:nvPr>
@@ -18821,7 +17769,7 @@
             <p:cNvPr id="11" name="Rectangle 10">
               <a:extLst>
                 <a:ext uri="{FF2B5EF4-FFF2-40B4-BE49-F238E27FC236}">
-                  <a16:creationId xmlns:a16="http://schemas.microsoft.com/office/drawing/2014/main" id="{AC6F623B-2003-4AED-B02F-541A150EC143}"/>
+                  <a16:creationId xmlns:a16="http://schemas.microsoft.com/office/drawing/2014/main" xmlns="" id="{AC6F623B-2003-4AED-B02F-541A150EC143}"/>
                 </a:ext>
               </a:extLst>
             </p:cNvPr>
@@ -18829,7 +17777,7 @@
             <p:nvPr>
               <p:extLst>
                 <p:ext uri="{386F3935-93C4-4BCD-93E2-E3B085C9AB24}">
-                  <p16:designElem xmlns:p16="http://schemas.microsoft.com/office/powerpoint/2015/main" val="1"/>
+                  <p16:designElem xmlns:p16="http://schemas.microsoft.com/office/powerpoint/2015/main" xmlns="" val="1"/>
                 </p:ext>
               </p:extLst>
             </p:nvPr>
@@ -18867,7 +17815,7 @@
             <p:cNvPr id="12" name="Picture 11">
               <a:extLst>
                 <a:ext uri="{FF2B5EF4-FFF2-40B4-BE49-F238E27FC236}">
-                  <a16:creationId xmlns:a16="http://schemas.microsoft.com/office/drawing/2014/main" id="{CD11837A-4F3D-419F-ACE2-E80B1EA2846F}"/>
+                  <a16:creationId xmlns:a16="http://schemas.microsoft.com/office/drawing/2014/main" xmlns="" id="{CD11837A-4F3D-419F-ACE2-E80B1EA2846F}"/>
                 </a:ext>
               </a:extLst>
             </p:cNvPr>
@@ -18877,7 +17825,7 @@
             <p:nvPr>
               <p:extLst>
                 <p:ext uri="{386F3935-93C4-4BCD-93E2-E3B085C9AB24}">
-                  <p16:designElem xmlns:p16="http://schemas.microsoft.com/office/powerpoint/2015/main" val="1"/>
+                  <p16:designElem xmlns:p16="http://schemas.microsoft.com/office/powerpoint/2015/main" xmlns="" val="1"/>
                 </p:ext>
               </p:extLst>
             </p:nvPr>
@@ -18908,7 +17856,7 @@
             <p:cNvPr id="13" name="Picture 12">
               <a:extLst>
                 <a:ext uri="{FF2B5EF4-FFF2-40B4-BE49-F238E27FC236}">
-                  <a16:creationId xmlns:a16="http://schemas.microsoft.com/office/drawing/2014/main" id="{B9411D1A-7E2C-4A36-BE32-BF7A8E130723}"/>
+                  <a16:creationId xmlns:a16="http://schemas.microsoft.com/office/drawing/2014/main" xmlns="" id="{B9411D1A-7E2C-4A36-BE32-BF7A8E130723}"/>
                 </a:ext>
               </a:extLst>
             </p:cNvPr>
@@ -18918,7 +17866,7 @@
             <p:nvPr>
               <p:extLst>
                 <p:ext uri="{386F3935-93C4-4BCD-93E2-E3B085C9AB24}">
-                  <p16:designElem xmlns:p16="http://schemas.microsoft.com/office/powerpoint/2015/main" val="1"/>
+                  <p16:designElem xmlns:p16="http://schemas.microsoft.com/office/powerpoint/2015/main" xmlns="" val="1"/>
                 </p:ext>
               </p:extLst>
             </p:nvPr>
@@ -18950,7 +17898,7 @@
           <p:cNvPr id="15" name="Straight Connector 14">
             <a:extLst>
               <a:ext uri="{FF2B5EF4-FFF2-40B4-BE49-F238E27FC236}">
-                <a16:creationId xmlns:a16="http://schemas.microsoft.com/office/drawing/2014/main" id="{20742BC3-654B-4E41-9A6A-73A42E477639}"/>
+                <a16:creationId xmlns:a16="http://schemas.microsoft.com/office/drawing/2014/main" xmlns="" id="{20742BC3-654B-4E41-9A6A-73A42E477639}"/>
               </a:ext>
             </a:extLst>
           </p:cNvPr>
@@ -18960,7 +17908,7 @@
           <p:nvPr>
             <p:extLst>
               <p:ext uri="{386F3935-93C4-4BCD-93E2-E3B085C9AB24}">
-                <p16:designElem xmlns:p16="http://schemas.microsoft.com/office/powerpoint/2015/main" val="1"/>
+                <p16:designElem xmlns:p16="http://schemas.microsoft.com/office/powerpoint/2015/main" xmlns="" val="1"/>
               </p:ext>
             </p:extLst>
           </p:nvPr>
@@ -18994,7 +17942,7 @@
           <p:cNvPr id="17" name="Rectangle 16">
             <a:extLst>
               <a:ext uri="{FF2B5EF4-FFF2-40B4-BE49-F238E27FC236}">
-                <a16:creationId xmlns:a16="http://schemas.microsoft.com/office/drawing/2014/main" id="{575E71FA-50BD-43F8-8C98-04339283A93D}"/>
+                <a16:creationId xmlns:a16="http://schemas.microsoft.com/office/drawing/2014/main" xmlns="" id="{575E71FA-50BD-43F8-8C98-04339283A93D}"/>
               </a:ext>
             </a:extLst>
           </p:cNvPr>
@@ -19004,7 +17952,7 @@
           <p:nvPr>
             <p:extLst>
               <p:ext uri="{386F3935-93C4-4BCD-93E2-E3B085C9AB24}">
-                <p16:designElem xmlns:p16="http://schemas.microsoft.com/office/powerpoint/2015/main" val="1"/>
+                <p16:designElem xmlns:p16="http://schemas.microsoft.com/office/powerpoint/2015/main" xmlns="" val="1"/>
               </p:ext>
             </p:extLst>
           </p:nvPr>
@@ -19051,7 +17999,7 @@
           <p:cNvPr id="19" name="Group 18">
             <a:extLst>
               <a:ext uri="{FF2B5EF4-FFF2-40B4-BE49-F238E27FC236}">
-                <a16:creationId xmlns:a16="http://schemas.microsoft.com/office/drawing/2014/main" id="{CF1AA7F6-A589-4BC8-BC72-2CA6DC908398}"/>
+                <a16:creationId xmlns:a16="http://schemas.microsoft.com/office/drawing/2014/main" xmlns="" id="{CF1AA7F6-A589-4BC8-BC72-2CA6DC908398}"/>
               </a:ext>
             </a:extLst>
           </p:cNvPr>
@@ -19061,7 +18009,7 @@
           <p:nvPr>
             <p:extLst>
               <p:ext uri="{386F3935-93C4-4BCD-93E2-E3B085C9AB24}">
-                <p16:designElem xmlns:p16="http://schemas.microsoft.com/office/powerpoint/2015/main" val="1"/>
+                <p16:designElem xmlns:p16="http://schemas.microsoft.com/office/powerpoint/2015/main" xmlns="" val="1"/>
               </p:ext>
             </p:extLst>
           </p:nvPr>
@@ -19079,7 +18027,7 @@
             <p:cNvPr id="20" name="Picture 19">
               <a:extLst>
                 <a:ext uri="{FF2B5EF4-FFF2-40B4-BE49-F238E27FC236}">
-                  <a16:creationId xmlns:a16="http://schemas.microsoft.com/office/drawing/2014/main" id="{53F5243F-7E41-439E-8991-C4F246D88F68}"/>
+                  <a16:creationId xmlns:a16="http://schemas.microsoft.com/office/drawing/2014/main" xmlns="" id="{53F5243F-7E41-439E-8991-C4F246D88F68}"/>
                 </a:ext>
               </a:extLst>
             </p:cNvPr>
@@ -19089,7 +18037,7 @@
             <p:nvPr>
               <p:extLst>
                 <p:ext uri="{386F3935-93C4-4BCD-93E2-E3B085C9AB24}">
-                  <p16:designElem xmlns:p16="http://schemas.microsoft.com/office/powerpoint/2015/main" val="1"/>
+                  <p16:designElem xmlns:p16="http://schemas.microsoft.com/office/powerpoint/2015/main" xmlns="" val="1"/>
                 </p:ext>
               </p:extLst>
             </p:nvPr>
@@ -19121,7 +18069,7 @@
             <p:cNvPr id="21" name="Rectangle 20">
               <a:extLst>
                 <a:ext uri="{FF2B5EF4-FFF2-40B4-BE49-F238E27FC236}">
-                  <a16:creationId xmlns:a16="http://schemas.microsoft.com/office/drawing/2014/main" id="{401A6B5F-1CF1-43AD-9E85-94E187210CFC}"/>
+                  <a16:creationId xmlns:a16="http://schemas.microsoft.com/office/drawing/2014/main" xmlns="" id="{401A6B5F-1CF1-43AD-9E85-94E187210CFC}"/>
                 </a:ext>
               </a:extLst>
             </p:cNvPr>
@@ -19129,7 +18077,7 @@
             <p:nvPr>
               <p:extLst>
                 <p:ext uri="{386F3935-93C4-4BCD-93E2-E3B085C9AB24}">
-                  <p16:designElem xmlns:p16="http://schemas.microsoft.com/office/powerpoint/2015/main" val="1"/>
+                  <p16:designElem xmlns:p16="http://schemas.microsoft.com/office/powerpoint/2015/main" xmlns="" val="1"/>
                 </p:ext>
               </p:extLst>
             </p:nvPr>
@@ -19167,7 +18115,7 @@
             <p:cNvPr id="22" name="Picture 21">
               <a:extLst>
                 <a:ext uri="{FF2B5EF4-FFF2-40B4-BE49-F238E27FC236}">
-                  <a16:creationId xmlns:a16="http://schemas.microsoft.com/office/drawing/2014/main" id="{2F682A59-7E20-407C-A7F8-582295AC687C}"/>
+                  <a16:creationId xmlns:a16="http://schemas.microsoft.com/office/drawing/2014/main" xmlns="" id="{2F682A59-7E20-407C-A7F8-582295AC687C}"/>
                 </a:ext>
               </a:extLst>
             </p:cNvPr>
@@ -19177,7 +18125,7 @@
             <p:nvPr>
               <p:extLst>
                 <p:ext uri="{386F3935-93C4-4BCD-93E2-E3B085C9AB24}">
-                  <p16:designElem xmlns:p16="http://schemas.microsoft.com/office/powerpoint/2015/main" val="1"/>
+                  <p16:designElem xmlns:p16="http://schemas.microsoft.com/office/powerpoint/2015/main" xmlns="" val="1"/>
                 </p:ext>
               </p:extLst>
             </p:nvPr>
@@ -19208,7 +18156,7 @@
             <p:cNvPr id="23" name="Picture 22">
               <a:extLst>
                 <a:ext uri="{FF2B5EF4-FFF2-40B4-BE49-F238E27FC236}">
-                  <a16:creationId xmlns:a16="http://schemas.microsoft.com/office/drawing/2014/main" id="{5E4AC24E-0670-406E-822F-AAA6DA2010D3}"/>
+                  <a16:creationId xmlns:a16="http://schemas.microsoft.com/office/drawing/2014/main" xmlns="" id="{5E4AC24E-0670-406E-822F-AAA6DA2010D3}"/>
                 </a:ext>
               </a:extLst>
             </p:cNvPr>
@@ -19218,7 +18166,7 @@
             <p:nvPr>
               <p:extLst>
                 <p:ext uri="{386F3935-93C4-4BCD-93E2-E3B085C9AB24}">
-                  <p16:designElem xmlns:p16="http://schemas.microsoft.com/office/powerpoint/2015/main" val="1"/>
+                  <p16:designElem xmlns:p16="http://schemas.microsoft.com/office/powerpoint/2015/main" xmlns="" val="1"/>
                 </p:ext>
               </p:extLst>
             </p:nvPr>
@@ -19250,7 +18198,7 @@
           <p:cNvPr id="25" name="Rectangle 24">
             <a:extLst>
               <a:ext uri="{FF2B5EF4-FFF2-40B4-BE49-F238E27FC236}">
-                <a16:creationId xmlns:a16="http://schemas.microsoft.com/office/drawing/2014/main" id="{E89B1776-F953-4C0F-8E85-E9C66B1EF003}"/>
+                <a16:creationId xmlns:a16="http://schemas.microsoft.com/office/drawing/2014/main" xmlns="" id="{E89B1776-F953-4C0F-8E85-E9C66B1EF003}"/>
               </a:ext>
             </a:extLst>
           </p:cNvPr>
@@ -19260,7 +18208,7 @@
           <p:nvPr>
             <p:extLst>
               <p:ext uri="{386F3935-93C4-4BCD-93E2-E3B085C9AB24}">
-                <p16:designElem xmlns:p16="http://schemas.microsoft.com/office/powerpoint/2015/main" val="1"/>
+                <p16:designElem xmlns:p16="http://schemas.microsoft.com/office/powerpoint/2015/main" xmlns="" val="1"/>
               </p:ext>
             </p:extLst>
           </p:nvPr>
@@ -19316,7 +18264,7 @@
           <p:cNvPr id="4" name="Billede 6">
             <a:extLst>
               <a:ext uri="{FF2B5EF4-FFF2-40B4-BE49-F238E27FC236}">
-                <a16:creationId xmlns:a16="http://schemas.microsoft.com/office/drawing/2014/main" id="{BB719191-E8C7-4E49-B65E-16DA97C3731D}"/>
+                <a16:creationId xmlns:a16="http://schemas.microsoft.com/office/drawing/2014/main" xmlns="" id="{BB719191-E8C7-4E49-B65E-16DA97C3731D}"/>
               </a:ext>
             </a:extLst>
           </p:cNvPr>
@@ -19350,7 +18298,7 @@
           <p:cNvPr id="27" name="Straight Connector 26">
             <a:extLst>
               <a:ext uri="{FF2B5EF4-FFF2-40B4-BE49-F238E27FC236}">
-                <a16:creationId xmlns:a16="http://schemas.microsoft.com/office/drawing/2014/main" id="{997356D0-D934-42B9-8291-DF34A3AC0CFE}"/>
+                <a16:creationId xmlns:a16="http://schemas.microsoft.com/office/drawing/2014/main" xmlns="" id="{997356D0-D934-42B9-8291-DF34A3AC0CFE}"/>
               </a:ext>
             </a:extLst>
           </p:cNvPr>
@@ -19360,7 +18308,7 @@
           <p:nvPr>
             <p:extLst>
               <p:ext uri="{386F3935-93C4-4BCD-93E2-E3B085C9AB24}">
-                <p16:designElem xmlns:p16="http://schemas.microsoft.com/office/powerpoint/2015/main" val="1"/>
+                <p16:designElem xmlns:p16="http://schemas.microsoft.com/office/powerpoint/2015/main" xmlns="" val="1"/>
               </p:ext>
             </p:extLst>
           </p:nvPr>
@@ -19394,7 +18342,7 @@
           <p:cNvPr id="2" name="Title 1">
             <a:extLst>
               <a:ext uri="{FF2B5EF4-FFF2-40B4-BE49-F238E27FC236}">
-                <a16:creationId xmlns:a16="http://schemas.microsoft.com/office/drawing/2014/main" id="{95B99F30-6428-44F6-86A7-B538C5656C5B}"/>
+                <a16:creationId xmlns:a16="http://schemas.microsoft.com/office/drawing/2014/main" xmlns="" id="{95B99F30-6428-44F6-86A7-B538C5656C5B}"/>
               </a:ext>
             </a:extLst>
           </p:cNvPr>
@@ -19477,7 +18425,7 @@
           <p:cNvPr id="2" name="Title 1">
             <a:extLst>
               <a:ext uri="{FF2B5EF4-FFF2-40B4-BE49-F238E27FC236}">
-                <a16:creationId xmlns:a16="http://schemas.microsoft.com/office/drawing/2014/main" id="{FF5E372F-73D8-4340-A2F1-EB6914A1478C}"/>
+                <a16:creationId xmlns:a16="http://schemas.microsoft.com/office/drawing/2014/main" xmlns="" id="{FF5E372F-73D8-4340-A2F1-EB6914A1478C}"/>
               </a:ext>
             </a:extLst>
           </p:cNvPr>
@@ -19508,7 +18456,7 @@
               </a:rPr>
               <a:t>RMI</a:t>
             </a:r>
-            <a:endParaRPr lang="en-DK" b="1">
+            <a:endParaRPr lang="aa-ET" b="1">
               <a:solidFill>
                 <a:srgbClr val="262626"/>
               </a:solidFill>
@@ -19521,7 +18469,7 @@
           <p:cNvPr id="16" name="Content Placeholder 2">
             <a:extLst>
               <a:ext uri="{FF2B5EF4-FFF2-40B4-BE49-F238E27FC236}">
-                <a16:creationId xmlns:a16="http://schemas.microsoft.com/office/drawing/2014/main" id="{5972ACF1-CD72-42ED-BC76-2B4931F9D0AE}"/>
+                <a16:creationId xmlns:a16="http://schemas.microsoft.com/office/drawing/2014/main" xmlns="" id="{5972ACF1-CD72-42ED-BC76-2B4931F9D0AE}"/>
               </a:ext>
             </a:extLst>
           </p:cNvPr>
@@ -19596,7 +18544,7 @@
           <p:cNvPr id="10" name="Group 9">
             <a:extLst>
               <a:ext uri="{FF2B5EF4-FFF2-40B4-BE49-F238E27FC236}">
-                <a16:creationId xmlns:a16="http://schemas.microsoft.com/office/drawing/2014/main" id="{B77576E5-E7DB-46C7-B0D9-A0AB18787301}"/>
+                <a16:creationId xmlns:a16="http://schemas.microsoft.com/office/drawing/2014/main" xmlns="" id="{B77576E5-E7DB-46C7-B0D9-A0AB18787301}"/>
               </a:ext>
             </a:extLst>
           </p:cNvPr>
@@ -19606,7 +18554,7 @@
           <p:nvPr>
             <p:extLst>
               <p:ext uri="{386F3935-93C4-4BCD-93E2-E3B085C9AB24}">
-                <p16:designElem xmlns:p16="http://schemas.microsoft.com/office/powerpoint/2015/main" val="1"/>
+                <p16:designElem xmlns:p16="http://schemas.microsoft.com/office/powerpoint/2015/main" xmlns="" val="1"/>
               </p:ext>
             </p:extLst>
           </p:nvPr>
@@ -19624,7 +18572,7 @@
             <p:cNvPr id="11" name="Picture 10">
               <a:extLst>
                 <a:ext uri="{FF2B5EF4-FFF2-40B4-BE49-F238E27FC236}">
-                  <a16:creationId xmlns:a16="http://schemas.microsoft.com/office/drawing/2014/main" id="{A2C244BC-AB19-460B-9A7B-5BAFE9DEAB00}"/>
+                  <a16:creationId xmlns:a16="http://schemas.microsoft.com/office/drawing/2014/main" xmlns="" id="{A2C244BC-AB19-460B-9A7B-5BAFE9DEAB00}"/>
                 </a:ext>
               </a:extLst>
             </p:cNvPr>
@@ -19634,7 +18582,7 @@
             <p:nvPr>
               <p:extLst>
                 <p:ext uri="{386F3935-93C4-4BCD-93E2-E3B085C9AB24}">
-                  <p16:designElem xmlns:p16="http://schemas.microsoft.com/office/powerpoint/2015/main" val="1"/>
+                  <p16:designElem xmlns:p16="http://schemas.microsoft.com/office/powerpoint/2015/main" xmlns="" val="1"/>
                 </p:ext>
               </p:extLst>
             </p:nvPr>
@@ -19666,7 +18614,7 @@
             <p:cNvPr id="12" name="Rectangle 11">
               <a:extLst>
                 <a:ext uri="{FF2B5EF4-FFF2-40B4-BE49-F238E27FC236}">
-                  <a16:creationId xmlns:a16="http://schemas.microsoft.com/office/drawing/2014/main" id="{C2D7728D-2CB0-4ADE-B6BF-4BA8ED772A31}"/>
+                  <a16:creationId xmlns:a16="http://schemas.microsoft.com/office/drawing/2014/main" xmlns="" id="{C2D7728D-2CB0-4ADE-B6BF-4BA8ED772A31}"/>
                 </a:ext>
               </a:extLst>
             </p:cNvPr>
@@ -19674,7 +18622,7 @@
             <p:nvPr>
               <p:extLst>
                 <p:ext uri="{386F3935-93C4-4BCD-93E2-E3B085C9AB24}">
-                  <p16:designElem xmlns:p16="http://schemas.microsoft.com/office/powerpoint/2015/main" val="1"/>
+                  <p16:designElem xmlns:p16="http://schemas.microsoft.com/office/powerpoint/2015/main" xmlns="" val="1"/>
                 </p:ext>
               </p:extLst>
             </p:nvPr>
@@ -19712,7 +18660,7 @@
             <p:cNvPr id="13" name="Picture 12">
               <a:extLst>
                 <a:ext uri="{FF2B5EF4-FFF2-40B4-BE49-F238E27FC236}">
-                  <a16:creationId xmlns:a16="http://schemas.microsoft.com/office/drawing/2014/main" id="{A3E0EDB8-8162-4D16-9521-52415777B0B4}"/>
+                  <a16:creationId xmlns:a16="http://schemas.microsoft.com/office/drawing/2014/main" xmlns="" id="{A3E0EDB8-8162-4D16-9521-52415777B0B4}"/>
                 </a:ext>
               </a:extLst>
             </p:cNvPr>
@@ -19722,7 +18670,7 @@
             <p:nvPr>
               <p:extLst>
                 <p:ext uri="{386F3935-93C4-4BCD-93E2-E3B085C9AB24}">
-                  <p16:designElem xmlns:p16="http://schemas.microsoft.com/office/powerpoint/2015/main" val="1"/>
+                  <p16:designElem xmlns:p16="http://schemas.microsoft.com/office/powerpoint/2015/main" xmlns="" val="1"/>
                 </p:ext>
               </p:extLst>
             </p:nvPr>
@@ -19753,7 +18701,7 @@
             <p:cNvPr id="14" name="Picture 13">
               <a:extLst>
                 <a:ext uri="{FF2B5EF4-FFF2-40B4-BE49-F238E27FC236}">
-                  <a16:creationId xmlns:a16="http://schemas.microsoft.com/office/drawing/2014/main" id="{27060CB3-C139-4548-A73F-74689C9292D0}"/>
+                  <a16:creationId xmlns:a16="http://schemas.microsoft.com/office/drawing/2014/main" xmlns="" id="{27060CB3-C139-4548-A73F-74689C9292D0}"/>
                 </a:ext>
               </a:extLst>
             </p:cNvPr>
@@ -19763,7 +18711,7 @@
             <p:nvPr>
               <p:extLst>
                 <p:ext uri="{386F3935-93C4-4BCD-93E2-E3B085C9AB24}">
-                  <p16:designElem xmlns:p16="http://schemas.microsoft.com/office/powerpoint/2015/main" val="1"/>
+                  <p16:designElem xmlns:p16="http://schemas.microsoft.com/office/powerpoint/2015/main" xmlns="" val="1"/>
                 </p:ext>
               </p:extLst>
             </p:nvPr>
@@ -19795,7 +18743,7 @@
           <p:cNvPr id="16" name="Rectangle 15">
             <a:extLst>
               <a:ext uri="{FF2B5EF4-FFF2-40B4-BE49-F238E27FC236}">
-                <a16:creationId xmlns:a16="http://schemas.microsoft.com/office/drawing/2014/main" id="{E6B80853-775B-47C1-A508-0AAD6FCE5ADB}"/>
+                <a16:creationId xmlns:a16="http://schemas.microsoft.com/office/drawing/2014/main" xmlns="" id="{E6B80853-775B-47C1-A508-0AAD6FCE5ADB}"/>
               </a:ext>
             </a:extLst>
           </p:cNvPr>
@@ -19805,7 +18753,7 @@
           <p:nvPr>
             <p:extLst>
               <p:ext uri="{386F3935-93C4-4BCD-93E2-E3B085C9AB24}">
-                <p16:designElem xmlns:p16="http://schemas.microsoft.com/office/powerpoint/2015/main" val="1"/>
+                <p16:designElem xmlns:p16="http://schemas.microsoft.com/office/powerpoint/2015/main" xmlns="" val="1"/>
               </p:ext>
             </p:extLst>
           </p:nvPr>
@@ -19858,7 +18806,7 @@
           <p:cNvPr id="18" name="Rectangle 17">
             <a:extLst>
               <a:ext uri="{FF2B5EF4-FFF2-40B4-BE49-F238E27FC236}">
-                <a16:creationId xmlns:a16="http://schemas.microsoft.com/office/drawing/2014/main" id="{9BF62520-0403-497A-958B-FD6E8037E8FA}"/>
+                <a16:creationId xmlns:a16="http://schemas.microsoft.com/office/drawing/2014/main" xmlns="" id="{9BF62520-0403-497A-958B-FD6E8037E8FA}"/>
               </a:ext>
             </a:extLst>
           </p:cNvPr>
@@ -19868,7 +18816,7 @@
           <p:nvPr>
             <p:extLst>
               <p:ext uri="{386F3935-93C4-4BCD-93E2-E3B085C9AB24}">
-                <p16:designElem xmlns:p16="http://schemas.microsoft.com/office/powerpoint/2015/main" val="1"/>
+                <p16:designElem xmlns:p16="http://schemas.microsoft.com/office/powerpoint/2015/main" xmlns="" val="1"/>
               </p:ext>
             </p:extLst>
           </p:nvPr>
@@ -19915,7 +18863,7 @@
           <p:cNvPr id="5" name="Picture 4" descr="A screenshot of a cell phone&#10;&#10;Description generated with very high confidence">
             <a:extLst>
               <a:ext uri="{FF2B5EF4-FFF2-40B4-BE49-F238E27FC236}">
-                <a16:creationId xmlns:a16="http://schemas.microsoft.com/office/drawing/2014/main" id="{107FEA5A-714F-4121-9962-1671D7DA3F95}"/>
+                <a16:creationId xmlns:a16="http://schemas.microsoft.com/office/drawing/2014/main" xmlns="" id="{107FEA5A-714F-4121-9962-1671D7DA3F95}"/>
               </a:ext>
             </a:extLst>
           </p:cNvPr>
@@ -19951,7 +18899,7 @@
           <p:cNvPr id="20" name="Rectangle 19">
             <a:extLst>
               <a:ext uri="{FF2B5EF4-FFF2-40B4-BE49-F238E27FC236}">
-                <a16:creationId xmlns:a16="http://schemas.microsoft.com/office/drawing/2014/main" id="{BB3A422A-21ED-464B-B2EF-EE5B061BED4A}"/>
+                <a16:creationId xmlns:a16="http://schemas.microsoft.com/office/drawing/2014/main" xmlns="" id="{BB3A422A-21ED-464B-B2EF-EE5B061BED4A}"/>
               </a:ext>
             </a:extLst>
           </p:cNvPr>
@@ -19961,7 +18909,7 @@
           <p:nvPr>
             <p:extLst>
               <p:ext uri="{386F3935-93C4-4BCD-93E2-E3B085C9AB24}">
-                <p16:designElem xmlns:p16="http://schemas.microsoft.com/office/powerpoint/2015/main" val="1"/>
+                <p16:designElem xmlns:p16="http://schemas.microsoft.com/office/powerpoint/2015/main" xmlns="" val="1"/>
               </p:ext>
             </p:extLst>
           </p:nvPr>
@@ -20034,7 +18982,7 @@
           <p:cNvPr id="4" name="Picture 5" descr="A screenshot of a social media post&#10;&#10;Description generated with very high confidence">
             <a:extLst>
               <a:ext uri="{FF2B5EF4-FFF2-40B4-BE49-F238E27FC236}">
-                <a16:creationId xmlns:a16="http://schemas.microsoft.com/office/drawing/2014/main" id="{113672A1-777C-47FC-B7D1-3C32117C205C}"/>
+                <a16:creationId xmlns:a16="http://schemas.microsoft.com/office/drawing/2014/main" xmlns="" id="{113672A1-777C-47FC-B7D1-3C32117C205C}"/>
               </a:ext>
             </a:extLst>
           </p:cNvPr>
@@ -20102,7 +19050,7 @@
           <p:cNvPr id="2" name="Title 1">
             <a:extLst>
               <a:ext uri="{FF2B5EF4-FFF2-40B4-BE49-F238E27FC236}">
-                <a16:creationId xmlns:a16="http://schemas.microsoft.com/office/drawing/2014/main" id="{4A15D405-F8A9-44D8-87AC-A292C5E6FFA8}"/>
+                <a16:creationId xmlns:a16="http://schemas.microsoft.com/office/drawing/2014/main" xmlns="" id="{4A15D405-F8A9-44D8-87AC-A292C5E6FFA8}"/>
               </a:ext>
             </a:extLst>
           </p:cNvPr>
@@ -20127,7 +19075,7 @@
               <a:rPr lang="da-DK" b="1" dirty="0"/>
               <a:t>Testing</a:t>
             </a:r>
-            <a:endParaRPr lang="en-DK" b="1" dirty="0"/>
+            <a:endParaRPr lang="aa-ET" b="1" dirty="0"/>
           </a:p>
         </p:txBody>
       </p:sp>
@@ -20136,7 +19084,7 @@
           <p:cNvPr id="3" name="Content Placeholder 2">
             <a:extLst>
               <a:ext uri="{FF2B5EF4-FFF2-40B4-BE49-F238E27FC236}">
-                <a16:creationId xmlns:a16="http://schemas.microsoft.com/office/drawing/2014/main" id="{05EE5194-8808-4DC1-AC4E-0621057C120D}"/>
+                <a16:creationId xmlns:a16="http://schemas.microsoft.com/office/drawing/2014/main" xmlns="" id="{05EE5194-8808-4DC1-AC4E-0621057C120D}"/>
               </a:ext>
             </a:extLst>
           </p:cNvPr>
@@ -20214,7 +19162,7 @@
               <a:rPr lang="en-US" dirty="0"/>
               <a:t>Members who did not paid membership fees.</a:t>
             </a:r>
-            <a:endParaRPr lang="en-DK" dirty="0"/>
+            <a:endParaRPr lang="aa-ET" dirty="0"/>
           </a:p>
         </p:txBody>
       </p:sp>
@@ -20267,7 +19215,7 @@
           <p:cNvPr id="10" name="Group 9">
             <a:extLst>
               <a:ext uri="{FF2B5EF4-FFF2-40B4-BE49-F238E27FC236}">
-                <a16:creationId xmlns:a16="http://schemas.microsoft.com/office/drawing/2014/main" id="{B77576E5-E7DB-46C7-B0D9-A0AB18787301}"/>
+                <a16:creationId xmlns:a16="http://schemas.microsoft.com/office/drawing/2014/main" xmlns="" id="{B77576E5-E7DB-46C7-B0D9-A0AB18787301}"/>
               </a:ext>
             </a:extLst>
           </p:cNvPr>
@@ -20277,7 +19225,7 @@
           <p:nvPr>
             <p:extLst>
               <p:ext uri="{386F3935-93C4-4BCD-93E2-E3B085C9AB24}">
-                <p16:designElem xmlns:p16="http://schemas.microsoft.com/office/powerpoint/2015/main" val="1"/>
+                <p16:designElem xmlns:p16="http://schemas.microsoft.com/office/powerpoint/2015/main" xmlns="" val="1"/>
               </p:ext>
             </p:extLst>
           </p:nvPr>
@@ -20295,7 +19243,7 @@
             <p:cNvPr id="11" name="Picture 10">
               <a:extLst>
                 <a:ext uri="{FF2B5EF4-FFF2-40B4-BE49-F238E27FC236}">
-                  <a16:creationId xmlns:a16="http://schemas.microsoft.com/office/drawing/2014/main" id="{A2C244BC-AB19-460B-9A7B-5BAFE9DEAB00}"/>
+                  <a16:creationId xmlns:a16="http://schemas.microsoft.com/office/drawing/2014/main" xmlns="" id="{A2C244BC-AB19-460B-9A7B-5BAFE9DEAB00}"/>
                 </a:ext>
               </a:extLst>
             </p:cNvPr>
@@ -20305,7 +19253,7 @@
             <p:nvPr>
               <p:extLst>
                 <p:ext uri="{386F3935-93C4-4BCD-93E2-E3B085C9AB24}">
-                  <p16:designElem xmlns:p16="http://schemas.microsoft.com/office/powerpoint/2015/main" val="1"/>
+                  <p16:designElem xmlns:p16="http://schemas.microsoft.com/office/powerpoint/2015/main" xmlns="" val="1"/>
                 </p:ext>
               </p:extLst>
             </p:nvPr>
@@ -20337,7 +19285,7 @@
             <p:cNvPr id="12" name="Rectangle 11">
               <a:extLst>
                 <a:ext uri="{FF2B5EF4-FFF2-40B4-BE49-F238E27FC236}">
-                  <a16:creationId xmlns:a16="http://schemas.microsoft.com/office/drawing/2014/main" id="{C2D7728D-2CB0-4ADE-B6BF-4BA8ED772A31}"/>
+                  <a16:creationId xmlns:a16="http://schemas.microsoft.com/office/drawing/2014/main" xmlns="" id="{C2D7728D-2CB0-4ADE-B6BF-4BA8ED772A31}"/>
                 </a:ext>
               </a:extLst>
             </p:cNvPr>
@@ -20345,7 +19293,7 @@
             <p:nvPr>
               <p:extLst>
                 <p:ext uri="{386F3935-93C4-4BCD-93E2-E3B085C9AB24}">
-                  <p16:designElem xmlns:p16="http://schemas.microsoft.com/office/powerpoint/2015/main" val="1"/>
+                  <p16:designElem xmlns:p16="http://schemas.microsoft.com/office/powerpoint/2015/main" xmlns="" val="1"/>
                 </p:ext>
               </p:extLst>
             </p:nvPr>
@@ -20383,7 +19331,7 @@
             <p:cNvPr id="13" name="Picture 12">
               <a:extLst>
                 <a:ext uri="{FF2B5EF4-FFF2-40B4-BE49-F238E27FC236}">
-                  <a16:creationId xmlns:a16="http://schemas.microsoft.com/office/drawing/2014/main" id="{A3E0EDB8-8162-4D16-9521-52415777B0B4}"/>
+                  <a16:creationId xmlns:a16="http://schemas.microsoft.com/office/drawing/2014/main" xmlns="" id="{A3E0EDB8-8162-4D16-9521-52415777B0B4}"/>
                 </a:ext>
               </a:extLst>
             </p:cNvPr>
@@ -20393,7 +19341,7 @@
             <p:nvPr>
               <p:extLst>
                 <p:ext uri="{386F3935-93C4-4BCD-93E2-E3B085C9AB24}">
-                  <p16:designElem xmlns:p16="http://schemas.microsoft.com/office/powerpoint/2015/main" val="1"/>
+                  <p16:designElem xmlns:p16="http://schemas.microsoft.com/office/powerpoint/2015/main" xmlns="" val="1"/>
                 </p:ext>
               </p:extLst>
             </p:nvPr>
@@ -20424,7 +19372,7 @@
             <p:cNvPr id="14" name="Picture 13">
               <a:extLst>
                 <a:ext uri="{FF2B5EF4-FFF2-40B4-BE49-F238E27FC236}">
-                  <a16:creationId xmlns:a16="http://schemas.microsoft.com/office/drawing/2014/main" id="{27060CB3-C139-4548-A73F-74689C9292D0}"/>
+                  <a16:creationId xmlns:a16="http://schemas.microsoft.com/office/drawing/2014/main" xmlns="" id="{27060CB3-C139-4548-A73F-74689C9292D0}"/>
                 </a:ext>
               </a:extLst>
             </p:cNvPr>
@@ -20434,7 +19382,7 @@
             <p:nvPr>
               <p:extLst>
                 <p:ext uri="{386F3935-93C4-4BCD-93E2-E3B085C9AB24}">
-                  <p16:designElem xmlns:p16="http://schemas.microsoft.com/office/powerpoint/2015/main" val="1"/>
+                  <p16:designElem xmlns:p16="http://schemas.microsoft.com/office/powerpoint/2015/main" xmlns="" val="1"/>
                 </p:ext>
               </p:extLst>
             </p:nvPr>
@@ -20466,7 +19414,7 @@
           <p:cNvPr id="16" name="Rectangle 15">
             <a:extLst>
               <a:ext uri="{FF2B5EF4-FFF2-40B4-BE49-F238E27FC236}">
-                <a16:creationId xmlns:a16="http://schemas.microsoft.com/office/drawing/2014/main" id="{E6B80853-775B-47C1-A508-0AAD6FCE5ADB}"/>
+                <a16:creationId xmlns:a16="http://schemas.microsoft.com/office/drawing/2014/main" xmlns="" id="{E6B80853-775B-47C1-A508-0AAD6FCE5ADB}"/>
               </a:ext>
             </a:extLst>
           </p:cNvPr>
@@ -20476,7 +19424,7 @@
           <p:nvPr>
             <p:extLst>
               <p:ext uri="{386F3935-93C4-4BCD-93E2-E3B085C9AB24}">
-                <p16:designElem xmlns:p16="http://schemas.microsoft.com/office/powerpoint/2015/main" val="1"/>
+                <p16:designElem xmlns:p16="http://schemas.microsoft.com/office/powerpoint/2015/main" xmlns="" val="1"/>
               </p:ext>
             </p:extLst>
           </p:nvPr>
@@ -20529,7 +19477,7 @@
           <p:cNvPr id="18" name="Rectangle 17">
             <a:extLst>
               <a:ext uri="{FF2B5EF4-FFF2-40B4-BE49-F238E27FC236}">
-                <a16:creationId xmlns:a16="http://schemas.microsoft.com/office/drawing/2014/main" id="{9BF62520-0403-497A-958B-FD6E8037E8FA}"/>
+                <a16:creationId xmlns:a16="http://schemas.microsoft.com/office/drawing/2014/main" xmlns="" id="{9BF62520-0403-497A-958B-FD6E8037E8FA}"/>
               </a:ext>
             </a:extLst>
           </p:cNvPr>
@@ -20539,7 +19487,7 @@
           <p:nvPr>
             <p:extLst>
               <p:ext uri="{386F3935-93C4-4BCD-93E2-E3B085C9AB24}">
-                <p16:designElem xmlns:p16="http://schemas.microsoft.com/office/powerpoint/2015/main" val="1"/>
+                <p16:designElem xmlns:p16="http://schemas.microsoft.com/office/powerpoint/2015/main" xmlns="" val="1"/>
               </p:ext>
             </p:extLst>
           </p:nvPr>
@@ -20586,7 +19534,7 @@
           <p:cNvPr id="5" name="Picture 4" descr="A screenshot of a cell phone&#10;&#10;Description generated with very high confidence">
             <a:extLst>
               <a:ext uri="{FF2B5EF4-FFF2-40B4-BE49-F238E27FC236}">
-                <a16:creationId xmlns:a16="http://schemas.microsoft.com/office/drawing/2014/main" id="{9093605A-6AD0-4DD7-9BB5-C23EE8FD020B}"/>
+                <a16:creationId xmlns:a16="http://schemas.microsoft.com/office/drawing/2014/main" xmlns="" id="{9093605A-6AD0-4DD7-9BB5-C23EE8FD020B}"/>
               </a:ext>
             </a:extLst>
           </p:cNvPr>
@@ -20622,7 +19570,7 @@
           <p:cNvPr id="20" name="Rectangle 19">
             <a:extLst>
               <a:ext uri="{FF2B5EF4-FFF2-40B4-BE49-F238E27FC236}">
-                <a16:creationId xmlns:a16="http://schemas.microsoft.com/office/drawing/2014/main" id="{BB3A422A-21ED-464B-B2EF-EE5B061BED4A}"/>
+                <a16:creationId xmlns:a16="http://schemas.microsoft.com/office/drawing/2014/main" xmlns="" id="{BB3A422A-21ED-464B-B2EF-EE5B061BED4A}"/>
               </a:ext>
             </a:extLst>
           </p:cNvPr>
@@ -20632,7 +19580,7 @@
           <p:nvPr>
             <p:extLst>
               <p:ext uri="{386F3935-93C4-4BCD-93E2-E3B085C9AB24}">
-                <p16:designElem xmlns:p16="http://schemas.microsoft.com/office/powerpoint/2015/main" val="1"/>
+                <p16:designElem xmlns:p16="http://schemas.microsoft.com/office/powerpoint/2015/main" xmlns="" val="1"/>
               </p:ext>
             </p:extLst>
           </p:nvPr>
@@ -20713,7 +19661,7 @@
           <p:cNvPr id="22" name="Rectangle 7">
             <a:extLst>
               <a:ext uri="{FF2B5EF4-FFF2-40B4-BE49-F238E27FC236}">
-                <a16:creationId xmlns:a16="http://schemas.microsoft.com/office/drawing/2014/main" id="{DC878D9A-77BE-4701-AE3D-EEFC53CD50BC}"/>
+                <a16:creationId xmlns:a16="http://schemas.microsoft.com/office/drawing/2014/main" xmlns="" id="{DC878D9A-77BE-4701-AE3D-EEFC53CD50BC}"/>
               </a:ext>
             </a:extLst>
           </p:cNvPr>
@@ -20723,7 +19671,7 @@
           <p:nvPr>
             <p:extLst>
               <p:ext uri="{386F3935-93C4-4BCD-93E2-E3B085C9AB24}">
-                <p16:designElem xmlns:p16="http://schemas.microsoft.com/office/powerpoint/2015/main" val="1"/>
+                <p16:designElem xmlns:p16="http://schemas.microsoft.com/office/powerpoint/2015/main" xmlns="" val="1"/>
               </p:ext>
             </p:extLst>
           </p:nvPr>
@@ -20770,7 +19718,7 @@
           <p:cNvPr id="10" name="Rectangle 9">
             <a:extLst>
               <a:ext uri="{FF2B5EF4-FFF2-40B4-BE49-F238E27FC236}">
-                <a16:creationId xmlns:a16="http://schemas.microsoft.com/office/drawing/2014/main" id="{07A4B640-BB7F-4272-A710-068DBA9F9A6E}"/>
+                <a16:creationId xmlns:a16="http://schemas.microsoft.com/office/drawing/2014/main" xmlns="" id="{07A4B640-BB7F-4272-A710-068DBA9F9A6E}"/>
               </a:ext>
             </a:extLst>
           </p:cNvPr>
@@ -20780,7 +19728,7 @@
           <p:nvPr>
             <p:extLst>
               <p:ext uri="{386F3935-93C4-4BCD-93E2-E3B085C9AB24}">
-                <p16:designElem xmlns:p16="http://schemas.microsoft.com/office/powerpoint/2015/main" val="1"/>
+                <p16:designElem xmlns:p16="http://schemas.microsoft.com/office/powerpoint/2015/main" xmlns="" val="1"/>
               </p:ext>
             </p:extLst>
           </p:nvPr>
@@ -20859,7 +19807,7 @@
           <p:cNvPr id="12" name="Rectangle 11">
             <a:extLst>
               <a:ext uri="{FF2B5EF4-FFF2-40B4-BE49-F238E27FC236}">
-                <a16:creationId xmlns:a16="http://schemas.microsoft.com/office/drawing/2014/main" id="{F643BE08-0ED1-4B73-AC6D-B7E26A59CDAA}"/>
+                <a16:creationId xmlns:a16="http://schemas.microsoft.com/office/drawing/2014/main" xmlns="" id="{F643BE08-0ED1-4B73-AC6D-B7E26A59CDAA}"/>
               </a:ext>
             </a:extLst>
           </p:cNvPr>
@@ -20869,7 +19817,7 @@
           <p:nvPr>
             <p:extLst>
               <p:ext uri="{386F3935-93C4-4BCD-93E2-E3B085C9AB24}">
-                <p16:designElem xmlns:p16="http://schemas.microsoft.com/office/powerpoint/2015/main" val="1"/>
+                <p16:designElem xmlns:p16="http://schemas.microsoft.com/office/powerpoint/2015/main" xmlns="" val="1"/>
               </p:ext>
             </p:extLst>
           </p:nvPr>
@@ -20936,7 +19884,7 @@
           <p:cNvPr id="14" name="Rectangle 13">
             <a:extLst>
               <a:ext uri="{FF2B5EF4-FFF2-40B4-BE49-F238E27FC236}">
-                <a16:creationId xmlns:a16="http://schemas.microsoft.com/office/drawing/2014/main" id="{956B2094-7FC0-45FC-BFED-3CB88CEE63F5}"/>
+                <a16:creationId xmlns:a16="http://schemas.microsoft.com/office/drawing/2014/main" xmlns="" id="{956B2094-7FC0-45FC-BFED-3CB88CEE63F5}"/>
               </a:ext>
             </a:extLst>
           </p:cNvPr>
@@ -20946,7 +19894,7 @@
           <p:nvPr>
             <p:extLst>
               <p:ext uri="{386F3935-93C4-4BCD-93E2-E3B085C9AB24}">
-                <p16:designElem xmlns:p16="http://schemas.microsoft.com/office/powerpoint/2015/main" val="1"/>
+                <p16:designElem xmlns:p16="http://schemas.microsoft.com/office/powerpoint/2015/main" xmlns="" val="1"/>
               </p:ext>
             </p:extLst>
           </p:nvPr>
@@ -20988,7 +19936,7 @@
           <p:cNvPr id="2" name="Title 1">
             <a:extLst>
               <a:ext uri="{FF2B5EF4-FFF2-40B4-BE49-F238E27FC236}">
-                <a16:creationId xmlns:a16="http://schemas.microsoft.com/office/drawing/2014/main" id="{6258A2C6-7ACA-47AE-B66D-33A58CBEE751}"/>
+                <a16:creationId xmlns:a16="http://schemas.microsoft.com/office/drawing/2014/main" xmlns="" id="{6258A2C6-7ACA-47AE-B66D-33A58CBEE751}"/>
               </a:ext>
             </a:extLst>
           </p:cNvPr>
@@ -21019,7 +19967,7 @@
               </a:rPr>
               <a:t>Agenda</a:t>
             </a:r>
-            <a:endParaRPr lang="en-DK">
+            <a:endParaRPr lang="aa-ET">
               <a:solidFill>
                 <a:srgbClr val="FFFFFF"/>
               </a:solidFill>
@@ -21032,7 +19980,7 @@
           <p:cNvPr id="3" name="Content Placeholder 2">
             <a:extLst>
               <a:ext uri="{FF2B5EF4-FFF2-40B4-BE49-F238E27FC236}">
-                <a16:creationId xmlns:a16="http://schemas.microsoft.com/office/drawing/2014/main" id="{92C1B577-14E0-4BEA-874A-DD6F09358335}"/>
+                <a16:creationId xmlns:a16="http://schemas.microsoft.com/office/drawing/2014/main" xmlns="" id="{92C1B577-14E0-4BEA-874A-DD6F09358335}"/>
               </a:ext>
             </a:extLst>
           </p:cNvPr>
@@ -21100,7 +20048,7 @@
             <a:endParaRPr lang="da-DK"/>
           </a:p>
           <a:p>
-            <a:endParaRPr lang="en-DK" dirty="0"/>
+            <a:endParaRPr lang="aa-ET" dirty="0"/>
           </a:p>
         </p:txBody>
       </p:sp>
@@ -21153,7 +20101,7 @@
           <p:cNvPr id="8" name="Rectangle 7">
             <a:extLst>
               <a:ext uri="{FF2B5EF4-FFF2-40B4-BE49-F238E27FC236}">
-                <a16:creationId xmlns:a16="http://schemas.microsoft.com/office/drawing/2014/main" id="{52723366-C73B-4ED6-ADEF-29911C6BC55F}"/>
+                <a16:creationId xmlns:a16="http://schemas.microsoft.com/office/drawing/2014/main" xmlns="" id="{52723366-C73B-4ED6-ADEF-29911C6BC55F}"/>
               </a:ext>
             </a:extLst>
           </p:cNvPr>
@@ -21163,7 +20111,7 @@
           <p:nvPr>
             <p:extLst>
               <p:ext uri="{386F3935-93C4-4BCD-93E2-E3B085C9AB24}">
-                <p16:designElem xmlns:p16="http://schemas.microsoft.com/office/powerpoint/2015/main" val="1"/>
+                <p16:designElem xmlns:p16="http://schemas.microsoft.com/office/powerpoint/2015/main" xmlns="" val="1"/>
               </p:ext>
             </p:extLst>
           </p:nvPr>
@@ -21210,7 +20158,7 @@
           <p:cNvPr id="10" name="Rectangle 9">
             <a:extLst>
               <a:ext uri="{FF2B5EF4-FFF2-40B4-BE49-F238E27FC236}">
-                <a16:creationId xmlns:a16="http://schemas.microsoft.com/office/drawing/2014/main" id="{C6202988-4466-42C5-B33A-AFABF051B4FE}"/>
+                <a16:creationId xmlns:a16="http://schemas.microsoft.com/office/drawing/2014/main" xmlns="" id="{C6202988-4466-42C5-B33A-AFABF051B4FE}"/>
               </a:ext>
             </a:extLst>
           </p:cNvPr>
@@ -21220,7 +20168,7 @@
           <p:nvPr>
             <p:extLst>
               <p:ext uri="{386F3935-93C4-4BCD-93E2-E3B085C9AB24}">
-                <p16:designElem xmlns:p16="http://schemas.microsoft.com/office/powerpoint/2015/main" val="1"/>
+                <p16:designElem xmlns:p16="http://schemas.microsoft.com/office/powerpoint/2015/main" xmlns="" val="1"/>
               </p:ext>
             </p:extLst>
           </p:nvPr>
@@ -21299,7 +20247,7 @@
           <p:cNvPr id="12" name="Rectangle 11">
             <a:extLst>
               <a:ext uri="{FF2B5EF4-FFF2-40B4-BE49-F238E27FC236}">
-                <a16:creationId xmlns:a16="http://schemas.microsoft.com/office/drawing/2014/main" id="{847A4152-8E41-4D1C-B88C-57C5C430A69E}"/>
+                <a16:creationId xmlns:a16="http://schemas.microsoft.com/office/drawing/2014/main" xmlns="" id="{847A4152-8E41-4D1C-B88C-57C5C430A69E}"/>
               </a:ext>
             </a:extLst>
           </p:cNvPr>
@@ -21309,7 +20257,7 @@
           <p:nvPr>
             <p:extLst>
               <p:ext uri="{386F3935-93C4-4BCD-93E2-E3B085C9AB24}">
-                <p16:designElem xmlns:p16="http://schemas.microsoft.com/office/powerpoint/2015/main" val="1"/>
+                <p16:designElem xmlns:p16="http://schemas.microsoft.com/office/powerpoint/2015/main" xmlns="" val="1"/>
               </p:ext>
             </p:extLst>
           </p:nvPr>
@@ -21376,7 +20324,7 @@
           <p:cNvPr id="14" name="Rectangle 13">
             <a:extLst>
               <a:ext uri="{FF2B5EF4-FFF2-40B4-BE49-F238E27FC236}">
-                <a16:creationId xmlns:a16="http://schemas.microsoft.com/office/drawing/2014/main" id="{999F76F5-72D4-4814-9169-8F535AEEB809}"/>
+                <a16:creationId xmlns:a16="http://schemas.microsoft.com/office/drawing/2014/main" xmlns="" id="{999F76F5-72D4-4814-9169-8F535AEEB809}"/>
               </a:ext>
             </a:extLst>
           </p:cNvPr>
@@ -21386,7 +20334,7 @@
           <p:nvPr>
             <p:extLst>
               <p:ext uri="{386F3935-93C4-4BCD-93E2-E3B085C9AB24}">
-                <p16:designElem xmlns:p16="http://schemas.microsoft.com/office/powerpoint/2015/main" val="1"/>
+                <p16:designElem xmlns:p16="http://schemas.microsoft.com/office/powerpoint/2015/main" xmlns="" val="1"/>
               </p:ext>
             </p:extLst>
           </p:nvPr>
@@ -21428,7 +20376,7 @@
           <p:cNvPr id="2" name="Title 1">
             <a:extLst>
               <a:ext uri="{FF2B5EF4-FFF2-40B4-BE49-F238E27FC236}">
-                <a16:creationId xmlns:a16="http://schemas.microsoft.com/office/drawing/2014/main" id="{75F25581-1BA1-4013-994E-E7E00215CCCF}"/>
+                <a16:creationId xmlns:a16="http://schemas.microsoft.com/office/drawing/2014/main" xmlns="" id="{75F25581-1BA1-4013-994E-E7E00215CCCF}"/>
               </a:ext>
             </a:extLst>
           </p:cNvPr>
@@ -21459,7 +20407,7 @@
               </a:rPr>
               <a:t>Introduction</a:t>
             </a:r>
-            <a:endParaRPr lang="en-DK">
+            <a:endParaRPr lang="aa-ET">
               <a:solidFill>
                 <a:srgbClr val="FFFFFF"/>
               </a:solidFill>
@@ -21472,7 +20420,7 @@
           <p:cNvPr id="3" name="Content Placeholder 2">
             <a:extLst>
               <a:ext uri="{FF2B5EF4-FFF2-40B4-BE49-F238E27FC236}">
-                <a16:creationId xmlns:a16="http://schemas.microsoft.com/office/drawing/2014/main" id="{B34E0A40-0E51-4A13-8567-BBA47156F2A3}"/>
+                <a16:creationId xmlns:a16="http://schemas.microsoft.com/office/drawing/2014/main" xmlns="" id="{B34E0A40-0E51-4A13-8567-BBA47156F2A3}"/>
               </a:ext>
             </a:extLst>
           </p:cNvPr>
@@ -21499,7 +20447,7 @@
               <a:rPr lang="da-DK" dirty="0"/>
               <a:t>The goal of this presentation is to explain how the client server system has been created and what tools where used for its realization.</a:t>
             </a:r>
-            <a:endParaRPr lang="en-DK" dirty="0"/>
+            <a:endParaRPr lang="aa-ET" dirty="0"/>
           </a:p>
         </p:txBody>
       </p:sp>
@@ -21552,7 +20500,7 @@
           <p:cNvPr id="2" name="Title 1">
             <a:extLst>
               <a:ext uri="{FF2B5EF4-FFF2-40B4-BE49-F238E27FC236}">
-                <a16:creationId xmlns:a16="http://schemas.microsoft.com/office/drawing/2014/main" id="{E591390E-921B-4775-B5F9-6ED6E116AD62}"/>
+                <a16:creationId xmlns:a16="http://schemas.microsoft.com/office/drawing/2014/main" xmlns="" id="{E591390E-921B-4775-B5F9-6ED6E116AD62}"/>
               </a:ext>
             </a:extLst>
           </p:cNvPr>
@@ -21583,7 +20531,7 @@
               </a:rPr>
               <a:t>SCRUM</a:t>
             </a:r>
-            <a:endParaRPr lang="en-DK">
+            <a:endParaRPr lang="aa-ET">
               <a:solidFill>
                 <a:srgbClr val="262626"/>
               </a:solidFill>
@@ -21596,7 +20544,7 @@
           <p:cNvPr id="5" name="Content Placeholder 2">
             <a:extLst>
               <a:ext uri="{FF2B5EF4-FFF2-40B4-BE49-F238E27FC236}">
-                <a16:creationId xmlns:a16="http://schemas.microsoft.com/office/drawing/2014/main" id="{AB9056A5-D53C-4B22-B06C-5AA6ECDE75E3}"/>
+                <a16:creationId xmlns:a16="http://schemas.microsoft.com/office/drawing/2014/main" xmlns="" id="{AB9056A5-D53C-4B22-B06C-5AA6ECDE75E3}"/>
               </a:ext>
             </a:extLst>
           </p:cNvPr>
@@ -21671,7 +20619,7 @@
           <p:cNvPr id="10" name="Group 9">
             <a:extLst>
               <a:ext uri="{FF2B5EF4-FFF2-40B4-BE49-F238E27FC236}">
-                <a16:creationId xmlns:a16="http://schemas.microsoft.com/office/drawing/2014/main" id="{749C117F-F390-437B-ADB0-57E87EFF34F5}"/>
+                <a16:creationId xmlns:a16="http://schemas.microsoft.com/office/drawing/2014/main" xmlns="" id="{749C117F-F390-437B-ADB0-57E87EFF34F5}"/>
               </a:ext>
             </a:extLst>
           </p:cNvPr>
@@ -21681,7 +20629,7 @@
           <p:nvPr>
             <p:extLst>
               <p:ext uri="{386F3935-93C4-4BCD-93E2-E3B085C9AB24}">
-                <p16:designElem xmlns:p16="http://schemas.microsoft.com/office/powerpoint/2015/main" val="1"/>
+                <p16:designElem xmlns:p16="http://schemas.microsoft.com/office/powerpoint/2015/main" xmlns="" val="1"/>
               </p:ext>
             </p:extLst>
           </p:nvPr>
@@ -21699,7 +20647,7 @@
             <p:cNvPr id="11" name="Picture 10">
               <a:extLst>
                 <a:ext uri="{FF2B5EF4-FFF2-40B4-BE49-F238E27FC236}">
-                  <a16:creationId xmlns:a16="http://schemas.microsoft.com/office/drawing/2014/main" id="{A7EF42F8-2417-49A6-95CE-DE9503B0AA66}"/>
+                  <a16:creationId xmlns:a16="http://schemas.microsoft.com/office/drawing/2014/main" xmlns="" id="{A7EF42F8-2417-49A6-95CE-DE9503B0AA66}"/>
                 </a:ext>
               </a:extLst>
             </p:cNvPr>
@@ -21709,7 +20657,7 @@
             <p:nvPr>
               <p:extLst>
                 <p:ext uri="{386F3935-93C4-4BCD-93E2-E3B085C9AB24}">
-                  <p16:designElem xmlns:p16="http://schemas.microsoft.com/office/powerpoint/2015/main" val="1"/>
+                  <p16:designElem xmlns:p16="http://schemas.microsoft.com/office/powerpoint/2015/main" xmlns="" val="1"/>
                 </p:ext>
               </p:extLst>
             </p:nvPr>
@@ -21741,7 +20689,7 @@
             <p:cNvPr id="12" name="Rectangle 11">
               <a:extLst>
                 <a:ext uri="{FF2B5EF4-FFF2-40B4-BE49-F238E27FC236}">
-                  <a16:creationId xmlns:a16="http://schemas.microsoft.com/office/drawing/2014/main" id="{AC6F623B-2003-4AED-B02F-541A150EC143}"/>
+                  <a16:creationId xmlns:a16="http://schemas.microsoft.com/office/drawing/2014/main" xmlns="" id="{AC6F623B-2003-4AED-B02F-541A150EC143}"/>
                 </a:ext>
               </a:extLst>
             </p:cNvPr>
@@ -21749,7 +20697,7 @@
             <p:nvPr>
               <p:extLst>
                 <p:ext uri="{386F3935-93C4-4BCD-93E2-E3B085C9AB24}">
-                  <p16:designElem xmlns:p16="http://schemas.microsoft.com/office/powerpoint/2015/main" val="1"/>
+                  <p16:designElem xmlns:p16="http://schemas.microsoft.com/office/powerpoint/2015/main" xmlns="" val="1"/>
                 </p:ext>
               </p:extLst>
             </p:nvPr>
@@ -21787,7 +20735,7 @@
             <p:cNvPr id="13" name="Picture 12">
               <a:extLst>
                 <a:ext uri="{FF2B5EF4-FFF2-40B4-BE49-F238E27FC236}">
-                  <a16:creationId xmlns:a16="http://schemas.microsoft.com/office/drawing/2014/main" id="{CD11837A-4F3D-419F-ACE2-E80B1EA2846F}"/>
+                  <a16:creationId xmlns:a16="http://schemas.microsoft.com/office/drawing/2014/main" xmlns="" id="{CD11837A-4F3D-419F-ACE2-E80B1EA2846F}"/>
                 </a:ext>
               </a:extLst>
             </p:cNvPr>
@@ -21797,7 +20745,7 @@
             <p:nvPr>
               <p:extLst>
                 <p:ext uri="{386F3935-93C4-4BCD-93E2-E3B085C9AB24}">
-                  <p16:designElem xmlns:p16="http://schemas.microsoft.com/office/powerpoint/2015/main" val="1"/>
+                  <p16:designElem xmlns:p16="http://schemas.microsoft.com/office/powerpoint/2015/main" xmlns="" val="1"/>
                 </p:ext>
               </p:extLst>
             </p:nvPr>
@@ -21828,7 +20776,7 @@
             <p:cNvPr id="14" name="Picture 13">
               <a:extLst>
                 <a:ext uri="{FF2B5EF4-FFF2-40B4-BE49-F238E27FC236}">
-                  <a16:creationId xmlns:a16="http://schemas.microsoft.com/office/drawing/2014/main" id="{B9411D1A-7E2C-4A36-BE32-BF7A8E130723}"/>
+                  <a16:creationId xmlns:a16="http://schemas.microsoft.com/office/drawing/2014/main" xmlns="" id="{B9411D1A-7E2C-4A36-BE32-BF7A8E130723}"/>
                 </a:ext>
               </a:extLst>
             </p:cNvPr>
@@ -21838,7 +20786,7 @@
             <p:nvPr>
               <p:extLst>
                 <p:ext uri="{386F3935-93C4-4BCD-93E2-E3B085C9AB24}">
-                  <p16:designElem xmlns:p16="http://schemas.microsoft.com/office/powerpoint/2015/main" val="1"/>
+                  <p16:designElem xmlns:p16="http://schemas.microsoft.com/office/powerpoint/2015/main" xmlns="" val="1"/>
                 </p:ext>
               </p:extLst>
             </p:nvPr>
@@ -21870,7 +20818,7 @@
           <p:cNvPr id="16" name="Straight Connector 15">
             <a:extLst>
               <a:ext uri="{FF2B5EF4-FFF2-40B4-BE49-F238E27FC236}">
-                <a16:creationId xmlns:a16="http://schemas.microsoft.com/office/drawing/2014/main" id="{20742BC3-654B-4E41-9A6A-73A42E477639}"/>
+                <a16:creationId xmlns:a16="http://schemas.microsoft.com/office/drawing/2014/main" xmlns="" id="{20742BC3-654B-4E41-9A6A-73A42E477639}"/>
               </a:ext>
             </a:extLst>
           </p:cNvPr>
@@ -21880,7 +20828,7 @@
           <p:nvPr>
             <p:extLst>
               <p:ext uri="{386F3935-93C4-4BCD-93E2-E3B085C9AB24}">
-                <p16:designElem xmlns:p16="http://schemas.microsoft.com/office/powerpoint/2015/main" val="1"/>
+                <p16:designElem xmlns:p16="http://schemas.microsoft.com/office/powerpoint/2015/main" xmlns="" val="1"/>
               </p:ext>
             </p:extLst>
           </p:nvPr>
@@ -21914,7 +20862,7 @@
           <p:cNvPr id="18" name="Rectangle 17">
             <a:extLst>
               <a:ext uri="{FF2B5EF4-FFF2-40B4-BE49-F238E27FC236}">
-                <a16:creationId xmlns:a16="http://schemas.microsoft.com/office/drawing/2014/main" id="{575E71FA-50BD-43F8-8C98-04339283A93D}"/>
+                <a16:creationId xmlns:a16="http://schemas.microsoft.com/office/drawing/2014/main" xmlns="" id="{575E71FA-50BD-43F8-8C98-04339283A93D}"/>
               </a:ext>
             </a:extLst>
           </p:cNvPr>
@@ -21924,7 +20872,7 @@
           <p:nvPr>
             <p:extLst>
               <p:ext uri="{386F3935-93C4-4BCD-93E2-E3B085C9AB24}">
-                <p16:designElem xmlns:p16="http://schemas.microsoft.com/office/powerpoint/2015/main" val="1"/>
+                <p16:designElem xmlns:p16="http://schemas.microsoft.com/office/powerpoint/2015/main" xmlns="" val="1"/>
               </p:ext>
             </p:extLst>
           </p:nvPr>
@@ -21971,7 +20919,7 @@
           <p:cNvPr id="20" name="Group 19">
             <a:extLst>
               <a:ext uri="{FF2B5EF4-FFF2-40B4-BE49-F238E27FC236}">
-                <a16:creationId xmlns:a16="http://schemas.microsoft.com/office/drawing/2014/main" id="{CF1AA7F6-A589-4BC8-BC72-2CA6DC908398}"/>
+                <a16:creationId xmlns:a16="http://schemas.microsoft.com/office/drawing/2014/main" xmlns="" id="{CF1AA7F6-A589-4BC8-BC72-2CA6DC908398}"/>
               </a:ext>
             </a:extLst>
           </p:cNvPr>
@@ -21981,7 +20929,7 @@
           <p:nvPr>
             <p:extLst>
               <p:ext uri="{386F3935-93C4-4BCD-93E2-E3B085C9AB24}">
-                <p16:designElem xmlns:p16="http://schemas.microsoft.com/office/powerpoint/2015/main" val="1"/>
+                <p16:designElem xmlns:p16="http://schemas.microsoft.com/office/powerpoint/2015/main" xmlns="" val="1"/>
               </p:ext>
             </p:extLst>
           </p:nvPr>
@@ -21999,7 +20947,7 @@
             <p:cNvPr id="21" name="Picture 20">
               <a:extLst>
                 <a:ext uri="{FF2B5EF4-FFF2-40B4-BE49-F238E27FC236}">
-                  <a16:creationId xmlns:a16="http://schemas.microsoft.com/office/drawing/2014/main" id="{53F5243F-7E41-439E-8991-C4F246D88F68}"/>
+                  <a16:creationId xmlns:a16="http://schemas.microsoft.com/office/drawing/2014/main" xmlns="" id="{53F5243F-7E41-439E-8991-C4F246D88F68}"/>
                 </a:ext>
               </a:extLst>
             </p:cNvPr>
@@ -22009,7 +20957,7 @@
             <p:nvPr>
               <p:extLst>
                 <p:ext uri="{386F3935-93C4-4BCD-93E2-E3B085C9AB24}">
-                  <p16:designElem xmlns:p16="http://schemas.microsoft.com/office/powerpoint/2015/main" val="1"/>
+                  <p16:designElem xmlns:p16="http://schemas.microsoft.com/office/powerpoint/2015/main" xmlns="" val="1"/>
                 </p:ext>
               </p:extLst>
             </p:nvPr>
@@ -22041,7 +20989,7 @@
             <p:cNvPr id="22" name="Rectangle 21">
               <a:extLst>
                 <a:ext uri="{FF2B5EF4-FFF2-40B4-BE49-F238E27FC236}">
-                  <a16:creationId xmlns:a16="http://schemas.microsoft.com/office/drawing/2014/main" id="{401A6B5F-1CF1-43AD-9E85-94E187210CFC}"/>
+                  <a16:creationId xmlns:a16="http://schemas.microsoft.com/office/drawing/2014/main" xmlns="" id="{401A6B5F-1CF1-43AD-9E85-94E187210CFC}"/>
                 </a:ext>
               </a:extLst>
             </p:cNvPr>
@@ -22049,7 +20997,7 @@
             <p:nvPr>
               <p:extLst>
                 <p:ext uri="{386F3935-93C4-4BCD-93E2-E3B085C9AB24}">
-                  <p16:designElem xmlns:p16="http://schemas.microsoft.com/office/powerpoint/2015/main" val="1"/>
+                  <p16:designElem xmlns:p16="http://schemas.microsoft.com/office/powerpoint/2015/main" xmlns="" val="1"/>
                 </p:ext>
               </p:extLst>
             </p:nvPr>
@@ -22087,7 +21035,7 @@
             <p:cNvPr id="23" name="Picture 22">
               <a:extLst>
                 <a:ext uri="{FF2B5EF4-FFF2-40B4-BE49-F238E27FC236}">
-                  <a16:creationId xmlns:a16="http://schemas.microsoft.com/office/drawing/2014/main" id="{2F682A59-7E20-407C-A7F8-582295AC687C}"/>
+                  <a16:creationId xmlns:a16="http://schemas.microsoft.com/office/drawing/2014/main" xmlns="" id="{2F682A59-7E20-407C-A7F8-582295AC687C}"/>
                 </a:ext>
               </a:extLst>
             </p:cNvPr>
@@ -22097,7 +21045,7 @@
             <p:nvPr>
               <p:extLst>
                 <p:ext uri="{386F3935-93C4-4BCD-93E2-E3B085C9AB24}">
-                  <p16:designElem xmlns:p16="http://schemas.microsoft.com/office/powerpoint/2015/main" val="1"/>
+                  <p16:designElem xmlns:p16="http://schemas.microsoft.com/office/powerpoint/2015/main" xmlns="" val="1"/>
                 </p:ext>
               </p:extLst>
             </p:nvPr>
@@ -22128,7 +21076,7 @@
             <p:cNvPr id="24" name="Picture 23">
               <a:extLst>
                 <a:ext uri="{FF2B5EF4-FFF2-40B4-BE49-F238E27FC236}">
-                  <a16:creationId xmlns:a16="http://schemas.microsoft.com/office/drawing/2014/main" id="{5E4AC24E-0670-406E-822F-AAA6DA2010D3}"/>
+                  <a16:creationId xmlns:a16="http://schemas.microsoft.com/office/drawing/2014/main" xmlns="" id="{5E4AC24E-0670-406E-822F-AAA6DA2010D3}"/>
                 </a:ext>
               </a:extLst>
             </p:cNvPr>
@@ -22138,7 +21086,7 @@
             <p:nvPr>
               <p:extLst>
                 <p:ext uri="{386F3935-93C4-4BCD-93E2-E3B085C9AB24}">
-                  <p16:designElem xmlns:p16="http://schemas.microsoft.com/office/powerpoint/2015/main" val="1"/>
+                  <p16:designElem xmlns:p16="http://schemas.microsoft.com/office/powerpoint/2015/main" xmlns="" val="1"/>
                 </p:ext>
               </p:extLst>
             </p:nvPr>
@@ -22170,7 +21118,7 @@
           <p:cNvPr id="57" name="Rectangle 25">
             <a:extLst>
               <a:ext uri="{FF2B5EF4-FFF2-40B4-BE49-F238E27FC236}">
-                <a16:creationId xmlns:a16="http://schemas.microsoft.com/office/drawing/2014/main" id="{E89B1776-F953-4C0F-8E85-E9C66B1EF003}"/>
+                <a16:creationId xmlns:a16="http://schemas.microsoft.com/office/drawing/2014/main" xmlns="" id="{E89B1776-F953-4C0F-8E85-E9C66B1EF003}"/>
               </a:ext>
             </a:extLst>
           </p:cNvPr>
@@ -22180,7 +21128,7 @@
           <p:nvPr>
             <p:extLst>
               <p:ext uri="{386F3935-93C4-4BCD-93E2-E3B085C9AB24}">
-                <p16:designElem xmlns:p16="http://schemas.microsoft.com/office/powerpoint/2015/main" val="1"/>
+                <p16:designElem xmlns:p16="http://schemas.microsoft.com/office/powerpoint/2015/main" xmlns="" val="1"/>
               </p:ext>
             </p:extLst>
           </p:nvPr>
@@ -22236,7 +21184,7 @@
           <p:cNvPr id="5" name="Picture 4">
             <a:extLst>
               <a:ext uri="{FF2B5EF4-FFF2-40B4-BE49-F238E27FC236}">
-                <a16:creationId xmlns:a16="http://schemas.microsoft.com/office/drawing/2014/main" id="{11CE67C4-0067-439F-B45D-7FB8E22D58A6}"/>
+                <a16:creationId xmlns:a16="http://schemas.microsoft.com/office/drawing/2014/main" xmlns="" id="{11CE67C4-0067-439F-B45D-7FB8E22D58A6}"/>
               </a:ext>
             </a:extLst>
           </p:cNvPr>
@@ -22246,7 +21194,7 @@
           <p:nvPr/>
         </p:nvPicPr>
         <p:blipFill>
-          <a:blip r:embed="rId7">
+          <a:blip r:embed="rId7" cstate="print">
             <a:extLst>
               <a:ext uri="{28A0092B-C50C-407E-A947-70E740481C1C}">
                 <a14:useLocalDpi xmlns:a14="http://schemas.microsoft.com/office/drawing/2010/main" val="0"/>
@@ -22272,7 +21220,7 @@
           <p:cNvPr id="58" name="Straight Connector 27">
             <a:extLst>
               <a:ext uri="{FF2B5EF4-FFF2-40B4-BE49-F238E27FC236}">
-                <a16:creationId xmlns:a16="http://schemas.microsoft.com/office/drawing/2014/main" id="{997356D0-D934-42B9-8291-DF34A3AC0CFE}"/>
+                <a16:creationId xmlns:a16="http://schemas.microsoft.com/office/drawing/2014/main" xmlns="" id="{997356D0-D934-42B9-8291-DF34A3AC0CFE}"/>
               </a:ext>
             </a:extLst>
           </p:cNvPr>
@@ -22282,7 +21230,7 @@
           <p:nvPr>
             <p:extLst>
               <p:ext uri="{386F3935-93C4-4BCD-93E2-E3B085C9AB24}">
-                <p16:designElem xmlns:p16="http://schemas.microsoft.com/office/powerpoint/2015/main" val="1"/>
+                <p16:designElem xmlns:p16="http://schemas.microsoft.com/office/powerpoint/2015/main" xmlns="" val="1"/>
               </p:ext>
             </p:extLst>
           </p:nvPr>
@@ -22316,7 +21264,7 @@
           <p:cNvPr id="2" name="Title 1">
             <a:extLst>
               <a:ext uri="{FF2B5EF4-FFF2-40B4-BE49-F238E27FC236}">
-                <a16:creationId xmlns:a16="http://schemas.microsoft.com/office/drawing/2014/main" id="{72EC63F9-EBDA-4553-98C4-123B1BC18B56}"/>
+                <a16:creationId xmlns:a16="http://schemas.microsoft.com/office/drawing/2014/main" xmlns="" id="{72EC63F9-EBDA-4553-98C4-123B1BC18B56}"/>
               </a:ext>
             </a:extLst>
           </p:cNvPr>
@@ -22399,7 +21347,7 @@
           <p:cNvPr id="10" name="Group 9">
             <a:extLst>
               <a:ext uri="{FF2B5EF4-FFF2-40B4-BE49-F238E27FC236}">
-                <a16:creationId xmlns:a16="http://schemas.microsoft.com/office/drawing/2014/main" id="{749C117F-F390-437B-ADB0-57E87EFF34F5}"/>
+                <a16:creationId xmlns:a16="http://schemas.microsoft.com/office/drawing/2014/main" xmlns="" id="{749C117F-F390-437B-ADB0-57E87EFF34F5}"/>
               </a:ext>
             </a:extLst>
           </p:cNvPr>
@@ -22409,7 +21357,7 @@
           <p:nvPr>
             <p:extLst>
               <p:ext uri="{386F3935-93C4-4BCD-93E2-E3B085C9AB24}">
-                <p16:designElem xmlns:p16="http://schemas.microsoft.com/office/powerpoint/2015/main" val="1"/>
+                <p16:designElem xmlns:p16="http://schemas.microsoft.com/office/powerpoint/2015/main" xmlns="" val="1"/>
               </p:ext>
             </p:extLst>
           </p:nvPr>
@@ -22427,7 +21375,7 @@
             <p:cNvPr id="11" name="Picture 10">
               <a:extLst>
                 <a:ext uri="{FF2B5EF4-FFF2-40B4-BE49-F238E27FC236}">
-                  <a16:creationId xmlns:a16="http://schemas.microsoft.com/office/drawing/2014/main" id="{A7EF42F8-2417-49A6-95CE-DE9503B0AA66}"/>
+                  <a16:creationId xmlns:a16="http://schemas.microsoft.com/office/drawing/2014/main" xmlns="" id="{A7EF42F8-2417-49A6-95CE-DE9503B0AA66}"/>
                 </a:ext>
               </a:extLst>
             </p:cNvPr>
@@ -22437,7 +21385,7 @@
             <p:nvPr>
               <p:extLst>
                 <p:ext uri="{386F3935-93C4-4BCD-93E2-E3B085C9AB24}">
-                  <p16:designElem xmlns:p16="http://schemas.microsoft.com/office/powerpoint/2015/main" val="1"/>
+                  <p16:designElem xmlns:p16="http://schemas.microsoft.com/office/powerpoint/2015/main" xmlns="" val="1"/>
                 </p:ext>
               </p:extLst>
             </p:nvPr>
@@ -22469,7 +21417,7 @@
             <p:cNvPr id="12" name="Rectangle 11">
               <a:extLst>
                 <a:ext uri="{FF2B5EF4-FFF2-40B4-BE49-F238E27FC236}">
-                  <a16:creationId xmlns:a16="http://schemas.microsoft.com/office/drawing/2014/main" id="{AC6F623B-2003-4AED-B02F-541A150EC143}"/>
+                  <a16:creationId xmlns:a16="http://schemas.microsoft.com/office/drawing/2014/main" xmlns="" id="{AC6F623B-2003-4AED-B02F-541A150EC143}"/>
                 </a:ext>
               </a:extLst>
             </p:cNvPr>
@@ -22477,7 +21425,7 @@
             <p:nvPr>
               <p:extLst>
                 <p:ext uri="{386F3935-93C4-4BCD-93E2-E3B085C9AB24}">
-                  <p16:designElem xmlns:p16="http://schemas.microsoft.com/office/powerpoint/2015/main" val="1"/>
+                  <p16:designElem xmlns:p16="http://schemas.microsoft.com/office/powerpoint/2015/main" xmlns="" val="1"/>
                 </p:ext>
               </p:extLst>
             </p:nvPr>
@@ -22515,7 +21463,7 @@
             <p:cNvPr id="13" name="Picture 12">
               <a:extLst>
                 <a:ext uri="{FF2B5EF4-FFF2-40B4-BE49-F238E27FC236}">
-                  <a16:creationId xmlns:a16="http://schemas.microsoft.com/office/drawing/2014/main" id="{CD11837A-4F3D-419F-ACE2-E80B1EA2846F}"/>
+                  <a16:creationId xmlns:a16="http://schemas.microsoft.com/office/drawing/2014/main" xmlns="" id="{CD11837A-4F3D-419F-ACE2-E80B1EA2846F}"/>
                 </a:ext>
               </a:extLst>
             </p:cNvPr>
@@ -22525,7 +21473,7 @@
             <p:nvPr>
               <p:extLst>
                 <p:ext uri="{386F3935-93C4-4BCD-93E2-E3B085C9AB24}">
-                  <p16:designElem xmlns:p16="http://schemas.microsoft.com/office/powerpoint/2015/main" val="1"/>
+                  <p16:designElem xmlns:p16="http://schemas.microsoft.com/office/powerpoint/2015/main" xmlns="" val="1"/>
                 </p:ext>
               </p:extLst>
             </p:nvPr>
@@ -22556,7 +21504,7 @@
             <p:cNvPr id="14" name="Picture 13">
               <a:extLst>
                 <a:ext uri="{FF2B5EF4-FFF2-40B4-BE49-F238E27FC236}">
-                  <a16:creationId xmlns:a16="http://schemas.microsoft.com/office/drawing/2014/main" id="{B9411D1A-7E2C-4A36-BE32-BF7A8E130723}"/>
+                  <a16:creationId xmlns:a16="http://schemas.microsoft.com/office/drawing/2014/main" xmlns="" id="{B9411D1A-7E2C-4A36-BE32-BF7A8E130723}"/>
                 </a:ext>
               </a:extLst>
             </p:cNvPr>
@@ -22566,7 +21514,7 @@
             <p:nvPr>
               <p:extLst>
                 <p:ext uri="{386F3935-93C4-4BCD-93E2-E3B085C9AB24}">
-                  <p16:designElem xmlns:p16="http://schemas.microsoft.com/office/powerpoint/2015/main" val="1"/>
+                  <p16:designElem xmlns:p16="http://schemas.microsoft.com/office/powerpoint/2015/main" xmlns="" val="1"/>
                 </p:ext>
               </p:extLst>
             </p:nvPr>
@@ -22598,7 +21546,7 @@
           <p:cNvPr id="16" name="Straight Connector 15">
             <a:extLst>
               <a:ext uri="{FF2B5EF4-FFF2-40B4-BE49-F238E27FC236}">
-                <a16:creationId xmlns:a16="http://schemas.microsoft.com/office/drawing/2014/main" id="{20742BC3-654B-4E41-9A6A-73A42E477639}"/>
+                <a16:creationId xmlns:a16="http://schemas.microsoft.com/office/drawing/2014/main" xmlns="" id="{20742BC3-654B-4E41-9A6A-73A42E477639}"/>
               </a:ext>
             </a:extLst>
           </p:cNvPr>
@@ -22608,7 +21556,7 @@
           <p:nvPr>
             <p:extLst>
               <p:ext uri="{386F3935-93C4-4BCD-93E2-E3B085C9AB24}">
-                <p16:designElem xmlns:p16="http://schemas.microsoft.com/office/powerpoint/2015/main" val="1"/>
+                <p16:designElem xmlns:p16="http://schemas.microsoft.com/office/powerpoint/2015/main" xmlns="" val="1"/>
               </p:ext>
             </p:extLst>
           </p:nvPr>
@@ -22642,7 +21590,7 @@
           <p:cNvPr id="18" name="Rectangle 17">
             <a:extLst>
               <a:ext uri="{FF2B5EF4-FFF2-40B4-BE49-F238E27FC236}">
-                <a16:creationId xmlns:a16="http://schemas.microsoft.com/office/drawing/2014/main" id="{575E71FA-50BD-43F8-8C98-04339283A93D}"/>
+                <a16:creationId xmlns:a16="http://schemas.microsoft.com/office/drawing/2014/main" xmlns="" id="{575E71FA-50BD-43F8-8C98-04339283A93D}"/>
               </a:ext>
             </a:extLst>
           </p:cNvPr>
@@ -22652,7 +21600,7 @@
           <p:nvPr>
             <p:extLst>
               <p:ext uri="{386F3935-93C4-4BCD-93E2-E3B085C9AB24}">
-                <p16:designElem xmlns:p16="http://schemas.microsoft.com/office/powerpoint/2015/main" val="1"/>
+                <p16:designElem xmlns:p16="http://schemas.microsoft.com/office/powerpoint/2015/main" xmlns="" val="1"/>
               </p:ext>
             </p:extLst>
           </p:nvPr>
@@ -22699,7 +21647,7 @@
           <p:cNvPr id="20" name="Group 19">
             <a:extLst>
               <a:ext uri="{FF2B5EF4-FFF2-40B4-BE49-F238E27FC236}">
-                <a16:creationId xmlns:a16="http://schemas.microsoft.com/office/drawing/2014/main" id="{CF1AA7F6-A589-4BC8-BC72-2CA6DC908398}"/>
+                <a16:creationId xmlns:a16="http://schemas.microsoft.com/office/drawing/2014/main" xmlns="" id="{CF1AA7F6-A589-4BC8-BC72-2CA6DC908398}"/>
               </a:ext>
             </a:extLst>
           </p:cNvPr>
@@ -22709,7 +21657,7 @@
           <p:nvPr>
             <p:extLst>
               <p:ext uri="{386F3935-93C4-4BCD-93E2-E3B085C9AB24}">
-                <p16:designElem xmlns:p16="http://schemas.microsoft.com/office/powerpoint/2015/main" val="1"/>
+                <p16:designElem xmlns:p16="http://schemas.microsoft.com/office/powerpoint/2015/main" xmlns="" val="1"/>
               </p:ext>
             </p:extLst>
           </p:nvPr>
@@ -22727,7 +21675,7 @@
             <p:cNvPr id="21" name="Picture 20">
               <a:extLst>
                 <a:ext uri="{FF2B5EF4-FFF2-40B4-BE49-F238E27FC236}">
-                  <a16:creationId xmlns:a16="http://schemas.microsoft.com/office/drawing/2014/main" id="{53F5243F-7E41-439E-8991-C4F246D88F68}"/>
+                  <a16:creationId xmlns:a16="http://schemas.microsoft.com/office/drawing/2014/main" xmlns="" id="{53F5243F-7E41-439E-8991-C4F246D88F68}"/>
                 </a:ext>
               </a:extLst>
             </p:cNvPr>
@@ -22737,7 +21685,7 @@
             <p:nvPr>
               <p:extLst>
                 <p:ext uri="{386F3935-93C4-4BCD-93E2-E3B085C9AB24}">
-                  <p16:designElem xmlns:p16="http://schemas.microsoft.com/office/powerpoint/2015/main" val="1"/>
+                  <p16:designElem xmlns:p16="http://schemas.microsoft.com/office/powerpoint/2015/main" xmlns="" val="1"/>
                 </p:ext>
               </p:extLst>
             </p:nvPr>
@@ -22769,7 +21717,7 @@
             <p:cNvPr id="22" name="Rectangle 21">
               <a:extLst>
                 <a:ext uri="{FF2B5EF4-FFF2-40B4-BE49-F238E27FC236}">
-                  <a16:creationId xmlns:a16="http://schemas.microsoft.com/office/drawing/2014/main" id="{401A6B5F-1CF1-43AD-9E85-94E187210CFC}"/>
+                  <a16:creationId xmlns:a16="http://schemas.microsoft.com/office/drawing/2014/main" xmlns="" id="{401A6B5F-1CF1-43AD-9E85-94E187210CFC}"/>
                 </a:ext>
               </a:extLst>
             </p:cNvPr>
@@ -22777,7 +21725,7 @@
             <p:nvPr>
               <p:extLst>
                 <p:ext uri="{386F3935-93C4-4BCD-93E2-E3B085C9AB24}">
-                  <p16:designElem xmlns:p16="http://schemas.microsoft.com/office/powerpoint/2015/main" val="1"/>
+                  <p16:designElem xmlns:p16="http://schemas.microsoft.com/office/powerpoint/2015/main" xmlns="" val="1"/>
                 </p:ext>
               </p:extLst>
             </p:nvPr>
@@ -22815,7 +21763,7 @@
             <p:cNvPr id="23" name="Picture 22">
               <a:extLst>
                 <a:ext uri="{FF2B5EF4-FFF2-40B4-BE49-F238E27FC236}">
-                  <a16:creationId xmlns:a16="http://schemas.microsoft.com/office/drawing/2014/main" id="{2F682A59-7E20-407C-A7F8-582295AC687C}"/>
+                  <a16:creationId xmlns:a16="http://schemas.microsoft.com/office/drawing/2014/main" xmlns="" id="{2F682A59-7E20-407C-A7F8-582295AC687C}"/>
                 </a:ext>
               </a:extLst>
             </p:cNvPr>
@@ -22825,7 +21773,7 @@
             <p:nvPr>
               <p:extLst>
                 <p:ext uri="{386F3935-93C4-4BCD-93E2-E3B085C9AB24}">
-                  <p16:designElem xmlns:p16="http://schemas.microsoft.com/office/powerpoint/2015/main" val="1"/>
+                  <p16:designElem xmlns:p16="http://schemas.microsoft.com/office/powerpoint/2015/main" xmlns="" val="1"/>
                 </p:ext>
               </p:extLst>
             </p:nvPr>
@@ -22856,7 +21804,7 @@
             <p:cNvPr id="24" name="Picture 23">
               <a:extLst>
                 <a:ext uri="{FF2B5EF4-FFF2-40B4-BE49-F238E27FC236}">
-                  <a16:creationId xmlns:a16="http://schemas.microsoft.com/office/drawing/2014/main" id="{5E4AC24E-0670-406E-822F-AAA6DA2010D3}"/>
+                  <a16:creationId xmlns:a16="http://schemas.microsoft.com/office/drawing/2014/main" xmlns="" id="{5E4AC24E-0670-406E-822F-AAA6DA2010D3}"/>
                 </a:ext>
               </a:extLst>
             </p:cNvPr>
@@ -22866,7 +21814,7 @@
             <p:nvPr>
               <p:extLst>
                 <p:ext uri="{386F3935-93C4-4BCD-93E2-E3B085C9AB24}">
-                  <p16:designElem xmlns:p16="http://schemas.microsoft.com/office/powerpoint/2015/main" val="1"/>
+                  <p16:designElem xmlns:p16="http://schemas.microsoft.com/office/powerpoint/2015/main" xmlns="" val="1"/>
                 </p:ext>
               </p:extLst>
             </p:nvPr>
@@ -22898,7 +21846,7 @@
           <p:cNvPr id="26" name="Rectangle 25">
             <a:extLst>
               <a:ext uri="{FF2B5EF4-FFF2-40B4-BE49-F238E27FC236}">
-                <a16:creationId xmlns:a16="http://schemas.microsoft.com/office/drawing/2014/main" id="{E89B1776-F953-4C0F-8E85-E9C66B1EF003}"/>
+                <a16:creationId xmlns:a16="http://schemas.microsoft.com/office/drawing/2014/main" xmlns="" id="{E89B1776-F953-4C0F-8E85-E9C66B1EF003}"/>
               </a:ext>
             </a:extLst>
           </p:cNvPr>
@@ -22908,7 +21856,7 @@
           <p:nvPr>
             <p:extLst>
               <p:ext uri="{386F3935-93C4-4BCD-93E2-E3B085C9AB24}">
-                <p16:designElem xmlns:p16="http://schemas.microsoft.com/office/powerpoint/2015/main" val="1"/>
+                <p16:designElem xmlns:p16="http://schemas.microsoft.com/office/powerpoint/2015/main" xmlns="" val="1"/>
               </p:ext>
             </p:extLst>
           </p:nvPr>
@@ -22964,7 +21912,7 @@
           <p:cNvPr id="5" name="Picture 4">
             <a:extLst>
               <a:ext uri="{FF2B5EF4-FFF2-40B4-BE49-F238E27FC236}">
-                <a16:creationId xmlns:a16="http://schemas.microsoft.com/office/drawing/2014/main" id="{FC46EA79-3DA4-4500-9BC9-02C19B5643F7}"/>
+                <a16:creationId xmlns:a16="http://schemas.microsoft.com/office/drawing/2014/main" xmlns="" id="{FC46EA79-3DA4-4500-9BC9-02C19B5643F7}"/>
               </a:ext>
             </a:extLst>
           </p:cNvPr>
@@ -23000,7 +21948,7 @@
           <p:cNvPr id="28" name="Straight Connector 27">
             <a:extLst>
               <a:ext uri="{FF2B5EF4-FFF2-40B4-BE49-F238E27FC236}">
-                <a16:creationId xmlns:a16="http://schemas.microsoft.com/office/drawing/2014/main" id="{997356D0-D934-42B9-8291-DF34A3AC0CFE}"/>
+                <a16:creationId xmlns:a16="http://schemas.microsoft.com/office/drawing/2014/main" xmlns="" id="{997356D0-D934-42B9-8291-DF34A3AC0CFE}"/>
               </a:ext>
             </a:extLst>
           </p:cNvPr>
@@ -23010,7 +21958,7 @@
           <p:nvPr>
             <p:extLst>
               <p:ext uri="{386F3935-93C4-4BCD-93E2-E3B085C9AB24}">
-                <p16:designElem xmlns:p16="http://schemas.microsoft.com/office/powerpoint/2015/main" val="1"/>
+                <p16:designElem xmlns:p16="http://schemas.microsoft.com/office/powerpoint/2015/main" xmlns="" val="1"/>
               </p:ext>
             </p:extLst>
           </p:nvPr>
@@ -23044,7 +21992,7 @@
           <p:cNvPr id="2" name="Title 1">
             <a:extLst>
               <a:ext uri="{FF2B5EF4-FFF2-40B4-BE49-F238E27FC236}">
-                <a16:creationId xmlns:a16="http://schemas.microsoft.com/office/drawing/2014/main" id="{EEDA59A8-A917-41E5-B629-0C9402EFE336}"/>
+                <a16:creationId xmlns:a16="http://schemas.microsoft.com/office/drawing/2014/main" xmlns="" id="{EEDA59A8-A917-41E5-B629-0C9402EFE336}"/>
               </a:ext>
             </a:extLst>
           </p:cNvPr>
@@ -23127,7 +22075,7 @@
           <p:cNvPr id="52" name="Group 51">
             <a:extLst>
               <a:ext uri="{FF2B5EF4-FFF2-40B4-BE49-F238E27FC236}">
-                <a16:creationId xmlns:a16="http://schemas.microsoft.com/office/drawing/2014/main" id="{5066F8AE-A5C7-4B3E-B1DA-D0B624059BED}"/>
+                <a16:creationId xmlns:a16="http://schemas.microsoft.com/office/drawing/2014/main" xmlns="" id="{5066F8AE-A5C7-4B3E-B1DA-D0B624059BED}"/>
               </a:ext>
             </a:extLst>
           </p:cNvPr>
@@ -23137,7 +22085,7 @@
           <p:nvPr>
             <p:extLst>
               <p:ext uri="{386F3935-93C4-4BCD-93E2-E3B085C9AB24}">
-                <p16:designElem xmlns:p16="http://schemas.microsoft.com/office/powerpoint/2015/main" val="1"/>
+                <p16:designElem xmlns:p16="http://schemas.microsoft.com/office/powerpoint/2015/main" xmlns="" val="1"/>
               </p:ext>
             </p:extLst>
           </p:nvPr>
@@ -23155,7 +22103,7 @@
             <p:cNvPr id="53" name="Picture 52">
               <a:extLst>
                 <a:ext uri="{FF2B5EF4-FFF2-40B4-BE49-F238E27FC236}">
-                  <a16:creationId xmlns:a16="http://schemas.microsoft.com/office/drawing/2014/main" id="{F78E901E-6697-44E3-9533-1457FA4F0488}"/>
+                  <a16:creationId xmlns:a16="http://schemas.microsoft.com/office/drawing/2014/main" xmlns="" id="{F78E901E-6697-44E3-9533-1457FA4F0488}"/>
                 </a:ext>
               </a:extLst>
             </p:cNvPr>
@@ -23165,7 +22113,7 @@
             <p:nvPr>
               <p:extLst>
                 <p:ext uri="{386F3935-93C4-4BCD-93E2-E3B085C9AB24}">
-                  <p16:designElem xmlns:p16="http://schemas.microsoft.com/office/powerpoint/2015/main" val="1"/>
+                  <p16:designElem xmlns:p16="http://schemas.microsoft.com/office/powerpoint/2015/main" xmlns="" val="1"/>
                 </p:ext>
               </p:extLst>
             </p:nvPr>
@@ -23197,7 +22145,7 @@
             <p:cNvPr id="54" name="Rectangle 53">
               <a:extLst>
                 <a:ext uri="{FF2B5EF4-FFF2-40B4-BE49-F238E27FC236}">
-                  <a16:creationId xmlns:a16="http://schemas.microsoft.com/office/drawing/2014/main" id="{C515452A-514A-4763-9932-37302A8D6DBA}"/>
+                  <a16:creationId xmlns:a16="http://schemas.microsoft.com/office/drawing/2014/main" xmlns="" id="{C515452A-514A-4763-9932-37302A8D6DBA}"/>
                 </a:ext>
               </a:extLst>
             </p:cNvPr>
@@ -23205,7 +22153,7 @@
             <p:nvPr>
               <p:extLst>
                 <p:ext uri="{386F3935-93C4-4BCD-93E2-E3B085C9AB24}">
-                  <p16:designElem xmlns:p16="http://schemas.microsoft.com/office/powerpoint/2015/main" val="1"/>
+                  <p16:designElem xmlns:p16="http://schemas.microsoft.com/office/powerpoint/2015/main" xmlns="" val="1"/>
                 </p:ext>
               </p:extLst>
             </p:nvPr>
@@ -23243,7 +22191,7 @@
             <p:cNvPr id="55" name="Picture 54">
               <a:extLst>
                 <a:ext uri="{FF2B5EF4-FFF2-40B4-BE49-F238E27FC236}">
-                  <a16:creationId xmlns:a16="http://schemas.microsoft.com/office/drawing/2014/main" id="{D0EC146D-CF08-4B34-ADEB-2F0296F98A14}"/>
+                  <a16:creationId xmlns:a16="http://schemas.microsoft.com/office/drawing/2014/main" xmlns="" id="{D0EC146D-CF08-4B34-ADEB-2F0296F98A14}"/>
                 </a:ext>
               </a:extLst>
             </p:cNvPr>
@@ -23253,7 +22201,7 @@
             <p:nvPr>
               <p:extLst>
                 <p:ext uri="{386F3935-93C4-4BCD-93E2-E3B085C9AB24}">
-                  <p16:designElem xmlns:p16="http://schemas.microsoft.com/office/powerpoint/2015/main" val="1"/>
+                  <p16:designElem xmlns:p16="http://schemas.microsoft.com/office/powerpoint/2015/main" xmlns="" val="1"/>
                 </p:ext>
               </p:extLst>
             </p:nvPr>
@@ -23284,7 +22232,7 @@
             <p:cNvPr id="56" name="Picture 55">
               <a:extLst>
                 <a:ext uri="{FF2B5EF4-FFF2-40B4-BE49-F238E27FC236}">
-                  <a16:creationId xmlns:a16="http://schemas.microsoft.com/office/drawing/2014/main" id="{E1FBA240-87AB-400A-9292-7DC6F3E55215}"/>
+                  <a16:creationId xmlns:a16="http://schemas.microsoft.com/office/drawing/2014/main" xmlns="" id="{E1FBA240-87AB-400A-9292-7DC6F3E55215}"/>
                 </a:ext>
               </a:extLst>
             </p:cNvPr>
@@ -23294,7 +22242,7 @@
             <p:nvPr>
               <p:extLst>
                 <p:ext uri="{386F3935-93C4-4BCD-93E2-E3B085C9AB24}">
-                  <p16:designElem xmlns:p16="http://schemas.microsoft.com/office/powerpoint/2015/main" val="1"/>
+                  <p16:designElem xmlns:p16="http://schemas.microsoft.com/office/powerpoint/2015/main" xmlns="" val="1"/>
                 </p:ext>
               </p:extLst>
             </p:nvPr>
@@ -23326,7 +22274,7 @@
           <p:cNvPr id="58" name="Rectangle 57">
             <a:extLst>
               <a:ext uri="{FF2B5EF4-FFF2-40B4-BE49-F238E27FC236}">
-                <a16:creationId xmlns:a16="http://schemas.microsoft.com/office/drawing/2014/main" id="{E76515AE-5AF4-4983-B0EA-565605252195}"/>
+                <a16:creationId xmlns:a16="http://schemas.microsoft.com/office/drawing/2014/main" xmlns="" id="{E76515AE-5AF4-4983-B0EA-565605252195}"/>
               </a:ext>
             </a:extLst>
           </p:cNvPr>
@@ -23336,7 +22284,7 @@
           <p:nvPr>
             <p:extLst>
               <p:ext uri="{386F3935-93C4-4BCD-93E2-E3B085C9AB24}">
-                <p16:designElem xmlns:p16="http://schemas.microsoft.com/office/powerpoint/2015/main" val="1"/>
+                <p16:designElem xmlns:p16="http://schemas.microsoft.com/office/powerpoint/2015/main" xmlns="" val="1"/>
               </p:ext>
             </p:extLst>
           </p:nvPr>
@@ -23389,7 +22337,7 @@
           <p:cNvPr id="5" name="Picture 4" descr="A close up of a map&#10;&#10;Description generated with high confidence">
             <a:extLst>
               <a:ext uri="{FF2B5EF4-FFF2-40B4-BE49-F238E27FC236}">
-                <a16:creationId xmlns:a16="http://schemas.microsoft.com/office/drawing/2014/main" id="{2119294B-5F03-4477-9A76-7E3C6807A415}"/>
+                <a16:creationId xmlns:a16="http://schemas.microsoft.com/office/drawing/2014/main" xmlns="" id="{2119294B-5F03-4477-9A76-7E3C6807A415}"/>
               </a:ext>
             </a:extLst>
           </p:cNvPr>
@@ -23424,7 +22372,7 @@
           <p:cNvPr id="72" name="Rectangle 59">
             <a:extLst>
               <a:ext uri="{FF2B5EF4-FFF2-40B4-BE49-F238E27FC236}">
-                <a16:creationId xmlns:a16="http://schemas.microsoft.com/office/drawing/2014/main" id="{51C100AB-F99A-49AA-846B-38F018DDD24D}"/>
+                <a16:creationId xmlns:a16="http://schemas.microsoft.com/office/drawing/2014/main" xmlns="" id="{51C100AB-F99A-49AA-846B-38F018DDD24D}"/>
               </a:ext>
             </a:extLst>
           </p:cNvPr>
@@ -23434,7 +22382,7 @@
           <p:nvPr>
             <p:extLst>
               <p:ext uri="{386F3935-93C4-4BCD-93E2-E3B085C9AB24}">
-                <p16:designElem xmlns:p16="http://schemas.microsoft.com/office/powerpoint/2015/main" val="1"/>
+                <p16:designElem xmlns:p16="http://schemas.microsoft.com/office/powerpoint/2015/main" xmlns="" val="1"/>
               </p:ext>
             </p:extLst>
           </p:nvPr>
@@ -23519,7 +22467,7 @@
           <p:cNvPr id="8" name="Rectangle 7">
             <a:extLst>
               <a:ext uri="{FF2B5EF4-FFF2-40B4-BE49-F238E27FC236}">
-                <a16:creationId xmlns:a16="http://schemas.microsoft.com/office/drawing/2014/main" id="{52723366-C73B-4ED6-ADEF-29911C6BC55F}"/>
+                <a16:creationId xmlns:a16="http://schemas.microsoft.com/office/drawing/2014/main" xmlns="" id="{52723366-C73B-4ED6-ADEF-29911C6BC55F}"/>
               </a:ext>
             </a:extLst>
           </p:cNvPr>
@@ -23529,7 +22477,7 @@
           <p:nvPr>
             <p:extLst>
               <p:ext uri="{386F3935-93C4-4BCD-93E2-E3B085C9AB24}">
-                <p16:designElem xmlns:p16="http://schemas.microsoft.com/office/powerpoint/2015/main" val="1"/>
+                <p16:designElem xmlns:p16="http://schemas.microsoft.com/office/powerpoint/2015/main" xmlns="" val="1"/>
               </p:ext>
             </p:extLst>
           </p:nvPr>
@@ -23576,7 +22524,7 @@
           <p:cNvPr id="10" name="Rectangle 9">
             <a:extLst>
               <a:ext uri="{FF2B5EF4-FFF2-40B4-BE49-F238E27FC236}">
-                <a16:creationId xmlns:a16="http://schemas.microsoft.com/office/drawing/2014/main" id="{C6202988-4466-42C5-B33A-AFABF051B4FE}"/>
+                <a16:creationId xmlns:a16="http://schemas.microsoft.com/office/drawing/2014/main" xmlns="" id="{C6202988-4466-42C5-B33A-AFABF051B4FE}"/>
               </a:ext>
             </a:extLst>
           </p:cNvPr>
@@ -23586,7 +22534,7 @@
           <p:nvPr>
             <p:extLst>
               <p:ext uri="{386F3935-93C4-4BCD-93E2-E3B085C9AB24}">
-                <p16:designElem xmlns:p16="http://schemas.microsoft.com/office/powerpoint/2015/main" val="1"/>
+                <p16:designElem xmlns:p16="http://schemas.microsoft.com/office/powerpoint/2015/main" xmlns="" val="1"/>
               </p:ext>
             </p:extLst>
           </p:nvPr>
@@ -23665,7 +22613,7 @@
           <p:cNvPr id="12" name="Rectangle 11">
             <a:extLst>
               <a:ext uri="{FF2B5EF4-FFF2-40B4-BE49-F238E27FC236}">
-                <a16:creationId xmlns:a16="http://schemas.microsoft.com/office/drawing/2014/main" id="{847A4152-8E41-4D1C-B88C-57C5C430A69E}"/>
+                <a16:creationId xmlns:a16="http://schemas.microsoft.com/office/drawing/2014/main" xmlns="" id="{847A4152-8E41-4D1C-B88C-57C5C430A69E}"/>
               </a:ext>
             </a:extLst>
           </p:cNvPr>
@@ -23675,7 +22623,7 @@
           <p:nvPr>
             <p:extLst>
               <p:ext uri="{386F3935-93C4-4BCD-93E2-E3B085C9AB24}">
-                <p16:designElem xmlns:p16="http://schemas.microsoft.com/office/powerpoint/2015/main" val="1"/>
+                <p16:designElem xmlns:p16="http://schemas.microsoft.com/office/powerpoint/2015/main" xmlns="" val="1"/>
               </p:ext>
             </p:extLst>
           </p:nvPr>
@@ -23742,7 +22690,7 @@
           <p:cNvPr id="14" name="Rectangle 13">
             <a:extLst>
               <a:ext uri="{FF2B5EF4-FFF2-40B4-BE49-F238E27FC236}">
-                <a16:creationId xmlns:a16="http://schemas.microsoft.com/office/drawing/2014/main" id="{999F76F5-72D4-4814-9169-8F535AEEB809}"/>
+                <a16:creationId xmlns:a16="http://schemas.microsoft.com/office/drawing/2014/main" xmlns="" id="{999F76F5-72D4-4814-9169-8F535AEEB809}"/>
               </a:ext>
             </a:extLst>
           </p:cNvPr>
@@ -23752,7 +22700,7 @@
           <p:nvPr>
             <p:extLst>
               <p:ext uri="{386F3935-93C4-4BCD-93E2-E3B085C9AB24}">
-                <p16:designElem xmlns:p16="http://schemas.microsoft.com/office/powerpoint/2015/main" val="1"/>
+                <p16:designElem xmlns:p16="http://schemas.microsoft.com/office/powerpoint/2015/main" xmlns="" val="1"/>
               </p:ext>
             </p:extLst>
           </p:nvPr>
@@ -23794,7 +22742,7 @@
           <p:cNvPr id="2" name="Title 1">
             <a:extLst>
               <a:ext uri="{FF2B5EF4-FFF2-40B4-BE49-F238E27FC236}">
-                <a16:creationId xmlns:a16="http://schemas.microsoft.com/office/drawing/2014/main" id="{E69EEFE1-915C-4045-9B4E-7294D63C1489}"/>
+                <a16:creationId xmlns:a16="http://schemas.microsoft.com/office/drawing/2014/main" xmlns="" id="{E69EEFE1-915C-4045-9B4E-7294D63C1489}"/>
               </a:ext>
             </a:extLst>
           </p:cNvPr>
@@ -23825,7 +22773,7 @@
               </a:rPr>
               <a:t>Requirements</a:t>
             </a:r>
-            <a:endParaRPr lang="en-DK" b="1">
+            <a:endParaRPr lang="aa-ET" b="1">
               <a:solidFill>
                 <a:srgbClr val="FFFFFF"/>
               </a:solidFill>
@@ -23838,7 +22786,7 @@
           <p:cNvPr id="3" name="Content Placeholder 2">
             <a:extLst>
               <a:ext uri="{FF2B5EF4-FFF2-40B4-BE49-F238E27FC236}">
-                <a16:creationId xmlns:a16="http://schemas.microsoft.com/office/drawing/2014/main" id="{69E5499D-4D18-4A93-A702-A46CA576BCCF}"/>
+                <a16:creationId xmlns:a16="http://schemas.microsoft.com/office/drawing/2014/main" xmlns="" id="{69E5499D-4D18-4A93-A702-A46CA576BCCF}"/>
               </a:ext>
             </a:extLst>
           </p:cNvPr>
@@ -23894,7 +22842,7 @@
               <a:rPr lang="en-US" dirty="0"/>
               <a:t>The system must allow the employees to list all members.</a:t>
             </a:r>
-            <a:endParaRPr lang="en-DK" dirty="0"/>
+            <a:endParaRPr lang="aa-ET" dirty="0"/>
           </a:p>
           <a:p>
             <a:pPr lvl="0">
@@ -23904,9 +22852,25 @@
             </a:pPr>
             <a:r>
               <a:rPr lang="en-US" dirty="0"/>
-              <a:t>The system must allow employees to search for members that have not played their membership fee.</a:t>
+              <a:t>The system must allow employees to search for members that have not </a:t>
             </a:r>
-            <a:endParaRPr lang="en-DK" dirty="0"/>
+            <a:r>
+              <a:rPr lang="en-US" dirty="0" smtClean="0"/>
+              <a:t>p</a:t>
+            </a:r>
+            <a:r>
+              <a:rPr lang="lv-LV" dirty="0" smtClean="0"/>
+              <a:t>aid</a:t>
+            </a:r>
+            <a:r>
+              <a:rPr lang="en-US" dirty="0" smtClean="0"/>
+              <a:t> </a:t>
+            </a:r>
+            <a:r>
+              <a:rPr lang="en-US" dirty="0"/>
+              <a:t>their membership fee.</a:t>
+            </a:r>
+            <a:endParaRPr lang="aa-ET" dirty="0"/>
           </a:p>
           <a:p>
             <a:pPr marL="0" indent="0">
@@ -23946,7 +22910,7 @@
               <a:rPr lang="en-US" dirty="0"/>
               <a:t>The system must provide a client server connection.</a:t>
             </a:r>
-            <a:endParaRPr lang="en-DK" dirty="0"/>
+            <a:endParaRPr lang="aa-ET" dirty="0"/>
           </a:p>
           <a:p>
             <a:pPr lvl="0">
@@ -23958,7 +22922,7 @@
               <a:rPr lang="en-US" dirty="0"/>
               <a:t>At least 4 java design patterns must be implemented.</a:t>
             </a:r>
-            <a:endParaRPr lang="en-DK" dirty="0"/>
+            <a:endParaRPr lang="aa-ET" dirty="0"/>
           </a:p>
           <a:p>
             <a:pPr>
@@ -23966,7 +22930,7 @@
                 <a:spcPct val="90000"/>
               </a:lnSpc>
             </a:pPr>
-            <a:endParaRPr lang="en-DK" dirty="0"/>
+            <a:endParaRPr lang="aa-ET" dirty="0"/>
           </a:p>
         </p:txBody>
       </p:sp>
@@ -24019,7 +22983,7 @@
           <p:cNvPr id="30" name="Group 9">
             <a:extLst>
               <a:ext uri="{FF2B5EF4-FFF2-40B4-BE49-F238E27FC236}">
-                <a16:creationId xmlns:a16="http://schemas.microsoft.com/office/drawing/2014/main" id="{749C117F-F390-437B-ADB0-57E87EFF34F5}"/>
+                <a16:creationId xmlns:a16="http://schemas.microsoft.com/office/drawing/2014/main" xmlns="" id="{749C117F-F390-437B-ADB0-57E87EFF34F5}"/>
               </a:ext>
             </a:extLst>
           </p:cNvPr>
@@ -24029,7 +22993,7 @@
           <p:nvPr>
             <p:extLst>
               <p:ext uri="{386F3935-93C4-4BCD-93E2-E3B085C9AB24}">
-                <p16:designElem xmlns:p16="http://schemas.microsoft.com/office/powerpoint/2015/main" val="1"/>
+                <p16:designElem xmlns:p16="http://schemas.microsoft.com/office/powerpoint/2015/main" xmlns="" val="1"/>
               </p:ext>
             </p:extLst>
           </p:nvPr>
@@ -24047,7 +23011,7 @@
             <p:cNvPr id="11" name="Picture 10">
               <a:extLst>
                 <a:ext uri="{FF2B5EF4-FFF2-40B4-BE49-F238E27FC236}">
-                  <a16:creationId xmlns:a16="http://schemas.microsoft.com/office/drawing/2014/main" id="{A7EF42F8-2417-49A6-95CE-DE9503B0AA66}"/>
+                  <a16:creationId xmlns:a16="http://schemas.microsoft.com/office/drawing/2014/main" xmlns="" id="{A7EF42F8-2417-49A6-95CE-DE9503B0AA66}"/>
                 </a:ext>
               </a:extLst>
             </p:cNvPr>
@@ -24057,7 +23021,7 @@
             <p:nvPr>
               <p:extLst>
                 <p:ext uri="{386F3935-93C4-4BCD-93E2-E3B085C9AB24}">
-                  <p16:designElem xmlns:p16="http://schemas.microsoft.com/office/powerpoint/2015/main" val="1"/>
+                  <p16:designElem xmlns:p16="http://schemas.microsoft.com/office/powerpoint/2015/main" xmlns="" val="1"/>
                 </p:ext>
               </p:extLst>
             </p:nvPr>
@@ -24089,7 +23053,7 @@
             <p:cNvPr id="12" name="Rectangle 11">
               <a:extLst>
                 <a:ext uri="{FF2B5EF4-FFF2-40B4-BE49-F238E27FC236}">
-                  <a16:creationId xmlns:a16="http://schemas.microsoft.com/office/drawing/2014/main" id="{AC6F623B-2003-4AED-B02F-541A150EC143}"/>
+                  <a16:creationId xmlns:a16="http://schemas.microsoft.com/office/drawing/2014/main" xmlns="" id="{AC6F623B-2003-4AED-B02F-541A150EC143}"/>
                 </a:ext>
               </a:extLst>
             </p:cNvPr>
@@ -24097,7 +23061,7 @@
             <p:nvPr>
               <p:extLst>
                 <p:ext uri="{386F3935-93C4-4BCD-93E2-E3B085C9AB24}">
-                  <p16:designElem xmlns:p16="http://schemas.microsoft.com/office/powerpoint/2015/main" val="1"/>
+                  <p16:designElem xmlns:p16="http://schemas.microsoft.com/office/powerpoint/2015/main" xmlns="" val="1"/>
                 </p:ext>
               </p:extLst>
             </p:nvPr>
@@ -24135,7 +23099,7 @@
             <p:cNvPr id="13" name="Picture 12">
               <a:extLst>
                 <a:ext uri="{FF2B5EF4-FFF2-40B4-BE49-F238E27FC236}">
-                  <a16:creationId xmlns:a16="http://schemas.microsoft.com/office/drawing/2014/main" id="{CD11837A-4F3D-419F-ACE2-E80B1EA2846F}"/>
+                  <a16:creationId xmlns:a16="http://schemas.microsoft.com/office/drawing/2014/main" xmlns="" id="{CD11837A-4F3D-419F-ACE2-E80B1EA2846F}"/>
                 </a:ext>
               </a:extLst>
             </p:cNvPr>
@@ -24145,7 +23109,7 @@
             <p:nvPr>
               <p:extLst>
                 <p:ext uri="{386F3935-93C4-4BCD-93E2-E3B085C9AB24}">
-                  <p16:designElem xmlns:p16="http://schemas.microsoft.com/office/powerpoint/2015/main" val="1"/>
+                  <p16:designElem xmlns:p16="http://schemas.microsoft.com/office/powerpoint/2015/main" xmlns="" val="1"/>
                 </p:ext>
               </p:extLst>
             </p:nvPr>
@@ -24176,7 +23140,7 @@
             <p:cNvPr id="14" name="Picture 13">
               <a:extLst>
                 <a:ext uri="{FF2B5EF4-FFF2-40B4-BE49-F238E27FC236}">
-                  <a16:creationId xmlns:a16="http://schemas.microsoft.com/office/drawing/2014/main" id="{B9411D1A-7E2C-4A36-BE32-BF7A8E130723}"/>
+                  <a16:creationId xmlns:a16="http://schemas.microsoft.com/office/drawing/2014/main" xmlns="" id="{B9411D1A-7E2C-4A36-BE32-BF7A8E130723}"/>
                 </a:ext>
               </a:extLst>
             </p:cNvPr>
@@ -24186,7 +23150,7 @@
             <p:nvPr>
               <p:extLst>
                 <p:ext uri="{386F3935-93C4-4BCD-93E2-E3B085C9AB24}">
-                  <p16:designElem xmlns:p16="http://schemas.microsoft.com/office/powerpoint/2015/main" val="1"/>
+                  <p16:designElem xmlns:p16="http://schemas.microsoft.com/office/powerpoint/2015/main" xmlns="" val="1"/>
                 </p:ext>
               </p:extLst>
             </p:nvPr>
@@ -24218,7 +23182,7 @@
           <p:cNvPr id="31" name="Straight Connector 15">
             <a:extLst>
               <a:ext uri="{FF2B5EF4-FFF2-40B4-BE49-F238E27FC236}">
-                <a16:creationId xmlns:a16="http://schemas.microsoft.com/office/drawing/2014/main" id="{20742BC3-654B-4E41-9A6A-73A42E477639}"/>
+                <a16:creationId xmlns:a16="http://schemas.microsoft.com/office/drawing/2014/main" xmlns="" id="{20742BC3-654B-4E41-9A6A-73A42E477639}"/>
               </a:ext>
             </a:extLst>
           </p:cNvPr>
@@ -24228,7 +23192,7 @@
           <p:nvPr>
             <p:extLst>
               <p:ext uri="{386F3935-93C4-4BCD-93E2-E3B085C9AB24}">
-                <p16:designElem xmlns:p16="http://schemas.microsoft.com/office/powerpoint/2015/main" val="1"/>
+                <p16:designElem xmlns:p16="http://schemas.microsoft.com/office/powerpoint/2015/main" xmlns="" val="1"/>
               </p:ext>
             </p:extLst>
           </p:nvPr>
@@ -24262,7 +23226,7 @@
           <p:cNvPr id="32" name="Rectangle 17">
             <a:extLst>
               <a:ext uri="{FF2B5EF4-FFF2-40B4-BE49-F238E27FC236}">
-                <a16:creationId xmlns:a16="http://schemas.microsoft.com/office/drawing/2014/main" id="{28FA177F-145C-478A-A7ED-8D021CE76B3B}"/>
+                <a16:creationId xmlns:a16="http://schemas.microsoft.com/office/drawing/2014/main" xmlns="" id="{28FA177F-145C-478A-A7ED-8D021CE76B3B}"/>
               </a:ext>
             </a:extLst>
           </p:cNvPr>
@@ -24272,7 +23236,7 @@
           <p:nvPr>
             <p:extLst>
               <p:ext uri="{386F3935-93C4-4BCD-93E2-E3B085C9AB24}">
-                <p16:designElem xmlns:p16="http://schemas.microsoft.com/office/powerpoint/2015/main" val="1"/>
+                <p16:designElem xmlns:p16="http://schemas.microsoft.com/office/powerpoint/2015/main" xmlns="" val="1"/>
               </p:ext>
             </p:extLst>
           </p:nvPr>
@@ -24319,7 +23283,7 @@
           <p:cNvPr id="33" name="Group 19">
             <a:extLst>
               <a:ext uri="{FF2B5EF4-FFF2-40B4-BE49-F238E27FC236}">
-                <a16:creationId xmlns:a16="http://schemas.microsoft.com/office/drawing/2014/main" id="{1A96A522-1258-462E-AFC5-F5E3F14110E3}"/>
+                <a16:creationId xmlns:a16="http://schemas.microsoft.com/office/drawing/2014/main" xmlns="" id="{1A96A522-1258-462E-AFC5-F5E3F14110E3}"/>
               </a:ext>
             </a:extLst>
           </p:cNvPr>
@@ -24329,7 +23293,7 @@
           <p:nvPr>
             <p:extLst>
               <p:ext uri="{386F3935-93C4-4BCD-93E2-E3B085C9AB24}">
-                <p16:designElem xmlns:p16="http://schemas.microsoft.com/office/powerpoint/2015/main" val="1"/>
+                <p16:designElem xmlns:p16="http://schemas.microsoft.com/office/powerpoint/2015/main" xmlns="" val="1"/>
               </p:ext>
             </p:extLst>
           </p:nvPr>
@@ -24347,7 +23311,7 @@
             <p:cNvPr id="21" name="Picture 20">
               <a:extLst>
                 <a:ext uri="{FF2B5EF4-FFF2-40B4-BE49-F238E27FC236}">
-                  <a16:creationId xmlns:a16="http://schemas.microsoft.com/office/drawing/2014/main" id="{ECD43597-59D1-4246-A90D-26FE2B6081B0}"/>
+                  <a16:creationId xmlns:a16="http://schemas.microsoft.com/office/drawing/2014/main" xmlns="" id="{ECD43597-59D1-4246-A90D-26FE2B6081B0}"/>
                 </a:ext>
               </a:extLst>
             </p:cNvPr>
@@ -24357,7 +23321,7 @@
             <p:nvPr>
               <p:extLst>
                 <p:ext uri="{386F3935-93C4-4BCD-93E2-E3B085C9AB24}">
-                  <p16:designElem xmlns:p16="http://schemas.microsoft.com/office/powerpoint/2015/main" val="1"/>
+                  <p16:designElem xmlns:p16="http://schemas.microsoft.com/office/powerpoint/2015/main" xmlns="" val="1"/>
                 </p:ext>
               </p:extLst>
             </p:nvPr>
@@ -24389,7 +23353,7 @@
             <p:cNvPr id="22" name="Rectangle 21">
               <a:extLst>
                 <a:ext uri="{FF2B5EF4-FFF2-40B4-BE49-F238E27FC236}">
-                  <a16:creationId xmlns:a16="http://schemas.microsoft.com/office/drawing/2014/main" id="{2ED48CD8-BE7A-4992-8570-58DEE9826AAB}"/>
+                  <a16:creationId xmlns:a16="http://schemas.microsoft.com/office/drawing/2014/main" xmlns="" id="{2ED48CD8-BE7A-4992-8570-58DEE9826AAB}"/>
                 </a:ext>
               </a:extLst>
             </p:cNvPr>
@@ -24397,7 +23361,7 @@
             <p:nvPr>
               <p:extLst>
                 <p:ext uri="{386F3935-93C4-4BCD-93E2-E3B085C9AB24}">
-                  <p16:designElem xmlns:p16="http://schemas.microsoft.com/office/powerpoint/2015/main" val="1"/>
+                  <p16:designElem xmlns:p16="http://schemas.microsoft.com/office/powerpoint/2015/main" xmlns="" val="1"/>
                 </p:ext>
               </p:extLst>
             </p:nvPr>
@@ -24435,7 +23399,7 @@
             <p:cNvPr id="23" name="Picture 22">
               <a:extLst>
                 <a:ext uri="{FF2B5EF4-FFF2-40B4-BE49-F238E27FC236}">
-                  <a16:creationId xmlns:a16="http://schemas.microsoft.com/office/drawing/2014/main" id="{9A68BD7C-72FC-4E92-88BB-3401D485D2B7}"/>
+                  <a16:creationId xmlns:a16="http://schemas.microsoft.com/office/drawing/2014/main" xmlns="" id="{9A68BD7C-72FC-4E92-88BB-3401D485D2B7}"/>
                 </a:ext>
               </a:extLst>
             </p:cNvPr>
@@ -24445,7 +23409,7 @@
             <p:nvPr>
               <p:extLst>
                 <p:ext uri="{386F3935-93C4-4BCD-93E2-E3B085C9AB24}">
-                  <p16:designElem xmlns:p16="http://schemas.microsoft.com/office/powerpoint/2015/main" val="1"/>
+                  <p16:designElem xmlns:p16="http://schemas.microsoft.com/office/powerpoint/2015/main" xmlns="" val="1"/>
                 </p:ext>
               </p:extLst>
             </p:nvPr>
@@ -24476,7 +23440,7 @@
             <p:cNvPr id="24" name="Picture 23">
               <a:extLst>
                 <a:ext uri="{FF2B5EF4-FFF2-40B4-BE49-F238E27FC236}">
-                  <a16:creationId xmlns:a16="http://schemas.microsoft.com/office/drawing/2014/main" id="{C8B73423-E00D-4FC9-9873-0C259A14BC19}"/>
+                  <a16:creationId xmlns:a16="http://schemas.microsoft.com/office/drawing/2014/main" xmlns="" id="{C8B73423-E00D-4FC9-9873-0C259A14BC19}"/>
                 </a:ext>
               </a:extLst>
             </p:cNvPr>
@@ -24486,7 +23450,7 @@
             <p:nvPr>
               <p:extLst>
                 <p:ext uri="{386F3935-93C4-4BCD-93E2-E3B085C9AB24}">
-                  <p16:designElem xmlns:p16="http://schemas.microsoft.com/office/powerpoint/2015/main" val="1"/>
+                  <p16:designElem xmlns:p16="http://schemas.microsoft.com/office/powerpoint/2015/main" xmlns="" val="1"/>
                 </p:ext>
               </p:extLst>
             </p:nvPr>
@@ -24518,7 +23482,7 @@
           <p:cNvPr id="34" name="Rectangle 25">
             <a:extLst>
               <a:ext uri="{FF2B5EF4-FFF2-40B4-BE49-F238E27FC236}">
-                <a16:creationId xmlns:a16="http://schemas.microsoft.com/office/drawing/2014/main" id="{22EEABFB-D1AB-4BFF-84FC-449548E93E09}"/>
+                <a16:creationId xmlns:a16="http://schemas.microsoft.com/office/drawing/2014/main" xmlns="" id="{22EEABFB-D1AB-4BFF-84FC-449548E93E09}"/>
               </a:ext>
             </a:extLst>
           </p:cNvPr>
@@ -24528,7 +23492,7 @@
           <p:nvPr>
             <p:extLst>
               <p:ext uri="{386F3935-93C4-4BCD-93E2-E3B085C9AB24}">
-                <p16:designElem xmlns:p16="http://schemas.microsoft.com/office/powerpoint/2015/main" val="1"/>
+                <p16:designElem xmlns:p16="http://schemas.microsoft.com/office/powerpoint/2015/main" xmlns="" val="1"/>
               </p:ext>
             </p:extLst>
           </p:nvPr>
@@ -24584,7 +23548,7 @@
           <p:cNvPr id="5" name="Picture 4">
             <a:extLst>
               <a:ext uri="{FF2B5EF4-FFF2-40B4-BE49-F238E27FC236}">
-                <a16:creationId xmlns:a16="http://schemas.microsoft.com/office/drawing/2014/main" id="{0B68B590-EA03-49FF-87C1-2DE6050638A1}"/>
+                <a16:creationId xmlns:a16="http://schemas.microsoft.com/office/drawing/2014/main" xmlns="" id="{0B68B590-EA03-49FF-87C1-2DE6050638A1}"/>
               </a:ext>
             </a:extLst>
           </p:cNvPr>
@@ -24594,7 +23558,7 @@
           <p:nvPr/>
         </p:nvPicPr>
         <p:blipFill>
-          <a:blip r:embed="rId7">
+          <a:blip r:embed="rId7" cstate="print">
             <a:extLst>
               <a:ext uri="{28A0092B-C50C-407E-A947-70E740481C1C}">
                 <a14:useLocalDpi xmlns:a14="http://schemas.microsoft.com/office/drawing/2010/main" val="0"/>
@@ -24620,7 +23584,7 @@
           <p:cNvPr id="35" name="Straight Connector 27">
             <a:extLst>
               <a:ext uri="{FF2B5EF4-FFF2-40B4-BE49-F238E27FC236}">
-                <a16:creationId xmlns:a16="http://schemas.microsoft.com/office/drawing/2014/main" id="{4231BC86-8965-4F95-9FD9-76313A7D601B}"/>
+                <a16:creationId xmlns:a16="http://schemas.microsoft.com/office/drawing/2014/main" xmlns="" id="{4231BC86-8965-4F95-9FD9-76313A7D601B}"/>
               </a:ext>
             </a:extLst>
           </p:cNvPr>
@@ -24630,7 +23594,7 @@
           <p:nvPr>
             <p:extLst>
               <p:ext uri="{386F3935-93C4-4BCD-93E2-E3B085C9AB24}">
-                <p16:designElem xmlns:p16="http://schemas.microsoft.com/office/powerpoint/2015/main" val="1"/>
+                <p16:designElem xmlns:p16="http://schemas.microsoft.com/office/powerpoint/2015/main" xmlns="" val="1"/>
               </p:ext>
             </p:extLst>
           </p:nvPr>
@@ -24664,7 +23628,7 @@
           <p:cNvPr id="2" name="Title 1">
             <a:extLst>
               <a:ext uri="{FF2B5EF4-FFF2-40B4-BE49-F238E27FC236}">
-                <a16:creationId xmlns:a16="http://schemas.microsoft.com/office/drawing/2014/main" id="{5198B0F5-6E62-43AD-A853-FCD9869072BD}"/>
+                <a16:creationId xmlns:a16="http://schemas.microsoft.com/office/drawing/2014/main" xmlns="" id="{5198B0F5-6E62-43AD-A853-FCD9869072BD}"/>
               </a:ext>
             </a:extLst>
           </p:cNvPr>

--- a/SDJ2 Assignment Group 4 - VIA Engineering/SDJ Assignment 1 Presentation.pptx
+++ b/SDJ2 Assignment Group 4 - VIA Engineering/SDJ Assignment 1 Presentation.pptx
@@ -11,11 +11,11 @@
     <p:sldId id="256" r:id="rId2"/>
     <p:sldId id="257" r:id="rId3"/>
     <p:sldId id="258" r:id="rId4"/>
-    <p:sldId id="259" r:id="rId5"/>
-    <p:sldId id="260" r:id="rId6"/>
-    <p:sldId id="261" r:id="rId7"/>
-    <p:sldId id="262" r:id="rId8"/>
-    <p:sldId id="263" r:id="rId9"/>
+    <p:sldId id="263" r:id="rId5"/>
+    <p:sldId id="259" r:id="rId6"/>
+    <p:sldId id="260" r:id="rId7"/>
+    <p:sldId id="261" r:id="rId8"/>
+    <p:sldId id="262" r:id="rId9"/>
     <p:sldId id="264" r:id="rId10"/>
     <p:sldId id="265" r:id="rId11"/>
     <p:sldId id="266" r:id="rId12"/>
@@ -2713,13 +2713,6 @@
         </dgm:presLayoutVars>
       </dgm:prSet>
       <dgm:spPr/>
-      <dgm:t>
-        <a:bodyPr/>
-        <a:lstStyle/>
-        <a:p>
-          <a:endParaRPr lang="lv-LV"/>
-        </a:p>
-      </dgm:t>
     </dgm:pt>
     <dgm:pt modelId="{52EB2B18-E1BE-425C-BC77-7AA61B0218DD}" type="pres">
       <dgm:prSet presAssocID="{B45DA5BF-6D57-40C0-B0F6-E7718F241DFE}" presName="hierRoot1" presStyleCnt="0"/>
@@ -2740,13 +2733,6 @@
         </dgm:presLayoutVars>
       </dgm:prSet>
       <dgm:spPr/>
-      <dgm:t>
-        <a:bodyPr/>
-        <a:lstStyle/>
-        <a:p>
-          <a:endParaRPr lang="lv-LV"/>
-        </a:p>
-      </dgm:t>
     </dgm:pt>
     <dgm:pt modelId="{7BB14DC1-3CB2-4D77-9F88-5DDA625F8537}" type="pres">
       <dgm:prSet presAssocID="{B45DA5BF-6D57-40C0-B0F6-E7718F241DFE}" presName="hierChild2" presStyleCnt="0"/>
@@ -2771,13 +2757,6 @@
         </dgm:presLayoutVars>
       </dgm:prSet>
       <dgm:spPr/>
-      <dgm:t>
-        <a:bodyPr/>
-        <a:lstStyle/>
-        <a:p>
-          <a:endParaRPr lang="lv-LV"/>
-        </a:p>
-      </dgm:t>
     </dgm:pt>
     <dgm:pt modelId="{0CDF4495-8122-41AA-AB37-39A045864311}" type="pres">
       <dgm:prSet presAssocID="{570591AB-4484-4F31-93BF-914801E54FBC}" presName="hierChild2" presStyleCnt="0"/>
@@ -2785,11 +2764,11 @@
     </dgm:pt>
   </dgm:ptLst>
   <dgm:cxnLst>
+    <dgm:cxn modelId="{D2102B10-AE56-4543-BFCE-CBA359AAAA16}" srcId="{AB620D97-0A32-47DC-8C14-E7ABACA41B8F}" destId="{B45DA5BF-6D57-40C0-B0F6-E7718F241DFE}" srcOrd="0" destOrd="0" parTransId="{5E942A90-4915-40FC-A40E-98D4AFE36D66}" sibTransId="{869DFA8A-A01C-4DF8-8B92-A5DEE6D85254}"/>
+    <dgm:cxn modelId="{C9E943A2-BDBB-4751-B6A3-9BFB0A6AC30A}" type="presOf" srcId="{570591AB-4484-4F31-93BF-914801E54FBC}" destId="{7E526ACF-5A81-47C6-97C5-68CF2C48C3A5}" srcOrd="0" destOrd="0" presId="urn:microsoft.com/office/officeart/2005/8/layout/hierarchy1"/>
+    <dgm:cxn modelId="{BEEAAFC3-0D6D-4693-A326-51C55690ED93}" type="presOf" srcId="{B45DA5BF-6D57-40C0-B0F6-E7718F241DFE}" destId="{434E580B-1CC4-488B-BCB7-F7E375D9488E}" srcOrd="0" destOrd="0" presId="urn:microsoft.com/office/officeart/2005/8/layout/hierarchy1"/>
     <dgm:cxn modelId="{A1A28FD2-E362-4DC6-BA7B-C1DC13615A7F}" srcId="{AB620D97-0A32-47DC-8C14-E7ABACA41B8F}" destId="{570591AB-4484-4F31-93BF-914801E54FBC}" srcOrd="1" destOrd="0" parTransId="{9D577594-5610-45A9-9512-2721F651BEDE}" sibTransId="{0E768D5F-ADF5-4F61-AB73-ABB5CECD86DD}"/>
-    <dgm:cxn modelId="{BEEAAFC3-0D6D-4693-A326-51C55690ED93}" type="presOf" srcId="{B45DA5BF-6D57-40C0-B0F6-E7718F241DFE}" destId="{434E580B-1CC4-488B-BCB7-F7E375D9488E}" srcOrd="0" destOrd="0" presId="urn:microsoft.com/office/officeart/2005/8/layout/hierarchy1"/>
     <dgm:cxn modelId="{B61B67F1-F9EC-4160-9D6B-5B648B9EF5AA}" type="presOf" srcId="{AB620D97-0A32-47DC-8C14-E7ABACA41B8F}" destId="{9BF099DF-54F2-4BC4-9657-D77D83C90C3C}" srcOrd="0" destOrd="0" presId="urn:microsoft.com/office/officeart/2005/8/layout/hierarchy1"/>
-    <dgm:cxn modelId="{C9E943A2-BDBB-4751-B6A3-9BFB0A6AC30A}" type="presOf" srcId="{570591AB-4484-4F31-93BF-914801E54FBC}" destId="{7E526ACF-5A81-47C6-97C5-68CF2C48C3A5}" srcOrd="0" destOrd="0" presId="urn:microsoft.com/office/officeart/2005/8/layout/hierarchy1"/>
-    <dgm:cxn modelId="{D2102B10-AE56-4543-BFCE-CBA359AAAA16}" srcId="{AB620D97-0A32-47DC-8C14-E7ABACA41B8F}" destId="{B45DA5BF-6D57-40C0-B0F6-E7718F241DFE}" srcOrd="0" destOrd="0" parTransId="{5E942A90-4915-40FC-A40E-98D4AFE36D66}" sibTransId="{869DFA8A-A01C-4DF8-8B92-A5DEE6D85254}"/>
     <dgm:cxn modelId="{D32BD609-597B-407C-9EE3-950E1DF9B851}" type="presParOf" srcId="{9BF099DF-54F2-4BC4-9657-D77D83C90C3C}" destId="{52EB2B18-E1BE-425C-BC77-7AA61B0218DD}" srcOrd="0" destOrd="0" presId="urn:microsoft.com/office/officeart/2005/8/layout/hierarchy1"/>
     <dgm:cxn modelId="{4C00D245-D077-4334-AA48-E719B0887489}" type="presParOf" srcId="{52EB2B18-E1BE-425C-BC77-7AA61B0218DD}" destId="{690929C6-C7E6-4E80-8CBA-3818D93EA7DF}" srcOrd="0" destOrd="0" presId="urn:microsoft.com/office/officeart/2005/8/layout/hierarchy1"/>
     <dgm:cxn modelId="{4EA26ED5-C3D3-4499-B2F7-9E0989B1A845}" type="presParOf" srcId="{690929C6-C7E6-4E80-8CBA-3818D93EA7DF}" destId="{01C8BFB5-EFF6-42F6-9084-2BA507AE7D34}" srcOrd="0" destOrd="0" presId="urn:microsoft.com/office/officeart/2005/8/layout/hierarchy1"/>
@@ -2980,13 +2959,6 @@
         </dgm:presLayoutVars>
       </dgm:prSet>
       <dgm:spPr/>
-      <dgm:t>
-        <a:bodyPr/>
-        <a:lstStyle/>
-        <a:p>
-          <a:endParaRPr lang="lv-LV"/>
-        </a:p>
-      </dgm:t>
     </dgm:pt>
     <dgm:pt modelId="{8D15A044-4F57-4FB2-888B-40C3B2D85A09}" type="pres">
       <dgm:prSet presAssocID="{4E313065-2165-4D79-9B15-93A82CD445EC}" presName="hierRoot1" presStyleCnt="0"/>
@@ -3007,13 +2979,6 @@
         </dgm:presLayoutVars>
       </dgm:prSet>
       <dgm:spPr/>
-      <dgm:t>
-        <a:bodyPr/>
-        <a:lstStyle/>
-        <a:p>
-          <a:endParaRPr lang="lv-LV"/>
-        </a:p>
-      </dgm:t>
     </dgm:pt>
     <dgm:pt modelId="{FD32F034-DEA8-4F08-B483-6E00C4149949}" type="pres">
       <dgm:prSet presAssocID="{4E313065-2165-4D79-9B15-93A82CD445EC}" presName="hierChild2" presStyleCnt="0"/>
@@ -3038,13 +3003,6 @@
         </dgm:presLayoutVars>
       </dgm:prSet>
       <dgm:spPr/>
-      <dgm:t>
-        <a:bodyPr/>
-        <a:lstStyle/>
-        <a:p>
-          <a:endParaRPr lang="lv-LV"/>
-        </a:p>
-      </dgm:t>
     </dgm:pt>
     <dgm:pt modelId="{99092237-04AA-4DD0-B5A8-F51857DF86DB}" type="pres">
       <dgm:prSet presAssocID="{D47B9D5D-1FB0-4263-B1DA-ED45B0891C34}" presName="hierChild2" presStyleCnt="0"/>
@@ -3069,13 +3027,6 @@
         </dgm:presLayoutVars>
       </dgm:prSet>
       <dgm:spPr/>
-      <dgm:t>
-        <a:bodyPr/>
-        <a:lstStyle/>
-        <a:p>
-          <a:endParaRPr lang="lv-LV"/>
-        </a:p>
-      </dgm:t>
     </dgm:pt>
     <dgm:pt modelId="{4F3133AA-3B6E-41F2-886B-8E345843942D}" type="pres">
       <dgm:prSet presAssocID="{E97B6522-D518-46EB-A056-08907A49608A}" presName="hierChild2" presStyleCnt="0"/>
@@ -3100,13 +3051,6 @@
         </dgm:presLayoutVars>
       </dgm:prSet>
       <dgm:spPr/>
-      <dgm:t>
-        <a:bodyPr/>
-        <a:lstStyle/>
-        <a:p>
-          <a:endParaRPr lang="lv-LV"/>
-        </a:p>
-      </dgm:t>
     </dgm:pt>
     <dgm:pt modelId="{F9F77817-26B8-451F-B320-E8B99994EA4F}" type="pres">
       <dgm:prSet presAssocID="{9C55D1B9-4136-4620-B912-1B4C66071DA9}" presName="hierChild2" presStyleCnt="0"/>
@@ -3114,15 +3058,15 @@
     </dgm:pt>
   </dgm:ptLst>
   <dgm:cxnLst>
+    <dgm:cxn modelId="{9D298918-A6A9-44C5-A8F0-7F00DB52E79A}" srcId="{A4901A9B-7513-4390-8A3C-20DA59AB53DC}" destId="{D47B9D5D-1FB0-4263-B1DA-ED45B0891C34}" srcOrd="1" destOrd="0" parTransId="{FA18C074-8769-46BB-911A-B238656E1669}" sibTransId="{E04D26ED-1F10-4635-9B1A-23B8B089A1F5}"/>
+    <dgm:cxn modelId="{FEC1272F-F447-484D-BBD6-DDA34A90D0D2}" type="presOf" srcId="{9C55D1B9-4136-4620-B912-1B4C66071DA9}" destId="{4160059F-26D2-484E-9CDB-A053058D949A}" srcOrd="0" destOrd="0" presId="urn:microsoft.com/office/officeart/2005/8/layout/hierarchy1"/>
     <dgm:cxn modelId="{E9EE2933-6D17-4B4D-B8FA-C4DBF0DA5D15}" type="presOf" srcId="{A4901A9B-7513-4390-8A3C-20DA59AB53DC}" destId="{0E2DB7B7-1F19-4207-B0F8-3CD7FEDF35E5}" srcOrd="0" destOrd="0" presId="urn:microsoft.com/office/officeart/2005/8/layout/hierarchy1"/>
     <dgm:cxn modelId="{30438052-B557-4F23-B50C-9E73B487EF58}" type="presOf" srcId="{D47B9D5D-1FB0-4263-B1DA-ED45B0891C34}" destId="{DFFAA713-68DE-4B98-B568-1C855A762C1C}" srcOrd="0" destOrd="0" presId="urn:microsoft.com/office/officeart/2005/8/layout/hierarchy1"/>
+    <dgm:cxn modelId="{DBE7147E-740C-4C75-B9A2-D56654CA85DE}" srcId="{A4901A9B-7513-4390-8A3C-20DA59AB53DC}" destId="{E97B6522-D518-46EB-A056-08907A49608A}" srcOrd="2" destOrd="0" parTransId="{4EBB09EB-0838-41EC-9714-0E7AB0DCC4D0}" sibTransId="{398B14C9-B8CD-4ACF-A02E-B06C459466DC}"/>
     <dgm:cxn modelId="{C7C566A1-64C8-4420-93BE-17EAA488DD57}" srcId="{A4901A9B-7513-4390-8A3C-20DA59AB53DC}" destId="{4E313065-2165-4D79-9B15-93A82CD445EC}" srcOrd="0" destOrd="0" parTransId="{8B5536BE-6015-40EF-B633-7253E12A7AFA}" sibTransId="{14EDDB16-2243-4E89-BCE7-407B57B63E44}"/>
     <dgm:cxn modelId="{0F2AEFB9-C42D-43A0-8152-F23A16F62459}" type="presOf" srcId="{E97B6522-D518-46EB-A056-08907A49608A}" destId="{589A7265-47A2-43B9-83FE-DA343E08CBFE}" srcOrd="0" destOrd="0" presId="urn:microsoft.com/office/officeart/2005/8/layout/hierarchy1"/>
+    <dgm:cxn modelId="{213A5DC8-DAD6-4830-B663-6080808F483D}" type="presOf" srcId="{4E313065-2165-4D79-9B15-93A82CD445EC}" destId="{6AB32091-AE2F-4912-B521-43D5FCDD10AB}" srcOrd="0" destOrd="0" presId="urn:microsoft.com/office/officeart/2005/8/layout/hierarchy1"/>
     <dgm:cxn modelId="{454047EF-80BF-4CE0-A4D1-9D188EE2CD45}" srcId="{A4901A9B-7513-4390-8A3C-20DA59AB53DC}" destId="{9C55D1B9-4136-4620-B912-1B4C66071DA9}" srcOrd="3" destOrd="0" parTransId="{82475E0E-A82E-476F-93BE-77D71D31B3EC}" sibTransId="{4B61F0D1-9AB5-4B90-AE81-506C9E6F84C6}"/>
-    <dgm:cxn modelId="{213A5DC8-DAD6-4830-B663-6080808F483D}" type="presOf" srcId="{4E313065-2165-4D79-9B15-93A82CD445EC}" destId="{6AB32091-AE2F-4912-B521-43D5FCDD10AB}" srcOrd="0" destOrd="0" presId="urn:microsoft.com/office/officeart/2005/8/layout/hierarchy1"/>
-    <dgm:cxn modelId="{DBE7147E-740C-4C75-B9A2-D56654CA85DE}" srcId="{A4901A9B-7513-4390-8A3C-20DA59AB53DC}" destId="{E97B6522-D518-46EB-A056-08907A49608A}" srcOrd="2" destOrd="0" parTransId="{4EBB09EB-0838-41EC-9714-0E7AB0DCC4D0}" sibTransId="{398B14C9-B8CD-4ACF-A02E-B06C459466DC}"/>
-    <dgm:cxn modelId="{9D298918-A6A9-44C5-A8F0-7F00DB52E79A}" srcId="{A4901A9B-7513-4390-8A3C-20DA59AB53DC}" destId="{D47B9D5D-1FB0-4263-B1DA-ED45B0891C34}" srcOrd="1" destOrd="0" parTransId="{FA18C074-8769-46BB-911A-B238656E1669}" sibTransId="{E04D26ED-1F10-4635-9B1A-23B8B089A1F5}"/>
-    <dgm:cxn modelId="{FEC1272F-F447-484D-BBD6-DDA34A90D0D2}" type="presOf" srcId="{9C55D1B9-4136-4620-B912-1B4C66071DA9}" destId="{4160059F-26D2-484E-9CDB-A053058D949A}" srcOrd="0" destOrd="0" presId="urn:microsoft.com/office/officeart/2005/8/layout/hierarchy1"/>
     <dgm:cxn modelId="{B471B093-F794-4AA1-874A-51AF2DD41022}" type="presParOf" srcId="{0E2DB7B7-1F19-4207-B0F8-3CD7FEDF35E5}" destId="{8D15A044-4F57-4FB2-888B-40C3B2D85A09}" srcOrd="0" destOrd="0" presId="urn:microsoft.com/office/officeart/2005/8/layout/hierarchy1"/>
     <dgm:cxn modelId="{1ED9B299-AD1D-4C3F-BC29-05179B12EC28}" type="presParOf" srcId="{8D15A044-4F57-4FB2-888B-40C3B2D85A09}" destId="{8DC8E081-23B1-409D-8D6E-449E5945CC18}" srcOrd="0" destOrd="0" presId="urn:microsoft.com/office/officeart/2005/8/layout/hierarchy1"/>
     <dgm:cxn modelId="{9ED2A6CB-4D0D-4EF8-9BCC-86B9213965F6}" type="presParOf" srcId="{8DC8E081-23B1-409D-8D6E-449E5945CC18}" destId="{B8611316-8E76-4202-AADD-7CDF3D09C556}" srcOrd="0" destOrd="0" presId="urn:microsoft.com/office/officeart/2005/8/layout/hierarchy1"/>
@@ -3287,13 +3231,6 @@
         </dgm:presLayoutVars>
       </dgm:prSet>
       <dgm:spPr/>
-      <dgm:t>
-        <a:bodyPr/>
-        <a:lstStyle/>
-        <a:p>
-          <a:endParaRPr lang="lv-LV"/>
-        </a:p>
-      </dgm:t>
     </dgm:pt>
     <dgm:pt modelId="{287DF3D5-E626-4663-BBE1-5993873B533D}" type="pres">
       <dgm:prSet presAssocID="{54FA8FEC-0DE1-4585-A92F-1744C961762F}" presName="hierRoot1" presStyleCnt="0"/>
@@ -3314,13 +3251,6 @@
         </dgm:presLayoutVars>
       </dgm:prSet>
       <dgm:spPr/>
-      <dgm:t>
-        <a:bodyPr/>
-        <a:lstStyle/>
-        <a:p>
-          <a:endParaRPr lang="lv-LV"/>
-        </a:p>
-      </dgm:t>
     </dgm:pt>
     <dgm:pt modelId="{5AB13D46-1AB0-45A9-914C-07335A21D0CC}" type="pres">
       <dgm:prSet presAssocID="{54FA8FEC-0DE1-4585-A92F-1744C961762F}" presName="hierChild2" presStyleCnt="0"/>
@@ -3345,13 +3275,6 @@
         </dgm:presLayoutVars>
       </dgm:prSet>
       <dgm:spPr/>
-      <dgm:t>
-        <a:bodyPr/>
-        <a:lstStyle/>
-        <a:p>
-          <a:endParaRPr lang="lv-LV"/>
-        </a:p>
-      </dgm:t>
     </dgm:pt>
     <dgm:pt modelId="{5D395023-2D6F-40D7-A76E-B7675C7FC072}" type="pres">
       <dgm:prSet presAssocID="{5CAFDC2F-FCC8-4334-80AF-79931E2DAE17}" presName="hierChild2" presStyleCnt="0"/>
@@ -3376,13 +3299,6 @@
         </dgm:presLayoutVars>
       </dgm:prSet>
       <dgm:spPr/>
-      <dgm:t>
-        <a:bodyPr/>
-        <a:lstStyle/>
-        <a:p>
-          <a:endParaRPr lang="lv-LV"/>
-        </a:p>
-      </dgm:t>
     </dgm:pt>
     <dgm:pt modelId="{5C25C9AD-89CD-4EF5-9BA5-89D86CCDD53B}" type="pres">
       <dgm:prSet presAssocID="{51AA65F2-6F91-466A-AB41-338111FAD5E3}" presName="hierChild2" presStyleCnt="0"/>
@@ -3390,13 +3306,13 @@
     </dgm:pt>
   </dgm:ptLst>
   <dgm:cxnLst>
+    <dgm:cxn modelId="{35CF063B-E835-4A1C-A0E1-98BAB5512A9E}" srcId="{9A6C8434-6B56-416B-86EA-3E41AEFB6467}" destId="{51AA65F2-6F91-466A-AB41-338111FAD5E3}" srcOrd="2" destOrd="0" parTransId="{57646373-35C9-4366-BE82-464F2D3ADF9D}" sibTransId="{5379A412-0ED8-4547-B3E2-A5F991BFB8EF}"/>
     <dgm:cxn modelId="{227F814A-7C2E-493D-8AFA-3205BC1D651A}" type="presOf" srcId="{54FA8FEC-0DE1-4585-A92F-1744C961762F}" destId="{23E2A85B-9FB0-4E76-B412-7C0A5BA0C8E6}" srcOrd="0" destOrd="0" presId="urn:microsoft.com/office/officeart/2005/8/layout/hierarchy1"/>
+    <dgm:cxn modelId="{EDDF3272-DB4A-423B-9A5A-BE93EFC03F45}" type="presOf" srcId="{5CAFDC2F-FCC8-4334-80AF-79931E2DAE17}" destId="{60CF4EA7-2D2F-4606-91C4-01D1DE130B30}" srcOrd="0" destOrd="0" presId="urn:microsoft.com/office/officeart/2005/8/layout/hierarchy1"/>
     <dgm:cxn modelId="{5F794458-2874-484E-ACA2-F3E88B6BF4EF}" type="presOf" srcId="{9A6C8434-6B56-416B-86EA-3E41AEFB6467}" destId="{8E0E1AEC-8366-4255-8B2F-78E4A6A9D1EB}" srcOrd="0" destOrd="0" presId="urn:microsoft.com/office/officeart/2005/8/layout/hierarchy1"/>
-    <dgm:cxn modelId="{35CF063B-E835-4A1C-A0E1-98BAB5512A9E}" srcId="{9A6C8434-6B56-416B-86EA-3E41AEFB6467}" destId="{51AA65F2-6F91-466A-AB41-338111FAD5E3}" srcOrd="2" destOrd="0" parTransId="{57646373-35C9-4366-BE82-464F2D3ADF9D}" sibTransId="{5379A412-0ED8-4547-B3E2-A5F991BFB8EF}"/>
-    <dgm:cxn modelId="{7DC84DCE-A0E8-4527-8F99-7BC92467CB1C}" srcId="{9A6C8434-6B56-416B-86EA-3E41AEFB6467}" destId="{5CAFDC2F-FCC8-4334-80AF-79931E2DAE17}" srcOrd="1" destOrd="0" parTransId="{6BE80BC5-4EBC-4EB7-8AFF-9B22233FE698}" sibTransId="{F9C415E2-9D19-4A08-9F4D-A35359954523}"/>
     <dgm:cxn modelId="{801BF2B1-2712-4958-A51C-CD057A099EF7}" srcId="{9A6C8434-6B56-416B-86EA-3E41AEFB6467}" destId="{54FA8FEC-0DE1-4585-A92F-1744C961762F}" srcOrd="0" destOrd="0" parTransId="{AA36DA65-8196-46D8-9567-E0A3448D00B8}" sibTransId="{6CFB7E11-0B1A-4B7B-9932-FBBAA9B72400}"/>
     <dgm:cxn modelId="{74459CBA-4D3E-42F7-A6BC-06834B9FB358}" type="presOf" srcId="{51AA65F2-6F91-466A-AB41-338111FAD5E3}" destId="{2A37B8E4-78A8-4563-881A-59D572FB6885}" srcOrd="0" destOrd="0" presId="urn:microsoft.com/office/officeart/2005/8/layout/hierarchy1"/>
-    <dgm:cxn modelId="{EDDF3272-DB4A-423B-9A5A-BE93EFC03F45}" type="presOf" srcId="{5CAFDC2F-FCC8-4334-80AF-79931E2DAE17}" destId="{60CF4EA7-2D2F-4606-91C4-01D1DE130B30}" srcOrd="0" destOrd="0" presId="urn:microsoft.com/office/officeart/2005/8/layout/hierarchy1"/>
+    <dgm:cxn modelId="{7DC84DCE-A0E8-4527-8F99-7BC92467CB1C}" srcId="{9A6C8434-6B56-416B-86EA-3E41AEFB6467}" destId="{5CAFDC2F-FCC8-4334-80AF-79931E2DAE17}" srcOrd="1" destOrd="0" parTransId="{6BE80BC5-4EBC-4EB7-8AFF-9B22233FE698}" sibTransId="{F9C415E2-9D19-4A08-9F4D-A35359954523}"/>
     <dgm:cxn modelId="{B7D2DB4B-7054-4B30-99AC-83C2D0AB6A7C}" type="presParOf" srcId="{8E0E1AEC-8366-4255-8B2F-78E4A6A9D1EB}" destId="{287DF3D5-E626-4663-BBE1-5993873B533D}" srcOrd="0" destOrd="0" presId="urn:microsoft.com/office/officeart/2005/8/layout/hierarchy1"/>
     <dgm:cxn modelId="{C4E5F91F-BDF6-4478-996B-ABF4F05D4A71}" type="presParOf" srcId="{287DF3D5-E626-4663-BBE1-5993873B533D}" destId="{05D6ADC7-4938-4972-84B6-31F7A1D11DED}" srcOrd="0" destOrd="0" presId="urn:microsoft.com/office/officeart/2005/8/layout/hierarchy1"/>
     <dgm:cxn modelId="{4D3B89FA-301C-406E-9185-E6D3A6A8F327}" type="presParOf" srcId="{05D6ADC7-4938-4972-84B6-31F7A1D11DED}" destId="{43F8BF1D-D46C-4284-A210-D502976B6AE0}" srcOrd="0" destOrd="0" presId="urn:microsoft.com/office/officeart/2005/8/layout/hierarchy1"/>
@@ -3539,7 +3455,7 @@
         </a:bodyPr>
         <a:lstStyle/>
         <a:p>
-          <a:pPr lvl="0" algn="ctr" defTabSz="2667000">
+          <a:pPr marL="0" lvl="0" indent="0" algn="ctr" defTabSz="2667000">
             <a:lnSpc>
               <a:spcPct val="90000"/>
             </a:lnSpc>
@@ -3549,6 +3465,7 @@
             <a:spcAft>
               <a:spcPct val="35000"/>
             </a:spcAft>
+            <a:buNone/>
           </a:pPr>
           <a:r>
             <a:rPr lang="da-DK" sz="6000" kern="1200"/>
@@ -3670,7 +3587,7 @@
         </a:bodyPr>
         <a:lstStyle/>
         <a:p>
-          <a:pPr lvl="0" algn="ctr" defTabSz="2667000">
+          <a:pPr marL="0" lvl="0" indent="0" algn="ctr" defTabSz="2667000">
             <a:lnSpc>
               <a:spcPct val="90000"/>
             </a:lnSpc>
@@ -3680,6 +3597,7 @@
             <a:spcAft>
               <a:spcPct val="35000"/>
             </a:spcAft>
+            <a:buNone/>
           </a:pPr>
           <a:r>
             <a:rPr lang="da-DK" sz="6000" kern="1200"/>
@@ -3705,6 +3623,654 @@
       <dsp:cNvGrpSpPr/>
     </dsp:nvGrpSpPr>
     <dsp:grpSpPr/>
+    <dsp:sp modelId="{B8611316-8E76-4202-AADD-7CDF3D09C556}">
+      <dsp:nvSpPr>
+        <dsp:cNvPr id="0" name=""/>
+        <dsp:cNvSpPr/>
+      </dsp:nvSpPr>
+      <dsp:spPr>
+        <a:xfrm>
+          <a:off x="2812" y="693784"/>
+          <a:ext cx="2008375" cy="1275318"/>
+        </a:xfrm>
+        <a:prstGeom prst="roundRect">
+          <a:avLst>
+            <a:gd name="adj" fmla="val 10000"/>
+          </a:avLst>
+        </a:prstGeom>
+        <a:gradFill rotWithShape="0">
+          <a:gsLst>
+            <a:gs pos="0">
+              <a:schemeClr val="lt1">
+                <a:hueOff val="0"/>
+                <a:satOff val="0"/>
+                <a:lumOff val="0"/>
+                <a:alphaOff val="0"/>
+                <a:tint val="50000"/>
+                <a:satMod val="300000"/>
+              </a:schemeClr>
+            </a:gs>
+            <a:gs pos="35000">
+              <a:schemeClr val="lt1">
+                <a:hueOff val="0"/>
+                <a:satOff val="0"/>
+                <a:lumOff val="0"/>
+                <a:alphaOff val="0"/>
+                <a:tint val="37000"/>
+                <a:satMod val="300000"/>
+              </a:schemeClr>
+            </a:gs>
+            <a:gs pos="100000">
+              <a:schemeClr val="lt1">
+                <a:hueOff val="0"/>
+                <a:satOff val="0"/>
+                <a:lumOff val="0"/>
+                <a:alphaOff val="0"/>
+                <a:tint val="15000"/>
+                <a:satMod val="350000"/>
+              </a:schemeClr>
+            </a:gs>
+          </a:gsLst>
+          <a:lin ang="16200000" scaled="1"/>
+        </a:gradFill>
+        <a:ln>
+          <a:noFill/>
+        </a:ln>
+        <a:effectLst>
+          <a:outerShdw blurRad="40000" dist="20000" dir="5400000" rotWithShape="0">
+            <a:srgbClr val="000000">
+              <a:alpha val="38000"/>
+            </a:srgbClr>
+          </a:outerShdw>
+        </a:effectLst>
+        <a:scene3d>
+          <a:camera prst="orthographicFront"/>
+          <a:lightRig rig="flat" dir="t"/>
+        </a:scene3d>
+        <a:sp3d prstMaterial="dkEdge">
+          <a:bevelT w="8200" h="38100"/>
+        </a:sp3d>
+      </dsp:spPr>
+      <dsp:style>
+        <a:lnRef idx="0">
+          <a:scrgbClr r="0" g="0" b="0"/>
+        </a:lnRef>
+        <a:fillRef idx="2">
+          <a:scrgbClr r="0" g="0" b="0"/>
+        </a:fillRef>
+        <a:effectRef idx="1">
+          <a:scrgbClr r="0" g="0" b="0"/>
+        </a:effectRef>
+        <a:fontRef idx="minor">
+          <a:schemeClr val="dk1"/>
+        </a:fontRef>
+      </dsp:style>
+    </dsp:sp>
+    <dsp:sp modelId="{6AB32091-AE2F-4912-B521-43D5FCDD10AB}">
+      <dsp:nvSpPr>
+        <dsp:cNvPr id="0" name=""/>
+        <dsp:cNvSpPr/>
+      </dsp:nvSpPr>
+      <dsp:spPr>
+        <a:xfrm>
+          <a:off x="225965" y="905779"/>
+          <a:ext cx="2008375" cy="1275318"/>
+        </a:xfrm>
+        <a:prstGeom prst="roundRect">
+          <a:avLst>
+            <a:gd name="adj" fmla="val 10000"/>
+          </a:avLst>
+        </a:prstGeom>
+        <a:solidFill>
+          <a:schemeClr val="accent5">
+            <a:alpha val="90000"/>
+            <a:tint val="40000"/>
+            <a:hueOff val="0"/>
+            <a:satOff val="0"/>
+            <a:lumOff val="0"/>
+            <a:alphaOff val="0"/>
+          </a:schemeClr>
+        </a:solidFill>
+        <a:ln w="9525" cap="flat" cmpd="sng" algn="ctr">
+          <a:solidFill>
+            <a:schemeClr val="accent5">
+              <a:hueOff val="0"/>
+              <a:satOff val="0"/>
+              <a:lumOff val="0"/>
+              <a:alphaOff val="0"/>
+            </a:schemeClr>
+          </a:solidFill>
+          <a:prstDash val="solid"/>
+        </a:ln>
+        <a:effectLst/>
+      </dsp:spPr>
+      <dsp:style>
+        <a:lnRef idx="1">
+          <a:scrgbClr r="0" g="0" b="0"/>
+        </a:lnRef>
+        <a:fillRef idx="1">
+          <a:scrgbClr r="0" g="0" b="0"/>
+        </a:fillRef>
+        <a:effectRef idx="0">
+          <a:scrgbClr r="0" g="0" b="0"/>
+        </a:effectRef>
+        <a:fontRef idx="minor"/>
+      </dsp:style>
+      <dsp:txBody>
+        <a:bodyPr spcFirstLastPara="0" vert="horz" wrap="square" lIns="129540" tIns="129540" rIns="129540" bIns="129540" numCol="1" spcCol="1270" anchor="ctr" anchorCtr="0">
+          <a:noAutofit/>
+        </a:bodyPr>
+        <a:lstStyle/>
+        <a:p>
+          <a:pPr marL="0" lvl="0" indent="0" algn="ctr" defTabSz="1511300">
+            <a:lnSpc>
+              <a:spcPct val="90000"/>
+            </a:lnSpc>
+            <a:spcBef>
+              <a:spcPct val="0"/>
+            </a:spcBef>
+            <a:spcAft>
+              <a:spcPct val="35000"/>
+            </a:spcAft>
+            <a:buNone/>
+          </a:pPr>
+          <a:r>
+            <a:rPr lang="en-US" sz="3400" kern="1200"/>
+            <a:t>MVC</a:t>
+          </a:r>
+        </a:p>
+      </dsp:txBody>
+      <dsp:txXfrm>
+        <a:off x="263318" y="943132"/>
+        <a:ext cx="1933669" cy="1200612"/>
+      </dsp:txXfrm>
+    </dsp:sp>
+    <dsp:sp modelId="{82D2DD21-3B57-47F2-84AE-B572B7989FDB}">
+      <dsp:nvSpPr>
+        <dsp:cNvPr id="0" name=""/>
+        <dsp:cNvSpPr/>
+      </dsp:nvSpPr>
+      <dsp:spPr>
+        <a:xfrm>
+          <a:off x="2457493" y="693784"/>
+          <a:ext cx="2008375" cy="1275318"/>
+        </a:xfrm>
+        <a:prstGeom prst="roundRect">
+          <a:avLst>
+            <a:gd name="adj" fmla="val 10000"/>
+          </a:avLst>
+        </a:prstGeom>
+        <a:gradFill rotWithShape="0">
+          <a:gsLst>
+            <a:gs pos="0">
+              <a:schemeClr val="lt1">
+                <a:hueOff val="0"/>
+                <a:satOff val="0"/>
+                <a:lumOff val="0"/>
+                <a:alphaOff val="0"/>
+                <a:tint val="50000"/>
+                <a:satMod val="300000"/>
+              </a:schemeClr>
+            </a:gs>
+            <a:gs pos="35000">
+              <a:schemeClr val="lt1">
+                <a:hueOff val="0"/>
+                <a:satOff val="0"/>
+                <a:lumOff val="0"/>
+                <a:alphaOff val="0"/>
+                <a:tint val="37000"/>
+                <a:satMod val="300000"/>
+              </a:schemeClr>
+            </a:gs>
+            <a:gs pos="100000">
+              <a:schemeClr val="lt1">
+                <a:hueOff val="0"/>
+                <a:satOff val="0"/>
+                <a:lumOff val="0"/>
+                <a:alphaOff val="0"/>
+                <a:tint val="15000"/>
+                <a:satMod val="350000"/>
+              </a:schemeClr>
+            </a:gs>
+          </a:gsLst>
+          <a:lin ang="16200000" scaled="1"/>
+        </a:gradFill>
+        <a:ln>
+          <a:noFill/>
+        </a:ln>
+        <a:effectLst>
+          <a:outerShdw blurRad="40000" dist="20000" dir="5400000" rotWithShape="0">
+            <a:srgbClr val="000000">
+              <a:alpha val="38000"/>
+            </a:srgbClr>
+          </a:outerShdw>
+        </a:effectLst>
+        <a:scene3d>
+          <a:camera prst="orthographicFront"/>
+          <a:lightRig rig="flat" dir="t"/>
+        </a:scene3d>
+        <a:sp3d prstMaterial="dkEdge">
+          <a:bevelT w="8200" h="38100"/>
+        </a:sp3d>
+      </dsp:spPr>
+      <dsp:style>
+        <a:lnRef idx="0">
+          <a:scrgbClr r="0" g="0" b="0"/>
+        </a:lnRef>
+        <a:fillRef idx="2">
+          <a:scrgbClr r="0" g="0" b="0"/>
+        </a:fillRef>
+        <a:effectRef idx="1">
+          <a:scrgbClr r="0" g="0" b="0"/>
+        </a:effectRef>
+        <a:fontRef idx="minor">
+          <a:schemeClr val="dk1"/>
+        </a:fontRef>
+      </dsp:style>
+    </dsp:sp>
+    <dsp:sp modelId="{DFFAA713-68DE-4B98-B568-1C855A762C1C}">
+      <dsp:nvSpPr>
+        <dsp:cNvPr id="0" name=""/>
+        <dsp:cNvSpPr/>
+      </dsp:nvSpPr>
+      <dsp:spPr>
+        <a:xfrm>
+          <a:off x="2680646" y="905779"/>
+          <a:ext cx="2008375" cy="1275318"/>
+        </a:xfrm>
+        <a:prstGeom prst="roundRect">
+          <a:avLst>
+            <a:gd name="adj" fmla="val 10000"/>
+          </a:avLst>
+        </a:prstGeom>
+        <a:solidFill>
+          <a:schemeClr val="accent5">
+            <a:alpha val="90000"/>
+            <a:tint val="40000"/>
+            <a:hueOff val="0"/>
+            <a:satOff val="0"/>
+            <a:lumOff val="0"/>
+            <a:alphaOff val="0"/>
+          </a:schemeClr>
+        </a:solidFill>
+        <a:ln w="9525" cap="flat" cmpd="sng" algn="ctr">
+          <a:solidFill>
+            <a:schemeClr val="accent5">
+              <a:hueOff val="0"/>
+              <a:satOff val="0"/>
+              <a:lumOff val="0"/>
+              <a:alphaOff val="0"/>
+            </a:schemeClr>
+          </a:solidFill>
+          <a:prstDash val="solid"/>
+        </a:ln>
+        <a:effectLst/>
+      </dsp:spPr>
+      <dsp:style>
+        <a:lnRef idx="1">
+          <a:scrgbClr r="0" g="0" b="0"/>
+        </a:lnRef>
+        <a:fillRef idx="1">
+          <a:scrgbClr r="0" g="0" b="0"/>
+        </a:fillRef>
+        <a:effectRef idx="0">
+          <a:scrgbClr r="0" g="0" b="0"/>
+        </a:effectRef>
+        <a:fontRef idx="minor"/>
+      </dsp:style>
+      <dsp:txBody>
+        <a:bodyPr spcFirstLastPara="0" vert="horz" wrap="square" lIns="129540" tIns="129540" rIns="129540" bIns="129540" numCol="1" spcCol="1270" anchor="ctr" anchorCtr="0">
+          <a:noAutofit/>
+        </a:bodyPr>
+        <a:lstStyle/>
+        <a:p>
+          <a:pPr marL="0" lvl="0" indent="0" algn="ctr" defTabSz="1511300">
+            <a:lnSpc>
+              <a:spcPct val="90000"/>
+            </a:lnSpc>
+            <a:spcBef>
+              <a:spcPct val="0"/>
+            </a:spcBef>
+            <a:spcAft>
+              <a:spcPct val="35000"/>
+            </a:spcAft>
+            <a:buNone/>
+          </a:pPr>
+          <a:r>
+            <a:rPr lang="en-US" sz="3400" kern="1200"/>
+            <a:t>Singleton</a:t>
+          </a:r>
+        </a:p>
+      </dsp:txBody>
+      <dsp:txXfrm>
+        <a:off x="2717999" y="943132"/>
+        <a:ext cx="1933669" cy="1200612"/>
+      </dsp:txXfrm>
+    </dsp:sp>
+    <dsp:sp modelId="{03D81148-48ED-4A45-8F50-90F24242640B}">
+      <dsp:nvSpPr>
+        <dsp:cNvPr id="0" name=""/>
+        <dsp:cNvSpPr/>
+      </dsp:nvSpPr>
+      <dsp:spPr>
+        <a:xfrm>
+          <a:off x="4912174" y="693784"/>
+          <a:ext cx="2008375" cy="1275318"/>
+        </a:xfrm>
+        <a:prstGeom prst="roundRect">
+          <a:avLst>
+            <a:gd name="adj" fmla="val 10000"/>
+          </a:avLst>
+        </a:prstGeom>
+        <a:gradFill rotWithShape="0">
+          <a:gsLst>
+            <a:gs pos="0">
+              <a:schemeClr val="lt1">
+                <a:hueOff val="0"/>
+                <a:satOff val="0"/>
+                <a:lumOff val="0"/>
+                <a:alphaOff val="0"/>
+                <a:tint val="50000"/>
+                <a:satMod val="300000"/>
+              </a:schemeClr>
+            </a:gs>
+            <a:gs pos="35000">
+              <a:schemeClr val="lt1">
+                <a:hueOff val="0"/>
+                <a:satOff val="0"/>
+                <a:lumOff val="0"/>
+                <a:alphaOff val="0"/>
+                <a:tint val="37000"/>
+                <a:satMod val="300000"/>
+              </a:schemeClr>
+            </a:gs>
+            <a:gs pos="100000">
+              <a:schemeClr val="lt1">
+                <a:hueOff val="0"/>
+                <a:satOff val="0"/>
+                <a:lumOff val="0"/>
+                <a:alphaOff val="0"/>
+                <a:tint val="15000"/>
+                <a:satMod val="350000"/>
+              </a:schemeClr>
+            </a:gs>
+          </a:gsLst>
+          <a:lin ang="16200000" scaled="1"/>
+        </a:gradFill>
+        <a:ln>
+          <a:noFill/>
+        </a:ln>
+        <a:effectLst>
+          <a:outerShdw blurRad="40000" dist="20000" dir="5400000" rotWithShape="0">
+            <a:srgbClr val="000000">
+              <a:alpha val="38000"/>
+            </a:srgbClr>
+          </a:outerShdw>
+        </a:effectLst>
+        <a:scene3d>
+          <a:camera prst="orthographicFront"/>
+          <a:lightRig rig="flat" dir="t"/>
+        </a:scene3d>
+        <a:sp3d prstMaterial="dkEdge">
+          <a:bevelT w="8200" h="38100"/>
+        </a:sp3d>
+      </dsp:spPr>
+      <dsp:style>
+        <a:lnRef idx="0">
+          <a:scrgbClr r="0" g="0" b="0"/>
+        </a:lnRef>
+        <a:fillRef idx="2">
+          <a:scrgbClr r="0" g="0" b="0"/>
+        </a:fillRef>
+        <a:effectRef idx="1">
+          <a:scrgbClr r="0" g="0" b="0"/>
+        </a:effectRef>
+        <a:fontRef idx="minor">
+          <a:schemeClr val="dk1"/>
+        </a:fontRef>
+      </dsp:style>
+    </dsp:sp>
+    <dsp:sp modelId="{589A7265-47A2-43B9-83FE-DA343E08CBFE}">
+      <dsp:nvSpPr>
+        <dsp:cNvPr id="0" name=""/>
+        <dsp:cNvSpPr/>
+      </dsp:nvSpPr>
+      <dsp:spPr>
+        <a:xfrm>
+          <a:off x="5135327" y="905779"/>
+          <a:ext cx="2008375" cy="1275318"/>
+        </a:xfrm>
+        <a:prstGeom prst="roundRect">
+          <a:avLst>
+            <a:gd name="adj" fmla="val 10000"/>
+          </a:avLst>
+        </a:prstGeom>
+        <a:solidFill>
+          <a:schemeClr val="accent5">
+            <a:alpha val="90000"/>
+            <a:tint val="40000"/>
+            <a:hueOff val="0"/>
+            <a:satOff val="0"/>
+            <a:lumOff val="0"/>
+            <a:alphaOff val="0"/>
+          </a:schemeClr>
+        </a:solidFill>
+        <a:ln w="9525" cap="flat" cmpd="sng" algn="ctr">
+          <a:solidFill>
+            <a:schemeClr val="accent5">
+              <a:hueOff val="0"/>
+              <a:satOff val="0"/>
+              <a:lumOff val="0"/>
+              <a:alphaOff val="0"/>
+            </a:schemeClr>
+          </a:solidFill>
+          <a:prstDash val="solid"/>
+        </a:ln>
+        <a:effectLst/>
+      </dsp:spPr>
+      <dsp:style>
+        <a:lnRef idx="1">
+          <a:scrgbClr r="0" g="0" b="0"/>
+        </a:lnRef>
+        <a:fillRef idx="1">
+          <a:scrgbClr r="0" g="0" b="0"/>
+        </a:fillRef>
+        <a:effectRef idx="0">
+          <a:scrgbClr r="0" g="0" b="0"/>
+        </a:effectRef>
+        <a:fontRef idx="minor"/>
+      </dsp:style>
+      <dsp:txBody>
+        <a:bodyPr spcFirstLastPara="0" vert="horz" wrap="square" lIns="129540" tIns="129540" rIns="129540" bIns="129540" numCol="1" spcCol="1270" anchor="ctr" anchorCtr="0">
+          <a:noAutofit/>
+        </a:bodyPr>
+        <a:lstStyle/>
+        <a:p>
+          <a:pPr marL="0" lvl="0" indent="0" algn="ctr" defTabSz="1511300">
+            <a:lnSpc>
+              <a:spcPct val="90000"/>
+            </a:lnSpc>
+            <a:spcBef>
+              <a:spcPct val="0"/>
+            </a:spcBef>
+            <a:spcAft>
+              <a:spcPct val="35000"/>
+            </a:spcAft>
+            <a:buNone/>
+          </a:pPr>
+          <a:r>
+            <a:rPr lang="en-US" sz="3400" kern="1200"/>
+            <a:t>Façade</a:t>
+          </a:r>
+        </a:p>
+      </dsp:txBody>
+      <dsp:txXfrm>
+        <a:off x="5172680" y="943132"/>
+        <a:ext cx="1933669" cy="1200612"/>
+      </dsp:txXfrm>
+    </dsp:sp>
+    <dsp:sp modelId="{2310A852-B36E-4175-9964-F50D62C2F966}">
+      <dsp:nvSpPr>
+        <dsp:cNvPr id="0" name=""/>
+        <dsp:cNvSpPr/>
+      </dsp:nvSpPr>
+      <dsp:spPr>
+        <a:xfrm>
+          <a:off x="7366855" y="693784"/>
+          <a:ext cx="2008375" cy="1275318"/>
+        </a:xfrm>
+        <a:prstGeom prst="roundRect">
+          <a:avLst>
+            <a:gd name="adj" fmla="val 10000"/>
+          </a:avLst>
+        </a:prstGeom>
+        <a:gradFill rotWithShape="0">
+          <a:gsLst>
+            <a:gs pos="0">
+              <a:schemeClr val="lt1">
+                <a:hueOff val="0"/>
+                <a:satOff val="0"/>
+                <a:lumOff val="0"/>
+                <a:alphaOff val="0"/>
+                <a:tint val="50000"/>
+                <a:satMod val="300000"/>
+              </a:schemeClr>
+            </a:gs>
+            <a:gs pos="35000">
+              <a:schemeClr val="lt1">
+                <a:hueOff val="0"/>
+                <a:satOff val="0"/>
+                <a:lumOff val="0"/>
+                <a:alphaOff val="0"/>
+                <a:tint val="37000"/>
+                <a:satMod val="300000"/>
+              </a:schemeClr>
+            </a:gs>
+            <a:gs pos="100000">
+              <a:schemeClr val="lt1">
+                <a:hueOff val="0"/>
+                <a:satOff val="0"/>
+                <a:lumOff val="0"/>
+                <a:alphaOff val="0"/>
+                <a:tint val="15000"/>
+                <a:satMod val="350000"/>
+              </a:schemeClr>
+            </a:gs>
+          </a:gsLst>
+          <a:lin ang="16200000" scaled="1"/>
+        </a:gradFill>
+        <a:ln>
+          <a:noFill/>
+        </a:ln>
+        <a:effectLst>
+          <a:outerShdw blurRad="40000" dist="20000" dir="5400000" rotWithShape="0">
+            <a:srgbClr val="000000">
+              <a:alpha val="38000"/>
+            </a:srgbClr>
+          </a:outerShdw>
+        </a:effectLst>
+        <a:scene3d>
+          <a:camera prst="orthographicFront"/>
+          <a:lightRig rig="flat" dir="t"/>
+        </a:scene3d>
+        <a:sp3d prstMaterial="dkEdge">
+          <a:bevelT w="8200" h="38100"/>
+        </a:sp3d>
+      </dsp:spPr>
+      <dsp:style>
+        <a:lnRef idx="0">
+          <a:scrgbClr r="0" g="0" b="0"/>
+        </a:lnRef>
+        <a:fillRef idx="2">
+          <a:scrgbClr r="0" g="0" b="0"/>
+        </a:fillRef>
+        <a:effectRef idx="1">
+          <a:scrgbClr r="0" g="0" b="0"/>
+        </a:effectRef>
+        <a:fontRef idx="minor">
+          <a:schemeClr val="dk1"/>
+        </a:fontRef>
+      </dsp:style>
+    </dsp:sp>
+    <dsp:sp modelId="{4160059F-26D2-484E-9CDB-A053058D949A}">
+      <dsp:nvSpPr>
+        <dsp:cNvPr id="0" name=""/>
+        <dsp:cNvSpPr/>
+      </dsp:nvSpPr>
+      <dsp:spPr>
+        <a:xfrm>
+          <a:off x="7590008" y="905779"/>
+          <a:ext cx="2008375" cy="1275318"/>
+        </a:xfrm>
+        <a:prstGeom prst="roundRect">
+          <a:avLst>
+            <a:gd name="adj" fmla="val 10000"/>
+          </a:avLst>
+        </a:prstGeom>
+        <a:solidFill>
+          <a:schemeClr val="accent5">
+            <a:alpha val="90000"/>
+            <a:tint val="40000"/>
+            <a:hueOff val="0"/>
+            <a:satOff val="0"/>
+            <a:lumOff val="0"/>
+            <a:alphaOff val="0"/>
+          </a:schemeClr>
+        </a:solidFill>
+        <a:ln w="9525" cap="flat" cmpd="sng" algn="ctr">
+          <a:solidFill>
+            <a:schemeClr val="accent5">
+              <a:hueOff val="0"/>
+              <a:satOff val="0"/>
+              <a:lumOff val="0"/>
+              <a:alphaOff val="0"/>
+            </a:schemeClr>
+          </a:solidFill>
+          <a:prstDash val="solid"/>
+        </a:ln>
+        <a:effectLst/>
+      </dsp:spPr>
+      <dsp:style>
+        <a:lnRef idx="1">
+          <a:scrgbClr r="0" g="0" b="0"/>
+        </a:lnRef>
+        <a:fillRef idx="1">
+          <a:scrgbClr r="0" g="0" b="0"/>
+        </a:fillRef>
+        <a:effectRef idx="0">
+          <a:scrgbClr r="0" g="0" b="0"/>
+        </a:effectRef>
+        <a:fontRef idx="minor"/>
+      </dsp:style>
+      <dsp:txBody>
+        <a:bodyPr spcFirstLastPara="0" vert="horz" wrap="square" lIns="129540" tIns="129540" rIns="129540" bIns="129540" numCol="1" spcCol="1270" anchor="ctr" anchorCtr="0">
+          <a:noAutofit/>
+        </a:bodyPr>
+        <a:lstStyle/>
+        <a:p>
+          <a:pPr marL="0" lvl="0" indent="0" algn="ctr" defTabSz="1511300">
+            <a:lnSpc>
+              <a:spcPct val="90000"/>
+            </a:lnSpc>
+            <a:spcBef>
+              <a:spcPct val="0"/>
+            </a:spcBef>
+            <a:spcAft>
+              <a:spcPct val="35000"/>
+            </a:spcAft>
+            <a:buNone/>
+          </a:pPr>
+          <a:r>
+            <a:rPr lang="en-US" sz="3400" kern="1200"/>
+            <a:t>Adapter</a:t>
+          </a:r>
+        </a:p>
+      </dsp:txBody>
+      <dsp:txXfrm>
+        <a:off x="7627361" y="943132"/>
+        <a:ext cx="1933669" cy="1200612"/>
+      </dsp:txXfrm>
+    </dsp:sp>
   </dsp:spTree>
 </dsp:drawing>
 </file>
@@ -3717,6 +4283,492 @@
       <dsp:cNvGrpSpPr/>
     </dsp:nvGrpSpPr>
     <dsp:grpSpPr/>
+    <dsp:sp modelId="{43F8BF1D-D46C-4284-A210-D502976B6AE0}">
+      <dsp:nvSpPr>
+        <dsp:cNvPr id="0" name=""/>
+        <dsp:cNvSpPr/>
+      </dsp:nvSpPr>
+      <dsp:spPr>
+        <a:xfrm>
+          <a:off x="0" y="437566"/>
+          <a:ext cx="2700336" cy="1714713"/>
+        </a:xfrm>
+        <a:prstGeom prst="roundRect">
+          <a:avLst>
+            <a:gd name="adj" fmla="val 10000"/>
+          </a:avLst>
+        </a:prstGeom>
+        <a:gradFill rotWithShape="0">
+          <a:gsLst>
+            <a:gs pos="0">
+              <a:schemeClr val="lt1">
+                <a:hueOff val="0"/>
+                <a:satOff val="0"/>
+                <a:lumOff val="0"/>
+                <a:alphaOff val="0"/>
+                <a:tint val="50000"/>
+                <a:satMod val="300000"/>
+              </a:schemeClr>
+            </a:gs>
+            <a:gs pos="35000">
+              <a:schemeClr val="lt1">
+                <a:hueOff val="0"/>
+                <a:satOff val="0"/>
+                <a:lumOff val="0"/>
+                <a:alphaOff val="0"/>
+                <a:tint val="37000"/>
+                <a:satMod val="300000"/>
+              </a:schemeClr>
+            </a:gs>
+            <a:gs pos="100000">
+              <a:schemeClr val="lt1">
+                <a:hueOff val="0"/>
+                <a:satOff val="0"/>
+                <a:lumOff val="0"/>
+                <a:alphaOff val="0"/>
+                <a:tint val="15000"/>
+                <a:satMod val="350000"/>
+              </a:schemeClr>
+            </a:gs>
+          </a:gsLst>
+          <a:lin ang="16200000" scaled="1"/>
+        </a:gradFill>
+        <a:ln>
+          <a:noFill/>
+        </a:ln>
+        <a:effectLst>
+          <a:outerShdw blurRad="40000" dist="20000" dir="5400000" rotWithShape="0">
+            <a:srgbClr val="000000">
+              <a:alpha val="38000"/>
+            </a:srgbClr>
+          </a:outerShdw>
+        </a:effectLst>
+        <a:scene3d>
+          <a:camera prst="orthographicFront"/>
+          <a:lightRig rig="flat" dir="t"/>
+        </a:scene3d>
+        <a:sp3d prstMaterial="dkEdge">
+          <a:bevelT w="8200" h="38100"/>
+        </a:sp3d>
+      </dsp:spPr>
+      <dsp:style>
+        <a:lnRef idx="0">
+          <a:scrgbClr r="0" g="0" b="0"/>
+        </a:lnRef>
+        <a:fillRef idx="2">
+          <a:scrgbClr r="0" g="0" b="0"/>
+        </a:fillRef>
+        <a:effectRef idx="1">
+          <a:scrgbClr r="0" g="0" b="0"/>
+        </a:effectRef>
+        <a:fontRef idx="minor">
+          <a:schemeClr val="dk1"/>
+        </a:fontRef>
+      </dsp:style>
+    </dsp:sp>
+    <dsp:sp modelId="{23E2A85B-9FB0-4E76-B412-7C0A5BA0C8E6}">
+      <dsp:nvSpPr>
+        <dsp:cNvPr id="0" name=""/>
+        <dsp:cNvSpPr/>
+      </dsp:nvSpPr>
+      <dsp:spPr>
+        <a:xfrm>
+          <a:off x="300037" y="722602"/>
+          <a:ext cx="2700336" cy="1714713"/>
+        </a:xfrm>
+        <a:prstGeom prst="roundRect">
+          <a:avLst>
+            <a:gd name="adj" fmla="val 10000"/>
+          </a:avLst>
+        </a:prstGeom>
+        <a:solidFill>
+          <a:schemeClr val="accent1">
+            <a:alpha val="90000"/>
+            <a:tint val="40000"/>
+            <a:hueOff val="0"/>
+            <a:satOff val="0"/>
+            <a:lumOff val="0"/>
+            <a:alphaOff val="0"/>
+          </a:schemeClr>
+        </a:solidFill>
+        <a:ln w="9525" cap="flat" cmpd="sng" algn="ctr">
+          <a:solidFill>
+            <a:schemeClr val="accent1">
+              <a:hueOff val="0"/>
+              <a:satOff val="0"/>
+              <a:lumOff val="0"/>
+              <a:alphaOff val="0"/>
+            </a:schemeClr>
+          </a:solidFill>
+          <a:prstDash val="solid"/>
+        </a:ln>
+        <a:effectLst/>
+      </dsp:spPr>
+      <dsp:style>
+        <a:lnRef idx="1">
+          <a:scrgbClr r="0" g="0" b="0"/>
+        </a:lnRef>
+        <a:fillRef idx="1">
+          <a:scrgbClr r="0" g="0" b="0"/>
+        </a:fillRef>
+        <a:effectRef idx="0">
+          <a:scrgbClr r="0" g="0" b="0"/>
+        </a:effectRef>
+        <a:fontRef idx="minor"/>
+      </dsp:style>
+      <dsp:txBody>
+        <a:bodyPr spcFirstLastPara="0" vert="horz" wrap="square" lIns="95250" tIns="95250" rIns="95250" bIns="95250" numCol="1" spcCol="1270" anchor="ctr" anchorCtr="0">
+          <a:noAutofit/>
+        </a:bodyPr>
+        <a:lstStyle/>
+        <a:p>
+          <a:pPr marL="0" lvl="0" indent="0" algn="ctr" defTabSz="1111250">
+            <a:lnSpc>
+              <a:spcPct val="90000"/>
+            </a:lnSpc>
+            <a:spcBef>
+              <a:spcPct val="0"/>
+            </a:spcBef>
+            <a:spcAft>
+              <a:spcPct val="35000"/>
+            </a:spcAft>
+            <a:buNone/>
+          </a:pPr>
+          <a:r>
+            <a:rPr lang="en-US" sz="2500" kern="1200" dirty="0"/>
+            <a:t>RMI is used for communication among objects.</a:t>
+          </a:r>
+        </a:p>
+      </dsp:txBody>
+      <dsp:txXfrm>
+        <a:off x="350259" y="772824"/>
+        <a:ext cx="2599892" cy="1614269"/>
+      </dsp:txXfrm>
+    </dsp:sp>
+    <dsp:sp modelId="{B4F6F5EA-E5B7-4010-8574-059415EF58C8}">
+      <dsp:nvSpPr>
+        <dsp:cNvPr id="0" name=""/>
+        <dsp:cNvSpPr/>
+      </dsp:nvSpPr>
+      <dsp:spPr>
+        <a:xfrm>
+          <a:off x="3300411" y="437566"/>
+          <a:ext cx="2700336" cy="1714713"/>
+        </a:xfrm>
+        <a:prstGeom prst="roundRect">
+          <a:avLst>
+            <a:gd name="adj" fmla="val 10000"/>
+          </a:avLst>
+        </a:prstGeom>
+        <a:gradFill rotWithShape="0">
+          <a:gsLst>
+            <a:gs pos="0">
+              <a:schemeClr val="lt1">
+                <a:hueOff val="0"/>
+                <a:satOff val="0"/>
+                <a:lumOff val="0"/>
+                <a:alphaOff val="0"/>
+                <a:tint val="50000"/>
+                <a:satMod val="300000"/>
+              </a:schemeClr>
+            </a:gs>
+            <a:gs pos="35000">
+              <a:schemeClr val="lt1">
+                <a:hueOff val="0"/>
+                <a:satOff val="0"/>
+                <a:lumOff val="0"/>
+                <a:alphaOff val="0"/>
+                <a:tint val="37000"/>
+                <a:satMod val="300000"/>
+              </a:schemeClr>
+            </a:gs>
+            <a:gs pos="100000">
+              <a:schemeClr val="lt1">
+                <a:hueOff val="0"/>
+                <a:satOff val="0"/>
+                <a:lumOff val="0"/>
+                <a:alphaOff val="0"/>
+                <a:tint val="15000"/>
+                <a:satMod val="350000"/>
+              </a:schemeClr>
+            </a:gs>
+          </a:gsLst>
+          <a:lin ang="16200000" scaled="1"/>
+        </a:gradFill>
+        <a:ln>
+          <a:noFill/>
+        </a:ln>
+        <a:effectLst>
+          <a:outerShdw blurRad="40000" dist="20000" dir="5400000" rotWithShape="0">
+            <a:srgbClr val="000000">
+              <a:alpha val="38000"/>
+            </a:srgbClr>
+          </a:outerShdw>
+        </a:effectLst>
+        <a:scene3d>
+          <a:camera prst="orthographicFront"/>
+          <a:lightRig rig="flat" dir="t"/>
+        </a:scene3d>
+        <a:sp3d prstMaterial="dkEdge">
+          <a:bevelT w="8200" h="38100"/>
+        </a:sp3d>
+      </dsp:spPr>
+      <dsp:style>
+        <a:lnRef idx="0">
+          <a:scrgbClr r="0" g="0" b="0"/>
+        </a:lnRef>
+        <a:fillRef idx="2">
+          <a:scrgbClr r="0" g="0" b="0"/>
+        </a:fillRef>
+        <a:effectRef idx="1">
+          <a:scrgbClr r="0" g="0" b="0"/>
+        </a:effectRef>
+        <a:fontRef idx="minor">
+          <a:schemeClr val="dk1"/>
+        </a:fontRef>
+      </dsp:style>
+    </dsp:sp>
+    <dsp:sp modelId="{60CF4EA7-2D2F-4606-91C4-01D1DE130B30}">
+      <dsp:nvSpPr>
+        <dsp:cNvPr id="0" name=""/>
+        <dsp:cNvSpPr/>
+      </dsp:nvSpPr>
+      <dsp:spPr>
+        <a:xfrm>
+          <a:off x="3600448" y="722602"/>
+          <a:ext cx="2700336" cy="1714713"/>
+        </a:xfrm>
+        <a:prstGeom prst="roundRect">
+          <a:avLst>
+            <a:gd name="adj" fmla="val 10000"/>
+          </a:avLst>
+        </a:prstGeom>
+        <a:solidFill>
+          <a:schemeClr val="accent1">
+            <a:alpha val="90000"/>
+            <a:tint val="40000"/>
+            <a:hueOff val="0"/>
+            <a:satOff val="0"/>
+            <a:lumOff val="0"/>
+            <a:alphaOff val="0"/>
+          </a:schemeClr>
+        </a:solidFill>
+        <a:ln w="9525" cap="flat" cmpd="sng" algn="ctr">
+          <a:solidFill>
+            <a:schemeClr val="accent1">
+              <a:hueOff val="0"/>
+              <a:satOff val="0"/>
+              <a:lumOff val="0"/>
+              <a:alphaOff val="0"/>
+            </a:schemeClr>
+          </a:solidFill>
+          <a:prstDash val="solid"/>
+        </a:ln>
+        <a:effectLst/>
+      </dsp:spPr>
+      <dsp:style>
+        <a:lnRef idx="1">
+          <a:scrgbClr r="0" g="0" b="0"/>
+        </a:lnRef>
+        <a:fillRef idx="1">
+          <a:scrgbClr r="0" g="0" b="0"/>
+        </a:fillRef>
+        <a:effectRef idx="0">
+          <a:scrgbClr r="0" g="0" b="0"/>
+        </a:effectRef>
+        <a:fontRef idx="minor"/>
+      </dsp:style>
+      <dsp:txBody>
+        <a:bodyPr spcFirstLastPara="0" vert="horz" wrap="square" lIns="95250" tIns="95250" rIns="95250" bIns="95250" numCol="1" spcCol="1270" anchor="ctr" anchorCtr="0">
+          <a:noAutofit/>
+        </a:bodyPr>
+        <a:lstStyle/>
+        <a:p>
+          <a:pPr marL="0" lvl="0" indent="0" algn="ctr" defTabSz="1111250">
+            <a:lnSpc>
+              <a:spcPct val="90000"/>
+            </a:lnSpc>
+            <a:spcBef>
+              <a:spcPct val="0"/>
+            </a:spcBef>
+            <a:spcAft>
+              <a:spcPct val="35000"/>
+            </a:spcAft>
+            <a:buNone/>
+          </a:pPr>
+          <a:r>
+            <a:rPr lang="en-US" sz="2500" kern="1200" dirty="0"/>
+            <a:t>It also invoke methods from remote object. </a:t>
+          </a:r>
+        </a:p>
+      </dsp:txBody>
+      <dsp:txXfrm>
+        <a:off x="3650670" y="772824"/>
+        <a:ext cx="2599892" cy="1614269"/>
+      </dsp:txXfrm>
+    </dsp:sp>
+    <dsp:sp modelId="{79EBA963-5814-44CB-B7D8-E586BD148BF3}">
+      <dsp:nvSpPr>
+        <dsp:cNvPr id="0" name=""/>
+        <dsp:cNvSpPr/>
+      </dsp:nvSpPr>
+      <dsp:spPr>
+        <a:xfrm>
+          <a:off x="6600822" y="437566"/>
+          <a:ext cx="2700336" cy="1714713"/>
+        </a:xfrm>
+        <a:prstGeom prst="roundRect">
+          <a:avLst>
+            <a:gd name="adj" fmla="val 10000"/>
+          </a:avLst>
+        </a:prstGeom>
+        <a:gradFill rotWithShape="0">
+          <a:gsLst>
+            <a:gs pos="0">
+              <a:schemeClr val="lt1">
+                <a:hueOff val="0"/>
+                <a:satOff val="0"/>
+                <a:lumOff val="0"/>
+                <a:alphaOff val="0"/>
+                <a:tint val="50000"/>
+                <a:satMod val="300000"/>
+              </a:schemeClr>
+            </a:gs>
+            <a:gs pos="35000">
+              <a:schemeClr val="lt1">
+                <a:hueOff val="0"/>
+                <a:satOff val="0"/>
+                <a:lumOff val="0"/>
+                <a:alphaOff val="0"/>
+                <a:tint val="37000"/>
+                <a:satMod val="300000"/>
+              </a:schemeClr>
+            </a:gs>
+            <a:gs pos="100000">
+              <a:schemeClr val="lt1">
+                <a:hueOff val="0"/>
+                <a:satOff val="0"/>
+                <a:lumOff val="0"/>
+                <a:alphaOff val="0"/>
+                <a:tint val="15000"/>
+                <a:satMod val="350000"/>
+              </a:schemeClr>
+            </a:gs>
+          </a:gsLst>
+          <a:lin ang="16200000" scaled="1"/>
+        </a:gradFill>
+        <a:ln>
+          <a:noFill/>
+        </a:ln>
+        <a:effectLst>
+          <a:outerShdw blurRad="40000" dist="20000" dir="5400000" rotWithShape="0">
+            <a:srgbClr val="000000">
+              <a:alpha val="38000"/>
+            </a:srgbClr>
+          </a:outerShdw>
+        </a:effectLst>
+        <a:scene3d>
+          <a:camera prst="orthographicFront"/>
+          <a:lightRig rig="flat" dir="t"/>
+        </a:scene3d>
+        <a:sp3d prstMaterial="dkEdge">
+          <a:bevelT w="8200" h="38100"/>
+        </a:sp3d>
+      </dsp:spPr>
+      <dsp:style>
+        <a:lnRef idx="0">
+          <a:scrgbClr r="0" g="0" b="0"/>
+        </a:lnRef>
+        <a:fillRef idx="2">
+          <a:scrgbClr r="0" g="0" b="0"/>
+        </a:fillRef>
+        <a:effectRef idx="1">
+          <a:scrgbClr r="0" g="0" b="0"/>
+        </a:effectRef>
+        <a:fontRef idx="minor">
+          <a:schemeClr val="dk1"/>
+        </a:fontRef>
+      </dsp:style>
+    </dsp:sp>
+    <dsp:sp modelId="{2A37B8E4-78A8-4563-881A-59D572FB6885}">
+      <dsp:nvSpPr>
+        <dsp:cNvPr id="0" name=""/>
+        <dsp:cNvSpPr/>
+      </dsp:nvSpPr>
+      <dsp:spPr>
+        <a:xfrm>
+          <a:off x="6900860" y="722602"/>
+          <a:ext cx="2700336" cy="1714713"/>
+        </a:xfrm>
+        <a:prstGeom prst="roundRect">
+          <a:avLst>
+            <a:gd name="adj" fmla="val 10000"/>
+          </a:avLst>
+        </a:prstGeom>
+        <a:solidFill>
+          <a:schemeClr val="accent1">
+            <a:alpha val="90000"/>
+            <a:tint val="40000"/>
+            <a:hueOff val="0"/>
+            <a:satOff val="0"/>
+            <a:lumOff val="0"/>
+            <a:alphaOff val="0"/>
+          </a:schemeClr>
+        </a:solidFill>
+        <a:ln w="9525" cap="flat" cmpd="sng" algn="ctr">
+          <a:solidFill>
+            <a:schemeClr val="accent1">
+              <a:hueOff val="0"/>
+              <a:satOff val="0"/>
+              <a:lumOff val="0"/>
+              <a:alphaOff val="0"/>
+            </a:schemeClr>
+          </a:solidFill>
+          <a:prstDash val="solid"/>
+        </a:ln>
+        <a:effectLst/>
+      </dsp:spPr>
+      <dsp:style>
+        <a:lnRef idx="1">
+          <a:scrgbClr r="0" g="0" b="0"/>
+        </a:lnRef>
+        <a:fillRef idx="1">
+          <a:scrgbClr r="0" g="0" b="0"/>
+        </a:fillRef>
+        <a:effectRef idx="0">
+          <a:scrgbClr r="0" g="0" b="0"/>
+        </a:effectRef>
+        <a:fontRef idx="minor"/>
+      </dsp:style>
+      <dsp:txBody>
+        <a:bodyPr spcFirstLastPara="0" vert="horz" wrap="square" lIns="95250" tIns="95250" rIns="95250" bIns="95250" numCol="1" spcCol="1270" anchor="ctr" anchorCtr="0">
+          <a:noAutofit/>
+        </a:bodyPr>
+        <a:lstStyle/>
+        <a:p>
+          <a:pPr marL="0" lvl="0" indent="0" algn="ctr" defTabSz="1111250">
+            <a:lnSpc>
+              <a:spcPct val="90000"/>
+            </a:lnSpc>
+            <a:spcBef>
+              <a:spcPct val="0"/>
+            </a:spcBef>
+            <a:spcAft>
+              <a:spcPct val="35000"/>
+            </a:spcAft>
+            <a:buNone/>
+          </a:pPr>
+          <a:r>
+            <a:rPr lang="en-US" sz="2500" kern="1200"/>
+            <a:t>MemberClient communicate with MemberServer</a:t>
+          </a:r>
+        </a:p>
+      </dsp:txBody>
+      <dsp:txXfrm>
+        <a:off x="6951082" y="772824"/>
+        <a:ext cx="2599892" cy="1614269"/>
+      </dsp:txXfrm>
+    </dsp:sp>
   </dsp:spTree>
 </dsp:drawing>
 </file>
@@ -8646,7 +9698,7 @@
           <a:p>
             <a:fld id="{97620C65-498F-4DEE-94AA-5E3B7423FAA0}" type="datetimeFigureOut">
               <a:rPr lang="aa-ET" smtClean="0"/>
-              <a:t>09/05/2018</a:t>
+              <a:t>05/09/2018</a:t>
             </a:fld>
             <a:endParaRPr lang="aa-ET"/>
           </a:p>
@@ -9413,7 +10465,7 @@
           <a:p>
             <a:fld id="{1DAA98A6-9CDE-4C4B-96AD-64651D9891DB}" type="datetimeFigureOut">
               <a:rPr lang="aa-ET" smtClean="0"/>
-              <a:t>09/05/2018</a:t>
+              <a:t>05/09/2018</a:t>
             </a:fld>
             <a:endParaRPr lang="aa-ET"/>
           </a:p>
@@ -9737,7 +10789,7 @@
           <a:p>
             <a:fld id="{1DAA98A6-9CDE-4C4B-96AD-64651D9891DB}" type="datetimeFigureOut">
               <a:rPr lang="aa-ET" smtClean="0"/>
-              <a:t>09/05/2018</a:t>
+              <a:t>05/09/2018</a:t>
             </a:fld>
             <a:endParaRPr lang="aa-ET"/>
           </a:p>
@@ -9985,7 +11037,7 @@
           <a:p>
             <a:fld id="{1DAA98A6-9CDE-4C4B-96AD-64651D9891DB}" type="datetimeFigureOut">
               <a:rPr lang="aa-ET" smtClean="0"/>
-              <a:t>09/05/2018</a:t>
+              <a:t>05/09/2018</a:t>
             </a:fld>
             <a:endParaRPr lang="aa-ET"/>
           </a:p>
@@ -10324,7 +11376,7 @@
           <a:p>
             <a:fld id="{1DAA98A6-9CDE-4C4B-96AD-64651D9891DB}" type="datetimeFigureOut">
               <a:rPr lang="aa-ET" smtClean="0"/>
-              <a:t>09/05/2018</a:t>
+              <a:t>05/09/2018</a:t>
             </a:fld>
             <a:endParaRPr lang="aa-ET"/>
           </a:p>
@@ -10671,7 +11723,7 @@
           <a:p>
             <a:fld id="{1DAA98A6-9CDE-4C4B-96AD-64651D9891DB}" type="datetimeFigureOut">
               <a:rPr lang="aa-ET" smtClean="0"/>
-              <a:t>09/05/2018</a:t>
+              <a:t>05/09/2018</a:t>
             </a:fld>
             <a:endParaRPr lang="aa-ET"/>
           </a:p>
@@ -11045,7 +12097,7 @@
           <a:p>
             <a:fld id="{1DAA98A6-9CDE-4C4B-96AD-64651D9891DB}" type="datetimeFigureOut">
               <a:rPr lang="aa-ET" smtClean="0"/>
-              <a:t>09/05/2018</a:t>
+              <a:t>05/09/2018</a:t>
             </a:fld>
             <a:endParaRPr lang="aa-ET"/>
           </a:p>
@@ -11515,7 +12567,7 @@
           <a:p>
             <a:fld id="{1DAA98A6-9CDE-4C4B-96AD-64651D9891DB}" type="datetimeFigureOut">
               <a:rPr lang="aa-ET" smtClean="0"/>
-              <a:t>09/05/2018</a:t>
+              <a:t>05/09/2018</a:t>
             </a:fld>
             <a:endParaRPr lang="aa-ET"/>
           </a:p>
@@ -11720,7 +12772,7 @@
           <a:p>
             <a:fld id="{1DAA98A6-9CDE-4C4B-96AD-64651D9891DB}" type="datetimeFigureOut">
               <a:rPr lang="aa-ET" smtClean="0"/>
-              <a:t>09/05/2018</a:t>
+              <a:t>05/09/2018</a:t>
             </a:fld>
             <a:endParaRPr lang="aa-ET"/>
           </a:p>
@@ -11931,7 +12983,7 @@
           <a:p>
             <a:fld id="{1DAA98A6-9CDE-4C4B-96AD-64651D9891DB}" type="datetimeFigureOut">
               <a:rPr lang="aa-ET" smtClean="0"/>
-              <a:t>09/05/2018</a:t>
+              <a:t>05/09/2018</a:t>
             </a:fld>
             <a:endParaRPr lang="aa-ET"/>
           </a:p>
@@ -12163,7 +13215,7 @@
           <a:p>
             <a:fld id="{1DAA98A6-9CDE-4C4B-96AD-64651D9891DB}" type="datetimeFigureOut">
               <a:rPr lang="aa-ET" smtClean="0"/>
-              <a:t>09/05/2018</a:t>
+              <a:t>05/09/2018</a:t>
             </a:fld>
             <a:endParaRPr lang="aa-ET"/>
           </a:p>
@@ -12411,7 +13463,7 @@
           <a:p>
             <a:fld id="{1DAA98A6-9CDE-4C4B-96AD-64651D9891DB}" type="datetimeFigureOut">
               <a:rPr lang="aa-ET" smtClean="0"/>
-              <a:t>09/05/2018</a:t>
+              <a:t>05/09/2018</a:t>
             </a:fld>
             <a:endParaRPr lang="aa-ET"/>
           </a:p>
@@ -12709,7 +13761,7 @@
           <a:p>
             <a:fld id="{1DAA98A6-9CDE-4C4B-96AD-64651D9891DB}" type="datetimeFigureOut">
               <a:rPr lang="aa-ET" smtClean="0"/>
-              <a:t>09/05/2018</a:t>
+              <a:t>05/09/2018</a:t>
             </a:fld>
             <a:endParaRPr lang="aa-ET"/>
           </a:p>
@@ -13103,7 +14155,7 @@
           <a:p>
             <a:fld id="{1DAA98A6-9CDE-4C4B-96AD-64651D9891DB}" type="datetimeFigureOut">
               <a:rPr lang="aa-ET" smtClean="0"/>
-              <a:t>09/05/2018</a:t>
+              <a:t>05/09/2018</a:t>
             </a:fld>
             <a:endParaRPr lang="aa-ET"/>
           </a:p>
@@ -13252,7 +14304,7 @@
           <a:p>
             <a:fld id="{1DAA98A6-9CDE-4C4B-96AD-64651D9891DB}" type="datetimeFigureOut">
               <a:rPr lang="aa-ET" smtClean="0"/>
-              <a:t>09/05/2018</a:t>
+              <a:t>05/09/2018</a:t>
             </a:fld>
             <a:endParaRPr lang="aa-ET"/>
           </a:p>
@@ -13378,7 +14430,7 @@
           <a:p>
             <a:fld id="{1DAA98A6-9CDE-4C4B-96AD-64651D9891DB}" type="datetimeFigureOut">
               <a:rPr lang="aa-ET" smtClean="0"/>
-              <a:t>09/05/2018</a:t>
+              <a:t>05/09/2018</a:t>
             </a:fld>
             <a:endParaRPr lang="aa-ET"/>
           </a:p>
@@ -13633,7 +14685,7 @@
           <a:p>
             <a:fld id="{1DAA98A6-9CDE-4C4B-96AD-64651D9891DB}" type="datetimeFigureOut">
               <a:rPr lang="aa-ET" smtClean="0"/>
-              <a:t>09/05/2018</a:t>
+              <a:t>05/09/2018</a:t>
             </a:fld>
             <a:endParaRPr lang="aa-ET"/>
           </a:p>
@@ -13948,7 +15000,7 @@
           <a:p>
             <a:fld id="{1DAA98A6-9CDE-4C4B-96AD-64651D9891DB}" type="datetimeFigureOut">
               <a:rPr lang="aa-ET" smtClean="0"/>
-              <a:t>09/05/2018</a:t>
+              <a:t>05/09/2018</a:t>
             </a:fld>
             <a:endParaRPr lang="aa-ET"/>
           </a:p>
@@ -14299,7 +15351,7 @@
           <a:p>
             <a:fld id="{1DAA98A6-9CDE-4C4B-96AD-64651D9891DB}" type="datetimeFigureOut">
               <a:rPr lang="aa-ET" smtClean="0"/>
-              <a:t>09/05/2018</a:t>
+              <a:t>05/09/2018</a:t>
             </a:fld>
             <a:endParaRPr lang="aa-ET"/>
           </a:p>
@@ -14858,7 +15910,7 @@
           <p:cNvPr id="31" name="Rectangle 30">
             <a:extLst>
               <a:ext uri="{FF2B5EF4-FFF2-40B4-BE49-F238E27FC236}">
-                <a16:creationId xmlns:a16="http://schemas.microsoft.com/office/drawing/2014/main" xmlns="" id="{28FA177F-145C-478A-A7ED-8D021CE76B3B}"/>
+                <a16:creationId xmlns:a16="http://schemas.microsoft.com/office/drawing/2014/main" id="{28FA177F-145C-478A-A7ED-8D021CE76B3B}"/>
               </a:ext>
             </a:extLst>
           </p:cNvPr>
@@ -14868,7 +15920,7 @@
           <p:nvPr>
             <p:extLst>
               <p:ext uri="{386F3935-93C4-4BCD-93E2-E3B085C9AB24}">
-                <p16:designElem xmlns:p16="http://schemas.microsoft.com/office/powerpoint/2015/main" xmlns="" val="1"/>
+                <p16:designElem xmlns:p16="http://schemas.microsoft.com/office/powerpoint/2015/main" val="1"/>
               </p:ext>
             </p:extLst>
           </p:nvPr>
@@ -14915,7 +15967,7 @@
           <p:cNvPr id="33" name="Group 32">
             <a:extLst>
               <a:ext uri="{FF2B5EF4-FFF2-40B4-BE49-F238E27FC236}">
-                <a16:creationId xmlns:a16="http://schemas.microsoft.com/office/drawing/2014/main" xmlns="" id="{1A96A522-1258-462E-AFC5-F5E3F14110E3}"/>
+                <a16:creationId xmlns:a16="http://schemas.microsoft.com/office/drawing/2014/main" id="{1A96A522-1258-462E-AFC5-F5E3F14110E3}"/>
               </a:ext>
             </a:extLst>
           </p:cNvPr>
@@ -14925,7 +15977,7 @@
           <p:nvPr>
             <p:extLst>
               <p:ext uri="{386F3935-93C4-4BCD-93E2-E3B085C9AB24}">
-                <p16:designElem xmlns:p16="http://schemas.microsoft.com/office/powerpoint/2015/main" xmlns="" val="1"/>
+                <p16:designElem xmlns:p16="http://schemas.microsoft.com/office/powerpoint/2015/main" val="1"/>
               </p:ext>
             </p:extLst>
           </p:nvPr>
@@ -14943,7 +15995,7 @@
             <p:cNvPr id="34" name="Picture 33">
               <a:extLst>
                 <a:ext uri="{FF2B5EF4-FFF2-40B4-BE49-F238E27FC236}">
-                  <a16:creationId xmlns:a16="http://schemas.microsoft.com/office/drawing/2014/main" xmlns="" id="{ECD43597-59D1-4246-A90D-26FE2B6081B0}"/>
+                  <a16:creationId xmlns:a16="http://schemas.microsoft.com/office/drawing/2014/main" id="{ECD43597-59D1-4246-A90D-26FE2B6081B0}"/>
                 </a:ext>
               </a:extLst>
             </p:cNvPr>
@@ -14953,7 +16005,7 @@
             <p:nvPr>
               <p:extLst>
                 <p:ext uri="{386F3935-93C4-4BCD-93E2-E3B085C9AB24}">
-                  <p16:designElem xmlns:p16="http://schemas.microsoft.com/office/powerpoint/2015/main" xmlns="" val="1"/>
+                  <p16:designElem xmlns:p16="http://schemas.microsoft.com/office/powerpoint/2015/main" val="1"/>
                 </p:ext>
               </p:extLst>
             </p:nvPr>
@@ -14985,7 +16037,7 @@
             <p:cNvPr id="35" name="Rectangle 34">
               <a:extLst>
                 <a:ext uri="{FF2B5EF4-FFF2-40B4-BE49-F238E27FC236}">
-                  <a16:creationId xmlns:a16="http://schemas.microsoft.com/office/drawing/2014/main" xmlns="" id="{2ED48CD8-BE7A-4992-8570-58DEE9826AAB}"/>
+                  <a16:creationId xmlns:a16="http://schemas.microsoft.com/office/drawing/2014/main" id="{2ED48CD8-BE7A-4992-8570-58DEE9826AAB}"/>
                 </a:ext>
               </a:extLst>
             </p:cNvPr>
@@ -14993,7 +16045,7 @@
             <p:nvPr>
               <p:extLst>
                 <p:ext uri="{386F3935-93C4-4BCD-93E2-E3B085C9AB24}">
-                  <p16:designElem xmlns:p16="http://schemas.microsoft.com/office/powerpoint/2015/main" xmlns="" val="1"/>
+                  <p16:designElem xmlns:p16="http://schemas.microsoft.com/office/powerpoint/2015/main" val="1"/>
                 </p:ext>
               </p:extLst>
             </p:nvPr>
@@ -15031,7 +16083,7 @@
             <p:cNvPr id="36" name="Picture 35">
               <a:extLst>
                 <a:ext uri="{FF2B5EF4-FFF2-40B4-BE49-F238E27FC236}">
-                  <a16:creationId xmlns:a16="http://schemas.microsoft.com/office/drawing/2014/main" xmlns="" id="{9A68BD7C-72FC-4E92-88BB-3401D485D2B7}"/>
+                  <a16:creationId xmlns:a16="http://schemas.microsoft.com/office/drawing/2014/main" id="{9A68BD7C-72FC-4E92-88BB-3401D485D2B7}"/>
                 </a:ext>
               </a:extLst>
             </p:cNvPr>
@@ -15041,7 +16093,7 @@
             <p:nvPr>
               <p:extLst>
                 <p:ext uri="{386F3935-93C4-4BCD-93E2-E3B085C9AB24}">
-                  <p16:designElem xmlns:p16="http://schemas.microsoft.com/office/powerpoint/2015/main" xmlns="" val="1"/>
+                  <p16:designElem xmlns:p16="http://schemas.microsoft.com/office/powerpoint/2015/main" val="1"/>
                 </p:ext>
               </p:extLst>
             </p:nvPr>
@@ -15072,7 +16124,7 @@
             <p:cNvPr id="37" name="Picture 36">
               <a:extLst>
                 <a:ext uri="{FF2B5EF4-FFF2-40B4-BE49-F238E27FC236}">
-                  <a16:creationId xmlns:a16="http://schemas.microsoft.com/office/drawing/2014/main" xmlns="" id="{C8B73423-E00D-4FC9-9873-0C259A14BC19}"/>
+                  <a16:creationId xmlns:a16="http://schemas.microsoft.com/office/drawing/2014/main" id="{C8B73423-E00D-4FC9-9873-0C259A14BC19}"/>
                 </a:ext>
               </a:extLst>
             </p:cNvPr>
@@ -15082,7 +16134,7 @@
             <p:nvPr>
               <p:extLst>
                 <p:ext uri="{386F3935-93C4-4BCD-93E2-E3B085C9AB24}">
-                  <p16:designElem xmlns:p16="http://schemas.microsoft.com/office/powerpoint/2015/main" xmlns="" val="1"/>
+                  <p16:designElem xmlns:p16="http://schemas.microsoft.com/office/powerpoint/2015/main" val="1"/>
                 </p:ext>
               </p:extLst>
             </p:nvPr>
@@ -15114,7 +16166,7 @@
           <p:cNvPr id="77" name="Rectangle 38">
             <a:extLst>
               <a:ext uri="{FF2B5EF4-FFF2-40B4-BE49-F238E27FC236}">
-                <a16:creationId xmlns:a16="http://schemas.microsoft.com/office/drawing/2014/main" xmlns="" id="{22EEABFB-D1AB-4BFF-84FC-449548E93E09}"/>
+                <a16:creationId xmlns:a16="http://schemas.microsoft.com/office/drawing/2014/main" id="{22EEABFB-D1AB-4BFF-84FC-449548E93E09}"/>
               </a:ext>
             </a:extLst>
           </p:cNvPr>
@@ -15124,7 +16176,7 @@
           <p:nvPr>
             <p:extLst>
               <p:ext uri="{386F3935-93C4-4BCD-93E2-E3B085C9AB24}">
-                <p16:designElem xmlns:p16="http://schemas.microsoft.com/office/powerpoint/2015/main" xmlns="" val="1"/>
+                <p16:designElem xmlns:p16="http://schemas.microsoft.com/office/powerpoint/2015/main" val="1"/>
               </p:ext>
             </p:extLst>
           </p:nvPr>
@@ -15180,7 +16232,7 @@
           <p:cNvPr id="26" name="Graphic 6">
             <a:extLst>
               <a:ext uri="{FF2B5EF4-FFF2-40B4-BE49-F238E27FC236}">
-                <a16:creationId xmlns:a16="http://schemas.microsoft.com/office/drawing/2014/main" xmlns="" id="{E082B1A2-6853-4B96-83B0-28D71C87FB9D}"/>
+                <a16:creationId xmlns:a16="http://schemas.microsoft.com/office/drawing/2014/main" id="{E082B1A2-6853-4B96-83B0-28D71C87FB9D}"/>
               </a:ext>
             </a:extLst>
           </p:cNvPr>
@@ -15196,7 +16248,7 @@
                 <a14:useLocalDpi xmlns:a14="http://schemas.microsoft.com/office/drawing/2010/main" val="0"/>
               </a:ext>
               <a:ext uri="{96DAC541-7B7A-43D3-8B79-37D633B846F1}">
-                <asvg:svgBlip xmlns:asvg="http://schemas.microsoft.com/office/drawing/2016/SVG/main" xmlns="" r:embed="rId6"/>
+                <asvg:svgBlip xmlns:asvg="http://schemas.microsoft.com/office/drawing/2016/SVG/main" r:embed="rId6"/>
               </a:ext>
             </a:extLst>
           </a:blip>
@@ -15219,7 +16271,7 @@
           <p:cNvPr id="78" name="Straight Connector 40">
             <a:extLst>
               <a:ext uri="{FF2B5EF4-FFF2-40B4-BE49-F238E27FC236}">
-                <a16:creationId xmlns:a16="http://schemas.microsoft.com/office/drawing/2014/main" xmlns="" id="{4231BC86-8965-4F95-9FD9-76313A7D601B}"/>
+                <a16:creationId xmlns:a16="http://schemas.microsoft.com/office/drawing/2014/main" id="{4231BC86-8965-4F95-9FD9-76313A7D601B}"/>
               </a:ext>
             </a:extLst>
           </p:cNvPr>
@@ -15229,7 +16281,7 @@
           <p:nvPr>
             <p:extLst>
               <p:ext uri="{386F3935-93C4-4BCD-93E2-E3B085C9AB24}">
-                <p16:designElem xmlns:p16="http://schemas.microsoft.com/office/powerpoint/2015/main" xmlns="" val="1"/>
+                <p16:designElem xmlns:p16="http://schemas.microsoft.com/office/powerpoint/2015/main" val="1"/>
               </p:ext>
             </p:extLst>
           </p:nvPr>
@@ -15263,7 +16315,7 @@
           <p:cNvPr id="2" name="Title 1">
             <a:extLst>
               <a:ext uri="{FF2B5EF4-FFF2-40B4-BE49-F238E27FC236}">
-                <a16:creationId xmlns:a16="http://schemas.microsoft.com/office/drawing/2014/main" xmlns="" id="{3F7E20A1-BE45-4D63-B18E-679A0D1F1557}"/>
+                <a16:creationId xmlns:a16="http://schemas.microsoft.com/office/drawing/2014/main" id="{3F7E20A1-BE45-4D63-B18E-679A0D1F1557}"/>
               </a:ext>
             </a:extLst>
           </p:cNvPr>
@@ -15282,28 +16334,75 @@
         </p:spPr>
         <p:txBody>
           <a:bodyPr>
-            <a:normAutofit/>
+            <a:noAutofit/>
           </a:bodyPr>
           <a:lstStyle/>
           <a:p>
-            <a:pPr>
-              <a:lnSpc>
-                <a:spcPct val="90000"/>
-              </a:lnSpc>
-            </a:pPr>
             <a:r>
-              <a:rPr lang="da-DK">
-                <a:solidFill>
-                  <a:srgbClr val="262626"/>
-                </a:solidFill>
-              </a:rPr>
-              <a:t>CLIENT SERVER SYSTEM</a:t>
+              <a:rPr lang="en-US" sz="2400" b="1" dirty="0"/>
+              <a:t>Taha Mohamed </a:t>
             </a:r>
-            <a:endParaRPr lang="aa-ET">
-              <a:solidFill>
-                <a:srgbClr val="262626"/>
-              </a:solidFill>
-            </a:endParaRPr>
+            <a:r>
+              <a:rPr lang="en-US" sz="2400" b="1" dirty="0" err="1"/>
+              <a:t>Alzain</a:t>
+            </a:r>
+            <a:br>
+              <a:rPr lang="en-US" sz="2400" b="1" dirty="0"/>
+            </a:br>
+            <a:r>
+              <a:rPr lang="en-GB" sz="2400" b="1" dirty="0"/>
+              <a:t>Muhammad Nadeem</a:t>
+            </a:r>
+            <a:br>
+              <a:rPr lang="en-GB" sz="2400" b="1" dirty="0"/>
+            </a:br>
+            <a:r>
+              <a:rPr lang="en-GB" sz="2400" b="1" dirty="0"/>
+              <a:t>Fadi </a:t>
+            </a:r>
+            <a:r>
+              <a:rPr lang="en-GB" sz="2400" b="1" dirty="0" err="1"/>
+              <a:t>Atia</a:t>
+            </a:r>
+            <a:r>
+              <a:rPr lang="en-GB" sz="2400" b="1" dirty="0"/>
+              <a:t> </a:t>
+            </a:r>
+            <a:r>
+              <a:rPr lang="en-GB" sz="2400" b="1" dirty="0" err="1"/>
+              <a:t>Dasus</a:t>
+            </a:r>
+            <a:br>
+              <a:rPr lang="da-DK" sz="2400" b="1" dirty="0"/>
+            </a:br>
+            <a:r>
+              <a:rPr lang="en-GB" sz="2400" b="1" dirty="0" err="1"/>
+              <a:t>Oskars</a:t>
+            </a:r>
+            <a:r>
+              <a:rPr lang="en-GB" sz="2400" b="1" dirty="0"/>
+              <a:t> </a:t>
+            </a:r>
+            <a:r>
+              <a:rPr lang="en-GB" sz="2400" b="1" dirty="0" err="1"/>
+              <a:t>Arajs</a:t>
+            </a:r>
+            <a:br>
+              <a:rPr lang="en-GB" sz="2400" b="1" dirty="0"/>
+            </a:br>
+            <a:r>
+              <a:rPr lang="en-GB" sz="2400" b="1" dirty="0" err="1"/>
+              <a:t>Alexandru</a:t>
+            </a:r>
+            <a:r>
+              <a:rPr lang="en-GB" sz="2400" b="1" dirty="0"/>
+              <a:t> </a:t>
+            </a:r>
+            <a:r>
+              <a:rPr lang="en-GB" sz="2400" b="1" dirty="0" err="1"/>
+              <a:t>Vieru</a:t>
+            </a:r>
+            <a:endParaRPr lang="en-US" sz="2400" dirty="0"/>
           </a:p>
         </p:txBody>
       </p:sp>
@@ -15312,7 +16411,7 @@
           <p:cNvPr id="3" name="Subtitle 2">
             <a:extLst>
               <a:ext uri="{FF2B5EF4-FFF2-40B4-BE49-F238E27FC236}">
-                <a16:creationId xmlns:a16="http://schemas.microsoft.com/office/drawing/2014/main" xmlns="" id="{ACA2DBAC-A617-4F8F-8CC3-994D2DDF9AD6}"/>
+                <a16:creationId xmlns:a16="http://schemas.microsoft.com/office/drawing/2014/main" id="{ACA2DBAC-A617-4F8F-8CC3-994D2DDF9AD6}"/>
               </a:ext>
             </a:extLst>
           </p:cNvPr>
@@ -15336,14 +16435,14 @@
           <a:lstStyle/>
           <a:p>
             <a:r>
-              <a:rPr lang="da-DK">
+              <a:rPr lang="da-DK" dirty="0">
                 <a:solidFill>
                   <a:srgbClr val="000000"/>
                 </a:solidFill>
               </a:rPr>
               <a:t>GROUP 4</a:t>
             </a:r>
-            <a:endParaRPr lang="aa-ET">
+            <a:endParaRPr lang="aa-ET" dirty="0">
               <a:solidFill>
                 <a:srgbClr val="000000"/>
               </a:solidFill>
@@ -15400,7 +16499,7 @@
           <p:cNvPr id="2" name="Title 1">
             <a:extLst>
               <a:ext uri="{FF2B5EF4-FFF2-40B4-BE49-F238E27FC236}">
-                <a16:creationId xmlns:a16="http://schemas.microsoft.com/office/drawing/2014/main" xmlns="" id="{22A36C66-AD4A-4030-89DF-D474261AA25C}"/>
+                <a16:creationId xmlns:a16="http://schemas.microsoft.com/office/drawing/2014/main" id="{22A36C66-AD4A-4030-89DF-D474261AA25C}"/>
               </a:ext>
             </a:extLst>
           </p:cNvPr>
@@ -15444,7 +16543,7 @@
           <p:cNvPr id="5" name="Content Placeholder 2">
             <a:extLst>
               <a:ext uri="{FF2B5EF4-FFF2-40B4-BE49-F238E27FC236}">
-                <a16:creationId xmlns:a16="http://schemas.microsoft.com/office/drawing/2014/main" xmlns="" id="{00725E55-E8C3-4336-82C1-ED7B2117D8CE}"/>
+                <a16:creationId xmlns:a16="http://schemas.microsoft.com/office/drawing/2014/main" id="{00725E55-E8C3-4336-82C1-ED7B2117D8CE}"/>
               </a:ext>
             </a:extLst>
           </p:cNvPr>
@@ -15519,7 +16618,7 @@
           <p:cNvPr id="10" name="Group 9">
             <a:extLst>
               <a:ext uri="{FF2B5EF4-FFF2-40B4-BE49-F238E27FC236}">
-                <a16:creationId xmlns:a16="http://schemas.microsoft.com/office/drawing/2014/main" xmlns="" id="{749C117F-F390-437B-ADB0-57E87EFF34F5}"/>
+                <a16:creationId xmlns:a16="http://schemas.microsoft.com/office/drawing/2014/main" id="{749C117F-F390-437B-ADB0-57E87EFF34F5}"/>
               </a:ext>
             </a:extLst>
           </p:cNvPr>
@@ -15529,7 +16628,7 @@
           <p:nvPr>
             <p:extLst>
               <p:ext uri="{386F3935-93C4-4BCD-93E2-E3B085C9AB24}">
-                <p16:designElem xmlns:p16="http://schemas.microsoft.com/office/powerpoint/2015/main" xmlns="" val="1"/>
+                <p16:designElem xmlns:p16="http://schemas.microsoft.com/office/powerpoint/2015/main" val="1"/>
               </p:ext>
             </p:extLst>
           </p:nvPr>
@@ -15547,7 +16646,7 @@
             <p:cNvPr id="11" name="Picture 10">
               <a:extLst>
                 <a:ext uri="{FF2B5EF4-FFF2-40B4-BE49-F238E27FC236}">
-                  <a16:creationId xmlns:a16="http://schemas.microsoft.com/office/drawing/2014/main" xmlns="" id="{A7EF42F8-2417-49A6-95CE-DE9503B0AA66}"/>
+                  <a16:creationId xmlns:a16="http://schemas.microsoft.com/office/drawing/2014/main" id="{A7EF42F8-2417-49A6-95CE-DE9503B0AA66}"/>
                 </a:ext>
               </a:extLst>
             </p:cNvPr>
@@ -15557,7 +16656,7 @@
             <p:nvPr>
               <p:extLst>
                 <p:ext uri="{386F3935-93C4-4BCD-93E2-E3B085C9AB24}">
-                  <p16:designElem xmlns:p16="http://schemas.microsoft.com/office/powerpoint/2015/main" xmlns="" val="1"/>
+                  <p16:designElem xmlns:p16="http://schemas.microsoft.com/office/powerpoint/2015/main" val="1"/>
                 </p:ext>
               </p:extLst>
             </p:nvPr>
@@ -15589,7 +16688,7 @@
             <p:cNvPr id="12" name="Rectangle 11">
               <a:extLst>
                 <a:ext uri="{FF2B5EF4-FFF2-40B4-BE49-F238E27FC236}">
-                  <a16:creationId xmlns:a16="http://schemas.microsoft.com/office/drawing/2014/main" xmlns="" id="{AC6F623B-2003-4AED-B02F-541A150EC143}"/>
+                  <a16:creationId xmlns:a16="http://schemas.microsoft.com/office/drawing/2014/main" id="{AC6F623B-2003-4AED-B02F-541A150EC143}"/>
                 </a:ext>
               </a:extLst>
             </p:cNvPr>
@@ -15597,7 +16696,7 @@
             <p:nvPr>
               <p:extLst>
                 <p:ext uri="{386F3935-93C4-4BCD-93E2-E3B085C9AB24}">
-                  <p16:designElem xmlns:p16="http://schemas.microsoft.com/office/powerpoint/2015/main" xmlns="" val="1"/>
+                  <p16:designElem xmlns:p16="http://schemas.microsoft.com/office/powerpoint/2015/main" val="1"/>
                 </p:ext>
               </p:extLst>
             </p:nvPr>
@@ -15635,7 +16734,7 @@
             <p:cNvPr id="13" name="Picture 12">
               <a:extLst>
                 <a:ext uri="{FF2B5EF4-FFF2-40B4-BE49-F238E27FC236}">
-                  <a16:creationId xmlns:a16="http://schemas.microsoft.com/office/drawing/2014/main" xmlns="" id="{CD11837A-4F3D-419F-ACE2-E80B1EA2846F}"/>
+                  <a16:creationId xmlns:a16="http://schemas.microsoft.com/office/drawing/2014/main" id="{CD11837A-4F3D-419F-ACE2-E80B1EA2846F}"/>
                 </a:ext>
               </a:extLst>
             </p:cNvPr>
@@ -15645,7 +16744,7 @@
             <p:nvPr>
               <p:extLst>
                 <p:ext uri="{386F3935-93C4-4BCD-93E2-E3B085C9AB24}">
-                  <p16:designElem xmlns:p16="http://schemas.microsoft.com/office/powerpoint/2015/main" xmlns="" val="1"/>
+                  <p16:designElem xmlns:p16="http://schemas.microsoft.com/office/powerpoint/2015/main" val="1"/>
                 </p:ext>
               </p:extLst>
             </p:nvPr>
@@ -15676,7 +16775,7 @@
             <p:cNvPr id="14" name="Picture 13">
               <a:extLst>
                 <a:ext uri="{FF2B5EF4-FFF2-40B4-BE49-F238E27FC236}">
-                  <a16:creationId xmlns:a16="http://schemas.microsoft.com/office/drawing/2014/main" xmlns="" id="{B9411D1A-7E2C-4A36-BE32-BF7A8E130723}"/>
+                  <a16:creationId xmlns:a16="http://schemas.microsoft.com/office/drawing/2014/main" id="{B9411D1A-7E2C-4A36-BE32-BF7A8E130723}"/>
                 </a:ext>
               </a:extLst>
             </p:cNvPr>
@@ -15686,7 +16785,7 @@
             <p:nvPr>
               <p:extLst>
                 <p:ext uri="{386F3935-93C4-4BCD-93E2-E3B085C9AB24}">
-                  <p16:designElem xmlns:p16="http://schemas.microsoft.com/office/powerpoint/2015/main" xmlns="" val="1"/>
+                  <p16:designElem xmlns:p16="http://schemas.microsoft.com/office/powerpoint/2015/main" val="1"/>
                 </p:ext>
               </p:extLst>
             </p:nvPr>
@@ -15718,7 +16817,7 @@
           <p:cNvPr id="16" name="Straight Connector 15">
             <a:extLst>
               <a:ext uri="{FF2B5EF4-FFF2-40B4-BE49-F238E27FC236}">
-                <a16:creationId xmlns:a16="http://schemas.microsoft.com/office/drawing/2014/main" xmlns="" id="{20742BC3-654B-4E41-9A6A-73A42E477639}"/>
+                <a16:creationId xmlns:a16="http://schemas.microsoft.com/office/drawing/2014/main" id="{20742BC3-654B-4E41-9A6A-73A42E477639}"/>
               </a:ext>
             </a:extLst>
           </p:cNvPr>
@@ -15728,7 +16827,7 @@
           <p:nvPr>
             <p:extLst>
               <p:ext uri="{386F3935-93C4-4BCD-93E2-E3B085C9AB24}">
-                <p16:designElem xmlns:p16="http://schemas.microsoft.com/office/powerpoint/2015/main" xmlns="" val="1"/>
+                <p16:designElem xmlns:p16="http://schemas.microsoft.com/office/powerpoint/2015/main" val="1"/>
               </p:ext>
             </p:extLst>
           </p:nvPr>
@@ -15762,7 +16861,7 @@
           <p:cNvPr id="18" name="Rectangle 17">
             <a:extLst>
               <a:ext uri="{FF2B5EF4-FFF2-40B4-BE49-F238E27FC236}">
-                <a16:creationId xmlns:a16="http://schemas.microsoft.com/office/drawing/2014/main" xmlns="" id="{575E71FA-50BD-43F8-8C98-04339283A93D}"/>
+                <a16:creationId xmlns:a16="http://schemas.microsoft.com/office/drawing/2014/main" id="{575E71FA-50BD-43F8-8C98-04339283A93D}"/>
               </a:ext>
             </a:extLst>
           </p:cNvPr>
@@ -15772,7 +16871,7 @@
           <p:nvPr>
             <p:extLst>
               <p:ext uri="{386F3935-93C4-4BCD-93E2-E3B085C9AB24}">
-                <p16:designElem xmlns:p16="http://schemas.microsoft.com/office/powerpoint/2015/main" xmlns="" val="1"/>
+                <p16:designElem xmlns:p16="http://schemas.microsoft.com/office/powerpoint/2015/main" val="1"/>
               </p:ext>
             </p:extLst>
           </p:nvPr>
@@ -15819,7 +16918,7 @@
           <p:cNvPr id="20" name="Group 19">
             <a:extLst>
               <a:ext uri="{FF2B5EF4-FFF2-40B4-BE49-F238E27FC236}">
-                <a16:creationId xmlns:a16="http://schemas.microsoft.com/office/drawing/2014/main" xmlns="" id="{CF1AA7F6-A589-4BC8-BC72-2CA6DC908398}"/>
+                <a16:creationId xmlns:a16="http://schemas.microsoft.com/office/drawing/2014/main" id="{CF1AA7F6-A589-4BC8-BC72-2CA6DC908398}"/>
               </a:ext>
             </a:extLst>
           </p:cNvPr>
@@ -15829,7 +16928,7 @@
           <p:nvPr>
             <p:extLst>
               <p:ext uri="{386F3935-93C4-4BCD-93E2-E3B085C9AB24}">
-                <p16:designElem xmlns:p16="http://schemas.microsoft.com/office/powerpoint/2015/main" xmlns="" val="1"/>
+                <p16:designElem xmlns:p16="http://schemas.microsoft.com/office/powerpoint/2015/main" val="1"/>
               </p:ext>
             </p:extLst>
           </p:nvPr>
@@ -15847,7 +16946,7 @@
             <p:cNvPr id="21" name="Picture 20">
               <a:extLst>
                 <a:ext uri="{FF2B5EF4-FFF2-40B4-BE49-F238E27FC236}">
-                  <a16:creationId xmlns:a16="http://schemas.microsoft.com/office/drawing/2014/main" xmlns="" id="{53F5243F-7E41-439E-8991-C4F246D88F68}"/>
+                  <a16:creationId xmlns:a16="http://schemas.microsoft.com/office/drawing/2014/main" id="{53F5243F-7E41-439E-8991-C4F246D88F68}"/>
                 </a:ext>
               </a:extLst>
             </p:cNvPr>
@@ -15857,7 +16956,7 @@
             <p:nvPr>
               <p:extLst>
                 <p:ext uri="{386F3935-93C4-4BCD-93E2-E3B085C9AB24}">
-                  <p16:designElem xmlns:p16="http://schemas.microsoft.com/office/powerpoint/2015/main" xmlns="" val="1"/>
+                  <p16:designElem xmlns:p16="http://schemas.microsoft.com/office/powerpoint/2015/main" val="1"/>
                 </p:ext>
               </p:extLst>
             </p:nvPr>
@@ -15889,7 +16988,7 @@
             <p:cNvPr id="22" name="Rectangle 21">
               <a:extLst>
                 <a:ext uri="{FF2B5EF4-FFF2-40B4-BE49-F238E27FC236}">
-                  <a16:creationId xmlns:a16="http://schemas.microsoft.com/office/drawing/2014/main" xmlns="" id="{401A6B5F-1CF1-43AD-9E85-94E187210CFC}"/>
+                  <a16:creationId xmlns:a16="http://schemas.microsoft.com/office/drawing/2014/main" id="{401A6B5F-1CF1-43AD-9E85-94E187210CFC}"/>
                 </a:ext>
               </a:extLst>
             </p:cNvPr>
@@ -15897,7 +16996,7 @@
             <p:nvPr>
               <p:extLst>
                 <p:ext uri="{386F3935-93C4-4BCD-93E2-E3B085C9AB24}">
-                  <p16:designElem xmlns:p16="http://schemas.microsoft.com/office/powerpoint/2015/main" xmlns="" val="1"/>
+                  <p16:designElem xmlns:p16="http://schemas.microsoft.com/office/powerpoint/2015/main" val="1"/>
                 </p:ext>
               </p:extLst>
             </p:nvPr>
@@ -15935,7 +17034,7 @@
             <p:cNvPr id="23" name="Picture 22">
               <a:extLst>
                 <a:ext uri="{FF2B5EF4-FFF2-40B4-BE49-F238E27FC236}">
-                  <a16:creationId xmlns:a16="http://schemas.microsoft.com/office/drawing/2014/main" xmlns="" id="{2F682A59-7E20-407C-A7F8-582295AC687C}"/>
+                  <a16:creationId xmlns:a16="http://schemas.microsoft.com/office/drawing/2014/main" id="{2F682A59-7E20-407C-A7F8-582295AC687C}"/>
                 </a:ext>
               </a:extLst>
             </p:cNvPr>
@@ -15945,7 +17044,7 @@
             <p:nvPr>
               <p:extLst>
                 <p:ext uri="{386F3935-93C4-4BCD-93E2-E3B085C9AB24}">
-                  <p16:designElem xmlns:p16="http://schemas.microsoft.com/office/powerpoint/2015/main" xmlns="" val="1"/>
+                  <p16:designElem xmlns:p16="http://schemas.microsoft.com/office/powerpoint/2015/main" val="1"/>
                 </p:ext>
               </p:extLst>
             </p:nvPr>
@@ -15976,7 +17075,7 @@
             <p:cNvPr id="24" name="Picture 23">
               <a:extLst>
                 <a:ext uri="{FF2B5EF4-FFF2-40B4-BE49-F238E27FC236}">
-                  <a16:creationId xmlns:a16="http://schemas.microsoft.com/office/drawing/2014/main" xmlns="" id="{5E4AC24E-0670-406E-822F-AAA6DA2010D3}"/>
+                  <a16:creationId xmlns:a16="http://schemas.microsoft.com/office/drawing/2014/main" id="{5E4AC24E-0670-406E-822F-AAA6DA2010D3}"/>
                 </a:ext>
               </a:extLst>
             </p:cNvPr>
@@ -15986,7 +17085,7 @@
             <p:nvPr>
               <p:extLst>
                 <p:ext uri="{386F3935-93C4-4BCD-93E2-E3B085C9AB24}">
-                  <p16:designElem xmlns:p16="http://schemas.microsoft.com/office/powerpoint/2015/main" xmlns="" val="1"/>
+                  <p16:designElem xmlns:p16="http://schemas.microsoft.com/office/powerpoint/2015/main" val="1"/>
                 </p:ext>
               </p:extLst>
             </p:nvPr>
@@ -16018,7 +17117,7 @@
           <p:cNvPr id="35" name="Rectangle 25">
             <a:extLst>
               <a:ext uri="{FF2B5EF4-FFF2-40B4-BE49-F238E27FC236}">
-                <a16:creationId xmlns:a16="http://schemas.microsoft.com/office/drawing/2014/main" xmlns="" id="{E89B1776-F953-4C0F-8E85-E9C66B1EF003}"/>
+                <a16:creationId xmlns:a16="http://schemas.microsoft.com/office/drawing/2014/main" id="{E89B1776-F953-4C0F-8E85-E9C66B1EF003}"/>
               </a:ext>
             </a:extLst>
           </p:cNvPr>
@@ -16028,7 +17127,7 @@
           <p:nvPr>
             <p:extLst>
               <p:ext uri="{386F3935-93C4-4BCD-93E2-E3B085C9AB24}">
-                <p16:designElem xmlns:p16="http://schemas.microsoft.com/office/powerpoint/2015/main" xmlns="" val="1"/>
+                <p16:designElem xmlns:p16="http://schemas.microsoft.com/office/powerpoint/2015/main" val="1"/>
               </p:ext>
             </p:extLst>
           </p:nvPr>
@@ -16084,7 +17183,7 @@
           <p:cNvPr id="5" name="Picture 4">
             <a:extLst>
               <a:ext uri="{FF2B5EF4-FFF2-40B4-BE49-F238E27FC236}">
-                <a16:creationId xmlns:a16="http://schemas.microsoft.com/office/drawing/2014/main" xmlns="" id="{692FC4EF-4715-4893-A80D-153A38D508EF}"/>
+                <a16:creationId xmlns:a16="http://schemas.microsoft.com/office/drawing/2014/main" id="{692FC4EF-4715-4893-A80D-153A38D508EF}"/>
               </a:ext>
             </a:extLst>
           </p:cNvPr>
@@ -16120,7 +17219,7 @@
           <p:cNvPr id="36" name="Straight Connector 27">
             <a:extLst>
               <a:ext uri="{FF2B5EF4-FFF2-40B4-BE49-F238E27FC236}">
-                <a16:creationId xmlns:a16="http://schemas.microsoft.com/office/drawing/2014/main" xmlns="" id="{997356D0-D934-42B9-8291-DF34A3AC0CFE}"/>
+                <a16:creationId xmlns:a16="http://schemas.microsoft.com/office/drawing/2014/main" id="{997356D0-D934-42B9-8291-DF34A3AC0CFE}"/>
               </a:ext>
             </a:extLst>
           </p:cNvPr>
@@ -16130,7 +17229,7 @@
           <p:nvPr>
             <p:extLst>
               <p:ext uri="{386F3935-93C4-4BCD-93E2-E3B085C9AB24}">
-                <p16:designElem xmlns:p16="http://schemas.microsoft.com/office/powerpoint/2015/main" xmlns="" val="1"/>
+                <p16:designElem xmlns:p16="http://schemas.microsoft.com/office/powerpoint/2015/main" val="1"/>
               </p:ext>
             </p:extLst>
           </p:nvPr>
@@ -16164,7 +17263,7 @@
           <p:cNvPr id="2" name="Title 1">
             <a:extLst>
               <a:ext uri="{FF2B5EF4-FFF2-40B4-BE49-F238E27FC236}">
-                <a16:creationId xmlns:a16="http://schemas.microsoft.com/office/drawing/2014/main" xmlns="" id="{1FA443E8-3581-46DF-AF13-4051253B4841}"/>
+                <a16:creationId xmlns:a16="http://schemas.microsoft.com/office/drawing/2014/main" id="{1FA443E8-3581-46DF-AF13-4051253B4841}"/>
               </a:ext>
             </a:extLst>
           </p:cNvPr>
@@ -16247,7 +17346,7 @@
           <p:cNvPr id="29" name="Group 8">
             <a:extLst>
               <a:ext uri="{FF2B5EF4-FFF2-40B4-BE49-F238E27FC236}">
-                <a16:creationId xmlns:a16="http://schemas.microsoft.com/office/drawing/2014/main" xmlns="" id="{749C117F-F390-437B-ADB0-57E87EFF34F5}"/>
+                <a16:creationId xmlns:a16="http://schemas.microsoft.com/office/drawing/2014/main" id="{749C117F-F390-437B-ADB0-57E87EFF34F5}"/>
               </a:ext>
             </a:extLst>
           </p:cNvPr>
@@ -16257,7 +17356,7 @@
           <p:nvPr>
             <p:extLst>
               <p:ext uri="{386F3935-93C4-4BCD-93E2-E3B085C9AB24}">
-                <p16:designElem xmlns:p16="http://schemas.microsoft.com/office/powerpoint/2015/main" xmlns="" val="1"/>
+                <p16:designElem xmlns:p16="http://schemas.microsoft.com/office/powerpoint/2015/main" val="1"/>
               </p:ext>
             </p:extLst>
           </p:nvPr>
@@ -16275,7 +17374,7 @@
             <p:cNvPr id="10" name="Picture 9">
               <a:extLst>
                 <a:ext uri="{FF2B5EF4-FFF2-40B4-BE49-F238E27FC236}">
-                  <a16:creationId xmlns:a16="http://schemas.microsoft.com/office/drawing/2014/main" xmlns="" id="{A7EF42F8-2417-49A6-95CE-DE9503B0AA66}"/>
+                  <a16:creationId xmlns:a16="http://schemas.microsoft.com/office/drawing/2014/main" id="{A7EF42F8-2417-49A6-95CE-DE9503B0AA66}"/>
                 </a:ext>
               </a:extLst>
             </p:cNvPr>
@@ -16285,7 +17384,7 @@
             <p:nvPr>
               <p:extLst>
                 <p:ext uri="{386F3935-93C4-4BCD-93E2-E3B085C9AB24}">
-                  <p16:designElem xmlns:p16="http://schemas.microsoft.com/office/powerpoint/2015/main" xmlns="" val="1"/>
+                  <p16:designElem xmlns:p16="http://schemas.microsoft.com/office/powerpoint/2015/main" val="1"/>
                 </p:ext>
               </p:extLst>
             </p:nvPr>
@@ -16317,7 +17416,7 @@
             <p:cNvPr id="11" name="Rectangle 10">
               <a:extLst>
                 <a:ext uri="{FF2B5EF4-FFF2-40B4-BE49-F238E27FC236}">
-                  <a16:creationId xmlns:a16="http://schemas.microsoft.com/office/drawing/2014/main" xmlns="" id="{AC6F623B-2003-4AED-B02F-541A150EC143}"/>
+                  <a16:creationId xmlns:a16="http://schemas.microsoft.com/office/drawing/2014/main" id="{AC6F623B-2003-4AED-B02F-541A150EC143}"/>
                 </a:ext>
               </a:extLst>
             </p:cNvPr>
@@ -16325,7 +17424,7 @@
             <p:nvPr>
               <p:extLst>
                 <p:ext uri="{386F3935-93C4-4BCD-93E2-E3B085C9AB24}">
-                  <p16:designElem xmlns:p16="http://schemas.microsoft.com/office/powerpoint/2015/main" xmlns="" val="1"/>
+                  <p16:designElem xmlns:p16="http://schemas.microsoft.com/office/powerpoint/2015/main" val="1"/>
                 </p:ext>
               </p:extLst>
             </p:nvPr>
@@ -16363,7 +17462,7 @@
             <p:cNvPr id="12" name="Picture 11">
               <a:extLst>
                 <a:ext uri="{FF2B5EF4-FFF2-40B4-BE49-F238E27FC236}">
-                  <a16:creationId xmlns:a16="http://schemas.microsoft.com/office/drawing/2014/main" xmlns="" id="{CD11837A-4F3D-419F-ACE2-E80B1EA2846F}"/>
+                  <a16:creationId xmlns:a16="http://schemas.microsoft.com/office/drawing/2014/main" id="{CD11837A-4F3D-419F-ACE2-E80B1EA2846F}"/>
                 </a:ext>
               </a:extLst>
             </p:cNvPr>
@@ -16373,7 +17472,7 @@
             <p:nvPr>
               <p:extLst>
                 <p:ext uri="{386F3935-93C4-4BCD-93E2-E3B085C9AB24}">
-                  <p16:designElem xmlns:p16="http://schemas.microsoft.com/office/powerpoint/2015/main" xmlns="" val="1"/>
+                  <p16:designElem xmlns:p16="http://schemas.microsoft.com/office/powerpoint/2015/main" val="1"/>
                 </p:ext>
               </p:extLst>
             </p:nvPr>
@@ -16404,7 +17503,7 @@
             <p:cNvPr id="13" name="Picture 12">
               <a:extLst>
                 <a:ext uri="{FF2B5EF4-FFF2-40B4-BE49-F238E27FC236}">
-                  <a16:creationId xmlns:a16="http://schemas.microsoft.com/office/drawing/2014/main" xmlns="" id="{B9411D1A-7E2C-4A36-BE32-BF7A8E130723}"/>
+                  <a16:creationId xmlns:a16="http://schemas.microsoft.com/office/drawing/2014/main" id="{B9411D1A-7E2C-4A36-BE32-BF7A8E130723}"/>
                 </a:ext>
               </a:extLst>
             </p:cNvPr>
@@ -16414,7 +17513,7 @@
             <p:nvPr>
               <p:extLst>
                 <p:ext uri="{386F3935-93C4-4BCD-93E2-E3B085C9AB24}">
-                  <p16:designElem xmlns:p16="http://schemas.microsoft.com/office/powerpoint/2015/main" xmlns="" val="1"/>
+                  <p16:designElem xmlns:p16="http://schemas.microsoft.com/office/powerpoint/2015/main" val="1"/>
                 </p:ext>
               </p:extLst>
             </p:nvPr>
@@ -16446,7 +17545,7 @@
           <p:cNvPr id="30" name="Straight Connector 14">
             <a:extLst>
               <a:ext uri="{FF2B5EF4-FFF2-40B4-BE49-F238E27FC236}">
-                <a16:creationId xmlns:a16="http://schemas.microsoft.com/office/drawing/2014/main" xmlns="" id="{20742BC3-654B-4E41-9A6A-73A42E477639}"/>
+                <a16:creationId xmlns:a16="http://schemas.microsoft.com/office/drawing/2014/main" id="{20742BC3-654B-4E41-9A6A-73A42E477639}"/>
               </a:ext>
             </a:extLst>
           </p:cNvPr>
@@ -16456,7 +17555,7 @@
           <p:nvPr>
             <p:extLst>
               <p:ext uri="{386F3935-93C4-4BCD-93E2-E3B085C9AB24}">
-                <p16:designElem xmlns:p16="http://schemas.microsoft.com/office/powerpoint/2015/main" xmlns="" val="1"/>
+                <p16:designElem xmlns:p16="http://schemas.microsoft.com/office/powerpoint/2015/main" val="1"/>
               </p:ext>
             </p:extLst>
           </p:nvPr>
@@ -16490,7 +17589,7 @@
           <p:cNvPr id="31" name="Rectangle 16">
             <a:extLst>
               <a:ext uri="{FF2B5EF4-FFF2-40B4-BE49-F238E27FC236}">
-                <a16:creationId xmlns:a16="http://schemas.microsoft.com/office/drawing/2014/main" xmlns="" id="{28FA177F-145C-478A-A7ED-8D021CE76B3B}"/>
+                <a16:creationId xmlns:a16="http://schemas.microsoft.com/office/drawing/2014/main" id="{28FA177F-145C-478A-A7ED-8D021CE76B3B}"/>
               </a:ext>
             </a:extLst>
           </p:cNvPr>
@@ -16500,7 +17599,7 @@
           <p:nvPr>
             <p:extLst>
               <p:ext uri="{386F3935-93C4-4BCD-93E2-E3B085C9AB24}">
-                <p16:designElem xmlns:p16="http://schemas.microsoft.com/office/powerpoint/2015/main" xmlns="" val="1"/>
+                <p16:designElem xmlns:p16="http://schemas.microsoft.com/office/powerpoint/2015/main" val="1"/>
               </p:ext>
             </p:extLst>
           </p:nvPr>
@@ -16547,7 +17646,7 @@
           <p:cNvPr id="32" name="Group 18">
             <a:extLst>
               <a:ext uri="{FF2B5EF4-FFF2-40B4-BE49-F238E27FC236}">
-                <a16:creationId xmlns:a16="http://schemas.microsoft.com/office/drawing/2014/main" xmlns="" id="{1A96A522-1258-462E-AFC5-F5E3F14110E3}"/>
+                <a16:creationId xmlns:a16="http://schemas.microsoft.com/office/drawing/2014/main" id="{1A96A522-1258-462E-AFC5-F5E3F14110E3}"/>
               </a:ext>
             </a:extLst>
           </p:cNvPr>
@@ -16557,7 +17656,7 @@
           <p:nvPr>
             <p:extLst>
               <p:ext uri="{386F3935-93C4-4BCD-93E2-E3B085C9AB24}">
-                <p16:designElem xmlns:p16="http://schemas.microsoft.com/office/powerpoint/2015/main" xmlns="" val="1"/>
+                <p16:designElem xmlns:p16="http://schemas.microsoft.com/office/powerpoint/2015/main" val="1"/>
               </p:ext>
             </p:extLst>
           </p:nvPr>
@@ -16575,7 +17674,7 @@
             <p:cNvPr id="20" name="Picture 19">
               <a:extLst>
                 <a:ext uri="{FF2B5EF4-FFF2-40B4-BE49-F238E27FC236}">
-                  <a16:creationId xmlns:a16="http://schemas.microsoft.com/office/drawing/2014/main" xmlns="" id="{ECD43597-59D1-4246-A90D-26FE2B6081B0}"/>
+                  <a16:creationId xmlns:a16="http://schemas.microsoft.com/office/drawing/2014/main" id="{ECD43597-59D1-4246-A90D-26FE2B6081B0}"/>
                 </a:ext>
               </a:extLst>
             </p:cNvPr>
@@ -16585,7 +17684,7 @@
             <p:nvPr>
               <p:extLst>
                 <p:ext uri="{386F3935-93C4-4BCD-93E2-E3B085C9AB24}">
-                  <p16:designElem xmlns:p16="http://schemas.microsoft.com/office/powerpoint/2015/main" xmlns="" val="1"/>
+                  <p16:designElem xmlns:p16="http://schemas.microsoft.com/office/powerpoint/2015/main" val="1"/>
                 </p:ext>
               </p:extLst>
             </p:nvPr>
@@ -16617,7 +17716,7 @@
             <p:cNvPr id="21" name="Rectangle 20">
               <a:extLst>
                 <a:ext uri="{FF2B5EF4-FFF2-40B4-BE49-F238E27FC236}">
-                  <a16:creationId xmlns:a16="http://schemas.microsoft.com/office/drawing/2014/main" xmlns="" id="{2ED48CD8-BE7A-4992-8570-58DEE9826AAB}"/>
+                  <a16:creationId xmlns:a16="http://schemas.microsoft.com/office/drawing/2014/main" id="{2ED48CD8-BE7A-4992-8570-58DEE9826AAB}"/>
                 </a:ext>
               </a:extLst>
             </p:cNvPr>
@@ -16625,7 +17724,7 @@
             <p:nvPr>
               <p:extLst>
                 <p:ext uri="{386F3935-93C4-4BCD-93E2-E3B085C9AB24}">
-                  <p16:designElem xmlns:p16="http://schemas.microsoft.com/office/powerpoint/2015/main" xmlns="" val="1"/>
+                  <p16:designElem xmlns:p16="http://schemas.microsoft.com/office/powerpoint/2015/main" val="1"/>
                 </p:ext>
               </p:extLst>
             </p:nvPr>
@@ -16663,7 +17762,7 @@
             <p:cNvPr id="22" name="Picture 21">
               <a:extLst>
                 <a:ext uri="{FF2B5EF4-FFF2-40B4-BE49-F238E27FC236}">
-                  <a16:creationId xmlns:a16="http://schemas.microsoft.com/office/drawing/2014/main" xmlns="" id="{9A68BD7C-72FC-4E92-88BB-3401D485D2B7}"/>
+                  <a16:creationId xmlns:a16="http://schemas.microsoft.com/office/drawing/2014/main" id="{9A68BD7C-72FC-4E92-88BB-3401D485D2B7}"/>
                 </a:ext>
               </a:extLst>
             </p:cNvPr>
@@ -16673,7 +17772,7 @@
             <p:nvPr>
               <p:extLst>
                 <p:ext uri="{386F3935-93C4-4BCD-93E2-E3B085C9AB24}">
-                  <p16:designElem xmlns:p16="http://schemas.microsoft.com/office/powerpoint/2015/main" xmlns="" val="1"/>
+                  <p16:designElem xmlns:p16="http://schemas.microsoft.com/office/powerpoint/2015/main" val="1"/>
                 </p:ext>
               </p:extLst>
             </p:nvPr>
@@ -16704,7 +17803,7 @@
             <p:cNvPr id="23" name="Picture 22">
               <a:extLst>
                 <a:ext uri="{FF2B5EF4-FFF2-40B4-BE49-F238E27FC236}">
-                  <a16:creationId xmlns:a16="http://schemas.microsoft.com/office/drawing/2014/main" xmlns="" id="{C8B73423-E00D-4FC9-9873-0C259A14BC19}"/>
+                  <a16:creationId xmlns:a16="http://schemas.microsoft.com/office/drawing/2014/main" id="{C8B73423-E00D-4FC9-9873-0C259A14BC19}"/>
                 </a:ext>
               </a:extLst>
             </p:cNvPr>
@@ -16714,7 +17813,7 @@
             <p:nvPr>
               <p:extLst>
                 <p:ext uri="{386F3935-93C4-4BCD-93E2-E3B085C9AB24}">
-                  <p16:designElem xmlns:p16="http://schemas.microsoft.com/office/powerpoint/2015/main" xmlns="" val="1"/>
+                  <p16:designElem xmlns:p16="http://schemas.microsoft.com/office/powerpoint/2015/main" val="1"/>
                 </p:ext>
               </p:extLst>
             </p:nvPr>
@@ -16746,7 +17845,7 @@
           <p:cNvPr id="33" name="Rectangle 24">
             <a:extLst>
               <a:ext uri="{FF2B5EF4-FFF2-40B4-BE49-F238E27FC236}">
-                <a16:creationId xmlns:a16="http://schemas.microsoft.com/office/drawing/2014/main" xmlns="" id="{22EEABFB-D1AB-4BFF-84FC-449548E93E09}"/>
+                <a16:creationId xmlns:a16="http://schemas.microsoft.com/office/drawing/2014/main" id="{22EEABFB-D1AB-4BFF-84FC-449548E93E09}"/>
               </a:ext>
             </a:extLst>
           </p:cNvPr>
@@ -16756,7 +17855,7 @@
           <p:nvPr>
             <p:extLst>
               <p:ext uri="{386F3935-93C4-4BCD-93E2-E3B085C9AB24}">
-                <p16:designElem xmlns:p16="http://schemas.microsoft.com/office/powerpoint/2015/main" xmlns="" val="1"/>
+                <p16:designElem xmlns:p16="http://schemas.microsoft.com/office/powerpoint/2015/main" val="1"/>
               </p:ext>
             </p:extLst>
           </p:nvPr>
@@ -16812,7 +17911,7 @@
           <p:cNvPr id="4" name="Picture 3">
             <a:extLst>
               <a:ext uri="{FF2B5EF4-FFF2-40B4-BE49-F238E27FC236}">
-                <a16:creationId xmlns:a16="http://schemas.microsoft.com/office/drawing/2014/main" xmlns="" id="{29688EDD-86B9-4893-BEEC-D48A2715C0EF}"/>
+                <a16:creationId xmlns:a16="http://schemas.microsoft.com/office/drawing/2014/main" id="{29688EDD-86B9-4893-BEEC-D48A2715C0EF}"/>
               </a:ext>
             </a:extLst>
           </p:cNvPr>
@@ -16846,7 +17945,7 @@
           <p:cNvPr id="34" name="Straight Connector 26">
             <a:extLst>
               <a:ext uri="{FF2B5EF4-FFF2-40B4-BE49-F238E27FC236}">
-                <a16:creationId xmlns:a16="http://schemas.microsoft.com/office/drawing/2014/main" xmlns="" id="{4231BC86-8965-4F95-9FD9-76313A7D601B}"/>
+                <a16:creationId xmlns:a16="http://schemas.microsoft.com/office/drawing/2014/main" id="{4231BC86-8965-4F95-9FD9-76313A7D601B}"/>
               </a:ext>
             </a:extLst>
           </p:cNvPr>
@@ -16856,7 +17955,7 @@
           <p:nvPr>
             <p:extLst>
               <p:ext uri="{386F3935-93C4-4BCD-93E2-E3B085C9AB24}">
-                <p16:designElem xmlns:p16="http://schemas.microsoft.com/office/powerpoint/2015/main" xmlns="" val="1"/>
+                <p16:designElem xmlns:p16="http://schemas.microsoft.com/office/powerpoint/2015/main" val="1"/>
               </p:ext>
             </p:extLst>
           </p:nvPr>
@@ -16890,7 +17989,7 @@
           <p:cNvPr id="2" name="Title 1">
             <a:extLst>
               <a:ext uri="{FF2B5EF4-FFF2-40B4-BE49-F238E27FC236}">
-                <a16:creationId xmlns:a16="http://schemas.microsoft.com/office/drawing/2014/main" xmlns="" id="{562308BA-7D7D-40A4-BB40-4B95E4FD1A21}"/>
+                <a16:creationId xmlns:a16="http://schemas.microsoft.com/office/drawing/2014/main" id="{562308BA-7D7D-40A4-BB40-4B95E4FD1A21}"/>
               </a:ext>
             </a:extLst>
           </p:cNvPr>
@@ -16973,7 +18072,7 @@
           <p:cNvPr id="9" name="Group 8">
             <a:extLst>
               <a:ext uri="{FF2B5EF4-FFF2-40B4-BE49-F238E27FC236}">
-                <a16:creationId xmlns:a16="http://schemas.microsoft.com/office/drawing/2014/main" xmlns="" id="{749C117F-F390-437B-ADB0-57E87EFF34F5}"/>
+                <a16:creationId xmlns:a16="http://schemas.microsoft.com/office/drawing/2014/main" id="{749C117F-F390-437B-ADB0-57E87EFF34F5}"/>
               </a:ext>
             </a:extLst>
           </p:cNvPr>
@@ -16983,7 +18082,7 @@
           <p:nvPr>
             <p:extLst>
               <p:ext uri="{386F3935-93C4-4BCD-93E2-E3B085C9AB24}">
-                <p16:designElem xmlns:p16="http://schemas.microsoft.com/office/powerpoint/2015/main" xmlns="" val="1"/>
+                <p16:designElem xmlns:p16="http://schemas.microsoft.com/office/powerpoint/2015/main" val="1"/>
               </p:ext>
             </p:extLst>
           </p:nvPr>
@@ -17001,7 +18100,7 @@
             <p:cNvPr id="10" name="Picture 9">
               <a:extLst>
                 <a:ext uri="{FF2B5EF4-FFF2-40B4-BE49-F238E27FC236}">
-                  <a16:creationId xmlns:a16="http://schemas.microsoft.com/office/drawing/2014/main" xmlns="" id="{A7EF42F8-2417-49A6-95CE-DE9503B0AA66}"/>
+                  <a16:creationId xmlns:a16="http://schemas.microsoft.com/office/drawing/2014/main" id="{A7EF42F8-2417-49A6-95CE-DE9503B0AA66}"/>
                 </a:ext>
               </a:extLst>
             </p:cNvPr>
@@ -17011,7 +18110,7 @@
             <p:nvPr>
               <p:extLst>
                 <p:ext uri="{386F3935-93C4-4BCD-93E2-E3B085C9AB24}">
-                  <p16:designElem xmlns:p16="http://schemas.microsoft.com/office/powerpoint/2015/main" xmlns="" val="1"/>
+                  <p16:designElem xmlns:p16="http://schemas.microsoft.com/office/powerpoint/2015/main" val="1"/>
                 </p:ext>
               </p:extLst>
             </p:nvPr>
@@ -17043,7 +18142,7 @@
             <p:cNvPr id="11" name="Rectangle 10">
               <a:extLst>
                 <a:ext uri="{FF2B5EF4-FFF2-40B4-BE49-F238E27FC236}">
-                  <a16:creationId xmlns:a16="http://schemas.microsoft.com/office/drawing/2014/main" xmlns="" id="{AC6F623B-2003-4AED-B02F-541A150EC143}"/>
+                  <a16:creationId xmlns:a16="http://schemas.microsoft.com/office/drawing/2014/main" id="{AC6F623B-2003-4AED-B02F-541A150EC143}"/>
                 </a:ext>
               </a:extLst>
             </p:cNvPr>
@@ -17051,7 +18150,7 @@
             <p:nvPr>
               <p:extLst>
                 <p:ext uri="{386F3935-93C4-4BCD-93E2-E3B085C9AB24}">
-                  <p16:designElem xmlns:p16="http://schemas.microsoft.com/office/powerpoint/2015/main" xmlns="" val="1"/>
+                  <p16:designElem xmlns:p16="http://schemas.microsoft.com/office/powerpoint/2015/main" val="1"/>
                 </p:ext>
               </p:extLst>
             </p:nvPr>
@@ -17089,7 +18188,7 @@
             <p:cNvPr id="12" name="Picture 11">
               <a:extLst>
                 <a:ext uri="{FF2B5EF4-FFF2-40B4-BE49-F238E27FC236}">
-                  <a16:creationId xmlns:a16="http://schemas.microsoft.com/office/drawing/2014/main" xmlns="" id="{CD11837A-4F3D-419F-ACE2-E80B1EA2846F}"/>
+                  <a16:creationId xmlns:a16="http://schemas.microsoft.com/office/drawing/2014/main" id="{CD11837A-4F3D-419F-ACE2-E80B1EA2846F}"/>
                 </a:ext>
               </a:extLst>
             </p:cNvPr>
@@ -17099,7 +18198,7 @@
             <p:nvPr>
               <p:extLst>
                 <p:ext uri="{386F3935-93C4-4BCD-93E2-E3B085C9AB24}">
-                  <p16:designElem xmlns:p16="http://schemas.microsoft.com/office/powerpoint/2015/main" xmlns="" val="1"/>
+                  <p16:designElem xmlns:p16="http://schemas.microsoft.com/office/powerpoint/2015/main" val="1"/>
                 </p:ext>
               </p:extLst>
             </p:nvPr>
@@ -17130,7 +18229,7 @@
             <p:cNvPr id="13" name="Picture 12">
               <a:extLst>
                 <a:ext uri="{FF2B5EF4-FFF2-40B4-BE49-F238E27FC236}">
-                  <a16:creationId xmlns:a16="http://schemas.microsoft.com/office/drawing/2014/main" xmlns="" id="{B9411D1A-7E2C-4A36-BE32-BF7A8E130723}"/>
+                  <a16:creationId xmlns:a16="http://schemas.microsoft.com/office/drawing/2014/main" id="{B9411D1A-7E2C-4A36-BE32-BF7A8E130723}"/>
                 </a:ext>
               </a:extLst>
             </p:cNvPr>
@@ -17140,7 +18239,7 @@
             <p:nvPr>
               <p:extLst>
                 <p:ext uri="{386F3935-93C4-4BCD-93E2-E3B085C9AB24}">
-                  <p16:designElem xmlns:p16="http://schemas.microsoft.com/office/powerpoint/2015/main" xmlns="" val="1"/>
+                  <p16:designElem xmlns:p16="http://schemas.microsoft.com/office/powerpoint/2015/main" val="1"/>
                 </p:ext>
               </p:extLst>
             </p:nvPr>
@@ -17172,7 +18271,7 @@
           <p:cNvPr id="15" name="Straight Connector 14">
             <a:extLst>
               <a:ext uri="{FF2B5EF4-FFF2-40B4-BE49-F238E27FC236}">
-                <a16:creationId xmlns:a16="http://schemas.microsoft.com/office/drawing/2014/main" xmlns="" id="{20742BC3-654B-4E41-9A6A-73A42E477639}"/>
+                <a16:creationId xmlns:a16="http://schemas.microsoft.com/office/drawing/2014/main" id="{20742BC3-654B-4E41-9A6A-73A42E477639}"/>
               </a:ext>
             </a:extLst>
           </p:cNvPr>
@@ -17182,7 +18281,7 @@
           <p:nvPr>
             <p:extLst>
               <p:ext uri="{386F3935-93C4-4BCD-93E2-E3B085C9AB24}">
-                <p16:designElem xmlns:p16="http://schemas.microsoft.com/office/powerpoint/2015/main" xmlns="" val="1"/>
+                <p16:designElem xmlns:p16="http://schemas.microsoft.com/office/powerpoint/2015/main" val="1"/>
               </p:ext>
             </p:extLst>
           </p:nvPr>
@@ -17216,7 +18315,7 @@
           <p:cNvPr id="17" name="Rectangle 16">
             <a:extLst>
               <a:ext uri="{FF2B5EF4-FFF2-40B4-BE49-F238E27FC236}">
-                <a16:creationId xmlns:a16="http://schemas.microsoft.com/office/drawing/2014/main" xmlns="" id="{28FA177F-145C-478A-A7ED-8D021CE76B3B}"/>
+                <a16:creationId xmlns:a16="http://schemas.microsoft.com/office/drawing/2014/main" id="{28FA177F-145C-478A-A7ED-8D021CE76B3B}"/>
               </a:ext>
             </a:extLst>
           </p:cNvPr>
@@ -17226,7 +18325,7 @@
           <p:nvPr>
             <p:extLst>
               <p:ext uri="{386F3935-93C4-4BCD-93E2-E3B085C9AB24}">
-                <p16:designElem xmlns:p16="http://schemas.microsoft.com/office/powerpoint/2015/main" xmlns="" val="1"/>
+                <p16:designElem xmlns:p16="http://schemas.microsoft.com/office/powerpoint/2015/main" val="1"/>
               </p:ext>
             </p:extLst>
           </p:nvPr>
@@ -17273,7 +18372,7 @@
           <p:cNvPr id="19" name="Group 18">
             <a:extLst>
               <a:ext uri="{FF2B5EF4-FFF2-40B4-BE49-F238E27FC236}">
-                <a16:creationId xmlns:a16="http://schemas.microsoft.com/office/drawing/2014/main" xmlns="" id="{1A96A522-1258-462E-AFC5-F5E3F14110E3}"/>
+                <a16:creationId xmlns:a16="http://schemas.microsoft.com/office/drawing/2014/main" id="{1A96A522-1258-462E-AFC5-F5E3F14110E3}"/>
               </a:ext>
             </a:extLst>
           </p:cNvPr>
@@ -17283,7 +18382,7 @@
           <p:nvPr>
             <p:extLst>
               <p:ext uri="{386F3935-93C4-4BCD-93E2-E3B085C9AB24}">
-                <p16:designElem xmlns:p16="http://schemas.microsoft.com/office/powerpoint/2015/main" xmlns="" val="1"/>
+                <p16:designElem xmlns:p16="http://schemas.microsoft.com/office/powerpoint/2015/main" val="1"/>
               </p:ext>
             </p:extLst>
           </p:nvPr>
@@ -17301,7 +18400,7 @@
             <p:cNvPr id="20" name="Picture 19">
               <a:extLst>
                 <a:ext uri="{FF2B5EF4-FFF2-40B4-BE49-F238E27FC236}">
-                  <a16:creationId xmlns:a16="http://schemas.microsoft.com/office/drawing/2014/main" xmlns="" id="{ECD43597-59D1-4246-A90D-26FE2B6081B0}"/>
+                  <a16:creationId xmlns:a16="http://schemas.microsoft.com/office/drawing/2014/main" id="{ECD43597-59D1-4246-A90D-26FE2B6081B0}"/>
                 </a:ext>
               </a:extLst>
             </p:cNvPr>
@@ -17311,7 +18410,7 @@
             <p:nvPr>
               <p:extLst>
                 <p:ext uri="{386F3935-93C4-4BCD-93E2-E3B085C9AB24}">
-                  <p16:designElem xmlns:p16="http://schemas.microsoft.com/office/powerpoint/2015/main" xmlns="" val="1"/>
+                  <p16:designElem xmlns:p16="http://schemas.microsoft.com/office/powerpoint/2015/main" val="1"/>
                 </p:ext>
               </p:extLst>
             </p:nvPr>
@@ -17343,7 +18442,7 @@
             <p:cNvPr id="21" name="Rectangle 20">
               <a:extLst>
                 <a:ext uri="{FF2B5EF4-FFF2-40B4-BE49-F238E27FC236}">
-                  <a16:creationId xmlns:a16="http://schemas.microsoft.com/office/drawing/2014/main" xmlns="" id="{2ED48CD8-BE7A-4992-8570-58DEE9826AAB}"/>
+                  <a16:creationId xmlns:a16="http://schemas.microsoft.com/office/drawing/2014/main" id="{2ED48CD8-BE7A-4992-8570-58DEE9826AAB}"/>
                 </a:ext>
               </a:extLst>
             </p:cNvPr>
@@ -17351,7 +18450,7 @@
             <p:nvPr>
               <p:extLst>
                 <p:ext uri="{386F3935-93C4-4BCD-93E2-E3B085C9AB24}">
-                  <p16:designElem xmlns:p16="http://schemas.microsoft.com/office/powerpoint/2015/main" xmlns="" val="1"/>
+                  <p16:designElem xmlns:p16="http://schemas.microsoft.com/office/powerpoint/2015/main" val="1"/>
                 </p:ext>
               </p:extLst>
             </p:nvPr>
@@ -17389,7 +18488,7 @@
             <p:cNvPr id="22" name="Picture 21">
               <a:extLst>
                 <a:ext uri="{FF2B5EF4-FFF2-40B4-BE49-F238E27FC236}">
-                  <a16:creationId xmlns:a16="http://schemas.microsoft.com/office/drawing/2014/main" xmlns="" id="{9A68BD7C-72FC-4E92-88BB-3401D485D2B7}"/>
+                  <a16:creationId xmlns:a16="http://schemas.microsoft.com/office/drawing/2014/main" id="{9A68BD7C-72FC-4E92-88BB-3401D485D2B7}"/>
                 </a:ext>
               </a:extLst>
             </p:cNvPr>
@@ -17399,7 +18498,7 @@
             <p:nvPr>
               <p:extLst>
                 <p:ext uri="{386F3935-93C4-4BCD-93E2-E3B085C9AB24}">
-                  <p16:designElem xmlns:p16="http://schemas.microsoft.com/office/powerpoint/2015/main" xmlns="" val="1"/>
+                  <p16:designElem xmlns:p16="http://schemas.microsoft.com/office/powerpoint/2015/main" val="1"/>
                 </p:ext>
               </p:extLst>
             </p:nvPr>
@@ -17430,7 +18529,7 @@
             <p:cNvPr id="23" name="Picture 22">
               <a:extLst>
                 <a:ext uri="{FF2B5EF4-FFF2-40B4-BE49-F238E27FC236}">
-                  <a16:creationId xmlns:a16="http://schemas.microsoft.com/office/drawing/2014/main" xmlns="" id="{C8B73423-E00D-4FC9-9873-0C259A14BC19}"/>
+                  <a16:creationId xmlns:a16="http://schemas.microsoft.com/office/drawing/2014/main" id="{C8B73423-E00D-4FC9-9873-0C259A14BC19}"/>
                 </a:ext>
               </a:extLst>
             </p:cNvPr>
@@ -17440,7 +18539,7 @@
             <p:nvPr>
               <p:extLst>
                 <p:ext uri="{386F3935-93C4-4BCD-93E2-E3B085C9AB24}">
-                  <p16:designElem xmlns:p16="http://schemas.microsoft.com/office/powerpoint/2015/main" xmlns="" val="1"/>
+                  <p16:designElem xmlns:p16="http://schemas.microsoft.com/office/powerpoint/2015/main" val="1"/>
                 </p:ext>
               </p:extLst>
             </p:nvPr>
@@ -17472,7 +18571,7 @@
           <p:cNvPr id="25" name="Rectangle 24">
             <a:extLst>
               <a:ext uri="{FF2B5EF4-FFF2-40B4-BE49-F238E27FC236}">
-                <a16:creationId xmlns:a16="http://schemas.microsoft.com/office/drawing/2014/main" xmlns="" id="{22EEABFB-D1AB-4BFF-84FC-449548E93E09}"/>
+                <a16:creationId xmlns:a16="http://schemas.microsoft.com/office/drawing/2014/main" id="{22EEABFB-D1AB-4BFF-84FC-449548E93E09}"/>
               </a:ext>
             </a:extLst>
           </p:cNvPr>
@@ -17482,7 +18581,7 @@
           <p:nvPr>
             <p:extLst>
               <p:ext uri="{386F3935-93C4-4BCD-93E2-E3B085C9AB24}">
-                <p16:designElem xmlns:p16="http://schemas.microsoft.com/office/powerpoint/2015/main" xmlns="" val="1"/>
+                <p16:designElem xmlns:p16="http://schemas.microsoft.com/office/powerpoint/2015/main" val="1"/>
               </p:ext>
             </p:extLst>
           </p:nvPr>
@@ -17538,7 +18637,7 @@
           <p:cNvPr id="4" name="Billede 12">
             <a:extLst>
               <a:ext uri="{FF2B5EF4-FFF2-40B4-BE49-F238E27FC236}">
-                <a16:creationId xmlns:a16="http://schemas.microsoft.com/office/drawing/2014/main" xmlns="" id="{4F75A8F3-E8EB-41A2-A51A-B4F6D4DE7ECA}"/>
+                <a16:creationId xmlns:a16="http://schemas.microsoft.com/office/drawing/2014/main" id="{4F75A8F3-E8EB-41A2-A51A-B4F6D4DE7ECA}"/>
               </a:ext>
             </a:extLst>
           </p:cNvPr>
@@ -17572,7 +18671,7 @@
           <p:cNvPr id="27" name="Straight Connector 26">
             <a:extLst>
               <a:ext uri="{FF2B5EF4-FFF2-40B4-BE49-F238E27FC236}">
-                <a16:creationId xmlns:a16="http://schemas.microsoft.com/office/drawing/2014/main" xmlns="" id="{4231BC86-8965-4F95-9FD9-76313A7D601B}"/>
+                <a16:creationId xmlns:a16="http://schemas.microsoft.com/office/drawing/2014/main" id="{4231BC86-8965-4F95-9FD9-76313A7D601B}"/>
               </a:ext>
             </a:extLst>
           </p:cNvPr>
@@ -17582,7 +18681,7 @@
           <p:nvPr>
             <p:extLst>
               <p:ext uri="{386F3935-93C4-4BCD-93E2-E3B085C9AB24}">
-                <p16:designElem xmlns:p16="http://schemas.microsoft.com/office/powerpoint/2015/main" xmlns="" val="1"/>
+                <p16:designElem xmlns:p16="http://schemas.microsoft.com/office/powerpoint/2015/main" val="1"/>
               </p:ext>
             </p:extLst>
           </p:nvPr>
@@ -17616,7 +18715,7 @@
           <p:cNvPr id="2" name="Title 1">
             <a:extLst>
               <a:ext uri="{FF2B5EF4-FFF2-40B4-BE49-F238E27FC236}">
-                <a16:creationId xmlns:a16="http://schemas.microsoft.com/office/drawing/2014/main" xmlns="" id="{13438430-C715-4EE2-BFA8-D9B41F760649}"/>
+                <a16:creationId xmlns:a16="http://schemas.microsoft.com/office/drawing/2014/main" id="{13438430-C715-4EE2-BFA8-D9B41F760649}"/>
               </a:ext>
             </a:extLst>
           </p:cNvPr>
@@ -17699,7 +18798,7 @@
           <p:cNvPr id="9" name="Group 8">
             <a:extLst>
               <a:ext uri="{FF2B5EF4-FFF2-40B4-BE49-F238E27FC236}">
-                <a16:creationId xmlns:a16="http://schemas.microsoft.com/office/drawing/2014/main" xmlns="" id="{749C117F-F390-437B-ADB0-57E87EFF34F5}"/>
+                <a16:creationId xmlns:a16="http://schemas.microsoft.com/office/drawing/2014/main" id="{749C117F-F390-437B-ADB0-57E87EFF34F5}"/>
               </a:ext>
             </a:extLst>
           </p:cNvPr>
@@ -17709,7 +18808,7 @@
           <p:nvPr>
             <p:extLst>
               <p:ext uri="{386F3935-93C4-4BCD-93E2-E3B085C9AB24}">
-                <p16:designElem xmlns:p16="http://schemas.microsoft.com/office/powerpoint/2015/main" xmlns="" val="1"/>
+                <p16:designElem xmlns:p16="http://schemas.microsoft.com/office/powerpoint/2015/main" val="1"/>
               </p:ext>
             </p:extLst>
           </p:nvPr>
@@ -17727,7 +18826,7 @@
             <p:cNvPr id="10" name="Picture 9">
               <a:extLst>
                 <a:ext uri="{FF2B5EF4-FFF2-40B4-BE49-F238E27FC236}">
-                  <a16:creationId xmlns:a16="http://schemas.microsoft.com/office/drawing/2014/main" xmlns="" id="{A7EF42F8-2417-49A6-95CE-DE9503B0AA66}"/>
+                  <a16:creationId xmlns:a16="http://schemas.microsoft.com/office/drawing/2014/main" id="{A7EF42F8-2417-49A6-95CE-DE9503B0AA66}"/>
                 </a:ext>
               </a:extLst>
             </p:cNvPr>
@@ -17737,7 +18836,7 @@
             <p:nvPr>
               <p:extLst>
                 <p:ext uri="{386F3935-93C4-4BCD-93E2-E3B085C9AB24}">
-                  <p16:designElem xmlns:p16="http://schemas.microsoft.com/office/powerpoint/2015/main" xmlns="" val="1"/>
+                  <p16:designElem xmlns:p16="http://schemas.microsoft.com/office/powerpoint/2015/main" val="1"/>
                 </p:ext>
               </p:extLst>
             </p:nvPr>
@@ -17769,7 +18868,7 @@
             <p:cNvPr id="11" name="Rectangle 10">
               <a:extLst>
                 <a:ext uri="{FF2B5EF4-FFF2-40B4-BE49-F238E27FC236}">
-                  <a16:creationId xmlns:a16="http://schemas.microsoft.com/office/drawing/2014/main" xmlns="" id="{AC6F623B-2003-4AED-B02F-541A150EC143}"/>
+                  <a16:creationId xmlns:a16="http://schemas.microsoft.com/office/drawing/2014/main" id="{AC6F623B-2003-4AED-B02F-541A150EC143}"/>
                 </a:ext>
               </a:extLst>
             </p:cNvPr>
@@ -17777,7 +18876,7 @@
             <p:nvPr>
               <p:extLst>
                 <p:ext uri="{386F3935-93C4-4BCD-93E2-E3B085C9AB24}">
-                  <p16:designElem xmlns:p16="http://schemas.microsoft.com/office/powerpoint/2015/main" xmlns="" val="1"/>
+                  <p16:designElem xmlns:p16="http://schemas.microsoft.com/office/powerpoint/2015/main" val="1"/>
                 </p:ext>
               </p:extLst>
             </p:nvPr>
@@ -17815,7 +18914,7 @@
             <p:cNvPr id="12" name="Picture 11">
               <a:extLst>
                 <a:ext uri="{FF2B5EF4-FFF2-40B4-BE49-F238E27FC236}">
-                  <a16:creationId xmlns:a16="http://schemas.microsoft.com/office/drawing/2014/main" xmlns="" id="{CD11837A-4F3D-419F-ACE2-E80B1EA2846F}"/>
+                  <a16:creationId xmlns:a16="http://schemas.microsoft.com/office/drawing/2014/main" id="{CD11837A-4F3D-419F-ACE2-E80B1EA2846F}"/>
                 </a:ext>
               </a:extLst>
             </p:cNvPr>
@@ -17825,7 +18924,7 @@
             <p:nvPr>
               <p:extLst>
                 <p:ext uri="{386F3935-93C4-4BCD-93E2-E3B085C9AB24}">
-                  <p16:designElem xmlns:p16="http://schemas.microsoft.com/office/powerpoint/2015/main" xmlns="" val="1"/>
+                  <p16:designElem xmlns:p16="http://schemas.microsoft.com/office/powerpoint/2015/main" val="1"/>
                 </p:ext>
               </p:extLst>
             </p:nvPr>
@@ -17856,7 +18955,7 @@
             <p:cNvPr id="13" name="Picture 12">
               <a:extLst>
                 <a:ext uri="{FF2B5EF4-FFF2-40B4-BE49-F238E27FC236}">
-                  <a16:creationId xmlns:a16="http://schemas.microsoft.com/office/drawing/2014/main" xmlns="" id="{B9411D1A-7E2C-4A36-BE32-BF7A8E130723}"/>
+                  <a16:creationId xmlns:a16="http://schemas.microsoft.com/office/drawing/2014/main" id="{B9411D1A-7E2C-4A36-BE32-BF7A8E130723}"/>
                 </a:ext>
               </a:extLst>
             </p:cNvPr>
@@ -17866,7 +18965,7 @@
             <p:nvPr>
               <p:extLst>
                 <p:ext uri="{386F3935-93C4-4BCD-93E2-E3B085C9AB24}">
-                  <p16:designElem xmlns:p16="http://schemas.microsoft.com/office/powerpoint/2015/main" xmlns="" val="1"/>
+                  <p16:designElem xmlns:p16="http://schemas.microsoft.com/office/powerpoint/2015/main" val="1"/>
                 </p:ext>
               </p:extLst>
             </p:nvPr>
@@ -17898,7 +18997,7 @@
           <p:cNvPr id="15" name="Straight Connector 14">
             <a:extLst>
               <a:ext uri="{FF2B5EF4-FFF2-40B4-BE49-F238E27FC236}">
-                <a16:creationId xmlns:a16="http://schemas.microsoft.com/office/drawing/2014/main" xmlns="" id="{20742BC3-654B-4E41-9A6A-73A42E477639}"/>
+                <a16:creationId xmlns:a16="http://schemas.microsoft.com/office/drawing/2014/main" id="{20742BC3-654B-4E41-9A6A-73A42E477639}"/>
               </a:ext>
             </a:extLst>
           </p:cNvPr>
@@ -17908,7 +19007,7 @@
           <p:nvPr>
             <p:extLst>
               <p:ext uri="{386F3935-93C4-4BCD-93E2-E3B085C9AB24}">
-                <p16:designElem xmlns:p16="http://schemas.microsoft.com/office/powerpoint/2015/main" xmlns="" val="1"/>
+                <p16:designElem xmlns:p16="http://schemas.microsoft.com/office/powerpoint/2015/main" val="1"/>
               </p:ext>
             </p:extLst>
           </p:nvPr>
@@ -17942,7 +19041,7 @@
           <p:cNvPr id="17" name="Rectangle 16">
             <a:extLst>
               <a:ext uri="{FF2B5EF4-FFF2-40B4-BE49-F238E27FC236}">
-                <a16:creationId xmlns:a16="http://schemas.microsoft.com/office/drawing/2014/main" xmlns="" id="{575E71FA-50BD-43F8-8C98-04339283A93D}"/>
+                <a16:creationId xmlns:a16="http://schemas.microsoft.com/office/drawing/2014/main" id="{575E71FA-50BD-43F8-8C98-04339283A93D}"/>
               </a:ext>
             </a:extLst>
           </p:cNvPr>
@@ -17952,7 +19051,7 @@
           <p:nvPr>
             <p:extLst>
               <p:ext uri="{386F3935-93C4-4BCD-93E2-E3B085C9AB24}">
-                <p16:designElem xmlns:p16="http://schemas.microsoft.com/office/powerpoint/2015/main" xmlns="" val="1"/>
+                <p16:designElem xmlns:p16="http://schemas.microsoft.com/office/powerpoint/2015/main" val="1"/>
               </p:ext>
             </p:extLst>
           </p:nvPr>
@@ -17999,7 +19098,7 @@
           <p:cNvPr id="19" name="Group 18">
             <a:extLst>
               <a:ext uri="{FF2B5EF4-FFF2-40B4-BE49-F238E27FC236}">
-                <a16:creationId xmlns:a16="http://schemas.microsoft.com/office/drawing/2014/main" xmlns="" id="{CF1AA7F6-A589-4BC8-BC72-2CA6DC908398}"/>
+                <a16:creationId xmlns:a16="http://schemas.microsoft.com/office/drawing/2014/main" id="{CF1AA7F6-A589-4BC8-BC72-2CA6DC908398}"/>
               </a:ext>
             </a:extLst>
           </p:cNvPr>
@@ -18009,7 +19108,7 @@
           <p:nvPr>
             <p:extLst>
               <p:ext uri="{386F3935-93C4-4BCD-93E2-E3B085C9AB24}">
-                <p16:designElem xmlns:p16="http://schemas.microsoft.com/office/powerpoint/2015/main" xmlns="" val="1"/>
+                <p16:designElem xmlns:p16="http://schemas.microsoft.com/office/powerpoint/2015/main" val="1"/>
               </p:ext>
             </p:extLst>
           </p:nvPr>
@@ -18027,7 +19126,7 @@
             <p:cNvPr id="20" name="Picture 19">
               <a:extLst>
                 <a:ext uri="{FF2B5EF4-FFF2-40B4-BE49-F238E27FC236}">
-                  <a16:creationId xmlns:a16="http://schemas.microsoft.com/office/drawing/2014/main" xmlns="" id="{53F5243F-7E41-439E-8991-C4F246D88F68}"/>
+                  <a16:creationId xmlns:a16="http://schemas.microsoft.com/office/drawing/2014/main" id="{53F5243F-7E41-439E-8991-C4F246D88F68}"/>
                 </a:ext>
               </a:extLst>
             </p:cNvPr>
@@ -18037,7 +19136,7 @@
             <p:nvPr>
               <p:extLst>
                 <p:ext uri="{386F3935-93C4-4BCD-93E2-E3B085C9AB24}">
-                  <p16:designElem xmlns:p16="http://schemas.microsoft.com/office/powerpoint/2015/main" xmlns="" val="1"/>
+                  <p16:designElem xmlns:p16="http://schemas.microsoft.com/office/powerpoint/2015/main" val="1"/>
                 </p:ext>
               </p:extLst>
             </p:nvPr>
@@ -18069,7 +19168,7 @@
             <p:cNvPr id="21" name="Rectangle 20">
               <a:extLst>
                 <a:ext uri="{FF2B5EF4-FFF2-40B4-BE49-F238E27FC236}">
-                  <a16:creationId xmlns:a16="http://schemas.microsoft.com/office/drawing/2014/main" xmlns="" id="{401A6B5F-1CF1-43AD-9E85-94E187210CFC}"/>
+                  <a16:creationId xmlns:a16="http://schemas.microsoft.com/office/drawing/2014/main" id="{401A6B5F-1CF1-43AD-9E85-94E187210CFC}"/>
                 </a:ext>
               </a:extLst>
             </p:cNvPr>
@@ -18077,7 +19176,7 @@
             <p:nvPr>
               <p:extLst>
                 <p:ext uri="{386F3935-93C4-4BCD-93E2-E3B085C9AB24}">
-                  <p16:designElem xmlns:p16="http://schemas.microsoft.com/office/powerpoint/2015/main" xmlns="" val="1"/>
+                  <p16:designElem xmlns:p16="http://schemas.microsoft.com/office/powerpoint/2015/main" val="1"/>
                 </p:ext>
               </p:extLst>
             </p:nvPr>
@@ -18115,7 +19214,7 @@
             <p:cNvPr id="22" name="Picture 21">
               <a:extLst>
                 <a:ext uri="{FF2B5EF4-FFF2-40B4-BE49-F238E27FC236}">
-                  <a16:creationId xmlns:a16="http://schemas.microsoft.com/office/drawing/2014/main" xmlns="" id="{2F682A59-7E20-407C-A7F8-582295AC687C}"/>
+                  <a16:creationId xmlns:a16="http://schemas.microsoft.com/office/drawing/2014/main" id="{2F682A59-7E20-407C-A7F8-582295AC687C}"/>
                 </a:ext>
               </a:extLst>
             </p:cNvPr>
@@ -18125,7 +19224,7 @@
             <p:nvPr>
               <p:extLst>
                 <p:ext uri="{386F3935-93C4-4BCD-93E2-E3B085C9AB24}">
-                  <p16:designElem xmlns:p16="http://schemas.microsoft.com/office/powerpoint/2015/main" xmlns="" val="1"/>
+                  <p16:designElem xmlns:p16="http://schemas.microsoft.com/office/powerpoint/2015/main" val="1"/>
                 </p:ext>
               </p:extLst>
             </p:nvPr>
@@ -18156,7 +19255,7 @@
             <p:cNvPr id="23" name="Picture 22">
               <a:extLst>
                 <a:ext uri="{FF2B5EF4-FFF2-40B4-BE49-F238E27FC236}">
-                  <a16:creationId xmlns:a16="http://schemas.microsoft.com/office/drawing/2014/main" xmlns="" id="{5E4AC24E-0670-406E-822F-AAA6DA2010D3}"/>
+                  <a16:creationId xmlns:a16="http://schemas.microsoft.com/office/drawing/2014/main" id="{5E4AC24E-0670-406E-822F-AAA6DA2010D3}"/>
                 </a:ext>
               </a:extLst>
             </p:cNvPr>
@@ -18166,7 +19265,7 @@
             <p:nvPr>
               <p:extLst>
                 <p:ext uri="{386F3935-93C4-4BCD-93E2-E3B085C9AB24}">
-                  <p16:designElem xmlns:p16="http://schemas.microsoft.com/office/powerpoint/2015/main" xmlns="" val="1"/>
+                  <p16:designElem xmlns:p16="http://schemas.microsoft.com/office/powerpoint/2015/main" val="1"/>
                 </p:ext>
               </p:extLst>
             </p:nvPr>
@@ -18198,7 +19297,7 @@
           <p:cNvPr id="25" name="Rectangle 24">
             <a:extLst>
               <a:ext uri="{FF2B5EF4-FFF2-40B4-BE49-F238E27FC236}">
-                <a16:creationId xmlns:a16="http://schemas.microsoft.com/office/drawing/2014/main" xmlns="" id="{E89B1776-F953-4C0F-8E85-E9C66B1EF003}"/>
+                <a16:creationId xmlns:a16="http://schemas.microsoft.com/office/drawing/2014/main" id="{E89B1776-F953-4C0F-8E85-E9C66B1EF003}"/>
               </a:ext>
             </a:extLst>
           </p:cNvPr>
@@ -18208,7 +19307,7 @@
           <p:nvPr>
             <p:extLst>
               <p:ext uri="{386F3935-93C4-4BCD-93E2-E3B085C9AB24}">
-                <p16:designElem xmlns:p16="http://schemas.microsoft.com/office/powerpoint/2015/main" xmlns="" val="1"/>
+                <p16:designElem xmlns:p16="http://schemas.microsoft.com/office/powerpoint/2015/main" val="1"/>
               </p:ext>
             </p:extLst>
           </p:nvPr>
@@ -18264,7 +19363,7 @@
           <p:cNvPr id="4" name="Billede 6">
             <a:extLst>
               <a:ext uri="{FF2B5EF4-FFF2-40B4-BE49-F238E27FC236}">
-                <a16:creationId xmlns:a16="http://schemas.microsoft.com/office/drawing/2014/main" xmlns="" id="{BB719191-E8C7-4E49-B65E-16DA97C3731D}"/>
+                <a16:creationId xmlns:a16="http://schemas.microsoft.com/office/drawing/2014/main" id="{BB719191-E8C7-4E49-B65E-16DA97C3731D}"/>
               </a:ext>
             </a:extLst>
           </p:cNvPr>
@@ -18298,7 +19397,7 @@
           <p:cNvPr id="27" name="Straight Connector 26">
             <a:extLst>
               <a:ext uri="{FF2B5EF4-FFF2-40B4-BE49-F238E27FC236}">
-                <a16:creationId xmlns:a16="http://schemas.microsoft.com/office/drawing/2014/main" xmlns="" id="{997356D0-D934-42B9-8291-DF34A3AC0CFE}"/>
+                <a16:creationId xmlns:a16="http://schemas.microsoft.com/office/drawing/2014/main" id="{997356D0-D934-42B9-8291-DF34A3AC0CFE}"/>
               </a:ext>
             </a:extLst>
           </p:cNvPr>
@@ -18308,7 +19407,7 @@
           <p:nvPr>
             <p:extLst>
               <p:ext uri="{386F3935-93C4-4BCD-93E2-E3B085C9AB24}">
-                <p16:designElem xmlns:p16="http://schemas.microsoft.com/office/powerpoint/2015/main" xmlns="" val="1"/>
+                <p16:designElem xmlns:p16="http://schemas.microsoft.com/office/powerpoint/2015/main" val="1"/>
               </p:ext>
             </p:extLst>
           </p:nvPr>
@@ -18342,7 +19441,7 @@
           <p:cNvPr id="2" name="Title 1">
             <a:extLst>
               <a:ext uri="{FF2B5EF4-FFF2-40B4-BE49-F238E27FC236}">
-                <a16:creationId xmlns:a16="http://schemas.microsoft.com/office/drawing/2014/main" xmlns="" id="{95B99F30-6428-44F6-86A7-B538C5656C5B}"/>
+                <a16:creationId xmlns:a16="http://schemas.microsoft.com/office/drawing/2014/main" id="{95B99F30-6428-44F6-86A7-B538C5656C5B}"/>
               </a:ext>
             </a:extLst>
           </p:cNvPr>
@@ -18425,7 +19524,7 @@
           <p:cNvPr id="2" name="Title 1">
             <a:extLst>
               <a:ext uri="{FF2B5EF4-FFF2-40B4-BE49-F238E27FC236}">
-                <a16:creationId xmlns:a16="http://schemas.microsoft.com/office/drawing/2014/main" xmlns="" id="{FF5E372F-73D8-4340-A2F1-EB6914A1478C}"/>
+                <a16:creationId xmlns:a16="http://schemas.microsoft.com/office/drawing/2014/main" id="{FF5E372F-73D8-4340-A2F1-EB6914A1478C}"/>
               </a:ext>
             </a:extLst>
           </p:cNvPr>
@@ -18469,7 +19568,7 @@
           <p:cNvPr id="16" name="Content Placeholder 2">
             <a:extLst>
               <a:ext uri="{FF2B5EF4-FFF2-40B4-BE49-F238E27FC236}">
-                <a16:creationId xmlns:a16="http://schemas.microsoft.com/office/drawing/2014/main" xmlns="" id="{5972ACF1-CD72-42ED-BC76-2B4931F9D0AE}"/>
+                <a16:creationId xmlns:a16="http://schemas.microsoft.com/office/drawing/2014/main" id="{5972ACF1-CD72-42ED-BC76-2B4931F9D0AE}"/>
               </a:ext>
             </a:extLst>
           </p:cNvPr>
@@ -18544,7 +19643,7 @@
           <p:cNvPr id="10" name="Group 9">
             <a:extLst>
               <a:ext uri="{FF2B5EF4-FFF2-40B4-BE49-F238E27FC236}">
-                <a16:creationId xmlns:a16="http://schemas.microsoft.com/office/drawing/2014/main" xmlns="" id="{B77576E5-E7DB-46C7-B0D9-A0AB18787301}"/>
+                <a16:creationId xmlns:a16="http://schemas.microsoft.com/office/drawing/2014/main" id="{B77576E5-E7DB-46C7-B0D9-A0AB18787301}"/>
               </a:ext>
             </a:extLst>
           </p:cNvPr>
@@ -18554,7 +19653,7 @@
           <p:nvPr>
             <p:extLst>
               <p:ext uri="{386F3935-93C4-4BCD-93E2-E3B085C9AB24}">
-                <p16:designElem xmlns:p16="http://schemas.microsoft.com/office/powerpoint/2015/main" xmlns="" val="1"/>
+                <p16:designElem xmlns:p16="http://schemas.microsoft.com/office/powerpoint/2015/main" val="1"/>
               </p:ext>
             </p:extLst>
           </p:nvPr>
@@ -18572,7 +19671,7 @@
             <p:cNvPr id="11" name="Picture 10">
               <a:extLst>
                 <a:ext uri="{FF2B5EF4-FFF2-40B4-BE49-F238E27FC236}">
-                  <a16:creationId xmlns:a16="http://schemas.microsoft.com/office/drawing/2014/main" xmlns="" id="{A2C244BC-AB19-460B-9A7B-5BAFE9DEAB00}"/>
+                  <a16:creationId xmlns:a16="http://schemas.microsoft.com/office/drawing/2014/main" id="{A2C244BC-AB19-460B-9A7B-5BAFE9DEAB00}"/>
                 </a:ext>
               </a:extLst>
             </p:cNvPr>
@@ -18582,7 +19681,7 @@
             <p:nvPr>
               <p:extLst>
                 <p:ext uri="{386F3935-93C4-4BCD-93E2-E3B085C9AB24}">
-                  <p16:designElem xmlns:p16="http://schemas.microsoft.com/office/powerpoint/2015/main" xmlns="" val="1"/>
+                  <p16:designElem xmlns:p16="http://schemas.microsoft.com/office/powerpoint/2015/main" val="1"/>
                 </p:ext>
               </p:extLst>
             </p:nvPr>
@@ -18614,7 +19713,7 @@
             <p:cNvPr id="12" name="Rectangle 11">
               <a:extLst>
                 <a:ext uri="{FF2B5EF4-FFF2-40B4-BE49-F238E27FC236}">
-                  <a16:creationId xmlns:a16="http://schemas.microsoft.com/office/drawing/2014/main" xmlns="" id="{C2D7728D-2CB0-4ADE-B6BF-4BA8ED772A31}"/>
+                  <a16:creationId xmlns:a16="http://schemas.microsoft.com/office/drawing/2014/main" id="{C2D7728D-2CB0-4ADE-B6BF-4BA8ED772A31}"/>
                 </a:ext>
               </a:extLst>
             </p:cNvPr>
@@ -18622,7 +19721,7 @@
             <p:nvPr>
               <p:extLst>
                 <p:ext uri="{386F3935-93C4-4BCD-93E2-E3B085C9AB24}">
-                  <p16:designElem xmlns:p16="http://schemas.microsoft.com/office/powerpoint/2015/main" xmlns="" val="1"/>
+                  <p16:designElem xmlns:p16="http://schemas.microsoft.com/office/powerpoint/2015/main" val="1"/>
                 </p:ext>
               </p:extLst>
             </p:nvPr>
@@ -18660,7 +19759,7 @@
             <p:cNvPr id="13" name="Picture 12">
               <a:extLst>
                 <a:ext uri="{FF2B5EF4-FFF2-40B4-BE49-F238E27FC236}">
-                  <a16:creationId xmlns:a16="http://schemas.microsoft.com/office/drawing/2014/main" xmlns="" id="{A3E0EDB8-8162-4D16-9521-52415777B0B4}"/>
+                  <a16:creationId xmlns:a16="http://schemas.microsoft.com/office/drawing/2014/main" id="{A3E0EDB8-8162-4D16-9521-52415777B0B4}"/>
                 </a:ext>
               </a:extLst>
             </p:cNvPr>
@@ -18670,7 +19769,7 @@
             <p:nvPr>
               <p:extLst>
                 <p:ext uri="{386F3935-93C4-4BCD-93E2-E3B085C9AB24}">
-                  <p16:designElem xmlns:p16="http://schemas.microsoft.com/office/powerpoint/2015/main" xmlns="" val="1"/>
+                  <p16:designElem xmlns:p16="http://schemas.microsoft.com/office/powerpoint/2015/main" val="1"/>
                 </p:ext>
               </p:extLst>
             </p:nvPr>
@@ -18701,7 +19800,7 @@
             <p:cNvPr id="14" name="Picture 13">
               <a:extLst>
                 <a:ext uri="{FF2B5EF4-FFF2-40B4-BE49-F238E27FC236}">
-                  <a16:creationId xmlns:a16="http://schemas.microsoft.com/office/drawing/2014/main" xmlns="" id="{27060CB3-C139-4548-A73F-74689C9292D0}"/>
+                  <a16:creationId xmlns:a16="http://schemas.microsoft.com/office/drawing/2014/main" id="{27060CB3-C139-4548-A73F-74689C9292D0}"/>
                 </a:ext>
               </a:extLst>
             </p:cNvPr>
@@ -18711,7 +19810,7 @@
             <p:nvPr>
               <p:extLst>
                 <p:ext uri="{386F3935-93C4-4BCD-93E2-E3B085C9AB24}">
-                  <p16:designElem xmlns:p16="http://schemas.microsoft.com/office/powerpoint/2015/main" xmlns="" val="1"/>
+                  <p16:designElem xmlns:p16="http://schemas.microsoft.com/office/powerpoint/2015/main" val="1"/>
                 </p:ext>
               </p:extLst>
             </p:nvPr>
@@ -18743,7 +19842,7 @@
           <p:cNvPr id="16" name="Rectangle 15">
             <a:extLst>
               <a:ext uri="{FF2B5EF4-FFF2-40B4-BE49-F238E27FC236}">
-                <a16:creationId xmlns:a16="http://schemas.microsoft.com/office/drawing/2014/main" xmlns="" id="{E6B80853-775B-47C1-A508-0AAD6FCE5ADB}"/>
+                <a16:creationId xmlns:a16="http://schemas.microsoft.com/office/drawing/2014/main" id="{E6B80853-775B-47C1-A508-0AAD6FCE5ADB}"/>
               </a:ext>
             </a:extLst>
           </p:cNvPr>
@@ -18753,7 +19852,7 @@
           <p:nvPr>
             <p:extLst>
               <p:ext uri="{386F3935-93C4-4BCD-93E2-E3B085C9AB24}">
-                <p16:designElem xmlns:p16="http://schemas.microsoft.com/office/powerpoint/2015/main" xmlns="" val="1"/>
+                <p16:designElem xmlns:p16="http://schemas.microsoft.com/office/powerpoint/2015/main" val="1"/>
               </p:ext>
             </p:extLst>
           </p:nvPr>
@@ -18806,7 +19905,7 @@
           <p:cNvPr id="18" name="Rectangle 17">
             <a:extLst>
               <a:ext uri="{FF2B5EF4-FFF2-40B4-BE49-F238E27FC236}">
-                <a16:creationId xmlns:a16="http://schemas.microsoft.com/office/drawing/2014/main" xmlns="" id="{9BF62520-0403-497A-958B-FD6E8037E8FA}"/>
+                <a16:creationId xmlns:a16="http://schemas.microsoft.com/office/drawing/2014/main" id="{9BF62520-0403-497A-958B-FD6E8037E8FA}"/>
               </a:ext>
             </a:extLst>
           </p:cNvPr>
@@ -18816,7 +19915,7 @@
           <p:nvPr>
             <p:extLst>
               <p:ext uri="{386F3935-93C4-4BCD-93E2-E3B085C9AB24}">
-                <p16:designElem xmlns:p16="http://schemas.microsoft.com/office/powerpoint/2015/main" xmlns="" val="1"/>
+                <p16:designElem xmlns:p16="http://schemas.microsoft.com/office/powerpoint/2015/main" val="1"/>
               </p:ext>
             </p:extLst>
           </p:nvPr>
@@ -18863,7 +19962,7 @@
           <p:cNvPr id="5" name="Picture 4" descr="A screenshot of a cell phone&#10;&#10;Description generated with very high confidence">
             <a:extLst>
               <a:ext uri="{FF2B5EF4-FFF2-40B4-BE49-F238E27FC236}">
-                <a16:creationId xmlns:a16="http://schemas.microsoft.com/office/drawing/2014/main" xmlns="" id="{107FEA5A-714F-4121-9962-1671D7DA3F95}"/>
+                <a16:creationId xmlns:a16="http://schemas.microsoft.com/office/drawing/2014/main" id="{107FEA5A-714F-4121-9962-1671D7DA3F95}"/>
               </a:ext>
             </a:extLst>
           </p:cNvPr>
@@ -18899,7 +19998,7 @@
           <p:cNvPr id="20" name="Rectangle 19">
             <a:extLst>
               <a:ext uri="{FF2B5EF4-FFF2-40B4-BE49-F238E27FC236}">
-                <a16:creationId xmlns:a16="http://schemas.microsoft.com/office/drawing/2014/main" xmlns="" id="{BB3A422A-21ED-464B-B2EF-EE5B061BED4A}"/>
+                <a16:creationId xmlns:a16="http://schemas.microsoft.com/office/drawing/2014/main" id="{BB3A422A-21ED-464B-B2EF-EE5B061BED4A}"/>
               </a:ext>
             </a:extLst>
           </p:cNvPr>
@@ -18909,7 +20008,7 @@
           <p:nvPr>
             <p:extLst>
               <p:ext uri="{386F3935-93C4-4BCD-93E2-E3B085C9AB24}">
-                <p16:designElem xmlns:p16="http://schemas.microsoft.com/office/powerpoint/2015/main" xmlns="" val="1"/>
+                <p16:designElem xmlns:p16="http://schemas.microsoft.com/office/powerpoint/2015/main" val="1"/>
               </p:ext>
             </p:extLst>
           </p:nvPr>
@@ -18982,7 +20081,7 @@
           <p:cNvPr id="4" name="Picture 5" descr="A screenshot of a social media post&#10;&#10;Description generated with very high confidence">
             <a:extLst>
               <a:ext uri="{FF2B5EF4-FFF2-40B4-BE49-F238E27FC236}">
-                <a16:creationId xmlns:a16="http://schemas.microsoft.com/office/drawing/2014/main" xmlns="" id="{113672A1-777C-47FC-B7D1-3C32117C205C}"/>
+                <a16:creationId xmlns:a16="http://schemas.microsoft.com/office/drawing/2014/main" id="{113672A1-777C-47FC-B7D1-3C32117C205C}"/>
               </a:ext>
             </a:extLst>
           </p:cNvPr>
@@ -19050,7 +20149,7 @@
           <p:cNvPr id="2" name="Title 1">
             <a:extLst>
               <a:ext uri="{FF2B5EF4-FFF2-40B4-BE49-F238E27FC236}">
-                <a16:creationId xmlns:a16="http://schemas.microsoft.com/office/drawing/2014/main" xmlns="" id="{4A15D405-F8A9-44D8-87AC-A292C5E6FFA8}"/>
+                <a16:creationId xmlns:a16="http://schemas.microsoft.com/office/drawing/2014/main" id="{4A15D405-F8A9-44D8-87AC-A292C5E6FFA8}"/>
               </a:ext>
             </a:extLst>
           </p:cNvPr>
@@ -19084,7 +20183,7 @@
           <p:cNvPr id="3" name="Content Placeholder 2">
             <a:extLst>
               <a:ext uri="{FF2B5EF4-FFF2-40B4-BE49-F238E27FC236}">
-                <a16:creationId xmlns:a16="http://schemas.microsoft.com/office/drawing/2014/main" xmlns="" id="{05EE5194-8808-4DC1-AC4E-0621057C120D}"/>
+                <a16:creationId xmlns:a16="http://schemas.microsoft.com/office/drawing/2014/main" id="{05EE5194-8808-4DC1-AC4E-0621057C120D}"/>
               </a:ext>
             </a:extLst>
           </p:cNvPr>
@@ -19215,7 +20314,7 @@
           <p:cNvPr id="10" name="Group 9">
             <a:extLst>
               <a:ext uri="{FF2B5EF4-FFF2-40B4-BE49-F238E27FC236}">
-                <a16:creationId xmlns:a16="http://schemas.microsoft.com/office/drawing/2014/main" xmlns="" id="{B77576E5-E7DB-46C7-B0D9-A0AB18787301}"/>
+                <a16:creationId xmlns:a16="http://schemas.microsoft.com/office/drawing/2014/main" id="{B77576E5-E7DB-46C7-B0D9-A0AB18787301}"/>
               </a:ext>
             </a:extLst>
           </p:cNvPr>
@@ -19225,7 +20324,7 @@
           <p:nvPr>
             <p:extLst>
               <p:ext uri="{386F3935-93C4-4BCD-93E2-E3B085C9AB24}">
-                <p16:designElem xmlns:p16="http://schemas.microsoft.com/office/powerpoint/2015/main" xmlns="" val="1"/>
+                <p16:designElem xmlns:p16="http://schemas.microsoft.com/office/powerpoint/2015/main" val="1"/>
               </p:ext>
             </p:extLst>
           </p:nvPr>
@@ -19243,7 +20342,7 @@
             <p:cNvPr id="11" name="Picture 10">
               <a:extLst>
                 <a:ext uri="{FF2B5EF4-FFF2-40B4-BE49-F238E27FC236}">
-                  <a16:creationId xmlns:a16="http://schemas.microsoft.com/office/drawing/2014/main" xmlns="" id="{A2C244BC-AB19-460B-9A7B-5BAFE9DEAB00}"/>
+                  <a16:creationId xmlns:a16="http://schemas.microsoft.com/office/drawing/2014/main" id="{A2C244BC-AB19-460B-9A7B-5BAFE9DEAB00}"/>
                 </a:ext>
               </a:extLst>
             </p:cNvPr>
@@ -19253,7 +20352,7 @@
             <p:nvPr>
               <p:extLst>
                 <p:ext uri="{386F3935-93C4-4BCD-93E2-E3B085C9AB24}">
-                  <p16:designElem xmlns:p16="http://schemas.microsoft.com/office/powerpoint/2015/main" xmlns="" val="1"/>
+                  <p16:designElem xmlns:p16="http://schemas.microsoft.com/office/powerpoint/2015/main" val="1"/>
                 </p:ext>
               </p:extLst>
             </p:nvPr>
@@ -19285,7 +20384,7 @@
             <p:cNvPr id="12" name="Rectangle 11">
               <a:extLst>
                 <a:ext uri="{FF2B5EF4-FFF2-40B4-BE49-F238E27FC236}">
-                  <a16:creationId xmlns:a16="http://schemas.microsoft.com/office/drawing/2014/main" xmlns="" id="{C2D7728D-2CB0-4ADE-B6BF-4BA8ED772A31}"/>
+                  <a16:creationId xmlns:a16="http://schemas.microsoft.com/office/drawing/2014/main" id="{C2D7728D-2CB0-4ADE-B6BF-4BA8ED772A31}"/>
                 </a:ext>
               </a:extLst>
             </p:cNvPr>
@@ -19293,7 +20392,7 @@
             <p:nvPr>
               <p:extLst>
                 <p:ext uri="{386F3935-93C4-4BCD-93E2-E3B085C9AB24}">
-                  <p16:designElem xmlns:p16="http://schemas.microsoft.com/office/powerpoint/2015/main" xmlns="" val="1"/>
+                  <p16:designElem xmlns:p16="http://schemas.microsoft.com/office/powerpoint/2015/main" val="1"/>
                 </p:ext>
               </p:extLst>
             </p:nvPr>
@@ -19331,7 +20430,7 @@
             <p:cNvPr id="13" name="Picture 12">
               <a:extLst>
                 <a:ext uri="{FF2B5EF4-FFF2-40B4-BE49-F238E27FC236}">
-                  <a16:creationId xmlns:a16="http://schemas.microsoft.com/office/drawing/2014/main" xmlns="" id="{A3E0EDB8-8162-4D16-9521-52415777B0B4}"/>
+                  <a16:creationId xmlns:a16="http://schemas.microsoft.com/office/drawing/2014/main" id="{A3E0EDB8-8162-4D16-9521-52415777B0B4}"/>
                 </a:ext>
               </a:extLst>
             </p:cNvPr>
@@ -19341,7 +20440,7 @@
             <p:nvPr>
               <p:extLst>
                 <p:ext uri="{386F3935-93C4-4BCD-93E2-E3B085C9AB24}">
-                  <p16:designElem xmlns:p16="http://schemas.microsoft.com/office/powerpoint/2015/main" xmlns="" val="1"/>
+                  <p16:designElem xmlns:p16="http://schemas.microsoft.com/office/powerpoint/2015/main" val="1"/>
                 </p:ext>
               </p:extLst>
             </p:nvPr>
@@ -19372,7 +20471,7 @@
             <p:cNvPr id="14" name="Picture 13">
               <a:extLst>
                 <a:ext uri="{FF2B5EF4-FFF2-40B4-BE49-F238E27FC236}">
-                  <a16:creationId xmlns:a16="http://schemas.microsoft.com/office/drawing/2014/main" xmlns="" id="{27060CB3-C139-4548-A73F-74689C9292D0}"/>
+                  <a16:creationId xmlns:a16="http://schemas.microsoft.com/office/drawing/2014/main" id="{27060CB3-C139-4548-A73F-74689C9292D0}"/>
                 </a:ext>
               </a:extLst>
             </p:cNvPr>
@@ -19382,7 +20481,7 @@
             <p:nvPr>
               <p:extLst>
                 <p:ext uri="{386F3935-93C4-4BCD-93E2-E3B085C9AB24}">
-                  <p16:designElem xmlns:p16="http://schemas.microsoft.com/office/powerpoint/2015/main" xmlns="" val="1"/>
+                  <p16:designElem xmlns:p16="http://schemas.microsoft.com/office/powerpoint/2015/main" val="1"/>
                 </p:ext>
               </p:extLst>
             </p:nvPr>
@@ -19414,7 +20513,7 @@
           <p:cNvPr id="16" name="Rectangle 15">
             <a:extLst>
               <a:ext uri="{FF2B5EF4-FFF2-40B4-BE49-F238E27FC236}">
-                <a16:creationId xmlns:a16="http://schemas.microsoft.com/office/drawing/2014/main" xmlns="" id="{E6B80853-775B-47C1-A508-0AAD6FCE5ADB}"/>
+                <a16:creationId xmlns:a16="http://schemas.microsoft.com/office/drawing/2014/main" id="{E6B80853-775B-47C1-A508-0AAD6FCE5ADB}"/>
               </a:ext>
             </a:extLst>
           </p:cNvPr>
@@ -19424,7 +20523,7 @@
           <p:nvPr>
             <p:extLst>
               <p:ext uri="{386F3935-93C4-4BCD-93E2-E3B085C9AB24}">
-                <p16:designElem xmlns:p16="http://schemas.microsoft.com/office/powerpoint/2015/main" xmlns="" val="1"/>
+                <p16:designElem xmlns:p16="http://schemas.microsoft.com/office/powerpoint/2015/main" val="1"/>
               </p:ext>
             </p:extLst>
           </p:nvPr>
@@ -19477,7 +20576,7 @@
           <p:cNvPr id="18" name="Rectangle 17">
             <a:extLst>
               <a:ext uri="{FF2B5EF4-FFF2-40B4-BE49-F238E27FC236}">
-                <a16:creationId xmlns:a16="http://schemas.microsoft.com/office/drawing/2014/main" xmlns="" id="{9BF62520-0403-497A-958B-FD6E8037E8FA}"/>
+                <a16:creationId xmlns:a16="http://schemas.microsoft.com/office/drawing/2014/main" id="{9BF62520-0403-497A-958B-FD6E8037E8FA}"/>
               </a:ext>
             </a:extLst>
           </p:cNvPr>
@@ -19487,7 +20586,7 @@
           <p:nvPr>
             <p:extLst>
               <p:ext uri="{386F3935-93C4-4BCD-93E2-E3B085C9AB24}">
-                <p16:designElem xmlns:p16="http://schemas.microsoft.com/office/powerpoint/2015/main" xmlns="" val="1"/>
+                <p16:designElem xmlns:p16="http://schemas.microsoft.com/office/powerpoint/2015/main" val="1"/>
               </p:ext>
             </p:extLst>
           </p:nvPr>
@@ -19534,7 +20633,7 @@
           <p:cNvPr id="5" name="Picture 4" descr="A screenshot of a cell phone&#10;&#10;Description generated with very high confidence">
             <a:extLst>
               <a:ext uri="{FF2B5EF4-FFF2-40B4-BE49-F238E27FC236}">
-                <a16:creationId xmlns:a16="http://schemas.microsoft.com/office/drawing/2014/main" xmlns="" id="{9093605A-6AD0-4DD7-9BB5-C23EE8FD020B}"/>
+                <a16:creationId xmlns:a16="http://schemas.microsoft.com/office/drawing/2014/main" id="{9093605A-6AD0-4DD7-9BB5-C23EE8FD020B}"/>
               </a:ext>
             </a:extLst>
           </p:cNvPr>
@@ -19570,7 +20669,7 @@
           <p:cNvPr id="20" name="Rectangle 19">
             <a:extLst>
               <a:ext uri="{FF2B5EF4-FFF2-40B4-BE49-F238E27FC236}">
-                <a16:creationId xmlns:a16="http://schemas.microsoft.com/office/drawing/2014/main" xmlns="" id="{BB3A422A-21ED-464B-B2EF-EE5B061BED4A}"/>
+                <a16:creationId xmlns:a16="http://schemas.microsoft.com/office/drawing/2014/main" id="{BB3A422A-21ED-464B-B2EF-EE5B061BED4A}"/>
               </a:ext>
             </a:extLst>
           </p:cNvPr>
@@ -19580,7 +20679,7 @@
           <p:nvPr>
             <p:extLst>
               <p:ext uri="{386F3935-93C4-4BCD-93E2-E3B085C9AB24}">
-                <p16:designElem xmlns:p16="http://schemas.microsoft.com/office/powerpoint/2015/main" xmlns="" val="1"/>
+                <p16:designElem xmlns:p16="http://schemas.microsoft.com/office/powerpoint/2015/main" val="1"/>
               </p:ext>
             </p:extLst>
           </p:nvPr>
@@ -19661,7 +20760,7 @@
           <p:cNvPr id="22" name="Rectangle 7">
             <a:extLst>
               <a:ext uri="{FF2B5EF4-FFF2-40B4-BE49-F238E27FC236}">
-                <a16:creationId xmlns:a16="http://schemas.microsoft.com/office/drawing/2014/main" xmlns="" id="{DC878D9A-77BE-4701-AE3D-EEFC53CD50BC}"/>
+                <a16:creationId xmlns:a16="http://schemas.microsoft.com/office/drawing/2014/main" id="{DC878D9A-77BE-4701-AE3D-EEFC53CD50BC}"/>
               </a:ext>
             </a:extLst>
           </p:cNvPr>
@@ -19671,7 +20770,7 @@
           <p:nvPr>
             <p:extLst>
               <p:ext uri="{386F3935-93C4-4BCD-93E2-E3B085C9AB24}">
-                <p16:designElem xmlns:p16="http://schemas.microsoft.com/office/powerpoint/2015/main" xmlns="" val="1"/>
+                <p16:designElem xmlns:p16="http://schemas.microsoft.com/office/powerpoint/2015/main" val="1"/>
               </p:ext>
             </p:extLst>
           </p:nvPr>
@@ -19718,7 +20817,7 @@
           <p:cNvPr id="10" name="Rectangle 9">
             <a:extLst>
               <a:ext uri="{FF2B5EF4-FFF2-40B4-BE49-F238E27FC236}">
-                <a16:creationId xmlns:a16="http://schemas.microsoft.com/office/drawing/2014/main" xmlns="" id="{07A4B640-BB7F-4272-A710-068DBA9F9A6E}"/>
+                <a16:creationId xmlns:a16="http://schemas.microsoft.com/office/drawing/2014/main" id="{07A4B640-BB7F-4272-A710-068DBA9F9A6E}"/>
               </a:ext>
             </a:extLst>
           </p:cNvPr>
@@ -19728,7 +20827,7 @@
           <p:nvPr>
             <p:extLst>
               <p:ext uri="{386F3935-93C4-4BCD-93E2-E3B085C9AB24}">
-                <p16:designElem xmlns:p16="http://schemas.microsoft.com/office/powerpoint/2015/main" xmlns="" val="1"/>
+                <p16:designElem xmlns:p16="http://schemas.microsoft.com/office/powerpoint/2015/main" val="1"/>
               </p:ext>
             </p:extLst>
           </p:nvPr>
@@ -19807,7 +20906,7 @@
           <p:cNvPr id="12" name="Rectangle 11">
             <a:extLst>
               <a:ext uri="{FF2B5EF4-FFF2-40B4-BE49-F238E27FC236}">
-                <a16:creationId xmlns:a16="http://schemas.microsoft.com/office/drawing/2014/main" xmlns="" id="{F643BE08-0ED1-4B73-AC6D-B7E26A59CDAA}"/>
+                <a16:creationId xmlns:a16="http://schemas.microsoft.com/office/drawing/2014/main" id="{F643BE08-0ED1-4B73-AC6D-B7E26A59CDAA}"/>
               </a:ext>
             </a:extLst>
           </p:cNvPr>
@@ -19817,7 +20916,7 @@
           <p:nvPr>
             <p:extLst>
               <p:ext uri="{386F3935-93C4-4BCD-93E2-E3B085C9AB24}">
-                <p16:designElem xmlns:p16="http://schemas.microsoft.com/office/powerpoint/2015/main" xmlns="" val="1"/>
+                <p16:designElem xmlns:p16="http://schemas.microsoft.com/office/powerpoint/2015/main" val="1"/>
               </p:ext>
             </p:extLst>
           </p:nvPr>
@@ -19884,7 +20983,7 @@
           <p:cNvPr id="14" name="Rectangle 13">
             <a:extLst>
               <a:ext uri="{FF2B5EF4-FFF2-40B4-BE49-F238E27FC236}">
-                <a16:creationId xmlns:a16="http://schemas.microsoft.com/office/drawing/2014/main" xmlns="" id="{956B2094-7FC0-45FC-BFED-3CB88CEE63F5}"/>
+                <a16:creationId xmlns:a16="http://schemas.microsoft.com/office/drawing/2014/main" id="{956B2094-7FC0-45FC-BFED-3CB88CEE63F5}"/>
               </a:ext>
             </a:extLst>
           </p:cNvPr>
@@ -19894,7 +20993,7 @@
           <p:nvPr>
             <p:extLst>
               <p:ext uri="{386F3935-93C4-4BCD-93E2-E3B085C9AB24}">
-                <p16:designElem xmlns:p16="http://schemas.microsoft.com/office/powerpoint/2015/main" xmlns="" val="1"/>
+                <p16:designElem xmlns:p16="http://schemas.microsoft.com/office/powerpoint/2015/main" val="1"/>
               </p:ext>
             </p:extLst>
           </p:nvPr>
@@ -19936,7 +21035,7 @@
           <p:cNvPr id="2" name="Title 1">
             <a:extLst>
               <a:ext uri="{FF2B5EF4-FFF2-40B4-BE49-F238E27FC236}">
-                <a16:creationId xmlns:a16="http://schemas.microsoft.com/office/drawing/2014/main" xmlns="" id="{6258A2C6-7ACA-47AE-B66D-33A58CBEE751}"/>
+                <a16:creationId xmlns:a16="http://schemas.microsoft.com/office/drawing/2014/main" id="{6258A2C6-7ACA-47AE-B66D-33A58CBEE751}"/>
               </a:ext>
             </a:extLst>
           </p:cNvPr>
@@ -19980,7 +21079,7 @@
           <p:cNvPr id="3" name="Content Placeholder 2">
             <a:extLst>
               <a:ext uri="{FF2B5EF4-FFF2-40B4-BE49-F238E27FC236}">
-                <a16:creationId xmlns:a16="http://schemas.microsoft.com/office/drawing/2014/main" xmlns="" id="{92C1B577-14E0-4BEA-874A-DD6F09358335}"/>
+                <a16:creationId xmlns:a16="http://schemas.microsoft.com/office/drawing/2014/main" id="{92C1B577-14E0-4BEA-874A-DD6F09358335}"/>
               </a:ext>
             </a:extLst>
           </p:cNvPr>
@@ -20004,48 +21103,48 @@
           <a:lstStyle/>
           <a:p>
             <a:r>
-              <a:rPr lang="da-DK"/>
+              <a:rPr lang="da-DK" dirty="0"/>
               <a:t>Introduction</a:t>
             </a:r>
           </a:p>
           <a:p>
             <a:r>
-              <a:rPr lang="da-DK"/>
+              <a:rPr lang="da-DK" dirty="0"/>
+              <a:t>Requirements</a:t>
+            </a:r>
+          </a:p>
+          <a:p>
+            <a:r>
+              <a:rPr lang="da-DK" dirty="0"/>
               <a:t>SCRUM</a:t>
             </a:r>
           </a:p>
           <a:p>
             <a:r>
-              <a:rPr lang="da-DK"/>
-              <a:t>Requirements</a:t>
-            </a:r>
-          </a:p>
-          <a:p>
-            <a:r>
-              <a:rPr lang="da-DK"/>
+              <a:rPr lang="da-DK" dirty="0"/>
               <a:t>Class Diagram</a:t>
             </a:r>
           </a:p>
           <a:p>
             <a:r>
-              <a:rPr lang="da-DK"/>
+              <a:rPr lang="da-DK" dirty="0"/>
               <a:t>Design Patterns</a:t>
             </a:r>
           </a:p>
           <a:p>
             <a:r>
-              <a:rPr lang="da-DK"/>
+              <a:rPr lang="da-DK" dirty="0"/>
               <a:t>RMI</a:t>
             </a:r>
           </a:p>
           <a:p>
             <a:r>
-              <a:rPr lang="da-DK"/>
+              <a:rPr lang="da-DK" dirty="0"/>
               <a:t>Testing</a:t>
             </a:r>
           </a:p>
           <a:p>
-            <a:endParaRPr lang="da-DK"/>
+            <a:endParaRPr lang="da-DK" dirty="0"/>
           </a:p>
           <a:p>
             <a:endParaRPr lang="aa-ET" dirty="0"/>
@@ -20101,7 +21200,7 @@
           <p:cNvPr id="8" name="Rectangle 7">
             <a:extLst>
               <a:ext uri="{FF2B5EF4-FFF2-40B4-BE49-F238E27FC236}">
-                <a16:creationId xmlns:a16="http://schemas.microsoft.com/office/drawing/2014/main" xmlns="" id="{52723366-C73B-4ED6-ADEF-29911C6BC55F}"/>
+                <a16:creationId xmlns:a16="http://schemas.microsoft.com/office/drawing/2014/main" id="{52723366-C73B-4ED6-ADEF-29911C6BC55F}"/>
               </a:ext>
             </a:extLst>
           </p:cNvPr>
@@ -20111,7 +21210,7 @@
           <p:nvPr>
             <p:extLst>
               <p:ext uri="{386F3935-93C4-4BCD-93E2-E3B085C9AB24}">
-                <p16:designElem xmlns:p16="http://schemas.microsoft.com/office/powerpoint/2015/main" xmlns="" val="1"/>
+                <p16:designElem xmlns:p16="http://schemas.microsoft.com/office/powerpoint/2015/main" val="1"/>
               </p:ext>
             </p:extLst>
           </p:nvPr>
@@ -20158,7 +21257,7 @@
           <p:cNvPr id="10" name="Rectangle 9">
             <a:extLst>
               <a:ext uri="{FF2B5EF4-FFF2-40B4-BE49-F238E27FC236}">
-                <a16:creationId xmlns:a16="http://schemas.microsoft.com/office/drawing/2014/main" xmlns="" id="{C6202988-4466-42C5-B33A-AFABF051B4FE}"/>
+                <a16:creationId xmlns:a16="http://schemas.microsoft.com/office/drawing/2014/main" id="{C6202988-4466-42C5-B33A-AFABF051B4FE}"/>
               </a:ext>
             </a:extLst>
           </p:cNvPr>
@@ -20168,7 +21267,7 @@
           <p:nvPr>
             <p:extLst>
               <p:ext uri="{386F3935-93C4-4BCD-93E2-E3B085C9AB24}">
-                <p16:designElem xmlns:p16="http://schemas.microsoft.com/office/powerpoint/2015/main" xmlns="" val="1"/>
+                <p16:designElem xmlns:p16="http://schemas.microsoft.com/office/powerpoint/2015/main" val="1"/>
               </p:ext>
             </p:extLst>
           </p:nvPr>
@@ -20247,7 +21346,7 @@
           <p:cNvPr id="12" name="Rectangle 11">
             <a:extLst>
               <a:ext uri="{FF2B5EF4-FFF2-40B4-BE49-F238E27FC236}">
-                <a16:creationId xmlns:a16="http://schemas.microsoft.com/office/drawing/2014/main" xmlns="" id="{847A4152-8E41-4D1C-B88C-57C5C430A69E}"/>
+                <a16:creationId xmlns:a16="http://schemas.microsoft.com/office/drawing/2014/main" id="{847A4152-8E41-4D1C-B88C-57C5C430A69E}"/>
               </a:ext>
             </a:extLst>
           </p:cNvPr>
@@ -20257,7 +21356,7 @@
           <p:nvPr>
             <p:extLst>
               <p:ext uri="{386F3935-93C4-4BCD-93E2-E3B085C9AB24}">
-                <p16:designElem xmlns:p16="http://schemas.microsoft.com/office/powerpoint/2015/main" xmlns="" val="1"/>
+                <p16:designElem xmlns:p16="http://schemas.microsoft.com/office/powerpoint/2015/main" val="1"/>
               </p:ext>
             </p:extLst>
           </p:nvPr>
@@ -20324,7 +21423,7 @@
           <p:cNvPr id="14" name="Rectangle 13">
             <a:extLst>
               <a:ext uri="{FF2B5EF4-FFF2-40B4-BE49-F238E27FC236}">
-                <a16:creationId xmlns:a16="http://schemas.microsoft.com/office/drawing/2014/main" xmlns="" id="{999F76F5-72D4-4814-9169-8F535AEEB809}"/>
+                <a16:creationId xmlns:a16="http://schemas.microsoft.com/office/drawing/2014/main" id="{999F76F5-72D4-4814-9169-8F535AEEB809}"/>
               </a:ext>
             </a:extLst>
           </p:cNvPr>
@@ -20334,7 +21433,7 @@
           <p:nvPr>
             <p:extLst>
               <p:ext uri="{386F3935-93C4-4BCD-93E2-E3B085C9AB24}">
-                <p16:designElem xmlns:p16="http://schemas.microsoft.com/office/powerpoint/2015/main" xmlns="" val="1"/>
+                <p16:designElem xmlns:p16="http://schemas.microsoft.com/office/powerpoint/2015/main" val="1"/>
               </p:ext>
             </p:extLst>
           </p:nvPr>
@@ -20376,7 +21475,7 @@
           <p:cNvPr id="2" name="Title 1">
             <a:extLst>
               <a:ext uri="{FF2B5EF4-FFF2-40B4-BE49-F238E27FC236}">
-                <a16:creationId xmlns:a16="http://schemas.microsoft.com/office/drawing/2014/main" xmlns="" id="{75F25581-1BA1-4013-994E-E7E00215CCCF}"/>
+                <a16:creationId xmlns:a16="http://schemas.microsoft.com/office/drawing/2014/main" id="{75F25581-1BA1-4013-994E-E7E00215CCCF}"/>
               </a:ext>
             </a:extLst>
           </p:cNvPr>
@@ -20420,7 +21519,7 @@
           <p:cNvPr id="3" name="Content Placeholder 2">
             <a:extLst>
               <a:ext uri="{FF2B5EF4-FFF2-40B4-BE49-F238E27FC236}">
-                <a16:creationId xmlns:a16="http://schemas.microsoft.com/office/drawing/2014/main" xmlns="" id="{B34E0A40-0E51-4A13-8567-BBA47156F2A3}"/>
+                <a16:creationId xmlns:a16="http://schemas.microsoft.com/office/drawing/2014/main" id="{B34E0A40-0E51-4A13-8567-BBA47156F2A3}"/>
               </a:ext>
             </a:extLst>
           </p:cNvPr>
@@ -20495,374 +21594,12 @@
           <a:chExt cx="0" cy="0"/>
         </a:xfrm>
       </p:grpSpPr>
-      <p:sp>
+      <p:sp useBgFill="1">
         <p:nvSpPr>
-          <p:cNvPr id="2" name="Title 1">
+          <p:cNvPr id="8" name="Rectangle 7">
             <a:extLst>
               <a:ext uri="{FF2B5EF4-FFF2-40B4-BE49-F238E27FC236}">
-                <a16:creationId xmlns:a16="http://schemas.microsoft.com/office/drawing/2014/main" xmlns="" id="{E591390E-921B-4775-B5F9-6ED6E116AD62}"/>
-              </a:ext>
-            </a:extLst>
-          </p:cNvPr>
-          <p:cNvSpPr>
-            <a:spLocks noGrp="1"/>
-          </p:cNvSpPr>
-          <p:nvPr>
-            <p:ph type="title"/>
-          </p:nvPr>
-        </p:nvSpPr>
-        <p:spPr>
-          <a:xfrm>
-            <a:off x="1295402" y="982132"/>
-            <a:ext cx="9601196" cy="1303867"/>
-          </a:xfrm>
-        </p:spPr>
-        <p:txBody>
-          <a:bodyPr>
-            <a:normAutofit/>
-          </a:bodyPr>
-          <a:lstStyle/>
-          <a:p>
-            <a:r>
-              <a:rPr lang="da-DK">
-                <a:solidFill>
-                  <a:srgbClr val="262626"/>
-                </a:solidFill>
-              </a:rPr>
-              <a:t>SCRUM</a:t>
-            </a:r>
-            <a:endParaRPr lang="aa-ET">
-              <a:solidFill>
-                <a:srgbClr val="262626"/>
-              </a:solidFill>
-            </a:endParaRPr>
-          </a:p>
-        </p:txBody>
-      </p:sp>
-      <p:graphicFrame>
-        <p:nvGraphicFramePr>
-          <p:cNvPr id="5" name="Content Placeholder 2">
-            <a:extLst>
-              <a:ext uri="{FF2B5EF4-FFF2-40B4-BE49-F238E27FC236}">
-                <a16:creationId xmlns:a16="http://schemas.microsoft.com/office/drawing/2014/main" xmlns="" id="{AB9056A5-D53C-4B22-B06C-5AA6ECDE75E3}"/>
-              </a:ext>
-            </a:extLst>
-          </p:cNvPr>
-          <p:cNvGraphicFramePr>
-            <a:graphicFrameLocks noGrp="1"/>
-          </p:cNvGraphicFramePr>
-          <p:nvPr>
-            <p:ph idx="1"/>
-            <p:extLst>
-              <p:ext uri="{D42A27DB-BD31-4B8C-83A1-F6EECF244321}">
-                <p14:modId xmlns:p14="http://schemas.microsoft.com/office/powerpoint/2010/main" val="2338602464"/>
-              </p:ext>
-            </p:extLst>
-          </p:nvPr>
-        </p:nvGraphicFramePr>
-        <p:xfrm>
-          <a:off x="1295400" y="2772384"/>
-          <a:ext cx="9601197" cy="2874883"/>
-        </p:xfrm>
-        <a:graphic>
-          <a:graphicData uri="http://schemas.openxmlformats.org/drawingml/2006/diagram">
-            <dgm:relIds xmlns:dgm="http://schemas.openxmlformats.org/drawingml/2006/diagram" xmlns:r="http://schemas.openxmlformats.org/officeDocument/2006/relationships" r:dm="rId3" r:lo="rId4" r:qs="rId5" r:cs="rId6"/>
-          </a:graphicData>
-        </a:graphic>
-      </p:graphicFrame>
-    </p:spTree>
-    <p:extLst>
-      <p:ext uri="{BB962C8B-B14F-4D97-AF65-F5344CB8AC3E}">
-        <p14:creationId xmlns:p14="http://schemas.microsoft.com/office/powerpoint/2010/main" val="42290377"/>
-      </p:ext>
-    </p:extLst>
-  </p:cSld>
-  <p:clrMapOvr>
-    <a:masterClrMapping/>
-  </p:clrMapOvr>
-  <p:transition spd="med">
-    <p:pull/>
-  </p:transition>
-</p:sld>
-</file>
-
-<file path=ppt/slides/slide5.xml><?xml version="1.0" encoding="utf-8"?>
-<p:sld xmlns:a="http://schemas.openxmlformats.org/drawingml/2006/main" xmlns:r="http://schemas.openxmlformats.org/officeDocument/2006/relationships" xmlns:p="http://schemas.openxmlformats.org/presentationml/2006/main">
-  <p:cSld>
-    <p:bg>
-      <p:bgPr>
-        <a:blipFill>
-          <a:blip r:embed="rId2">
-            <a:extLst/>
-          </a:blip>
-          <a:stretch/>
-        </a:blipFill>
-        <a:effectLst/>
-      </p:bgPr>
-    </p:bg>
-    <p:spTree>
-      <p:nvGrpSpPr>
-        <p:cNvPr id="1" name=""/>
-        <p:cNvGrpSpPr/>
-        <p:nvPr/>
-      </p:nvGrpSpPr>
-      <p:grpSpPr>
-        <a:xfrm>
-          <a:off x="0" y="0"/>
-          <a:ext cx="0" cy="0"/>
-          <a:chOff x="0" y="0"/>
-          <a:chExt cx="0" cy="0"/>
-        </a:xfrm>
-      </p:grpSpPr>
-      <p:grpSp>
-        <p:nvGrpSpPr>
-          <p:cNvPr id="10" name="Group 9">
-            <a:extLst>
-              <a:ext uri="{FF2B5EF4-FFF2-40B4-BE49-F238E27FC236}">
-                <a16:creationId xmlns:a16="http://schemas.microsoft.com/office/drawing/2014/main" xmlns="" id="{749C117F-F390-437B-ADB0-57E87EFF34F5}"/>
-              </a:ext>
-            </a:extLst>
-          </p:cNvPr>
-          <p:cNvGrpSpPr>
-            <a:grpSpLocks noGrp="1" noUngrp="1" noRot="1" noChangeAspect="1" noMove="1" noResize="1"/>
-          </p:cNvGrpSpPr>
-          <p:nvPr>
-            <p:extLst>
-              <p:ext uri="{386F3935-93C4-4BCD-93E2-E3B085C9AB24}">
-                <p16:designElem xmlns:p16="http://schemas.microsoft.com/office/powerpoint/2015/main" xmlns="" val="1"/>
-              </p:ext>
-            </p:extLst>
-          </p:nvPr>
-        </p:nvGrpSpPr>
-        <p:grpSpPr>
-          <a:xfrm>
-            <a:off x="-16934" y="0"/>
-            <a:ext cx="12231160" cy="6856214"/>
-            <a:chOff x="-16934" y="0"/>
-            <a:chExt cx="12231160" cy="6856214"/>
-          </a:xfrm>
-        </p:grpSpPr>
-        <p:pic>
-          <p:nvPicPr>
-            <p:cNvPr id="11" name="Picture 10">
-              <a:extLst>
-                <a:ext uri="{FF2B5EF4-FFF2-40B4-BE49-F238E27FC236}">
-                  <a16:creationId xmlns:a16="http://schemas.microsoft.com/office/drawing/2014/main" xmlns="" id="{A7EF42F8-2417-49A6-95CE-DE9503B0AA66}"/>
-                </a:ext>
-              </a:extLst>
-            </p:cNvPr>
-            <p:cNvPicPr>
-              <a:picLocks noChangeAspect="1"/>
-            </p:cNvPicPr>
-            <p:nvPr>
-              <p:extLst>
-                <p:ext uri="{386F3935-93C4-4BCD-93E2-E3B085C9AB24}">
-                  <p16:designElem xmlns:p16="http://schemas.microsoft.com/office/powerpoint/2015/main" xmlns="" val="1"/>
-                </p:ext>
-              </p:extLst>
-            </p:nvPr>
-          </p:nvPicPr>
-          <p:blipFill>
-            <a:blip r:embed="rId3">
-              <a:extLst>
-                <a:ext uri="{28A0092B-C50C-407E-A947-70E740481C1C}">
-                  <a14:useLocalDpi xmlns:a14="http://schemas.microsoft.com/office/drawing/2010/main" val="0"/>
-                </a:ext>
-              </a:extLst>
-            </a:blip>
-            <a:stretch>
-              <a:fillRect/>
-            </a:stretch>
-          </p:blipFill>
-          <p:spPr>
-            <a:xfrm>
-              <a:off x="0" y="0"/>
-              <a:ext cx="12188825" cy="6856214"/>
-            </a:xfrm>
-            <a:prstGeom prst="rect">
-              <a:avLst/>
-            </a:prstGeom>
-          </p:spPr>
-        </p:pic>
-        <p:sp>
-          <p:nvSpPr>
-            <p:cNvPr id="12" name="Rectangle 11">
-              <a:extLst>
-                <a:ext uri="{FF2B5EF4-FFF2-40B4-BE49-F238E27FC236}">
-                  <a16:creationId xmlns:a16="http://schemas.microsoft.com/office/drawing/2014/main" xmlns="" id="{AC6F623B-2003-4AED-B02F-541A150EC143}"/>
-                </a:ext>
-              </a:extLst>
-            </p:cNvPr>
-            <p:cNvSpPr/>
-            <p:nvPr>
-              <p:extLst>
-                <p:ext uri="{386F3935-93C4-4BCD-93E2-E3B085C9AB24}">
-                  <p16:designElem xmlns:p16="http://schemas.microsoft.com/office/powerpoint/2015/main" xmlns="" val="1"/>
-                </p:ext>
-              </p:extLst>
-            </p:nvPr>
-          </p:nvSpPr>
-          <p:spPr>
-            <a:xfrm>
-              <a:off x="2328332" y="1540931"/>
-              <a:ext cx="7543802" cy="3835401"/>
-            </a:xfrm>
-            <a:prstGeom prst="rect">
-              <a:avLst/>
-            </a:prstGeom>
-            <a:noFill/>
-            <a:ln w="15875">
-              <a:miter lim="800000"/>
-            </a:ln>
-          </p:spPr>
-          <p:style>
-            <a:lnRef idx="1">
-              <a:schemeClr val="accent1"/>
-            </a:lnRef>
-            <a:fillRef idx="3">
-              <a:schemeClr val="accent1"/>
-            </a:fillRef>
-            <a:effectRef idx="2">
-              <a:schemeClr val="accent1"/>
-            </a:effectRef>
-            <a:fontRef idx="minor">
-              <a:schemeClr val="lt1"/>
-            </a:fontRef>
-          </p:style>
-        </p:sp>
-        <p:pic>
-          <p:nvPicPr>
-            <p:cNvPr id="13" name="Picture 12">
-              <a:extLst>
-                <a:ext uri="{FF2B5EF4-FFF2-40B4-BE49-F238E27FC236}">
-                  <a16:creationId xmlns:a16="http://schemas.microsoft.com/office/drawing/2014/main" xmlns="" id="{CD11837A-4F3D-419F-ACE2-E80B1EA2846F}"/>
-                </a:ext>
-              </a:extLst>
-            </p:cNvPr>
-            <p:cNvPicPr>
-              <a:picLocks noChangeAspect="1"/>
-            </p:cNvPicPr>
-            <p:nvPr>
-              <p:extLst>
-                <p:ext uri="{386F3935-93C4-4BCD-93E2-E3B085C9AB24}">
-                  <p16:designElem xmlns:p16="http://schemas.microsoft.com/office/powerpoint/2015/main" xmlns="" val="1"/>
-                </p:ext>
-              </p:extLst>
-            </p:nvPr>
-          </p:nvPicPr>
-          <p:blipFill rotWithShape="1">
-            <a:blip r:embed="rId4">
-              <a:extLst>
-                <a:ext uri="{28A0092B-C50C-407E-A947-70E740481C1C}">
-                  <a14:useLocalDpi xmlns:a14="http://schemas.microsoft.com/office/drawing/2010/main" val="0"/>
-                </a:ext>
-              </a:extLst>
-            </a:blip>
-            <a:srcRect/>
-            <a:stretch/>
-          </p:blipFill>
-          <p:spPr>
-            <a:xfrm>
-              <a:off x="-16934" y="3147609"/>
-              <a:ext cx="2478024" cy="612648"/>
-            </a:xfrm>
-            <a:prstGeom prst="rect">
-              <a:avLst/>
-            </a:prstGeom>
-          </p:spPr>
-        </p:pic>
-        <p:pic>
-          <p:nvPicPr>
-            <p:cNvPr id="14" name="Picture 13">
-              <a:extLst>
-                <a:ext uri="{FF2B5EF4-FFF2-40B4-BE49-F238E27FC236}">
-                  <a16:creationId xmlns:a16="http://schemas.microsoft.com/office/drawing/2014/main" xmlns="" id="{B9411D1A-7E2C-4A36-BE32-BF7A8E130723}"/>
-                </a:ext>
-              </a:extLst>
-            </p:cNvPr>
-            <p:cNvPicPr>
-              <a:picLocks noChangeAspect="1"/>
-            </p:cNvPicPr>
-            <p:nvPr>
-              <p:extLst>
-                <p:ext uri="{386F3935-93C4-4BCD-93E2-E3B085C9AB24}">
-                  <p16:designElem xmlns:p16="http://schemas.microsoft.com/office/powerpoint/2015/main" xmlns="" val="1"/>
-                </p:ext>
-              </p:extLst>
-            </p:nvPr>
-          </p:nvPicPr>
-          <p:blipFill rotWithShape="1">
-            <a:blip r:embed="rId4">
-              <a:extLst>
-                <a:ext uri="{28A0092B-C50C-407E-A947-70E740481C1C}">
-                  <a14:useLocalDpi xmlns:a14="http://schemas.microsoft.com/office/drawing/2010/main" val="0"/>
-                </a:ext>
-              </a:extLst>
-            </a:blip>
-            <a:srcRect/>
-            <a:stretch/>
-          </p:blipFill>
-          <p:spPr>
-            <a:xfrm>
-              <a:off x="9736202" y="3147609"/>
-              <a:ext cx="2478024" cy="612648"/>
-            </a:xfrm>
-            <a:prstGeom prst="rect">
-              <a:avLst/>
-            </a:prstGeom>
-          </p:spPr>
-        </p:pic>
-      </p:grpSp>
-      <p:cxnSp>
-        <p:nvCxnSpPr>
-          <p:cNvPr id="16" name="Straight Connector 15">
-            <a:extLst>
-              <a:ext uri="{FF2B5EF4-FFF2-40B4-BE49-F238E27FC236}">
-                <a16:creationId xmlns:a16="http://schemas.microsoft.com/office/drawing/2014/main" xmlns="" id="{20742BC3-654B-4E41-9A6A-73A42E477639}"/>
-              </a:ext>
-            </a:extLst>
-          </p:cNvPr>
-          <p:cNvCxnSpPr>
-            <a:cxnSpLocks noGrp="1" noRot="1" noChangeAspect="1" noMove="1" noResize="1" noEditPoints="1" noAdjustHandles="1" noChangeArrowheads="1" noChangeShapeType="1"/>
-          </p:cNvCxnSpPr>
-          <p:nvPr>
-            <p:extLst>
-              <p:ext uri="{386F3935-93C4-4BCD-93E2-E3B085C9AB24}">
-                <p16:designElem xmlns:p16="http://schemas.microsoft.com/office/powerpoint/2015/main" xmlns="" val="1"/>
-              </p:ext>
-            </p:extLst>
-          </p:nvPr>
-        </p:nvCxnSpPr>
-        <p:spPr>
-          <a:xfrm>
-            <a:off x="2692399" y="3522131"/>
-            <a:ext cx="6815668" cy="0"/>
-          </a:xfrm>
-          <a:prstGeom prst="line">
-            <a:avLst/>
-          </a:prstGeom>
-        </p:spPr>
-        <p:style>
-          <a:lnRef idx="2">
-            <a:schemeClr val="accent1"/>
-          </a:lnRef>
-          <a:fillRef idx="0">
-            <a:schemeClr val="accent1"/>
-          </a:fillRef>
-          <a:effectRef idx="1">
-            <a:schemeClr val="accent1"/>
-          </a:effectRef>
-          <a:fontRef idx="minor">
-            <a:schemeClr val="tx1"/>
-          </a:fontRef>
-        </p:style>
-      </p:cxnSp>
-      <p:sp useBgFill="1">
-        <p:nvSpPr>
-          <p:cNvPr id="18" name="Rectangle 17">
-            <a:extLst>
-              <a:ext uri="{FF2B5EF4-FFF2-40B4-BE49-F238E27FC236}">
-                <a16:creationId xmlns:a16="http://schemas.microsoft.com/office/drawing/2014/main" xmlns="" id="{575E71FA-50BD-43F8-8C98-04339283A93D}"/>
+                <a16:creationId xmlns:a16="http://schemas.microsoft.com/office/drawing/2014/main" id="{52723366-C73B-4ED6-ADEF-29911C6BC55F}"/>
               </a:ext>
             </a:extLst>
           </p:cNvPr>
@@ -20872,1612 +21609,7 @@
           <p:nvPr>
             <p:extLst>
               <p:ext uri="{386F3935-93C4-4BCD-93E2-E3B085C9AB24}">
-                <p16:designElem xmlns:p16="http://schemas.microsoft.com/office/powerpoint/2015/main" xmlns="" val="1"/>
-              </p:ext>
-            </p:extLst>
-          </p:nvPr>
-        </p:nvSpPr>
-        <p:spPr>
-          <a:xfrm>
-            <a:off x="0" y="0"/>
-            <a:ext cx="12188952" cy="6858000"/>
-          </a:xfrm>
-          <a:prstGeom prst="rect">
-            <a:avLst/>
-          </a:prstGeom>
-          <a:ln>
-            <a:noFill/>
-          </a:ln>
-        </p:spPr>
-        <p:style>
-          <a:lnRef idx="2">
-            <a:schemeClr val="accent1">
-              <a:shade val="50000"/>
-            </a:schemeClr>
-          </a:lnRef>
-          <a:fillRef idx="1">
-            <a:schemeClr val="accent1"/>
-          </a:fillRef>
-          <a:effectRef idx="0">
-            <a:schemeClr val="accent1"/>
-          </a:effectRef>
-          <a:fontRef idx="minor">
-            <a:schemeClr val="lt1"/>
-          </a:fontRef>
-        </p:style>
-        <p:txBody>
-          <a:bodyPr rtlCol="0" anchor="ctr"/>
-          <a:lstStyle/>
-          <a:p>
-            <a:pPr algn="ctr"/>
-            <a:endParaRPr lang="en-US"/>
-          </a:p>
-        </p:txBody>
-      </p:sp>
-      <p:grpSp>
-        <p:nvGrpSpPr>
-          <p:cNvPr id="20" name="Group 19">
-            <a:extLst>
-              <a:ext uri="{FF2B5EF4-FFF2-40B4-BE49-F238E27FC236}">
-                <a16:creationId xmlns:a16="http://schemas.microsoft.com/office/drawing/2014/main" xmlns="" id="{CF1AA7F6-A589-4BC8-BC72-2CA6DC908398}"/>
-              </a:ext>
-            </a:extLst>
-          </p:cNvPr>
-          <p:cNvGrpSpPr>
-            <a:grpSpLocks noGrp="1" noUngrp="1" noRot="1" noChangeAspect="1" noMove="1" noResize="1"/>
-          </p:cNvGrpSpPr>
-          <p:nvPr>
-            <p:extLst>
-              <p:ext uri="{386F3935-93C4-4BCD-93E2-E3B085C9AB24}">
-                <p16:designElem xmlns:p16="http://schemas.microsoft.com/office/powerpoint/2015/main" xmlns="" val="1"/>
-              </p:ext>
-            </p:extLst>
-          </p:nvPr>
-        </p:nvGrpSpPr>
-        <p:grpSpPr>
-          <a:xfrm>
-            <a:off x="-15736" y="0"/>
-            <a:ext cx="12229962" cy="6856214"/>
-            <a:chOff x="-15736" y="0"/>
-            <a:chExt cx="12229962" cy="6856214"/>
-          </a:xfrm>
-        </p:grpSpPr>
-        <p:pic>
-          <p:nvPicPr>
-            <p:cNvPr id="21" name="Picture 20">
-              <a:extLst>
-                <a:ext uri="{FF2B5EF4-FFF2-40B4-BE49-F238E27FC236}">
-                  <a16:creationId xmlns:a16="http://schemas.microsoft.com/office/drawing/2014/main" xmlns="" id="{53F5243F-7E41-439E-8991-C4F246D88F68}"/>
-                </a:ext>
-              </a:extLst>
-            </p:cNvPr>
-            <p:cNvPicPr>
-              <a:picLocks noChangeAspect="1"/>
-            </p:cNvPicPr>
-            <p:nvPr>
-              <p:extLst>
-                <p:ext uri="{386F3935-93C4-4BCD-93E2-E3B085C9AB24}">
-                  <p16:designElem xmlns:p16="http://schemas.microsoft.com/office/powerpoint/2015/main" xmlns="" val="1"/>
-                </p:ext>
-              </p:extLst>
-            </p:nvPr>
-          </p:nvPicPr>
-          <p:blipFill>
-            <a:blip r:embed="rId5">
-              <a:extLst>
-                <a:ext uri="{28A0092B-C50C-407E-A947-70E740481C1C}">
-                  <a14:useLocalDpi xmlns:a14="http://schemas.microsoft.com/office/drawing/2010/main" val="0"/>
-                </a:ext>
-              </a:extLst>
-            </a:blip>
-            <a:stretch>
-              <a:fillRect/>
-            </a:stretch>
-          </p:blipFill>
-          <p:spPr>
-            <a:xfrm>
-              <a:off x="0" y="0"/>
-              <a:ext cx="12188825" cy="6856214"/>
-            </a:xfrm>
-            <a:prstGeom prst="rect">
-              <a:avLst/>
-            </a:prstGeom>
-          </p:spPr>
-        </p:pic>
-        <p:sp>
-          <p:nvSpPr>
-            <p:cNvPr id="22" name="Rectangle 21">
-              <a:extLst>
-                <a:ext uri="{FF2B5EF4-FFF2-40B4-BE49-F238E27FC236}">
-                  <a16:creationId xmlns:a16="http://schemas.microsoft.com/office/drawing/2014/main" xmlns="" id="{401A6B5F-1CF1-43AD-9E85-94E187210CFC}"/>
-                </a:ext>
-              </a:extLst>
-            </p:cNvPr>
-            <p:cNvSpPr/>
-            <p:nvPr>
-              <p:extLst>
-                <p:ext uri="{386F3935-93C4-4BCD-93E2-E3B085C9AB24}">
-                  <p16:designElem xmlns:p16="http://schemas.microsoft.com/office/powerpoint/2015/main" xmlns="" val="1"/>
-                </p:ext>
-              </p:extLst>
-            </p:nvPr>
-          </p:nvSpPr>
-          <p:spPr>
-            <a:xfrm>
-              <a:off x="608012" y="609600"/>
-              <a:ext cx="10972800" cy="5638800"/>
-            </a:xfrm>
-            <a:prstGeom prst="rect">
-              <a:avLst/>
-            </a:prstGeom>
-            <a:noFill/>
-            <a:ln w="15875" cap="flat">
-              <a:miter lim="800000"/>
-            </a:ln>
-          </p:spPr>
-          <p:style>
-            <a:lnRef idx="1">
-              <a:schemeClr val="accent1"/>
-            </a:lnRef>
-            <a:fillRef idx="3">
-              <a:schemeClr val="accent1"/>
-            </a:fillRef>
-            <a:effectRef idx="2">
-              <a:schemeClr val="accent1"/>
-            </a:effectRef>
-            <a:fontRef idx="minor">
-              <a:schemeClr val="lt1"/>
-            </a:fontRef>
-          </p:style>
-        </p:sp>
-        <p:pic>
-          <p:nvPicPr>
-            <p:cNvPr id="23" name="Picture 22">
-              <a:extLst>
-                <a:ext uri="{FF2B5EF4-FFF2-40B4-BE49-F238E27FC236}">
-                  <a16:creationId xmlns:a16="http://schemas.microsoft.com/office/drawing/2014/main" xmlns="" id="{2F682A59-7E20-407C-A7F8-582295AC687C}"/>
-                </a:ext>
-              </a:extLst>
-            </p:cNvPr>
-            <p:cNvPicPr>
-              <a:picLocks noChangeAspect="1"/>
-            </p:cNvPicPr>
-            <p:nvPr>
-              <p:extLst>
-                <p:ext uri="{386F3935-93C4-4BCD-93E2-E3B085C9AB24}">
-                  <p16:designElem xmlns:p16="http://schemas.microsoft.com/office/powerpoint/2015/main" xmlns="" val="1"/>
-                </p:ext>
-              </p:extLst>
-            </p:nvPr>
-          </p:nvPicPr>
-          <p:blipFill rotWithShape="1">
-            <a:blip r:embed="rId6">
-              <a:extLst>
-                <a:ext uri="{28A0092B-C50C-407E-A947-70E740481C1C}">
-                  <a14:useLocalDpi xmlns:a14="http://schemas.microsoft.com/office/drawing/2010/main" val="0"/>
-                </a:ext>
-              </a:extLst>
-            </a:blip>
-            <a:srcRect/>
-            <a:stretch/>
-          </p:blipFill>
-          <p:spPr>
-            <a:xfrm>
-              <a:off x="-15736" y="3153832"/>
-              <a:ext cx="777240" cy="606425"/>
-            </a:xfrm>
-            <a:prstGeom prst="rect">
-              <a:avLst/>
-            </a:prstGeom>
-          </p:spPr>
-        </p:pic>
-        <p:pic>
-          <p:nvPicPr>
-            <p:cNvPr id="24" name="Picture 23">
-              <a:extLst>
-                <a:ext uri="{FF2B5EF4-FFF2-40B4-BE49-F238E27FC236}">
-                  <a16:creationId xmlns:a16="http://schemas.microsoft.com/office/drawing/2014/main" xmlns="" id="{5E4AC24E-0670-406E-822F-AAA6DA2010D3}"/>
-                </a:ext>
-              </a:extLst>
-            </p:cNvPr>
-            <p:cNvPicPr>
-              <a:picLocks noChangeAspect="1"/>
-            </p:cNvPicPr>
-            <p:nvPr>
-              <p:extLst>
-                <p:ext uri="{386F3935-93C4-4BCD-93E2-E3B085C9AB24}">
-                  <p16:designElem xmlns:p16="http://schemas.microsoft.com/office/powerpoint/2015/main" xmlns="" val="1"/>
-                </p:ext>
-              </p:extLst>
-            </p:nvPr>
-          </p:nvPicPr>
-          <p:blipFill rotWithShape="1">
-            <a:blip r:embed="rId6">
-              <a:extLst>
-                <a:ext uri="{28A0092B-C50C-407E-A947-70E740481C1C}">
-                  <a14:useLocalDpi xmlns:a14="http://schemas.microsoft.com/office/drawing/2010/main" val="0"/>
-                </a:ext>
-              </a:extLst>
-            </a:blip>
-            <a:srcRect/>
-            <a:stretch/>
-          </p:blipFill>
-          <p:spPr>
-            <a:xfrm>
-              <a:off x="11436986" y="3153832"/>
-              <a:ext cx="777240" cy="606425"/>
-            </a:xfrm>
-            <a:prstGeom prst="rect">
-              <a:avLst/>
-            </a:prstGeom>
-          </p:spPr>
-        </p:pic>
-      </p:grpSp>
-      <p:sp>
-        <p:nvSpPr>
-          <p:cNvPr id="57" name="Rectangle 25">
-            <a:extLst>
-              <a:ext uri="{FF2B5EF4-FFF2-40B4-BE49-F238E27FC236}">
-                <a16:creationId xmlns:a16="http://schemas.microsoft.com/office/drawing/2014/main" xmlns="" id="{E89B1776-F953-4C0F-8E85-E9C66B1EF003}"/>
-              </a:ext>
-            </a:extLst>
-          </p:cNvPr>
-          <p:cNvSpPr>
-            <a:spLocks noGrp="1" noRot="1" noChangeAspect="1" noMove="1" noResize="1" noEditPoints="1" noAdjustHandles="1" noChangeArrowheads="1" noChangeShapeType="1" noTextEdit="1"/>
-          </p:cNvSpPr>
-          <p:nvPr>
-            <p:extLst>
-              <p:ext uri="{386F3935-93C4-4BCD-93E2-E3B085C9AB24}">
-                <p16:designElem xmlns:p16="http://schemas.microsoft.com/office/powerpoint/2015/main" xmlns="" val="1"/>
-              </p:ext>
-            </p:extLst>
-          </p:nvPr>
-        </p:nvSpPr>
-        <p:spPr>
-          <a:xfrm>
-            <a:off x="1092644" y="1092200"/>
-            <a:ext cx="6432130" cy="4515104"/>
-          </a:xfrm>
-          <a:prstGeom prst="rect">
-            <a:avLst/>
-          </a:prstGeom>
-          <a:solidFill>
-            <a:schemeClr val="bg1"/>
-          </a:solidFill>
-          <a:ln w="57150" cmpd="thickThin">
-            <a:solidFill>
-              <a:schemeClr val="tx1">
-                <a:lumMod val="50000"/>
-                <a:lumOff val="50000"/>
-              </a:schemeClr>
-            </a:solidFill>
-            <a:miter lim="800000"/>
-          </a:ln>
-        </p:spPr>
-        <p:style>
-          <a:lnRef idx="2">
-            <a:schemeClr val="accent1">
-              <a:shade val="50000"/>
-            </a:schemeClr>
-          </a:lnRef>
-          <a:fillRef idx="1">
-            <a:schemeClr val="accent1"/>
-          </a:fillRef>
-          <a:effectRef idx="0">
-            <a:schemeClr val="accent1"/>
-          </a:effectRef>
-          <a:fontRef idx="minor">
-            <a:schemeClr val="lt1"/>
-          </a:fontRef>
-        </p:style>
-        <p:txBody>
-          <a:bodyPr rtlCol="0" anchor="ctr"/>
-          <a:lstStyle/>
-          <a:p>
-            <a:pPr algn="ctr"/>
-            <a:endParaRPr lang="en-US"/>
-          </a:p>
-        </p:txBody>
-      </p:sp>
-      <p:pic>
-        <p:nvPicPr>
-          <p:cNvPr id="5" name="Picture 4">
-            <a:extLst>
-              <a:ext uri="{FF2B5EF4-FFF2-40B4-BE49-F238E27FC236}">
-                <a16:creationId xmlns:a16="http://schemas.microsoft.com/office/drawing/2014/main" xmlns="" id="{11CE67C4-0067-439F-B45D-7FB8E22D58A6}"/>
-              </a:ext>
-            </a:extLst>
-          </p:cNvPr>
-          <p:cNvPicPr>
-            <a:picLocks noChangeAspect="1"/>
-          </p:cNvPicPr>
-          <p:nvPr/>
-        </p:nvPicPr>
-        <p:blipFill>
-          <a:blip r:embed="rId7" cstate="print">
-            <a:extLst>
-              <a:ext uri="{28A0092B-C50C-407E-A947-70E740481C1C}">
-                <a14:useLocalDpi xmlns:a14="http://schemas.microsoft.com/office/drawing/2010/main" val="0"/>
-              </a:ext>
-            </a:extLst>
-          </a:blip>
-          <a:stretch>
-            <a:fillRect/>
-          </a:stretch>
-        </p:blipFill>
-        <p:spPr>
-          <a:xfrm>
-            <a:off x="1412683" y="1654984"/>
-            <a:ext cx="5784083" cy="3369228"/>
-          </a:xfrm>
-          <a:prstGeom prst="rect">
-            <a:avLst/>
-          </a:prstGeom>
-        </p:spPr>
-      </p:pic>
-      <p:cxnSp>
-        <p:nvCxnSpPr>
-          <p:cNvPr id="58" name="Straight Connector 27">
-            <a:extLst>
-              <a:ext uri="{FF2B5EF4-FFF2-40B4-BE49-F238E27FC236}">
-                <a16:creationId xmlns:a16="http://schemas.microsoft.com/office/drawing/2014/main" xmlns="" id="{997356D0-D934-42B9-8291-DF34A3AC0CFE}"/>
-              </a:ext>
-            </a:extLst>
-          </p:cNvPr>
-          <p:cNvCxnSpPr>
-            <a:cxnSpLocks noGrp="1" noRot="1" noChangeAspect="1" noMove="1" noResize="1" noEditPoints="1" noAdjustHandles="1" noChangeArrowheads="1" noChangeShapeType="1"/>
-          </p:cNvCxnSpPr>
-          <p:nvPr>
-            <p:extLst>
-              <p:ext uri="{386F3935-93C4-4BCD-93E2-E3B085C9AB24}">
-                <p16:designElem xmlns:p16="http://schemas.microsoft.com/office/powerpoint/2015/main" xmlns="" val="1"/>
-              </p:ext>
-            </p:extLst>
-          </p:nvPr>
-        </p:nvCxnSpPr>
-        <p:spPr>
-          <a:xfrm>
-            <a:off x="7999431" y="3509772"/>
-            <a:ext cx="3074977" cy="12359"/>
-          </a:xfrm>
-          <a:prstGeom prst="line">
-            <a:avLst/>
-          </a:prstGeom>
-        </p:spPr>
-        <p:style>
-          <a:lnRef idx="2">
-            <a:schemeClr val="accent1"/>
-          </a:lnRef>
-          <a:fillRef idx="0">
-            <a:schemeClr val="accent1"/>
-          </a:fillRef>
-          <a:effectRef idx="1">
-            <a:schemeClr val="accent1"/>
-          </a:effectRef>
-          <a:fontRef idx="minor">
-            <a:schemeClr val="tx1"/>
-          </a:fontRef>
-        </p:style>
-      </p:cxnSp>
-      <p:sp>
-        <p:nvSpPr>
-          <p:cNvPr id="2" name="Title 1">
-            <a:extLst>
-              <a:ext uri="{FF2B5EF4-FFF2-40B4-BE49-F238E27FC236}">
-                <a16:creationId xmlns:a16="http://schemas.microsoft.com/office/drawing/2014/main" xmlns="" id="{72EC63F9-EBDA-4553-98C4-123B1BC18B56}"/>
-              </a:ext>
-            </a:extLst>
-          </p:cNvPr>
-          <p:cNvSpPr>
-            <a:spLocks noGrp="1"/>
-          </p:cNvSpPr>
-          <p:nvPr>
-            <p:ph type="title"/>
-          </p:nvPr>
-        </p:nvSpPr>
-        <p:spPr>
-          <a:xfrm>
-            <a:off x="8013290" y="1041401"/>
-            <a:ext cx="3079006" cy="2345264"/>
-          </a:xfrm>
-        </p:spPr>
-        <p:txBody>
-          <a:bodyPr vert="horz" lIns="91440" tIns="45720" rIns="91440" bIns="45720" rtlCol="0" anchor="b">
-            <a:normAutofit/>
-          </a:bodyPr>
-          <a:lstStyle/>
-          <a:p>
-            <a:r>
-              <a:rPr lang="en-US">
-                <a:solidFill>
-                  <a:srgbClr val="262626"/>
-                </a:solidFill>
-              </a:rPr>
-              <a:t>Time schedule</a:t>
-            </a:r>
-          </a:p>
-        </p:txBody>
-      </p:sp>
-    </p:spTree>
-    <p:extLst>
-      <p:ext uri="{BB962C8B-B14F-4D97-AF65-F5344CB8AC3E}">
-        <p14:creationId xmlns:p14="http://schemas.microsoft.com/office/powerpoint/2010/main" val="749959048"/>
-      </p:ext>
-    </p:extLst>
-  </p:cSld>
-  <p:clrMapOvr>
-    <a:masterClrMapping/>
-  </p:clrMapOvr>
-  <p:transition spd="med">
-    <p:pull/>
-  </p:transition>
-</p:sld>
-</file>
-
-<file path=ppt/slides/slide6.xml><?xml version="1.0" encoding="utf-8"?>
-<p:sld xmlns:a="http://schemas.openxmlformats.org/drawingml/2006/main" xmlns:r="http://schemas.openxmlformats.org/officeDocument/2006/relationships" xmlns:p="http://schemas.openxmlformats.org/presentationml/2006/main">
-  <p:cSld>
-    <p:bg>
-      <p:bgPr>
-        <a:blipFill>
-          <a:blip r:embed="rId2">
-            <a:extLst/>
-          </a:blip>
-          <a:stretch/>
-        </a:blipFill>
-        <a:effectLst/>
-      </p:bgPr>
-    </p:bg>
-    <p:spTree>
-      <p:nvGrpSpPr>
-        <p:cNvPr id="1" name=""/>
-        <p:cNvGrpSpPr/>
-        <p:nvPr/>
-      </p:nvGrpSpPr>
-      <p:grpSpPr>
-        <a:xfrm>
-          <a:off x="0" y="0"/>
-          <a:ext cx="0" cy="0"/>
-          <a:chOff x="0" y="0"/>
-          <a:chExt cx="0" cy="0"/>
-        </a:xfrm>
-      </p:grpSpPr>
-      <p:grpSp>
-        <p:nvGrpSpPr>
-          <p:cNvPr id="10" name="Group 9">
-            <a:extLst>
-              <a:ext uri="{FF2B5EF4-FFF2-40B4-BE49-F238E27FC236}">
-                <a16:creationId xmlns:a16="http://schemas.microsoft.com/office/drawing/2014/main" xmlns="" id="{749C117F-F390-437B-ADB0-57E87EFF34F5}"/>
-              </a:ext>
-            </a:extLst>
-          </p:cNvPr>
-          <p:cNvGrpSpPr>
-            <a:grpSpLocks noGrp="1" noUngrp="1" noRot="1" noChangeAspect="1" noMove="1" noResize="1"/>
-          </p:cNvGrpSpPr>
-          <p:nvPr>
-            <p:extLst>
-              <p:ext uri="{386F3935-93C4-4BCD-93E2-E3B085C9AB24}">
-                <p16:designElem xmlns:p16="http://schemas.microsoft.com/office/powerpoint/2015/main" xmlns="" val="1"/>
-              </p:ext>
-            </p:extLst>
-          </p:nvPr>
-        </p:nvGrpSpPr>
-        <p:grpSpPr>
-          <a:xfrm>
-            <a:off x="-16934" y="0"/>
-            <a:ext cx="12231160" cy="6856214"/>
-            <a:chOff x="-16934" y="0"/>
-            <a:chExt cx="12231160" cy="6856214"/>
-          </a:xfrm>
-        </p:grpSpPr>
-        <p:pic>
-          <p:nvPicPr>
-            <p:cNvPr id="11" name="Picture 10">
-              <a:extLst>
-                <a:ext uri="{FF2B5EF4-FFF2-40B4-BE49-F238E27FC236}">
-                  <a16:creationId xmlns:a16="http://schemas.microsoft.com/office/drawing/2014/main" xmlns="" id="{A7EF42F8-2417-49A6-95CE-DE9503B0AA66}"/>
-                </a:ext>
-              </a:extLst>
-            </p:cNvPr>
-            <p:cNvPicPr>
-              <a:picLocks noChangeAspect="1"/>
-            </p:cNvPicPr>
-            <p:nvPr>
-              <p:extLst>
-                <p:ext uri="{386F3935-93C4-4BCD-93E2-E3B085C9AB24}">
-                  <p16:designElem xmlns:p16="http://schemas.microsoft.com/office/powerpoint/2015/main" xmlns="" val="1"/>
-                </p:ext>
-              </p:extLst>
-            </p:nvPr>
-          </p:nvPicPr>
-          <p:blipFill>
-            <a:blip r:embed="rId3">
-              <a:extLst>
-                <a:ext uri="{28A0092B-C50C-407E-A947-70E740481C1C}">
-                  <a14:useLocalDpi xmlns:a14="http://schemas.microsoft.com/office/drawing/2010/main" val="0"/>
-                </a:ext>
-              </a:extLst>
-            </a:blip>
-            <a:stretch>
-              <a:fillRect/>
-            </a:stretch>
-          </p:blipFill>
-          <p:spPr>
-            <a:xfrm>
-              <a:off x="0" y="0"/>
-              <a:ext cx="12188825" cy="6856214"/>
-            </a:xfrm>
-            <a:prstGeom prst="rect">
-              <a:avLst/>
-            </a:prstGeom>
-          </p:spPr>
-        </p:pic>
-        <p:sp>
-          <p:nvSpPr>
-            <p:cNvPr id="12" name="Rectangle 11">
-              <a:extLst>
-                <a:ext uri="{FF2B5EF4-FFF2-40B4-BE49-F238E27FC236}">
-                  <a16:creationId xmlns:a16="http://schemas.microsoft.com/office/drawing/2014/main" xmlns="" id="{AC6F623B-2003-4AED-B02F-541A150EC143}"/>
-                </a:ext>
-              </a:extLst>
-            </p:cNvPr>
-            <p:cNvSpPr/>
-            <p:nvPr>
-              <p:extLst>
-                <p:ext uri="{386F3935-93C4-4BCD-93E2-E3B085C9AB24}">
-                  <p16:designElem xmlns:p16="http://schemas.microsoft.com/office/powerpoint/2015/main" xmlns="" val="1"/>
-                </p:ext>
-              </p:extLst>
-            </p:nvPr>
-          </p:nvSpPr>
-          <p:spPr>
-            <a:xfrm>
-              <a:off x="2328332" y="1540931"/>
-              <a:ext cx="7543802" cy="3835401"/>
-            </a:xfrm>
-            <a:prstGeom prst="rect">
-              <a:avLst/>
-            </a:prstGeom>
-            <a:noFill/>
-            <a:ln w="15875">
-              <a:miter lim="800000"/>
-            </a:ln>
-          </p:spPr>
-          <p:style>
-            <a:lnRef idx="1">
-              <a:schemeClr val="accent1"/>
-            </a:lnRef>
-            <a:fillRef idx="3">
-              <a:schemeClr val="accent1"/>
-            </a:fillRef>
-            <a:effectRef idx="2">
-              <a:schemeClr val="accent1"/>
-            </a:effectRef>
-            <a:fontRef idx="minor">
-              <a:schemeClr val="lt1"/>
-            </a:fontRef>
-          </p:style>
-        </p:sp>
-        <p:pic>
-          <p:nvPicPr>
-            <p:cNvPr id="13" name="Picture 12">
-              <a:extLst>
-                <a:ext uri="{FF2B5EF4-FFF2-40B4-BE49-F238E27FC236}">
-                  <a16:creationId xmlns:a16="http://schemas.microsoft.com/office/drawing/2014/main" xmlns="" id="{CD11837A-4F3D-419F-ACE2-E80B1EA2846F}"/>
-                </a:ext>
-              </a:extLst>
-            </p:cNvPr>
-            <p:cNvPicPr>
-              <a:picLocks noChangeAspect="1"/>
-            </p:cNvPicPr>
-            <p:nvPr>
-              <p:extLst>
-                <p:ext uri="{386F3935-93C4-4BCD-93E2-E3B085C9AB24}">
-                  <p16:designElem xmlns:p16="http://schemas.microsoft.com/office/powerpoint/2015/main" xmlns="" val="1"/>
-                </p:ext>
-              </p:extLst>
-            </p:nvPr>
-          </p:nvPicPr>
-          <p:blipFill rotWithShape="1">
-            <a:blip r:embed="rId4">
-              <a:extLst>
-                <a:ext uri="{28A0092B-C50C-407E-A947-70E740481C1C}">
-                  <a14:useLocalDpi xmlns:a14="http://schemas.microsoft.com/office/drawing/2010/main" val="0"/>
-                </a:ext>
-              </a:extLst>
-            </a:blip>
-            <a:srcRect/>
-            <a:stretch/>
-          </p:blipFill>
-          <p:spPr>
-            <a:xfrm>
-              <a:off x="-16934" y="3147609"/>
-              <a:ext cx="2478024" cy="612648"/>
-            </a:xfrm>
-            <a:prstGeom prst="rect">
-              <a:avLst/>
-            </a:prstGeom>
-          </p:spPr>
-        </p:pic>
-        <p:pic>
-          <p:nvPicPr>
-            <p:cNvPr id="14" name="Picture 13">
-              <a:extLst>
-                <a:ext uri="{FF2B5EF4-FFF2-40B4-BE49-F238E27FC236}">
-                  <a16:creationId xmlns:a16="http://schemas.microsoft.com/office/drawing/2014/main" xmlns="" id="{B9411D1A-7E2C-4A36-BE32-BF7A8E130723}"/>
-                </a:ext>
-              </a:extLst>
-            </p:cNvPr>
-            <p:cNvPicPr>
-              <a:picLocks noChangeAspect="1"/>
-            </p:cNvPicPr>
-            <p:nvPr>
-              <p:extLst>
-                <p:ext uri="{386F3935-93C4-4BCD-93E2-E3B085C9AB24}">
-                  <p16:designElem xmlns:p16="http://schemas.microsoft.com/office/powerpoint/2015/main" xmlns="" val="1"/>
-                </p:ext>
-              </p:extLst>
-            </p:nvPr>
-          </p:nvPicPr>
-          <p:blipFill rotWithShape="1">
-            <a:blip r:embed="rId4">
-              <a:extLst>
-                <a:ext uri="{28A0092B-C50C-407E-A947-70E740481C1C}">
-                  <a14:useLocalDpi xmlns:a14="http://schemas.microsoft.com/office/drawing/2010/main" val="0"/>
-                </a:ext>
-              </a:extLst>
-            </a:blip>
-            <a:srcRect/>
-            <a:stretch/>
-          </p:blipFill>
-          <p:spPr>
-            <a:xfrm>
-              <a:off x="9736202" y="3147609"/>
-              <a:ext cx="2478024" cy="612648"/>
-            </a:xfrm>
-            <a:prstGeom prst="rect">
-              <a:avLst/>
-            </a:prstGeom>
-          </p:spPr>
-        </p:pic>
-      </p:grpSp>
-      <p:cxnSp>
-        <p:nvCxnSpPr>
-          <p:cNvPr id="16" name="Straight Connector 15">
-            <a:extLst>
-              <a:ext uri="{FF2B5EF4-FFF2-40B4-BE49-F238E27FC236}">
-                <a16:creationId xmlns:a16="http://schemas.microsoft.com/office/drawing/2014/main" xmlns="" id="{20742BC3-654B-4E41-9A6A-73A42E477639}"/>
-              </a:ext>
-            </a:extLst>
-          </p:cNvPr>
-          <p:cNvCxnSpPr>
-            <a:cxnSpLocks noGrp="1" noRot="1" noChangeAspect="1" noMove="1" noResize="1" noEditPoints="1" noAdjustHandles="1" noChangeArrowheads="1" noChangeShapeType="1"/>
-          </p:cNvCxnSpPr>
-          <p:nvPr>
-            <p:extLst>
-              <p:ext uri="{386F3935-93C4-4BCD-93E2-E3B085C9AB24}">
-                <p16:designElem xmlns:p16="http://schemas.microsoft.com/office/powerpoint/2015/main" xmlns="" val="1"/>
-              </p:ext>
-            </p:extLst>
-          </p:nvPr>
-        </p:nvCxnSpPr>
-        <p:spPr>
-          <a:xfrm>
-            <a:off x="2692399" y="3522131"/>
-            <a:ext cx="6815668" cy="0"/>
-          </a:xfrm>
-          <a:prstGeom prst="line">
-            <a:avLst/>
-          </a:prstGeom>
-        </p:spPr>
-        <p:style>
-          <a:lnRef idx="2">
-            <a:schemeClr val="accent1"/>
-          </a:lnRef>
-          <a:fillRef idx="0">
-            <a:schemeClr val="accent1"/>
-          </a:fillRef>
-          <a:effectRef idx="1">
-            <a:schemeClr val="accent1"/>
-          </a:effectRef>
-          <a:fontRef idx="minor">
-            <a:schemeClr val="tx1"/>
-          </a:fontRef>
-        </p:style>
-      </p:cxnSp>
-      <p:sp useBgFill="1">
-        <p:nvSpPr>
-          <p:cNvPr id="18" name="Rectangle 17">
-            <a:extLst>
-              <a:ext uri="{FF2B5EF4-FFF2-40B4-BE49-F238E27FC236}">
-                <a16:creationId xmlns:a16="http://schemas.microsoft.com/office/drawing/2014/main" xmlns="" id="{575E71FA-50BD-43F8-8C98-04339283A93D}"/>
-              </a:ext>
-            </a:extLst>
-          </p:cNvPr>
-          <p:cNvSpPr>
-            <a:spLocks noGrp="1" noRot="1" noChangeAspect="1" noMove="1" noResize="1" noEditPoints="1" noAdjustHandles="1" noChangeArrowheads="1" noChangeShapeType="1" noTextEdit="1"/>
-          </p:cNvSpPr>
-          <p:nvPr>
-            <p:extLst>
-              <p:ext uri="{386F3935-93C4-4BCD-93E2-E3B085C9AB24}">
-                <p16:designElem xmlns:p16="http://schemas.microsoft.com/office/powerpoint/2015/main" xmlns="" val="1"/>
-              </p:ext>
-            </p:extLst>
-          </p:nvPr>
-        </p:nvSpPr>
-        <p:spPr>
-          <a:xfrm>
-            <a:off x="0" y="0"/>
-            <a:ext cx="12188952" cy="6858000"/>
-          </a:xfrm>
-          <a:prstGeom prst="rect">
-            <a:avLst/>
-          </a:prstGeom>
-          <a:ln>
-            <a:noFill/>
-          </a:ln>
-        </p:spPr>
-        <p:style>
-          <a:lnRef idx="2">
-            <a:schemeClr val="accent1">
-              <a:shade val="50000"/>
-            </a:schemeClr>
-          </a:lnRef>
-          <a:fillRef idx="1">
-            <a:schemeClr val="accent1"/>
-          </a:fillRef>
-          <a:effectRef idx="0">
-            <a:schemeClr val="accent1"/>
-          </a:effectRef>
-          <a:fontRef idx="minor">
-            <a:schemeClr val="lt1"/>
-          </a:fontRef>
-        </p:style>
-        <p:txBody>
-          <a:bodyPr rtlCol="0" anchor="ctr"/>
-          <a:lstStyle/>
-          <a:p>
-            <a:pPr algn="ctr"/>
-            <a:endParaRPr lang="en-US"/>
-          </a:p>
-        </p:txBody>
-      </p:sp>
-      <p:grpSp>
-        <p:nvGrpSpPr>
-          <p:cNvPr id="20" name="Group 19">
-            <a:extLst>
-              <a:ext uri="{FF2B5EF4-FFF2-40B4-BE49-F238E27FC236}">
-                <a16:creationId xmlns:a16="http://schemas.microsoft.com/office/drawing/2014/main" xmlns="" id="{CF1AA7F6-A589-4BC8-BC72-2CA6DC908398}"/>
-              </a:ext>
-            </a:extLst>
-          </p:cNvPr>
-          <p:cNvGrpSpPr>
-            <a:grpSpLocks noGrp="1" noUngrp="1" noRot="1" noChangeAspect="1" noMove="1" noResize="1"/>
-          </p:cNvGrpSpPr>
-          <p:nvPr>
-            <p:extLst>
-              <p:ext uri="{386F3935-93C4-4BCD-93E2-E3B085C9AB24}">
-                <p16:designElem xmlns:p16="http://schemas.microsoft.com/office/powerpoint/2015/main" xmlns="" val="1"/>
-              </p:ext>
-            </p:extLst>
-          </p:nvPr>
-        </p:nvGrpSpPr>
-        <p:grpSpPr>
-          <a:xfrm>
-            <a:off x="-15736" y="0"/>
-            <a:ext cx="12229962" cy="6856214"/>
-            <a:chOff x="-15736" y="0"/>
-            <a:chExt cx="12229962" cy="6856214"/>
-          </a:xfrm>
-        </p:grpSpPr>
-        <p:pic>
-          <p:nvPicPr>
-            <p:cNvPr id="21" name="Picture 20">
-              <a:extLst>
-                <a:ext uri="{FF2B5EF4-FFF2-40B4-BE49-F238E27FC236}">
-                  <a16:creationId xmlns:a16="http://schemas.microsoft.com/office/drawing/2014/main" xmlns="" id="{53F5243F-7E41-439E-8991-C4F246D88F68}"/>
-                </a:ext>
-              </a:extLst>
-            </p:cNvPr>
-            <p:cNvPicPr>
-              <a:picLocks noChangeAspect="1"/>
-            </p:cNvPicPr>
-            <p:nvPr>
-              <p:extLst>
-                <p:ext uri="{386F3935-93C4-4BCD-93E2-E3B085C9AB24}">
-                  <p16:designElem xmlns:p16="http://schemas.microsoft.com/office/powerpoint/2015/main" xmlns="" val="1"/>
-                </p:ext>
-              </p:extLst>
-            </p:nvPr>
-          </p:nvPicPr>
-          <p:blipFill>
-            <a:blip r:embed="rId5">
-              <a:extLst>
-                <a:ext uri="{28A0092B-C50C-407E-A947-70E740481C1C}">
-                  <a14:useLocalDpi xmlns:a14="http://schemas.microsoft.com/office/drawing/2010/main" val="0"/>
-                </a:ext>
-              </a:extLst>
-            </a:blip>
-            <a:stretch>
-              <a:fillRect/>
-            </a:stretch>
-          </p:blipFill>
-          <p:spPr>
-            <a:xfrm>
-              <a:off x="0" y="0"/>
-              <a:ext cx="12188825" cy="6856214"/>
-            </a:xfrm>
-            <a:prstGeom prst="rect">
-              <a:avLst/>
-            </a:prstGeom>
-          </p:spPr>
-        </p:pic>
-        <p:sp>
-          <p:nvSpPr>
-            <p:cNvPr id="22" name="Rectangle 21">
-              <a:extLst>
-                <a:ext uri="{FF2B5EF4-FFF2-40B4-BE49-F238E27FC236}">
-                  <a16:creationId xmlns:a16="http://schemas.microsoft.com/office/drawing/2014/main" xmlns="" id="{401A6B5F-1CF1-43AD-9E85-94E187210CFC}"/>
-                </a:ext>
-              </a:extLst>
-            </p:cNvPr>
-            <p:cNvSpPr/>
-            <p:nvPr>
-              <p:extLst>
-                <p:ext uri="{386F3935-93C4-4BCD-93E2-E3B085C9AB24}">
-                  <p16:designElem xmlns:p16="http://schemas.microsoft.com/office/powerpoint/2015/main" xmlns="" val="1"/>
-                </p:ext>
-              </p:extLst>
-            </p:nvPr>
-          </p:nvSpPr>
-          <p:spPr>
-            <a:xfrm>
-              <a:off x="608012" y="609600"/>
-              <a:ext cx="10972800" cy="5638800"/>
-            </a:xfrm>
-            <a:prstGeom prst="rect">
-              <a:avLst/>
-            </a:prstGeom>
-            <a:noFill/>
-            <a:ln w="15875" cap="flat">
-              <a:miter lim="800000"/>
-            </a:ln>
-          </p:spPr>
-          <p:style>
-            <a:lnRef idx="1">
-              <a:schemeClr val="accent1"/>
-            </a:lnRef>
-            <a:fillRef idx="3">
-              <a:schemeClr val="accent1"/>
-            </a:fillRef>
-            <a:effectRef idx="2">
-              <a:schemeClr val="accent1"/>
-            </a:effectRef>
-            <a:fontRef idx="minor">
-              <a:schemeClr val="lt1"/>
-            </a:fontRef>
-          </p:style>
-        </p:sp>
-        <p:pic>
-          <p:nvPicPr>
-            <p:cNvPr id="23" name="Picture 22">
-              <a:extLst>
-                <a:ext uri="{FF2B5EF4-FFF2-40B4-BE49-F238E27FC236}">
-                  <a16:creationId xmlns:a16="http://schemas.microsoft.com/office/drawing/2014/main" xmlns="" id="{2F682A59-7E20-407C-A7F8-582295AC687C}"/>
-                </a:ext>
-              </a:extLst>
-            </p:cNvPr>
-            <p:cNvPicPr>
-              <a:picLocks noChangeAspect="1"/>
-            </p:cNvPicPr>
-            <p:nvPr>
-              <p:extLst>
-                <p:ext uri="{386F3935-93C4-4BCD-93E2-E3B085C9AB24}">
-                  <p16:designElem xmlns:p16="http://schemas.microsoft.com/office/powerpoint/2015/main" xmlns="" val="1"/>
-                </p:ext>
-              </p:extLst>
-            </p:nvPr>
-          </p:nvPicPr>
-          <p:blipFill rotWithShape="1">
-            <a:blip r:embed="rId6">
-              <a:extLst>
-                <a:ext uri="{28A0092B-C50C-407E-A947-70E740481C1C}">
-                  <a14:useLocalDpi xmlns:a14="http://schemas.microsoft.com/office/drawing/2010/main" val="0"/>
-                </a:ext>
-              </a:extLst>
-            </a:blip>
-            <a:srcRect/>
-            <a:stretch/>
-          </p:blipFill>
-          <p:spPr>
-            <a:xfrm>
-              <a:off x="-15736" y="3153832"/>
-              <a:ext cx="777240" cy="606425"/>
-            </a:xfrm>
-            <a:prstGeom prst="rect">
-              <a:avLst/>
-            </a:prstGeom>
-          </p:spPr>
-        </p:pic>
-        <p:pic>
-          <p:nvPicPr>
-            <p:cNvPr id="24" name="Picture 23">
-              <a:extLst>
-                <a:ext uri="{FF2B5EF4-FFF2-40B4-BE49-F238E27FC236}">
-                  <a16:creationId xmlns:a16="http://schemas.microsoft.com/office/drawing/2014/main" xmlns="" id="{5E4AC24E-0670-406E-822F-AAA6DA2010D3}"/>
-                </a:ext>
-              </a:extLst>
-            </p:cNvPr>
-            <p:cNvPicPr>
-              <a:picLocks noChangeAspect="1"/>
-            </p:cNvPicPr>
-            <p:nvPr>
-              <p:extLst>
-                <p:ext uri="{386F3935-93C4-4BCD-93E2-E3B085C9AB24}">
-                  <p16:designElem xmlns:p16="http://schemas.microsoft.com/office/powerpoint/2015/main" xmlns="" val="1"/>
-                </p:ext>
-              </p:extLst>
-            </p:nvPr>
-          </p:nvPicPr>
-          <p:blipFill rotWithShape="1">
-            <a:blip r:embed="rId6">
-              <a:extLst>
-                <a:ext uri="{28A0092B-C50C-407E-A947-70E740481C1C}">
-                  <a14:useLocalDpi xmlns:a14="http://schemas.microsoft.com/office/drawing/2010/main" val="0"/>
-                </a:ext>
-              </a:extLst>
-            </a:blip>
-            <a:srcRect/>
-            <a:stretch/>
-          </p:blipFill>
-          <p:spPr>
-            <a:xfrm>
-              <a:off x="11436986" y="3153832"/>
-              <a:ext cx="777240" cy="606425"/>
-            </a:xfrm>
-            <a:prstGeom prst="rect">
-              <a:avLst/>
-            </a:prstGeom>
-          </p:spPr>
-        </p:pic>
-      </p:grpSp>
-      <p:sp>
-        <p:nvSpPr>
-          <p:cNvPr id="26" name="Rectangle 25">
-            <a:extLst>
-              <a:ext uri="{FF2B5EF4-FFF2-40B4-BE49-F238E27FC236}">
-                <a16:creationId xmlns:a16="http://schemas.microsoft.com/office/drawing/2014/main" xmlns="" id="{E89B1776-F953-4C0F-8E85-E9C66B1EF003}"/>
-              </a:ext>
-            </a:extLst>
-          </p:cNvPr>
-          <p:cNvSpPr>
-            <a:spLocks noGrp="1" noRot="1" noChangeAspect="1" noMove="1" noResize="1" noEditPoints="1" noAdjustHandles="1" noChangeArrowheads="1" noChangeShapeType="1" noTextEdit="1"/>
-          </p:cNvSpPr>
-          <p:nvPr>
-            <p:extLst>
-              <p:ext uri="{386F3935-93C4-4BCD-93E2-E3B085C9AB24}">
-                <p16:designElem xmlns:p16="http://schemas.microsoft.com/office/powerpoint/2015/main" xmlns="" val="1"/>
-              </p:ext>
-            </p:extLst>
-          </p:nvPr>
-        </p:nvSpPr>
-        <p:spPr>
-          <a:xfrm>
-            <a:off x="1092644" y="1092200"/>
-            <a:ext cx="6432130" cy="4515104"/>
-          </a:xfrm>
-          <a:prstGeom prst="rect">
-            <a:avLst/>
-          </a:prstGeom>
-          <a:solidFill>
-            <a:schemeClr val="bg1"/>
-          </a:solidFill>
-          <a:ln w="57150" cmpd="thickThin">
-            <a:solidFill>
-              <a:schemeClr val="tx1">
-                <a:lumMod val="50000"/>
-                <a:lumOff val="50000"/>
-              </a:schemeClr>
-            </a:solidFill>
-            <a:miter lim="800000"/>
-          </a:ln>
-        </p:spPr>
-        <p:style>
-          <a:lnRef idx="2">
-            <a:schemeClr val="accent1">
-              <a:shade val="50000"/>
-            </a:schemeClr>
-          </a:lnRef>
-          <a:fillRef idx="1">
-            <a:schemeClr val="accent1"/>
-          </a:fillRef>
-          <a:effectRef idx="0">
-            <a:schemeClr val="accent1"/>
-          </a:effectRef>
-          <a:fontRef idx="minor">
-            <a:schemeClr val="lt1"/>
-          </a:fontRef>
-        </p:style>
-        <p:txBody>
-          <a:bodyPr rtlCol="0" anchor="ctr"/>
-          <a:lstStyle/>
-          <a:p>
-            <a:pPr algn="ctr"/>
-            <a:endParaRPr lang="en-US"/>
-          </a:p>
-        </p:txBody>
-      </p:sp>
-      <p:pic>
-        <p:nvPicPr>
-          <p:cNvPr id="5" name="Picture 4">
-            <a:extLst>
-              <a:ext uri="{FF2B5EF4-FFF2-40B4-BE49-F238E27FC236}">
-                <a16:creationId xmlns:a16="http://schemas.microsoft.com/office/drawing/2014/main" xmlns="" id="{FC46EA79-3DA4-4500-9BC9-02C19B5643F7}"/>
-              </a:ext>
-            </a:extLst>
-          </p:cNvPr>
-          <p:cNvPicPr>
-            <a:picLocks noChangeAspect="1"/>
-          </p:cNvPicPr>
-          <p:nvPr/>
-        </p:nvPicPr>
-        <p:blipFill>
-          <a:blip r:embed="rId7">
-            <a:extLst>
-              <a:ext uri="{28A0092B-C50C-407E-A947-70E740481C1C}">
-                <a14:useLocalDpi xmlns:a14="http://schemas.microsoft.com/office/drawing/2010/main" val="0"/>
-              </a:ext>
-            </a:extLst>
-          </a:blip>
-          <a:stretch>
-            <a:fillRect/>
-          </a:stretch>
-        </p:blipFill>
-        <p:spPr>
-          <a:xfrm>
-            <a:off x="1412683" y="2291233"/>
-            <a:ext cx="5784083" cy="2096730"/>
-          </a:xfrm>
-          <a:prstGeom prst="rect">
-            <a:avLst/>
-          </a:prstGeom>
-        </p:spPr>
-      </p:pic>
-      <p:cxnSp>
-        <p:nvCxnSpPr>
-          <p:cNvPr id="28" name="Straight Connector 27">
-            <a:extLst>
-              <a:ext uri="{FF2B5EF4-FFF2-40B4-BE49-F238E27FC236}">
-                <a16:creationId xmlns:a16="http://schemas.microsoft.com/office/drawing/2014/main" xmlns="" id="{997356D0-D934-42B9-8291-DF34A3AC0CFE}"/>
-              </a:ext>
-            </a:extLst>
-          </p:cNvPr>
-          <p:cNvCxnSpPr>
-            <a:cxnSpLocks noGrp="1" noRot="1" noChangeAspect="1" noMove="1" noResize="1" noEditPoints="1" noAdjustHandles="1" noChangeArrowheads="1" noChangeShapeType="1"/>
-          </p:cNvCxnSpPr>
-          <p:nvPr>
-            <p:extLst>
-              <p:ext uri="{386F3935-93C4-4BCD-93E2-E3B085C9AB24}">
-                <p16:designElem xmlns:p16="http://schemas.microsoft.com/office/powerpoint/2015/main" xmlns="" val="1"/>
-              </p:ext>
-            </p:extLst>
-          </p:nvPr>
-        </p:nvCxnSpPr>
-        <p:spPr>
-          <a:xfrm>
-            <a:off x="7999431" y="3509772"/>
-            <a:ext cx="3074977" cy="12359"/>
-          </a:xfrm>
-          <a:prstGeom prst="line">
-            <a:avLst/>
-          </a:prstGeom>
-        </p:spPr>
-        <p:style>
-          <a:lnRef idx="2">
-            <a:schemeClr val="accent1"/>
-          </a:lnRef>
-          <a:fillRef idx="0">
-            <a:schemeClr val="accent1"/>
-          </a:fillRef>
-          <a:effectRef idx="1">
-            <a:schemeClr val="accent1"/>
-          </a:effectRef>
-          <a:fontRef idx="minor">
-            <a:schemeClr val="tx1"/>
-          </a:fontRef>
-        </p:style>
-      </p:cxnSp>
-      <p:sp>
-        <p:nvSpPr>
-          <p:cNvPr id="2" name="Title 1">
-            <a:extLst>
-              <a:ext uri="{FF2B5EF4-FFF2-40B4-BE49-F238E27FC236}">
-                <a16:creationId xmlns:a16="http://schemas.microsoft.com/office/drawing/2014/main" xmlns="" id="{EEDA59A8-A917-41E5-B629-0C9402EFE336}"/>
-              </a:ext>
-            </a:extLst>
-          </p:cNvPr>
-          <p:cNvSpPr>
-            <a:spLocks noGrp="1"/>
-          </p:cNvSpPr>
-          <p:nvPr>
-            <p:ph type="title"/>
-          </p:nvPr>
-        </p:nvSpPr>
-        <p:spPr>
-          <a:xfrm>
-            <a:off x="8013290" y="1041401"/>
-            <a:ext cx="3079006" cy="2345264"/>
-          </a:xfrm>
-        </p:spPr>
-        <p:txBody>
-          <a:bodyPr vert="horz" lIns="91440" tIns="45720" rIns="91440" bIns="45720" rtlCol="0" anchor="b">
-            <a:normAutofit/>
-          </a:bodyPr>
-          <a:lstStyle/>
-          <a:p>
-            <a:r>
-              <a:rPr lang="en-US" b="1">
-                <a:solidFill>
-                  <a:srgbClr val="262626"/>
-                </a:solidFill>
-              </a:rPr>
-              <a:t>Burndown chart</a:t>
-            </a:r>
-          </a:p>
-        </p:txBody>
-      </p:sp>
-    </p:spTree>
-    <p:extLst>
-      <p:ext uri="{BB962C8B-B14F-4D97-AF65-F5344CB8AC3E}">
-        <p14:creationId xmlns:p14="http://schemas.microsoft.com/office/powerpoint/2010/main" val="1485127792"/>
-      </p:ext>
-    </p:extLst>
-  </p:cSld>
-  <p:clrMapOvr>
-    <a:masterClrMapping/>
-  </p:clrMapOvr>
-  <p:transition spd="med">
-    <p:pull/>
-  </p:transition>
-</p:sld>
-</file>
-
-<file path=ppt/slides/slide7.xml><?xml version="1.0" encoding="utf-8"?>
-<p:sld xmlns:a="http://schemas.openxmlformats.org/drawingml/2006/main" xmlns:r="http://schemas.openxmlformats.org/officeDocument/2006/relationships" xmlns:p="http://schemas.openxmlformats.org/presentationml/2006/main">
-  <p:cSld>
-    <p:bg>
-      <p:bgPr>
-        <a:blipFill>
-          <a:blip r:embed="rId2">
-            <a:extLst/>
-          </a:blip>
-          <a:stretch/>
-        </a:blipFill>
-        <a:effectLst/>
-      </p:bgPr>
-    </p:bg>
-    <p:spTree>
-      <p:nvGrpSpPr>
-        <p:cNvPr id="1" name=""/>
-        <p:cNvGrpSpPr/>
-        <p:nvPr/>
-      </p:nvGrpSpPr>
-      <p:grpSpPr>
-        <a:xfrm>
-          <a:off x="0" y="0"/>
-          <a:ext cx="0" cy="0"/>
-          <a:chOff x="0" y="0"/>
-          <a:chExt cx="0" cy="0"/>
-        </a:xfrm>
-      </p:grpSpPr>
-      <p:grpSp>
-        <p:nvGrpSpPr>
-          <p:cNvPr id="52" name="Group 51">
-            <a:extLst>
-              <a:ext uri="{FF2B5EF4-FFF2-40B4-BE49-F238E27FC236}">
-                <a16:creationId xmlns:a16="http://schemas.microsoft.com/office/drawing/2014/main" xmlns="" id="{5066F8AE-A5C7-4B3E-B1DA-D0B624059BED}"/>
-              </a:ext>
-            </a:extLst>
-          </p:cNvPr>
-          <p:cNvGrpSpPr>
-            <a:grpSpLocks noGrp="1" noUngrp="1" noRot="1" noChangeAspect="1" noMove="1" noResize="1"/>
-          </p:cNvGrpSpPr>
-          <p:nvPr>
-            <p:extLst>
-              <p:ext uri="{386F3935-93C4-4BCD-93E2-E3B085C9AB24}">
-                <p16:designElem xmlns:p16="http://schemas.microsoft.com/office/powerpoint/2015/main" xmlns="" val="1"/>
-              </p:ext>
-            </p:extLst>
-          </p:nvPr>
-        </p:nvGrpSpPr>
-        <p:grpSpPr>
-          <a:xfrm>
-            <a:off x="-15736" y="0"/>
-            <a:ext cx="12229962" cy="6856214"/>
-            <a:chOff x="-15736" y="0"/>
-            <a:chExt cx="12229962" cy="6856214"/>
-          </a:xfrm>
-        </p:grpSpPr>
-        <p:pic>
-          <p:nvPicPr>
-            <p:cNvPr id="53" name="Picture 52">
-              <a:extLst>
-                <a:ext uri="{FF2B5EF4-FFF2-40B4-BE49-F238E27FC236}">
-                  <a16:creationId xmlns:a16="http://schemas.microsoft.com/office/drawing/2014/main" xmlns="" id="{F78E901E-6697-44E3-9533-1457FA4F0488}"/>
-                </a:ext>
-              </a:extLst>
-            </p:cNvPr>
-            <p:cNvPicPr>
-              <a:picLocks noChangeAspect="1"/>
-            </p:cNvPicPr>
-            <p:nvPr>
-              <p:extLst>
-                <p:ext uri="{386F3935-93C4-4BCD-93E2-E3B085C9AB24}">
-                  <p16:designElem xmlns:p16="http://schemas.microsoft.com/office/powerpoint/2015/main" xmlns="" val="1"/>
-                </p:ext>
-              </p:extLst>
-            </p:nvPr>
-          </p:nvPicPr>
-          <p:blipFill>
-            <a:blip r:embed="rId3">
-              <a:extLst>
-                <a:ext uri="{28A0092B-C50C-407E-A947-70E740481C1C}">
-                  <a14:useLocalDpi xmlns:a14="http://schemas.microsoft.com/office/drawing/2010/main" val="0"/>
-                </a:ext>
-              </a:extLst>
-            </a:blip>
-            <a:stretch>
-              <a:fillRect/>
-            </a:stretch>
-          </p:blipFill>
-          <p:spPr>
-            <a:xfrm>
-              <a:off x="0" y="0"/>
-              <a:ext cx="12188825" cy="6856214"/>
-            </a:xfrm>
-            <a:prstGeom prst="rect">
-              <a:avLst/>
-            </a:prstGeom>
-          </p:spPr>
-        </p:pic>
-        <p:sp>
-          <p:nvSpPr>
-            <p:cNvPr id="54" name="Rectangle 53">
-              <a:extLst>
-                <a:ext uri="{FF2B5EF4-FFF2-40B4-BE49-F238E27FC236}">
-                  <a16:creationId xmlns:a16="http://schemas.microsoft.com/office/drawing/2014/main" xmlns="" id="{C515452A-514A-4763-9932-37302A8D6DBA}"/>
-                </a:ext>
-              </a:extLst>
-            </p:cNvPr>
-            <p:cNvSpPr/>
-            <p:nvPr>
-              <p:extLst>
-                <p:ext uri="{386F3935-93C4-4BCD-93E2-E3B085C9AB24}">
-                  <p16:designElem xmlns:p16="http://schemas.microsoft.com/office/powerpoint/2015/main" xmlns="" val="1"/>
-                </p:ext>
-              </p:extLst>
-            </p:nvPr>
-          </p:nvSpPr>
-          <p:spPr>
-            <a:xfrm>
-              <a:off x="608012" y="609600"/>
-              <a:ext cx="10972800" cy="5638800"/>
-            </a:xfrm>
-            <a:prstGeom prst="rect">
-              <a:avLst/>
-            </a:prstGeom>
-            <a:noFill/>
-            <a:ln w="15875" cap="flat">
-              <a:miter lim="800000"/>
-            </a:ln>
-          </p:spPr>
-          <p:style>
-            <a:lnRef idx="1">
-              <a:schemeClr val="accent1"/>
-            </a:lnRef>
-            <a:fillRef idx="3">
-              <a:schemeClr val="accent1"/>
-            </a:fillRef>
-            <a:effectRef idx="2">
-              <a:schemeClr val="accent1"/>
-            </a:effectRef>
-            <a:fontRef idx="minor">
-              <a:schemeClr val="lt1"/>
-            </a:fontRef>
-          </p:style>
-        </p:sp>
-        <p:pic>
-          <p:nvPicPr>
-            <p:cNvPr id="55" name="Picture 54">
-              <a:extLst>
-                <a:ext uri="{FF2B5EF4-FFF2-40B4-BE49-F238E27FC236}">
-                  <a16:creationId xmlns:a16="http://schemas.microsoft.com/office/drawing/2014/main" xmlns="" id="{D0EC146D-CF08-4B34-ADEB-2F0296F98A14}"/>
-                </a:ext>
-              </a:extLst>
-            </p:cNvPr>
-            <p:cNvPicPr>
-              <a:picLocks noChangeAspect="1"/>
-            </p:cNvPicPr>
-            <p:nvPr>
-              <p:extLst>
-                <p:ext uri="{386F3935-93C4-4BCD-93E2-E3B085C9AB24}">
-                  <p16:designElem xmlns:p16="http://schemas.microsoft.com/office/powerpoint/2015/main" xmlns="" val="1"/>
-                </p:ext>
-              </p:extLst>
-            </p:nvPr>
-          </p:nvPicPr>
-          <p:blipFill rotWithShape="1">
-            <a:blip r:embed="rId4">
-              <a:extLst>
-                <a:ext uri="{28A0092B-C50C-407E-A947-70E740481C1C}">
-                  <a14:useLocalDpi xmlns:a14="http://schemas.microsoft.com/office/drawing/2010/main" val="0"/>
-                </a:ext>
-              </a:extLst>
-            </a:blip>
-            <a:srcRect/>
-            <a:stretch/>
-          </p:blipFill>
-          <p:spPr>
-            <a:xfrm>
-              <a:off x="-15736" y="3153832"/>
-              <a:ext cx="777240" cy="606425"/>
-            </a:xfrm>
-            <a:prstGeom prst="rect">
-              <a:avLst/>
-            </a:prstGeom>
-          </p:spPr>
-        </p:pic>
-        <p:pic>
-          <p:nvPicPr>
-            <p:cNvPr id="56" name="Picture 55">
-              <a:extLst>
-                <a:ext uri="{FF2B5EF4-FFF2-40B4-BE49-F238E27FC236}">
-                  <a16:creationId xmlns:a16="http://schemas.microsoft.com/office/drawing/2014/main" xmlns="" id="{E1FBA240-87AB-400A-9292-7DC6F3E55215}"/>
-                </a:ext>
-              </a:extLst>
-            </p:cNvPr>
-            <p:cNvPicPr>
-              <a:picLocks noChangeAspect="1"/>
-            </p:cNvPicPr>
-            <p:nvPr>
-              <p:extLst>
-                <p:ext uri="{386F3935-93C4-4BCD-93E2-E3B085C9AB24}">
-                  <p16:designElem xmlns:p16="http://schemas.microsoft.com/office/powerpoint/2015/main" xmlns="" val="1"/>
-                </p:ext>
-              </p:extLst>
-            </p:nvPr>
-          </p:nvPicPr>
-          <p:blipFill rotWithShape="1">
-            <a:blip r:embed="rId4">
-              <a:extLst>
-                <a:ext uri="{28A0092B-C50C-407E-A947-70E740481C1C}">
-                  <a14:useLocalDpi xmlns:a14="http://schemas.microsoft.com/office/drawing/2010/main" val="0"/>
-                </a:ext>
-              </a:extLst>
-            </a:blip>
-            <a:srcRect/>
-            <a:stretch/>
-          </p:blipFill>
-          <p:spPr>
-            <a:xfrm>
-              <a:off x="11436986" y="3153832"/>
-              <a:ext cx="777240" cy="606425"/>
-            </a:xfrm>
-            <a:prstGeom prst="rect">
-              <a:avLst/>
-            </a:prstGeom>
-          </p:spPr>
-        </p:pic>
-      </p:grpSp>
-      <p:sp>
-        <p:nvSpPr>
-          <p:cNvPr id="58" name="Rectangle 57">
-            <a:extLst>
-              <a:ext uri="{FF2B5EF4-FFF2-40B4-BE49-F238E27FC236}">
-                <a16:creationId xmlns:a16="http://schemas.microsoft.com/office/drawing/2014/main" xmlns="" id="{E76515AE-5AF4-4983-B0EA-565605252195}"/>
-              </a:ext>
-            </a:extLst>
-          </p:cNvPr>
-          <p:cNvSpPr>
-            <a:spLocks noGrp="1" noRot="1" noChangeAspect="1" noMove="1" noResize="1" noEditPoints="1" noAdjustHandles="1" noChangeArrowheads="1" noChangeShapeType="1" noTextEdit="1"/>
-          </p:cNvSpPr>
-          <p:nvPr>
-            <p:extLst>
-              <p:ext uri="{386F3935-93C4-4BCD-93E2-E3B085C9AB24}">
-                <p16:designElem xmlns:p16="http://schemas.microsoft.com/office/powerpoint/2015/main" xmlns="" val="1"/>
-              </p:ext>
-            </p:extLst>
-          </p:nvPr>
-        </p:nvSpPr>
-        <p:spPr>
-          <a:xfrm>
-            <a:off x="0" y="0"/>
-            <a:ext cx="12192000" cy="6858000"/>
-          </a:xfrm>
-          <a:prstGeom prst="rect">
-            <a:avLst/>
-          </a:prstGeom>
-          <a:solidFill>
-            <a:schemeClr val="tx2">
-              <a:lumMod val="75000"/>
-              <a:lumOff val="25000"/>
-            </a:schemeClr>
-          </a:solidFill>
-          <a:ln>
-            <a:noFill/>
-          </a:ln>
-        </p:spPr>
-        <p:style>
-          <a:lnRef idx="2">
-            <a:schemeClr val="accent1">
-              <a:shade val="50000"/>
-            </a:schemeClr>
-          </a:lnRef>
-          <a:fillRef idx="1">
-            <a:schemeClr val="accent1"/>
-          </a:fillRef>
-          <a:effectRef idx="0">
-            <a:schemeClr val="accent1"/>
-          </a:effectRef>
-          <a:fontRef idx="minor">
-            <a:schemeClr val="lt1"/>
-          </a:fontRef>
-        </p:style>
-        <p:txBody>
-          <a:bodyPr rtlCol="0" anchor="ctr"/>
-          <a:lstStyle/>
-          <a:p>
-            <a:pPr algn="ctr"/>
-            <a:endParaRPr lang="en-US"/>
-          </a:p>
-        </p:txBody>
-      </p:sp>
-      <p:pic>
-        <p:nvPicPr>
-          <p:cNvPr id="5" name="Picture 4" descr="A close up of a map&#10;&#10;Description generated with high confidence">
-            <a:extLst>
-              <a:ext uri="{FF2B5EF4-FFF2-40B4-BE49-F238E27FC236}">
-                <a16:creationId xmlns:a16="http://schemas.microsoft.com/office/drawing/2014/main" xmlns="" id="{2119294B-5F03-4477-9A76-7E3C6807A415}"/>
-              </a:ext>
-            </a:extLst>
-          </p:cNvPr>
-          <p:cNvPicPr>
-            <a:picLocks noChangeAspect="1"/>
-          </p:cNvPicPr>
-          <p:nvPr/>
-        </p:nvPicPr>
-        <p:blipFill rotWithShape="1">
-          <a:blip r:embed="rId5">
-            <a:extLst>
-              <a:ext uri="{28A0092B-C50C-407E-A947-70E740481C1C}">
-                <a14:useLocalDpi xmlns:a14="http://schemas.microsoft.com/office/drawing/2010/main" val="0"/>
-              </a:ext>
-            </a:extLst>
-          </a:blip>
-          <a:srcRect t="11931" r="1" b="1"/>
-          <a:stretch/>
-        </p:blipFill>
-        <p:spPr>
-          <a:xfrm>
-            <a:off x="486138" y="488137"/>
-            <a:ext cx="11227442" cy="5883295"/>
-          </a:xfrm>
-          <a:prstGeom prst="rect">
-            <a:avLst/>
-          </a:prstGeom>
-        </p:spPr>
-      </p:pic>
-      <p:sp>
-        <p:nvSpPr>
-          <p:cNvPr id="72" name="Rectangle 59">
-            <a:extLst>
-              <a:ext uri="{FF2B5EF4-FFF2-40B4-BE49-F238E27FC236}">
-                <a16:creationId xmlns:a16="http://schemas.microsoft.com/office/drawing/2014/main" xmlns="" id="{51C100AB-F99A-49AA-846B-38F018DDD24D}"/>
-              </a:ext>
-            </a:extLst>
-          </p:cNvPr>
-          <p:cNvSpPr>
-            <a:spLocks noGrp="1" noRot="1" noChangeAspect="1" noMove="1" noResize="1" noEditPoints="1" noAdjustHandles="1" noChangeArrowheads="1" noChangeShapeType="1" noTextEdit="1"/>
-          </p:cNvSpPr>
-          <p:nvPr>
-            <p:extLst>
-              <p:ext uri="{386F3935-93C4-4BCD-93E2-E3B085C9AB24}">
-                <p16:designElem xmlns:p16="http://schemas.microsoft.com/office/powerpoint/2015/main" xmlns="" val="1"/>
-              </p:ext>
-            </p:extLst>
-          </p:nvPr>
-        </p:nvSpPr>
-        <p:spPr>
-          <a:xfrm>
-            <a:off x="608012" y="609600"/>
-            <a:ext cx="10972800" cy="5638800"/>
-          </a:xfrm>
-          <a:prstGeom prst="rect">
-            <a:avLst/>
-          </a:prstGeom>
-          <a:noFill/>
-          <a:ln w="15875" cap="flat">
-            <a:solidFill>
-              <a:schemeClr val="bg1"/>
-            </a:solidFill>
-            <a:miter lim="800000"/>
-          </a:ln>
-        </p:spPr>
-        <p:style>
-          <a:lnRef idx="1">
-            <a:schemeClr val="accent1"/>
-          </a:lnRef>
-          <a:fillRef idx="3">
-            <a:schemeClr val="accent1"/>
-          </a:fillRef>
-          <a:effectRef idx="2">
-            <a:schemeClr val="accent1"/>
-          </a:effectRef>
-          <a:fontRef idx="minor">
-            <a:schemeClr val="lt1"/>
-          </a:fontRef>
-        </p:style>
-      </p:sp>
-    </p:spTree>
-    <p:extLst>
-      <p:ext uri="{BB962C8B-B14F-4D97-AF65-F5344CB8AC3E}">
-        <p14:creationId xmlns:p14="http://schemas.microsoft.com/office/powerpoint/2010/main" val="2270611186"/>
-      </p:ext>
-    </p:extLst>
-  </p:cSld>
-  <p:clrMapOvr>
-    <a:masterClrMapping/>
-  </p:clrMapOvr>
-  <p:transition spd="med">
-    <p:pull/>
-  </p:transition>
-</p:sld>
-</file>
-
-<file path=ppt/slides/slide8.xml><?xml version="1.0" encoding="utf-8"?>
-<p:sld xmlns:a="http://schemas.openxmlformats.org/drawingml/2006/main" xmlns:r="http://schemas.openxmlformats.org/officeDocument/2006/relationships" xmlns:p="http://schemas.openxmlformats.org/presentationml/2006/main">
-  <p:cSld>
-    <p:bg>
-      <p:bgPr>
-        <a:blipFill>
-          <a:blip r:embed="rId2">
-            <a:extLst/>
-          </a:blip>
-          <a:stretch/>
-        </a:blipFill>
-        <a:effectLst/>
-      </p:bgPr>
-    </p:bg>
-    <p:spTree>
-      <p:nvGrpSpPr>
-        <p:cNvPr id="1" name=""/>
-        <p:cNvGrpSpPr/>
-        <p:nvPr/>
-      </p:nvGrpSpPr>
-      <p:grpSpPr>
-        <a:xfrm>
-          <a:off x="0" y="0"/>
-          <a:ext cx="0" cy="0"/>
-          <a:chOff x="0" y="0"/>
-          <a:chExt cx="0" cy="0"/>
-        </a:xfrm>
-      </p:grpSpPr>
-      <p:sp useBgFill="1">
-        <p:nvSpPr>
-          <p:cNvPr id="8" name="Rectangle 7">
-            <a:extLst>
-              <a:ext uri="{FF2B5EF4-FFF2-40B4-BE49-F238E27FC236}">
-                <a16:creationId xmlns:a16="http://schemas.microsoft.com/office/drawing/2014/main" xmlns="" id="{52723366-C73B-4ED6-ADEF-29911C6BC55F}"/>
-              </a:ext>
-            </a:extLst>
-          </p:cNvPr>
-          <p:cNvSpPr>
-            <a:spLocks noGrp="1" noRot="1" noChangeAspect="1" noMove="1" noResize="1" noEditPoints="1" noAdjustHandles="1" noChangeArrowheads="1" noChangeShapeType="1" noTextEdit="1"/>
-          </p:cNvSpPr>
-          <p:nvPr>
-            <p:extLst>
-              <p:ext uri="{386F3935-93C4-4BCD-93E2-E3B085C9AB24}">
-                <p16:designElem xmlns:p16="http://schemas.microsoft.com/office/powerpoint/2015/main" xmlns="" val="1"/>
+                <p16:designElem xmlns:p16="http://schemas.microsoft.com/office/powerpoint/2015/main" val="1"/>
               </p:ext>
             </p:extLst>
           </p:nvPr>
@@ -22524,7 +21656,7 @@
           <p:cNvPr id="10" name="Rectangle 9">
             <a:extLst>
               <a:ext uri="{FF2B5EF4-FFF2-40B4-BE49-F238E27FC236}">
-                <a16:creationId xmlns:a16="http://schemas.microsoft.com/office/drawing/2014/main" xmlns="" id="{C6202988-4466-42C5-B33A-AFABF051B4FE}"/>
+                <a16:creationId xmlns:a16="http://schemas.microsoft.com/office/drawing/2014/main" id="{C6202988-4466-42C5-B33A-AFABF051B4FE}"/>
               </a:ext>
             </a:extLst>
           </p:cNvPr>
@@ -22534,7 +21666,7 @@
           <p:nvPr>
             <p:extLst>
               <p:ext uri="{386F3935-93C4-4BCD-93E2-E3B085C9AB24}">
-                <p16:designElem xmlns:p16="http://schemas.microsoft.com/office/powerpoint/2015/main" xmlns="" val="1"/>
+                <p16:designElem xmlns:p16="http://schemas.microsoft.com/office/powerpoint/2015/main" val="1"/>
               </p:ext>
             </p:extLst>
           </p:nvPr>
@@ -22613,7 +21745,7 @@
           <p:cNvPr id="12" name="Rectangle 11">
             <a:extLst>
               <a:ext uri="{FF2B5EF4-FFF2-40B4-BE49-F238E27FC236}">
-                <a16:creationId xmlns:a16="http://schemas.microsoft.com/office/drawing/2014/main" xmlns="" id="{847A4152-8E41-4D1C-B88C-57C5C430A69E}"/>
+                <a16:creationId xmlns:a16="http://schemas.microsoft.com/office/drawing/2014/main" id="{847A4152-8E41-4D1C-B88C-57C5C430A69E}"/>
               </a:ext>
             </a:extLst>
           </p:cNvPr>
@@ -22623,7 +21755,7 @@
           <p:nvPr>
             <p:extLst>
               <p:ext uri="{386F3935-93C4-4BCD-93E2-E3B085C9AB24}">
-                <p16:designElem xmlns:p16="http://schemas.microsoft.com/office/powerpoint/2015/main" xmlns="" val="1"/>
+                <p16:designElem xmlns:p16="http://schemas.microsoft.com/office/powerpoint/2015/main" val="1"/>
               </p:ext>
             </p:extLst>
           </p:nvPr>
@@ -22690,7 +21822,7 @@
           <p:cNvPr id="14" name="Rectangle 13">
             <a:extLst>
               <a:ext uri="{FF2B5EF4-FFF2-40B4-BE49-F238E27FC236}">
-                <a16:creationId xmlns:a16="http://schemas.microsoft.com/office/drawing/2014/main" xmlns="" id="{999F76F5-72D4-4814-9169-8F535AEEB809}"/>
+                <a16:creationId xmlns:a16="http://schemas.microsoft.com/office/drawing/2014/main" id="{999F76F5-72D4-4814-9169-8F535AEEB809}"/>
               </a:ext>
             </a:extLst>
           </p:cNvPr>
@@ -22700,7 +21832,7 @@
           <p:nvPr>
             <p:extLst>
               <p:ext uri="{386F3935-93C4-4BCD-93E2-E3B085C9AB24}">
-                <p16:designElem xmlns:p16="http://schemas.microsoft.com/office/powerpoint/2015/main" xmlns="" val="1"/>
+                <p16:designElem xmlns:p16="http://schemas.microsoft.com/office/powerpoint/2015/main" val="1"/>
               </p:ext>
             </p:extLst>
           </p:nvPr>
@@ -22742,7 +21874,7 @@
           <p:cNvPr id="2" name="Title 1">
             <a:extLst>
               <a:ext uri="{FF2B5EF4-FFF2-40B4-BE49-F238E27FC236}">
-                <a16:creationId xmlns:a16="http://schemas.microsoft.com/office/drawing/2014/main" xmlns="" id="{E69EEFE1-915C-4045-9B4E-7294D63C1489}"/>
+                <a16:creationId xmlns:a16="http://schemas.microsoft.com/office/drawing/2014/main" id="{E69EEFE1-915C-4045-9B4E-7294D63C1489}"/>
               </a:ext>
             </a:extLst>
           </p:cNvPr>
@@ -22786,7 +21918,7 @@
           <p:cNvPr id="3" name="Content Placeholder 2">
             <a:extLst>
               <a:ext uri="{FF2B5EF4-FFF2-40B4-BE49-F238E27FC236}">
-                <a16:creationId xmlns:a16="http://schemas.microsoft.com/office/drawing/2014/main" xmlns="" id="{69E5499D-4D18-4A93-A702-A46CA576BCCF}"/>
+                <a16:creationId xmlns:a16="http://schemas.microsoft.com/office/drawing/2014/main" id="{69E5499D-4D18-4A93-A702-A46CA576BCCF}"/>
               </a:ext>
             </a:extLst>
           </p:cNvPr>
@@ -22852,23 +21984,15 @@
             </a:pPr>
             <a:r>
               <a:rPr lang="en-US" dirty="0"/>
-              <a:t>The system must allow employees to search for members that have not </a:t>
+              <a:t>The system must allow employees to search for members that have not p</a:t>
             </a:r>
             <a:r>
-              <a:rPr lang="en-US" dirty="0" smtClean="0"/>
-              <a:t>p</a:t>
-            </a:r>
-            <a:r>
-              <a:rPr lang="lv-LV" dirty="0" smtClean="0"/>
+              <a:rPr lang="lv-LV" dirty="0"/>
               <a:t>aid</a:t>
             </a:r>
             <a:r>
-              <a:rPr lang="en-US" dirty="0" smtClean="0"/>
-              <a:t> </a:t>
-            </a:r>
-            <a:r>
               <a:rPr lang="en-US" dirty="0"/>
-              <a:t>their membership fee.</a:t>
+              <a:t> their membership fee.</a:t>
             </a:r>
             <a:endParaRPr lang="aa-ET" dirty="0"/>
           </a:p>
@@ -22950,7 +22074,126 @@
 </p:sld>
 </file>
 
-<file path=ppt/slides/slide9.xml><?xml version="1.0" encoding="utf-8"?>
+<file path=ppt/slides/slide5.xml><?xml version="1.0" encoding="utf-8"?>
+<p:sld xmlns:a="http://schemas.openxmlformats.org/drawingml/2006/main" xmlns:r="http://schemas.openxmlformats.org/officeDocument/2006/relationships" xmlns:p="http://schemas.openxmlformats.org/presentationml/2006/main">
+  <p:cSld>
+    <p:bg>
+      <p:bgPr>
+        <a:blipFill>
+          <a:blip r:embed="rId2">
+            <a:extLst/>
+          </a:blip>
+          <a:stretch/>
+        </a:blipFill>
+        <a:effectLst/>
+      </p:bgPr>
+    </p:bg>
+    <p:spTree>
+      <p:nvGrpSpPr>
+        <p:cNvPr id="1" name=""/>
+        <p:cNvGrpSpPr/>
+        <p:nvPr/>
+      </p:nvGrpSpPr>
+      <p:grpSpPr>
+        <a:xfrm>
+          <a:off x="0" y="0"/>
+          <a:ext cx="0" cy="0"/>
+          <a:chOff x="0" y="0"/>
+          <a:chExt cx="0" cy="0"/>
+        </a:xfrm>
+      </p:grpSpPr>
+      <p:sp>
+        <p:nvSpPr>
+          <p:cNvPr id="2" name="Title 1">
+            <a:extLst>
+              <a:ext uri="{FF2B5EF4-FFF2-40B4-BE49-F238E27FC236}">
+                <a16:creationId xmlns:a16="http://schemas.microsoft.com/office/drawing/2014/main" id="{E591390E-921B-4775-B5F9-6ED6E116AD62}"/>
+              </a:ext>
+            </a:extLst>
+          </p:cNvPr>
+          <p:cNvSpPr>
+            <a:spLocks noGrp="1"/>
+          </p:cNvSpPr>
+          <p:nvPr>
+            <p:ph type="title"/>
+          </p:nvPr>
+        </p:nvSpPr>
+        <p:spPr>
+          <a:xfrm>
+            <a:off x="1295402" y="982132"/>
+            <a:ext cx="9601196" cy="1303867"/>
+          </a:xfrm>
+        </p:spPr>
+        <p:txBody>
+          <a:bodyPr>
+            <a:normAutofit/>
+          </a:bodyPr>
+          <a:lstStyle/>
+          <a:p>
+            <a:r>
+              <a:rPr lang="da-DK">
+                <a:solidFill>
+                  <a:srgbClr val="262626"/>
+                </a:solidFill>
+              </a:rPr>
+              <a:t>SCRUM</a:t>
+            </a:r>
+            <a:endParaRPr lang="aa-ET">
+              <a:solidFill>
+                <a:srgbClr val="262626"/>
+              </a:solidFill>
+            </a:endParaRPr>
+          </a:p>
+        </p:txBody>
+      </p:sp>
+      <p:graphicFrame>
+        <p:nvGraphicFramePr>
+          <p:cNvPr id="5" name="Content Placeholder 2">
+            <a:extLst>
+              <a:ext uri="{FF2B5EF4-FFF2-40B4-BE49-F238E27FC236}">
+                <a16:creationId xmlns:a16="http://schemas.microsoft.com/office/drawing/2014/main" id="{AB9056A5-D53C-4B22-B06C-5AA6ECDE75E3}"/>
+              </a:ext>
+            </a:extLst>
+          </p:cNvPr>
+          <p:cNvGraphicFramePr>
+            <a:graphicFrameLocks noGrp="1"/>
+          </p:cNvGraphicFramePr>
+          <p:nvPr>
+            <p:ph idx="1"/>
+            <p:extLst>
+              <p:ext uri="{D42A27DB-BD31-4B8C-83A1-F6EECF244321}">
+                <p14:modId xmlns:p14="http://schemas.microsoft.com/office/powerpoint/2010/main" val="2338602464"/>
+              </p:ext>
+            </p:extLst>
+          </p:nvPr>
+        </p:nvGraphicFramePr>
+        <p:xfrm>
+          <a:off x="1295400" y="2772384"/>
+          <a:ext cx="9601197" cy="2874883"/>
+        </p:xfrm>
+        <a:graphic>
+          <a:graphicData uri="http://schemas.openxmlformats.org/drawingml/2006/diagram">
+            <dgm:relIds xmlns:dgm="http://schemas.openxmlformats.org/drawingml/2006/diagram" xmlns:r="http://schemas.openxmlformats.org/officeDocument/2006/relationships" r:dm="rId3" r:lo="rId4" r:qs="rId5" r:cs="rId6"/>
+          </a:graphicData>
+        </a:graphic>
+      </p:graphicFrame>
+    </p:spTree>
+    <p:extLst>
+      <p:ext uri="{BB962C8B-B14F-4D97-AF65-F5344CB8AC3E}">
+        <p14:creationId xmlns:p14="http://schemas.microsoft.com/office/powerpoint/2010/main" val="42290377"/>
+      </p:ext>
+    </p:extLst>
+  </p:cSld>
+  <p:clrMapOvr>
+    <a:masterClrMapping/>
+  </p:clrMapOvr>
+  <p:transition spd="med">
+    <p:pull/>
+  </p:transition>
+</p:sld>
+</file>
+
+<file path=ppt/slides/slide6.xml><?xml version="1.0" encoding="utf-8"?>
 <p:sld xmlns:a="http://schemas.openxmlformats.org/drawingml/2006/main" xmlns:r="http://schemas.openxmlformats.org/officeDocument/2006/relationships" xmlns:p="http://schemas.openxmlformats.org/presentationml/2006/main">
   <p:cSld>
     <p:bg>
@@ -22980,10 +22223,10 @@
       </p:grpSpPr>
       <p:grpSp>
         <p:nvGrpSpPr>
-          <p:cNvPr id="30" name="Group 9">
+          <p:cNvPr id="10" name="Group 9">
             <a:extLst>
               <a:ext uri="{FF2B5EF4-FFF2-40B4-BE49-F238E27FC236}">
-                <a16:creationId xmlns:a16="http://schemas.microsoft.com/office/drawing/2014/main" xmlns="" id="{749C117F-F390-437B-ADB0-57E87EFF34F5}"/>
+                <a16:creationId xmlns:a16="http://schemas.microsoft.com/office/drawing/2014/main" id="{749C117F-F390-437B-ADB0-57E87EFF34F5}"/>
               </a:ext>
             </a:extLst>
           </p:cNvPr>
@@ -22993,7 +22236,7 @@
           <p:nvPr>
             <p:extLst>
               <p:ext uri="{386F3935-93C4-4BCD-93E2-E3B085C9AB24}">
-                <p16:designElem xmlns:p16="http://schemas.microsoft.com/office/powerpoint/2015/main" xmlns="" val="1"/>
+                <p16:designElem xmlns:p16="http://schemas.microsoft.com/office/powerpoint/2015/main" val="1"/>
               </p:ext>
             </p:extLst>
           </p:nvPr>
@@ -23011,7 +22254,7 @@
             <p:cNvPr id="11" name="Picture 10">
               <a:extLst>
                 <a:ext uri="{FF2B5EF4-FFF2-40B4-BE49-F238E27FC236}">
-                  <a16:creationId xmlns:a16="http://schemas.microsoft.com/office/drawing/2014/main" xmlns="" id="{A7EF42F8-2417-49A6-95CE-DE9503B0AA66}"/>
+                  <a16:creationId xmlns:a16="http://schemas.microsoft.com/office/drawing/2014/main" id="{A7EF42F8-2417-49A6-95CE-DE9503B0AA66}"/>
                 </a:ext>
               </a:extLst>
             </p:cNvPr>
@@ -23021,7 +22264,7 @@
             <p:nvPr>
               <p:extLst>
                 <p:ext uri="{386F3935-93C4-4BCD-93E2-E3B085C9AB24}">
-                  <p16:designElem xmlns:p16="http://schemas.microsoft.com/office/powerpoint/2015/main" xmlns="" val="1"/>
+                  <p16:designElem xmlns:p16="http://schemas.microsoft.com/office/powerpoint/2015/main" val="1"/>
                 </p:ext>
               </p:extLst>
             </p:nvPr>
@@ -23053,7 +22296,7 @@
             <p:cNvPr id="12" name="Rectangle 11">
               <a:extLst>
                 <a:ext uri="{FF2B5EF4-FFF2-40B4-BE49-F238E27FC236}">
-                  <a16:creationId xmlns:a16="http://schemas.microsoft.com/office/drawing/2014/main" xmlns="" id="{AC6F623B-2003-4AED-B02F-541A150EC143}"/>
+                  <a16:creationId xmlns:a16="http://schemas.microsoft.com/office/drawing/2014/main" id="{AC6F623B-2003-4AED-B02F-541A150EC143}"/>
                 </a:ext>
               </a:extLst>
             </p:cNvPr>
@@ -23061,7 +22304,7 @@
             <p:nvPr>
               <p:extLst>
                 <p:ext uri="{386F3935-93C4-4BCD-93E2-E3B085C9AB24}">
-                  <p16:designElem xmlns:p16="http://schemas.microsoft.com/office/powerpoint/2015/main" xmlns="" val="1"/>
+                  <p16:designElem xmlns:p16="http://schemas.microsoft.com/office/powerpoint/2015/main" val="1"/>
                 </p:ext>
               </p:extLst>
             </p:nvPr>
@@ -23099,7 +22342,7 @@
             <p:cNvPr id="13" name="Picture 12">
               <a:extLst>
                 <a:ext uri="{FF2B5EF4-FFF2-40B4-BE49-F238E27FC236}">
-                  <a16:creationId xmlns:a16="http://schemas.microsoft.com/office/drawing/2014/main" xmlns="" id="{CD11837A-4F3D-419F-ACE2-E80B1EA2846F}"/>
+                  <a16:creationId xmlns:a16="http://schemas.microsoft.com/office/drawing/2014/main" id="{CD11837A-4F3D-419F-ACE2-E80B1EA2846F}"/>
                 </a:ext>
               </a:extLst>
             </p:cNvPr>
@@ -23109,7 +22352,7 @@
             <p:nvPr>
               <p:extLst>
                 <p:ext uri="{386F3935-93C4-4BCD-93E2-E3B085C9AB24}">
-                  <p16:designElem xmlns:p16="http://schemas.microsoft.com/office/powerpoint/2015/main" xmlns="" val="1"/>
+                  <p16:designElem xmlns:p16="http://schemas.microsoft.com/office/powerpoint/2015/main" val="1"/>
                 </p:ext>
               </p:extLst>
             </p:nvPr>
@@ -23140,7 +22383,7 @@
             <p:cNvPr id="14" name="Picture 13">
               <a:extLst>
                 <a:ext uri="{FF2B5EF4-FFF2-40B4-BE49-F238E27FC236}">
-                  <a16:creationId xmlns:a16="http://schemas.microsoft.com/office/drawing/2014/main" xmlns="" id="{B9411D1A-7E2C-4A36-BE32-BF7A8E130723}"/>
+                  <a16:creationId xmlns:a16="http://schemas.microsoft.com/office/drawing/2014/main" id="{B9411D1A-7E2C-4A36-BE32-BF7A8E130723}"/>
                 </a:ext>
               </a:extLst>
             </p:cNvPr>
@@ -23150,7 +22393,1855 @@
             <p:nvPr>
               <p:extLst>
                 <p:ext uri="{386F3935-93C4-4BCD-93E2-E3B085C9AB24}">
-                  <p16:designElem xmlns:p16="http://schemas.microsoft.com/office/powerpoint/2015/main" xmlns="" val="1"/>
+                  <p16:designElem xmlns:p16="http://schemas.microsoft.com/office/powerpoint/2015/main" val="1"/>
+                </p:ext>
+              </p:extLst>
+            </p:nvPr>
+          </p:nvPicPr>
+          <p:blipFill rotWithShape="1">
+            <a:blip r:embed="rId4">
+              <a:extLst>
+                <a:ext uri="{28A0092B-C50C-407E-A947-70E740481C1C}">
+                  <a14:useLocalDpi xmlns:a14="http://schemas.microsoft.com/office/drawing/2010/main" val="0"/>
+                </a:ext>
+              </a:extLst>
+            </a:blip>
+            <a:srcRect/>
+            <a:stretch/>
+          </p:blipFill>
+          <p:spPr>
+            <a:xfrm>
+              <a:off x="9736202" y="3147609"/>
+              <a:ext cx="2478024" cy="612648"/>
+            </a:xfrm>
+            <a:prstGeom prst="rect">
+              <a:avLst/>
+            </a:prstGeom>
+          </p:spPr>
+        </p:pic>
+      </p:grpSp>
+      <p:cxnSp>
+        <p:nvCxnSpPr>
+          <p:cNvPr id="16" name="Straight Connector 15">
+            <a:extLst>
+              <a:ext uri="{FF2B5EF4-FFF2-40B4-BE49-F238E27FC236}">
+                <a16:creationId xmlns:a16="http://schemas.microsoft.com/office/drawing/2014/main" id="{20742BC3-654B-4E41-9A6A-73A42E477639}"/>
+              </a:ext>
+            </a:extLst>
+          </p:cNvPr>
+          <p:cNvCxnSpPr>
+            <a:cxnSpLocks noGrp="1" noRot="1" noChangeAspect="1" noMove="1" noResize="1" noEditPoints="1" noAdjustHandles="1" noChangeArrowheads="1" noChangeShapeType="1"/>
+          </p:cNvCxnSpPr>
+          <p:nvPr>
+            <p:extLst>
+              <p:ext uri="{386F3935-93C4-4BCD-93E2-E3B085C9AB24}">
+                <p16:designElem xmlns:p16="http://schemas.microsoft.com/office/powerpoint/2015/main" val="1"/>
+              </p:ext>
+            </p:extLst>
+          </p:nvPr>
+        </p:nvCxnSpPr>
+        <p:spPr>
+          <a:xfrm>
+            <a:off x="2692399" y="3522131"/>
+            <a:ext cx="6815668" cy="0"/>
+          </a:xfrm>
+          <a:prstGeom prst="line">
+            <a:avLst/>
+          </a:prstGeom>
+        </p:spPr>
+        <p:style>
+          <a:lnRef idx="2">
+            <a:schemeClr val="accent1"/>
+          </a:lnRef>
+          <a:fillRef idx="0">
+            <a:schemeClr val="accent1"/>
+          </a:fillRef>
+          <a:effectRef idx="1">
+            <a:schemeClr val="accent1"/>
+          </a:effectRef>
+          <a:fontRef idx="minor">
+            <a:schemeClr val="tx1"/>
+          </a:fontRef>
+        </p:style>
+      </p:cxnSp>
+      <p:sp useBgFill="1">
+        <p:nvSpPr>
+          <p:cNvPr id="18" name="Rectangle 17">
+            <a:extLst>
+              <a:ext uri="{FF2B5EF4-FFF2-40B4-BE49-F238E27FC236}">
+                <a16:creationId xmlns:a16="http://schemas.microsoft.com/office/drawing/2014/main" id="{575E71FA-50BD-43F8-8C98-04339283A93D}"/>
+              </a:ext>
+            </a:extLst>
+          </p:cNvPr>
+          <p:cNvSpPr>
+            <a:spLocks noGrp="1" noRot="1" noChangeAspect="1" noMove="1" noResize="1" noEditPoints="1" noAdjustHandles="1" noChangeArrowheads="1" noChangeShapeType="1" noTextEdit="1"/>
+          </p:cNvSpPr>
+          <p:nvPr>
+            <p:extLst>
+              <p:ext uri="{386F3935-93C4-4BCD-93E2-E3B085C9AB24}">
+                <p16:designElem xmlns:p16="http://schemas.microsoft.com/office/powerpoint/2015/main" val="1"/>
+              </p:ext>
+            </p:extLst>
+          </p:nvPr>
+        </p:nvSpPr>
+        <p:spPr>
+          <a:xfrm>
+            <a:off x="0" y="0"/>
+            <a:ext cx="12188952" cy="6858000"/>
+          </a:xfrm>
+          <a:prstGeom prst="rect">
+            <a:avLst/>
+          </a:prstGeom>
+          <a:ln>
+            <a:noFill/>
+          </a:ln>
+        </p:spPr>
+        <p:style>
+          <a:lnRef idx="2">
+            <a:schemeClr val="accent1">
+              <a:shade val="50000"/>
+            </a:schemeClr>
+          </a:lnRef>
+          <a:fillRef idx="1">
+            <a:schemeClr val="accent1"/>
+          </a:fillRef>
+          <a:effectRef idx="0">
+            <a:schemeClr val="accent1"/>
+          </a:effectRef>
+          <a:fontRef idx="minor">
+            <a:schemeClr val="lt1"/>
+          </a:fontRef>
+        </p:style>
+        <p:txBody>
+          <a:bodyPr rtlCol="0" anchor="ctr"/>
+          <a:lstStyle/>
+          <a:p>
+            <a:pPr algn="ctr"/>
+            <a:endParaRPr lang="en-US"/>
+          </a:p>
+        </p:txBody>
+      </p:sp>
+      <p:grpSp>
+        <p:nvGrpSpPr>
+          <p:cNvPr id="20" name="Group 19">
+            <a:extLst>
+              <a:ext uri="{FF2B5EF4-FFF2-40B4-BE49-F238E27FC236}">
+                <a16:creationId xmlns:a16="http://schemas.microsoft.com/office/drawing/2014/main" id="{CF1AA7F6-A589-4BC8-BC72-2CA6DC908398}"/>
+              </a:ext>
+            </a:extLst>
+          </p:cNvPr>
+          <p:cNvGrpSpPr>
+            <a:grpSpLocks noGrp="1" noUngrp="1" noRot="1" noChangeAspect="1" noMove="1" noResize="1"/>
+          </p:cNvGrpSpPr>
+          <p:nvPr>
+            <p:extLst>
+              <p:ext uri="{386F3935-93C4-4BCD-93E2-E3B085C9AB24}">
+                <p16:designElem xmlns:p16="http://schemas.microsoft.com/office/powerpoint/2015/main" val="1"/>
+              </p:ext>
+            </p:extLst>
+          </p:nvPr>
+        </p:nvGrpSpPr>
+        <p:grpSpPr>
+          <a:xfrm>
+            <a:off x="-15736" y="0"/>
+            <a:ext cx="12229962" cy="6856214"/>
+            <a:chOff x="-15736" y="0"/>
+            <a:chExt cx="12229962" cy="6856214"/>
+          </a:xfrm>
+        </p:grpSpPr>
+        <p:pic>
+          <p:nvPicPr>
+            <p:cNvPr id="21" name="Picture 20">
+              <a:extLst>
+                <a:ext uri="{FF2B5EF4-FFF2-40B4-BE49-F238E27FC236}">
+                  <a16:creationId xmlns:a16="http://schemas.microsoft.com/office/drawing/2014/main" id="{53F5243F-7E41-439E-8991-C4F246D88F68}"/>
+                </a:ext>
+              </a:extLst>
+            </p:cNvPr>
+            <p:cNvPicPr>
+              <a:picLocks noChangeAspect="1"/>
+            </p:cNvPicPr>
+            <p:nvPr>
+              <p:extLst>
+                <p:ext uri="{386F3935-93C4-4BCD-93E2-E3B085C9AB24}">
+                  <p16:designElem xmlns:p16="http://schemas.microsoft.com/office/powerpoint/2015/main" val="1"/>
+                </p:ext>
+              </p:extLst>
+            </p:nvPr>
+          </p:nvPicPr>
+          <p:blipFill>
+            <a:blip r:embed="rId5">
+              <a:extLst>
+                <a:ext uri="{28A0092B-C50C-407E-A947-70E740481C1C}">
+                  <a14:useLocalDpi xmlns:a14="http://schemas.microsoft.com/office/drawing/2010/main" val="0"/>
+                </a:ext>
+              </a:extLst>
+            </a:blip>
+            <a:stretch>
+              <a:fillRect/>
+            </a:stretch>
+          </p:blipFill>
+          <p:spPr>
+            <a:xfrm>
+              <a:off x="0" y="0"/>
+              <a:ext cx="12188825" cy="6856214"/>
+            </a:xfrm>
+            <a:prstGeom prst="rect">
+              <a:avLst/>
+            </a:prstGeom>
+          </p:spPr>
+        </p:pic>
+        <p:sp>
+          <p:nvSpPr>
+            <p:cNvPr id="22" name="Rectangle 21">
+              <a:extLst>
+                <a:ext uri="{FF2B5EF4-FFF2-40B4-BE49-F238E27FC236}">
+                  <a16:creationId xmlns:a16="http://schemas.microsoft.com/office/drawing/2014/main" id="{401A6B5F-1CF1-43AD-9E85-94E187210CFC}"/>
+                </a:ext>
+              </a:extLst>
+            </p:cNvPr>
+            <p:cNvSpPr/>
+            <p:nvPr>
+              <p:extLst>
+                <p:ext uri="{386F3935-93C4-4BCD-93E2-E3B085C9AB24}">
+                  <p16:designElem xmlns:p16="http://schemas.microsoft.com/office/powerpoint/2015/main" val="1"/>
+                </p:ext>
+              </p:extLst>
+            </p:nvPr>
+          </p:nvSpPr>
+          <p:spPr>
+            <a:xfrm>
+              <a:off x="608012" y="609600"/>
+              <a:ext cx="10972800" cy="5638800"/>
+            </a:xfrm>
+            <a:prstGeom prst="rect">
+              <a:avLst/>
+            </a:prstGeom>
+            <a:noFill/>
+            <a:ln w="15875" cap="flat">
+              <a:miter lim="800000"/>
+            </a:ln>
+          </p:spPr>
+          <p:style>
+            <a:lnRef idx="1">
+              <a:schemeClr val="accent1"/>
+            </a:lnRef>
+            <a:fillRef idx="3">
+              <a:schemeClr val="accent1"/>
+            </a:fillRef>
+            <a:effectRef idx="2">
+              <a:schemeClr val="accent1"/>
+            </a:effectRef>
+            <a:fontRef idx="minor">
+              <a:schemeClr val="lt1"/>
+            </a:fontRef>
+          </p:style>
+        </p:sp>
+        <p:pic>
+          <p:nvPicPr>
+            <p:cNvPr id="23" name="Picture 22">
+              <a:extLst>
+                <a:ext uri="{FF2B5EF4-FFF2-40B4-BE49-F238E27FC236}">
+                  <a16:creationId xmlns:a16="http://schemas.microsoft.com/office/drawing/2014/main" id="{2F682A59-7E20-407C-A7F8-582295AC687C}"/>
+                </a:ext>
+              </a:extLst>
+            </p:cNvPr>
+            <p:cNvPicPr>
+              <a:picLocks noChangeAspect="1"/>
+            </p:cNvPicPr>
+            <p:nvPr>
+              <p:extLst>
+                <p:ext uri="{386F3935-93C4-4BCD-93E2-E3B085C9AB24}">
+                  <p16:designElem xmlns:p16="http://schemas.microsoft.com/office/powerpoint/2015/main" val="1"/>
+                </p:ext>
+              </p:extLst>
+            </p:nvPr>
+          </p:nvPicPr>
+          <p:blipFill rotWithShape="1">
+            <a:blip r:embed="rId6">
+              <a:extLst>
+                <a:ext uri="{28A0092B-C50C-407E-A947-70E740481C1C}">
+                  <a14:useLocalDpi xmlns:a14="http://schemas.microsoft.com/office/drawing/2010/main" val="0"/>
+                </a:ext>
+              </a:extLst>
+            </a:blip>
+            <a:srcRect/>
+            <a:stretch/>
+          </p:blipFill>
+          <p:spPr>
+            <a:xfrm>
+              <a:off x="-15736" y="3153832"/>
+              <a:ext cx="777240" cy="606425"/>
+            </a:xfrm>
+            <a:prstGeom prst="rect">
+              <a:avLst/>
+            </a:prstGeom>
+          </p:spPr>
+        </p:pic>
+        <p:pic>
+          <p:nvPicPr>
+            <p:cNvPr id="24" name="Picture 23">
+              <a:extLst>
+                <a:ext uri="{FF2B5EF4-FFF2-40B4-BE49-F238E27FC236}">
+                  <a16:creationId xmlns:a16="http://schemas.microsoft.com/office/drawing/2014/main" id="{5E4AC24E-0670-406E-822F-AAA6DA2010D3}"/>
+                </a:ext>
+              </a:extLst>
+            </p:cNvPr>
+            <p:cNvPicPr>
+              <a:picLocks noChangeAspect="1"/>
+            </p:cNvPicPr>
+            <p:nvPr>
+              <p:extLst>
+                <p:ext uri="{386F3935-93C4-4BCD-93E2-E3B085C9AB24}">
+                  <p16:designElem xmlns:p16="http://schemas.microsoft.com/office/powerpoint/2015/main" val="1"/>
+                </p:ext>
+              </p:extLst>
+            </p:nvPr>
+          </p:nvPicPr>
+          <p:blipFill rotWithShape="1">
+            <a:blip r:embed="rId6">
+              <a:extLst>
+                <a:ext uri="{28A0092B-C50C-407E-A947-70E740481C1C}">
+                  <a14:useLocalDpi xmlns:a14="http://schemas.microsoft.com/office/drawing/2010/main" val="0"/>
+                </a:ext>
+              </a:extLst>
+            </a:blip>
+            <a:srcRect/>
+            <a:stretch/>
+          </p:blipFill>
+          <p:spPr>
+            <a:xfrm>
+              <a:off x="11436986" y="3153832"/>
+              <a:ext cx="777240" cy="606425"/>
+            </a:xfrm>
+            <a:prstGeom prst="rect">
+              <a:avLst/>
+            </a:prstGeom>
+          </p:spPr>
+        </p:pic>
+      </p:grpSp>
+      <p:sp>
+        <p:nvSpPr>
+          <p:cNvPr id="57" name="Rectangle 25">
+            <a:extLst>
+              <a:ext uri="{FF2B5EF4-FFF2-40B4-BE49-F238E27FC236}">
+                <a16:creationId xmlns:a16="http://schemas.microsoft.com/office/drawing/2014/main" id="{E89B1776-F953-4C0F-8E85-E9C66B1EF003}"/>
+              </a:ext>
+            </a:extLst>
+          </p:cNvPr>
+          <p:cNvSpPr>
+            <a:spLocks noGrp="1" noRot="1" noChangeAspect="1" noMove="1" noResize="1" noEditPoints="1" noAdjustHandles="1" noChangeArrowheads="1" noChangeShapeType="1" noTextEdit="1"/>
+          </p:cNvSpPr>
+          <p:nvPr>
+            <p:extLst>
+              <p:ext uri="{386F3935-93C4-4BCD-93E2-E3B085C9AB24}">
+                <p16:designElem xmlns:p16="http://schemas.microsoft.com/office/powerpoint/2015/main" val="1"/>
+              </p:ext>
+            </p:extLst>
+          </p:nvPr>
+        </p:nvSpPr>
+        <p:spPr>
+          <a:xfrm>
+            <a:off x="1092644" y="1092200"/>
+            <a:ext cx="6432130" cy="4515104"/>
+          </a:xfrm>
+          <a:prstGeom prst="rect">
+            <a:avLst/>
+          </a:prstGeom>
+          <a:solidFill>
+            <a:schemeClr val="bg1"/>
+          </a:solidFill>
+          <a:ln w="57150" cmpd="thickThin">
+            <a:solidFill>
+              <a:schemeClr val="tx1">
+                <a:lumMod val="50000"/>
+                <a:lumOff val="50000"/>
+              </a:schemeClr>
+            </a:solidFill>
+            <a:miter lim="800000"/>
+          </a:ln>
+        </p:spPr>
+        <p:style>
+          <a:lnRef idx="2">
+            <a:schemeClr val="accent1">
+              <a:shade val="50000"/>
+            </a:schemeClr>
+          </a:lnRef>
+          <a:fillRef idx="1">
+            <a:schemeClr val="accent1"/>
+          </a:fillRef>
+          <a:effectRef idx="0">
+            <a:schemeClr val="accent1"/>
+          </a:effectRef>
+          <a:fontRef idx="minor">
+            <a:schemeClr val="lt1"/>
+          </a:fontRef>
+        </p:style>
+        <p:txBody>
+          <a:bodyPr rtlCol="0" anchor="ctr"/>
+          <a:lstStyle/>
+          <a:p>
+            <a:pPr algn="ctr"/>
+            <a:endParaRPr lang="en-US"/>
+          </a:p>
+        </p:txBody>
+      </p:sp>
+      <p:pic>
+        <p:nvPicPr>
+          <p:cNvPr id="5" name="Picture 4">
+            <a:extLst>
+              <a:ext uri="{FF2B5EF4-FFF2-40B4-BE49-F238E27FC236}">
+                <a16:creationId xmlns:a16="http://schemas.microsoft.com/office/drawing/2014/main" id="{11CE67C4-0067-439F-B45D-7FB8E22D58A6}"/>
+              </a:ext>
+            </a:extLst>
+          </p:cNvPr>
+          <p:cNvPicPr>
+            <a:picLocks noChangeAspect="1"/>
+          </p:cNvPicPr>
+          <p:nvPr/>
+        </p:nvPicPr>
+        <p:blipFill>
+          <a:blip r:embed="rId7" cstate="print">
+            <a:extLst>
+              <a:ext uri="{28A0092B-C50C-407E-A947-70E740481C1C}">
+                <a14:useLocalDpi xmlns:a14="http://schemas.microsoft.com/office/drawing/2010/main" val="0"/>
+              </a:ext>
+            </a:extLst>
+          </a:blip>
+          <a:stretch>
+            <a:fillRect/>
+          </a:stretch>
+        </p:blipFill>
+        <p:spPr>
+          <a:xfrm>
+            <a:off x="1412683" y="1654984"/>
+            <a:ext cx="5784083" cy="3369228"/>
+          </a:xfrm>
+          <a:prstGeom prst="rect">
+            <a:avLst/>
+          </a:prstGeom>
+        </p:spPr>
+      </p:pic>
+      <p:cxnSp>
+        <p:nvCxnSpPr>
+          <p:cNvPr id="58" name="Straight Connector 27">
+            <a:extLst>
+              <a:ext uri="{FF2B5EF4-FFF2-40B4-BE49-F238E27FC236}">
+                <a16:creationId xmlns:a16="http://schemas.microsoft.com/office/drawing/2014/main" id="{997356D0-D934-42B9-8291-DF34A3AC0CFE}"/>
+              </a:ext>
+            </a:extLst>
+          </p:cNvPr>
+          <p:cNvCxnSpPr>
+            <a:cxnSpLocks noGrp="1" noRot="1" noChangeAspect="1" noMove="1" noResize="1" noEditPoints="1" noAdjustHandles="1" noChangeArrowheads="1" noChangeShapeType="1"/>
+          </p:cNvCxnSpPr>
+          <p:nvPr>
+            <p:extLst>
+              <p:ext uri="{386F3935-93C4-4BCD-93E2-E3B085C9AB24}">
+                <p16:designElem xmlns:p16="http://schemas.microsoft.com/office/powerpoint/2015/main" val="1"/>
+              </p:ext>
+            </p:extLst>
+          </p:nvPr>
+        </p:nvCxnSpPr>
+        <p:spPr>
+          <a:xfrm>
+            <a:off x="7999431" y="3509772"/>
+            <a:ext cx="3074977" cy="12359"/>
+          </a:xfrm>
+          <a:prstGeom prst="line">
+            <a:avLst/>
+          </a:prstGeom>
+        </p:spPr>
+        <p:style>
+          <a:lnRef idx="2">
+            <a:schemeClr val="accent1"/>
+          </a:lnRef>
+          <a:fillRef idx="0">
+            <a:schemeClr val="accent1"/>
+          </a:fillRef>
+          <a:effectRef idx="1">
+            <a:schemeClr val="accent1"/>
+          </a:effectRef>
+          <a:fontRef idx="minor">
+            <a:schemeClr val="tx1"/>
+          </a:fontRef>
+        </p:style>
+      </p:cxnSp>
+      <p:sp>
+        <p:nvSpPr>
+          <p:cNvPr id="2" name="Title 1">
+            <a:extLst>
+              <a:ext uri="{FF2B5EF4-FFF2-40B4-BE49-F238E27FC236}">
+                <a16:creationId xmlns:a16="http://schemas.microsoft.com/office/drawing/2014/main" id="{72EC63F9-EBDA-4553-98C4-123B1BC18B56}"/>
+              </a:ext>
+            </a:extLst>
+          </p:cNvPr>
+          <p:cNvSpPr>
+            <a:spLocks noGrp="1"/>
+          </p:cNvSpPr>
+          <p:nvPr>
+            <p:ph type="title"/>
+          </p:nvPr>
+        </p:nvSpPr>
+        <p:spPr>
+          <a:xfrm>
+            <a:off x="8013290" y="1041401"/>
+            <a:ext cx="3079006" cy="2345264"/>
+          </a:xfrm>
+        </p:spPr>
+        <p:txBody>
+          <a:bodyPr vert="horz" lIns="91440" tIns="45720" rIns="91440" bIns="45720" rtlCol="0" anchor="b">
+            <a:normAutofit/>
+          </a:bodyPr>
+          <a:lstStyle/>
+          <a:p>
+            <a:r>
+              <a:rPr lang="en-US">
+                <a:solidFill>
+                  <a:srgbClr val="262626"/>
+                </a:solidFill>
+              </a:rPr>
+              <a:t>Time schedule</a:t>
+            </a:r>
+          </a:p>
+        </p:txBody>
+      </p:sp>
+    </p:spTree>
+    <p:extLst>
+      <p:ext uri="{BB962C8B-B14F-4D97-AF65-F5344CB8AC3E}">
+        <p14:creationId xmlns:p14="http://schemas.microsoft.com/office/powerpoint/2010/main" val="749959048"/>
+      </p:ext>
+    </p:extLst>
+  </p:cSld>
+  <p:clrMapOvr>
+    <a:masterClrMapping/>
+  </p:clrMapOvr>
+  <p:transition spd="med">
+    <p:pull/>
+  </p:transition>
+</p:sld>
+</file>
+
+<file path=ppt/slides/slide7.xml><?xml version="1.0" encoding="utf-8"?>
+<p:sld xmlns:a="http://schemas.openxmlformats.org/drawingml/2006/main" xmlns:r="http://schemas.openxmlformats.org/officeDocument/2006/relationships" xmlns:p="http://schemas.openxmlformats.org/presentationml/2006/main">
+  <p:cSld>
+    <p:bg>
+      <p:bgPr>
+        <a:blipFill>
+          <a:blip r:embed="rId2">
+            <a:extLst/>
+          </a:blip>
+          <a:stretch/>
+        </a:blipFill>
+        <a:effectLst/>
+      </p:bgPr>
+    </p:bg>
+    <p:spTree>
+      <p:nvGrpSpPr>
+        <p:cNvPr id="1" name=""/>
+        <p:cNvGrpSpPr/>
+        <p:nvPr/>
+      </p:nvGrpSpPr>
+      <p:grpSpPr>
+        <a:xfrm>
+          <a:off x="0" y="0"/>
+          <a:ext cx="0" cy="0"/>
+          <a:chOff x="0" y="0"/>
+          <a:chExt cx="0" cy="0"/>
+        </a:xfrm>
+      </p:grpSpPr>
+      <p:grpSp>
+        <p:nvGrpSpPr>
+          <p:cNvPr id="10" name="Group 9">
+            <a:extLst>
+              <a:ext uri="{FF2B5EF4-FFF2-40B4-BE49-F238E27FC236}">
+                <a16:creationId xmlns:a16="http://schemas.microsoft.com/office/drawing/2014/main" id="{749C117F-F390-437B-ADB0-57E87EFF34F5}"/>
+              </a:ext>
+            </a:extLst>
+          </p:cNvPr>
+          <p:cNvGrpSpPr>
+            <a:grpSpLocks noGrp="1" noUngrp="1" noRot="1" noChangeAspect="1" noMove="1" noResize="1"/>
+          </p:cNvGrpSpPr>
+          <p:nvPr>
+            <p:extLst>
+              <p:ext uri="{386F3935-93C4-4BCD-93E2-E3B085C9AB24}">
+                <p16:designElem xmlns:p16="http://schemas.microsoft.com/office/powerpoint/2015/main" val="1"/>
+              </p:ext>
+            </p:extLst>
+          </p:nvPr>
+        </p:nvGrpSpPr>
+        <p:grpSpPr>
+          <a:xfrm>
+            <a:off x="-16934" y="0"/>
+            <a:ext cx="12231160" cy="6856214"/>
+            <a:chOff x="-16934" y="0"/>
+            <a:chExt cx="12231160" cy="6856214"/>
+          </a:xfrm>
+        </p:grpSpPr>
+        <p:pic>
+          <p:nvPicPr>
+            <p:cNvPr id="11" name="Picture 10">
+              <a:extLst>
+                <a:ext uri="{FF2B5EF4-FFF2-40B4-BE49-F238E27FC236}">
+                  <a16:creationId xmlns:a16="http://schemas.microsoft.com/office/drawing/2014/main" id="{A7EF42F8-2417-49A6-95CE-DE9503B0AA66}"/>
+                </a:ext>
+              </a:extLst>
+            </p:cNvPr>
+            <p:cNvPicPr>
+              <a:picLocks noChangeAspect="1"/>
+            </p:cNvPicPr>
+            <p:nvPr>
+              <p:extLst>
+                <p:ext uri="{386F3935-93C4-4BCD-93E2-E3B085C9AB24}">
+                  <p16:designElem xmlns:p16="http://schemas.microsoft.com/office/powerpoint/2015/main" val="1"/>
+                </p:ext>
+              </p:extLst>
+            </p:nvPr>
+          </p:nvPicPr>
+          <p:blipFill>
+            <a:blip r:embed="rId3">
+              <a:extLst>
+                <a:ext uri="{28A0092B-C50C-407E-A947-70E740481C1C}">
+                  <a14:useLocalDpi xmlns:a14="http://schemas.microsoft.com/office/drawing/2010/main" val="0"/>
+                </a:ext>
+              </a:extLst>
+            </a:blip>
+            <a:stretch>
+              <a:fillRect/>
+            </a:stretch>
+          </p:blipFill>
+          <p:spPr>
+            <a:xfrm>
+              <a:off x="0" y="0"/>
+              <a:ext cx="12188825" cy="6856214"/>
+            </a:xfrm>
+            <a:prstGeom prst="rect">
+              <a:avLst/>
+            </a:prstGeom>
+          </p:spPr>
+        </p:pic>
+        <p:sp>
+          <p:nvSpPr>
+            <p:cNvPr id="12" name="Rectangle 11">
+              <a:extLst>
+                <a:ext uri="{FF2B5EF4-FFF2-40B4-BE49-F238E27FC236}">
+                  <a16:creationId xmlns:a16="http://schemas.microsoft.com/office/drawing/2014/main" id="{AC6F623B-2003-4AED-B02F-541A150EC143}"/>
+                </a:ext>
+              </a:extLst>
+            </p:cNvPr>
+            <p:cNvSpPr/>
+            <p:nvPr>
+              <p:extLst>
+                <p:ext uri="{386F3935-93C4-4BCD-93E2-E3B085C9AB24}">
+                  <p16:designElem xmlns:p16="http://schemas.microsoft.com/office/powerpoint/2015/main" val="1"/>
+                </p:ext>
+              </p:extLst>
+            </p:nvPr>
+          </p:nvSpPr>
+          <p:spPr>
+            <a:xfrm>
+              <a:off x="2328332" y="1540931"/>
+              <a:ext cx="7543802" cy="3835401"/>
+            </a:xfrm>
+            <a:prstGeom prst="rect">
+              <a:avLst/>
+            </a:prstGeom>
+            <a:noFill/>
+            <a:ln w="15875">
+              <a:miter lim="800000"/>
+            </a:ln>
+          </p:spPr>
+          <p:style>
+            <a:lnRef idx="1">
+              <a:schemeClr val="accent1"/>
+            </a:lnRef>
+            <a:fillRef idx="3">
+              <a:schemeClr val="accent1"/>
+            </a:fillRef>
+            <a:effectRef idx="2">
+              <a:schemeClr val="accent1"/>
+            </a:effectRef>
+            <a:fontRef idx="minor">
+              <a:schemeClr val="lt1"/>
+            </a:fontRef>
+          </p:style>
+        </p:sp>
+        <p:pic>
+          <p:nvPicPr>
+            <p:cNvPr id="13" name="Picture 12">
+              <a:extLst>
+                <a:ext uri="{FF2B5EF4-FFF2-40B4-BE49-F238E27FC236}">
+                  <a16:creationId xmlns:a16="http://schemas.microsoft.com/office/drawing/2014/main" id="{CD11837A-4F3D-419F-ACE2-E80B1EA2846F}"/>
+                </a:ext>
+              </a:extLst>
+            </p:cNvPr>
+            <p:cNvPicPr>
+              <a:picLocks noChangeAspect="1"/>
+            </p:cNvPicPr>
+            <p:nvPr>
+              <p:extLst>
+                <p:ext uri="{386F3935-93C4-4BCD-93E2-E3B085C9AB24}">
+                  <p16:designElem xmlns:p16="http://schemas.microsoft.com/office/powerpoint/2015/main" val="1"/>
+                </p:ext>
+              </p:extLst>
+            </p:nvPr>
+          </p:nvPicPr>
+          <p:blipFill rotWithShape="1">
+            <a:blip r:embed="rId4">
+              <a:extLst>
+                <a:ext uri="{28A0092B-C50C-407E-A947-70E740481C1C}">
+                  <a14:useLocalDpi xmlns:a14="http://schemas.microsoft.com/office/drawing/2010/main" val="0"/>
+                </a:ext>
+              </a:extLst>
+            </a:blip>
+            <a:srcRect/>
+            <a:stretch/>
+          </p:blipFill>
+          <p:spPr>
+            <a:xfrm>
+              <a:off x="-16934" y="3147609"/>
+              <a:ext cx="2478024" cy="612648"/>
+            </a:xfrm>
+            <a:prstGeom prst="rect">
+              <a:avLst/>
+            </a:prstGeom>
+          </p:spPr>
+        </p:pic>
+        <p:pic>
+          <p:nvPicPr>
+            <p:cNvPr id="14" name="Picture 13">
+              <a:extLst>
+                <a:ext uri="{FF2B5EF4-FFF2-40B4-BE49-F238E27FC236}">
+                  <a16:creationId xmlns:a16="http://schemas.microsoft.com/office/drawing/2014/main" id="{B9411D1A-7E2C-4A36-BE32-BF7A8E130723}"/>
+                </a:ext>
+              </a:extLst>
+            </p:cNvPr>
+            <p:cNvPicPr>
+              <a:picLocks noChangeAspect="1"/>
+            </p:cNvPicPr>
+            <p:nvPr>
+              <p:extLst>
+                <p:ext uri="{386F3935-93C4-4BCD-93E2-E3B085C9AB24}">
+                  <p16:designElem xmlns:p16="http://schemas.microsoft.com/office/powerpoint/2015/main" val="1"/>
+                </p:ext>
+              </p:extLst>
+            </p:nvPr>
+          </p:nvPicPr>
+          <p:blipFill rotWithShape="1">
+            <a:blip r:embed="rId4">
+              <a:extLst>
+                <a:ext uri="{28A0092B-C50C-407E-A947-70E740481C1C}">
+                  <a14:useLocalDpi xmlns:a14="http://schemas.microsoft.com/office/drawing/2010/main" val="0"/>
+                </a:ext>
+              </a:extLst>
+            </a:blip>
+            <a:srcRect/>
+            <a:stretch/>
+          </p:blipFill>
+          <p:spPr>
+            <a:xfrm>
+              <a:off x="9736202" y="3147609"/>
+              <a:ext cx="2478024" cy="612648"/>
+            </a:xfrm>
+            <a:prstGeom prst="rect">
+              <a:avLst/>
+            </a:prstGeom>
+          </p:spPr>
+        </p:pic>
+      </p:grpSp>
+      <p:cxnSp>
+        <p:nvCxnSpPr>
+          <p:cNvPr id="16" name="Straight Connector 15">
+            <a:extLst>
+              <a:ext uri="{FF2B5EF4-FFF2-40B4-BE49-F238E27FC236}">
+                <a16:creationId xmlns:a16="http://schemas.microsoft.com/office/drawing/2014/main" id="{20742BC3-654B-4E41-9A6A-73A42E477639}"/>
+              </a:ext>
+            </a:extLst>
+          </p:cNvPr>
+          <p:cNvCxnSpPr>
+            <a:cxnSpLocks noGrp="1" noRot="1" noChangeAspect="1" noMove="1" noResize="1" noEditPoints="1" noAdjustHandles="1" noChangeArrowheads="1" noChangeShapeType="1"/>
+          </p:cNvCxnSpPr>
+          <p:nvPr>
+            <p:extLst>
+              <p:ext uri="{386F3935-93C4-4BCD-93E2-E3B085C9AB24}">
+                <p16:designElem xmlns:p16="http://schemas.microsoft.com/office/powerpoint/2015/main" val="1"/>
+              </p:ext>
+            </p:extLst>
+          </p:nvPr>
+        </p:nvCxnSpPr>
+        <p:spPr>
+          <a:xfrm>
+            <a:off x="2692399" y="3522131"/>
+            <a:ext cx="6815668" cy="0"/>
+          </a:xfrm>
+          <a:prstGeom prst="line">
+            <a:avLst/>
+          </a:prstGeom>
+        </p:spPr>
+        <p:style>
+          <a:lnRef idx="2">
+            <a:schemeClr val="accent1"/>
+          </a:lnRef>
+          <a:fillRef idx="0">
+            <a:schemeClr val="accent1"/>
+          </a:fillRef>
+          <a:effectRef idx="1">
+            <a:schemeClr val="accent1"/>
+          </a:effectRef>
+          <a:fontRef idx="minor">
+            <a:schemeClr val="tx1"/>
+          </a:fontRef>
+        </p:style>
+      </p:cxnSp>
+      <p:sp useBgFill="1">
+        <p:nvSpPr>
+          <p:cNvPr id="18" name="Rectangle 17">
+            <a:extLst>
+              <a:ext uri="{FF2B5EF4-FFF2-40B4-BE49-F238E27FC236}">
+                <a16:creationId xmlns:a16="http://schemas.microsoft.com/office/drawing/2014/main" id="{575E71FA-50BD-43F8-8C98-04339283A93D}"/>
+              </a:ext>
+            </a:extLst>
+          </p:cNvPr>
+          <p:cNvSpPr>
+            <a:spLocks noGrp="1" noRot="1" noChangeAspect="1" noMove="1" noResize="1" noEditPoints="1" noAdjustHandles="1" noChangeArrowheads="1" noChangeShapeType="1" noTextEdit="1"/>
+          </p:cNvSpPr>
+          <p:nvPr>
+            <p:extLst>
+              <p:ext uri="{386F3935-93C4-4BCD-93E2-E3B085C9AB24}">
+                <p16:designElem xmlns:p16="http://schemas.microsoft.com/office/powerpoint/2015/main" val="1"/>
+              </p:ext>
+            </p:extLst>
+          </p:nvPr>
+        </p:nvSpPr>
+        <p:spPr>
+          <a:xfrm>
+            <a:off x="0" y="0"/>
+            <a:ext cx="12188952" cy="6858000"/>
+          </a:xfrm>
+          <a:prstGeom prst="rect">
+            <a:avLst/>
+          </a:prstGeom>
+          <a:ln>
+            <a:noFill/>
+          </a:ln>
+        </p:spPr>
+        <p:style>
+          <a:lnRef idx="2">
+            <a:schemeClr val="accent1">
+              <a:shade val="50000"/>
+            </a:schemeClr>
+          </a:lnRef>
+          <a:fillRef idx="1">
+            <a:schemeClr val="accent1"/>
+          </a:fillRef>
+          <a:effectRef idx="0">
+            <a:schemeClr val="accent1"/>
+          </a:effectRef>
+          <a:fontRef idx="minor">
+            <a:schemeClr val="lt1"/>
+          </a:fontRef>
+        </p:style>
+        <p:txBody>
+          <a:bodyPr rtlCol="0" anchor="ctr"/>
+          <a:lstStyle/>
+          <a:p>
+            <a:pPr algn="ctr"/>
+            <a:endParaRPr lang="en-US"/>
+          </a:p>
+        </p:txBody>
+      </p:sp>
+      <p:grpSp>
+        <p:nvGrpSpPr>
+          <p:cNvPr id="20" name="Group 19">
+            <a:extLst>
+              <a:ext uri="{FF2B5EF4-FFF2-40B4-BE49-F238E27FC236}">
+                <a16:creationId xmlns:a16="http://schemas.microsoft.com/office/drawing/2014/main" id="{CF1AA7F6-A589-4BC8-BC72-2CA6DC908398}"/>
+              </a:ext>
+            </a:extLst>
+          </p:cNvPr>
+          <p:cNvGrpSpPr>
+            <a:grpSpLocks noGrp="1" noUngrp="1" noRot="1" noChangeAspect="1" noMove="1" noResize="1"/>
+          </p:cNvGrpSpPr>
+          <p:nvPr>
+            <p:extLst>
+              <p:ext uri="{386F3935-93C4-4BCD-93E2-E3B085C9AB24}">
+                <p16:designElem xmlns:p16="http://schemas.microsoft.com/office/powerpoint/2015/main" val="1"/>
+              </p:ext>
+            </p:extLst>
+          </p:nvPr>
+        </p:nvGrpSpPr>
+        <p:grpSpPr>
+          <a:xfrm>
+            <a:off x="-15736" y="0"/>
+            <a:ext cx="12229962" cy="6856214"/>
+            <a:chOff x="-15736" y="0"/>
+            <a:chExt cx="12229962" cy="6856214"/>
+          </a:xfrm>
+        </p:grpSpPr>
+        <p:pic>
+          <p:nvPicPr>
+            <p:cNvPr id="21" name="Picture 20">
+              <a:extLst>
+                <a:ext uri="{FF2B5EF4-FFF2-40B4-BE49-F238E27FC236}">
+                  <a16:creationId xmlns:a16="http://schemas.microsoft.com/office/drawing/2014/main" id="{53F5243F-7E41-439E-8991-C4F246D88F68}"/>
+                </a:ext>
+              </a:extLst>
+            </p:cNvPr>
+            <p:cNvPicPr>
+              <a:picLocks noChangeAspect="1"/>
+            </p:cNvPicPr>
+            <p:nvPr>
+              <p:extLst>
+                <p:ext uri="{386F3935-93C4-4BCD-93E2-E3B085C9AB24}">
+                  <p16:designElem xmlns:p16="http://schemas.microsoft.com/office/powerpoint/2015/main" val="1"/>
+                </p:ext>
+              </p:extLst>
+            </p:nvPr>
+          </p:nvPicPr>
+          <p:blipFill>
+            <a:blip r:embed="rId5">
+              <a:extLst>
+                <a:ext uri="{28A0092B-C50C-407E-A947-70E740481C1C}">
+                  <a14:useLocalDpi xmlns:a14="http://schemas.microsoft.com/office/drawing/2010/main" val="0"/>
+                </a:ext>
+              </a:extLst>
+            </a:blip>
+            <a:stretch>
+              <a:fillRect/>
+            </a:stretch>
+          </p:blipFill>
+          <p:spPr>
+            <a:xfrm>
+              <a:off x="0" y="0"/>
+              <a:ext cx="12188825" cy="6856214"/>
+            </a:xfrm>
+            <a:prstGeom prst="rect">
+              <a:avLst/>
+            </a:prstGeom>
+          </p:spPr>
+        </p:pic>
+        <p:sp>
+          <p:nvSpPr>
+            <p:cNvPr id="22" name="Rectangle 21">
+              <a:extLst>
+                <a:ext uri="{FF2B5EF4-FFF2-40B4-BE49-F238E27FC236}">
+                  <a16:creationId xmlns:a16="http://schemas.microsoft.com/office/drawing/2014/main" id="{401A6B5F-1CF1-43AD-9E85-94E187210CFC}"/>
+                </a:ext>
+              </a:extLst>
+            </p:cNvPr>
+            <p:cNvSpPr/>
+            <p:nvPr>
+              <p:extLst>
+                <p:ext uri="{386F3935-93C4-4BCD-93E2-E3B085C9AB24}">
+                  <p16:designElem xmlns:p16="http://schemas.microsoft.com/office/powerpoint/2015/main" val="1"/>
+                </p:ext>
+              </p:extLst>
+            </p:nvPr>
+          </p:nvSpPr>
+          <p:spPr>
+            <a:xfrm>
+              <a:off x="608012" y="609600"/>
+              <a:ext cx="10972800" cy="5638800"/>
+            </a:xfrm>
+            <a:prstGeom prst="rect">
+              <a:avLst/>
+            </a:prstGeom>
+            <a:noFill/>
+            <a:ln w="15875" cap="flat">
+              <a:miter lim="800000"/>
+            </a:ln>
+          </p:spPr>
+          <p:style>
+            <a:lnRef idx="1">
+              <a:schemeClr val="accent1"/>
+            </a:lnRef>
+            <a:fillRef idx="3">
+              <a:schemeClr val="accent1"/>
+            </a:fillRef>
+            <a:effectRef idx="2">
+              <a:schemeClr val="accent1"/>
+            </a:effectRef>
+            <a:fontRef idx="minor">
+              <a:schemeClr val="lt1"/>
+            </a:fontRef>
+          </p:style>
+        </p:sp>
+        <p:pic>
+          <p:nvPicPr>
+            <p:cNvPr id="23" name="Picture 22">
+              <a:extLst>
+                <a:ext uri="{FF2B5EF4-FFF2-40B4-BE49-F238E27FC236}">
+                  <a16:creationId xmlns:a16="http://schemas.microsoft.com/office/drawing/2014/main" id="{2F682A59-7E20-407C-A7F8-582295AC687C}"/>
+                </a:ext>
+              </a:extLst>
+            </p:cNvPr>
+            <p:cNvPicPr>
+              <a:picLocks noChangeAspect="1"/>
+            </p:cNvPicPr>
+            <p:nvPr>
+              <p:extLst>
+                <p:ext uri="{386F3935-93C4-4BCD-93E2-E3B085C9AB24}">
+                  <p16:designElem xmlns:p16="http://schemas.microsoft.com/office/powerpoint/2015/main" val="1"/>
+                </p:ext>
+              </p:extLst>
+            </p:nvPr>
+          </p:nvPicPr>
+          <p:blipFill rotWithShape="1">
+            <a:blip r:embed="rId6">
+              <a:extLst>
+                <a:ext uri="{28A0092B-C50C-407E-A947-70E740481C1C}">
+                  <a14:useLocalDpi xmlns:a14="http://schemas.microsoft.com/office/drawing/2010/main" val="0"/>
+                </a:ext>
+              </a:extLst>
+            </a:blip>
+            <a:srcRect/>
+            <a:stretch/>
+          </p:blipFill>
+          <p:spPr>
+            <a:xfrm>
+              <a:off x="-15736" y="3153832"/>
+              <a:ext cx="777240" cy="606425"/>
+            </a:xfrm>
+            <a:prstGeom prst="rect">
+              <a:avLst/>
+            </a:prstGeom>
+          </p:spPr>
+        </p:pic>
+        <p:pic>
+          <p:nvPicPr>
+            <p:cNvPr id="24" name="Picture 23">
+              <a:extLst>
+                <a:ext uri="{FF2B5EF4-FFF2-40B4-BE49-F238E27FC236}">
+                  <a16:creationId xmlns:a16="http://schemas.microsoft.com/office/drawing/2014/main" id="{5E4AC24E-0670-406E-822F-AAA6DA2010D3}"/>
+                </a:ext>
+              </a:extLst>
+            </p:cNvPr>
+            <p:cNvPicPr>
+              <a:picLocks noChangeAspect="1"/>
+            </p:cNvPicPr>
+            <p:nvPr>
+              <p:extLst>
+                <p:ext uri="{386F3935-93C4-4BCD-93E2-E3B085C9AB24}">
+                  <p16:designElem xmlns:p16="http://schemas.microsoft.com/office/powerpoint/2015/main" val="1"/>
+                </p:ext>
+              </p:extLst>
+            </p:nvPr>
+          </p:nvPicPr>
+          <p:blipFill rotWithShape="1">
+            <a:blip r:embed="rId6">
+              <a:extLst>
+                <a:ext uri="{28A0092B-C50C-407E-A947-70E740481C1C}">
+                  <a14:useLocalDpi xmlns:a14="http://schemas.microsoft.com/office/drawing/2010/main" val="0"/>
+                </a:ext>
+              </a:extLst>
+            </a:blip>
+            <a:srcRect/>
+            <a:stretch/>
+          </p:blipFill>
+          <p:spPr>
+            <a:xfrm>
+              <a:off x="11436986" y="3153832"/>
+              <a:ext cx="777240" cy="606425"/>
+            </a:xfrm>
+            <a:prstGeom prst="rect">
+              <a:avLst/>
+            </a:prstGeom>
+          </p:spPr>
+        </p:pic>
+      </p:grpSp>
+      <p:sp>
+        <p:nvSpPr>
+          <p:cNvPr id="26" name="Rectangle 25">
+            <a:extLst>
+              <a:ext uri="{FF2B5EF4-FFF2-40B4-BE49-F238E27FC236}">
+                <a16:creationId xmlns:a16="http://schemas.microsoft.com/office/drawing/2014/main" id="{E89B1776-F953-4C0F-8E85-E9C66B1EF003}"/>
+              </a:ext>
+            </a:extLst>
+          </p:cNvPr>
+          <p:cNvSpPr>
+            <a:spLocks noGrp="1" noRot="1" noChangeAspect="1" noMove="1" noResize="1" noEditPoints="1" noAdjustHandles="1" noChangeArrowheads="1" noChangeShapeType="1" noTextEdit="1"/>
+          </p:cNvSpPr>
+          <p:nvPr>
+            <p:extLst>
+              <p:ext uri="{386F3935-93C4-4BCD-93E2-E3B085C9AB24}">
+                <p16:designElem xmlns:p16="http://schemas.microsoft.com/office/powerpoint/2015/main" val="1"/>
+              </p:ext>
+            </p:extLst>
+          </p:nvPr>
+        </p:nvSpPr>
+        <p:spPr>
+          <a:xfrm>
+            <a:off x="1092644" y="1092200"/>
+            <a:ext cx="6432130" cy="4515104"/>
+          </a:xfrm>
+          <a:prstGeom prst="rect">
+            <a:avLst/>
+          </a:prstGeom>
+          <a:solidFill>
+            <a:schemeClr val="bg1"/>
+          </a:solidFill>
+          <a:ln w="57150" cmpd="thickThin">
+            <a:solidFill>
+              <a:schemeClr val="tx1">
+                <a:lumMod val="50000"/>
+                <a:lumOff val="50000"/>
+              </a:schemeClr>
+            </a:solidFill>
+            <a:miter lim="800000"/>
+          </a:ln>
+        </p:spPr>
+        <p:style>
+          <a:lnRef idx="2">
+            <a:schemeClr val="accent1">
+              <a:shade val="50000"/>
+            </a:schemeClr>
+          </a:lnRef>
+          <a:fillRef idx="1">
+            <a:schemeClr val="accent1"/>
+          </a:fillRef>
+          <a:effectRef idx="0">
+            <a:schemeClr val="accent1"/>
+          </a:effectRef>
+          <a:fontRef idx="minor">
+            <a:schemeClr val="lt1"/>
+          </a:fontRef>
+        </p:style>
+        <p:txBody>
+          <a:bodyPr rtlCol="0" anchor="ctr"/>
+          <a:lstStyle/>
+          <a:p>
+            <a:pPr algn="ctr"/>
+            <a:endParaRPr lang="en-US"/>
+          </a:p>
+        </p:txBody>
+      </p:sp>
+      <p:pic>
+        <p:nvPicPr>
+          <p:cNvPr id="5" name="Picture 4">
+            <a:extLst>
+              <a:ext uri="{FF2B5EF4-FFF2-40B4-BE49-F238E27FC236}">
+                <a16:creationId xmlns:a16="http://schemas.microsoft.com/office/drawing/2014/main" id="{FC46EA79-3DA4-4500-9BC9-02C19B5643F7}"/>
+              </a:ext>
+            </a:extLst>
+          </p:cNvPr>
+          <p:cNvPicPr>
+            <a:picLocks noChangeAspect="1"/>
+          </p:cNvPicPr>
+          <p:nvPr/>
+        </p:nvPicPr>
+        <p:blipFill>
+          <a:blip r:embed="rId7">
+            <a:extLst>
+              <a:ext uri="{28A0092B-C50C-407E-A947-70E740481C1C}">
+                <a14:useLocalDpi xmlns:a14="http://schemas.microsoft.com/office/drawing/2010/main" val="0"/>
+              </a:ext>
+            </a:extLst>
+          </a:blip>
+          <a:stretch>
+            <a:fillRect/>
+          </a:stretch>
+        </p:blipFill>
+        <p:spPr>
+          <a:xfrm>
+            <a:off x="1412683" y="2291233"/>
+            <a:ext cx="5784083" cy="2096730"/>
+          </a:xfrm>
+          <a:prstGeom prst="rect">
+            <a:avLst/>
+          </a:prstGeom>
+        </p:spPr>
+      </p:pic>
+      <p:cxnSp>
+        <p:nvCxnSpPr>
+          <p:cNvPr id="28" name="Straight Connector 27">
+            <a:extLst>
+              <a:ext uri="{FF2B5EF4-FFF2-40B4-BE49-F238E27FC236}">
+                <a16:creationId xmlns:a16="http://schemas.microsoft.com/office/drawing/2014/main" id="{997356D0-D934-42B9-8291-DF34A3AC0CFE}"/>
+              </a:ext>
+            </a:extLst>
+          </p:cNvPr>
+          <p:cNvCxnSpPr>
+            <a:cxnSpLocks noGrp="1" noRot="1" noChangeAspect="1" noMove="1" noResize="1" noEditPoints="1" noAdjustHandles="1" noChangeArrowheads="1" noChangeShapeType="1"/>
+          </p:cNvCxnSpPr>
+          <p:nvPr>
+            <p:extLst>
+              <p:ext uri="{386F3935-93C4-4BCD-93E2-E3B085C9AB24}">
+                <p16:designElem xmlns:p16="http://schemas.microsoft.com/office/powerpoint/2015/main" val="1"/>
+              </p:ext>
+            </p:extLst>
+          </p:nvPr>
+        </p:nvCxnSpPr>
+        <p:spPr>
+          <a:xfrm>
+            <a:off x="7999431" y="3509772"/>
+            <a:ext cx="3074977" cy="12359"/>
+          </a:xfrm>
+          <a:prstGeom prst="line">
+            <a:avLst/>
+          </a:prstGeom>
+        </p:spPr>
+        <p:style>
+          <a:lnRef idx="2">
+            <a:schemeClr val="accent1"/>
+          </a:lnRef>
+          <a:fillRef idx="0">
+            <a:schemeClr val="accent1"/>
+          </a:fillRef>
+          <a:effectRef idx="1">
+            <a:schemeClr val="accent1"/>
+          </a:effectRef>
+          <a:fontRef idx="minor">
+            <a:schemeClr val="tx1"/>
+          </a:fontRef>
+        </p:style>
+      </p:cxnSp>
+      <p:sp>
+        <p:nvSpPr>
+          <p:cNvPr id="2" name="Title 1">
+            <a:extLst>
+              <a:ext uri="{FF2B5EF4-FFF2-40B4-BE49-F238E27FC236}">
+                <a16:creationId xmlns:a16="http://schemas.microsoft.com/office/drawing/2014/main" id="{EEDA59A8-A917-41E5-B629-0C9402EFE336}"/>
+              </a:ext>
+            </a:extLst>
+          </p:cNvPr>
+          <p:cNvSpPr>
+            <a:spLocks noGrp="1"/>
+          </p:cNvSpPr>
+          <p:nvPr>
+            <p:ph type="title"/>
+          </p:nvPr>
+        </p:nvSpPr>
+        <p:spPr>
+          <a:xfrm>
+            <a:off x="8013290" y="1041401"/>
+            <a:ext cx="3079006" cy="2345264"/>
+          </a:xfrm>
+        </p:spPr>
+        <p:txBody>
+          <a:bodyPr vert="horz" lIns="91440" tIns="45720" rIns="91440" bIns="45720" rtlCol="0" anchor="b">
+            <a:normAutofit/>
+          </a:bodyPr>
+          <a:lstStyle/>
+          <a:p>
+            <a:r>
+              <a:rPr lang="en-US" b="1">
+                <a:solidFill>
+                  <a:srgbClr val="262626"/>
+                </a:solidFill>
+              </a:rPr>
+              <a:t>Burndown chart</a:t>
+            </a:r>
+          </a:p>
+        </p:txBody>
+      </p:sp>
+    </p:spTree>
+    <p:extLst>
+      <p:ext uri="{BB962C8B-B14F-4D97-AF65-F5344CB8AC3E}">
+        <p14:creationId xmlns:p14="http://schemas.microsoft.com/office/powerpoint/2010/main" val="1485127792"/>
+      </p:ext>
+    </p:extLst>
+  </p:cSld>
+  <p:clrMapOvr>
+    <a:masterClrMapping/>
+  </p:clrMapOvr>
+  <p:transition spd="med">
+    <p:pull/>
+  </p:transition>
+</p:sld>
+</file>
+
+<file path=ppt/slides/slide8.xml><?xml version="1.0" encoding="utf-8"?>
+<p:sld xmlns:a="http://schemas.openxmlformats.org/drawingml/2006/main" xmlns:r="http://schemas.openxmlformats.org/officeDocument/2006/relationships" xmlns:p="http://schemas.openxmlformats.org/presentationml/2006/main">
+  <p:cSld>
+    <p:bg>
+      <p:bgPr>
+        <a:blipFill>
+          <a:blip r:embed="rId2">
+            <a:extLst/>
+          </a:blip>
+          <a:stretch/>
+        </a:blipFill>
+        <a:effectLst/>
+      </p:bgPr>
+    </p:bg>
+    <p:spTree>
+      <p:nvGrpSpPr>
+        <p:cNvPr id="1" name=""/>
+        <p:cNvGrpSpPr/>
+        <p:nvPr/>
+      </p:nvGrpSpPr>
+      <p:grpSpPr>
+        <a:xfrm>
+          <a:off x="0" y="0"/>
+          <a:ext cx="0" cy="0"/>
+          <a:chOff x="0" y="0"/>
+          <a:chExt cx="0" cy="0"/>
+        </a:xfrm>
+      </p:grpSpPr>
+      <p:grpSp>
+        <p:nvGrpSpPr>
+          <p:cNvPr id="52" name="Group 51">
+            <a:extLst>
+              <a:ext uri="{FF2B5EF4-FFF2-40B4-BE49-F238E27FC236}">
+                <a16:creationId xmlns:a16="http://schemas.microsoft.com/office/drawing/2014/main" id="{5066F8AE-A5C7-4B3E-B1DA-D0B624059BED}"/>
+              </a:ext>
+            </a:extLst>
+          </p:cNvPr>
+          <p:cNvGrpSpPr>
+            <a:grpSpLocks noGrp="1" noUngrp="1" noRot="1" noChangeAspect="1" noMove="1" noResize="1"/>
+          </p:cNvGrpSpPr>
+          <p:nvPr>
+            <p:extLst>
+              <p:ext uri="{386F3935-93C4-4BCD-93E2-E3B085C9AB24}">
+                <p16:designElem xmlns:p16="http://schemas.microsoft.com/office/powerpoint/2015/main" val="1"/>
+              </p:ext>
+            </p:extLst>
+          </p:nvPr>
+        </p:nvGrpSpPr>
+        <p:grpSpPr>
+          <a:xfrm>
+            <a:off x="-15736" y="0"/>
+            <a:ext cx="12229962" cy="6856214"/>
+            <a:chOff x="-15736" y="0"/>
+            <a:chExt cx="12229962" cy="6856214"/>
+          </a:xfrm>
+        </p:grpSpPr>
+        <p:pic>
+          <p:nvPicPr>
+            <p:cNvPr id="53" name="Picture 52">
+              <a:extLst>
+                <a:ext uri="{FF2B5EF4-FFF2-40B4-BE49-F238E27FC236}">
+                  <a16:creationId xmlns:a16="http://schemas.microsoft.com/office/drawing/2014/main" id="{F78E901E-6697-44E3-9533-1457FA4F0488}"/>
+                </a:ext>
+              </a:extLst>
+            </p:cNvPr>
+            <p:cNvPicPr>
+              <a:picLocks noChangeAspect="1"/>
+            </p:cNvPicPr>
+            <p:nvPr>
+              <p:extLst>
+                <p:ext uri="{386F3935-93C4-4BCD-93E2-E3B085C9AB24}">
+                  <p16:designElem xmlns:p16="http://schemas.microsoft.com/office/powerpoint/2015/main" val="1"/>
+                </p:ext>
+              </p:extLst>
+            </p:nvPr>
+          </p:nvPicPr>
+          <p:blipFill>
+            <a:blip r:embed="rId3">
+              <a:extLst>
+                <a:ext uri="{28A0092B-C50C-407E-A947-70E740481C1C}">
+                  <a14:useLocalDpi xmlns:a14="http://schemas.microsoft.com/office/drawing/2010/main" val="0"/>
+                </a:ext>
+              </a:extLst>
+            </a:blip>
+            <a:stretch>
+              <a:fillRect/>
+            </a:stretch>
+          </p:blipFill>
+          <p:spPr>
+            <a:xfrm>
+              <a:off x="0" y="0"/>
+              <a:ext cx="12188825" cy="6856214"/>
+            </a:xfrm>
+            <a:prstGeom prst="rect">
+              <a:avLst/>
+            </a:prstGeom>
+          </p:spPr>
+        </p:pic>
+        <p:sp>
+          <p:nvSpPr>
+            <p:cNvPr id="54" name="Rectangle 53">
+              <a:extLst>
+                <a:ext uri="{FF2B5EF4-FFF2-40B4-BE49-F238E27FC236}">
+                  <a16:creationId xmlns:a16="http://schemas.microsoft.com/office/drawing/2014/main" id="{C515452A-514A-4763-9932-37302A8D6DBA}"/>
+                </a:ext>
+              </a:extLst>
+            </p:cNvPr>
+            <p:cNvSpPr/>
+            <p:nvPr>
+              <p:extLst>
+                <p:ext uri="{386F3935-93C4-4BCD-93E2-E3B085C9AB24}">
+                  <p16:designElem xmlns:p16="http://schemas.microsoft.com/office/powerpoint/2015/main" val="1"/>
+                </p:ext>
+              </p:extLst>
+            </p:nvPr>
+          </p:nvSpPr>
+          <p:spPr>
+            <a:xfrm>
+              <a:off x="608012" y="609600"/>
+              <a:ext cx="10972800" cy="5638800"/>
+            </a:xfrm>
+            <a:prstGeom prst="rect">
+              <a:avLst/>
+            </a:prstGeom>
+            <a:noFill/>
+            <a:ln w="15875" cap="flat">
+              <a:miter lim="800000"/>
+            </a:ln>
+          </p:spPr>
+          <p:style>
+            <a:lnRef idx="1">
+              <a:schemeClr val="accent1"/>
+            </a:lnRef>
+            <a:fillRef idx="3">
+              <a:schemeClr val="accent1"/>
+            </a:fillRef>
+            <a:effectRef idx="2">
+              <a:schemeClr val="accent1"/>
+            </a:effectRef>
+            <a:fontRef idx="minor">
+              <a:schemeClr val="lt1"/>
+            </a:fontRef>
+          </p:style>
+        </p:sp>
+        <p:pic>
+          <p:nvPicPr>
+            <p:cNvPr id="55" name="Picture 54">
+              <a:extLst>
+                <a:ext uri="{FF2B5EF4-FFF2-40B4-BE49-F238E27FC236}">
+                  <a16:creationId xmlns:a16="http://schemas.microsoft.com/office/drawing/2014/main" id="{D0EC146D-CF08-4B34-ADEB-2F0296F98A14}"/>
+                </a:ext>
+              </a:extLst>
+            </p:cNvPr>
+            <p:cNvPicPr>
+              <a:picLocks noChangeAspect="1"/>
+            </p:cNvPicPr>
+            <p:nvPr>
+              <p:extLst>
+                <p:ext uri="{386F3935-93C4-4BCD-93E2-E3B085C9AB24}">
+                  <p16:designElem xmlns:p16="http://schemas.microsoft.com/office/powerpoint/2015/main" val="1"/>
+                </p:ext>
+              </p:extLst>
+            </p:nvPr>
+          </p:nvPicPr>
+          <p:blipFill rotWithShape="1">
+            <a:blip r:embed="rId4">
+              <a:extLst>
+                <a:ext uri="{28A0092B-C50C-407E-A947-70E740481C1C}">
+                  <a14:useLocalDpi xmlns:a14="http://schemas.microsoft.com/office/drawing/2010/main" val="0"/>
+                </a:ext>
+              </a:extLst>
+            </a:blip>
+            <a:srcRect/>
+            <a:stretch/>
+          </p:blipFill>
+          <p:spPr>
+            <a:xfrm>
+              <a:off x="-15736" y="3153832"/>
+              <a:ext cx="777240" cy="606425"/>
+            </a:xfrm>
+            <a:prstGeom prst="rect">
+              <a:avLst/>
+            </a:prstGeom>
+          </p:spPr>
+        </p:pic>
+        <p:pic>
+          <p:nvPicPr>
+            <p:cNvPr id="56" name="Picture 55">
+              <a:extLst>
+                <a:ext uri="{FF2B5EF4-FFF2-40B4-BE49-F238E27FC236}">
+                  <a16:creationId xmlns:a16="http://schemas.microsoft.com/office/drawing/2014/main" id="{E1FBA240-87AB-400A-9292-7DC6F3E55215}"/>
+                </a:ext>
+              </a:extLst>
+            </p:cNvPr>
+            <p:cNvPicPr>
+              <a:picLocks noChangeAspect="1"/>
+            </p:cNvPicPr>
+            <p:nvPr>
+              <p:extLst>
+                <p:ext uri="{386F3935-93C4-4BCD-93E2-E3B085C9AB24}">
+                  <p16:designElem xmlns:p16="http://schemas.microsoft.com/office/powerpoint/2015/main" val="1"/>
+                </p:ext>
+              </p:extLst>
+            </p:nvPr>
+          </p:nvPicPr>
+          <p:blipFill rotWithShape="1">
+            <a:blip r:embed="rId4">
+              <a:extLst>
+                <a:ext uri="{28A0092B-C50C-407E-A947-70E740481C1C}">
+                  <a14:useLocalDpi xmlns:a14="http://schemas.microsoft.com/office/drawing/2010/main" val="0"/>
+                </a:ext>
+              </a:extLst>
+            </a:blip>
+            <a:srcRect/>
+            <a:stretch/>
+          </p:blipFill>
+          <p:spPr>
+            <a:xfrm>
+              <a:off x="11436986" y="3153832"/>
+              <a:ext cx="777240" cy="606425"/>
+            </a:xfrm>
+            <a:prstGeom prst="rect">
+              <a:avLst/>
+            </a:prstGeom>
+          </p:spPr>
+        </p:pic>
+      </p:grpSp>
+      <p:sp>
+        <p:nvSpPr>
+          <p:cNvPr id="58" name="Rectangle 57">
+            <a:extLst>
+              <a:ext uri="{FF2B5EF4-FFF2-40B4-BE49-F238E27FC236}">
+                <a16:creationId xmlns:a16="http://schemas.microsoft.com/office/drawing/2014/main" id="{E76515AE-5AF4-4983-B0EA-565605252195}"/>
+              </a:ext>
+            </a:extLst>
+          </p:cNvPr>
+          <p:cNvSpPr>
+            <a:spLocks noGrp="1" noRot="1" noChangeAspect="1" noMove="1" noResize="1" noEditPoints="1" noAdjustHandles="1" noChangeArrowheads="1" noChangeShapeType="1" noTextEdit="1"/>
+          </p:cNvSpPr>
+          <p:nvPr>
+            <p:extLst>
+              <p:ext uri="{386F3935-93C4-4BCD-93E2-E3B085C9AB24}">
+                <p16:designElem xmlns:p16="http://schemas.microsoft.com/office/powerpoint/2015/main" val="1"/>
+              </p:ext>
+            </p:extLst>
+          </p:nvPr>
+        </p:nvSpPr>
+        <p:spPr>
+          <a:xfrm>
+            <a:off x="0" y="0"/>
+            <a:ext cx="12192000" cy="6858000"/>
+          </a:xfrm>
+          <a:prstGeom prst="rect">
+            <a:avLst/>
+          </a:prstGeom>
+          <a:solidFill>
+            <a:schemeClr val="tx2">
+              <a:lumMod val="75000"/>
+              <a:lumOff val="25000"/>
+            </a:schemeClr>
+          </a:solidFill>
+          <a:ln>
+            <a:noFill/>
+          </a:ln>
+        </p:spPr>
+        <p:style>
+          <a:lnRef idx="2">
+            <a:schemeClr val="accent1">
+              <a:shade val="50000"/>
+            </a:schemeClr>
+          </a:lnRef>
+          <a:fillRef idx="1">
+            <a:schemeClr val="accent1"/>
+          </a:fillRef>
+          <a:effectRef idx="0">
+            <a:schemeClr val="accent1"/>
+          </a:effectRef>
+          <a:fontRef idx="minor">
+            <a:schemeClr val="lt1"/>
+          </a:fontRef>
+        </p:style>
+        <p:txBody>
+          <a:bodyPr rtlCol="0" anchor="ctr"/>
+          <a:lstStyle/>
+          <a:p>
+            <a:pPr algn="ctr"/>
+            <a:endParaRPr lang="en-US"/>
+          </a:p>
+        </p:txBody>
+      </p:sp>
+      <p:pic>
+        <p:nvPicPr>
+          <p:cNvPr id="5" name="Picture 4" descr="A close up of a map&#10;&#10;Description generated with high confidence">
+            <a:extLst>
+              <a:ext uri="{FF2B5EF4-FFF2-40B4-BE49-F238E27FC236}">
+                <a16:creationId xmlns:a16="http://schemas.microsoft.com/office/drawing/2014/main" id="{2119294B-5F03-4477-9A76-7E3C6807A415}"/>
+              </a:ext>
+            </a:extLst>
+          </p:cNvPr>
+          <p:cNvPicPr>
+            <a:picLocks noChangeAspect="1"/>
+          </p:cNvPicPr>
+          <p:nvPr/>
+        </p:nvPicPr>
+        <p:blipFill rotWithShape="1">
+          <a:blip r:embed="rId5">
+            <a:extLst>
+              <a:ext uri="{28A0092B-C50C-407E-A947-70E740481C1C}">
+                <a14:useLocalDpi xmlns:a14="http://schemas.microsoft.com/office/drawing/2010/main" val="0"/>
+              </a:ext>
+            </a:extLst>
+          </a:blip>
+          <a:srcRect t="11931" r="1" b="1"/>
+          <a:stretch/>
+        </p:blipFill>
+        <p:spPr>
+          <a:xfrm>
+            <a:off x="486138" y="488137"/>
+            <a:ext cx="11227442" cy="5883295"/>
+          </a:xfrm>
+          <a:prstGeom prst="rect">
+            <a:avLst/>
+          </a:prstGeom>
+        </p:spPr>
+      </p:pic>
+      <p:sp>
+        <p:nvSpPr>
+          <p:cNvPr id="72" name="Rectangle 59">
+            <a:extLst>
+              <a:ext uri="{FF2B5EF4-FFF2-40B4-BE49-F238E27FC236}">
+                <a16:creationId xmlns:a16="http://schemas.microsoft.com/office/drawing/2014/main" id="{51C100AB-F99A-49AA-846B-38F018DDD24D}"/>
+              </a:ext>
+            </a:extLst>
+          </p:cNvPr>
+          <p:cNvSpPr>
+            <a:spLocks noGrp="1" noRot="1" noChangeAspect="1" noMove="1" noResize="1" noEditPoints="1" noAdjustHandles="1" noChangeArrowheads="1" noChangeShapeType="1" noTextEdit="1"/>
+          </p:cNvSpPr>
+          <p:nvPr>
+            <p:extLst>
+              <p:ext uri="{386F3935-93C4-4BCD-93E2-E3B085C9AB24}">
+                <p16:designElem xmlns:p16="http://schemas.microsoft.com/office/powerpoint/2015/main" val="1"/>
+              </p:ext>
+            </p:extLst>
+          </p:nvPr>
+        </p:nvSpPr>
+        <p:spPr>
+          <a:xfrm>
+            <a:off x="608012" y="609600"/>
+            <a:ext cx="10972800" cy="5638800"/>
+          </a:xfrm>
+          <a:prstGeom prst="rect">
+            <a:avLst/>
+          </a:prstGeom>
+          <a:noFill/>
+          <a:ln w="15875" cap="flat">
+            <a:solidFill>
+              <a:schemeClr val="bg1"/>
+            </a:solidFill>
+            <a:miter lim="800000"/>
+          </a:ln>
+        </p:spPr>
+        <p:style>
+          <a:lnRef idx="1">
+            <a:schemeClr val="accent1"/>
+          </a:lnRef>
+          <a:fillRef idx="3">
+            <a:schemeClr val="accent1"/>
+          </a:fillRef>
+          <a:effectRef idx="2">
+            <a:schemeClr val="accent1"/>
+          </a:effectRef>
+          <a:fontRef idx="minor">
+            <a:schemeClr val="lt1"/>
+          </a:fontRef>
+        </p:style>
+      </p:sp>
+    </p:spTree>
+    <p:extLst>
+      <p:ext uri="{BB962C8B-B14F-4D97-AF65-F5344CB8AC3E}">
+        <p14:creationId xmlns:p14="http://schemas.microsoft.com/office/powerpoint/2010/main" val="2270611186"/>
+      </p:ext>
+    </p:extLst>
+  </p:cSld>
+  <p:clrMapOvr>
+    <a:masterClrMapping/>
+  </p:clrMapOvr>
+  <p:transition spd="med">
+    <p:pull/>
+  </p:transition>
+</p:sld>
+</file>
+
+<file path=ppt/slides/slide9.xml><?xml version="1.0" encoding="utf-8"?>
+<p:sld xmlns:a="http://schemas.openxmlformats.org/drawingml/2006/main" xmlns:r="http://schemas.openxmlformats.org/officeDocument/2006/relationships" xmlns:p="http://schemas.openxmlformats.org/presentationml/2006/main">
+  <p:cSld>
+    <p:bg>
+      <p:bgPr>
+        <a:blipFill>
+          <a:blip r:embed="rId2">
+            <a:extLst/>
+          </a:blip>
+          <a:stretch/>
+        </a:blipFill>
+        <a:effectLst/>
+      </p:bgPr>
+    </p:bg>
+    <p:spTree>
+      <p:nvGrpSpPr>
+        <p:cNvPr id="1" name=""/>
+        <p:cNvGrpSpPr/>
+        <p:nvPr/>
+      </p:nvGrpSpPr>
+      <p:grpSpPr>
+        <a:xfrm>
+          <a:off x="0" y="0"/>
+          <a:ext cx="0" cy="0"/>
+          <a:chOff x="0" y="0"/>
+          <a:chExt cx="0" cy="0"/>
+        </a:xfrm>
+      </p:grpSpPr>
+      <p:grpSp>
+        <p:nvGrpSpPr>
+          <p:cNvPr id="30" name="Group 9">
+            <a:extLst>
+              <a:ext uri="{FF2B5EF4-FFF2-40B4-BE49-F238E27FC236}">
+                <a16:creationId xmlns:a16="http://schemas.microsoft.com/office/drawing/2014/main" id="{749C117F-F390-437B-ADB0-57E87EFF34F5}"/>
+              </a:ext>
+            </a:extLst>
+          </p:cNvPr>
+          <p:cNvGrpSpPr>
+            <a:grpSpLocks noGrp="1" noUngrp="1" noRot="1" noChangeAspect="1" noMove="1" noResize="1"/>
+          </p:cNvGrpSpPr>
+          <p:nvPr>
+            <p:extLst>
+              <p:ext uri="{386F3935-93C4-4BCD-93E2-E3B085C9AB24}">
+                <p16:designElem xmlns:p16="http://schemas.microsoft.com/office/powerpoint/2015/main" val="1"/>
+              </p:ext>
+            </p:extLst>
+          </p:nvPr>
+        </p:nvGrpSpPr>
+        <p:grpSpPr>
+          <a:xfrm>
+            <a:off x="-16934" y="0"/>
+            <a:ext cx="12231160" cy="6856214"/>
+            <a:chOff x="-16934" y="0"/>
+            <a:chExt cx="12231160" cy="6856214"/>
+          </a:xfrm>
+        </p:grpSpPr>
+        <p:pic>
+          <p:nvPicPr>
+            <p:cNvPr id="11" name="Picture 10">
+              <a:extLst>
+                <a:ext uri="{FF2B5EF4-FFF2-40B4-BE49-F238E27FC236}">
+                  <a16:creationId xmlns:a16="http://schemas.microsoft.com/office/drawing/2014/main" id="{A7EF42F8-2417-49A6-95CE-DE9503B0AA66}"/>
+                </a:ext>
+              </a:extLst>
+            </p:cNvPr>
+            <p:cNvPicPr>
+              <a:picLocks noChangeAspect="1"/>
+            </p:cNvPicPr>
+            <p:nvPr>
+              <p:extLst>
+                <p:ext uri="{386F3935-93C4-4BCD-93E2-E3B085C9AB24}">
+                  <p16:designElem xmlns:p16="http://schemas.microsoft.com/office/powerpoint/2015/main" val="1"/>
+                </p:ext>
+              </p:extLst>
+            </p:nvPr>
+          </p:nvPicPr>
+          <p:blipFill>
+            <a:blip r:embed="rId3">
+              <a:extLst>
+                <a:ext uri="{28A0092B-C50C-407E-A947-70E740481C1C}">
+                  <a14:useLocalDpi xmlns:a14="http://schemas.microsoft.com/office/drawing/2010/main" val="0"/>
+                </a:ext>
+              </a:extLst>
+            </a:blip>
+            <a:stretch>
+              <a:fillRect/>
+            </a:stretch>
+          </p:blipFill>
+          <p:spPr>
+            <a:xfrm>
+              <a:off x="0" y="0"/>
+              <a:ext cx="12188825" cy="6856214"/>
+            </a:xfrm>
+            <a:prstGeom prst="rect">
+              <a:avLst/>
+            </a:prstGeom>
+          </p:spPr>
+        </p:pic>
+        <p:sp>
+          <p:nvSpPr>
+            <p:cNvPr id="12" name="Rectangle 11">
+              <a:extLst>
+                <a:ext uri="{FF2B5EF4-FFF2-40B4-BE49-F238E27FC236}">
+                  <a16:creationId xmlns:a16="http://schemas.microsoft.com/office/drawing/2014/main" id="{AC6F623B-2003-4AED-B02F-541A150EC143}"/>
+                </a:ext>
+              </a:extLst>
+            </p:cNvPr>
+            <p:cNvSpPr/>
+            <p:nvPr>
+              <p:extLst>
+                <p:ext uri="{386F3935-93C4-4BCD-93E2-E3B085C9AB24}">
+                  <p16:designElem xmlns:p16="http://schemas.microsoft.com/office/powerpoint/2015/main" val="1"/>
+                </p:ext>
+              </p:extLst>
+            </p:nvPr>
+          </p:nvSpPr>
+          <p:spPr>
+            <a:xfrm>
+              <a:off x="2328332" y="1540931"/>
+              <a:ext cx="7543802" cy="3835401"/>
+            </a:xfrm>
+            <a:prstGeom prst="rect">
+              <a:avLst/>
+            </a:prstGeom>
+            <a:noFill/>
+            <a:ln w="15875">
+              <a:miter lim="800000"/>
+            </a:ln>
+          </p:spPr>
+          <p:style>
+            <a:lnRef idx="1">
+              <a:schemeClr val="accent1"/>
+            </a:lnRef>
+            <a:fillRef idx="3">
+              <a:schemeClr val="accent1"/>
+            </a:fillRef>
+            <a:effectRef idx="2">
+              <a:schemeClr val="accent1"/>
+            </a:effectRef>
+            <a:fontRef idx="minor">
+              <a:schemeClr val="lt1"/>
+            </a:fontRef>
+          </p:style>
+        </p:sp>
+        <p:pic>
+          <p:nvPicPr>
+            <p:cNvPr id="13" name="Picture 12">
+              <a:extLst>
+                <a:ext uri="{FF2B5EF4-FFF2-40B4-BE49-F238E27FC236}">
+                  <a16:creationId xmlns:a16="http://schemas.microsoft.com/office/drawing/2014/main" id="{CD11837A-4F3D-419F-ACE2-E80B1EA2846F}"/>
+                </a:ext>
+              </a:extLst>
+            </p:cNvPr>
+            <p:cNvPicPr>
+              <a:picLocks noChangeAspect="1"/>
+            </p:cNvPicPr>
+            <p:nvPr>
+              <p:extLst>
+                <p:ext uri="{386F3935-93C4-4BCD-93E2-E3B085C9AB24}">
+                  <p16:designElem xmlns:p16="http://schemas.microsoft.com/office/powerpoint/2015/main" val="1"/>
+                </p:ext>
+              </p:extLst>
+            </p:nvPr>
+          </p:nvPicPr>
+          <p:blipFill rotWithShape="1">
+            <a:blip r:embed="rId4">
+              <a:extLst>
+                <a:ext uri="{28A0092B-C50C-407E-A947-70E740481C1C}">
+                  <a14:useLocalDpi xmlns:a14="http://schemas.microsoft.com/office/drawing/2010/main" val="0"/>
+                </a:ext>
+              </a:extLst>
+            </a:blip>
+            <a:srcRect/>
+            <a:stretch/>
+          </p:blipFill>
+          <p:spPr>
+            <a:xfrm>
+              <a:off x="-16934" y="3147609"/>
+              <a:ext cx="2478024" cy="612648"/>
+            </a:xfrm>
+            <a:prstGeom prst="rect">
+              <a:avLst/>
+            </a:prstGeom>
+          </p:spPr>
+        </p:pic>
+        <p:pic>
+          <p:nvPicPr>
+            <p:cNvPr id="14" name="Picture 13">
+              <a:extLst>
+                <a:ext uri="{FF2B5EF4-FFF2-40B4-BE49-F238E27FC236}">
+                  <a16:creationId xmlns:a16="http://schemas.microsoft.com/office/drawing/2014/main" id="{B9411D1A-7E2C-4A36-BE32-BF7A8E130723}"/>
+                </a:ext>
+              </a:extLst>
+            </p:cNvPr>
+            <p:cNvPicPr>
+              <a:picLocks noChangeAspect="1"/>
+            </p:cNvPicPr>
+            <p:nvPr>
+              <p:extLst>
+                <p:ext uri="{386F3935-93C4-4BCD-93E2-E3B085C9AB24}">
+                  <p16:designElem xmlns:p16="http://schemas.microsoft.com/office/powerpoint/2015/main" val="1"/>
                 </p:ext>
               </p:extLst>
             </p:nvPr>
@@ -23182,7 +24273,7 @@
           <p:cNvPr id="31" name="Straight Connector 15">
             <a:extLst>
               <a:ext uri="{FF2B5EF4-FFF2-40B4-BE49-F238E27FC236}">
-                <a16:creationId xmlns:a16="http://schemas.microsoft.com/office/drawing/2014/main" xmlns="" id="{20742BC3-654B-4E41-9A6A-73A42E477639}"/>
+                <a16:creationId xmlns:a16="http://schemas.microsoft.com/office/drawing/2014/main" id="{20742BC3-654B-4E41-9A6A-73A42E477639}"/>
               </a:ext>
             </a:extLst>
           </p:cNvPr>
@@ -23192,7 +24283,7 @@
           <p:nvPr>
             <p:extLst>
               <p:ext uri="{386F3935-93C4-4BCD-93E2-E3B085C9AB24}">
-                <p16:designElem xmlns:p16="http://schemas.microsoft.com/office/powerpoint/2015/main" xmlns="" val="1"/>
+                <p16:designElem xmlns:p16="http://schemas.microsoft.com/office/powerpoint/2015/main" val="1"/>
               </p:ext>
             </p:extLst>
           </p:nvPr>
@@ -23226,7 +24317,7 @@
           <p:cNvPr id="32" name="Rectangle 17">
             <a:extLst>
               <a:ext uri="{FF2B5EF4-FFF2-40B4-BE49-F238E27FC236}">
-                <a16:creationId xmlns:a16="http://schemas.microsoft.com/office/drawing/2014/main" xmlns="" id="{28FA177F-145C-478A-A7ED-8D021CE76B3B}"/>
+                <a16:creationId xmlns:a16="http://schemas.microsoft.com/office/drawing/2014/main" id="{28FA177F-145C-478A-A7ED-8D021CE76B3B}"/>
               </a:ext>
             </a:extLst>
           </p:cNvPr>
@@ -23236,7 +24327,7 @@
           <p:nvPr>
             <p:extLst>
               <p:ext uri="{386F3935-93C4-4BCD-93E2-E3B085C9AB24}">
-                <p16:designElem xmlns:p16="http://schemas.microsoft.com/office/powerpoint/2015/main" xmlns="" val="1"/>
+                <p16:designElem xmlns:p16="http://schemas.microsoft.com/office/powerpoint/2015/main" val="1"/>
               </p:ext>
             </p:extLst>
           </p:nvPr>
@@ -23283,7 +24374,7 @@
           <p:cNvPr id="33" name="Group 19">
             <a:extLst>
               <a:ext uri="{FF2B5EF4-FFF2-40B4-BE49-F238E27FC236}">
-                <a16:creationId xmlns:a16="http://schemas.microsoft.com/office/drawing/2014/main" xmlns="" id="{1A96A522-1258-462E-AFC5-F5E3F14110E3}"/>
+                <a16:creationId xmlns:a16="http://schemas.microsoft.com/office/drawing/2014/main" id="{1A96A522-1258-462E-AFC5-F5E3F14110E3}"/>
               </a:ext>
             </a:extLst>
           </p:cNvPr>
@@ -23293,7 +24384,7 @@
           <p:nvPr>
             <p:extLst>
               <p:ext uri="{386F3935-93C4-4BCD-93E2-E3B085C9AB24}">
-                <p16:designElem xmlns:p16="http://schemas.microsoft.com/office/powerpoint/2015/main" xmlns="" val="1"/>
+                <p16:designElem xmlns:p16="http://schemas.microsoft.com/office/powerpoint/2015/main" val="1"/>
               </p:ext>
             </p:extLst>
           </p:nvPr>
@@ -23311,7 +24402,7 @@
             <p:cNvPr id="21" name="Picture 20">
               <a:extLst>
                 <a:ext uri="{FF2B5EF4-FFF2-40B4-BE49-F238E27FC236}">
-                  <a16:creationId xmlns:a16="http://schemas.microsoft.com/office/drawing/2014/main" xmlns="" id="{ECD43597-59D1-4246-A90D-26FE2B6081B0}"/>
+                  <a16:creationId xmlns:a16="http://schemas.microsoft.com/office/drawing/2014/main" id="{ECD43597-59D1-4246-A90D-26FE2B6081B0}"/>
                 </a:ext>
               </a:extLst>
             </p:cNvPr>
@@ -23321,7 +24412,7 @@
             <p:nvPr>
               <p:extLst>
                 <p:ext uri="{386F3935-93C4-4BCD-93E2-E3B085C9AB24}">
-                  <p16:designElem xmlns:p16="http://schemas.microsoft.com/office/powerpoint/2015/main" xmlns="" val="1"/>
+                  <p16:designElem xmlns:p16="http://schemas.microsoft.com/office/powerpoint/2015/main" val="1"/>
                 </p:ext>
               </p:extLst>
             </p:nvPr>
@@ -23353,7 +24444,7 @@
             <p:cNvPr id="22" name="Rectangle 21">
               <a:extLst>
                 <a:ext uri="{FF2B5EF4-FFF2-40B4-BE49-F238E27FC236}">
-                  <a16:creationId xmlns:a16="http://schemas.microsoft.com/office/drawing/2014/main" xmlns="" id="{2ED48CD8-BE7A-4992-8570-58DEE9826AAB}"/>
+                  <a16:creationId xmlns:a16="http://schemas.microsoft.com/office/drawing/2014/main" id="{2ED48CD8-BE7A-4992-8570-58DEE9826AAB}"/>
                 </a:ext>
               </a:extLst>
             </p:cNvPr>
@@ -23361,7 +24452,7 @@
             <p:nvPr>
               <p:extLst>
                 <p:ext uri="{386F3935-93C4-4BCD-93E2-E3B085C9AB24}">
-                  <p16:designElem xmlns:p16="http://schemas.microsoft.com/office/powerpoint/2015/main" xmlns="" val="1"/>
+                  <p16:designElem xmlns:p16="http://schemas.microsoft.com/office/powerpoint/2015/main" val="1"/>
                 </p:ext>
               </p:extLst>
             </p:nvPr>
@@ -23399,7 +24490,7 @@
             <p:cNvPr id="23" name="Picture 22">
               <a:extLst>
                 <a:ext uri="{FF2B5EF4-FFF2-40B4-BE49-F238E27FC236}">
-                  <a16:creationId xmlns:a16="http://schemas.microsoft.com/office/drawing/2014/main" xmlns="" id="{9A68BD7C-72FC-4E92-88BB-3401D485D2B7}"/>
+                  <a16:creationId xmlns:a16="http://schemas.microsoft.com/office/drawing/2014/main" id="{9A68BD7C-72FC-4E92-88BB-3401D485D2B7}"/>
                 </a:ext>
               </a:extLst>
             </p:cNvPr>
@@ -23409,7 +24500,7 @@
             <p:nvPr>
               <p:extLst>
                 <p:ext uri="{386F3935-93C4-4BCD-93E2-E3B085C9AB24}">
-                  <p16:designElem xmlns:p16="http://schemas.microsoft.com/office/powerpoint/2015/main" xmlns="" val="1"/>
+                  <p16:designElem xmlns:p16="http://schemas.microsoft.com/office/powerpoint/2015/main" val="1"/>
                 </p:ext>
               </p:extLst>
             </p:nvPr>
@@ -23440,7 +24531,7 @@
             <p:cNvPr id="24" name="Picture 23">
               <a:extLst>
                 <a:ext uri="{FF2B5EF4-FFF2-40B4-BE49-F238E27FC236}">
-                  <a16:creationId xmlns:a16="http://schemas.microsoft.com/office/drawing/2014/main" xmlns="" id="{C8B73423-E00D-4FC9-9873-0C259A14BC19}"/>
+                  <a16:creationId xmlns:a16="http://schemas.microsoft.com/office/drawing/2014/main" id="{C8B73423-E00D-4FC9-9873-0C259A14BC19}"/>
                 </a:ext>
               </a:extLst>
             </p:cNvPr>
@@ -23450,7 +24541,7 @@
             <p:nvPr>
               <p:extLst>
                 <p:ext uri="{386F3935-93C4-4BCD-93E2-E3B085C9AB24}">
-                  <p16:designElem xmlns:p16="http://schemas.microsoft.com/office/powerpoint/2015/main" xmlns="" val="1"/>
+                  <p16:designElem xmlns:p16="http://schemas.microsoft.com/office/powerpoint/2015/main" val="1"/>
                 </p:ext>
               </p:extLst>
             </p:nvPr>
@@ -23482,7 +24573,7 @@
           <p:cNvPr id="34" name="Rectangle 25">
             <a:extLst>
               <a:ext uri="{FF2B5EF4-FFF2-40B4-BE49-F238E27FC236}">
-                <a16:creationId xmlns:a16="http://schemas.microsoft.com/office/drawing/2014/main" xmlns="" id="{22EEABFB-D1AB-4BFF-84FC-449548E93E09}"/>
+                <a16:creationId xmlns:a16="http://schemas.microsoft.com/office/drawing/2014/main" id="{22EEABFB-D1AB-4BFF-84FC-449548E93E09}"/>
               </a:ext>
             </a:extLst>
           </p:cNvPr>
@@ -23492,7 +24583,7 @@
           <p:nvPr>
             <p:extLst>
               <p:ext uri="{386F3935-93C4-4BCD-93E2-E3B085C9AB24}">
-                <p16:designElem xmlns:p16="http://schemas.microsoft.com/office/powerpoint/2015/main" xmlns="" val="1"/>
+                <p16:designElem xmlns:p16="http://schemas.microsoft.com/office/powerpoint/2015/main" val="1"/>
               </p:ext>
             </p:extLst>
           </p:nvPr>
@@ -23548,7 +24639,7 @@
           <p:cNvPr id="5" name="Picture 4">
             <a:extLst>
               <a:ext uri="{FF2B5EF4-FFF2-40B4-BE49-F238E27FC236}">
-                <a16:creationId xmlns:a16="http://schemas.microsoft.com/office/drawing/2014/main" xmlns="" id="{0B68B590-EA03-49FF-87C1-2DE6050638A1}"/>
+                <a16:creationId xmlns:a16="http://schemas.microsoft.com/office/drawing/2014/main" id="{0B68B590-EA03-49FF-87C1-2DE6050638A1}"/>
               </a:ext>
             </a:extLst>
           </p:cNvPr>
@@ -23584,7 +24675,7 @@
           <p:cNvPr id="35" name="Straight Connector 27">
             <a:extLst>
               <a:ext uri="{FF2B5EF4-FFF2-40B4-BE49-F238E27FC236}">
-                <a16:creationId xmlns:a16="http://schemas.microsoft.com/office/drawing/2014/main" xmlns="" id="{4231BC86-8965-4F95-9FD9-76313A7D601B}"/>
+                <a16:creationId xmlns:a16="http://schemas.microsoft.com/office/drawing/2014/main" id="{4231BC86-8965-4F95-9FD9-76313A7D601B}"/>
               </a:ext>
             </a:extLst>
           </p:cNvPr>
@@ -23594,7 +24685,7 @@
           <p:nvPr>
             <p:extLst>
               <p:ext uri="{386F3935-93C4-4BCD-93E2-E3B085C9AB24}">
-                <p16:designElem xmlns:p16="http://schemas.microsoft.com/office/powerpoint/2015/main" xmlns="" val="1"/>
+                <p16:designElem xmlns:p16="http://schemas.microsoft.com/office/powerpoint/2015/main" val="1"/>
               </p:ext>
             </p:extLst>
           </p:nvPr>
@@ -23628,7 +24719,7 @@
           <p:cNvPr id="2" name="Title 1">
             <a:extLst>
               <a:ext uri="{FF2B5EF4-FFF2-40B4-BE49-F238E27FC236}">
-                <a16:creationId xmlns:a16="http://schemas.microsoft.com/office/drawing/2014/main" xmlns="" id="{5198B0F5-6E62-43AD-A853-FCD9869072BD}"/>
+                <a16:creationId xmlns:a16="http://schemas.microsoft.com/office/drawing/2014/main" id="{5198B0F5-6E62-43AD-A853-FCD9869072BD}"/>
               </a:ext>
             </a:extLst>
           </p:cNvPr>

--- a/SDJ2 Assignment Group 4 - VIA Engineering/SDJ Assignment 1 Presentation.pptx
+++ b/SDJ2 Assignment Group 4 - VIA Engineering/SDJ Assignment 1 Presentation.pptx
@@ -24,7 +24,7 @@
     <p:sldId id="269" r:id="rId15"/>
     <p:sldId id="270" r:id="rId16"/>
     <p:sldId id="273" r:id="rId17"/>
-    <p:sldId id="275" r:id="rId18"/>
+    <p:sldId id="276" r:id="rId18"/>
     <p:sldId id="272" r:id="rId19"/>
     <p:sldId id="274" r:id="rId20"/>
   </p:sldIdLst>
@@ -9698,7 +9698,7 @@
           <a:p>
             <a:fld id="{97620C65-498F-4DEE-94AA-5E3B7423FAA0}" type="datetimeFigureOut">
               <a:rPr lang="aa-ET" smtClean="0"/>
-              <a:t>05/09/2018</a:t>
+              <a:t>05/16/2018</a:t>
             </a:fld>
             <a:endParaRPr lang="aa-ET"/>
           </a:p>
@@ -9857,7 +9857,7 @@
           <a:p>
             <a:fld id="{B6262096-A332-4542-8F23-8598EC47EEF0}" type="slidenum">
               <a:rPr lang="aa-ET" smtClean="0"/>
-              <a:t>‹#›</a:t>
+              <a:t>‹nr.›</a:t>
             </a:fld>
             <a:endParaRPr lang="aa-ET"/>
           </a:p>
@@ -10125,6 +10125,90 @@
     <p:extLst>
       <p:ext uri="{BB962C8B-B14F-4D97-AF65-F5344CB8AC3E}">
         <p14:creationId xmlns:p14="http://schemas.microsoft.com/office/powerpoint/2010/main" val="3035695367"/>
+      </p:ext>
+    </p:extLst>
+  </p:cSld>
+  <p:clrMapOvr>
+    <a:masterClrMapping/>
+  </p:clrMapOvr>
+</p:notes>
+</file>
+
+<file path=ppt/notesSlides/notesSlide3.xml><?xml version="1.0" encoding="utf-8"?>
+<p:notes xmlns:a="http://schemas.openxmlformats.org/drawingml/2006/main" xmlns:r="http://schemas.openxmlformats.org/officeDocument/2006/relationships" xmlns:p="http://schemas.openxmlformats.org/presentationml/2006/main">
+  <p:cSld>
+    <p:spTree>
+      <p:nvGrpSpPr>
+        <p:cNvPr id="1" name=""/>
+        <p:cNvGrpSpPr/>
+        <p:nvPr/>
+      </p:nvGrpSpPr>
+      <p:grpSpPr>
+        <a:xfrm>
+          <a:off x="0" y="0"/>
+          <a:ext cx="0" cy="0"/>
+          <a:chOff x="0" y="0"/>
+          <a:chExt cx="0" cy="0"/>
+        </a:xfrm>
+      </p:grpSpPr>
+      <p:sp>
+        <p:nvSpPr>
+          <p:cNvPr id="2" name="Pladsholder til slidebillede 1"/>
+          <p:cNvSpPr>
+            <a:spLocks noGrp="1" noRot="1" noChangeAspect="1"/>
+          </p:cNvSpPr>
+          <p:nvPr>
+            <p:ph type="sldImg"/>
+          </p:nvPr>
+        </p:nvSpPr>
+        <p:spPr/>
+      </p:sp>
+      <p:sp>
+        <p:nvSpPr>
+          <p:cNvPr id="3" name="Pladsholder til noter 2"/>
+          <p:cNvSpPr>
+            <a:spLocks noGrp="1"/>
+          </p:cNvSpPr>
+          <p:nvPr>
+            <p:ph type="body" idx="1"/>
+          </p:nvPr>
+        </p:nvSpPr>
+        <p:spPr/>
+        <p:txBody>
+          <a:bodyPr/>
+          <a:lstStyle/>
+          <a:p>
+            <a:endParaRPr lang="en-GB" dirty="0"/>
+          </a:p>
+        </p:txBody>
+      </p:sp>
+      <p:sp>
+        <p:nvSpPr>
+          <p:cNvPr id="4" name="Pladsholder til slidenummer 3"/>
+          <p:cNvSpPr>
+            <a:spLocks noGrp="1"/>
+          </p:cNvSpPr>
+          <p:nvPr>
+            <p:ph type="sldNum" sz="quarter" idx="10"/>
+          </p:nvPr>
+        </p:nvSpPr>
+        <p:spPr/>
+        <p:txBody>
+          <a:bodyPr/>
+          <a:lstStyle/>
+          <a:p>
+            <a:fld id="{B6262096-A332-4542-8F23-8598EC47EEF0}" type="slidenum">
+              <a:rPr lang="aa-ET" smtClean="0"/>
+              <a:t>18</a:t>
+            </a:fld>
+            <a:endParaRPr lang="aa-ET"/>
+          </a:p>
+        </p:txBody>
+      </p:sp>
+    </p:spTree>
+    <p:extLst>
+      <p:ext uri="{BB962C8B-B14F-4D97-AF65-F5344CB8AC3E}">
+        <p14:creationId xmlns:p14="http://schemas.microsoft.com/office/powerpoint/2010/main" val="3242782743"/>
       </p:ext>
     </p:extLst>
   </p:cSld>
@@ -10465,7 +10549,7 @@
           <a:p>
             <a:fld id="{1DAA98A6-9CDE-4C4B-96AD-64651D9891DB}" type="datetimeFigureOut">
               <a:rPr lang="aa-ET" smtClean="0"/>
-              <a:t>05/09/2018</a:t>
+              <a:t>05/16/2018</a:t>
             </a:fld>
             <a:endParaRPr lang="aa-ET"/>
           </a:p>
@@ -10517,7 +10601,7 @@
           <a:p>
             <a:fld id="{BB4E0C7B-466A-4CBA-8DAA-31FBE5C17616}" type="slidenum">
               <a:rPr lang="aa-ET" smtClean="0"/>
-              <a:t>‹#›</a:t>
+              <a:t>‹nr.›</a:t>
             </a:fld>
             <a:endParaRPr lang="aa-ET"/>
           </a:p>
@@ -10789,7 +10873,7 @@
           <a:p>
             <a:fld id="{1DAA98A6-9CDE-4C4B-96AD-64651D9891DB}" type="datetimeFigureOut">
               <a:rPr lang="aa-ET" smtClean="0"/>
-              <a:t>05/09/2018</a:t>
+              <a:t>05/16/2018</a:t>
             </a:fld>
             <a:endParaRPr lang="aa-ET"/>
           </a:p>
@@ -10831,7 +10915,7 @@
           <a:p>
             <a:fld id="{BB4E0C7B-466A-4CBA-8DAA-31FBE5C17616}" type="slidenum">
               <a:rPr lang="aa-ET" smtClean="0"/>
-              <a:t>‹#›</a:t>
+              <a:t>‹nr.›</a:t>
             </a:fld>
             <a:endParaRPr lang="aa-ET"/>
           </a:p>
@@ -11037,7 +11121,7 @@
           <a:p>
             <a:fld id="{1DAA98A6-9CDE-4C4B-96AD-64651D9891DB}" type="datetimeFigureOut">
               <a:rPr lang="aa-ET" smtClean="0"/>
-              <a:t>05/09/2018</a:t>
+              <a:t>05/16/2018</a:t>
             </a:fld>
             <a:endParaRPr lang="aa-ET"/>
           </a:p>
@@ -11079,7 +11163,7 @@
           <a:p>
             <a:fld id="{BB4E0C7B-466A-4CBA-8DAA-31FBE5C17616}" type="slidenum">
               <a:rPr lang="aa-ET" smtClean="0"/>
-              <a:t>‹#›</a:t>
+              <a:t>‹nr.›</a:t>
             </a:fld>
             <a:endParaRPr lang="aa-ET"/>
           </a:p>
@@ -11376,7 +11460,7 @@
           <a:p>
             <a:fld id="{1DAA98A6-9CDE-4C4B-96AD-64651D9891DB}" type="datetimeFigureOut">
               <a:rPr lang="aa-ET" smtClean="0"/>
-              <a:t>05/09/2018</a:t>
+              <a:t>05/16/2018</a:t>
             </a:fld>
             <a:endParaRPr lang="aa-ET"/>
           </a:p>
@@ -11418,7 +11502,7 @@
           <a:p>
             <a:fld id="{BB4E0C7B-466A-4CBA-8DAA-31FBE5C17616}" type="slidenum">
               <a:rPr lang="aa-ET" smtClean="0"/>
-              <a:t>‹#›</a:t>
+              <a:t>‹nr.›</a:t>
             </a:fld>
             <a:endParaRPr lang="aa-ET"/>
           </a:p>
@@ -11723,7 +11807,7 @@
           <a:p>
             <a:fld id="{1DAA98A6-9CDE-4C4B-96AD-64651D9891DB}" type="datetimeFigureOut">
               <a:rPr lang="aa-ET" smtClean="0"/>
-              <a:t>05/09/2018</a:t>
+              <a:t>05/16/2018</a:t>
             </a:fld>
             <a:endParaRPr lang="aa-ET"/>
           </a:p>
@@ -11765,7 +11849,7 @@
           <a:p>
             <a:fld id="{BB4E0C7B-466A-4CBA-8DAA-31FBE5C17616}" type="slidenum">
               <a:rPr lang="aa-ET" smtClean="0"/>
-              <a:t>‹#›</a:t>
+              <a:t>‹nr.›</a:t>
             </a:fld>
             <a:endParaRPr lang="aa-ET"/>
           </a:p>
@@ -12097,7 +12181,7 @@
           <a:p>
             <a:fld id="{1DAA98A6-9CDE-4C4B-96AD-64651D9891DB}" type="datetimeFigureOut">
               <a:rPr lang="aa-ET" smtClean="0"/>
-              <a:t>05/09/2018</a:t>
+              <a:t>05/16/2018</a:t>
             </a:fld>
             <a:endParaRPr lang="aa-ET"/>
           </a:p>
@@ -12139,7 +12223,7 @@
           <a:p>
             <a:fld id="{BB4E0C7B-466A-4CBA-8DAA-31FBE5C17616}" type="slidenum">
               <a:rPr lang="aa-ET" smtClean="0"/>
-              <a:t>‹#›</a:t>
+              <a:t>‹nr.›</a:t>
             </a:fld>
             <a:endParaRPr lang="aa-ET"/>
           </a:p>
@@ -12567,7 +12651,7 @@
           <a:p>
             <a:fld id="{1DAA98A6-9CDE-4C4B-96AD-64651D9891DB}" type="datetimeFigureOut">
               <a:rPr lang="aa-ET" smtClean="0"/>
-              <a:t>05/09/2018</a:t>
+              <a:t>05/16/2018</a:t>
             </a:fld>
             <a:endParaRPr lang="aa-ET"/>
           </a:p>
@@ -12609,7 +12693,7 @@
           <a:p>
             <a:fld id="{BB4E0C7B-466A-4CBA-8DAA-31FBE5C17616}" type="slidenum">
               <a:rPr lang="aa-ET" smtClean="0"/>
-              <a:t>‹#›</a:t>
+              <a:t>‹nr.›</a:t>
             </a:fld>
             <a:endParaRPr lang="aa-ET"/>
           </a:p>
@@ -12772,7 +12856,7 @@
           <a:p>
             <a:fld id="{1DAA98A6-9CDE-4C4B-96AD-64651D9891DB}" type="datetimeFigureOut">
               <a:rPr lang="aa-ET" smtClean="0"/>
-              <a:t>05/09/2018</a:t>
+              <a:t>05/16/2018</a:t>
             </a:fld>
             <a:endParaRPr lang="aa-ET"/>
           </a:p>
@@ -12814,7 +12898,7 @@
           <a:p>
             <a:fld id="{BB4E0C7B-466A-4CBA-8DAA-31FBE5C17616}" type="slidenum">
               <a:rPr lang="aa-ET" smtClean="0"/>
-              <a:t>‹#›</a:t>
+              <a:t>‹nr.›</a:t>
             </a:fld>
             <a:endParaRPr lang="aa-ET"/>
           </a:p>
@@ -12983,7 +13067,7 @@
           <a:p>
             <a:fld id="{1DAA98A6-9CDE-4C4B-96AD-64651D9891DB}" type="datetimeFigureOut">
               <a:rPr lang="aa-ET" smtClean="0"/>
-              <a:t>05/09/2018</a:t>
+              <a:t>05/16/2018</a:t>
             </a:fld>
             <a:endParaRPr lang="aa-ET"/>
           </a:p>
@@ -13025,7 +13109,7 @@
           <a:p>
             <a:fld id="{BB4E0C7B-466A-4CBA-8DAA-31FBE5C17616}" type="slidenum">
               <a:rPr lang="aa-ET" smtClean="0"/>
-              <a:t>‹#›</a:t>
+              <a:t>‹nr.›</a:t>
             </a:fld>
             <a:endParaRPr lang="aa-ET"/>
           </a:p>
@@ -13215,7 +13299,7 @@
           <a:p>
             <a:fld id="{1DAA98A6-9CDE-4C4B-96AD-64651D9891DB}" type="datetimeFigureOut">
               <a:rPr lang="aa-ET" smtClean="0"/>
-              <a:t>05/09/2018</a:t>
+              <a:t>05/16/2018</a:t>
             </a:fld>
             <a:endParaRPr lang="aa-ET"/>
           </a:p>
@@ -13257,7 +13341,7 @@
           <a:p>
             <a:fld id="{BB4E0C7B-466A-4CBA-8DAA-31FBE5C17616}" type="slidenum">
               <a:rPr lang="aa-ET" smtClean="0"/>
-              <a:t>‹#›</a:t>
+              <a:t>‹nr.›</a:t>
             </a:fld>
             <a:endParaRPr lang="aa-ET"/>
           </a:p>
@@ -13463,7 +13547,7 @@
           <a:p>
             <a:fld id="{1DAA98A6-9CDE-4C4B-96AD-64651D9891DB}" type="datetimeFigureOut">
               <a:rPr lang="aa-ET" smtClean="0"/>
-              <a:t>05/09/2018</a:t>
+              <a:t>05/16/2018</a:t>
             </a:fld>
             <a:endParaRPr lang="aa-ET"/>
           </a:p>
@@ -13505,7 +13589,7 @@
           <a:p>
             <a:fld id="{BB4E0C7B-466A-4CBA-8DAA-31FBE5C17616}" type="slidenum">
               <a:rPr lang="aa-ET" smtClean="0"/>
-              <a:t>‹#›</a:t>
+              <a:t>‹nr.›</a:t>
             </a:fld>
             <a:endParaRPr lang="aa-ET"/>
           </a:p>
@@ -13761,7 +13845,7 @@
           <a:p>
             <a:fld id="{1DAA98A6-9CDE-4C4B-96AD-64651D9891DB}" type="datetimeFigureOut">
               <a:rPr lang="aa-ET" smtClean="0"/>
-              <a:t>05/09/2018</a:t>
+              <a:t>05/16/2018</a:t>
             </a:fld>
             <a:endParaRPr lang="aa-ET"/>
           </a:p>
@@ -13803,7 +13887,7 @@
           <a:p>
             <a:fld id="{BB4E0C7B-466A-4CBA-8DAA-31FBE5C17616}" type="slidenum">
               <a:rPr lang="aa-ET" smtClean="0"/>
-              <a:t>‹#›</a:t>
+              <a:t>‹nr.›</a:t>
             </a:fld>
             <a:endParaRPr lang="aa-ET"/>
           </a:p>
@@ -14155,7 +14239,7 @@
           <a:p>
             <a:fld id="{1DAA98A6-9CDE-4C4B-96AD-64651D9891DB}" type="datetimeFigureOut">
               <a:rPr lang="aa-ET" smtClean="0"/>
-              <a:t>05/09/2018</a:t>
+              <a:t>05/16/2018</a:t>
             </a:fld>
             <a:endParaRPr lang="aa-ET"/>
           </a:p>
@@ -14197,7 +14281,7 @@
           <a:p>
             <a:fld id="{BB4E0C7B-466A-4CBA-8DAA-31FBE5C17616}" type="slidenum">
               <a:rPr lang="aa-ET" smtClean="0"/>
-              <a:t>‹#›</a:t>
+              <a:t>‹nr.›</a:t>
             </a:fld>
             <a:endParaRPr lang="aa-ET"/>
           </a:p>
@@ -14304,7 +14388,7 @@
           <a:p>
             <a:fld id="{1DAA98A6-9CDE-4C4B-96AD-64651D9891DB}" type="datetimeFigureOut">
               <a:rPr lang="aa-ET" smtClean="0"/>
-              <a:t>05/09/2018</a:t>
+              <a:t>05/16/2018</a:t>
             </a:fld>
             <a:endParaRPr lang="aa-ET"/>
           </a:p>
@@ -14346,7 +14430,7 @@
           <a:p>
             <a:fld id="{BB4E0C7B-466A-4CBA-8DAA-31FBE5C17616}" type="slidenum">
               <a:rPr lang="aa-ET" smtClean="0"/>
-              <a:t>‹#›</a:t>
+              <a:t>‹nr.›</a:t>
             </a:fld>
             <a:endParaRPr lang="aa-ET"/>
           </a:p>
@@ -14430,7 +14514,7 @@
           <a:p>
             <a:fld id="{1DAA98A6-9CDE-4C4B-96AD-64651D9891DB}" type="datetimeFigureOut">
               <a:rPr lang="aa-ET" smtClean="0"/>
-              <a:t>05/09/2018</a:t>
+              <a:t>05/16/2018</a:t>
             </a:fld>
             <a:endParaRPr lang="aa-ET"/>
           </a:p>
@@ -14472,7 +14556,7 @@
           <a:p>
             <a:fld id="{BB4E0C7B-466A-4CBA-8DAA-31FBE5C17616}" type="slidenum">
               <a:rPr lang="aa-ET" smtClean="0"/>
-              <a:t>‹#›</a:t>
+              <a:t>‹nr.›</a:t>
             </a:fld>
             <a:endParaRPr lang="aa-ET"/>
           </a:p>
@@ -14685,7 +14769,7 @@
           <a:p>
             <a:fld id="{1DAA98A6-9CDE-4C4B-96AD-64651D9891DB}" type="datetimeFigureOut">
               <a:rPr lang="aa-ET" smtClean="0"/>
-              <a:t>05/09/2018</a:t>
+              <a:t>05/16/2018</a:t>
             </a:fld>
             <a:endParaRPr lang="aa-ET"/>
           </a:p>
@@ -14727,7 +14811,7 @@
           <a:p>
             <a:fld id="{BB4E0C7B-466A-4CBA-8DAA-31FBE5C17616}" type="slidenum">
               <a:rPr lang="aa-ET" smtClean="0"/>
-              <a:t>‹#›</a:t>
+              <a:t>‹nr.›</a:t>
             </a:fld>
             <a:endParaRPr lang="aa-ET"/>
           </a:p>
@@ -15000,7 +15084,7 @@
           <a:p>
             <a:fld id="{1DAA98A6-9CDE-4C4B-96AD-64651D9891DB}" type="datetimeFigureOut">
               <a:rPr lang="aa-ET" smtClean="0"/>
-              <a:t>05/09/2018</a:t>
+              <a:t>05/16/2018</a:t>
             </a:fld>
             <a:endParaRPr lang="aa-ET"/>
           </a:p>
@@ -15042,7 +15126,7 @@
           <a:p>
             <a:fld id="{BB4E0C7B-466A-4CBA-8DAA-31FBE5C17616}" type="slidenum">
               <a:rPr lang="aa-ET" smtClean="0"/>
-              <a:t>‹#›</a:t>
+              <a:t>‹nr.›</a:t>
             </a:fld>
             <a:endParaRPr lang="aa-ET"/>
           </a:p>
@@ -15351,7 +15435,7 @@
           <a:p>
             <a:fld id="{1DAA98A6-9CDE-4C4B-96AD-64651D9891DB}" type="datetimeFigureOut">
               <a:rPr lang="aa-ET" smtClean="0"/>
-              <a:t>05/09/2018</a:t>
+              <a:t>05/16/2018</a:t>
             </a:fld>
             <a:endParaRPr lang="aa-ET"/>
           </a:p>
@@ -15429,7 +15513,7 @@
           <a:p>
             <a:fld id="{BB4E0C7B-466A-4CBA-8DAA-31FBE5C17616}" type="slidenum">
               <a:rPr lang="aa-ET" smtClean="0"/>
-              <a:t>‹#›</a:t>
+              <a:t>‹nr.›</a:t>
             </a:fld>
             <a:endParaRPr lang="aa-ET"/>
           </a:p>
@@ -17178,42 +17262,6 @@
           </a:p>
         </p:txBody>
       </p:sp>
-      <p:pic>
-        <p:nvPicPr>
-          <p:cNvPr id="5" name="Picture 4">
-            <a:extLst>
-              <a:ext uri="{FF2B5EF4-FFF2-40B4-BE49-F238E27FC236}">
-                <a16:creationId xmlns:a16="http://schemas.microsoft.com/office/drawing/2014/main" id="{692FC4EF-4715-4893-A80D-153A38D508EF}"/>
-              </a:ext>
-            </a:extLst>
-          </p:cNvPr>
-          <p:cNvPicPr>
-            <a:picLocks noChangeAspect="1"/>
-          </p:cNvPicPr>
-          <p:nvPr/>
-        </p:nvPicPr>
-        <p:blipFill>
-          <a:blip r:embed="rId7" cstate="print">
-            <a:extLst>
-              <a:ext uri="{28A0092B-C50C-407E-A947-70E740481C1C}">
-                <a14:useLocalDpi xmlns:a14="http://schemas.microsoft.com/office/drawing/2010/main" val="0"/>
-              </a:ext>
-            </a:extLst>
-          </a:blip>
-          <a:stretch>
-            <a:fillRect/>
-          </a:stretch>
-        </p:blipFill>
-        <p:spPr>
-          <a:xfrm>
-            <a:off x="1412683" y="1806816"/>
-            <a:ext cx="5784083" cy="3065563"/>
-          </a:xfrm>
-          <a:prstGeom prst="rect">
-            <a:avLst/>
-          </a:prstGeom>
-        </p:spPr>
-      </p:pic>
       <p:cxnSp>
         <p:nvCxnSpPr>
           <p:cNvPr id="36" name="Straight Connector 27">
@@ -17297,6 +17345,42 @@
           </a:p>
         </p:txBody>
       </p:sp>
+      <p:pic>
+        <p:nvPicPr>
+          <p:cNvPr id="19" name="Billede 18">
+            <a:extLst>
+              <a:ext uri="{FF2B5EF4-FFF2-40B4-BE49-F238E27FC236}">
+                <a16:creationId xmlns:a16="http://schemas.microsoft.com/office/drawing/2014/main" id="{296B4C75-90B8-421C-9EAB-1EB268D9D10C}"/>
+              </a:ext>
+            </a:extLst>
+          </p:cNvPr>
+          <p:cNvPicPr>
+            <a:picLocks noChangeAspect="1"/>
+          </p:cNvPicPr>
+          <p:nvPr/>
+        </p:nvPicPr>
+        <p:blipFill>
+          <a:blip r:embed="rId7">
+            <a:extLst>
+              <a:ext uri="{28A0092B-C50C-407E-A947-70E740481C1C}">
+                <a14:useLocalDpi xmlns:a14="http://schemas.microsoft.com/office/drawing/2010/main" val="0"/>
+              </a:ext>
+            </a:extLst>
+          </a:blip>
+          <a:stretch>
+            <a:fillRect/>
+          </a:stretch>
+        </p:blipFill>
+        <p:spPr>
+          <a:xfrm>
+            <a:off x="1153756" y="1250696"/>
+            <a:ext cx="6237661" cy="4256286"/>
+          </a:xfrm>
+          <a:prstGeom prst="rect">
+            <a:avLst/>
+          </a:prstGeom>
+        </p:spPr>
+      </p:pic>
     </p:spTree>
     <p:extLst>
       <p:ext uri="{BB962C8B-B14F-4D97-AF65-F5344CB8AC3E}">
@@ -17343,10 +17427,13 @@
       </p:grpSpPr>
       <p:grpSp>
         <p:nvGrpSpPr>
-          <p:cNvPr id="29" name="Group 8">
+          <p:cNvPr id="62" name="Group 61">
             <a:extLst>
               <a:ext uri="{FF2B5EF4-FFF2-40B4-BE49-F238E27FC236}">
                 <a16:creationId xmlns:a16="http://schemas.microsoft.com/office/drawing/2014/main" id="{749C117F-F390-437B-ADB0-57E87EFF34F5}"/>
+              </a:ext>
+              <a:ext uri="{C183D7F6-B498-43B3-948B-1728B52AA6E4}">
+                <adec:decorative xmlns:adec="http://schemas.microsoft.com/office/drawing/2017/decorative" val="1"/>
               </a:ext>
             </a:extLst>
           </p:cNvPr>
@@ -17371,10 +17458,13 @@
         </p:grpSpPr>
         <p:pic>
           <p:nvPicPr>
-            <p:cNvPr id="10" name="Picture 9">
+            <p:cNvPr id="63" name="Picture 62">
               <a:extLst>
                 <a:ext uri="{FF2B5EF4-FFF2-40B4-BE49-F238E27FC236}">
                   <a16:creationId xmlns:a16="http://schemas.microsoft.com/office/drawing/2014/main" id="{A7EF42F8-2417-49A6-95CE-DE9503B0AA66}"/>
+                </a:ext>
+                <a:ext uri="{C183D7F6-B498-43B3-948B-1728B52AA6E4}">
+                  <adec:decorative xmlns:adec="http://schemas.microsoft.com/office/drawing/2017/decorative" val="1"/>
                 </a:ext>
               </a:extLst>
             </p:cNvPr>
@@ -17413,10 +17503,13 @@
         </p:pic>
         <p:sp>
           <p:nvSpPr>
-            <p:cNvPr id="11" name="Rectangle 10">
+            <p:cNvPr id="64" name="Rectangle 63">
               <a:extLst>
                 <a:ext uri="{FF2B5EF4-FFF2-40B4-BE49-F238E27FC236}">
                   <a16:creationId xmlns:a16="http://schemas.microsoft.com/office/drawing/2014/main" id="{AC6F623B-2003-4AED-B02F-541A150EC143}"/>
+                </a:ext>
+                <a:ext uri="{C183D7F6-B498-43B3-948B-1728B52AA6E4}">
+                  <adec:decorative xmlns:adec="http://schemas.microsoft.com/office/drawing/2017/decorative" val="1"/>
                 </a:ext>
               </a:extLst>
             </p:cNvPr>
@@ -17459,10 +17552,13 @@
         </p:sp>
         <p:pic>
           <p:nvPicPr>
-            <p:cNvPr id="12" name="Picture 11">
+            <p:cNvPr id="65" name="Picture 64">
               <a:extLst>
                 <a:ext uri="{FF2B5EF4-FFF2-40B4-BE49-F238E27FC236}">
                   <a16:creationId xmlns:a16="http://schemas.microsoft.com/office/drawing/2014/main" id="{CD11837A-4F3D-419F-ACE2-E80B1EA2846F}"/>
+                </a:ext>
+                <a:ext uri="{C183D7F6-B498-43B3-948B-1728B52AA6E4}">
+                  <adec:decorative xmlns:adec="http://schemas.microsoft.com/office/drawing/2017/decorative" val="1"/>
                 </a:ext>
               </a:extLst>
             </p:cNvPr>
@@ -17500,10 +17596,13 @@
         </p:pic>
         <p:pic>
           <p:nvPicPr>
-            <p:cNvPr id="13" name="Picture 12">
+            <p:cNvPr id="66" name="Picture 65">
               <a:extLst>
                 <a:ext uri="{FF2B5EF4-FFF2-40B4-BE49-F238E27FC236}">
                   <a16:creationId xmlns:a16="http://schemas.microsoft.com/office/drawing/2014/main" id="{B9411D1A-7E2C-4A36-BE32-BF7A8E130723}"/>
+                </a:ext>
+                <a:ext uri="{C183D7F6-B498-43B3-948B-1728B52AA6E4}">
+                  <adec:decorative xmlns:adec="http://schemas.microsoft.com/office/drawing/2017/decorative" val="1"/>
                 </a:ext>
               </a:extLst>
             </p:cNvPr>
@@ -17542,10 +17641,13 @@
       </p:grpSp>
       <p:cxnSp>
         <p:nvCxnSpPr>
-          <p:cNvPr id="30" name="Straight Connector 14">
+          <p:cNvPr id="68" name="Straight Connector 67">
             <a:extLst>
               <a:ext uri="{FF2B5EF4-FFF2-40B4-BE49-F238E27FC236}">
                 <a16:creationId xmlns:a16="http://schemas.microsoft.com/office/drawing/2014/main" id="{20742BC3-654B-4E41-9A6A-73A42E477639}"/>
+              </a:ext>
+              <a:ext uri="{C183D7F6-B498-43B3-948B-1728B52AA6E4}">
+                <adec:decorative xmlns:adec="http://schemas.microsoft.com/office/drawing/2017/decorative" val="1"/>
               </a:ext>
             </a:extLst>
           </p:cNvPr>
@@ -17586,10 +17688,13 @@
       </p:cxnSp>
       <p:sp useBgFill="1">
         <p:nvSpPr>
-          <p:cNvPr id="31" name="Rectangle 16">
+          <p:cNvPr id="70" name="Rectangle 69">
             <a:extLst>
               <a:ext uri="{FF2B5EF4-FFF2-40B4-BE49-F238E27FC236}">
-                <a16:creationId xmlns:a16="http://schemas.microsoft.com/office/drawing/2014/main" id="{28FA177F-145C-478A-A7ED-8D021CE76B3B}"/>
+                <a16:creationId xmlns:a16="http://schemas.microsoft.com/office/drawing/2014/main" id="{575E71FA-50BD-43F8-8C98-04339283A93D}"/>
+              </a:ext>
+              <a:ext uri="{C183D7F6-B498-43B3-948B-1728B52AA6E4}">
+                <adec:decorative xmlns:adec="http://schemas.microsoft.com/office/drawing/2017/decorative" val="1"/>
               </a:ext>
             </a:extLst>
           </p:cNvPr>
@@ -17643,10 +17748,13 @@
       </p:sp>
       <p:grpSp>
         <p:nvGrpSpPr>
-          <p:cNvPr id="32" name="Group 18">
+          <p:cNvPr id="72" name="Group 71">
             <a:extLst>
               <a:ext uri="{FF2B5EF4-FFF2-40B4-BE49-F238E27FC236}">
-                <a16:creationId xmlns:a16="http://schemas.microsoft.com/office/drawing/2014/main" id="{1A96A522-1258-462E-AFC5-F5E3F14110E3}"/>
+                <a16:creationId xmlns:a16="http://schemas.microsoft.com/office/drawing/2014/main" id="{CF1AA7F6-A589-4BC8-BC72-2CA6DC908398}"/>
+              </a:ext>
+              <a:ext uri="{C183D7F6-B498-43B3-948B-1728B52AA6E4}">
+                <adec:decorative xmlns:adec="http://schemas.microsoft.com/office/drawing/2017/decorative" val="1"/>
               </a:ext>
             </a:extLst>
           </p:cNvPr>
@@ -17671,10 +17779,13 @@
         </p:grpSpPr>
         <p:pic>
           <p:nvPicPr>
-            <p:cNvPr id="20" name="Picture 19">
+            <p:cNvPr id="73" name="Picture 72">
               <a:extLst>
                 <a:ext uri="{FF2B5EF4-FFF2-40B4-BE49-F238E27FC236}">
-                  <a16:creationId xmlns:a16="http://schemas.microsoft.com/office/drawing/2014/main" id="{ECD43597-59D1-4246-A90D-26FE2B6081B0}"/>
+                  <a16:creationId xmlns:a16="http://schemas.microsoft.com/office/drawing/2014/main" id="{53F5243F-7E41-439E-8991-C4F246D88F68}"/>
+                </a:ext>
+                <a:ext uri="{C183D7F6-B498-43B3-948B-1728B52AA6E4}">
+                  <adec:decorative xmlns:adec="http://schemas.microsoft.com/office/drawing/2017/decorative" val="1"/>
                 </a:ext>
               </a:extLst>
             </p:cNvPr>
@@ -17713,10 +17824,13 @@
         </p:pic>
         <p:sp>
           <p:nvSpPr>
-            <p:cNvPr id="21" name="Rectangle 20">
+            <p:cNvPr id="74" name="Rectangle 73">
               <a:extLst>
                 <a:ext uri="{FF2B5EF4-FFF2-40B4-BE49-F238E27FC236}">
-                  <a16:creationId xmlns:a16="http://schemas.microsoft.com/office/drawing/2014/main" id="{2ED48CD8-BE7A-4992-8570-58DEE9826AAB}"/>
+                  <a16:creationId xmlns:a16="http://schemas.microsoft.com/office/drawing/2014/main" id="{401A6B5F-1CF1-43AD-9E85-94E187210CFC}"/>
+                </a:ext>
+                <a:ext uri="{C183D7F6-B498-43B3-948B-1728B52AA6E4}">
+                  <adec:decorative xmlns:adec="http://schemas.microsoft.com/office/drawing/2017/decorative" val="1"/>
                 </a:ext>
               </a:extLst>
             </p:cNvPr>
@@ -17759,10 +17873,13 @@
         </p:sp>
         <p:pic>
           <p:nvPicPr>
-            <p:cNvPr id="22" name="Picture 21">
+            <p:cNvPr id="75" name="Picture 74">
               <a:extLst>
                 <a:ext uri="{FF2B5EF4-FFF2-40B4-BE49-F238E27FC236}">
-                  <a16:creationId xmlns:a16="http://schemas.microsoft.com/office/drawing/2014/main" id="{9A68BD7C-72FC-4E92-88BB-3401D485D2B7}"/>
+                  <a16:creationId xmlns:a16="http://schemas.microsoft.com/office/drawing/2014/main" id="{2F682A59-7E20-407C-A7F8-582295AC687C}"/>
+                </a:ext>
+                <a:ext uri="{C183D7F6-B498-43B3-948B-1728B52AA6E4}">
+                  <adec:decorative xmlns:adec="http://schemas.microsoft.com/office/drawing/2017/decorative" val="1"/>
                 </a:ext>
               </a:extLst>
             </p:cNvPr>
@@ -17800,10 +17917,13 @@
         </p:pic>
         <p:pic>
           <p:nvPicPr>
-            <p:cNvPr id="23" name="Picture 22">
+            <p:cNvPr id="76" name="Picture 75">
               <a:extLst>
                 <a:ext uri="{FF2B5EF4-FFF2-40B4-BE49-F238E27FC236}">
-                  <a16:creationId xmlns:a16="http://schemas.microsoft.com/office/drawing/2014/main" id="{C8B73423-E00D-4FC9-9873-0C259A14BC19}"/>
+                  <a16:creationId xmlns:a16="http://schemas.microsoft.com/office/drawing/2014/main" id="{5E4AC24E-0670-406E-822F-AAA6DA2010D3}"/>
+                </a:ext>
+                <a:ext uri="{C183D7F6-B498-43B3-948B-1728B52AA6E4}">
+                  <adec:decorative xmlns:adec="http://schemas.microsoft.com/office/drawing/2017/decorative" val="1"/>
                 </a:ext>
               </a:extLst>
             </p:cNvPr>
@@ -17842,1462 +17962,13 @@
       </p:grpSp>
       <p:sp>
         <p:nvSpPr>
-          <p:cNvPr id="33" name="Rectangle 24">
-            <a:extLst>
-              <a:ext uri="{FF2B5EF4-FFF2-40B4-BE49-F238E27FC236}">
-                <a16:creationId xmlns:a16="http://schemas.microsoft.com/office/drawing/2014/main" id="{22EEABFB-D1AB-4BFF-84FC-449548E93E09}"/>
-              </a:ext>
-            </a:extLst>
-          </p:cNvPr>
-          <p:cNvSpPr>
-            <a:spLocks noGrp="1" noRot="1" noChangeAspect="1" noMove="1" noResize="1" noEditPoints="1" noAdjustHandles="1" noChangeArrowheads="1" noChangeShapeType="1" noTextEdit="1"/>
-          </p:cNvSpPr>
-          <p:nvPr>
-            <p:extLst>
-              <p:ext uri="{386F3935-93C4-4BCD-93E2-E3B085C9AB24}">
-                <p16:designElem xmlns:p16="http://schemas.microsoft.com/office/powerpoint/2015/main" val="1"/>
-              </p:ext>
-            </p:extLst>
-          </p:nvPr>
-        </p:nvSpPr>
-        <p:spPr>
-          <a:xfrm>
-            <a:off x="1092644" y="1092200"/>
-            <a:ext cx="4976494" cy="4515104"/>
-          </a:xfrm>
-          <a:prstGeom prst="rect">
-            <a:avLst/>
-          </a:prstGeom>
-          <a:solidFill>
-            <a:schemeClr val="bg1"/>
-          </a:solidFill>
-          <a:ln w="57150" cmpd="thickThin">
-            <a:solidFill>
-              <a:schemeClr val="tx1">
-                <a:lumMod val="50000"/>
-                <a:lumOff val="50000"/>
-              </a:schemeClr>
-            </a:solidFill>
-            <a:miter lim="800000"/>
-          </a:ln>
-        </p:spPr>
-        <p:style>
-          <a:lnRef idx="2">
-            <a:schemeClr val="accent1">
-              <a:shade val="50000"/>
-            </a:schemeClr>
-          </a:lnRef>
-          <a:fillRef idx="1">
-            <a:schemeClr val="accent1"/>
-          </a:fillRef>
-          <a:effectRef idx="0">
-            <a:schemeClr val="accent1"/>
-          </a:effectRef>
-          <a:fontRef idx="minor">
-            <a:schemeClr val="lt1"/>
-          </a:fontRef>
-        </p:style>
-        <p:txBody>
-          <a:bodyPr rtlCol="0" anchor="ctr"/>
-          <a:lstStyle/>
-          <a:p>
-            <a:pPr algn="ctr"/>
-            <a:endParaRPr lang="en-US"/>
-          </a:p>
-        </p:txBody>
-      </p:sp>
-      <p:pic>
-        <p:nvPicPr>
-          <p:cNvPr id="4" name="Picture 3">
-            <a:extLst>
-              <a:ext uri="{FF2B5EF4-FFF2-40B4-BE49-F238E27FC236}">
-                <a16:creationId xmlns:a16="http://schemas.microsoft.com/office/drawing/2014/main" id="{29688EDD-86B9-4893-BEEC-D48A2715C0EF}"/>
-              </a:ext>
-            </a:extLst>
-          </p:cNvPr>
-          <p:cNvPicPr/>
-          <p:nvPr/>
-        </p:nvPicPr>
-        <p:blipFill>
-          <a:blip r:embed="rId7">
-            <a:extLst>
-              <a:ext uri="{28A0092B-C50C-407E-A947-70E740481C1C}">
-                <a14:useLocalDpi xmlns:a14="http://schemas.microsoft.com/office/drawing/2010/main" val="0"/>
-              </a:ext>
-            </a:extLst>
-          </a:blip>
-          <a:stretch>
-            <a:fillRect/>
-          </a:stretch>
-        </p:blipFill>
-        <p:spPr>
-          <a:xfrm>
-            <a:off x="1412683" y="2731934"/>
-            <a:ext cx="4348925" cy="1215327"/>
-          </a:xfrm>
-          <a:prstGeom prst="rect">
-            <a:avLst/>
-          </a:prstGeom>
-        </p:spPr>
-      </p:pic>
-      <p:cxnSp>
-        <p:nvCxnSpPr>
-          <p:cNvPr id="34" name="Straight Connector 26">
-            <a:extLst>
-              <a:ext uri="{FF2B5EF4-FFF2-40B4-BE49-F238E27FC236}">
-                <a16:creationId xmlns:a16="http://schemas.microsoft.com/office/drawing/2014/main" id="{4231BC86-8965-4F95-9FD9-76313A7D601B}"/>
-              </a:ext>
-            </a:extLst>
-          </p:cNvPr>
-          <p:cNvCxnSpPr>
-            <a:cxnSpLocks noGrp="1" noRot="1" noChangeAspect="1" noMove="1" noResize="1" noEditPoints="1" noAdjustHandles="1" noChangeArrowheads="1" noChangeShapeType="1"/>
-          </p:cNvCxnSpPr>
-          <p:nvPr>
-            <p:extLst>
-              <p:ext uri="{386F3935-93C4-4BCD-93E2-E3B085C9AB24}">
-                <p16:designElem xmlns:p16="http://schemas.microsoft.com/office/powerpoint/2015/main" val="1"/>
-              </p:ext>
-            </p:extLst>
-          </p:nvPr>
-        </p:nvCxnSpPr>
-        <p:spPr>
-          <a:xfrm>
-            <a:off x="6553770" y="3522131"/>
-            <a:ext cx="4520638" cy="0"/>
-          </a:xfrm>
-          <a:prstGeom prst="line">
-            <a:avLst/>
-          </a:prstGeom>
-        </p:spPr>
-        <p:style>
-          <a:lnRef idx="2">
-            <a:schemeClr val="accent1"/>
-          </a:lnRef>
-          <a:fillRef idx="0">
-            <a:schemeClr val="accent1"/>
-          </a:fillRef>
-          <a:effectRef idx="1">
-            <a:schemeClr val="accent1"/>
-          </a:effectRef>
-          <a:fontRef idx="minor">
-            <a:schemeClr val="tx1"/>
-          </a:fontRef>
-        </p:style>
-      </p:cxnSp>
-      <p:sp>
-        <p:nvSpPr>
-          <p:cNvPr id="2" name="Title 1">
-            <a:extLst>
-              <a:ext uri="{FF2B5EF4-FFF2-40B4-BE49-F238E27FC236}">
-                <a16:creationId xmlns:a16="http://schemas.microsoft.com/office/drawing/2014/main" id="{562308BA-7D7D-40A4-BB40-4B95E4FD1A21}"/>
-              </a:ext>
-            </a:extLst>
-          </p:cNvPr>
-          <p:cNvSpPr>
-            <a:spLocks noGrp="1"/>
-          </p:cNvSpPr>
-          <p:nvPr>
-            <p:ph type="title"/>
-          </p:nvPr>
-        </p:nvSpPr>
-        <p:spPr>
-          <a:xfrm>
-            <a:off x="6553770" y="1041401"/>
-            <a:ext cx="4538526" cy="2345264"/>
-          </a:xfrm>
-        </p:spPr>
-        <p:txBody>
-          <a:bodyPr vert="horz" lIns="91440" tIns="45720" rIns="91440" bIns="45720" rtlCol="0" anchor="b">
-            <a:normAutofit/>
-          </a:bodyPr>
-          <a:lstStyle/>
-          <a:p>
-            <a:r>
-              <a:rPr lang="en-US" sz="5400" b="1">
-                <a:solidFill>
-                  <a:srgbClr val="262626"/>
-                </a:solidFill>
-              </a:rPr>
-              <a:t>Singleton</a:t>
-            </a:r>
-          </a:p>
-        </p:txBody>
-      </p:sp>
-    </p:spTree>
-    <p:extLst>
-      <p:ext uri="{BB962C8B-B14F-4D97-AF65-F5344CB8AC3E}">
-        <p14:creationId xmlns:p14="http://schemas.microsoft.com/office/powerpoint/2010/main" val="3841609833"/>
-      </p:ext>
-    </p:extLst>
-  </p:cSld>
-  <p:clrMapOvr>
-    <a:masterClrMapping/>
-  </p:clrMapOvr>
-  <p:transition spd="med">
-    <p:pull/>
-  </p:transition>
-</p:sld>
-</file>
-
-<file path=ppt/slides/slide13.xml><?xml version="1.0" encoding="utf-8"?>
-<p:sld xmlns:a="http://schemas.openxmlformats.org/drawingml/2006/main" xmlns:r="http://schemas.openxmlformats.org/officeDocument/2006/relationships" xmlns:p="http://schemas.openxmlformats.org/presentationml/2006/main">
-  <p:cSld>
-    <p:bg>
-      <p:bgPr>
-        <a:blipFill>
-          <a:blip r:embed="rId2">
-            <a:extLst/>
-          </a:blip>
-          <a:stretch/>
-        </a:blipFill>
-        <a:effectLst/>
-      </p:bgPr>
-    </p:bg>
-    <p:spTree>
-      <p:nvGrpSpPr>
-        <p:cNvPr id="1" name=""/>
-        <p:cNvGrpSpPr/>
-        <p:nvPr/>
-      </p:nvGrpSpPr>
-      <p:grpSpPr>
-        <a:xfrm>
-          <a:off x="0" y="0"/>
-          <a:ext cx="0" cy="0"/>
-          <a:chOff x="0" y="0"/>
-          <a:chExt cx="0" cy="0"/>
-        </a:xfrm>
-      </p:grpSpPr>
-      <p:grpSp>
-        <p:nvGrpSpPr>
-          <p:cNvPr id="9" name="Group 8">
-            <a:extLst>
-              <a:ext uri="{FF2B5EF4-FFF2-40B4-BE49-F238E27FC236}">
-                <a16:creationId xmlns:a16="http://schemas.microsoft.com/office/drawing/2014/main" id="{749C117F-F390-437B-ADB0-57E87EFF34F5}"/>
-              </a:ext>
-            </a:extLst>
-          </p:cNvPr>
-          <p:cNvGrpSpPr>
-            <a:grpSpLocks noGrp="1" noUngrp="1" noRot="1" noChangeAspect="1" noMove="1" noResize="1"/>
-          </p:cNvGrpSpPr>
-          <p:nvPr>
-            <p:extLst>
-              <p:ext uri="{386F3935-93C4-4BCD-93E2-E3B085C9AB24}">
-                <p16:designElem xmlns:p16="http://schemas.microsoft.com/office/powerpoint/2015/main" val="1"/>
-              </p:ext>
-            </p:extLst>
-          </p:nvPr>
-        </p:nvGrpSpPr>
-        <p:grpSpPr>
-          <a:xfrm>
-            <a:off x="-16934" y="0"/>
-            <a:ext cx="12231160" cy="6856214"/>
-            <a:chOff x="-16934" y="0"/>
-            <a:chExt cx="12231160" cy="6856214"/>
-          </a:xfrm>
-        </p:grpSpPr>
-        <p:pic>
-          <p:nvPicPr>
-            <p:cNvPr id="10" name="Picture 9">
-              <a:extLst>
-                <a:ext uri="{FF2B5EF4-FFF2-40B4-BE49-F238E27FC236}">
-                  <a16:creationId xmlns:a16="http://schemas.microsoft.com/office/drawing/2014/main" id="{A7EF42F8-2417-49A6-95CE-DE9503B0AA66}"/>
-                </a:ext>
-              </a:extLst>
-            </p:cNvPr>
-            <p:cNvPicPr>
-              <a:picLocks noChangeAspect="1"/>
-            </p:cNvPicPr>
-            <p:nvPr>
-              <p:extLst>
-                <p:ext uri="{386F3935-93C4-4BCD-93E2-E3B085C9AB24}">
-                  <p16:designElem xmlns:p16="http://schemas.microsoft.com/office/powerpoint/2015/main" val="1"/>
-                </p:ext>
-              </p:extLst>
-            </p:nvPr>
-          </p:nvPicPr>
-          <p:blipFill>
-            <a:blip r:embed="rId3">
-              <a:extLst>
-                <a:ext uri="{28A0092B-C50C-407E-A947-70E740481C1C}">
-                  <a14:useLocalDpi xmlns:a14="http://schemas.microsoft.com/office/drawing/2010/main" val="0"/>
-                </a:ext>
-              </a:extLst>
-            </a:blip>
-            <a:stretch>
-              <a:fillRect/>
-            </a:stretch>
-          </p:blipFill>
-          <p:spPr>
-            <a:xfrm>
-              <a:off x="0" y="0"/>
-              <a:ext cx="12188825" cy="6856214"/>
-            </a:xfrm>
-            <a:prstGeom prst="rect">
-              <a:avLst/>
-            </a:prstGeom>
-          </p:spPr>
-        </p:pic>
-        <p:sp>
-          <p:nvSpPr>
-            <p:cNvPr id="11" name="Rectangle 10">
-              <a:extLst>
-                <a:ext uri="{FF2B5EF4-FFF2-40B4-BE49-F238E27FC236}">
-                  <a16:creationId xmlns:a16="http://schemas.microsoft.com/office/drawing/2014/main" id="{AC6F623B-2003-4AED-B02F-541A150EC143}"/>
-                </a:ext>
-              </a:extLst>
-            </p:cNvPr>
-            <p:cNvSpPr/>
-            <p:nvPr>
-              <p:extLst>
-                <p:ext uri="{386F3935-93C4-4BCD-93E2-E3B085C9AB24}">
-                  <p16:designElem xmlns:p16="http://schemas.microsoft.com/office/powerpoint/2015/main" val="1"/>
-                </p:ext>
-              </p:extLst>
-            </p:nvPr>
-          </p:nvSpPr>
-          <p:spPr>
-            <a:xfrm>
-              <a:off x="2328332" y="1540931"/>
-              <a:ext cx="7543802" cy="3835401"/>
-            </a:xfrm>
-            <a:prstGeom prst="rect">
-              <a:avLst/>
-            </a:prstGeom>
-            <a:noFill/>
-            <a:ln w="15875">
-              <a:miter lim="800000"/>
-            </a:ln>
-          </p:spPr>
-          <p:style>
-            <a:lnRef idx="1">
-              <a:schemeClr val="accent1"/>
-            </a:lnRef>
-            <a:fillRef idx="3">
-              <a:schemeClr val="accent1"/>
-            </a:fillRef>
-            <a:effectRef idx="2">
-              <a:schemeClr val="accent1"/>
-            </a:effectRef>
-            <a:fontRef idx="minor">
-              <a:schemeClr val="lt1"/>
-            </a:fontRef>
-          </p:style>
-        </p:sp>
-        <p:pic>
-          <p:nvPicPr>
-            <p:cNvPr id="12" name="Picture 11">
-              <a:extLst>
-                <a:ext uri="{FF2B5EF4-FFF2-40B4-BE49-F238E27FC236}">
-                  <a16:creationId xmlns:a16="http://schemas.microsoft.com/office/drawing/2014/main" id="{CD11837A-4F3D-419F-ACE2-E80B1EA2846F}"/>
-                </a:ext>
-              </a:extLst>
-            </p:cNvPr>
-            <p:cNvPicPr>
-              <a:picLocks noChangeAspect="1"/>
-            </p:cNvPicPr>
-            <p:nvPr>
-              <p:extLst>
-                <p:ext uri="{386F3935-93C4-4BCD-93E2-E3B085C9AB24}">
-                  <p16:designElem xmlns:p16="http://schemas.microsoft.com/office/powerpoint/2015/main" val="1"/>
-                </p:ext>
-              </p:extLst>
-            </p:nvPr>
-          </p:nvPicPr>
-          <p:blipFill rotWithShape="1">
-            <a:blip r:embed="rId4">
-              <a:extLst>
-                <a:ext uri="{28A0092B-C50C-407E-A947-70E740481C1C}">
-                  <a14:useLocalDpi xmlns:a14="http://schemas.microsoft.com/office/drawing/2010/main" val="0"/>
-                </a:ext>
-              </a:extLst>
-            </a:blip>
-            <a:srcRect/>
-            <a:stretch/>
-          </p:blipFill>
-          <p:spPr>
-            <a:xfrm>
-              <a:off x="-16934" y="3147609"/>
-              <a:ext cx="2478024" cy="612648"/>
-            </a:xfrm>
-            <a:prstGeom prst="rect">
-              <a:avLst/>
-            </a:prstGeom>
-          </p:spPr>
-        </p:pic>
-        <p:pic>
-          <p:nvPicPr>
-            <p:cNvPr id="13" name="Picture 12">
-              <a:extLst>
-                <a:ext uri="{FF2B5EF4-FFF2-40B4-BE49-F238E27FC236}">
-                  <a16:creationId xmlns:a16="http://schemas.microsoft.com/office/drawing/2014/main" id="{B9411D1A-7E2C-4A36-BE32-BF7A8E130723}"/>
-                </a:ext>
-              </a:extLst>
-            </p:cNvPr>
-            <p:cNvPicPr>
-              <a:picLocks noChangeAspect="1"/>
-            </p:cNvPicPr>
-            <p:nvPr>
-              <p:extLst>
-                <p:ext uri="{386F3935-93C4-4BCD-93E2-E3B085C9AB24}">
-                  <p16:designElem xmlns:p16="http://schemas.microsoft.com/office/powerpoint/2015/main" val="1"/>
-                </p:ext>
-              </p:extLst>
-            </p:nvPr>
-          </p:nvPicPr>
-          <p:blipFill rotWithShape="1">
-            <a:blip r:embed="rId4">
-              <a:extLst>
-                <a:ext uri="{28A0092B-C50C-407E-A947-70E740481C1C}">
-                  <a14:useLocalDpi xmlns:a14="http://schemas.microsoft.com/office/drawing/2010/main" val="0"/>
-                </a:ext>
-              </a:extLst>
-            </a:blip>
-            <a:srcRect/>
-            <a:stretch/>
-          </p:blipFill>
-          <p:spPr>
-            <a:xfrm>
-              <a:off x="9736202" y="3147609"/>
-              <a:ext cx="2478024" cy="612648"/>
-            </a:xfrm>
-            <a:prstGeom prst="rect">
-              <a:avLst/>
-            </a:prstGeom>
-          </p:spPr>
-        </p:pic>
-      </p:grpSp>
-      <p:cxnSp>
-        <p:nvCxnSpPr>
-          <p:cNvPr id="15" name="Straight Connector 14">
-            <a:extLst>
-              <a:ext uri="{FF2B5EF4-FFF2-40B4-BE49-F238E27FC236}">
-                <a16:creationId xmlns:a16="http://schemas.microsoft.com/office/drawing/2014/main" id="{20742BC3-654B-4E41-9A6A-73A42E477639}"/>
-              </a:ext>
-            </a:extLst>
-          </p:cNvPr>
-          <p:cNvCxnSpPr>
-            <a:cxnSpLocks noGrp="1" noRot="1" noChangeAspect="1" noMove="1" noResize="1" noEditPoints="1" noAdjustHandles="1" noChangeArrowheads="1" noChangeShapeType="1"/>
-          </p:cNvCxnSpPr>
-          <p:nvPr>
-            <p:extLst>
-              <p:ext uri="{386F3935-93C4-4BCD-93E2-E3B085C9AB24}">
-                <p16:designElem xmlns:p16="http://schemas.microsoft.com/office/powerpoint/2015/main" val="1"/>
-              </p:ext>
-            </p:extLst>
-          </p:nvPr>
-        </p:nvCxnSpPr>
-        <p:spPr>
-          <a:xfrm>
-            <a:off x="2692399" y="3522131"/>
-            <a:ext cx="6815668" cy="0"/>
-          </a:xfrm>
-          <a:prstGeom prst="line">
-            <a:avLst/>
-          </a:prstGeom>
-        </p:spPr>
-        <p:style>
-          <a:lnRef idx="2">
-            <a:schemeClr val="accent1"/>
-          </a:lnRef>
-          <a:fillRef idx="0">
-            <a:schemeClr val="accent1"/>
-          </a:fillRef>
-          <a:effectRef idx="1">
-            <a:schemeClr val="accent1"/>
-          </a:effectRef>
-          <a:fontRef idx="minor">
-            <a:schemeClr val="tx1"/>
-          </a:fontRef>
-        </p:style>
-      </p:cxnSp>
-      <p:sp useBgFill="1">
-        <p:nvSpPr>
-          <p:cNvPr id="17" name="Rectangle 16">
-            <a:extLst>
-              <a:ext uri="{FF2B5EF4-FFF2-40B4-BE49-F238E27FC236}">
-                <a16:creationId xmlns:a16="http://schemas.microsoft.com/office/drawing/2014/main" id="{28FA177F-145C-478A-A7ED-8D021CE76B3B}"/>
-              </a:ext>
-            </a:extLst>
-          </p:cNvPr>
-          <p:cNvSpPr>
-            <a:spLocks noGrp="1" noRot="1" noChangeAspect="1" noMove="1" noResize="1" noEditPoints="1" noAdjustHandles="1" noChangeArrowheads="1" noChangeShapeType="1" noTextEdit="1"/>
-          </p:cNvSpPr>
-          <p:nvPr>
-            <p:extLst>
-              <p:ext uri="{386F3935-93C4-4BCD-93E2-E3B085C9AB24}">
-                <p16:designElem xmlns:p16="http://schemas.microsoft.com/office/powerpoint/2015/main" val="1"/>
-              </p:ext>
-            </p:extLst>
-          </p:nvPr>
-        </p:nvSpPr>
-        <p:spPr>
-          <a:xfrm>
-            <a:off x="0" y="0"/>
-            <a:ext cx="12188952" cy="6858000"/>
-          </a:xfrm>
-          <a:prstGeom prst="rect">
-            <a:avLst/>
-          </a:prstGeom>
-          <a:ln>
-            <a:noFill/>
-          </a:ln>
-        </p:spPr>
-        <p:style>
-          <a:lnRef idx="2">
-            <a:schemeClr val="accent1">
-              <a:shade val="50000"/>
-            </a:schemeClr>
-          </a:lnRef>
-          <a:fillRef idx="1">
-            <a:schemeClr val="accent1"/>
-          </a:fillRef>
-          <a:effectRef idx="0">
-            <a:schemeClr val="accent1"/>
-          </a:effectRef>
-          <a:fontRef idx="minor">
-            <a:schemeClr val="lt1"/>
-          </a:fontRef>
-        </p:style>
-        <p:txBody>
-          <a:bodyPr rtlCol="0" anchor="ctr"/>
-          <a:lstStyle/>
-          <a:p>
-            <a:pPr algn="ctr"/>
-            <a:endParaRPr lang="en-US"/>
-          </a:p>
-        </p:txBody>
-      </p:sp>
-      <p:grpSp>
-        <p:nvGrpSpPr>
-          <p:cNvPr id="19" name="Group 18">
-            <a:extLst>
-              <a:ext uri="{FF2B5EF4-FFF2-40B4-BE49-F238E27FC236}">
-                <a16:creationId xmlns:a16="http://schemas.microsoft.com/office/drawing/2014/main" id="{1A96A522-1258-462E-AFC5-F5E3F14110E3}"/>
-              </a:ext>
-            </a:extLst>
-          </p:cNvPr>
-          <p:cNvGrpSpPr>
-            <a:grpSpLocks noGrp="1" noUngrp="1" noRot="1" noChangeAspect="1" noMove="1" noResize="1"/>
-          </p:cNvGrpSpPr>
-          <p:nvPr>
-            <p:extLst>
-              <p:ext uri="{386F3935-93C4-4BCD-93E2-E3B085C9AB24}">
-                <p16:designElem xmlns:p16="http://schemas.microsoft.com/office/powerpoint/2015/main" val="1"/>
-              </p:ext>
-            </p:extLst>
-          </p:nvPr>
-        </p:nvGrpSpPr>
-        <p:grpSpPr>
-          <a:xfrm>
-            <a:off x="-15736" y="0"/>
-            <a:ext cx="12229962" cy="6856214"/>
-            <a:chOff x="-15736" y="0"/>
-            <a:chExt cx="12229962" cy="6856214"/>
-          </a:xfrm>
-        </p:grpSpPr>
-        <p:pic>
-          <p:nvPicPr>
-            <p:cNvPr id="20" name="Picture 19">
-              <a:extLst>
-                <a:ext uri="{FF2B5EF4-FFF2-40B4-BE49-F238E27FC236}">
-                  <a16:creationId xmlns:a16="http://schemas.microsoft.com/office/drawing/2014/main" id="{ECD43597-59D1-4246-A90D-26FE2B6081B0}"/>
-                </a:ext>
-              </a:extLst>
-            </p:cNvPr>
-            <p:cNvPicPr>
-              <a:picLocks noChangeAspect="1"/>
-            </p:cNvPicPr>
-            <p:nvPr>
-              <p:extLst>
-                <p:ext uri="{386F3935-93C4-4BCD-93E2-E3B085C9AB24}">
-                  <p16:designElem xmlns:p16="http://schemas.microsoft.com/office/powerpoint/2015/main" val="1"/>
-                </p:ext>
-              </p:extLst>
-            </p:nvPr>
-          </p:nvPicPr>
-          <p:blipFill>
-            <a:blip r:embed="rId5">
-              <a:extLst>
-                <a:ext uri="{28A0092B-C50C-407E-A947-70E740481C1C}">
-                  <a14:useLocalDpi xmlns:a14="http://schemas.microsoft.com/office/drawing/2010/main" val="0"/>
-                </a:ext>
-              </a:extLst>
-            </a:blip>
-            <a:stretch>
-              <a:fillRect/>
-            </a:stretch>
-          </p:blipFill>
-          <p:spPr>
-            <a:xfrm>
-              <a:off x="0" y="0"/>
-              <a:ext cx="12188825" cy="6856214"/>
-            </a:xfrm>
-            <a:prstGeom prst="rect">
-              <a:avLst/>
-            </a:prstGeom>
-          </p:spPr>
-        </p:pic>
-        <p:sp>
-          <p:nvSpPr>
-            <p:cNvPr id="21" name="Rectangle 20">
-              <a:extLst>
-                <a:ext uri="{FF2B5EF4-FFF2-40B4-BE49-F238E27FC236}">
-                  <a16:creationId xmlns:a16="http://schemas.microsoft.com/office/drawing/2014/main" id="{2ED48CD8-BE7A-4992-8570-58DEE9826AAB}"/>
-                </a:ext>
-              </a:extLst>
-            </p:cNvPr>
-            <p:cNvSpPr/>
-            <p:nvPr>
-              <p:extLst>
-                <p:ext uri="{386F3935-93C4-4BCD-93E2-E3B085C9AB24}">
-                  <p16:designElem xmlns:p16="http://schemas.microsoft.com/office/powerpoint/2015/main" val="1"/>
-                </p:ext>
-              </p:extLst>
-            </p:nvPr>
-          </p:nvSpPr>
-          <p:spPr>
-            <a:xfrm>
-              <a:off x="608012" y="609600"/>
-              <a:ext cx="10972800" cy="5638800"/>
-            </a:xfrm>
-            <a:prstGeom prst="rect">
-              <a:avLst/>
-            </a:prstGeom>
-            <a:noFill/>
-            <a:ln w="15875" cap="flat">
-              <a:miter lim="800000"/>
-            </a:ln>
-          </p:spPr>
-          <p:style>
-            <a:lnRef idx="1">
-              <a:schemeClr val="accent1"/>
-            </a:lnRef>
-            <a:fillRef idx="3">
-              <a:schemeClr val="accent1"/>
-            </a:fillRef>
-            <a:effectRef idx="2">
-              <a:schemeClr val="accent1"/>
-            </a:effectRef>
-            <a:fontRef idx="minor">
-              <a:schemeClr val="lt1"/>
-            </a:fontRef>
-          </p:style>
-        </p:sp>
-        <p:pic>
-          <p:nvPicPr>
-            <p:cNvPr id="22" name="Picture 21">
-              <a:extLst>
-                <a:ext uri="{FF2B5EF4-FFF2-40B4-BE49-F238E27FC236}">
-                  <a16:creationId xmlns:a16="http://schemas.microsoft.com/office/drawing/2014/main" id="{9A68BD7C-72FC-4E92-88BB-3401D485D2B7}"/>
-                </a:ext>
-              </a:extLst>
-            </p:cNvPr>
-            <p:cNvPicPr>
-              <a:picLocks noChangeAspect="1"/>
-            </p:cNvPicPr>
-            <p:nvPr>
-              <p:extLst>
-                <p:ext uri="{386F3935-93C4-4BCD-93E2-E3B085C9AB24}">
-                  <p16:designElem xmlns:p16="http://schemas.microsoft.com/office/powerpoint/2015/main" val="1"/>
-                </p:ext>
-              </p:extLst>
-            </p:nvPr>
-          </p:nvPicPr>
-          <p:blipFill rotWithShape="1">
-            <a:blip r:embed="rId6">
-              <a:extLst>
-                <a:ext uri="{28A0092B-C50C-407E-A947-70E740481C1C}">
-                  <a14:useLocalDpi xmlns:a14="http://schemas.microsoft.com/office/drawing/2010/main" val="0"/>
-                </a:ext>
-              </a:extLst>
-            </a:blip>
-            <a:srcRect/>
-            <a:stretch/>
-          </p:blipFill>
-          <p:spPr>
-            <a:xfrm>
-              <a:off x="-15736" y="3153832"/>
-              <a:ext cx="777240" cy="606425"/>
-            </a:xfrm>
-            <a:prstGeom prst="rect">
-              <a:avLst/>
-            </a:prstGeom>
-          </p:spPr>
-        </p:pic>
-        <p:pic>
-          <p:nvPicPr>
-            <p:cNvPr id="23" name="Picture 22">
-              <a:extLst>
-                <a:ext uri="{FF2B5EF4-FFF2-40B4-BE49-F238E27FC236}">
-                  <a16:creationId xmlns:a16="http://schemas.microsoft.com/office/drawing/2014/main" id="{C8B73423-E00D-4FC9-9873-0C259A14BC19}"/>
-                </a:ext>
-              </a:extLst>
-            </p:cNvPr>
-            <p:cNvPicPr>
-              <a:picLocks noChangeAspect="1"/>
-            </p:cNvPicPr>
-            <p:nvPr>
-              <p:extLst>
-                <p:ext uri="{386F3935-93C4-4BCD-93E2-E3B085C9AB24}">
-                  <p16:designElem xmlns:p16="http://schemas.microsoft.com/office/powerpoint/2015/main" val="1"/>
-                </p:ext>
-              </p:extLst>
-            </p:nvPr>
-          </p:nvPicPr>
-          <p:blipFill rotWithShape="1">
-            <a:blip r:embed="rId6">
-              <a:extLst>
-                <a:ext uri="{28A0092B-C50C-407E-A947-70E740481C1C}">
-                  <a14:useLocalDpi xmlns:a14="http://schemas.microsoft.com/office/drawing/2010/main" val="0"/>
-                </a:ext>
-              </a:extLst>
-            </a:blip>
-            <a:srcRect/>
-            <a:stretch/>
-          </p:blipFill>
-          <p:spPr>
-            <a:xfrm>
-              <a:off x="11436986" y="3153832"/>
-              <a:ext cx="777240" cy="606425"/>
-            </a:xfrm>
-            <a:prstGeom prst="rect">
-              <a:avLst/>
-            </a:prstGeom>
-          </p:spPr>
-        </p:pic>
-      </p:grpSp>
-      <p:sp>
-        <p:nvSpPr>
-          <p:cNvPr id="25" name="Rectangle 24">
-            <a:extLst>
-              <a:ext uri="{FF2B5EF4-FFF2-40B4-BE49-F238E27FC236}">
-                <a16:creationId xmlns:a16="http://schemas.microsoft.com/office/drawing/2014/main" id="{22EEABFB-D1AB-4BFF-84FC-449548E93E09}"/>
-              </a:ext>
-            </a:extLst>
-          </p:cNvPr>
-          <p:cNvSpPr>
-            <a:spLocks noGrp="1" noRot="1" noChangeAspect="1" noMove="1" noResize="1" noEditPoints="1" noAdjustHandles="1" noChangeArrowheads="1" noChangeShapeType="1" noTextEdit="1"/>
-          </p:cNvSpPr>
-          <p:nvPr>
-            <p:extLst>
-              <p:ext uri="{386F3935-93C4-4BCD-93E2-E3B085C9AB24}">
-                <p16:designElem xmlns:p16="http://schemas.microsoft.com/office/powerpoint/2015/main" val="1"/>
-              </p:ext>
-            </p:extLst>
-          </p:nvPr>
-        </p:nvSpPr>
-        <p:spPr>
-          <a:xfrm>
-            <a:off x="1092644" y="1092200"/>
-            <a:ext cx="4976494" cy="4515104"/>
-          </a:xfrm>
-          <a:prstGeom prst="rect">
-            <a:avLst/>
-          </a:prstGeom>
-          <a:solidFill>
-            <a:schemeClr val="bg1"/>
-          </a:solidFill>
-          <a:ln w="57150" cmpd="thickThin">
-            <a:solidFill>
-              <a:schemeClr val="tx1">
-                <a:lumMod val="50000"/>
-                <a:lumOff val="50000"/>
-              </a:schemeClr>
-            </a:solidFill>
-            <a:miter lim="800000"/>
-          </a:ln>
-        </p:spPr>
-        <p:style>
-          <a:lnRef idx="2">
-            <a:schemeClr val="accent1">
-              <a:shade val="50000"/>
-            </a:schemeClr>
-          </a:lnRef>
-          <a:fillRef idx="1">
-            <a:schemeClr val="accent1"/>
-          </a:fillRef>
-          <a:effectRef idx="0">
-            <a:schemeClr val="accent1"/>
-          </a:effectRef>
-          <a:fontRef idx="minor">
-            <a:schemeClr val="lt1"/>
-          </a:fontRef>
-        </p:style>
-        <p:txBody>
-          <a:bodyPr rtlCol="0" anchor="ctr"/>
-          <a:lstStyle/>
-          <a:p>
-            <a:pPr algn="ctr"/>
-            <a:endParaRPr lang="en-US"/>
-          </a:p>
-        </p:txBody>
-      </p:sp>
-      <p:pic>
-        <p:nvPicPr>
-          <p:cNvPr id="4" name="Billede 12">
-            <a:extLst>
-              <a:ext uri="{FF2B5EF4-FFF2-40B4-BE49-F238E27FC236}">
-                <a16:creationId xmlns:a16="http://schemas.microsoft.com/office/drawing/2014/main" id="{4F75A8F3-E8EB-41A2-A51A-B4F6D4DE7ECA}"/>
-              </a:ext>
-            </a:extLst>
-          </p:cNvPr>
-          <p:cNvPicPr/>
-          <p:nvPr/>
-        </p:nvPicPr>
-        <p:blipFill>
-          <a:blip r:embed="rId7" cstate="print">
-            <a:extLst>
-              <a:ext uri="{28A0092B-C50C-407E-A947-70E740481C1C}">
-                <a14:useLocalDpi xmlns:a14="http://schemas.microsoft.com/office/drawing/2010/main" val="0"/>
-              </a:ext>
-            </a:extLst>
-          </a:blip>
-          <a:stretch>
-            <a:fillRect/>
-          </a:stretch>
-        </p:blipFill>
-        <p:spPr>
-          <a:xfrm>
-            <a:off x="1412683" y="2219750"/>
-            <a:ext cx="4348925" cy="2239695"/>
-          </a:xfrm>
-          <a:prstGeom prst="rect">
-            <a:avLst/>
-          </a:prstGeom>
-        </p:spPr>
-      </p:pic>
-      <p:cxnSp>
-        <p:nvCxnSpPr>
-          <p:cNvPr id="27" name="Straight Connector 26">
-            <a:extLst>
-              <a:ext uri="{FF2B5EF4-FFF2-40B4-BE49-F238E27FC236}">
-                <a16:creationId xmlns:a16="http://schemas.microsoft.com/office/drawing/2014/main" id="{4231BC86-8965-4F95-9FD9-76313A7D601B}"/>
-              </a:ext>
-            </a:extLst>
-          </p:cNvPr>
-          <p:cNvCxnSpPr>
-            <a:cxnSpLocks noGrp="1" noRot="1" noChangeAspect="1" noMove="1" noResize="1" noEditPoints="1" noAdjustHandles="1" noChangeArrowheads="1" noChangeShapeType="1"/>
-          </p:cNvCxnSpPr>
-          <p:nvPr>
-            <p:extLst>
-              <p:ext uri="{386F3935-93C4-4BCD-93E2-E3B085C9AB24}">
-                <p16:designElem xmlns:p16="http://schemas.microsoft.com/office/powerpoint/2015/main" val="1"/>
-              </p:ext>
-            </p:extLst>
-          </p:nvPr>
-        </p:nvCxnSpPr>
-        <p:spPr>
-          <a:xfrm>
-            <a:off x="6553770" y="3522131"/>
-            <a:ext cx="4520638" cy="0"/>
-          </a:xfrm>
-          <a:prstGeom prst="line">
-            <a:avLst/>
-          </a:prstGeom>
-        </p:spPr>
-        <p:style>
-          <a:lnRef idx="2">
-            <a:schemeClr val="accent1"/>
-          </a:lnRef>
-          <a:fillRef idx="0">
-            <a:schemeClr val="accent1"/>
-          </a:fillRef>
-          <a:effectRef idx="1">
-            <a:schemeClr val="accent1"/>
-          </a:effectRef>
-          <a:fontRef idx="minor">
-            <a:schemeClr val="tx1"/>
-          </a:fontRef>
-        </p:style>
-      </p:cxnSp>
-      <p:sp>
-        <p:nvSpPr>
-          <p:cNvPr id="2" name="Title 1">
-            <a:extLst>
-              <a:ext uri="{FF2B5EF4-FFF2-40B4-BE49-F238E27FC236}">
-                <a16:creationId xmlns:a16="http://schemas.microsoft.com/office/drawing/2014/main" id="{13438430-C715-4EE2-BFA8-D9B41F760649}"/>
-              </a:ext>
-            </a:extLst>
-          </p:cNvPr>
-          <p:cNvSpPr>
-            <a:spLocks noGrp="1"/>
-          </p:cNvSpPr>
-          <p:nvPr>
-            <p:ph type="title"/>
-          </p:nvPr>
-        </p:nvSpPr>
-        <p:spPr>
-          <a:xfrm>
-            <a:off x="6553770" y="1041401"/>
-            <a:ext cx="4538526" cy="2345264"/>
-          </a:xfrm>
-        </p:spPr>
-        <p:txBody>
-          <a:bodyPr vert="horz" lIns="91440" tIns="45720" rIns="91440" bIns="45720" rtlCol="0" anchor="b">
-            <a:normAutofit/>
-          </a:bodyPr>
-          <a:lstStyle/>
-          <a:p>
-            <a:r>
-              <a:rPr lang="en-US" sz="5400" b="1">
-                <a:solidFill>
-                  <a:srgbClr val="262626"/>
-                </a:solidFill>
-              </a:rPr>
-              <a:t>Facade</a:t>
-            </a:r>
-          </a:p>
-        </p:txBody>
-      </p:sp>
-    </p:spTree>
-    <p:extLst>
-      <p:ext uri="{BB962C8B-B14F-4D97-AF65-F5344CB8AC3E}">
-        <p14:creationId xmlns:p14="http://schemas.microsoft.com/office/powerpoint/2010/main" val="732939086"/>
-      </p:ext>
-    </p:extLst>
-  </p:cSld>
-  <p:clrMapOvr>
-    <a:masterClrMapping/>
-  </p:clrMapOvr>
-  <p:transition spd="med">
-    <p:pull/>
-  </p:transition>
-</p:sld>
-</file>
-
-<file path=ppt/slides/slide14.xml><?xml version="1.0" encoding="utf-8"?>
-<p:sld xmlns:a="http://schemas.openxmlformats.org/drawingml/2006/main" xmlns:r="http://schemas.openxmlformats.org/officeDocument/2006/relationships" xmlns:p="http://schemas.openxmlformats.org/presentationml/2006/main">
-  <p:cSld>
-    <p:bg>
-      <p:bgPr>
-        <a:blipFill>
-          <a:blip r:embed="rId2">
-            <a:extLst/>
-          </a:blip>
-          <a:stretch/>
-        </a:blipFill>
-        <a:effectLst/>
-      </p:bgPr>
-    </p:bg>
-    <p:spTree>
-      <p:nvGrpSpPr>
-        <p:cNvPr id="1" name=""/>
-        <p:cNvGrpSpPr/>
-        <p:nvPr/>
-      </p:nvGrpSpPr>
-      <p:grpSpPr>
-        <a:xfrm>
-          <a:off x="0" y="0"/>
-          <a:ext cx="0" cy="0"/>
-          <a:chOff x="0" y="0"/>
-          <a:chExt cx="0" cy="0"/>
-        </a:xfrm>
-      </p:grpSpPr>
-      <p:grpSp>
-        <p:nvGrpSpPr>
-          <p:cNvPr id="9" name="Group 8">
-            <a:extLst>
-              <a:ext uri="{FF2B5EF4-FFF2-40B4-BE49-F238E27FC236}">
-                <a16:creationId xmlns:a16="http://schemas.microsoft.com/office/drawing/2014/main" id="{749C117F-F390-437B-ADB0-57E87EFF34F5}"/>
-              </a:ext>
-            </a:extLst>
-          </p:cNvPr>
-          <p:cNvGrpSpPr>
-            <a:grpSpLocks noGrp="1" noUngrp="1" noRot="1" noChangeAspect="1" noMove="1" noResize="1"/>
-          </p:cNvGrpSpPr>
-          <p:nvPr>
-            <p:extLst>
-              <p:ext uri="{386F3935-93C4-4BCD-93E2-E3B085C9AB24}">
-                <p16:designElem xmlns:p16="http://schemas.microsoft.com/office/powerpoint/2015/main" val="1"/>
-              </p:ext>
-            </p:extLst>
-          </p:nvPr>
-        </p:nvGrpSpPr>
-        <p:grpSpPr>
-          <a:xfrm>
-            <a:off x="-16934" y="0"/>
-            <a:ext cx="12231160" cy="6856214"/>
-            <a:chOff x="-16934" y="0"/>
-            <a:chExt cx="12231160" cy="6856214"/>
-          </a:xfrm>
-        </p:grpSpPr>
-        <p:pic>
-          <p:nvPicPr>
-            <p:cNvPr id="10" name="Picture 9">
-              <a:extLst>
-                <a:ext uri="{FF2B5EF4-FFF2-40B4-BE49-F238E27FC236}">
-                  <a16:creationId xmlns:a16="http://schemas.microsoft.com/office/drawing/2014/main" id="{A7EF42F8-2417-49A6-95CE-DE9503B0AA66}"/>
-                </a:ext>
-              </a:extLst>
-            </p:cNvPr>
-            <p:cNvPicPr>
-              <a:picLocks noChangeAspect="1"/>
-            </p:cNvPicPr>
-            <p:nvPr>
-              <p:extLst>
-                <p:ext uri="{386F3935-93C4-4BCD-93E2-E3B085C9AB24}">
-                  <p16:designElem xmlns:p16="http://schemas.microsoft.com/office/powerpoint/2015/main" val="1"/>
-                </p:ext>
-              </p:extLst>
-            </p:nvPr>
-          </p:nvPicPr>
-          <p:blipFill>
-            <a:blip r:embed="rId3">
-              <a:extLst>
-                <a:ext uri="{28A0092B-C50C-407E-A947-70E740481C1C}">
-                  <a14:useLocalDpi xmlns:a14="http://schemas.microsoft.com/office/drawing/2010/main" val="0"/>
-                </a:ext>
-              </a:extLst>
-            </a:blip>
-            <a:stretch>
-              <a:fillRect/>
-            </a:stretch>
-          </p:blipFill>
-          <p:spPr>
-            <a:xfrm>
-              <a:off x="0" y="0"/>
-              <a:ext cx="12188825" cy="6856214"/>
-            </a:xfrm>
-            <a:prstGeom prst="rect">
-              <a:avLst/>
-            </a:prstGeom>
-          </p:spPr>
-        </p:pic>
-        <p:sp>
-          <p:nvSpPr>
-            <p:cNvPr id="11" name="Rectangle 10">
-              <a:extLst>
-                <a:ext uri="{FF2B5EF4-FFF2-40B4-BE49-F238E27FC236}">
-                  <a16:creationId xmlns:a16="http://schemas.microsoft.com/office/drawing/2014/main" id="{AC6F623B-2003-4AED-B02F-541A150EC143}"/>
-                </a:ext>
-              </a:extLst>
-            </p:cNvPr>
-            <p:cNvSpPr/>
-            <p:nvPr>
-              <p:extLst>
-                <p:ext uri="{386F3935-93C4-4BCD-93E2-E3B085C9AB24}">
-                  <p16:designElem xmlns:p16="http://schemas.microsoft.com/office/powerpoint/2015/main" val="1"/>
-                </p:ext>
-              </p:extLst>
-            </p:nvPr>
-          </p:nvSpPr>
-          <p:spPr>
-            <a:xfrm>
-              <a:off x="2328332" y="1540931"/>
-              <a:ext cx="7543802" cy="3835401"/>
-            </a:xfrm>
-            <a:prstGeom prst="rect">
-              <a:avLst/>
-            </a:prstGeom>
-            <a:noFill/>
-            <a:ln w="15875">
-              <a:miter lim="800000"/>
-            </a:ln>
-          </p:spPr>
-          <p:style>
-            <a:lnRef idx="1">
-              <a:schemeClr val="accent1"/>
-            </a:lnRef>
-            <a:fillRef idx="3">
-              <a:schemeClr val="accent1"/>
-            </a:fillRef>
-            <a:effectRef idx="2">
-              <a:schemeClr val="accent1"/>
-            </a:effectRef>
-            <a:fontRef idx="minor">
-              <a:schemeClr val="lt1"/>
-            </a:fontRef>
-          </p:style>
-        </p:sp>
-        <p:pic>
-          <p:nvPicPr>
-            <p:cNvPr id="12" name="Picture 11">
-              <a:extLst>
-                <a:ext uri="{FF2B5EF4-FFF2-40B4-BE49-F238E27FC236}">
-                  <a16:creationId xmlns:a16="http://schemas.microsoft.com/office/drawing/2014/main" id="{CD11837A-4F3D-419F-ACE2-E80B1EA2846F}"/>
-                </a:ext>
-              </a:extLst>
-            </p:cNvPr>
-            <p:cNvPicPr>
-              <a:picLocks noChangeAspect="1"/>
-            </p:cNvPicPr>
-            <p:nvPr>
-              <p:extLst>
-                <p:ext uri="{386F3935-93C4-4BCD-93E2-E3B085C9AB24}">
-                  <p16:designElem xmlns:p16="http://schemas.microsoft.com/office/powerpoint/2015/main" val="1"/>
-                </p:ext>
-              </p:extLst>
-            </p:nvPr>
-          </p:nvPicPr>
-          <p:blipFill rotWithShape="1">
-            <a:blip r:embed="rId4">
-              <a:extLst>
-                <a:ext uri="{28A0092B-C50C-407E-A947-70E740481C1C}">
-                  <a14:useLocalDpi xmlns:a14="http://schemas.microsoft.com/office/drawing/2010/main" val="0"/>
-                </a:ext>
-              </a:extLst>
-            </a:blip>
-            <a:srcRect/>
-            <a:stretch/>
-          </p:blipFill>
-          <p:spPr>
-            <a:xfrm>
-              <a:off x="-16934" y="3147609"/>
-              <a:ext cx="2478024" cy="612648"/>
-            </a:xfrm>
-            <a:prstGeom prst="rect">
-              <a:avLst/>
-            </a:prstGeom>
-          </p:spPr>
-        </p:pic>
-        <p:pic>
-          <p:nvPicPr>
-            <p:cNvPr id="13" name="Picture 12">
-              <a:extLst>
-                <a:ext uri="{FF2B5EF4-FFF2-40B4-BE49-F238E27FC236}">
-                  <a16:creationId xmlns:a16="http://schemas.microsoft.com/office/drawing/2014/main" id="{B9411D1A-7E2C-4A36-BE32-BF7A8E130723}"/>
-                </a:ext>
-              </a:extLst>
-            </p:cNvPr>
-            <p:cNvPicPr>
-              <a:picLocks noChangeAspect="1"/>
-            </p:cNvPicPr>
-            <p:nvPr>
-              <p:extLst>
-                <p:ext uri="{386F3935-93C4-4BCD-93E2-E3B085C9AB24}">
-                  <p16:designElem xmlns:p16="http://schemas.microsoft.com/office/powerpoint/2015/main" val="1"/>
-                </p:ext>
-              </p:extLst>
-            </p:nvPr>
-          </p:nvPicPr>
-          <p:blipFill rotWithShape="1">
-            <a:blip r:embed="rId4">
-              <a:extLst>
-                <a:ext uri="{28A0092B-C50C-407E-A947-70E740481C1C}">
-                  <a14:useLocalDpi xmlns:a14="http://schemas.microsoft.com/office/drawing/2010/main" val="0"/>
-                </a:ext>
-              </a:extLst>
-            </a:blip>
-            <a:srcRect/>
-            <a:stretch/>
-          </p:blipFill>
-          <p:spPr>
-            <a:xfrm>
-              <a:off x="9736202" y="3147609"/>
-              <a:ext cx="2478024" cy="612648"/>
-            </a:xfrm>
-            <a:prstGeom prst="rect">
-              <a:avLst/>
-            </a:prstGeom>
-          </p:spPr>
-        </p:pic>
-      </p:grpSp>
-      <p:cxnSp>
-        <p:nvCxnSpPr>
-          <p:cNvPr id="15" name="Straight Connector 14">
-            <a:extLst>
-              <a:ext uri="{FF2B5EF4-FFF2-40B4-BE49-F238E27FC236}">
-                <a16:creationId xmlns:a16="http://schemas.microsoft.com/office/drawing/2014/main" id="{20742BC3-654B-4E41-9A6A-73A42E477639}"/>
-              </a:ext>
-            </a:extLst>
-          </p:cNvPr>
-          <p:cNvCxnSpPr>
-            <a:cxnSpLocks noGrp="1" noRot="1" noChangeAspect="1" noMove="1" noResize="1" noEditPoints="1" noAdjustHandles="1" noChangeArrowheads="1" noChangeShapeType="1"/>
-          </p:cNvCxnSpPr>
-          <p:nvPr>
-            <p:extLst>
-              <p:ext uri="{386F3935-93C4-4BCD-93E2-E3B085C9AB24}">
-                <p16:designElem xmlns:p16="http://schemas.microsoft.com/office/powerpoint/2015/main" val="1"/>
-              </p:ext>
-            </p:extLst>
-          </p:nvPr>
-        </p:nvCxnSpPr>
-        <p:spPr>
-          <a:xfrm>
-            <a:off x="2692399" y="3522131"/>
-            <a:ext cx="6815668" cy="0"/>
-          </a:xfrm>
-          <a:prstGeom prst="line">
-            <a:avLst/>
-          </a:prstGeom>
-        </p:spPr>
-        <p:style>
-          <a:lnRef idx="2">
-            <a:schemeClr val="accent1"/>
-          </a:lnRef>
-          <a:fillRef idx="0">
-            <a:schemeClr val="accent1"/>
-          </a:fillRef>
-          <a:effectRef idx="1">
-            <a:schemeClr val="accent1"/>
-          </a:effectRef>
-          <a:fontRef idx="minor">
-            <a:schemeClr val="tx1"/>
-          </a:fontRef>
-        </p:style>
-      </p:cxnSp>
-      <p:sp useBgFill="1">
-        <p:nvSpPr>
-          <p:cNvPr id="17" name="Rectangle 16">
-            <a:extLst>
-              <a:ext uri="{FF2B5EF4-FFF2-40B4-BE49-F238E27FC236}">
-                <a16:creationId xmlns:a16="http://schemas.microsoft.com/office/drawing/2014/main" id="{575E71FA-50BD-43F8-8C98-04339283A93D}"/>
-              </a:ext>
-            </a:extLst>
-          </p:cNvPr>
-          <p:cNvSpPr>
-            <a:spLocks noGrp="1" noRot="1" noChangeAspect="1" noMove="1" noResize="1" noEditPoints="1" noAdjustHandles="1" noChangeArrowheads="1" noChangeShapeType="1" noTextEdit="1"/>
-          </p:cNvSpPr>
-          <p:nvPr>
-            <p:extLst>
-              <p:ext uri="{386F3935-93C4-4BCD-93E2-E3B085C9AB24}">
-                <p16:designElem xmlns:p16="http://schemas.microsoft.com/office/powerpoint/2015/main" val="1"/>
-              </p:ext>
-            </p:extLst>
-          </p:nvPr>
-        </p:nvSpPr>
-        <p:spPr>
-          <a:xfrm>
-            <a:off x="0" y="0"/>
-            <a:ext cx="12188952" cy="6858000"/>
-          </a:xfrm>
-          <a:prstGeom prst="rect">
-            <a:avLst/>
-          </a:prstGeom>
-          <a:ln>
-            <a:noFill/>
-          </a:ln>
-        </p:spPr>
-        <p:style>
-          <a:lnRef idx="2">
-            <a:schemeClr val="accent1">
-              <a:shade val="50000"/>
-            </a:schemeClr>
-          </a:lnRef>
-          <a:fillRef idx="1">
-            <a:schemeClr val="accent1"/>
-          </a:fillRef>
-          <a:effectRef idx="0">
-            <a:schemeClr val="accent1"/>
-          </a:effectRef>
-          <a:fontRef idx="minor">
-            <a:schemeClr val="lt1"/>
-          </a:fontRef>
-        </p:style>
-        <p:txBody>
-          <a:bodyPr rtlCol="0" anchor="ctr"/>
-          <a:lstStyle/>
-          <a:p>
-            <a:pPr algn="ctr"/>
-            <a:endParaRPr lang="en-US"/>
-          </a:p>
-        </p:txBody>
-      </p:sp>
-      <p:grpSp>
-        <p:nvGrpSpPr>
-          <p:cNvPr id="19" name="Group 18">
-            <a:extLst>
-              <a:ext uri="{FF2B5EF4-FFF2-40B4-BE49-F238E27FC236}">
-                <a16:creationId xmlns:a16="http://schemas.microsoft.com/office/drawing/2014/main" id="{CF1AA7F6-A589-4BC8-BC72-2CA6DC908398}"/>
-              </a:ext>
-            </a:extLst>
-          </p:cNvPr>
-          <p:cNvGrpSpPr>
-            <a:grpSpLocks noGrp="1" noUngrp="1" noRot="1" noChangeAspect="1" noMove="1" noResize="1"/>
-          </p:cNvGrpSpPr>
-          <p:nvPr>
-            <p:extLst>
-              <p:ext uri="{386F3935-93C4-4BCD-93E2-E3B085C9AB24}">
-                <p16:designElem xmlns:p16="http://schemas.microsoft.com/office/powerpoint/2015/main" val="1"/>
-              </p:ext>
-            </p:extLst>
-          </p:nvPr>
-        </p:nvGrpSpPr>
-        <p:grpSpPr>
-          <a:xfrm>
-            <a:off x="-15736" y="0"/>
-            <a:ext cx="12229962" cy="6856214"/>
-            <a:chOff x="-15736" y="0"/>
-            <a:chExt cx="12229962" cy="6856214"/>
-          </a:xfrm>
-        </p:grpSpPr>
-        <p:pic>
-          <p:nvPicPr>
-            <p:cNvPr id="20" name="Picture 19">
-              <a:extLst>
-                <a:ext uri="{FF2B5EF4-FFF2-40B4-BE49-F238E27FC236}">
-                  <a16:creationId xmlns:a16="http://schemas.microsoft.com/office/drawing/2014/main" id="{53F5243F-7E41-439E-8991-C4F246D88F68}"/>
-                </a:ext>
-              </a:extLst>
-            </p:cNvPr>
-            <p:cNvPicPr>
-              <a:picLocks noChangeAspect="1"/>
-            </p:cNvPicPr>
-            <p:nvPr>
-              <p:extLst>
-                <p:ext uri="{386F3935-93C4-4BCD-93E2-E3B085C9AB24}">
-                  <p16:designElem xmlns:p16="http://schemas.microsoft.com/office/powerpoint/2015/main" val="1"/>
-                </p:ext>
-              </p:extLst>
-            </p:nvPr>
-          </p:nvPicPr>
-          <p:blipFill>
-            <a:blip r:embed="rId5">
-              <a:extLst>
-                <a:ext uri="{28A0092B-C50C-407E-A947-70E740481C1C}">
-                  <a14:useLocalDpi xmlns:a14="http://schemas.microsoft.com/office/drawing/2010/main" val="0"/>
-                </a:ext>
-              </a:extLst>
-            </a:blip>
-            <a:stretch>
-              <a:fillRect/>
-            </a:stretch>
-          </p:blipFill>
-          <p:spPr>
-            <a:xfrm>
-              <a:off x="0" y="0"/>
-              <a:ext cx="12188825" cy="6856214"/>
-            </a:xfrm>
-            <a:prstGeom prst="rect">
-              <a:avLst/>
-            </a:prstGeom>
-          </p:spPr>
-        </p:pic>
-        <p:sp>
-          <p:nvSpPr>
-            <p:cNvPr id="21" name="Rectangle 20">
-              <a:extLst>
-                <a:ext uri="{FF2B5EF4-FFF2-40B4-BE49-F238E27FC236}">
-                  <a16:creationId xmlns:a16="http://schemas.microsoft.com/office/drawing/2014/main" id="{401A6B5F-1CF1-43AD-9E85-94E187210CFC}"/>
-                </a:ext>
-              </a:extLst>
-            </p:cNvPr>
-            <p:cNvSpPr/>
-            <p:nvPr>
-              <p:extLst>
-                <p:ext uri="{386F3935-93C4-4BCD-93E2-E3B085C9AB24}">
-                  <p16:designElem xmlns:p16="http://schemas.microsoft.com/office/powerpoint/2015/main" val="1"/>
-                </p:ext>
-              </p:extLst>
-            </p:nvPr>
-          </p:nvSpPr>
-          <p:spPr>
-            <a:xfrm>
-              <a:off x="608012" y="609600"/>
-              <a:ext cx="10972800" cy="5638800"/>
-            </a:xfrm>
-            <a:prstGeom prst="rect">
-              <a:avLst/>
-            </a:prstGeom>
-            <a:noFill/>
-            <a:ln w="15875" cap="flat">
-              <a:miter lim="800000"/>
-            </a:ln>
-          </p:spPr>
-          <p:style>
-            <a:lnRef idx="1">
-              <a:schemeClr val="accent1"/>
-            </a:lnRef>
-            <a:fillRef idx="3">
-              <a:schemeClr val="accent1"/>
-            </a:fillRef>
-            <a:effectRef idx="2">
-              <a:schemeClr val="accent1"/>
-            </a:effectRef>
-            <a:fontRef idx="minor">
-              <a:schemeClr val="lt1"/>
-            </a:fontRef>
-          </p:style>
-        </p:sp>
-        <p:pic>
-          <p:nvPicPr>
-            <p:cNvPr id="22" name="Picture 21">
-              <a:extLst>
-                <a:ext uri="{FF2B5EF4-FFF2-40B4-BE49-F238E27FC236}">
-                  <a16:creationId xmlns:a16="http://schemas.microsoft.com/office/drawing/2014/main" id="{2F682A59-7E20-407C-A7F8-582295AC687C}"/>
-                </a:ext>
-              </a:extLst>
-            </p:cNvPr>
-            <p:cNvPicPr>
-              <a:picLocks noChangeAspect="1"/>
-            </p:cNvPicPr>
-            <p:nvPr>
-              <p:extLst>
-                <p:ext uri="{386F3935-93C4-4BCD-93E2-E3B085C9AB24}">
-                  <p16:designElem xmlns:p16="http://schemas.microsoft.com/office/powerpoint/2015/main" val="1"/>
-                </p:ext>
-              </p:extLst>
-            </p:nvPr>
-          </p:nvPicPr>
-          <p:blipFill rotWithShape="1">
-            <a:blip r:embed="rId6">
-              <a:extLst>
-                <a:ext uri="{28A0092B-C50C-407E-A947-70E740481C1C}">
-                  <a14:useLocalDpi xmlns:a14="http://schemas.microsoft.com/office/drawing/2010/main" val="0"/>
-                </a:ext>
-              </a:extLst>
-            </a:blip>
-            <a:srcRect/>
-            <a:stretch/>
-          </p:blipFill>
-          <p:spPr>
-            <a:xfrm>
-              <a:off x="-15736" y="3153832"/>
-              <a:ext cx="777240" cy="606425"/>
-            </a:xfrm>
-            <a:prstGeom prst="rect">
-              <a:avLst/>
-            </a:prstGeom>
-          </p:spPr>
-        </p:pic>
-        <p:pic>
-          <p:nvPicPr>
-            <p:cNvPr id="23" name="Picture 22">
-              <a:extLst>
-                <a:ext uri="{FF2B5EF4-FFF2-40B4-BE49-F238E27FC236}">
-                  <a16:creationId xmlns:a16="http://schemas.microsoft.com/office/drawing/2014/main" id="{5E4AC24E-0670-406E-822F-AAA6DA2010D3}"/>
-                </a:ext>
-              </a:extLst>
-            </p:cNvPr>
-            <p:cNvPicPr>
-              <a:picLocks noChangeAspect="1"/>
-            </p:cNvPicPr>
-            <p:nvPr>
-              <p:extLst>
-                <p:ext uri="{386F3935-93C4-4BCD-93E2-E3B085C9AB24}">
-                  <p16:designElem xmlns:p16="http://schemas.microsoft.com/office/powerpoint/2015/main" val="1"/>
-                </p:ext>
-              </p:extLst>
-            </p:nvPr>
-          </p:nvPicPr>
-          <p:blipFill rotWithShape="1">
-            <a:blip r:embed="rId6">
-              <a:extLst>
-                <a:ext uri="{28A0092B-C50C-407E-A947-70E740481C1C}">
-                  <a14:useLocalDpi xmlns:a14="http://schemas.microsoft.com/office/drawing/2010/main" val="0"/>
-                </a:ext>
-              </a:extLst>
-            </a:blip>
-            <a:srcRect/>
-            <a:stretch/>
-          </p:blipFill>
-          <p:spPr>
-            <a:xfrm>
-              <a:off x="11436986" y="3153832"/>
-              <a:ext cx="777240" cy="606425"/>
-            </a:xfrm>
-            <a:prstGeom prst="rect">
-              <a:avLst/>
-            </a:prstGeom>
-          </p:spPr>
-        </p:pic>
-      </p:grpSp>
-      <p:sp>
-        <p:nvSpPr>
-          <p:cNvPr id="25" name="Rectangle 24">
+          <p:cNvPr id="78" name="Rectangle 77">
             <a:extLst>
               <a:ext uri="{FF2B5EF4-FFF2-40B4-BE49-F238E27FC236}">
                 <a16:creationId xmlns:a16="http://schemas.microsoft.com/office/drawing/2014/main" id="{E89B1776-F953-4C0F-8E85-E9C66B1EF003}"/>
+              </a:ext>
+              <a:ext uri="{C183D7F6-B498-43B3-948B-1728B52AA6E4}">
+                <adec:decorative xmlns:adec="http://schemas.microsoft.com/office/drawing/2017/decorative" val="1"/>
               </a:ext>
             </a:extLst>
           </p:cNvPr>
@@ -19360,18 +18031,20 @@
       </p:sp>
       <p:pic>
         <p:nvPicPr>
-          <p:cNvPr id="4" name="Billede 6">
+          <p:cNvPr id="5" name="Billede 4" descr="Et billede, der indeholder skærmbillede&#10;&#10;Beskrivelse, der er oprettet med høj sikkerhed">
             <a:extLst>
               <a:ext uri="{FF2B5EF4-FFF2-40B4-BE49-F238E27FC236}">
-                <a16:creationId xmlns:a16="http://schemas.microsoft.com/office/drawing/2014/main" id="{BB719191-E8C7-4E49-B65E-16DA97C3731D}"/>
+                <a16:creationId xmlns:a16="http://schemas.microsoft.com/office/drawing/2014/main" id="{4F29FE0D-21B6-411C-80A1-B5F5CEBC8E82}"/>
               </a:ext>
             </a:extLst>
           </p:cNvPr>
-          <p:cNvPicPr/>
+          <p:cNvPicPr>
+            <a:picLocks noChangeAspect="1"/>
+          </p:cNvPicPr>
           <p:nvPr/>
         </p:nvPicPr>
         <p:blipFill>
-          <a:blip r:embed="rId7" cstate="print">
+          <a:blip r:embed="rId7">
             <a:extLst>
               <a:ext uri="{28A0092B-C50C-407E-A947-70E740481C1C}">
                 <a14:useLocalDpi xmlns:a14="http://schemas.microsoft.com/office/drawing/2010/main" val="0"/>
@@ -19384,8 +18057,8 @@
         </p:blipFill>
         <p:spPr>
           <a:xfrm>
-            <a:off x="1412683" y="1850197"/>
-            <a:ext cx="5784083" cy="2978801"/>
+            <a:off x="1219375" y="1250696"/>
+            <a:ext cx="6172043" cy="4215384"/>
           </a:xfrm>
           <a:prstGeom prst="rect">
             <a:avLst/>
@@ -19394,10 +18067,1553 @@
       </p:pic>
       <p:cxnSp>
         <p:nvCxnSpPr>
-          <p:cNvPr id="27" name="Straight Connector 26">
+          <p:cNvPr id="80" name="Straight Connector 79">
             <a:extLst>
               <a:ext uri="{FF2B5EF4-FFF2-40B4-BE49-F238E27FC236}">
                 <a16:creationId xmlns:a16="http://schemas.microsoft.com/office/drawing/2014/main" id="{997356D0-D934-42B9-8291-DF34A3AC0CFE}"/>
+              </a:ext>
+              <a:ext uri="{C183D7F6-B498-43B3-948B-1728B52AA6E4}">
+                <adec:decorative xmlns:adec="http://schemas.microsoft.com/office/drawing/2017/decorative" val="1"/>
+              </a:ext>
+            </a:extLst>
+          </p:cNvPr>
+          <p:cNvCxnSpPr>
+            <a:cxnSpLocks noGrp="1" noRot="1" noChangeAspect="1" noMove="1" noResize="1" noEditPoints="1" noAdjustHandles="1" noChangeArrowheads="1" noChangeShapeType="1"/>
+          </p:cNvCxnSpPr>
+          <p:nvPr>
+            <p:extLst>
+              <p:ext uri="{386F3935-93C4-4BCD-93E2-E3B085C9AB24}">
+                <p16:designElem xmlns:p16="http://schemas.microsoft.com/office/powerpoint/2015/main" val="1"/>
+              </p:ext>
+            </p:extLst>
+          </p:nvPr>
+        </p:nvCxnSpPr>
+        <p:spPr>
+          <a:xfrm>
+            <a:off x="7999431" y="3509772"/>
+            <a:ext cx="3074977" cy="12359"/>
+          </a:xfrm>
+          <a:prstGeom prst="line">
+            <a:avLst/>
+          </a:prstGeom>
+        </p:spPr>
+        <p:style>
+          <a:lnRef idx="2">
+            <a:schemeClr val="accent1"/>
+          </a:lnRef>
+          <a:fillRef idx="0">
+            <a:schemeClr val="accent1"/>
+          </a:fillRef>
+          <a:effectRef idx="1">
+            <a:schemeClr val="accent1"/>
+          </a:effectRef>
+          <a:fontRef idx="minor">
+            <a:schemeClr val="tx1"/>
+          </a:fontRef>
+        </p:style>
+      </p:cxnSp>
+      <p:sp>
+        <p:nvSpPr>
+          <p:cNvPr id="2" name="Title 1">
+            <a:extLst>
+              <a:ext uri="{FF2B5EF4-FFF2-40B4-BE49-F238E27FC236}">
+                <a16:creationId xmlns:a16="http://schemas.microsoft.com/office/drawing/2014/main" id="{562308BA-7D7D-40A4-BB40-4B95E4FD1A21}"/>
+              </a:ext>
+            </a:extLst>
+          </p:cNvPr>
+          <p:cNvSpPr>
+            <a:spLocks noGrp="1"/>
+          </p:cNvSpPr>
+          <p:nvPr>
+            <p:ph type="title"/>
+          </p:nvPr>
+        </p:nvSpPr>
+        <p:spPr>
+          <a:xfrm>
+            <a:off x="8013290" y="1041401"/>
+            <a:ext cx="3079006" cy="2345264"/>
+          </a:xfrm>
+        </p:spPr>
+        <p:txBody>
+          <a:bodyPr vert="horz" lIns="91440" tIns="45720" rIns="91440" bIns="45720" rtlCol="0" anchor="b">
+            <a:normAutofit/>
+          </a:bodyPr>
+          <a:lstStyle/>
+          <a:p>
+            <a:r>
+              <a:rPr lang="en-US" b="1">
+                <a:solidFill>
+                  <a:srgbClr val="262626"/>
+                </a:solidFill>
+              </a:rPr>
+              <a:t>Singleton</a:t>
+            </a:r>
+          </a:p>
+        </p:txBody>
+      </p:sp>
+    </p:spTree>
+    <p:extLst>
+      <p:ext uri="{BB962C8B-B14F-4D97-AF65-F5344CB8AC3E}">
+        <p14:creationId xmlns:p14="http://schemas.microsoft.com/office/powerpoint/2010/main" val="3841609833"/>
+      </p:ext>
+    </p:extLst>
+  </p:cSld>
+  <p:clrMapOvr>
+    <a:masterClrMapping/>
+  </p:clrMapOvr>
+  <p:transition spd="med">
+    <p:pull/>
+  </p:transition>
+</p:sld>
+</file>
+
+<file path=ppt/slides/slide13.xml><?xml version="1.0" encoding="utf-8"?>
+<p:sld xmlns:a="http://schemas.openxmlformats.org/drawingml/2006/main" xmlns:r="http://schemas.openxmlformats.org/officeDocument/2006/relationships" xmlns:p="http://schemas.openxmlformats.org/presentationml/2006/main">
+  <p:cSld>
+    <p:bg>
+      <p:bgPr>
+        <a:blipFill>
+          <a:blip r:embed="rId2">
+            <a:extLst/>
+          </a:blip>
+          <a:stretch/>
+        </a:blipFill>
+        <a:effectLst/>
+      </p:bgPr>
+    </p:bg>
+    <p:spTree>
+      <p:nvGrpSpPr>
+        <p:cNvPr id="1" name=""/>
+        <p:cNvGrpSpPr/>
+        <p:nvPr/>
+      </p:nvGrpSpPr>
+      <p:grpSpPr>
+        <a:xfrm>
+          <a:off x="0" y="0"/>
+          <a:ext cx="0" cy="0"/>
+          <a:chOff x="0" y="0"/>
+          <a:chExt cx="0" cy="0"/>
+        </a:xfrm>
+      </p:grpSpPr>
+      <p:grpSp>
+        <p:nvGrpSpPr>
+          <p:cNvPr id="78" name="Group 77">
+            <a:extLst>
+              <a:ext uri="{FF2B5EF4-FFF2-40B4-BE49-F238E27FC236}">
+                <a16:creationId xmlns:a16="http://schemas.microsoft.com/office/drawing/2014/main" id="{749C117F-F390-437B-ADB0-57E87EFF34F5}"/>
+              </a:ext>
+              <a:ext uri="{C183D7F6-B498-43B3-948B-1728B52AA6E4}">
+                <adec:decorative xmlns:adec="http://schemas.microsoft.com/office/drawing/2017/decorative" val="1"/>
+              </a:ext>
+            </a:extLst>
+          </p:cNvPr>
+          <p:cNvGrpSpPr>
+            <a:grpSpLocks noGrp="1" noUngrp="1" noRot="1" noChangeAspect="1" noMove="1" noResize="1"/>
+          </p:cNvGrpSpPr>
+          <p:nvPr>
+            <p:extLst>
+              <p:ext uri="{386F3935-93C4-4BCD-93E2-E3B085C9AB24}">
+                <p16:designElem xmlns:p16="http://schemas.microsoft.com/office/powerpoint/2015/main" val="1"/>
+              </p:ext>
+            </p:extLst>
+          </p:nvPr>
+        </p:nvGrpSpPr>
+        <p:grpSpPr>
+          <a:xfrm>
+            <a:off x="-16934" y="0"/>
+            <a:ext cx="12231160" cy="6856214"/>
+            <a:chOff x="-16934" y="0"/>
+            <a:chExt cx="12231160" cy="6856214"/>
+          </a:xfrm>
+        </p:grpSpPr>
+        <p:pic>
+          <p:nvPicPr>
+            <p:cNvPr id="79" name="Picture 78">
+              <a:extLst>
+                <a:ext uri="{FF2B5EF4-FFF2-40B4-BE49-F238E27FC236}">
+                  <a16:creationId xmlns:a16="http://schemas.microsoft.com/office/drawing/2014/main" id="{A7EF42F8-2417-49A6-95CE-DE9503B0AA66}"/>
+                </a:ext>
+                <a:ext uri="{C183D7F6-B498-43B3-948B-1728B52AA6E4}">
+                  <adec:decorative xmlns:adec="http://schemas.microsoft.com/office/drawing/2017/decorative" val="1"/>
+                </a:ext>
+              </a:extLst>
+            </p:cNvPr>
+            <p:cNvPicPr>
+              <a:picLocks noChangeAspect="1"/>
+            </p:cNvPicPr>
+            <p:nvPr>
+              <p:extLst>
+                <p:ext uri="{386F3935-93C4-4BCD-93E2-E3B085C9AB24}">
+                  <p16:designElem xmlns:p16="http://schemas.microsoft.com/office/powerpoint/2015/main" val="1"/>
+                </p:ext>
+              </p:extLst>
+            </p:nvPr>
+          </p:nvPicPr>
+          <p:blipFill>
+            <a:blip r:embed="rId3">
+              <a:extLst>
+                <a:ext uri="{28A0092B-C50C-407E-A947-70E740481C1C}">
+                  <a14:useLocalDpi xmlns:a14="http://schemas.microsoft.com/office/drawing/2010/main" val="0"/>
+                </a:ext>
+              </a:extLst>
+            </a:blip>
+            <a:stretch>
+              <a:fillRect/>
+            </a:stretch>
+          </p:blipFill>
+          <p:spPr>
+            <a:xfrm>
+              <a:off x="0" y="0"/>
+              <a:ext cx="12188825" cy="6856214"/>
+            </a:xfrm>
+            <a:prstGeom prst="rect">
+              <a:avLst/>
+            </a:prstGeom>
+          </p:spPr>
+        </p:pic>
+        <p:sp>
+          <p:nvSpPr>
+            <p:cNvPr id="80" name="Rectangle 79">
+              <a:extLst>
+                <a:ext uri="{FF2B5EF4-FFF2-40B4-BE49-F238E27FC236}">
+                  <a16:creationId xmlns:a16="http://schemas.microsoft.com/office/drawing/2014/main" id="{AC6F623B-2003-4AED-B02F-541A150EC143}"/>
+                </a:ext>
+                <a:ext uri="{C183D7F6-B498-43B3-948B-1728B52AA6E4}">
+                  <adec:decorative xmlns:adec="http://schemas.microsoft.com/office/drawing/2017/decorative" val="1"/>
+                </a:ext>
+              </a:extLst>
+            </p:cNvPr>
+            <p:cNvSpPr/>
+            <p:nvPr>
+              <p:extLst>
+                <p:ext uri="{386F3935-93C4-4BCD-93E2-E3B085C9AB24}">
+                  <p16:designElem xmlns:p16="http://schemas.microsoft.com/office/powerpoint/2015/main" val="1"/>
+                </p:ext>
+              </p:extLst>
+            </p:nvPr>
+          </p:nvSpPr>
+          <p:spPr>
+            <a:xfrm>
+              <a:off x="2328332" y="1540931"/>
+              <a:ext cx="7543802" cy="3835401"/>
+            </a:xfrm>
+            <a:prstGeom prst="rect">
+              <a:avLst/>
+            </a:prstGeom>
+            <a:noFill/>
+            <a:ln w="15875">
+              <a:miter lim="800000"/>
+            </a:ln>
+          </p:spPr>
+          <p:style>
+            <a:lnRef idx="1">
+              <a:schemeClr val="accent1"/>
+            </a:lnRef>
+            <a:fillRef idx="3">
+              <a:schemeClr val="accent1"/>
+            </a:fillRef>
+            <a:effectRef idx="2">
+              <a:schemeClr val="accent1"/>
+            </a:effectRef>
+            <a:fontRef idx="minor">
+              <a:schemeClr val="lt1"/>
+            </a:fontRef>
+          </p:style>
+        </p:sp>
+        <p:pic>
+          <p:nvPicPr>
+            <p:cNvPr id="81" name="Picture 80">
+              <a:extLst>
+                <a:ext uri="{FF2B5EF4-FFF2-40B4-BE49-F238E27FC236}">
+                  <a16:creationId xmlns:a16="http://schemas.microsoft.com/office/drawing/2014/main" id="{CD11837A-4F3D-419F-ACE2-E80B1EA2846F}"/>
+                </a:ext>
+                <a:ext uri="{C183D7F6-B498-43B3-948B-1728B52AA6E4}">
+                  <adec:decorative xmlns:adec="http://schemas.microsoft.com/office/drawing/2017/decorative" val="1"/>
+                </a:ext>
+              </a:extLst>
+            </p:cNvPr>
+            <p:cNvPicPr>
+              <a:picLocks noChangeAspect="1"/>
+            </p:cNvPicPr>
+            <p:nvPr>
+              <p:extLst>
+                <p:ext uri="{386F3935-93C4-4BCD-93E2-E3B085C9AB24}">
+                  <p16:designElem xmlns:p16="http://schemas.microsoft.com/office/powerpoint/2015/main" val="1"/>
+                </p:ext>
+              </p:extLst>
+            </p:nvPr>
+          </p:nvPicPr>
+          <p:blipFill rotWithShape="1">
+            <a:blip r:embed="rId4">
+              <a:extLst>
+                <a:ext uri="{28A0092B-C50C-407E-A947-70E740481C1C}">
+                  <a14:useLocalDpi xmlns:a14="http://schemas.microsoft.com/office/drawing/2010/main" val="0"/>
+                </a:ext>
+              </a:extLst>
+            </a:blip>
+            <a:srcRect/>
+            <a:stretch/>
+          </p:blipFill>
+          <p:spPr>
+            <a:xfrm>
+              <a:off x="-16934" y="3147609"/>
+              <a:ext cx="2478024" cy="612648"/>
+            </a:xfrm>
+            <a:prstGeom prst="rect">
+              <a:avLst/>
+            </a:prstGeom>
+          </p:spPr>
+        </p:pic>
+        <p:pic>
+          <p:nvPicPr>
+            <p:cNvPr id="82" name="Picture 81">
+              <a:extLst>
+                <a:ext uri="{FF2B5EF4-FFF2-40B4-BE49-F238E27FC236}">
+                  <a16:creationId xmlns:a16="http://schemas.microsoft.com/office/drawing/2014/main" id="{B9411D1A-7E2C-4A36-BE32-BF7A8E130723}"/>
+                </a:ext>
+                <a:ext uri="{C183D7F6-B498-43B3-948B-1728B52AA6E4}">
+                  <adec:decorative xmlns:adec="http://schemas.microsoft.com/office/drawing/2017/decorative" val="1"/>
+                </a:ext>
+              </a:extLst>
+            </p:cNvPr>
+            <p:cNvPicPr>
+              <a:picLocks noChangeAspect="1"/>
+            </p:cNvPicPr>
+            <p:nvPr>
+              <p:extLst>
+                <p:ext uri="{386F3935-93C4-4BCD-93E2-E3B085C9AB24}">
+                  <p16:designElem xmlns:p16="http://schemas.microsoft.com/office/powerpoint/2015/main" val="1"/>
+                </p:ext>
+              </p:extLst>
+            </p:nvPr>
+          </p:nvPicPr>
+          <p:blipFill rotWithShape="1">
+            <a:blip r:embed="rId4">
+              <a:extLst>
+                <a:ext uri="{28A0092B-C50C-407E-A947-70E740481C1C}">
+                  <a14:useLocalDpi xmlns:a14="http://schemas.microsoft.com/office/drawing/2010/main" val="0"/>
+                </a:ext>
+              </a:extLst>
+            </a:blip>
+            <a:srcRect/>
+            <a:stretch/>
+          </p:blipFill>
+          <p:spPr>
+            <a:xfrm>
+              <a:off x="9736202" y="3147609"/>
+              <a:ext cx="2478024" cy="612648"/>
+            </a:xfrm>
+            <a:prstGeom prst="rect">
+              <a:avLst/>
+            </a:prstGeom>
+          </p:spPr>
+        </p:pic>
+      </p:grpSp>
+      <p:cxnSp>
+        <p:nvCxnSpPr>
+          <p:cNvPr id="84" name="Straight Connector 83">
+            <a:extLst>
+              <a:ext uri="{FF2B5EF4-FFF2-40B4-BE49-F238E27FC236}">
+                <a16:creationId xmlns:a16="http://schemas.microsoft.com/office/drawing/2014/main" id="{20742BC3-654B-4E41-9A6A-73A42E477639}"/>
+              </a:ext>
+              <a:ext uri="{C183D7F6-B498-43B3-948B-1728B52AA6E4}">
+                <adec:decorative xmlns:adec="http://schemas.microsoft.com/office/drawing/2017/decorative" val="1"/>
+              </a:ext>
+            </a:extLst>
+          </p:cNvPr>
+          <p:cNvCxnSpPr>
+            <a:cxnSpLocks noGrp="1" noRot="1" noChangeAspect="1" noMove="1" noResize="1" noEditPoints="1" noAdjustHandles="1" noChangeArrowheads="1" noChangeShapeType="1"/>
+          </p:cNvCxnSpPr>
+          <p:nvPr>
+            <p:extLst>
+              <p:ext uri="{386F3935-93C4-4BCD-93E2-E3B085C9AB24}">
+                <p16:designElem xmlns:p16="http://schemas.microsoft.com/office/powerpoint/2015/main" val="1"/>
+              </p:ext>
+            </p:extLst>
+          </p:nvPr>
+        </p:nvCxnSpPr>
+        <p:spPr>
+          <a:xfrm>
+            <a:off x="2692399" y="3522131"/>
+            <a:ext cx="6815668" cy="0"/>
+          </a:xfrm>
+          <a:prstGeom prst="line">
+            <a:avLst/>
+          </a:prstGeom>
+        </p:spPr>
+        <p:style>
+          <a:lnRef idx="2">
+            <a:schemeClr val="accent1"/>
+          </a:lnRef>
+          <a:fillRef idx="0">
+            <a:schemeClr val="accent1"/>
+          </a:fillRef>
+          <a:effectRef idx="1">
+            <a:schemeClr val="accent1"/>
+          </a:effectRef>
+          <a:fontRef idx="minor">
+            <a:schemeClr val="tx1"/>
+          </a:fontRef>
+        </p:style>
+      </p:cxnSp>
+      <p:sp useBgFill="1">
+        <p:nvSpPr>
+          <p:cNvPr id="86" name="Rectangle 85">
+            <a:extLst>
+              <a:ext uri="{FF2B5EF4-FFF2-40B4-BE49-F238E27FC236}">
+                <a16:creationId xmlns:a16="http://schemas.microsoft.com/office/drawing/2014/main" id="{575E71FA-50BD-43F8-8C98-04339283A93D}"/>
+              </a:ext>
+              <a:ext uri="{C183D7F6-B498-43B3-948B-1728B52AA6E4}">
+                <adec:decorative xmlns:adec="http://schemas.microsoft.com/office/drawing/2017/decorative" val="1"/>
+              </a:ext>
+            </a:extLst>
+          </p:cNvPr>
+          <p:cNvSpPr>
+            <a:spLocks noGrp="1" noRot="1" noChangeAspect="1" noMove="1" noResize="1" noEditPoints="1" noAdjustHandles="1" noChangeArrowheads="1" noChangeShapeType="1" noTextEdit="1"/>
+          </p:cNvSpPr>
+          <p:nvPr>
+            <p:extLst>
+              <p:ext uri="{386F3935-93C4-4BCD-93E2-E3B085C9AB24}">
+                <p16:designElem xmlns:p16="http://schemas.microsoft.com/office/powerpoint/2015/main" val="1"/>
+              </p:ext>
+            </p:extLst>
+          </p:nvPr>
+        </p:nvSpPr>
+        <p:spPr>
+          <a:xfrm>
+            <a:off x="0" y="0"/>
+            <a:ext cx="12188952" cy="6858000"/>
+          </a:xfrm>
+          <a:prstGeom prst="rect">
+            <a:avLst/>
+          </a:prstGeom>
+          <a:ln>
+            <a:noFill/>
+          </a:ln>
+        </p:spPr>
+        <p:style>
+          <a:lnRef idx="2">
+            <a:schemeClr val="accent1">
+              <a:shade val="50000"/>
+            </a:schemeClr>
+          </a:lnRef>
+          <a:fillRef idx="1">
+            <a:schemeClr val="accent1"/>
+          </a:fillRef>
+          <a:effectRef idx="0">
+            <a:schemeClr val="accent1"/>
+          </a:effectRef>
+          <a:fontRef idx="minor">
+            <a:schemeClr val="lt1"/>
+          </a:fontRef>
+        </p:style>
+        <p:txBody>
+          <a:bodyPr rtlCol="0" anchor="ctr"/>
+          <a:lstStyle/>
+          <a:p>
+            <a:pPr algn="ctr"/>
+            <a:endParaRPr lang="en-US"/>
+          </a:p>
+        </p:txBody>
+      </p:sp>
+      <p:grpSp>
+        <p:nvGrpSpPr>
+          <p:cNvPr id="88" name="Group 87">
+            <a:extLst>
+              <a:ext uri="{FF2B5EF4-FFF2-40B4-BE49-F238E27FC236}">
+                <a16:creationId xmlns:a16="http://schemas.microsoft.com/office/drawing/2014/main" id="{CF1AA7F6-A589-4BC8-BC72-2CA6DC908398}"/>
+              </a:ext>
+              <a:ext uri="{C183D7F6-B498-43B3-948B-1728B52AA6E4}">
+                <adec:decorative xmlns:adec="http://schemas.microsoft.com/office/drawing/2017/decorative" val="1"/>
+              </a:ext>
+            </a:extLst>
+          </p:cNvPr>
+          <p:cNvGrpSpPr>
+            <a:grpSpLocks noGrp="1" noUngrp="1" noRot="1" noChangeAspect="1" noMove="1" noResize="1"/>
+          </p:cNvGrpSpPr>
+          <p:nvPr>
+            <p:extLst>
+              <p:ext uri="{386F3935-93C4-4BCD-93E2-E3B085C9AB24}">
+                <p16:designElem xmlns:p16="http://schemas.microsoft.com/office/powerpoint/2015/main" val="1"/>
+              </p:ext>
+            </p:extLst>
+          </p:nvPr>
+        </p:nvGrpSpPr>
+        <p:grpSpPr>
+          <a:xfrm>
+            <a:off x="-15736" y="0"/>
+            <a:ext cx="12229962" cy="6856214"/>
+            <a:chOff x="-15736" y="0"/>
+            <a:chExt cx="12229962" cy="6856214"/>
+          </a:xfrm>
+        </p:grpSpPr>
+        <p:pic>
+          <p:nvPicPr>
+            <p:cNvPr id="89" name="Picture 88">
+              <a:extLst>
+                <a:ext uri="{FF2B5EF4-FFF2-40B4-BE49-F238E27FC236}">
+                  <a16:creationId xmlns:a16="http://schemas.microsoft.com/office/drawing/2014/main" id="{53F5243F-7E41-439E-8991-C4F246D88F68}"/>
+                </a:ext>
+                <a:ext uri="{C183D7F6-B498-43B3-948B-1728B52AA6E4}">
+                  <adec:decorative xmlns:adec="http://schemas.microsoft.com/office/drawing/2017/decorative" val="1"/>
+                </a:ext>
+              </a:extLst>
+            </p:cNvPr>
+            <p:cNvPicPr>
+              <a:picLocks noChangeAspect="1"/>
+            </p:cNvPicPr>
+            <p:nvPr>
+              <p:extLst>
+                <p:ext uri="{386F3935-93C4-4BCD-93E2-E3B085C9AB24}">
+                  <p16:designElem xmlns:p16="http://schemas.microsoft.com/office/powerpoint/2015/main" val="1"/>
+                </p:ext>
+              </p:extLst>
+            </p:nvPr>
+          </p:nvPicPr>
+          <p:blipFill>
+            <a:blip r:embed="rId5">
+              <a:extLst>
+                <a:ext uri="{28A0092B-C50C-407E-A947-70E740481C1C}">
+                  <a14:useLocalDpi xmlns:a14="http://schemas.microsoft.com/office/drawing/2010/main" val="0"/>
+                </a:ext>
+              </a:extLst>
+            </a:blip>
+            <a:stretch>
+              <a:fillRect/>
+            </a:stretch>
+          </p:blipFill>
+          <p:spPr>
+            <a:xfrm>
+              <a:off x="0" y="0"/>
+              <a:ext cx="12188825" cy="6856214"/>
+            </a:xfrm>
+            <a:prstGeom prst="rect">
+              <a:avLst/>
+            </a:prstGeom>
+          </p:spPr>
+        </p:pic>
+        <p:sp>
+          <p:nvSpPr>
+            <p:cNvPr id="90" name="Rectangle 89">
+              <a:extLst>
+                <a:ext uri="{FF2B5EF4-FFF2-40B4-BE49-F238E27FC236}">
+                  <a16:creationId xmlns:a16="http://schemas.microsoft.com/office/drawing/2014/main" id="{401A6B5F-1CF1-43AD-9E85-94E187210CFC}"/>
+                </a:ext>
+                <a:ext uri="{C183D7F6-B498-43B3-948B-1728B52AA6E4}">
+                  <adec:decorative xmlns:adec="http://schemas.microsoft.com/office/drawing/2017/decorative" val="1"/>
+                </a:ext>
+              </a:extLst>
+            </p:cNvPr>
+            <p:cNvSpPr/>
+            <p:nvPr>
+              <p:extLst>
+                <p:ext uri="{386F3935-93C4-4BCD-93E2-E3B085C9AB24}">
+                  <p16:designElem xmlns:p16="http://schemas.microsoft.com/office/powerpoint/2015/main" val="1"/>
+                </p:ext>
+              </p:extLst>
+            </p:nvPr>
+          </p:nvSpPr>
+          <p:spPr>
+            <a:xfrm>
+              <a:off x="608012" y="609600"/>
+              <a:ext cx="10972800" cy="5638800"/>
+            </a:xfrm>
+            <a:prstGeom prst="rect">
+              <a:avLst/>
+            </a:prstGeom>
+            <a:noFill/>
+            <a:ln w="15875" cap="flat">
+              <a:miter lim="800000"/>
+            </a:ln>
+          </p:spPr>
+          <p:style>
+            <a:lnRef idx="1">
+              <a:schemeClr val="accent1"/>
+            </a:lnRef>
+            <a:fillRef idx="3">
+              <a:schemeClr val="accent1"/>
+            </a:fillRef>
+            <a:effectRef idx="2">
+              <a:schemeClr val="accent1"/>
+            </a:effectRef>
+            <a:fontRef idx="minor">
+              <a:schemeClr val="lt1"/>
+            </a:fontRef>
+          </p:style>
+        </p:sp>
+        <p:pic>
+          <p:nvPicPr>
+            <p:cNvPr id="91" name="Picture 90">
+              <a:extLst>
+                <a:ext uri="{FF2B5EF4-FFF2-40B4-BE49-F238E27FC236}">
+                  <a16:creationId xmlns:a16="http://schemas.microsoft.com/office/drawing/2014/main" id="{2F682A59-7E20-407C-A7F8-582295AC687C}"/>
+                </a:ext>
+                <a:ext uri="{C183D7F6-B498-43B3-948B-1728B52AA6E4}">
+                  <adec:decorative xmlns:adec="http://schemas.microsoft.com/office/drawing/2017/decorative" val="1"/>
+                </a:ext>
+              </a:extLst>
+            </p:cNvPr>
+            <p:cNvPicPr>
+              <a:picLocks noChangeAspect="1"/>
+            </p:cNvPicPr>
+            <p:nvPr>
+              <p:extLst>
+                <p:ext uri="{386F3935-93C4-4BCD-93E2-E3B085C9AB24}">
+                  <p16:designElem xmlns:p16="http://schemas.microsoft.com/office/powerpoint/2015/main" val="1"/>
+                </p:ext>
+              </p:extLst>
+            </p:nvPr>
+          </p:nvPicPr>
+          <p:blipFill rotWithShape="1">
+            <a:blip r:embed="rId6">
+              <a:extLst>
+                <a:ext uri="{28A0092B-C50C-407E-A947-70E740481C1C}">
+                  <a14:useLocalDpi xmlns:a14="http://schemas.microsoft.com/office/drawing/2010/main" val="0"/>
+                </a:ext>
+              </a:extLst>
+            </a:blip>
+            <a:srcRect/>
+            <a:stretch/>
+          </p:blipFill>
+          <p:spPr>
+            <a:xfrm>
+              <a:off x="-15736" y="3153832"/>
+              <a:ext cx="777240" cy="606425"/>
+            </a:xfrm>
+            <a:prstGeom prst="rect">
+              <a:avLst/>
+            </a:prstGeom>
+          </p:spPr>
+        </p:pic>
+        <p:pic>
+          <p:nvPicPr>
+            <p:cNvPr id="92" name="Picture 91">
+              <a:extLst>
+                <a:ext uri="{FF2B5EF4-FFF2-40B4-BE49-F238E27FC236}">
+                  <a16:creationId xmlns:a16="http://schemas.microsoft.com/office/drawing/2014/main" id="{5E4AC24E-0670-406E-822F-AAA6DA2010D3}"/>
+                </a:ext>
+                <a:ext uri="{C183D7F6-B498-43B3-948B-1728B52AA6E4}">
+                  <adec:decorative xmlns:adec="http://schemas.microsoft.com/office/drawing/2017/decorative" val="1"/>
+                </a:ext>
+              </a:extLst>
+            </p:cNvPr>
+            <p:cNvPicPr>
+              <a:picLocks noChangeAspect="1"/>
+            </p:cNvPicPr>
+            <p:nvPr>
+              <p:extLst>
+                <p:ext uri="{386F3935-93C4-4BCD-93E2-E3B085C9AB24}">
+                  <p16:designElem xmlns:p16="http://schemas.microsoft.com/office/powerpoint/2015/main" val="1"/>
+                </p:ext>
+              </p:extLst>
+            </p:nvPr>
+          </p:nvPicPr>
+          <p:blipFill rotWithShape="1">
+            <a:blip r:embed="rId6">
+              <a:extLst>
+                <a:ext uri="{28A0092B-C50C-407E-A947-70E740481C1C}">
+                  <a14:useLocalDpi xmlns:a14="http://schemas.microsoft.com/office/drawing/2010/main" val="0"/>
+                </a:ext>
+              </a:extLst>
+            </a:blip>
+            <a:srcRect/>
+            <a:stretch/>
+          </p:blipFill>
+          <p:spPr>
+            <a:xfrm>
+              <a:off x="11436986" y="3153832"/>
+              <a:ext cx="777240" cy="606425"/>
+            </a:xfrm>
+            <a:prstGeom prst="rect">
+              <a:avLst/>
+            </a:prstGeom>
+          </p:spPr>
+        </p:pic>
+      </p:grpSp>
+      <p:sp>
+        <p:nvSpPr>
+          <p:cNvPr id="94" name="Rectangle 93">
+            <a:extLst>
+              <a:ext uri="{FF2B5EF4-FFF2-40B4-BE49-F238E27FC236}">
+                <a16:creationId xmlns:a16="http://schemas.microsoft.com/office/drawing/2014/main" id="{E89B1776-F953-4C0F-8E85-E9C66B1EF003}"/>
+              </a:ext>
+              <a:ext uri="{C183D7F6-B498-43B3-948B-1728B52AA6E4}">
+                <adec:decorative xmlns:adec="http://schemas.microsoft.com/office/drawing/2017/decorative" val="1"/>
+              </a:ext>
+            </a:extLst>
+          </p:cNvPr>
+          <p:cNvSpPr>
+            <a:spLocks noGrp="1" noRot="1" noChangeAspect="1" noMove="1" noResize="1" noEditPoints="1" noAdjustHandles="1" noChangeArrowheads="1" noChangeShapeType="1" noTextEdit="1"/>
+          </p:cNvSpPr>
+          <p:nvPr>
+            <p:extLst>
+              <p:ext uri="{386F3935-93C4-4BCD-93E2-E3B085C9AB24}">
+                <p16:designElem xmlns:p16="http://schemas.microsoft.com/office/powerpoint/2015/main" val="1"/>
+              </p:ext>
+            </p:extLst>
+          </p:nvPr>
+        </p:nvSpPr>
+        <p:spPr>
+          <a:xfrm>
+            <a:off x="1092644" y="1092200"/>
+            <a:ext cx="6432130" cy="4515104"/>
+          </a:xfrm>
+          <a:prstGeom prst="rect">
+            <a:avLst/>
+          </a:prstGeom>
+          <a:solidFill>
+            <a:schemeClr val="bg1"/>
+          </a:solidFill>
+          <a:ln w="57150" cmpd="thickThin">
+            <a:solidFill>
+              <a:schemeClr val="tx1">
+                <a:lumMod val="50000"/>
+                <a:lumOff val="50000"/>
+              </a:schemeClr>
+            </a:solidFill>
+            <a:miter lim="800000"/>
+          </a:ln>
+        </p:spPr>
+        <p:style>
+          <a:lnRef idx="2">
+            <a:schemeClr val="accent1">
+              <a:shade val="50000"/>
+            </a:schemeClr>
+          </a:lnRef>
+          <a:fillRef idx="1">
+            <a:schemeClr val="accent1"/>
+          </a:fillRef>
+          <a:effectRef idx="0">
+            <a:schemeClr val="accent1"/>
+          </a:effectRef>
+          <a:fontRef idx="minor">
+            <a:schemeClr val="lt1"/>
+          </a:fontRef>
+        </p:style>
+        <p:txBody>
+          <a:bodyPr rtlCol="0" anchor="ctr"/>
+          <a:lstStyle/>
+          <a:p>
+            <a:pPr algn="ctr"/>
+            <a:endParaRPr lang="en-US"/>
+          </a:p>
+        </p:txBody>
+      </p:sp>
+      <p:pic>
+        <p:nvPicPr>
+          <p:cNvPr id="18" name="Billede 17" descr="Et billede, der indeholder skærmbillede&#10;&#10;Beskrivelse, der er oprettet med høj sikkerhed">
+            <a:extLst>
+              <a:ext uri="{FF2B5EF4-FFF2-40B4-BE49-F238E27FC236}">
+                <a16:creationId xmlns:a16="http://schemas.microsoft.com/office/drawing/2014/main" id="{18CF91A7-D7EB-4D60-8A27-ECAFC4C924F4}"/>
+              </a:ext>
+            </a:extLst>
+          </p:cNvPr>
+          <p:cNvPicPr>
+            <a:picLocks noChangeAspect="1"/>
+          </p:cNvPicPr>
+          <p:nvPr/>
+        </p:nvPicPr>
+        <p:blipFill>
+          <a:blip r:embed="rId7">
+            <a:extLst>
+              <a:ext uri="{28A0092B-C50C-407E-A947-70E740481C1C}">
+                <a14:useLocalDpi xmlns:a14="http://schemas.microsoft.com/office/drawing/2010/main" val="0"/>
+              </a:ext>
+            </a:extLst>
+          </a:blip>
+          <a:stretch>
+            <a:fillRect/>
+          </a:stretch>
+        </p:blipFill>
+        <p:spPr>
+          <a:xfrm>
+            <a:off x="1246137" y="1250696"/>
+            <a:ext cx="6159140" cy="4311989"/>
+          </a:xfrm>
+          <a:prstGeom prst="rect">
+            <a:avLst/>
+          </a:prstGeom>
+        </p:spPr>
+      </p:pic>
+      <p:cxnSp>
+        <p:nvCxnSpPr>
+          <p:cNvPr id="96" name="Straight Connector 95">
+            <a:extLst>
+              <a:ext uri="{FF2B5EF4-FFF2-40B4-BE49-F238E27FC236}">
+                <a16:creationId xmlns:a16="http://schemas.microsoft.com/office/drawing/2014/main" id="{997356D0-D934-42B9-8291-DF34A3AC0CFE}"/>
+              </a:ext>
+              <a:ext uri="{C183D7F6-B498-43B3-948B-1728B52AA6E4}">
+                <adec:decorative xmlns:adec="http://schemas.microsoft.com/office/drawing/2017/decorative" val="1"/>
+              </a:ext>
+            </a:extLst>
+          </p:cNvPr>
+          <p:cNvCxnSpPr>
+            <a:cxnSpLocks noGrp="1" noRot="1" noChangeAspect="1" noMove="1" noResize="1" noEditPoints="1" noAdjustHandles="1" noChangeArrowheads="1" noChangeShapeType="1"/>
+          </p:cNvCxnSpPr>
+          <p:nvPr>
+            <p:extLst>
+              <p:ext uri="{386F3935-93C4-4BCD-93E2-E3B085C9AB24}">
+                <p16:designElem xmlns:p16="http://schemas.microsoft.com/office/powerpoint/2015/main" val="1"/>
+              </p:ext>
+            </p:extLst>
+          </p:nvPr>
+        </p:nvCxnSpPr>
+        <p:spPr>
+          <a:xfrm>
+            <a:off x="7999431" y="3509772"/>
+            <a:ext cx="3074977" cy="12359"/>
+          </a:xfrm>
+          <a:prstGeom prst="line">
+            <a:avLst/>
+          </a:prstGeom>
+        </p:spPr>
+        <p:style>
+          <a:lnRef idx="2">
+            <a:schemeClr val="accent1"/>
+          </a:lnRef>
+          <a:fillRef idx="0">
+            <a:schemeClr val="accent1"/>
+          </a:fillRef>
+          <a:effectRef idx="1">
+            <a:schemeClr val="accent1"/>
+          </a:effectRef>
+          <a:fontRef idx="minor">
+            <a:schemeClr val="tx1"/>
+          </a:fontRef>
+        </p:style>
+      </p:cxnSp>
+      <p:sp>
+        <p:nvSpPr>
+          <p:cNvPr id="2" name="Title 1">
+            <a:extLst>
+              <a:ext uri="{FF2B5EF4-FFF2-40B4-BE49-F238E27FC236}">
+                <a16:creationId xmlns:a16="http://schemas.microsoft.com/office/drawing/2014/main" id="{13438430-C715-4EE2-BFA8-D9B41F760649}"/>
+              </a:ext>
+            </a:extLst>
+          </p:cNvPr>
+          <p:cNvSpPr>
+            <a:spLocks noGrp="1"/>
+          </p:cNvSpPr>
+          <p:nvPr>
+            <p:ph type="title"/>
+          </p:nvPr>
+        </p:nvSpPr>
+        <p:spPr>
+          <a:xfrm>
+            <a:off x="8013290" y="1041401"/>
+            <a:ext cx="3079006" cy="2345264"/>
+          </a:xfrm>
+        </p:spPr>
+        <p:txBody>
+          <a:bodyPr vert="horz" lIns="91440" tIns="45720" rIns="91440" bIns="45720" rtlCol="0" anchor="b">
+            <a:normAutofit/>
+          </a:bodyPr>
+          <a:lstStyle/>
+          <a:p>
+            <a:r>
+              <a:rPr lang="en-US" b="1">
+                <a:solidFill>
+                  <a:srgbClr val="262626"/>
+                </a:solidFill>
+              </a:rPr>
+              <a:t>Facade</a:t>
+            </a:r>
+          </a:p>
+        </p:txBody>
+      </p:sp>
+    </p:spTree>
+    <p:extLst>
+      <p:ext uri="{BB962C8B-B14F-4D97-AF65-F5344CB8AC3E}">
+        <p14:creationId xmlns:p14="http://schemas.microsoft.com/office/powerpoint/2010/main" val="732939086"/>
+      </p:ext>
+    </p:extLst>
+  </p:cSld>
+  <p:clrMapOvr>
+    <a:masterClrMapping/>
+  </p:clrMapOvr>
+  <p:transition spd="med">
+    <p:pull/>
+  </p:transition>
+</p:sld>
+</file>
+
+<file path=ppt/slides/slide14.xml><?xml version="1.0" encoding="utf-8"?>
+<p:sld xmlns:a="http://schemas.openxmlformats.org/drawingml/2006/main" xmlns:r="http://schemas.openxmlformats.org/officeDocument/2006/relationships" xmlns:p="http://schemas.openxmlformats.org/presentationml/2006/main">
+  <p:cSld>
+    <p:bg>
+      <p:bgPr>
+        <a:blipFill>
+          <a:blip r:embed="rId2">
+            <a:extLst/>
+          </a:blip>
+          <a:stretch/>
+        </a:blipFill>
+        <a:effectLst/>
+      </p:bgPr>
+    </p:bg>
+    <p:spTree>
+      <p:nvGrpSpPr>
+        <p:cNvPr id="1" name=""/>
+        <p:cNvGrpSpPr/>
+        <p:nvPr/>
+      </p:nvGrpSpPr>
+      <p:grpSpPr>
+        <a:xfrm>
+          <a:off x="0" y="0"/>
+          <a:ext cx="0" cy="0"/>
+          <a:chOff x="0" y="0"/>
+          <a:chExt cx="0" cy="0"/>
+        </a:xfrm>
+      </p:grpSpPr>
+      <p:grpSp>
+        <p:nvGrpSpPr>
+          <p:cNvPr id="32" name="Group 31">
+            <a:extLst>
+              <a:ext uri="{FF2B5EF4-FFF2-40B4-BE49-F238E27FC236}">
+                <a16:creationId xmlns:a16="http://schemas.microsoft.com/office/drawing/2014/main" id="{749C117F-F390-437B-ADB0-57E87EFF34F5}"/>
+              </a:ext>
+              <a:ext uri="{C183D7F6-B498-43B3-948B-1728B52AA6E4}">
+                <adec:decorative xmlns:adec="http://schemas.microsoft.com/office/drawing/2017/decorative" val="1"/>
+              </a:ext>
+            </a:extLst>
+          </p:cNvPr>
+          <p:cNvGrpSpPr>
+            <a:grpSpLocks noGrp="1" noUngrp="1" noRot="1" noChangeAspect="1" noMove="1" noResize="1"/>
+          </p:cNvGrpSpPr>
+          <p:nvPr>
+            <p:extLst>
+              <p:ext uri="{386F3935-93C4-4BCD-93E2-E3B085C9AB24}">
+                <p16:designElem xmlns:p16="http://schemas.microsoft.com/office/powerpoint/2015/main" val="1"/>
+              </p:ext>
+            </p:extLst>
+          </p:nvPr>
+        </p:nvGrpSpPr>
+        <p:grpSpPr>
+          <a:xfrm>
+            <a:off x="-16934" y="0"/>
+            <a:ext cx="12231160" cy="6856214"/>
+            <a:chOff x="-16934" y="0"/>
+            <a:chExt cx="12231160" cy="6856214"/>
+          </a:xfrm>
+        </p:grpSpPr>
+        <p:pic>
+          <p:nvPicPr>
+            <p:cNvPr id="33" name="Picture 32">
+              <a:extLst>
+                <a:ext uri="{FF2B5EF4-FFF2-40B4-BE49-F238E27FC236}">
+                  <a16:creationId xmlns:a16="http://schemas.microsoft.com/office/drawing/2014/main" id="{A7EF42F8-2417-49A6-95CE-DE9503B0AA66}"/>
+                </a:ext>
+                <a:ext uri="{C183D7F6-B498-43B3-948B-1728B52AA6E4}">
+                  <adec:decorative xmlns:adec="http://schemas.microsoft.com/office/drawing/2017/decorative" val="1"/>
+                </a:ext>
+              </a:extLst>
+            </p:cNvPr>
+            <p:cNvPicPr>
+              <a:picLocks noChangeAspect="1"/>
+            </p:cNvPicPr>
+            <p:nvPr>
+              <p:extLst>
+                <p:ext uri="{386F3935-93C4-4BCD-93E2-E3B085C9AB24}">
+                  <p16:designElem xmlns:p16="http://schemas.microsoft.com/office/powerpoint/2015/main" val="1"/>
+                </p:ext>
+              </p:extLst>
+            </p:nvPr>
+          </p:nvPicPr>
+          <p:blipFill>
+            <a:blip r:embed="rId3">
+              <a:extLst>
+                <a:ext uri="{28A0092B-C50C-407E-A947-70E740481C1C}">
+                  <a14:useLocalDpi xmlns:a14="http://schemas.microsoft.com/office/drawing/2010/main" val="0"/>
+                </a:ext>
+              </a:extLst>
+            </a:blip>
+            <a:stretch>
+              <a:fillRect/>
+            </a:stretch>
+          </p:blipFill>
+          <p:spPr>
+            <a:xfrm>
+              <a:off x="0" y="0"/>
+              <a:ext cx="12188825" cy="6856214"/>
+            </a:xfrm>
+            <a:prstGeom prst="rect">
+              <a:avLst/>
+            </a:prstGeom>
+          </p:spPr>
+        </p:pic>
+        <p:sp>
+          <p:nvSpPr>
+            <p:cNvPr id="34" name="Rectangle 33">
+              <a:extLst>
+                <a:ext uri="{FF2B5EF4-FFF2-40B4-BE49-F238E27FC236}">
+                  <a16:creationId xmlns:a16="http://schemas.microsoft.com/office/drawing/2014/main" id="{AC6F623B-2003-4AED-B02F-541A150EC143}"/>
+                </a:ext>
+                <a:ext uri="{C183D7F6-B498-43B3-948B-1728B52AA6E4}">
+                  <adec:decorative xmlns:adec="http://schemas.microsoft.com/office/drawing/2017/decorative" val="1"/>
+                </a:ext>
+              </a:extLst>
+            </p:cNvPr>
+            <p:cNvSpPr/>
+            <p:nvPr>
+              <p:extLst>
+                <p:ext uri="{386F3935-93C4-4BCD-93E2-E3B085C9AB24}">
+                  <p16:designElem xmlns:p16="http://schemas.microsoft.com/office/powerpoint/2015/main" val="1"/>
+                </p:ext>
+              </p:extLst>
+            </p:nvPr>
+          </p:nvSpPr>
+          <p:spPr>
+            <a:xfrm>
+              <a:off x="2328332" y="1540931"/>
+              <a:ext cx="7543802" cy="3835401"/>
+            </a:xfrm>
+            <a:prstGeom prst="rect">
+              <a:avLst/>
+            </a:prstGeom>
+            <a:noFill/>
+            <a:ln w="15875">
+              <a:miter lim="800000"/>
+            </a:ln>
+          </p:spPr>
+          <p:style>
+            <a:lnRef idx="1">
+              <a:schemeClr val="accent1"/>
+            </a:lnRef>
+            <a:fillRef idx="3">
+              <a:schemeClr val="accent1"/>
+            </a:fillRef>
+            <a:effectRef idx="2">
+              <a:schemeClr val="accent1"/>
+            </a:effectRef>
+            <a:fontRef idx="minor">
+              <a:schemeClr val="lt1"/>
+            </a:fontRef>
+          </p:style>
+        </p:sp>
+        <p:pic>
+          <p:nvPicPr>
+            <p:cNvPr id="35" name="Picture 34">
+              <a:extLst>
+                <a:ext uri="{FF2B5EF4-FFF2-40B4-BE49-F238E27FC236}">
+                  <a16:creationId xmlns:a16="http://schemas.microsoft.com/office/drawing/2014/main" id="{CD11837A-4F3D-419F-ACE2-E80B1EA2846F}"/>
+                </a:ext>
+                <a:ext uri="{C183D7F6-B498-43B3-948B-1728B52AA6E4}">
+                  <adec:decorative xmlns:adec="http://schemas.microsoft.com/office/drawing/2017/decorative" val="1"/>
+                </a:ext>
+              </a:extLst>
+            </p:cNvPr>
+            <p:cNvPicPr>
+              <a:picLocks noChangeAspect="1"/>
+            </p:cNvPicPr>
+            <p:nvPr>
+              <p:extLst>
+                <p:ext uri="{386F3935-93C4-4BCD-93E2-E3B085C9AB24}">
+                  <p16:designElem xmlns:p16="http://schemas.microsoft.com/office/powerpoint/2015/main" val="1"/>
+                </p:ext>
+              </p:extLst>
+            </p:nvPr>
+          </p:nvPicPr>
+          <p:blipFill rotWithShape="1">
+            <a:blip r:embed="rId4">
+              <a:extLst>
+                <a:ext uri="{28A0092B-C50C-407E-A947-70E740481C1C}">
+                  <a14:useLocalDpi xmlns:a14="http://schemas.microsoft.com/office/drawing/2010/main" val="0"/>
+                </a:ext>
+              </a:extLst>
+            </a:blip>
+            <a:srcRect/>
+            <a:stretch/>
+          </p:blipFill>
+          <p:spPr>
+            <a:xfrm>
+              <a:off x="-16934" y="3147609"/>
+              <a:ext cx="2478024" cy="612648"/>
+            </a:xfrm>
+            <a:prstGeom prst="rect">
+              <a:avLst/>
+            </a:prstGeom>
+          </p:spPr>
+        </p:pic>
+        <p:pic>
+          <p:nvPicPr>
+            <p:cNvPr id="36" name="Picture 35">
+              <a:extLst>
+                <a:ext uri="{FF2B5EF4-FFF2-40B4-BE49-F238E27FC236}">
+                  <a16:creationId xmlns:a16="http://schemas.microsoft.com/office/drawing/2014/main" id="{B9411D1A-7E2C-4A36-BE32-BF7A8E130723}"/>
+                </a:ext>
+                <a:ext uri="{C183D7F6-B498-43B3-948B-1728B52AA6E4}">
+                  <adec:decorative xmlns:adec="http://schemas.microsoft.com/office/drawing/2017/decorative" val="1"/>
+                </a:ext>
+              </a:extLst>
+            </p:cNvPr>
+            <p:cNvPicPr>
+              <a:picLocks noChangeAspect="1"/>
+            </p:cNvPicPr>
+            <p:nvPr>
+              <p:extLst>
+                <p:ext uri="{386F3935-93C4-4BCD-93E2-E3B085C9AB24}">
+                  <p16:designElem xmlns:p16="http://schemas.microsoft.com/office/powerpoint/2015/main" val="1"/>
+                </p:ext>
+              </p:extLst>
+            </p:nvPr>
+          </p:nvPicPr>
+          <p:blipFill rotWithShape="1">
+            <a:blip r:embed="rId4">
+              <a:extLst>
+                <a:ext uri="{28A0092B-C50C-407E-A947-70E740481C1C}">
+                  <a14:useLocalDpi xmlns:a14="http://schemas.microsoft.com/office/drawing/2010/main" val="0"/>
+                </a:ext>
+              </a:extLst>
+            </a:blip>
+            <a:srcRect/>
+            <a:stretch/>
+          </p:blipFill>
+          <p:spPr>
+            <a:xfrm>
+              <a:off x="9736202" y="3147609"/>
+              <a:ext cx="2478024" cy="612648"/>
+            </a:xfrm>
+            <a:prstGeom prst="rect">
+              <a:avLst/>
+            </a:prstGeom>
+          </p:spPr>
+        </p:pic>
+      </p:grpSp>
+      <p:cxnSp>
+        <p:nvCxnSpPr>
+          <p:cNvPr id="38" name="Straight Connector 37">
+            <a:extLst>
+              <a:ext uri="{FF2B5EF4-FFF2-40B4-BE49-F238E27FC236}">
+                <a16:creationId xmlns:a16="http://schemas.microsoft.com/office/drawing/2014/main" id="{20742BC3-654B-4E41-9A6A-73A42E477639}"/>
+              </a:ext>
+              <a:ext uri="{C183D7F6-B498-43B3-948B-1728B52AA6E4}">
+                <adec:decorative xmlns:adec="http://schemas.microsoft.com/office/drawing/2017/decorative" val="1"/>
+              </a:ext>
+            </a:extLst>
+          </p:cNvPr>
+          <p:cNvCxnSpPr>
+            <a:cxnSpLocks noGrp="1" noRot="1" noChangeAspect="1" noMove="1" noResize="1" noEditPoints="1" noAdjustHandles="1" noChangeArrowheads="1" noChangeShapeType="1"/>
+          </p:cNvCxnSpPr>
+          <p:nvPr>
+            <p:extLst>
+              <p:ext uri="{386F3935-93C4-4BCD-93E2-E3B085C9AB24}">
+                <p16:designElem xmlns:p16="http://schemas.microsoft.com/office/powerpoint/2015/main" val="1"/>
+              </p:ext>
+            </p:extLst>
+          </p:nvPr>
+        </p:nvCxnSpPr>
+        <p:spPr>
+          <a:xfrm>
+            <a:off x="2692399" y="3522131"/>
+            <a:ext cx="6815668" cy="0"/>
+          </a:xfrm>
+          <a:prstGeom prst="line">
+            <a:avLst/>
+          </a:prstGeom>
+        </p:spPr>
+        <p:style>
+          <a:lnRef idx="2">
+            <a:schemeClr val="accent1"/>
+          </a:lnRef>
+          <a:fillRef idx="0">
+            <a:schemeClr val="accent1"/>
+          </a:fillRef>
+          <a:effectRef idx="1">
+            <a:schemeClr val="accent1"/>
+          </a:effectRef>
+          <a:fontRef idx="minor">
+            <a:schemeClr val="tx1"/>
+          </a:fontRef>
+        </p:style>
+      </p:cxnSp>
+      <p:sp useBgFill="1">
+        <p:nvSpPr>
+          <p:cNvPr id="40" name="Rectangle 39">
+            <a:extLst>
+              <a:ext uri="{FF2B5EF4-FFF2-40B4-BE49-F238E27FC236}">
+                <a16:creationId xmlns:a16="http://schemas.microsoft.com/office/drawing/2014/main" id="{575E71FA-50BD-43F8-8C98-04339283A93D}"/>
+              </a:ext>
+              <a:ext uri="{C183D7F6-B498-43B3-948B-1728B52AA6E4}">
+                <adec:decorative xmlns:adec="http://schemas.microsoft.com/office/drawing/2017/decorative" val="1"/>
+              </a:ext>
+            </a:extLst>
+          </p:cNvPr>
+          <p:cNvSpPr>
+            <a:spLocks noGrp="1" noRot="1" noChangeAspect="1" noMove="1" noResize="1" noEditPoints="1" noAdjustHandles="1" noChangeArrowheads="1" noChangeShapeType="1" noTextEdit="1"/>
+          </p:cNvSpPr>
+          <p:nvPr>
+            <p:extLst>
+              <p:ext uri="{386F3935-93C4-4BCD-93E2-E3B085C9AB24}">
+                <p16:designElem xmlns:p16="http://schemas.microsoft.com/office/powerpoint/2015/main" val="1"/>
+              </p:ext>
+            </p:extLst>
+          </p:nvPr>
+        </p:nvSpPr>
+        <p:spPr>
+          <a:xfrm>
+            <a:off x="0" y="0"/>
+            <a:ext cx="12188952" cy="6858000"/>
+          </a:xfrm>
+          <a:prstGeom prst="rect">
+            <a:avLst/>
+          </a:prstGeom>
+          <a:ln>
+            <a:noFill/>
+          </a:ln>
+        </p:spPr>
+        <p:style>
+          <a:lnRef idx="2">
+            <a:schemeClr val="accent1">
+              <a:shade val="50000"/>
+            </a:schemeClr>
+          </a:lnRef>
+          <a:fillRef idx="1">
+            <a:schemeClr val="accent1"/>
+          </a:fillRef>
+          <a:effectRef idx="0">
+            <a:schemeClr val="accent1"/>
+          </a:effectRef>
+          <a:fontRef idx="minor">
+            <a:schemeClr val="lt1"/>
+          </a:fontRef>
+        </p:style>
+        <p:txBody>
+          <a:bodyPr rtlCol="0" anchor="ctr"/>
+          <a:lstStyle/>
+          <a:p>
+            <a:pPr algn="ctr"/>
+            <a:endParaRPr lang="en-US"/>
+          </a:p>
+        </p:txBody>
+      </p:sp>
+      <p:grpSp>
+        <p:nvGrpSpPr>
+          <p:cNvPr id="42" name="Group 41">
+            <a:extLst>
+              <a:ext uri="{FF2B5EF4-FFF2-40B4-BE49-F238E27FC236}">
+                <a16:creationId xmlns:a16="http://schemas.microsoft.com/office/drawing/2014/main" id="{CF1AA7F6-A589-4BC8-BC72-2CA6DC908398}"/>
+              </a:ext>
+              <a:ext uri="{C183D7F6-B498-43B3-948B-1728B52AA6E4}">
+                <adec:decorative xmlns:adec="http://schemas.microsoft.com/office/drawing/2017/decorative" val="1"/>
+              </a:ext>
+            </a:extLst>
+          </p:cNvPr>
+          <p:cNvGrpSpPr>
+            <a:grpSpLocks noGrp="1" noUngrp="1" noRot="1" noChangeAspect="1" noMove="1" noResize="1"/>
+          </p:cNvGrpSpPr>
+          <p:nvPr>
+            <p:extLst>
+              <p:ext uri="{386F3935-93C4-4BCD-93E2-E3B085C9AB24}">
+                <p16:designElem xmlns:p16="http://schemas.microsoft.com/office/powerpoint/2015/main" val="1"/>
+              </p:ext>
+            </p:extLst>
+          </p:nvPr>
+        </p:nvGrpSpPr>
+        <p:grpSpPr>
+          <a:xfrm>
+            <a:off x="-15736" y="0"/>
+            <a:ext cx="12229962" cy="6856214"/>
+            <a:chOff x="-15736" y="0"/>
+            <a:chExt cx="12229962" cy="6856214"/>
+          </a:xfrm>
+        </p:grpSpPr>
+        <p:pic>
+          <p:nvPicPr>
+            <p:cNvPr id="43" name="Picture 42">
+              <a:extLst>
+                <a:ext uri="{FF2B5EF4-FFF2-40B4-BE49-F238E27FC236}">
+                  <a16:creationId xmlns:a16="http://schemas.microsoft.com/office/drawing/2014/main" id="{53F5243F-7E41-439E-8991-C4F246D88F68}"/>
+                </a:ext>
+                <a:ext uri="{C183D7F6-B498-43B3-948B-1728B52AA6E4}">
+                  <adec:decorative xmlns:adec="http://schemas.microsoft.com/office/drawing/2017/decorative" val="1"/>
+                </a:ext>
+              </a:extLst>
+            </p:cNvPr>
+            <p:cNvPicPr>
+              <a:picLocks noChangeAspect="1"/>
+            </p:cNvPicPr>
+            <p:nvPr>
+              <p:extLst>
+                <p:ext uri="{386F3935-93C4-4BCD-93E2-E3B085C9AB24}">
+                  <p16:designElem xmlns:p16="http://schemas.microsoft.com/office/powerpoint/2015/main" val="1"/>
+                </p:ext>
+              </p:extLst>
+            </p:nvPr>
+          </p:nvPicPr>
+          <p:blipFill>
+            <a:blip r:embed="rId5">
+              <a:extLst>
+                <a:ext uri="{28A0092B-C50C-407E-A947-70E740481C1C}">
+                  <a14:useLocalDpi xmlns:a14="http://schemas.microsoft.com/office/drawing/2010/main" val="0"/>
+                </a:ext>
+              </a:extLst>
+            </a:blip>
+            <a:stretch>
+              <a:fillRect/>
+            </a:stretch>
+          </p:blipFill>
+          <p:spPr>
+            <a:xfrm>
+              <a:off x="0" y="0"/>
+              <a:ext cx="12188825" cy="6856214"/>
+            </a:xfrm>
+            <a:prstGeom prst="rect">
+              <a:avLst/>
+            </a:prstGeom>
+          </p:spPr>
+        </p:pic>
+        <p:sp>
+          <p:nvSpPr>
+            <p:cNvPr id="44" name="Rectangle 43">
+              <a:extLst>
+                <a:ext uri="{FF2B5EF4-FFF2-40B4-BE49-F238E27FC236}">
+                  <a16:creationId xmlns:a16="http://schemas.microsoft.com/office/drawing/2014/main" id="{401A6B5F-1CF1-43AD-9E85-94E187210CFC}"/>
+                </a:ext>
+                <a:ext uri="{C183D7F6-B498-43B3-948B-1728B52AA6E4}">
+                  <adec:decorative xmlns:adec="http://schemas.microsoft.com/office/drawing/2017/decorative" val="1"/>
+                </a:ext>
+              </a:extLst>
+            </p:cNvPr>
+            <p:cNvSpPr/>
+            <p:nvPr>
+              <p:extLst>
+                <p:ext uri="{386F3935-93C4-4BCD-93E2-E3B085C9AB24}">
+                  <p16:designElem xmlns:p16="http://schemas.microsoft.com/office/powerpoint/2015/main" val="1"/>
+                </p:ext>
+              </p:extLst>
+            </p:nvPr>
+          </p:nvSpPr>
+          <p:spPr>
+            <a:xfrm>
+              <a:off x="608012" y="609600"/>
+              <a:ext cx="10972800" cy="5638800"/>
+            </a:xfrm>
+            <a:prstGeom prst="rect">
+              <a:avLst/>
+            </a:prstGeom>
+            <a:noFill/>
+            <a:ln w="15875" cap="flat">
+              <a:miter lim="800000"/>
+            </a:ln>
+          </p:spPr>
+          <p:style>
+            <a:lnRef idx="1">
+              <a:schemeClr val="accent1"/>
+            </a:lnRef>
+            <a:fillRef idx="3">
+              <a:schemeClr val="accent1"/>
+            </a:fillRef>
+            <a:effectRef idx="2">
+              <a:schemeClr val="accent1"/>
+            </a:effectRef>
+            <a:fontRef idx="minor">
+              <a:schemeClr val="lt1"/>
+            </a:fontRef>
+          </p:style>
+        </p:sp>
+        <p:pic>
+          <p:nvPicPr>
+            <p:cNvPr id="45" name="Picture 44">
+              <a:extLst>
+                <a:ext uri="{FF2B5EF4-FFF2-40B4-BE49-F238E27FC236}">
+                  <a16:creationId xmlns:a16="http://schemas.microsoft.com/office/drawing/2014/main" id="{2F682A59-7E20-407C-A7F8-582295AC687C}"/>
+                </a:ext>
+                <a:ext uri="{C183D7F6-B498-43B3-948B-1728B52AA6E4}">
+                  <adec:decorative xmlns:adec="http://schemas.microsoft.com/office/drawing/2017/decorative" val="1"/>
+                </a:ext>
+              </a:extLst>
+            </p:cNvPr>
+            <p:cNvPicPr>
+              <a:picLocks noChangeAspect="1"/>
+            </p:cNvPicPr>
+            <p:nvPr>
+              <p:extLst>
+                <p:ext uri="{386F3935-93C4-4BCD-93E2-E3B085C9AB24}">
+                  <p16:designElem xmlns:p16="http://schemas.microsoft.com/office/powerpoint/2015/main" val="1"/>
+                </p:ext>
+              </p:extLst>
+            </p:nvPr>
+          </p:nvPicPr>
+          <p:blipFill rotWithShape="1">
+            <a:blip r:embed="rId6">
+              <a:extLst>
+                <a:ext uri="{28A0092B-C50C-407E-A947-70E740481C1C}">
+                  <a14:useLocalDpi xmlns:a14="http://schemas.microsoft.com/office/drawing/2010/main" val="0"/>
+                </a:ext>
+              </a:extLst>
+            </a:blip>
+            <a:srcRect/>
+            <a:stretch/>
+          </p:blipFill>
+          <p:spPr>
+            <a:xfrm>
+              <a:off x="-15736" y="3153832"/>
+              <a:ext cx="777240" cy="606425"/>
+            </a:xfrm>
+            <a:prstGeom prst="rect">
+              <a:avLst/>
+            </a:prstGeom>
+          </p:spPr>
+        </p:pic>
+        <p:pic>
+          <p:nvPicPr>
+            <p:cNvPr id="46" name="Picture 45">
+              <a:extLst>
+                <a:ext uri="{FF2B5EF4-FFF2-40B4-BE49-F238E27FC236}">
+                  <a16:creationId xmlns:a16="http://schemas.microsoft.com/office/drawing/2014/main" id="{5E4AC24E-0670-406E-822F-AAA6DA2010D3}"/>
+                </a:ext>
+                <a:ext uri="{C183D7F6-B498-43B3-948B-1728B52AA6E4}">
+                  <adec:decorative xmlns:adec="http://schemas.microsoft.com/office/drawing/2017/decorative" val="1"/>
+                </a:ext>
+              </a:extLst>
+            </p:cNvPr>
+            <p:cNvPicPr>
+              <a:picLocks noChangeAspect="1"/>
+            </p:cNvPicPr>
+            <p:nvPr>
+              <p:extLst>
+                <p:ext uri="{386F3935-93C4-4BCD-93E2-E3B085C9AB24}">
+                  <p16:designElem xmlns:p16="http://schemas.microsoft.com/office/powerpoint/2015/main" val="1"/>
+                </p:ext>
+              </p:extLst>
+            </p:nvPr>
+          </p:nvPicPr>
+          <p:blipFill rotWithShape="1">
+            <a:blip r:embed="rId6">
+              <a:extLst>
+                <a:ext uri="{28A0092B-C50C-407E-A947-70E740481C1C}">
+                  <a14:useLocalDpi xmlns:a14="http://schemas.microsoft.com/office/drawing/2010/main" val="0"/>
+                </a:ext>
+              </a:extLst>
+            </a:blip>
+            <a:srcRect/>
+            <a:stretch/>
+          </p:blipFill>
+          <p:spPr>
+            <a:xfrm>
+              <a:off x="11436986" y="3153832"/>
+              <a:ext cx="777240" cy="606425"/>
+            </a:xfrm>
+            <a:prstGeom prst="rect">
+              <a:avLst/>
+            </a:prstGeom>
+          </p:spPr>
+        </p:pic>
+      </p:grpSp>
+      <p:sp>
+        <p:nvSpPr>
+          <p:cNvPr id="48" name="Rectangle 47">
+            <a:extLst>
+              <a:ext uri="{FF2B5EF4-FFF2-40B4-BE49-F238E27FC236}">
+                <a16:creationId xmlns:a16="http://schemas.microsoft.com/office/drawing/2014/main" id="{E89B1776-F953-4C0F-8E85-E9C66B1EF003}"/>
+              </a:ext>
+              <a:ext uri="{C183D7F6-B498-43B3-948B-1728B52AA6E4}">
+                <adec:decorative xmlns:adec="http://schemas.microsoft.com/office/drawing/2017/decorative" val="1"/>
+              </a:ext>
+            </a:extLst>
+          </p:cNvPr>
+          <p:cNvSpPr>
+            <a:spLocks noGrp="1" noRot="1" noChangeAspect="1" noMove="1" noResize="1" noEditPoints="1" noAdjustHandles="1" noChangeArrowheads="1" noChangeShapeType="1" noTextEdit="1"/>
+          </p:cNvSpPr>
+          <p:nvPr>
+            <p:extLst>
+              <p:ext uri="{386F3935-93C4-4BCD-93E2-E3B085C9AB24}">
+                <p16:designElem xmlns:p16="http://schemas.microsoft.com/office/powerpoint/2015/main" val="1"/>
+              </p:ext>
+            </p:extLst>
+          </p:nvPr>
+        </p:nvSpPr>
+        <p:spPr>
+          <a:xfrm>
+            <a:off x="1092644" y="1092200"/>
+            <a:ext cx="6432130" cy="4515104"/>
+          </a:xfrm>
+          <a:prstGeom prst="rect">
+            <a:avLst/>
+          </a:prstGeom>
+          <a:solidFill>
+            <a:schemeClr val="bg1"/>
+          </a:solidFill>
+          <a:ln w="57150" cmpd="thickThin">
+            <a:solidFill>
+              <a:schemeClr val="tx1">
+                <a:lumMod val="50000"/>
+                <a:lumOff val="50000"/>
+              </a:schemeClr>
+            </a:solidFill>
+            <a:miter lim="800000"/>
+          </a:ln>
+        </p:spPr>
+        <p:style>
+          <a:lnRef idx="2">
+            <a:schemeClr val="accent1">
+              <a:shade val="50000"/>
+            </a:schemeClr>
+          </a:lnRef>
+          <a:fillRef idx="1">
+            <a:schemeClr val="accent1"/>
+          </a:fillRef>
+          <a:effectRef idx="0">
+            <a:schemeClr val="accent1"/>
+          </a:effectRef>
+          <a:fontRef idx="minor">
+            <a:schemeClr val="lt1"/>
+          </a:fontRef>
+        </p:style>
+        <p:txBody>
+          <a:bodyPr rtlCol="0" anchor="ctr"/>
+          <a:lstStyle/>
+          <a:p>
+            <a:pPr algn="ctr"/>
+            <a:endParaRPr lang="en-US"/>
+          </a:p>
+        </p:txBody>
+      </p:sp>
+      <p:pic>
+        <p:nvPicPr>
+          <p:cNvPr id="5" name="Billede 4" descr="Et billede, der indeholder skærmbillede&#10;&#10;Beskrivelse, der er oprettet med meget høj sikkerhed">
+            <a:extLst>
+              <a:ext uri="{FF2B5EF4-FFF2-40B4-BE49-F238E27FC236}">
+                <a16:creationId xmlns:a16="http://schemas.microsoft.com/office/drawing/2014/main" id="{D5908C14-3E45-4337-BFAE-32EF621B1E05}"/>
+              </a:ext>
+            </a:extLst>
+          </p:cNvPr>
+          <p:cNvPicPr>
+            <a:picLocks noChangeAspect="1"/>
+          </p:cNvPicPr>
+          <p:nvPr/>
+        </p:nvPicPr>
+        <p:blipFill>
+          <a:blip r:embed="rId7">
+            <a:extLst>
+              <a:ext uri="{28A0092B-C50C-407E-A947-70E740481C1C}">
+                <a14:useLocalDpi xmlns:a14="http://schemas.microsoft.com/office/drawing/2010/main" val="0"/>
+              </a:ext>
+            </a:extLst>
+          </a:blip>
+          <a:stretch>
+            <a:fillRect/>
+          </a:stretch>
+        </p:blipFill>
+        <p:spPr>
+          <a:xfrm>
+            <a:off x="1185447" y="1250696"/>
+            <a:ext cx="6219830" cy="4205221"/>
+          </a:xfrm>
+          <a:prstGeom prst="rect">
+            <a:avLst/>
+          </a:prstGeom>
+        </p:spPr>
+      </p:pic>
+      <p:cxnSp>
+        <p:nvCxnSpPr>
+          <p:cNvPr id="50" name="Straight Connector 49">
+            <a:extLst>
+              <a:ext uri="{FF2B5EF4-FFF2-40B4-BE49-F238E27FC236}">
+                <a16:creationId xmlns:a16="http://schemas.microsoft.com/office/drawing/2014/main" id="{997356D0-D934-42B9-8291-DF34A3AC0CFE}"/>
+              </a:ext>
+              <a:ext uri="{C183D7F6-B498-43B3-948B-1728B52AA6E4}">
+                <adec:decorative xmlns:adec="http://schemas.microsoft.com/office/drawing/2017/decorative" val="1"/>
               </a:ext>
             </a:extLst>
           </p:cNvPr>
@@ -19615,12 +19831,412 @@
   <p:cSld>
     <p:bg>
       <p:bgPr>
-        <a:blipFill>
-          <a:blip r:embed="rId3">
-            <a:extLst/>
+        <a:solidFill>
+          <a:schemeClr val="bg1"/>
+        </a:solidFill>
+        <a:effectLst/>
+      </p:bgPr>
+    </p:bg>
+    <p:spTree>
+      <p:nvGrpSpPr>
+        <p:cNvPr id="1" name=""/>
+        <p:cNvGrpSpPr/>
+        <p:nvPr/>
+      </p:nvGrpSpPr>
+      <p:grpSpPr>
+        <a:xfrm>
+          <a:off x="0" y="0"/>
+          <a:ext cx="0" cy="0"/>
+          <a:chOff x="0" y="0"/>
+          <a:chExt cx="0" cy="0"/>
+        </a:xfrm>
+      </p:grpSpPr>
+      <p:grpSp>
+        <p:nvGrpSpPr>
+          <p:cNvPr id="82" name="Group 81">
+            <a:extLst>
+              <a:ext uri="{FF2B5EF4-FFF2-40B4-BE49-F238E27FC236}">
+                <a16:creationId xmlns:a16="http://schemas.microsoft.com/office/drawing/2014/main" id="{5066F8AE-A5C7-4B3E-B1DA-D0B624059BED}"/>
+              </a:ext>
+              <a:ext uri="{C183D7F6-B498-43B3-948B-1728B52AA6E4}">
+                <adec:decorative xmlns:adec="http://schemas.microsoft.com/office/drawing/2017/decorative" val="1"/>
+              </a:ext>
+            </a:extLst>
+          </p:cNvPr>
+          <p:cNvGrpSpPr>
+            <a:grpSpLocks noGrp="1" noUngrp="1" noRot="1" noChangeAspect="1" noMove="1" noResize="1"/>
+          </p:cNvGrpSpPr>
+          <p:nvPr>
+            <p:extLst>
+              <p:ext uri="{386F3935-93C4-4BCD-93E2-E3B085C9AB24}">
+                <p16:designElem xmlns:p16="http://schemas.microsoft.com/office/powerpoint/2015/main" val="1"/>
+              </p:ext>
+            </p:extLst>
+          </p:nvPr>
+        </p:nvGrpSpPr>
+        <p:grpSpPr>
+          <a:xfrm>
+            <a:off x="-15736" y="0"/>
+            <a:ext cx="12229962" cy="6856214"/>
+            <a:chOff x="-15736" y="0"/>
+            <a:chExt cx="12229962" cy="6856214"/>
+          </a:xfrm>
+        </p:grpSpPr>
+        <p:pic>
+          <p:nvPicPr>
+            <p:cNvPr id="83" name="Picture 82">
+              <a:extLst>
+                <a:ext uri="{FF2B5EF4-FFF2-40B4-BE49-F238E27FC236}">
+                  <a16:creationId xmlns:a16="http://schemas.microsoft.com/office/drawing/2014/main" id="{F78E901E-6697-44E3-9533-1457FA4F0488}"/>
+                </a:ext>
+                <a:ext uri="{C183D7F6-B498-43B3-948B-1728B52AA6E4}">
+                  <adec:decorative xmlns:adec="http://schemas.microsoft.com/office/drawing/2017/decorative" val="1"/>
+                </a:ext>
+              </a:extLst>
+            </p:cNvPr>
+            <p:cNvPicPr>
+              <a:picLocks noChangeAspect="1"/>
+            </p:cNvPicPr>
+            <p:nvPr>
+              <p:extLst>
+                <p:ext uri="{386F3935-93C4-4BCD-93E2-E3B085C9AB24}">
+                  <p16:designElem xmlns:p16="http://schemas.microsoft.com/office/powerpoint/2015/main" val="1"/>
+                </p:ext>
+              </p:extLst>
+            </p:nvPr>
+          </p:nvPicPr>
+          <p:blipFill>
+            <a:blip r:embed="rId3">
+              <a:extLst>
+                <a:ext uri="{28A0092B-C50C-407E-A947-70E740481C1C}">
+                  <a14:useLocalDpi xmlns:a14="http://schemas.microsoft.com/office/drawing/2010/main" val="0"/>
+                </a:ext>
+              </a:extLst>
+            </a:blip>
+            <a:stretch>
+              <a:fillRect/>
+            </a:stretch>
+          </p:blipFill>
+          <p:spPr>
+            <a:xfrm>
+              <a:off x="0" y="0"/>
+              <a:ext cx="12188825" cy="6856214"/>
+            </a:xfrm>
+            <a:prstGeom prst="rect">
+              <a:avLst/>
+            </a:prstGeom>
+          </p:spPr>
+        </p:pic>
+        <p:sp>
+          <p:nvSpPr>
+            <p:cNvPr id="84" name="Rectangle 83">
+              <a:extLst>
+                <a:ext uri="{FF2B5EF4-FFF2-40B4-BE49-F238E27FC236}">
+                  <a16:creationId xmlns:a16="http://schemas.microsoft.com/office/drawing/2014/main" id="{C515452A-514A-4763-9932-37302A8D6DBA}"/>
+                </a:ext>
+                <a:ext uri="{C183D7F6-B498-43B3-948B-1728B52AA6E4}">
+                  <adec:decorative xmlns:adec="http://schemas.microsoft.com/office/drawing/2017/decorative" val="1"/>
+                </a:ext>
+              </a:extLst>
+            </p:cNvPr>
+            <p:cNvSpPr/>
+            <p:nvPr>
+              <p:extLst>
+                <p:ext uri="{386F3935-93C4-4BCD-93E2-E3B085C9AB24}">
+                  <p16:designElem xmlns:p16="http://schemas.microsoft.com/office/powerpoint/2015/main" val="1"/>
+                </p:ext>
+              </p:extLst>
+            </p:nvPr>
+          </p:nvSpPr>
+          <p:spPr>
+            <a:xfrm>
+              <a:off x="608012" y="609600"/>
+              <a:ext cx="10972800" cy="5638800"/>
+            </a:xfrm>
+            <a:prstGeom prst="rect">
+              <a:avLst/>
+            </a:prstGeom>
+            <a:noFill/>
+            <a:ln w="15875" cap="flat">
+              <a:miter lim="800000"/>
+            </a:ln>
+          </p:spPr>
+          <p:style>
+            <a:lnRef idx="1">
+              <a:schemeClr val="accent1"/>
+            </a:lnRef>
+            <a:fillRef idx="3">
+              <a:schemeClr val="accent1"/>
+            </a:fillRef>
+            <a:effectRef idx="2">
+              <a:schemeClr val="accent1"/>
+            </a:effectRef>
+            <a:fontRef idx="minor">
+              <a:schemeClr val="lt1"/>
+            </a:fontRef>
+          </p:style>
+        </p:sp>
+        <p:pic>
+          <p:nvPicPr>
+            <p:cNvPr id="85" name="Picture 84">
+              <a:extLst>
+                <a:ext uri="{FF2B5EF4-FFF2-40B4-BE49-F238E27FC236}">
+                  <a16:creationId xmlns:a16="http://schemas.microsoft.com/office/drawing/2014/main" id="{D0EC146D-CF08-4B34-ADEB-2F0296F98A14}"/>
+                </a:ext>
+                <a:ext uri="{C183D7F6-B498-43B3-948B-1728B52AA6E4}">
+                  <adec:decorative xmlns:adec="http://schemas.microsoft.com/office/drawing/2017/decorative" val="1"/>
+                </a:ext>
+              </a:extLst>
+            </p:cNvPr>
+            <p:cNvPicPr>
+              <a:picLocks noChangeAspect="1"/>
+            </p:cNvPicPr>
+            <p:nvPr>
+              <p:extLst>
+                <p:ext uri="{386F3935-93C4-4BCD-93E2-E3B085C9AB24}">
+                  <p16:designElem xmlns:p16="http://schemas.microsoft.com/office/powerpoint/2015/main" val="1"/>
+                </p:ext>
+              </p:extLst>
+            </p:nvPr>
+          </p:nvPicPr>
+          <p:blipFill rotWithShape="1">
+            <a:blip r:embed="rId4">
+              <a:extLst>
+                <a:ext uri="{28A0092B-C50C-407E-A947-70E740481C1C}">
+                  <a14:useLocalDpi xmlns:a14="http://schemas.microsoft.com/office/drawing/2010/main" val="0"/>
+                </a:ext>
+              </a:extLst>
+            </a:blip>
+            <a:srcRect/>
+            <a:stretch/>
+          </p:blipFill>
+          <p:spPr>
+            <a:xfrm>
+              <a:off x="-15736" y="3153832"/>
+              <a:ext cx="777240" cy="606425"/>
+            </a:xfrm>
+            <a:prstGeom prst="rect">
+              <a:avLst/>
+            </a:prstGeom>
+          </p:spPr>
+        </p:pic>
+        <p:pic>
+          <p:nvPicPr>
+            <p:cNvPr id="86" name="Picture 85">
+              <a:extLst>
+                <a:ext uri="{FF2B5EF4-FFF2-40B4-BE49-F238E27FC236}">
+                  <a16:creationId xmlns:a16="http://schemas.microsoft.com/office/drawing/2014/main" id="{E1FBA240-87AB-400A-9292-7DC6F3E55215}"/>
+                </a:ext>
+                <a:ext uri="{C183D7F6-B498-43B3-948B-1728B52AA6E4}">
+                  <adec:decorative xmlns:adec="http://schemas.microsoft.com/office/drawing/2017/decorative" val="1"/>
+                </a:ext>
+              </a:extLst>
+            </p:cNvPr>
+            <p:cNvPicPr>
+              <a:picLocks noChangeAspect="1"/>
+            </p:cNvPicPr>
+            <p:nvPr>
+              <p:extLst>
+                <p:ext uri="{386F3935-93C4-4BCD-93E2-E3B085C9AB24}">
+                  <p16:designElem xmlns:p16="http://schemas.microsoft.com/office/powerpoint/2015/main" val="1"/>
+                </p:ext>
+              </p:extLst>
+            </p:nvPr>
+          </p:nvPicPr>
+          <p:blipFill rotWithShape="1">
+            <a:blip r:embed="rId4">
+              <a:extLst>
+                <a:ext uri="{28A0092B-C50C-407E-A947-70E740481C1C}">
+                  <a14:useLocalDpi xmlns:a14="http://schemas.microsoft.com/office/drawing/2010/main" val="0"/>
+                </a:ext>
+              </a:extLst>
+            </a:blip>
+            <a:srcRect/>
+            <a:stretch/>
+          </p:blipFill>
+          <p:spPr>
+            <a:xfrm>
+              <a:off x="11436986" y="3153832"/>
+              <a:ext cx="777240" cy="606425"/>
+            </a:xfrm>
+            <a:prstGeom prst="rect">
+              <a:avLst/>
+            </a:prstGeom>
+          </p:spPr>
+        </p:pic>
+      </p:grpSp>
+      <p:sp useBgFill="1">
+        <p:nvSpPr>
+          <p:cNvPr id="88" name="Rectangle 87">
+            <a:extLst>
+              <a:ext uri="{FF2B5EF4-FFF2-40B4-BE49-F238E27FC236}">
+                <a16:creationId xmlns:a16="http://schemas.microsoft.com/office/drawing/2014/main" id="{7193F1A9-EED8-46C5-A64D-C219BE030BE1}"/>
+              </a:ext>
+              <a:ext uri="{C183D7F6-B498-43B3-948B-1728B52AA6E4}">
+                <adec:decorative xmlns:adec="http://schemas.microsoft.com/office/drawing/2017/decorative" val="1"/>
+              </a:ext>
+            </a:extLst>
+          </p:cNvPr>
+          <p:cNvSpPr>
+            <a:spLocks noGrp="1" noRot="1" noChangeAspect="1" noMove="1" noResize="1" noEditPoints="1" noAdjustHandles="1" noChangeArrowheads="1" noChangeShapeType="1" noTextEdit="1"/>
+          </p:cNvSpPr>
+          <p:nvPr>
+            <p:extLst>
+              <p:ext uri="{386F3935-93C4-4BCD-93E2-E3B085C9AB24}">
+                <p16:designElem xmlns:p16="http://schemas.microsoft.com/office/powerpoint/2015/main" val="1"/>
+              </p:ext>
+            </p:extLst>
+          </p:nvPr>
+        </p:nvSpPr>
+        <p:spPr>
+          <a:xfrm>
+            <a:off x="0" y="0"/>
+            <a:ext cx="12192000" cy="6858000"/>
+          </a:xfrm>
+          <a:prstGeom prst="rect">
+            <a:avLst/>
+          </a:prstGeom>
+          <a:ln>
+            <a:noFill/>
+          </a:ln>
+        </p:spPr>
+        <p:style>
+          <a:lnRef idx="2">
+            <a:schemeClr val="accent1">
+              <a:shade val="50000"/>
+            </a:schemeClr>
+          </a:lnRef>
+          <a:fillRef idx="1">
+            <a:schemeClr val="accent1"/>
+          </a:fillRef>
+          <a:effectRef idx="0">
+            <a:schemeClr val="accent1"/>
+          </a:effectRef>
+          <a:fontRef idx="minor">
+            <a:schemeClr val="lt1"/>
+          </a:fontRef>
+        </p:style>
+        <p:txBody>
+          <a:bodyPr rtlCol="0" anchor="ctr"/>
+          <a:lstStyle/>
+          <a:p>
+            <a:pPr algn="ctr"/>
+            <a:endParaRPr lang="en-US"/>
+          </a:p>
+        </p:txBody>
+      </p:sp>
+      <p:pic>
+        <p:nvPicPr>
+          <p:cNvPr id="3" name="Billede 2" descr="Et billede, der indeholder skærmbillede&#10;&#10;Beskrivelse, der er oprettet med meget høj sikkerhed">
+            <a:extLst>
+              <a:ext uri="{FF2B5EF4-FFF2-40B4-BE49-F238E27FC236}">
+                <a16:creationId xmlns:a16="http://schemas.microsoft.com/office/drawing/2014/main" id="{EE51DB15-42B9-413E-B433-91D001B6430C}"/>
+              </a:ext>
+            </a:extLst>
+          </p:cNvPr>
+          <p:cNvPicPr>
+            <a:picLocks noChangeAspect="1"/>
+          </p:cNvPicPr>
+          <p:nvPr/>
+        </p:nvPicPr>
+        <p:blipFill rotWithShape="1">
+          <a:blip r:embed="rId5">
+            <a:extLst>
+              <a:ext uri="{28A0092B-C50C-407E-A947-70E740481C1C}">
+                <a14:useLocalDpi xmlns:a14="http://schemas.microsoft.com/office/drawing/2010/main" val="0"/>
+              </a:ext>
+            </a:extLst>
           </a:blip>
+          <a:srcRect r="25402" b="-1"/>
           <a:stretch/>
-        </a:blipFill>
+        </p:blipFill>
+        <p:spPr>
+          <a:xfrm>
+            <a:off x="804334" y="804334"/>
+            <a:ext cx="10583332" cy="5249332"/>
+          </a:xfrm>
+          <a:prstGeom prst="rect">
+            <a:avLst/>
+          </a:prstGeom>
+        </p:spPr>
+      </p:pic>
+      <p:sp>
+        <p:nvSpPr>
+          <p:cNvPr id="90" name="Rectangle 89">
+            <a:extLst>
+              <a:ext uri="{FF2B5EF4-FFF2-40B4-BE49-F238E27FC236}">
+                <a16:creationId xmlns:a16="http://schemas.microsoft.com/office/drawing/2014/main" id="{ECE6865D-C104-4F99-86B8-B6E914940FF5}"/>
+              </a:ext>
+              <a:ext uri="{C183D7F6-B498-43B3-948B-1728B52AA6E4}">
+                <adec:decorative xmlns:adec="http://schemas.microsoft.com/office/drawing/2017/decorative" val="1"/>
+              </a:ext>
+            </a:extLst>
+          </p:cNvPr>
+          <p:cNvSpPr>
+            <a:spLocks noGrp="1" noRot="1" noChangeAspect="1" noMove="1" noResize="1" noEditPoints="1" noAdjustHandles="1" noChangeArrowheads="1" noChangeShapeType="1" noTextEdit="1"/>
+          </p:cNvSpPr>
+          <p:nvPr>
+            <p:extLst>
+              <p:ext uri="{386F3935-93C4-4BCD-93E2-E3B085C9AB24}">
+                <p16:designElem xmlns:p16="http://schemas.microsoft.com/office/powerpoint/2015/main" val="1"/>
+              </p:ext>
+            </p:extLst>
+          </p:nvPr>
+        </p:nvSpPr>
+        <p:spPr>
+          <a:xfrm>
+            <a:off x="324611" y="350556"/>
+            <a:ext cx="11542779" cy="6156888"/>
+          </a:xfrm>
+          <a:prstGeom prst="rect">
+            <a:avLst/>
+          </a:prstGeom>
+          <a:noFill/>
+          <a:ln>
+            <a:solidFill>
+              <a:srgbClr val="6FCFF3"/>
+            </a:solidFill>
+          </a:ln>
+        </p:spPr>
+        <p:style>
+          <a:lnRef idx="1">
+            <a:schemeClr val="accent1"/>
+          </a:lnRef>
+          <a:fillRef idx="3">
+            <a:schemeClr val="accent1"/>
+          </a:fillRef>
+          <a:effectRef idx="2">
+            <a:schemeClr val="accent1"/>
+          </a:effectRef>
+          <a:fontRef idx="minor">
+            <a:schemeClr val="lt1"/>
+          </a:fontRef>
+        </p:style>
+      </p:sp>
+    </p:spTree>
+    <p:extLst>
+      <p:ext uri="{BB962C8B-B14F-4D97-AF65-F5344CB8AC3E}">
+        <p14:creationId xmlns:p14="http://schemas.microsoft.com/office/powerpoint/2010/main" val="3537916646"/>
+      </p:ext>
+    </p:extLst>
+  </p:cSld>
+  <p:clrMapOvr>
+    <a:masterClrMapping/>
+  </p:clrMapOvr>
+  <p:transition spd="med">
+    <p:pull/>
+  </p:transition>
+</p:sld>
+</file>
+
+<file path=ppt/slides/slide17.xml><?xml version="1.0" encoding="utf-8"?>
+<p:sld xmlns:a="http://schemas.openxmlformats.org/drawingml/2006/main" xmlns:r="http://schemas.openxmlformats.org/officeDocument/2006/relationships" xmlns:p="http://schemas.openxmlformats.org/presentationml/2006/main">
+  <p:cSld>
+    <p:bg>
+      <p:bgPr>
+        <a:solidFill>
+          <a:schemeClr val="bg1"/>
+        </a:solidFill>
         <a:effectLst/>
       </p:bgPr>
     </p:bg>
@@ -19644,6 +20260,9 @@
             <a:extLst>
               <a:ext uri="{FF2B5EF4-FFF2-40B4-BE49-F238E27FC236}">
                 <a16:creationId xmlns:a16="http://schemas.microsoft.com/office/drawing/2014/main" id="{B77576E5-E7DB-46C7-B0D9-A0AB18787301}"/>
+              </a:ext>
+              <a:ext uri="{C183D7F6-B498-43B3-948B-1728B52AA6E4}">
+                <adec:decorative xmlns:adec="http://schemas.microsoft.com/office/drawing/2017/decorative" val="1"/>
               </a:ext>
             </a:extLst>
           </p:cNvPr>
@@ -19673,6 +20292,9 @@
                 <a:ext uri="{FF2B5EF4-FFF2-40B4-BE49-F238E27FC236}">
                   <a16:creationId xmlns:a16="http://schemas.microsoft.com/office/drawing/2014/main" id="{A2C244BC-AB19-460B-9A7B-5BAFE9DEAB00}"/>
                 </a:ext>
+                <a:ext uri="{C183D7F6-B498-43B3-948B-1728B52AA6E4}">
+                  <adec:decorative xmlns:adec="http://schemas.microsoft.com/office/drawing/2017/decorative" val="1"/>
+                </a:ext>
               </a:extLst>
             </p:cNvPr>
             <p:cNvPicPr>
@@ -19687,7 +20309,7 @@
             </p:nvPr>
           </p:nvPicPr>
           <p:blipFill>
-            <a:blip r:embed="rId4">
+            <a:blip r:embed="rId2">
               <a:extLst>
                 <a:ext uri="{28A0092B-C50C-407E-A947-70E740481C1C}">
                   <a14:useLocalDpi xmlns:a14="http://schemas.microsoft.com/office/drawing/2010/main" val="0"/>
@@ -19714,6 +20336,9 @@
               <a:extLst>
                 <a:ext uri="{FF2B5EF4-FFF2-40B4-BE49-F238E27FC236}">
                   <a16:creationId xmlns:a16="http://schemas.microsoft.com/office/drawing/2014/main" id="{C2D7728D-2CB0-4ADE-B6BF-4BA8ED772A31}"/>
+                </a:ext>
+                <a:ext uri="{C183D7F6-B498-43B3-948B-1728B52AA6E4}">
+                  <adec:decorative xmlns:adec="http://schemas.microsoft.com/office/drawing/2017/decorative" val="1"/>
                 </a:ext>
               </a:extLst>
             </p:cNvPr>
@@ -19761,6 +20386,9 @@
                 <a:ext uri="{FF2B5EF4-FFF2-40B4-BE49-F238E27FC236}">
                   <a16:creationId xmlns:a16="http://schemas.microsoft.com/office/drawing/2014/main" id="{A3E0EDB8-8162-4D16-9521-52415777B0B4}"/>
                 </a:ext>
+                <a:ext uri="{C183D7F6-B498-43B3-948B-1728B52AA6E4}">
+                  <adec:decorative xmlns:adec="http://schemas.microsoft.com/office/drawing/2017/decorative" val="1"/>
+                </a:ext>
               </a:extLst>
             </p:cNvPr>
             <p:cNvPicPr>
@@ -19775,7 +20403,7 @@
             </p:nvPr>
           </p:nvPicPr>
           <p:blipFill rotWithShape="1">
-            <a:blip r:embed="rId5">
+            <a:blip r:embed="rId3">
               <a:extLst>
                 <a:ext uri="{28A0092B-C50C-407E-A947-70E740481C1C}">
                   <a14:useLocalDpi xmlns:a14="http://schemas.microsoft.com/office/drawing/2010/main" val="0"/>
@@ -19802,6 +20430,9 @@
                 <a:ext uri="{FF2B5EF4-FFF2-40B4-BE49-F238E27FC236}">
                   <a16:creationId xmlns:a16="http://schemas.microsoft.com/office/drawing/2014/main" id="{27060CB3-C139-4548-A73F-74689C9292D0}"/>
                 </a:ext>
+                <a:ext uri="{C183D7F6-B498-43B3-948B-1728B52AA6E4}">
+                  <adec:decorative xmlns:adec="http://schemas.microsoft.com/office/drawing/2017/decorative" val="1"/>
+                </a:ext>
               </a:extLst>
             </p:cNvPr>
             <p:cNvPicPr>
@@ -19816,7 +20447,7 @@
             </p:nvPr>
           </p:nvPicPr>
           <p:blipFill rotWithShape="1">
-            <a:blip r:embed="rId5">
+            <a:blip r:embed="rId3">
               <a:extLst>
                 <a:ext uri="{28A0092B-C50C-407E-A947-70E740481C1C}">
                   <a14:useLocalDpi xmlns:a14="http://schemas.microsoft.com/office/drawing/2010/main" val="0"/>
@@ -19837,12 +20468,15 @@
           </p:spPr>
         </p:pic>
       </p:grpSp>
-      <p:sp>
+      <p:sp useBgFill="1">
         <p:nvSpPr>
           <p:cNvPr id="16" name="Rectangle 15">
             <a:extLst>
               <a:ext uri="{FF2B5EF4-FFF2-40B4-BE49-F238E27FC236}">
-                <a16:creationId xmlns:a16="http://schemas.microsoft.com/office/drawing/2014/main" id="{E6B80853-775B-47C1-A508-0AAD6FCE5ADB}"/>
+                <a16:creationId xmlns:a16="http://schemas.microsoft.com/office/drawing/2014/main" id="{38181A50-C8BE-4392-983D-C06579080585}"/>
+              </a:ext>
+              <a:ext uri="{C183D7F6-B498-43B3-948B-1728B52AA6E4}">
+                <adec:decorative xmlns:adec="http://schemas.microsoft.com/office/drawing/2017/decorative" val="1"/>
               </a:ext>
             </a:extLst>
           </p:cNvPr>
@@ -19865,12 +20499,6 @@
           <a:prstGeom prst="rect">
             <a:avLst/>
           </a:prstGeom>
-          <a:solidFill>
-            <a:schemeClr val="tx2">
-              <a:lumMod val="75000"/>
-              <a:lumOff val="25000"/>
-            </a:schemeClr>
-          </a:solidFill>
           <a:ln>
             <a:noFill/>
           </a:ln>
@@ -19900,69 +20528,12 @@
           </a:p>
         </p:txBody>
       </p:sp>
-      <p:sp>
-        <p:nvSpPr>
-          <p:cNvPr id="18" name="Rectangle 17">
+      <p:pic>
+        <p:nvPicPr>
+          <p:cNvPr id="5" name="Billede 4" descr="Et billede, der indeholder skærmbillede&#10;&#10;Beskrivelse, der er oprettet med meget høj sikkerhed">
             <a:extLst>
               <a:ext uri="{FF2B5EF4-FFF2-40B4-BE49-F238E27FC236}">
-                <a16:creationId xmlns:a16="http://schemas.microsoft.com/office/drawing/2014/main" id="{9BF62520-0403-497A-958B-FD6E8037E8FA}"/>
-              </a:ext>
-            </a:extLst>
-          </p:cNvPr>
-          <p:cNvSpPr>
-            <a:spLocks noGrp="1" noRot="1" noChangeAspect="1" noMove="1" noResize="1" noEditPoints="1" noAdjustHandles="1" noChangeArrowheads="1" noChangeShapeType="1" noTextEdit="1"/>
-          </p:cNvSpPr>
-          <p:nvPr>
-            <p:extLst>
-              <p:ext uri="{386F3935-93C4-4BCD-93E2-E3B085C9AB24}">
-                <p16:designElem xmlns:p16="http://schemas.microsoft.com/office/powerpoint/2015/main" val="1"/>
-              </p:ext>
-            </p:extLst>
-          </p:nvPr>
-        </p:nvSpPr>
-        <p:spPr>
-          <a:xfrm>
-            <a:off x="463685" y="471792"/>
-            <a:ext cx="11264630" cy="5914417"/>
-          </a:xfrm>
-          <a:prstGeom prst="rect">
-            <a:avLst/>
-          </a:prstGeom>
-          <a:solidFill>
-            <a:schemeClr val="bg1"/>
-          </a:solidFill>
-        </p:spPr>
-        <p:style>
-          <a:lnRef idx="2">
-            <a:schemeClr val="accent1">
-              <a:shade val="50000"/>
-            </a:schemeClr>
-          </a:lnRef>
-          <a:fillRef idx="1">
-            <a:schemeClr val="accent1"/>
-          </a:fillRef>
-          <a:effectRef idx="0">
-            <a:schemeClr val="accent1"/>
-          </a:effectRef>
-          <a:fontRef idx="minor">
-            <a:schemeClr val="lt1"/>
-          </a:fontRef>
-        </p:style>
-        <p:txBody>
-          <a:bodyPr rtlCol="0" anchor="ctr"/>
-          <a:lstStyle/>
-          <a:p>
-            <a:pPr algn="ctr"/>
-            <a:endParaRPr lang="en-US"/>
-          </a:p>
-        </p:txBody>
-      </p:sp>
-      <p:pic>
-        <p:nvPicPr>
-          <p:cNvPr id="5" name="Picture 4" descr="A screenshot of a cell phone&#10;&#10;Description generated with very high confidence">
-            <a:extLst>
-              <a:ext uri="{FF2B5EF4-FFF2-40B4-BE49-F238E27FC236}">
-                <a16:creationId xmlns:a16="http://schemas.microsoft.com/office/drawing/2014/main" id="{107FEA5A-714F-4121-9962-1671D7DA3F95}"/>
+                <a16:creationId xmlns:a16="http://schemas.microsoft.com/office/drawing/2014/main" id="{3AEC5BD4-2144-4E9D-9571-CD13126BF82D}"/>
               </a:ext>
             </a:extLst>
           </p:cNvPr>
@@ -19972,7 +20543,7 @@
           <p:nvPr/>
         </p:nvPicPr>
         <p:blipFill>
-          <a:blip r:embed="rId6">
+          <a:blip r:embed="rId4">
             <a:extLst>
               <a:ext uri="{28A0092B-C50C-407E-A947-70E740481C1C}">
                 <a14:useLocalDpi xmlns:a14="http://schemas.microsoft.com/office/drawing/2010/main" val="0"/>
@@ -19985,129 +20556,8 @@
         </p:blipFill>
         <p:spPr>
           <a:xfrm>
-            <a:off x="1105514" y="1619949"/>
-            <a:ext cx="9980973" cy="3618102"/>
-          </a:xfrm>
-          <a:prstGeom prst="rect">
-            <a:avLst/>
-          </a:prstGeom>
-        </p:spPr>
-      </p:pic>
-      <p:sp>
-        <p:nvSpPr>
-          <p:cNvPr id="20" name="Rectangle 19">
-            <a:extLst>
-              <a:ext uri="{FF2B5EF4-FFF2-40B4-BE49-F238E27FC236}">
-                <a16:creationId xmlns:a16="http://schemas.microsoft.com/office/drawing/2014/main" id="{BB3A422A-21ED-464B-B2EF-EE5B061BED4A}"/>
-              </a:ext>
-            </a:extLst>
-          </p:cNvPr>
-          <p:cNvSpPr>
-            <a:spLocks noGrp="1" noRot="1" noChangeAspect="1" noMove="1" noResize="1" noEditPoints="1" noAdjustHandles="1" noChangeArrowheads="1" noChangeShapeType="1" noTextEdit="1"/>
-          </p:cNvSpPr>
-          <p:nvPr>
-            <p:extLst>
-              <p:ext uri="{386F3935-93C4-4BCD-93E2-E3B085C9AB24}">
-                <p16:designElem xmlns:p16="http://schemas.microsoft.com/office/powerpoint/2015/main" val="1"/>
-              </p:ext>
-            </p:extLst>
-          </p:nvPr>
-        </p:nvSpPr>
-        <p:spPr>
-          <a:xfrm>
-            <a:off x="618744" y="635508"/>
-            <a:ext cx="10954512" cy="5586984"/>
-          </a:xfrm>
-          <a:prstGeom prst="rect">
-            <a:avLst/>
-          </a:prstGeom>
-          <a:noFill/>
-          <a:ln>
-            <a:solidFill>
-              <a:srgbClr val="5C4A9E"/>
-            </a:solidFill>
-          </a:ln>
-        </p:spPr>
-        <p:style>
-          <a:lnRef idx="1">
-            <a:schemeClr val="accent1"/>
-          </a:lnRef>
-          <a:fillRef idx="3">
-            <a:schemeClr val="accent1"/>
-          </a:fillRef>
-          <a:effectRef idx="2">
-            <a:schemeClr val="accent1"/>
-          </a:effectRef>
-          <a:fontRef idx="minor">
-            <a:schemeClr val="lt1"/>
-          </a:fontRef>
-        </p:style>
-      </p:sp>
-    </p:spTree>
-    <p:extLst>
-      <p:ext uri="{BB962C8B-B14F-4D97-AF65-F5344CB8AC3E}">
-        <p14:creationId xmlns:p14="http://schemas.microsoft.com/office/powerpoint/2010/main" val="3537916646"/>
-      </p:ext>
-    </p:extLst>
-  </p:cSld>
-  <p:clrMapOvr>
-    <a:masterClrMapping/>
-  </p:clrMapOvr>
-  <p:transition spd="med">
-    <p:pull/>
-  </p:transition>
-</p:sld>
-</file>
-
-<file path=ppt/slides/slide17.xml><?xml version="1.0" encoding="utf-8"?>
-<p:sld xmlns:a="http://schemas.openxmlformats.org/drawingml/2006/main" xmlns:r="http://schemas.openxmlformats.org/officeDocument/2006/relationships" xmlns:p="http://schemas.openxmlformats.org/presentationml/2006/main">
-  <p:cSld>
-    <p:spTree>
-      <p:nvGrpSpPr>
-        <p:cNvPr id="1" name=""/>
-        <p:cNvGrpSpPr/>
-        <p:nvPr/>
-      </p:nvGrpSpPr>
-      <p:grpSpPr>
-        <a:xfrm>
-          <a:off x="0" y="0"/>
-          <a:ext cx="0" cy="0"/>
-          <a:chOff x="0" y="0"/>
-          <a:chExt cx="0" cy="0"/>
-        </a:xfrm>
-      </p:grpSpPr>
-      <p:pic>
-        <p:nvPicPr>
-          <p:cNvPr id="4" name="Picture 5" descr="A screenshot of a social media post&#10;&#10;Description generated with very high confidence">
-            <a:extLst>
-              <a:ext uri="{FF2B5EF4-FFF2-40B4-BE49-F238E27FC236}">
-                <a16:creationId xmlns:a16="http://schemas.microsoft.com/office/drawing/2014/main" id="{113672A1-777C-47FC-B7D1-3C32117C205C}"/>
-              </a:ext>
-            </a:extLst>
-          </p:cNvPr>
-          <p:cNvPicPr>
-            <a:picLocks noGrp="1" noChangeAspect="1"/>
-          </p:cNvPicPr>
-          <p:nvPr>
-            <p:ph idx="1"/>
-          </p:nvPr>
-        </p:nvPicPr>
-        <p:blipFill>
-          <a:blip r:embed="rId2">
-            <a:extLst>
-              <a:ext uri="{28A0092B-C50C-407E-A947-70E740481C1C}">
-                <a14:useLocalDpi xmlns:a14="http://schemas.microsoft.com/office/drawing/2010/main" val="0"/>
-              </a:ext>
-            </a:extLst>
-          </a:blip>
-          <a:stretch>
-            <a:fillRect/>
-          </a:stretch>
-        </p:blipFill>
-        <p:spPr>
-          <a:xfrm>
-            <a:off x="1111250" y="1731724"/>
-            <a:ext cx="10295748" cy="3561636"/>
+            <a:off x="2720224" y="804334"/>
+            <a:ext cx="6751552" cy="5249332"/>
           </a:xfrm>
           <a:prstGeom prst="rect">
             <a:avLst/>
@@ -20117,7 +20567,7 @@
     </p:spTree>
     <p:extLst>
       <p:ext uri="{BB962C8B-B14F-4D97-AF65-F5344CB8AC3E}">
-        <p14:creationId xmlns:p14="http://schemas.microsoft.com/office/powerpoint/2010/main" val="3680886145"/>
+        <p14:creationId xmlns:p14="http://schemas.microsoft.com/office/powerpoint/2010/main" val="3045699795"/>
       </p:ext>
     </p:extLst>
   </p:cSld>
@@ -20217,13 +20667,8 @@
           <a:p>
             <a:r>
               <a:rPr lang="en-US" dirty="0"/>
-              <a:t>To test the functionality we have tested each and every </a:t>
+              <a:t>To test the functionality we have tested each and every method in</a:t>
             </a:r>
-            <a:r>
-              <a:rPr lang="en-US"/>
-              <a:t>method in</a:t>
-            </a:r>
-            <a:endParaRPr lang="en-US" dirty="0"/>
           </a:p>
           <a:p>
             <a:pPr marL="0" indent="0">
@@ -24634,42 +25079,6 @@
           </a:p>
         </p:txBody>
       </p:sp>
-      <p:pic>
-        <p:nvPicPr>
-          <p:cNvPr id="5" name="Picture 4">
-            <a:extLst>
-              <a:ext uri="{FF2B5EF4-FFF2-40B4-BE49-F238E27FC236}">
-                <a16:creationId xmlns:a16="http://schemas.microsoft.com/office/drawing/2014/main" id="{0B68B590-EA03-49FF-87C1-2DE6050638A1}"/>
-              </a:ext>
-            </a:extLst>
-          </p:cNvPr>
-          <p:cNvPicPr>
-            <a:picLocks noChangeAspect="1"/>
-          </p:cNvPicPr>
-          <p:nvPr/>
-        </p:nvPicPr>
-        <p:blipFill>
-          <a:blip r:embed="rId7" cstate="print">
-            <a:extLst>
-              <a:ext uri="{28A0092B-C50C-407E-A947-70E740481C1C}">
-                <a14:useLocalDpi xmlns:a14="http://schemas.microsoft.com/office/drawing/2010/main" val="0"/>
-              </a:ext>
-            </a:extLst>
-          </a:blip>
-          <a:stretch>
-            <a:fillRect/>
-          </a:stretch>
-        </p:blipFill>
-        <p:spPr>
-          <a:xfrm>
-            <a:off x="1412683" y="2089282"/>
-            <a:ext cx="4348925" cy="2500631"/>
-          </a:xfrm>
-          <a:prstGeom prst="rect">
-            <a:avLst/>
-          </a:prstGeom>
-        </p:spPr>
-      </p:pic>
       <p:cxnSp>
         <p:nvCxnSpPr>
           <p:cNvPr id="35" name="Straight Connector 27">
@@ -24732,8 +25141,8 @@
         </p:nvSpPr>
         <p:spPr>
           <a:xfrm>
-            <a:off x="6553770" y="1041401"/>
-            <a:ext cx="4538526" cy="2345264"/>
+            <a:off x="6884636" y="1323692"/>
+            <a:ext cx="3697670" cy="2104415"/>
           </a:xfrm>
         </p:spPr>
         <p:txBody>
@@ -24743,7 +25152,7 @@
           <a:lstStyle/>
           <a:p>
             <a:r>
-              <a:rPr lang="en-US" sz="5400" b="1">
+              <a:rPr lang="en-US" sz="4000" b="1" dirty="0">
                 <a:solidFill>
                   <a:srgbClr val="262626"/>
                 </a:solidFill>
@@ -24753,6 +25162,42 @@
           </a:p>
         </p:txBody>
       </p:sp>
+      <p:pic>
+        <p:nvPicPr>
+          <p:cNvPr id="4" name="Billede 3">
+            <a:extLst>
+              <a:ext uri="{FF2B5EF4-FFF2-40B4-BE49-F238E27FC236}">
+                <a16:creationId xmlns:a16="http://schemas.microsoft.com/office/drawing/2014/main" id="{42F0E877-A5B9-4CE8-B028-8B8ACA3F9000}"/>
+              </a:ext>
+            </a:extLst>
+          </p:cNvPr>
+          <p:cNvPicPr>
+            <a:picLocks noChangeAspect="1"/>
+          </p:cNvPicPr>
+          <p:nvPr/>
+        </p:nvPicPr>
+        <p:blipFill>
+          <a:blip r:embed="rId7">
+            <a:extLst>
+              <a:ext uri="{28A0092B-C50C-407E-A947-70E740481C1C}">
+                <a14:useLocalDpi xmlns:a14="http://schemas.microsoft.com/office/drawing/2010/main" val="0"/>
+              </a:ext>
+            </a:extLst>
+          </a:blip>
+          <a:stretch>
+            <a:fillRect/>
+          </a:stretch>
+        </p:blipFill>
+        <p:spPr>
+          <a:xfrm>
+            <a:off x="1153756" y="1250696"/>
+            <a:ext cx="4792001" cy="4276344"/>
+          </a:xfrm>
+          <a:prstGeom prst="rect">
+            <a:avLst/>
+          </a:prstGeom>
+        </p:spPr>
+      </p:pic>
     </p:spTree>
     <p:extLst>
       <p:ext uri="{BB962C8B-B14F-4D97-AF65-F5344CB8AC3E}">
